--- a/深度学习数学原理初探.pptx
+++ b/深度学习数学原理初探.pptx
@@ -5,11 +5,16 @@
     <p:sldMasterId id="2147483720" r:id="rId1"/>
   </p:sldMasterIdLst>
   <p:notesMasterIdLst>
-    <p:notesMasterId r:id="rId4"/>
+    <p:notesMasterId r:id="rId9"/>
   </p:notesMasterIdLst>
   <p:sldIdLst>
     <p:sldId id="256" r:id="rId2"/>
     <p:sldId id="257" r:id="rId3"/>
+    <p:sldId id="258" r:id="rId4"/>
+    <p:sldId id="259" r:id="rId5"/>
+    <p:sldId id="260" r:id="rId6"/>
+    <p:sldId id="261" r:id="rId7"/>
+    <p:sldId id="262" r:id="rId8"/>
   </p:sldIdLst>
   <p:sldSz cx="9144000" cy="6858000" type="screen4x3"/>
   <p:notesSz cx="6858000" cy="9144000"/>
@@ -115,6 +120,11 @@
           <p14:sldIdLst>
             <p14:sldId id="256"/>
             <p14:sldId id="257"/>
+            <p14:sldId id="258"/>
+            <p14:sldId id="259"/>
+            <p14:sldId id="260"/>
+            <p14:sldId id="261"/>
+            <p14:sldId id="262"/>
           </p14:sldIdLst>
         </p14:section>
       </p14:sectionLst>
@@ -3977,7 +3987,12 @@
           <a:bodyPr/>
           <a:lstStyle/>
           <a:p>
-            <a:endParaRPr lang="zh-CN" altLang="en-US"/>
+            <a:pPr algn="l"/>
+            <a:r>
+              <a:rPr lang="zh-CN" altLang="en-US" dirty="0" smtClean="0"/>
+              <a:t>目录</a:t>
+            </a:r>
+            <a:endParaRPr lang="zh-CN" altLang="en-US" dirty="0"/>
           </a:p>
         </p:txBody>
       </p:sp>
@@ -3993,10 +4008,149 @@
         </p:nvSpPr>
         <p:spPr/>
         <p:txBody>
-          <a:bodyPr/>
-          <a:lstStyle/>
-          <a:p>
-            <a:endParaRPr lang="zh-CN" altLang="en-US"/>
+          <a:bodyPr>
+            <a:normAutofit/>
+          </a:bodyPr>
+          <a:lstStyle/>
+          <a:p>
+            <a:pPr>
+              <a:lnSpc>
+                <a:spcPct val="150000"/>
+              </a:lnSpc>
+              <a:buClr>
+                <a:schemeClr val="accent1">
+                  <a:lumMod val="75000"/>
+                </a:schemeClr>
+              </a:buClr>
+              <a:buFont typeface="Wingdings" panose="05000000000000000000" pitchFamily="2" charset="2"/>
+              <a:buChar char="u"/>
+            </a:pPr>
+            <a:r>
+              <a:rPr lang="zh-CN" altLang="en-US" sz="3200" dirty="0" smtClean="0">
+                <a:solidFill>
+                  <a:schemeClr val="tx1"/>
+                </a:solidFill>
+              </a:rPr>
+              <a:t>  简介</a:t>
+            </a:r>
+            <a:endParaRPr lang="en-US" altLang="zh-CN" sz="3200" dirty="0" smtClean="0">
+              <a:solidFill>
+                <a:schemeClr val="tx1"/>
+              </a:solidFill>
+            </a:endParaRPr>
+          </a:p>
+          <a:p>
+            <a:pPr>
+              <a:lnSpc>
+                <a:spcPct val="200000"/>
+              </a:lnSpc>
+              <a:buClr>
+                <a:schemeClr val="accent1">
+                  <a:lumMod val="75000"/>
+                </a:schemeClr>
+              </a:buClr>
+              <a:buFont typeface="Wingdings" panose="05000000000000000000" pitchFamily="2" charset="2"/>
+              <a:buChar char="u"/>
+            </a:pPr>
+            <a:r>
+              <a:rPr lang="en-US" altLang="zh-CN" sz="3200" dirty="0" smtClean="0">
+                <a:solidFill>
+                  <a:schemeClr val="tx1"/>
+                </a:solidFill>
+              </a:rPr>
+              <a:t>  </a:t>
+            </a:r>
+            <a:r>
+              <a:rPr lang="zh-CN" altLang="en-US" sz="3200" dirty="0" smtClean="0">
+                <a:solidFill>
+                  <a:schemeClr val="tx1"/>
+                </a:solidFill>
+              </a:rPr>
+              <a:t>神经网络</a:t>
+            </a:r>
+            <a:endParaRPr lang="en-US" altLang="zh-CN" sz="3200" dirty="0" smtClean="0">
+              <a:solidFill>
+                <a:schemeClr val="tx1"/>
+              </a:solidFill>
+            </a:endParaRPr>
+          </a:p>
+          <a:p>
+            <a:pPr>
+              <a:lnSpc>
+                <a:spcPct val="200000"/>
+              </a:lnSpc>
+              <a:buClr>
+                <a:schemeClr val="accent1">
+                  <a:lumMod val="75000"/>
+                </a:schemeClr>
+              </a:buClr>
+              <a:buFont typeface="Wingdings" panose="05000000000000000000" pitchFamily="2" charset="2"/>
+              <a:buChar char="u"/>
+            </a:pPr>
+            <a:r>
+              <a:rPr lang="en-US" altLang="zh-CN" sz="3200" dirty="0" smtClean="0">
+                <a:solidFill>
+                  <a:schemeClr val="tx1"/>
+                </a:solidFill>
+              </a:rPr>
+              <a:t>  </a:t>
+            </a:r>
+            <a:r>
+              <a:rPr lang="zh-CN" altLang="en-US" sz="3200" dirty="0" smtClean="0">
+                <a:solidFill>
+                  <a:schemeClr val="tx1"/>
+                </a:solidFill>
+              </a:rPr>
+              <a:t>随机梯度下降</a:t>
+            </a:r>
+            <a:endParaRPr lang="en-US" altLang="zh-CN" sz="3200" dirty="0" smtClean="0">
+              <a:solidFill>
+                <a:schemeClr val="tx1"/>
+              </a:solidFill>
+            </a:endParaRPr>
+          </a:p>
+          <a:p>
+            <a:pPr>
+              <a:lnSpc>
+                <a:spcPct val="200000"/>
+              </a:lnSpc>
+              <a:buClr>
+                <a:schemeClr val="accent1">
+                  <a:lumMod val="75000"/>
+                </a:schemeClr>
+              </a:buClr>
+              <a:buFont typeface="Wingdings" panose="05000000000000000000" pitchFamily="2" charset="2"/>
+              <a:buChar char="u"/>
+            </a:pPr>
+            <a:r>
+              <a:rPr lang="en-US" altLang="zh-CN" sz="3200" dirty="0">
+                <a:solidFill>
+                  <a:schemeClr val="tx1"/>
+                </a:solidFill>
+              </a:rPr>
+              <a:t> </a:t>
+            </a:r>
+            <a:r>
+              <a:rPr lang="en-US" altLang="zh-CN" sz="3200" dirty="0" smtClean="0">
+                <a:solidFill>
+                  <a:schemeClr val="tx1"/>
+                </a:solidFill>
+              </a:rPr>
+              <a:t> </a:t>
+            </a:r>
+            <a:r>
+              <a:rPr lang="zh-CN" altLang="en-US" sz="3200" dirty="0" smtClean="0">
+                <a:solidFill>
+                  <a:schemeClr val="tx1"/>
+                </a:solidFill>
+              </a:rPr>
+              <a:t>反向传播</a:t>
+            </a:r>
+            <a:endParaRPr lang="zh-CN" altLang="en-US" sz="3200" dirty="0">
+              <a:solidFill>
+                <a:schemeClr val="tx1"/>
+              </a:solidFill>
+            </a:endParaRPr>
           </a:p>
         </p:txBody>
       </p:sp>
@@ -4010,6 +4164,787 @@
   <p:clrMapOvr>
     <a:masterClrMapping/>
   </p:clrMapOvr>
+  <p:timing>
+    <p:tnLst>
+      <p:par>
+        <p:cTn id="1" dur="indefinite" restart="never" nodeType="tmRoot"/>
+      </p:par>
+    </p:tnLst>
+  </p:timing>
+</p:sld>
+</file>
+
+<file path=ppt/slides/slide3.xml><?xml version="1.0" encoding="utf-8"?>
+<p:sld xmlns:a="http://schemas.openxmlformats.org/drawingml/2006/main" xmlns:r="http://schemas.openxmlformats.org/officeDocument/2006/relationships" xmlns:p="http://schemas.openxmlformats.org/presentationml/2006/main">
+  <p:cSld>
+    <p:spTree>
+      <p:nvGrpSpPr>
+        <p:cNvPr id="1" name=""/>
+        <p:cNvGrpSpPr/>
+        <p:nvPr/>
+      </p:nvGrpSpPr>
+      <p:grpSpPr>
+        <a:xfrm>
+          <a:off x="0" y="0"/>
+          <a:ext cx="0" cy="0"/>
+          <a:chOff x="0" y="0"/>
+          <a:chExt cx="0" cy="0"/>
+        </a:xfrm>
+      </p:grpSpPr>
+      <p:sp>
+        <p:nvSpPr>
+          <p:cNvPr id="2" name="标题 1"/>
+          <p:cNvSpPr>
+            <a:spLocks noGrp="1"/>
+          </p:cNvSpPr>
+          <p:nvPr>
+            <p:ph type="title"/>
+          </p:nvPr>
+        </p:nvSpPr>
+        <p:spPr>
+          <a:xfrm>
+            <a:off x="467544" y="2204864"/>
+            <a:ext cx="8229600" cy="1600200"/>
+          </a:xfrm>
+        </p:spPr>
+        <p:txBody>
+          <a:bodyPr/>
+          <a:lstStyle/>
+          <a:p>
+            <a:pPr algn="l"/>
+            <a:r>
+              <a:rPr lang="zh-CN" altLang="en-US" sz="3200" dirty="0"/>
+              <a:t>第一</a:t>
+            </a:r>
+            <a:r>
+              <a:rPr lang="zh-CN" altLang="en-US" sz="3200" dirty="0" smtClean="0"/>
+              <a:t>节</a:t>
+            </a:r>
+            <a:r>
+              <a:rPr lang="en-US" altLang="zh-CN" dirty="0" smtClean="0"/>
+              <a:t/>
+            </a:r>
+            <a:br>
+              <a:rPr lang="en-US" altLang="zh-CN" dirty="0" smtClean="0"/>
+            </a:br>
+            <a:r>
+              <a:rPr lang="en-US" altLang="zh-CN" dirty="0" smtClean="0"/>
+              <a:t>		</a:t>
+            </a:r>
+            <a:r>
+              <a:rPr lang="zh-CN" altLang="en-US" dirty="0" smtClean="0"/>
+              <a:t>神经网络</a:t>
+            </a:r>
+            <a:endParaRPr lang="zh-CN" altLang="en-US" dirty="0"/>
+          </a:p>
+        </p:txBody>
+      </p:sp>
+    </p:spTree>
+    <p:extLst>
+      <p:ext uri="{BB962C8B-B14F-4D97-AF65-F5344CB8AC3E}">
+        <p14:creationId xmlns:p14="http://schemas.microsoft.com/office/powerpoint/2010/main" val="300940375"/>
+      </p:ext>
+    </p:extLst>
+  </p:cSld>
+  <p:clrMapOvr>
+    <a:masterClrMapping/>
+  </p:clrMapOvr>
+  <p:timing>
+    <p:tnLst>
+      <p:par>
+        <p:cTn id="1" dur="indefinite" restart="never" nodeType="tmRoot"/>
+      </p:par>
+    </p:tnLst>
+  </p:timing>
+</p:sld>
+</file>
+
+<file path=ppt/slides/slide4.xml><?xml version="1.0" encoding="utf-8"?>
+<p:sld xmlns:a="http://schemas.openxmlformats.org/drawingml/2006/main" xmlns:r="http://schemas.openxmlformats.org/officeDocument/2006/relationships" xmlns:p="http://schemas.openxmlformats.org/presentationml/2006/main">
+  <p:cSld>
+    <p:spTree>
+      <p:nvGrpSpPr>
+        <p:cNvPr id="1" name=""/>
+        <p:cNvGrpSpPr/>
+        <p:nvPr/>
+      </p:nvGrpSpPr>
+      <p:grpSpPr>
+        <a:xfrm>
+          <a:off x="0" y="0"/>
+          <a:ext cx="0" cy="0"/>
+          <a:chOff x="0" y="0"/>
+          <a:chExt cx="0" cy="0"/>
+        </a:xfrm>
+      </p:grpSpPr>
+      <p:sp>
+        <p:nvSpPr>
+          <p:cNvPr id="2" name="标题 1"/>
+          <p:cNvSpPr>
+            <a:spLocks noGrp="1"/>
+          </p:cNvSpPr>
+          <p:nvPr>
+            <p:ph type="title"/>
+          </p:nvPr>
+        </p:nvSpPr>
+        <p:spPr/>
+        <p:txBody>
+          <a:bodyPr/>
+          <a:lstStyle/>
+          <a:p>
+            <a:pPr algn="l"/>
+            <a:r>
+              <a:rPr lang="en-US" altLang="zh-CN" dirty="0" smtClean="0"/>
+              <a:t>1.1 </a:t>
+            </a:r>
+            <a:r>
+              <a:rPr lang="zh-CN" altLang="en-US" dirty="0" smtClean="0"/>
+              <a:t>感知器</a:t>
+            </a:r>
+            <a:endParaRPr lang="zh-CN" altLang="en-US" dirty="0"/>
+          </a:p>
+        </p:txBody>
+      </p:sp>
+      <p:pic>
+        <p:nvPicPr>
+          <p:cNvPr id="5" name="内容占位符 4"/>
+          <p:cNvPicPr>
+            <a:picLocks noGrp="1" noChangeAspect="1"/>
+          </p:cNvPicPr>
+          <p:nvPr>
+            <p:ph idx="1"/>
+          </p:nvPr>
+        </p:nvPicPr>
+        <p:blipFill>
+          <a:blip r:embed="rId2">
+            <a:extLst>
+              <a:ext uri="{28A0092B-C50C-407E-A947-70E740481C1C}">
+                <a14:useLocalDpi xmlns:a14="http://schemas.microsoft.com/office/drawing/2010/main" val="0"/>
+              </a:ext>
+            </a:extLst>
+          </a:blip>
+          <a:stretch>
+            <a:fillRect/>
+          </a:stretch>
+        </p:blipFill>
+        <p:spPr>
+          <a:xfrm>
+            <a:off x="2915816" y="1916832"/>
+            <a:ext cx="2667000" cy="1314450"/>
+          </a:xfrm>
+        </p:spPr>
+      </p:pic>
+      <p:pic>
+        <p:nvPicPr>
+          <p:cNvPr id="1027" name="Picture 3"/>
+          <p:cNvPicPr>
+            <a:picLocks noChangeAspect="1" noChangeArrowheads="1"/>
+          </p:cNvPicPr>
+          <p:nvPr/>
+        </p:nvPicPr>
+        <p:blipFill>
+          <a:blip r:embed="rId3">
+            <a:extLst>
+              <a:ext uri="{28A0092B-C50C-407E-A947-70E740481C1C}">
+                <a14:useLocalDpi xmlns:a14="http://schemas.microsoft.com/office/drawing/2010/main" val="0"/>
+              </a:ext>
+            </a:extLst>
+          </a:blip>
+          <a:srcRect/>
+          <a:stretch>
+            <a:fillRect/>
+          </a:stretch>
+        </p:blipFill>
+        <p:spPr bwMode="auto">
+          <a:xfrm>
+            <a:off x="2051720" y="3429000"/>
+            <a:ext cx="4495800" cy="923925"/>
+          </a:xfrm>
+          <a:prstGeom prst="rect">
+            <a:avLst/>
+          </a:prstGeom>
+          <a:noFill/>
+          <a:ln>
+            <a:noFill/>
+          </a:ln>
+          <a:extLst>
+            <a:ext uri="{909E8E84-426E-40DD-AFC4-6F175D3DCCD1}">
+              <a14:hiddenFill xmlns:a14="http://schemas.microsoft.com/office/drawing/2010/main">
+                <a:solidFill>
+                  <a:schemeClr val="accent1"/>
+                </a:solidFill>
+              </a14:hiddenFill>
+            </a:ext>
+            <a:ext uri="{91240B29-F687-4F45-9708-019B960494DF}">
+              <a14:hiddenLine xmlns:a14="http://schemas.microsoft.com/office/drawing/2010/main" w="9525">
+                <a:solidFill>
+                  <a:schemeClr val="tx1"/>
+                </a:solidFill>
+                <a:miter lim="800000"/>
+                <a:headEnd/>
+                <a:tailEnd/>
+              </a14:hiddenLine>
+            </a:ext>
+          </a:extLst>
+        </p:spPr>
+      </p:pic>
+    </p:spTree>
+    <p:extLst>
+      <p:ext uri="{BB962C8B-B14F-4D97-AF65-F5344CB8AC3E}">
+        <p14:creationId xmlns:p14="http://schemas.microsoft.com/office/powerpoint/2010/main" val="450763222"/>
+      </p:ext>
+    </p:extLst>
+  </p:cSld>
+  <p:clrMapOvr>
+    <a:masterClrMapping/>
+  </p:clrMapOvr>
+  <p:timing>
+    <p:tnLst>
+      <p:par>
+        <p:cTn id="1" dur="indefinite" restart="never" nodeType="tmRoot"/>
+      </p:par>
+    </p:tnLst>
+  </p:timing>
+</p:sld>
+</file>
+
+<file path=ppt/slides/slide5.xml><?xml version="1.0" encoding="utf-8"?>
+<p:sld xmlns:a="http://schemas.openxmlformats.org/drawingml/2006/main" xmlns:r="http://schemas.openxmlformats.org/officeDocument/2006/relationships" xmlns:p="http://schemas.openxmlformats.org/presentationml/2006/main">
+  <p:cSld>
+    <p:spTree>
+      <p:nvGrpSpPr>
+        <p:cNvPr id="1" name=""/>
+        <p:cNvGrpSpPr/>
+        <p:nvPr/>
+      </p:nvGrpSpPr>
+      <p:grpSpPr>
+        <a:xfrm>
+          <a:off x="0" y="0"/>
+          <a:ext cx="0" cy="0"/>
+          <a:chOff x="0" y="0"/>
+          <a:chExt cx="0" cy="0"/>
+        </a:xfrm>
+      </p:grpSpPr>
+      <p:sp>
+        <p:nvSpPr>
+          <p:cNvPr id="2" name="标题 1"/>
+          <p:cNvSpPr>
+            <a:spLocks noGrp="1"/>
+          </p:cNvSpPr>
+          <p:nvPr>
+            <p:ph type="title"/>
+          </p:nvPr>
+        </p:nvSpPr>
+        <p:spPr/>
+        <p:txBody>
+          <a:bodyPr/>
+          <a:lstStyle/>
+          <a:p>
+            <a:pPr algn="l"/>
+            <a:r>
+              <a:rPr lang="en-US" altLang="zh-CN" dirty="0"/>
+              <a:t>1.1 </a:t>
+            </a:r>
+            <a:r>
+              <a:rPr lang="zh-CN" altLang="en-US" dirty="0"/>
+              <a:t>感知器</a:t>
+            </a:r>
+          </a:p>
+        </p:txBody>
+      </p:sp>
+      <p:sp>
+        <p:nvSpPr>
+          <p:cNvPr id="3" name="内容占位符 2"/>
+          <p:cNvSpPr>
+            <a:spLocks noGrp="1"/>
+          </p:cNvSpPr>
+          <p:nvPr>
+            <p:ph idx="1"/>
+          </p:nvPr>
+        </p:nvSpPr>
+        <p:spPr/>
+        <p:txBody>
+          <a:bodyPr/>
+          <a:lstStyle/>
+          <a:p>
+            <a:r>
+              <a:rPr lang="zh-CN" altLang="en-US" dirty="0"/>
+              <a:t>假设这个周末就要来了，你听说你所在的城市有个奶酪节。你喜欢奶酪，正试着决定是否去参加。你也许会通过给三个因素设置权重来作出决定：</a:t>
+            </a:r>
+          </a:p>
+          <a:p>
+            <a:r>
+              <a:rPr lang="en-US" altLang="zh-CN" dirty="0"/>
+              <a:t>1. </a:t>
+            </a:r>
+            <a:r>
+              <a:rPr lang="zh-CN" altLang="en-US" dirty="0"/>
+              <a:t>天⽓好吗？</a:t>
+            </a:r>
+          </a:p>
+          <a:p>
+            <a:r>
+              <a:rPr lang="en-US" altLang="zh-CN" dirty="0"/>
+              <a:t>2. </a:t>
+            </a:r>
+            <a:r>
+              <a:rPr lang="zh-CN" altLang="en-US" dirty="0"/>
+              <a:t>你的男朋友或者⼥朋友会不会陪你去？</a:t>
+            </a:r>
+          </a:p>
+          <a:p>
+            <a:r>
+              <a:rPr lang="en-US" altLang="zh-CN" dirty="0"/>
+              <a:t>3. </a:t>
+            </a:r>
+            <a:r>
+              <a:rPr lang="zh-CN" altLang="en-US" dirty="0"/>
+              <a:t>这个节⽇举办的地点是否靠近交通站点？（你没有⻋）</a:t>
+            </a:r>
+          </a:p>
+          <a:p>
+            <a:endParaRPr lang="zh-CN" altLang="en-US" dirty="0"/>
+          </a:p>
+        </p:txBody>
+      </p:sp>
+      <p:pic>
+        <p:nvPicPr>
+          <p:cNvPr id="2050" name="Picture 2" descr="http://neuralnetworksanddeeplearning.com/images/tikz1.png"/>
+          <p:cNvPicPr>
+            <a:picLocks noChangeAspect="1" noChangeArrowheads="1"/>
+          </p:cNvPicPr>
+          <p:nvPr/>
+        </p:nvPicPr>
+        <p:blipFill>
+          <a:blip r:embed="rId2">
+            <a:extLst>
+              <a:ext uri="{28A0092B-C50C-407E-A947-70E740481C1C}">
+                <a14:useLocalDpi xmlns:a14="http://schemas.microsoft.com/office/drawing/2010/main" val="0"/>
+              </a:ext>
+            </a:extLst>
+          </a:blip>
+          <a:srcRect/>
+          <a:stretch>
+            <a:fillRect/>
+          </a:stretch>
+        </p:blipFill>
+        <p:spPr bwMode="auto">
+          <a:xfrm>
+            <a:off x="1115616" y="4077072"/>
+            <a:ext cx="5143500" cy="2009776"/>
+          </a:xfrm>
+          <a:prstGeom prst="rect">
+            <a:avLst/>
+          </a:prstGeom>
+          <a:noFill/>
+          <a:extLst>
+            <a:ext uri="{909E8E84-426E-40DD-AFC4-6F175D3DCCD1}">
+              <a14:hiddenFill xmlns:a14="http://schemas.microsoft.com/office/drawing/2010/main">
+                <a:solidFill>
+                  <a:srgbClr val="FFFFFF"/>
+                </a:solidFill>
+              </a14:hiddenFill>
+            </a:ext>
+          </a:extLst>
+        </p:spPr>
+      </p:pic>
+      <p:pic>
+        <p:nvPicPr>
+          <p:cNvPr id="2051" name="Picture 3"/>
+          <p:cNvPicPr>
+            <a:picLocks noChangeAspect="1" noChangeArrowheads="1"/>
+          </p:cNvPicPr>
+          <p:nvPr/>
+        </p:nvPicPr>
+        <p:blipFill>
+          <a:blip r:embed="rId3">
+            <a:extLst>
+              <a:ext uri="{28A0092B-C50C-407E-A947-70E740481C1C}">
+                <a14:useLocalDpi xmlns:a14="http://schemas.microsoft.com/office/drawing/2010/main" val="0"/>
+              </a:ext>
+            </a:extLst>
+          </a:blip>
+          <a:srcRect/>
+          <a:stretch>
+            <a:fillRect/>
+          </a:stretch>
+        </p:blipFill>
+        <p:spPr bwMode="auto">
+          <a:xfrm>
+            <a:off x="5076056" y="5672510"/>
+            <a:ext cx="3676650" cy="828675"/>
+          </a:xfrm>
+          <a:prstGeom prst="rect">
+            <a:avLst/>
+          </a:prstGeom>
+          <a:noFill/>
+          <a:ln>
+            <a:noFill/>
+          </a:ln>
+          <a:extLst>
+            <a:ext uri="{909E8E84-426E-40DD-AFC4-6F175D3DCCD1}">
+              <a14:hiddenFill xmlns:a14="http://schemas.microsoft.com/office/drawing/2010/main">
+                <a:solidFill>
+                  <a:schemeClr val="accent1"/>
+                </a:solidFill>
+              </a14:hiddenFill>
+            </a:ext>
+            <a:ext uri="{91240B29-F687-4F45-9708-019B960494DF}">
+              <a14:hiddenLine xmlns:a14="http://schemas.microsoft.com/office/drawing/2010/main" w="9525">
+                <a:solidFill>
+                  <a:schemeClr val="tx1"/>
+                </a:solidFill>
+                <a:miter lim="800000"/>
+                <a:headEnd/>
+                <a:tailEnd/>
+              </a14:hiddenLine>
+            </a:ext>
+          </a:extLst>
+        </p:spPr>
+      </p:pic>
+    </p:spTree>
+    <p:extLst>
+      <p:ext uri="{BB962C8B-B14F-4D97-AF65-F5344CB8AC3E}">
+        <p14:creationId xmlns:p14="http://schemas.microsoft.com/office/powerpoint/2010/main" val="2902720414"/>
+      </p:ext>
+    </p:extLst>
+  </p:cSld>
+  <p:clrMapOvr>
+    <a:masterClrMapping/>
+  </p:clrMapOvr>
+  <p:timing>
+    <p:tnLst>
+      <p:par>
+        <p:cTn id="1" dur="indefinite" restart="never" nodeType="tmRoot"/>
+      </p:par>
+    </p:tnLst>
+  </p:timing>
+</p:sld>
+</file>
+
+<file path=ppt/slides/slide6.xml><?xml version="1.0" encoding="utf-8"?>
+<p:sld xmlns:a="http://schemas.openxmlformats.org/drawingml/2006/main" xmlns:r="http://schemas.openxmlformats.org/officeDocument/2006/relationships" xmlns:p="http://schemas.openxmlformats.org/presentationml/2006/main">
+  <p:cSld>
+    <p:spTree>
+      <p:nvGrpSpPr>
+        <p:cNvPr id="1" name=""/>
+        <p:cNvGrpSpPr/>
+        <p:nvPr/>
+      </p:nvGrpSpPr>
+      <p:grpSpPr>
+        <a:xfrm>
+          <a:off x="0" y="0"/>
+          <a:ext cx="0" cy="0"/>
+          <a:chOff x="0" y="0"/>
+          <a:chExt cx="0" cy="0"/>
+        </a:xfrm>
+      </p:grpSpPr>
+      <p:sp>
+        <p:nvSpPr>
+          <p:cNvPr id="2" name="标题 1"/>
+          <p:cNvSpPr>
+            <a:spLocks noGrp="1"/>
+          </p:cNvSpPr>
+          <p:nvPr>
+            <p:ph type="title"/>
+          </p:nvPr>
+        </p:nvSpPr>
+        <p:spPr/>
+        <p:txBody>
+          <a:bodyPr/>
+          <a:lstStyle/>
+          <a:p>
+            <a:pPr algn="l"/>
+            <a:r>
+              <a:rPr lang="en-US" altLang="zh-CN" dirty="0"/>
+              <a:t>1.1 </a:t>
+            </a:r>
+            <a:r>
+              <a:rPr lang="zh-CN" altLang="en-US" dirty="0"/>
+              <a:t>感知器</a:t>
+            </a:r>
+          </a:p>
+        </p:txBody>
+      </p:sp>
+      <p:sp>
+        <p:nvSpPr>
+          <p:cNvPr id="4" name="内容占位符 3"/>
+          <p:cNvSpPr>
+            <a:spLocks noGrp="1"/>
+          </p:cNvSpPr>
+          <p:nvPr>
+            <p:ph idx="1"/>
+          </p:nvPr>
+        </p:nvSpPr>
+        <p:spPr/>
+        <p:txBody>
+          <a:bodyPr/>
+          <a:lstStyle/>
+          <a:p>
+            <a:endParaRPr lang="zh-CN" altLang="en-US" dirty="0"/>
+          </a:p>
+        </p:txBody>
+      </p:sp>
+      <p:pic>
+        <p:nvPicPr>
+          <p:cNvPr id="3076" name="Picture 4" descr="http://neuralnetworksanddeeplearning.com/images/tikz2.png"/>
+          <p:cNvPicPr>
+            <a:picLocks noChangeAspect="1" noChangeArrowheads="1"/>
+          </p:cNvPicPr>
+          <p:nvPr/>
+        </p:nvPicPr>
+        <p:blipFill>
+          <a:blip r:embed="rId2">
+            <a:extLst>
+              <a:ext uri="{28A0092B-C50C-407E-A947-70E740481C1C}">
+                <a14:useLocalDpi xmlns:a14="http://schemas.microsoft.com/office/drawing/2010/main" val="0"/>
+              </a:ext>
+            </a:extLst>
+          </a:blip>
+          <a:srcRect/>
+          <a:stretch>
+            <a:fillRect/>
+          </a:stretch>
+        </p:blipFill>
+        <p:spPr bwMode="auto">
+          <a:xfrm>
+            <a:off x="899592" y="1772816"/>
+            <a:ext cx="2381250" cy="990601"/>
+          </a:xfrm>
+          <a:prstGeom prst="rect">
+            <a:avLst/>
+          </a:prstGeom>
+          <a:noFill/>
+          <a:extLst>
+            <a:ext uri="{909E8E84-426E-40DD-AFC4-6F175D3DCCD1}">
+              <a14:hiddenFill xmlns:a14="http://schemas.microsoft.com/office/drawing/2010/main">
+                <a:solidFill>
+                  <a:srgbClr val="FFFFFF"/>
+                </a:solidFill>
+              </a14:hiddenFill>
+            </a:ext>
+          </a:extLst>
+        </p:spPr>
+      </p:pic>
+      <p:pic>
+        <p:nvPicPr>
+          <p:cNvPr id="3078" name="Picture 6" descr="http://neuralnetworksanddeeplearning.com/images/tikz3.png"/>
+          <p:cNvPicPr>
+            <a:picLocks noChangeAspect="1" noChangeArrowheads="1"/>
+          </p:cNvPicPr>
+          <p:nvPr/>
+        </p:nvPicPr>
+        <p:blipFill>
+          <a:blip r:embed="rId3">
+            <a:extLst>
+              <a:ext uri="{28A0092B-C50C-407E-A947-70E740481C1C}">
+                <a14:useLocalDpi xmlns:a14="http://schemas.microsoft.com/office/drawing/2010/main" val="0"/>
+              </a:ext>
+            </a:extLst>
+          </a:blip>
+          <a:srcRect/>
+          <a:stretch>
+            <a:fillRect/>
+          </a:stretch>
+        </p:blipFill>
+        <p:spPr bwMode="auto">
+          <a:xfrm>
+            <a:off x="875779" y="3068960"/>
+            <a:ext cx="4810125" cy="1485900"/>
+          </a:xfrm>
+          <a:prstGeom prst="rect">
+            <a:avLst/>
+          </a:prstGeom>
+          <a:noFill/>
+          <a:extLst>
+            <a:ext uri="{909E8E84-426E-40DD-AFC4-6F175D3DCCD1}">
+              <a14:hiddenFill xmlns:a14="http://schemas.microsoft.com/office/drawing/2010/main">
+                <a:solidFill>
+                  <a:srgbClr val="FFFFFF"/>
+                </a:solidFill>
+              </a14:hiddenFill>
+            </a:ext>
+          </a:extLst>
+        </p:spPr>
+      </p:pic>
+      <p:pic>
+        <p:nvPicPr>
+          <p:cNvPr id="3080" name="Picture 8" descr="http://neuralnetworksanddeeplearning.com/images/tikz4.png"/>
+          <p:cNvPicPr>
+            <a:picLocks noChangeAspect="1" noChangeArrowheads="1"/>
+          </p:cNvPicPr>
+          <p:nvPr/>
+        </p:nvPicPr>
+        <p:blipFill>
+          <a:blip r:embed="rId4">
+            <a:extLst>
+              <a:ext uri="{28A0092B-C50C-407E-A947-70E740481C1C}">
+                <a14:useLocalDpi xmlns:a14="http://schemas.microsoft.com/office/drawing/2010/main" val="0"/>
+              </a:ext>
+            </a:extLst>
+          </a:blip>
+          <a:srcRect/>
+          <a:stretch>
+            <a:fillRect/>
+          </a:stretch>
+        </p:blipFill>
+        <p:spPr bwMode="auto">
+          <a:xfrm>
+            <a:off x="755576" y="4554860"/>
+            <a:ext cx="4486275" cy="1990725"/>
+          </a:xfrm>
+          <a:prstGeom prst="rect">
+            <a:avLst/>
+          </a:prstGeom>
+          <a:noFill/>
+          <a:extLst>
+            <a:ext uri="{909E8E84-426E-40DD-AFC4-6F175D3DCCD1}">
+              <a14:hiddenFill xmlns:a14="http://schemas.microsoft.com/office/drawing/2010/main">
+                <a:solidFill>
+                  <a:srgbClr val="FFFFFF"/>
+                </a:solidFill>
+              </a14:hiddenFill>
+            </a:ext>
+          </a:extLst>
+        </p:spPr>
+      </p:pic>
+    </p:spTree>
+    <p:extLst>
+      <p:ext uri="{BB962C8B-B14F-4D97-AF65-F5344CB8AC3E}">
+        <p14:creationId xmlns:p14="http://schemas.microsoft.com/office/powerpoint/2010/main" val="283455062"/>
+      </p:ext>
+    </p:extLst>
+  </p:cSld>
+  <p:clrMapOvr>
+    <a:masterClrMapping/>
+  </p:clrMapOvr>
+  <p:timing>
+    <p:tnLst>
+      <p:par>
+        <p:cTn id="1" dur="indefinite" restart="never" nodeType="tmRoot"/>
+      </p:par>
+    </p:tnLst>
+  </p:timing>
+</p:sld>
+</file>
+
+<file path=ppt/slides/slide7.xml><?xml version="1.0" encoding="utf-8"?>
+<p:sld xmlns:a="http://schemas.openxmlformats.org/drawingml/2006/main" xmlns:r="http://schemas.openxmlformats.org/officeDocument/2006/relationships" xmlns:p="http://schemas.openxmlformats.org/presentationml/2006/main">
+  <p:cSld>
+    <p:spTree>
+      <p:nvGrpSpPr>
+        <p:cNvPr id="1" name=""/>
+        <p:cNvGrpSpPr/>
+        <p:nvPr/>
+      </p:nvGrpSpPr>
+      <p:grpSpPr>
+        <a:xfrm>
+          <a:off x="0" y="0"/>
+          <a:ext cx="0" cy="0"/>
+          <a:chOff x="0" y="0"/>
+          <a:chExt cx="0" cy="0"/>
+        </a:xfrm>
+      </p:grpSpPr>
+      <p:sp>
+        <p:nvSpPr>
+          <p:cNvPr id="2" name="标题 1"/>
+          <p:cNvSpPr>
+            <a:spLocks noGrp="1"/>
+          </p:cNvSpPr>
+          <p:nvPr>
+            <p:ph type="title"/>
+          </p:nvPr>
+        </p:nvSpPr>
+        <p:spPr/>
+        <p:txBody>
+          <a:bodyPr/>
+          <a:lstStyle/>
+          <a:p>
+            <a:pPr algn="l"/>
+            <a:r>
+              <a:rPr lang="en-US" altLang="zh-CN" dirty="0" smtClean="0"/>
+              <a:t>1.2 S</a:t>
+            </a:r>
+            <a:r>
+              <a:rPr lang="zh-CN" altLang="en-US" dirty="0" smtClean="0"/>
+              <a:t>形神经元</a:t>
+            </a:r>
+            <a:endParaRPr lang="zh-CN" altLang="en-US" dirty="0"/>
+          </a:p>
+        </p:txBody>
+      </p:sp>
+      <p:pic>
+        <p:nvPicPr>
+          <p:cNvPr id="4098" name="Picture 2"/>
+          <p:cNvPicPr>
+            <a:picLocks noGrp="1" noChangeAspect="1" noChangeArrowheads="1"/>
+          </p:cNvPicPr>
+          <p:nvPr>
+            <p:ph idx="1"/>
+          </p:nvPr>
+        </p:nvPicPr>
+        <p:blipFill>
+          <a:blip r:embed="rId2">
+            <a:extLst>
+              <a:ext uri="{28A0092B-C50C-407E-A947-70E740481C1C}">
+                <a14:useLocalDpi xmlns:a14="http://schemas.microsoft.com/office/drawing/2010/main" val="0"/>
+              </a:ext>
+            </a:extLst>
+          </a:blip>
+          <a:srcRect/>
+          <a:stretch>
+            <a:fillRect/>
+          </a:stretch>
+        </p:blipFill>
+        <p:spPr bwMode="auto">
+          <a:xfrm>
+            <a:off x="899592" y="1916832"/>
+            <a:ext cx="5743575" cy="2924175"/>
+          </a:xfrm>
+          <a:prstGeom prst="rect">
+            <a:avLst/>
+          </a:prstGeom>
+          <a:noFill/>
+          <a:ln>
+            <a:noFill/>
+          </a:ln>
+          <a:extLst>
+            <a:ext uri="{909E8E84-426E-40DD-AFC4-6F175D3DCCD1}">
+              <a14:hiddenFill xmlns:a14="http://schemas.microsoft.com/office/drawing/2010/main">
+                <a:solidFill>
+                  <a:schemeClr val="accent1"/>
+                </a:solidFill>
+              </a14:hiddenFill>
+            </a:ext>
+            <a:ext uri="{91240B29-F687-4F45-9708-019B960494DF}">
+              <a14:hiddenLine xmlns:a14="http://schemas.microsoft.com/office/drawing/2010/main" w="9525">
+                <a:solidFill>
+                  <a:schemeClr val="tx1"/>
+                </a:solidFill>
+                <a:miter lim="800000"/>
+                <a:headEnd/>
+                <a:tailEnd/>
+              </a14:hiddenLine>
+            </a:ext>
+          </a:extLst>
+        </p:spPr>
+      </p:pic>
+    </p:spTree>
+    <p:extLst>
+      <p:ext uri="{BB962C8B-B14F-4D97-AF65-F5344CB8AC3E}">
+        <p14:creationId xmlns:p14="http://schemas.microsoft.com/office/powerpoint/2010/main" val="1711747171"/>
+      </p:ext>
+    </p:extLst>
+  </p:cSld>
+  <p:clrMapOvr>
+    <a:masterClrMapping/>
+  </p:clrMapOvr>
+  <p:timing>
+    <p:tnLst>
+      <p:par>
+        <p:cTn id="1" dur="indefinite" restart="never" nodeType="tmRoot"/>
+      </p:par>
+    </p:tnLst>
+  </p:timing>
 </p:sld>
 </file>
 

--- a/深度学习数学原理初探.pptx
+++ b/深度学习数学原理初探.pptx
@@ -5,7 +5,7 @@
     <p:sldMasterId id="2147483720" r:id="rId1"/>
   </p:sldMasterIdLst>
   <p:notesMasterIdLst>
-    <p:notesMasterId r:id="rId9"/>
+    <p:notesMasterId r:id="rId22"/>
   </p:notesMasterIdLst>
   <p:sldIdLst>
     <p:sldId id="256" r:id="rId2"/>
@@ -15,6 +15,19 @@
     <p:sldId id="260" r:id="rId6"/>
     <p:sldId id="261" r:id="rId7"/>
     <p:sldId id="262" r:id="rId8"/>
+    <p:sldId id="263" r:id="rId9"/>
+    <p:sldId id="265" r:id="rId10"/>
+    <p:sldId id="264" r:id="rId11"/>
+    <p:sldId id="266" r:id="rId12"/>
+    <p:sldId id="267" r:id="rId13"/>
+    <p:sldId id="268" r:id="rId14"/>
+    <p:sldId id="269" r:id="rId15"/>
+    <p:sldId id="270" r:id="rId16"/>
+    <p:sldId id="271" r:id="rId17"/>
+    <p:sldId id="272" r:id="rId18"/>
+    <p:sldId id="273" r:id="rId19"/>
+    <p:sldId id="274" r:id="rId20"/>
+    <p:sldId id="275" r:id="rId21"/>
   </p:sldIdLst>
   <p:sldSz cx="9144000" cy="6858000" type="screen4x3"/>
   <p:notesSz cx="6858000" cy="9144000"/>
@@ -125,6 +138,19 @@
             <p14:sldId id="260"/>
             <p14:sldId id="261"/>
             <p14:sldId id="262"/>
+            <p14:sldId id="263"/>
+            <p14:sldId id="265"/>
+            <p14:sldId id="264"/>
+            <p14:sldId id="266"/>
+            <p14:sldId id="267"/>
+            <p14:sldId id="268"/>
+            <p14:sldId id="269"/>
+            <p14:sldId id="270"/>
+            <p14:sldId id="271"/>
+            <p14:sldId id="272"/>
+            <p14:sldId id="273"/>
+            <p14:sldId id="274"/>
+            <p14:sldId id="275"/>
           </p14:sldIdLst>
         </p14:section>
       </p14:sectionLst>
@@ -558,6 +584,94 @@
     <p:extLst>
       <p:ext uri="{BB962C8B-B14F-4D97-AF65-F5344CB8AC3E}">
         <p14:creationId xmlns:p14="http://schemas.microsoft.com/office/powerpoint/2010/main" val="1903102562"/>
+      </p:ext>
+    </p:extLst>
+  </p:cSld>
+  <p:clrMapOvr>
+    <a:masterClrMapping/>
+  </p:clrMapOvr>
+</p:notes>
+</file>
+
+<file path=ppt/notesSlides/notesSlide2.xml><?xml version="1.0" encoding="utf-8"?>
+<p:notes xmlns:a="http://schemas.openxmlformats.org/drawingml/2006/main" xmlns:r="http://schemas.openxmlformats.org/officeDocument/2006/relationships" xmlns:p="http://schemas.openxmlformats.org/presentationml/2006/main">
+  <p:cSld>
+    <p:spTree>
+      <p:nvGrpSpPr>
+        <p:cNvPr id="1" name=""/>
+        <p:cNvGrpSpPr/>
+        <p:nvPr/>
+      </p:nvGrpSpPr>
+      <p:grpSpPr>
+        <a:xfrm>
+          <a:off x="0" y="0"/>
+          <a:ext cx="0" cy="0"/>
+          <a:chOff x="0" y="0"/>
+          <a:chExt cx="0" cy="0"/>
+        </a:xfrm>
+      </p:grpSpPr>
+      <p:sp>
+        <p:nvSpPr>
+          <p:cNvPr id="2" name="幻灯片图像占位符 1"/>
+          <p:cNvSpPr>
+            <a:spLocks noGrp="1" noRot="1" noChangeAspect="1"/>
+          </p:cNvSpPr>
+          <p:nvPr>
+            <p:ph type="sldImg"/>
+          </p:nvPr>
+        </p:nvSpPr>
+        <p:spPr/>
+      </p:sp>
+      <p:sp>
+        <p:nvSpPr>
+          <p:cNvPr id="3" name="备注占位符 2"/>
+          <p:cNvSpPr>
+            <a:spLocks noGrp="1"/>
+          </p:cNvSpPr>
+          <p:nvPr>
+            <p:ph type="body" idx="1"/>
+          </p:nvPr>
+        </p:nvSpPr>
+        <p:spPr/>
+        <p:txBody>
+          <a:bodyPr/>
+          <a:lstStyle/>
+          <a:p>
+            <a:r>
+              <a:rPr lang="zh-CN" altLang="en-US" dirty="0" smtClean="0"/>
+              <a:t>为什么要介绍⼆次代价呢？毕竟我们最初感兴趣的内容不是能正确分类的图像数量吗？为什么不试着直接最⼤化这个数量，⽽是去最⼩化⼀个类似⼆次代价的间接评量呢？这么做是因为 在神经⽹络中，被正确分类的图像数量所关于权重和偏置的函数并不是⼀个平滑的函数。⼤多 数情况下，对权重和偏置做出的微⼩变动完全不会影响被正确分类的图像的数量。这会导致我 们很难去解决如何改变权重和偏置来取得改进的性能。⽽⽤⼀个类似⼆次代价的平滑代价函数 则能更好地去解决如何⽤权重和偏置中的微⼩的改变来取得更好的效果。这就是为什么我们⾸ 先专注于最⼩化⼆次代价，只有这样，我们之后才能测试分类精度。 </a:t>
+            </a:r>
+            <a:endParaRPr lang="zh-CN" altLang="en-US" dirty="0"/>
+          </a:p>
+        </p:txBody>
+      </p:sp>
+      <p:sp>
+        <p:nvSpPr>
+          <p:cNvPr id="4" name="灯片编号占位符 3"/>
+          <p:cNvSpPr>
+            <a:spLocks noGrp="1"/>
+          </p:cNvSpPr>
+          <p:nvPr>
+            <p:ph type="sldNum" sz="quarter" idx="10"/>
+          </p:nvPr>
+        </p:nvSpPr>
+        <p:spPr/>
+        <p:txBody>
+          <a:bodyPr/>
+          <a:lstStyle/>
+          <a:p>
+            <a:fld id="{4F567D0F-CB54-43C7-9F51-E3F10BE186AE}" type="slidenum">
+              <a:rPr lang="zh-CN" altLang="en-US" smtClean="0"/>
+              <a:t>17</a:t>
+            </a:fld>
+            <a:endParaRPr lang="zh-CN" altLang="en-US"/>
+          </a:p>
+        </p:txBody>
+      </p:sp>
+    </p:spTree>
+    <p:extLst>
+      <p:ext uri="{BB962C8B-B14F-4D97-AF65-F5344CB8AC3E}">
+        <p14:creationId xmlns:p14="http://schemas.microsoft.com/office/powerpoint/2010/main" val="2127100943"/>
       </p:ext>
     </p:extLst>
   </p:cSld>
@@ -3952,6 +4066,1870 @@
   <p:clrMapOvr>
     <a:masterClrMapping/>
   </p:clrMapOvr>
+  <p:timing>
+    <p:tnLst>
+      <p:par>
+        <p:cTn id="1" dur="indefinite" restart="never" nodeType="tmRoot"/>
+      </p:par>
+    </p:tnLst>
+  </p:timing>
+</p:sld>
+</file>
+
+<file path=ppt/slides/slide10.xml><?xml version="1.0" encoding="utf-8"?>
+<p:sld xmlns:a="http://schemas.openxmlformats.org/drawingml/2006/main" xmlns:r="http://schemas.openxmlformats.org/officeDocument/2006/relationships" xmlns:p="http://schemas.openxmlformats.org/presentationml/2006/main">
+  <p:cSld>
+    <p:spTree>
+      <p:nvGrpSpPr>
+        <p:cNvPr id="1" name=""/>
+        <p:cNvGrpSpPr/>
+        <p:nvPr/>
+      </p:nvGrpSpPr>
+      <p:grpSpPr>
+        <a:xfrm>
+          <a:off x="0" y="0"/>
+          <a:ext cx="0" cy="0"/>
+          <a:chOff x="0" y="0"/>
+          <a:chExt cx="0" cy="0"/>
+        </a:xfrm>
+      </p:grpSpPr>
+      <p:sp>
+        <p:nvSpPr>
+          <p:cNvPr id="2" name="标题 1"/>
+          <p:cNvSpPr>
+            <a:spLocks noGrp="1"/>
+          </p:cNvSpPr>
+          <p:nvPr>
+            <p:ph type="title"/>
+          </p:nvPr>
+        </p:nvSpPr>
+        <p:spPr/>
+        <p:txBody>
+          <a:bodyPr/>
+          <a:lstStyle/>
+          <a:p>
+            <a:pPr algn="l"/>
+            <a:r>
+              <a:rPr lang="en-US" altLang="zh-CN" dirty="0" smtClean="0"/>
+              <a:t>1.2 S</a:t>
+            </a:r>
+            <a:r>
+              <a:rPr lang="zh-CN" altLang="en-US" dirty="0" smtClean="0"/>
+              <a:t>形神经元</a:t>
+            </a:r>
+            <a:endParaRPr lang="zh-CN" altLang="en-US" dirty="0"/>
+          </a:p>
+        </p:txBody>
+      </p:sp>
+      <p:sp>
+        <p:nvSpPr>
+          <p:cNvPr id="3" name="内容占位符 2"/>
+          <p:cNvSpPr>
+            <a:spLocks noGrp="1"/>
+          </p:cNvSpPr>
+          <p:nvPr>
+            <p:ph idx="1"/>
+          </p:nvPr>
+        </p:nvSpPr>
+        <p:spPr/>
+        <p:txBody>
+          <a:bodyPr/>
+          <a:lstStyle/>
+          <a:p>
+            <a:r>
+              <a:rPr lang="en-US" altLang="zh-CN" dirty="0" smtClean="0"/>
+              <a:t>S</a:t>
+            </a:r>
+            <a:r>
+              <a:rPr lang="zh-CN" altLang="en-US" dirty="0" smtClean="0"/>
+              <a:t>形神经元</a:t>
+            </a:r>
+            <a:r>
+              <a:rPr lang="el-GR" altLang="zh-CN" dirty="0" smtClean="0"/>
+              <a:t>σ</a:t>
+            </a:r>
+            <a:r>
+              <a:rPr lang="zh-CN" altLang="en-US" dirty="0" smtClean="0"/>
+              <a:t>函数的形状</a:t>
+            </a:r>
+            <a:endParaRPr lang="zh-CN" altLang="en-US" dirty="0"/>
+          </a:p>
+        </p:txBody>
+      </p:sp>
+      <p:pic>
+        <p:nvPicPr>
+          <p:cNvPr id="5123" name="Picture 3"/>
+          <p:cNvPicPr>
+            <a:picLocks noChangeAspect="1" noChangeArrowheads="1"/>
+          </p:cNvPicPr>
+          <p:nvPr/>
+        </p:nvPicPr>
+        <p:blipFill>
+          <a:blip r:embed="rId2">
+            <a:extLst>
+              <a:ext uri="{28A0092B-C50C-407E-A947-70E740481C1C}">
+                <a14:useLocalDpi xmlns:a14="http://schemas.microsoft.com/office/drawing/2010/main" val="0"/>
+              </a:ext>
+            </a:extLst>
+          </a:blip>
+          <a:srcRect/>
+          <a:stretch>
+            <a:fillRect/>
+          </a:stretch>
+        </p:blipFill>
+        <p:spPr bwMode="auto">
+          <a:xfrm>
+            <a:off x="1835696" y="2348880"/>
+            <a:ext cx="4752975" cy="2962275"/>
+          </a:xfrm>
+          <a:prstGeom prst="rect">
+            <a:avLst/>
+          </a:prstGeom>
+          <a:noFill/>
+          <a:ln>
+            <a:noFill/>
+          </a:ln>
+          <a:extLst>
+            <a:ext uri="{909E8E84-426E-40DD-AFC4-6F175D3DCCD1}">
+              <a14:hiddenFill xmlns:a14="http://schemas.microsoft.com/office/drawing/2010/main">
+                <a:solidFill>
+                  <a:schemeClr val="accent1"/>
+                </a:solidFill>
+              </a14:hiddenFill>
+            </a:ext>
+            <a:ext uri="{91240B29-F687-4F45-9708-019B960494DF}">
+              <a14:hiddenLine xmlns:a14="http://schemas.microsoft.com/office/drawing/2010/main" w="9525">
+                <a:solidFill>
+                  <a:schemeClr val="tx1"/>
+                </a:solidFill>
+                <a:miter lim="800000"/>
+                <a:headEnd/>
+                <a:tailEnd/>
+              </a14:hiddenLine>
+            </a:ext>
+          </a:extLst>
+        </p:spPr>
+      </p:pic>
+      <p:pic>
+        <p:nvPicPr>
+          <p:cNvPr id="5124" name="Picture 4"/>
+          <p:cNvPicPr>
+            <a:picLocks noChangeAspect="1" noChangeArrowheads="1"/>
+          </p:cNvPicPr>
+          <p:nvPr/>
+        </p:nvPicPr>
+        <p:blipFill>
+          <a:blip r:embed="rId3">
+            <a:extLst>
+              <a:ext uri="{28A0092B-C50C-407E-A947-70E740481C1C}">
+                <a14:useLocalDpi xmlns:a14="http://schemas.microsoft.com/office/drawing/2010/main" val="0"/>
+              </a:ext>
+            </a:extLst>
+          </a:blip>
+          <a:srcRect/>
+          <a:stretch>
+            <a:fillRect/>
+          </a:stretch>
+        </p:blipFill>
+        <p:spPr bwMode="auto">
+          <a:xfrm>
+            <a:off x="1907704" y="5520331"/>
+            <a:ext cx="4362450" cy="819150"/>
+          </a:xfrm>
+          <a:prstGeom prst="rect">
+            <a:avLst/>
+          </a:prstGeom>
+          <a:noFill/>
+          <a:ln>
+            <a:noFill/>
+          </a:ln>
+          <a:extLst>
+            <a:ext uri="{909E8E84-426E-40DD-AFC4-6F175D3DCCD1}">
+              <a14:hiddenFill xmlns:a14="http://schemas.microsoft.com/office/drawing/2010/main">
+                <a:solidFill>
+                  <a:schemeClr val="accent1"/>
+                </a:solidFill>
+              </a14:hiddenFill>
+            </a:ext>
+            <a:ext uri="{91240B29-F687-4F45-9708-019B960494DF}">
+              <a14:hiddenLine xmlns:a14="http://schemas.microsoft.com/office/drawing/2010/main" w="9525">
+                <a:solidFill>
+                  <a:schemeClr val="tx1"/>
+                </a:solidFill>
+                <a:miter lim="800000"/>
+                <a:headEnd/>
+                <a:tailEnd/>
+              </a14:hiddenLine>
+            </a:ext>
+          </a:extLst>
+        </p:spPr>
+      </p:pic>
+    </p:spTree>
+    <p:extLst>
+      <p:ext uri="{BB962C8B-B14F-4D97-AF65-F5344CB8AC3E}">
+        <p14:creationId xmlns:p14="http://schemas.microsoft.com/office/powerpoint/2010/main" val="2135067384"/>
+      </p:ext>
+    </p:extLst>
+  </p:cSld>
+  <p:clrMapOvr>
+    <a:masterClrMapping/>
+  </p:clrMapOvr>
+  <p:timing>
+    <p:tnLst>
+      <p:par>
+        <p:cTn id="1" dur="indefinite" restart="never" nodeType="tmRoot"/>
+      </p:par>
+    </p:tnLst>
+  </p:timing>
+</p:sld>
+</file>
+
+<file path=ppt/slides/slide11.xml><?xml version="1.0" encoding="utf-8"?>
+<p:sld xmlns:a="http://schemas.openxmlformats.org/drawingml/2006/main" xmlns:r="http://schemas.openxmlformats.org/officeDocument/2006/relationships" xmlns:p="http://schemas.openxmlformats.org/presentationml/2006/main">
+  <p:cSld>
+    <p:spTree>
+      <p:nvGrpSpPr>
+        <p:cNvPr id="1" name=""/>
+        <p:cNvGrpSpPr/>
+        <p:nvPr/>
+      </p:nvGrpSpPr>
+      <p:grpSpPr>
+        <a:xfrm>
+          <a:off x="0" y="0"/>
+          <a:ext cx="0" cy="0"/>
+          <a:chOff x="0" y="0"/>
+          <a:chExt cx="0" cy="0"/>
+        </a:xfrm>
+      </p:grpSpPr>
+      <p:sp>
+        <p:nvSpPr>
+          <p:cNvPr id="2" name="标题 1"/>
+          <p:cNvSpPr>
+            <a:spLocks noGrp="1"/>
+          </p:cNvSpPr>
+          <p:nvPr>
+            <p:ph type="title"/>
+          </p:nvPr>
+        </p:nvSpPr>
+        <p:spPr/>
+        <p:txBody>
+          <a:bodyPr/>
+          <a:lstStyle/>
+          <a:p>
+            <a:pPr algn="l"/>
+            <a:r>
+              <a:rPr lang="en-US" altLang="zh-CN" dirty="0" smtClean="0"/>
+              <a:t>1.3 </a:t>
+            </a:r>
+            <a:r>
+              <a:rPr lang="zh-CN" altLang="en-US" dirty="0" smtClean="0"/>
+              <a:t>神经网络的架构</a:t>
+            </a:r>
+            <a:endParaRPr lang="zh-CN" altLang="en-US" dirty="0"/>
+          </a:p>
+        </p:txBody>
+      </p:sp>
+      <p:sp>
+        <p:nvSpPr>
+          <p:cNvPr id="3" name="内容占位符 2"/>
+          <p:cNvSpPr>
+            <a:spLocks noGrp="1"/>
+          </p:cNvSpPr>
+          <p:nvPr>
+            <p:ph idx="1"/>
+          </p:nvPr>
+        </p:nvSpPr>
+        <p:spPr/>
+        <p:txBody>
+          <a:bodyPr/>
+          <a:lstStyle/>
+          <a:p>
+            <a:endParaRPr lang="zh-CN" altLang="en-US" dirty="0"/>
+          </a:p>
+        </p:txBody>
+      </p:sp>
+      <p:pic>
+        <p:nvPicPr>
+          <p:cNvPr id="7171" name="Picture 3"/>
+          <p:cNvPicPr>
+            <a:picLocks noChangeAspect="1" noChangeArrowheads="1"/>
+          </p:cNvPicPr>
+          <p:nvPr/>
+        </p:nvPicPr>
+        <p:blipFill>
+          <a:blip r:embed="rId2">
+            <a:extLst>
+              <a:ext uri="{28A0092B-C50C-407E-A947-70E740481C1C}">
+                <a14:useLocalDpi xmlns:a14="http://schemas.microsoft.com/office/drawing/2010/main" val="0"/>
+              </a:ext>
+            </a:extLst>
+          </a:blip>
+          <a:srcRect/>
+          <a:stretch>
+            <a:fillRect/>
+          </a:stretch>
+        </p:blipFill>
+        <p:spPr bwMode="auto">
+          <a:xfrm>
+            <a:off x="1127063" y="1916832"/>
+            <a:ext cx="6296025" cy="3276600"/>
+          </a:xfrm>
+          <a:prstGeom prst="rect">
+            <a:avLst/>
+          </a:prstGeom>
+          <a:noFill/>
+          <a:ln>
+            <a:noFill/>
+          </a:ln>
+          <a:extLst>
+            <a:ext uri="{909E8E84-426E-40DD-AFC4-6F175D3DCCD1}">
+              <a14:hiddenFill xmlns:a14="http://schemas.microsoft.com/office/drawing/2010/main">
+                <a:solidFill>
+                  <a:schemeClr val="accent1"/>
+                </a:solidFill>
+              </a14:hiddenFill>
+            </a:ext>
+            <a:ext uri="{91240B29-F687-4F45-9708-019B960494DF}">
+              <a14:hiddenLine xmlns:a14="http://schemas.microsoft.com/office/drawing/2010/main" w="9525">
+                <a:solidFill>
+                  <a:schemeClr val="tx1"/>
+                </a:solidFill>
+                <a:miter lim="800000"/>
+                <a:headEnd/>
+                <a:tailEnd/>
+              </a14:hiddenLine>
+            </a:ext>
+          </a:extLst>
+        </p:spPr>
+      </p:pic>
+    </p:spTree>
+    <p:extLst>
+      <p:ext uri="{BB962C8B-B14F-4D97-AF65-F5344CB8AC3E}">
+        <p14:creationId xmlns:p14="http://schemas.microsoft.com/office/powerpoint/2010/main" val="2656246774"/>
+      </p:ext>
+    </p:extLst>
+  </p:cSld>
+  <p:clrMapOvr>
+    <a:masterClrMapping/>
+  </p:clrMapOvr>
+  <p:timing>
+    <p:tnLst>
+      <p:par>
+        <p:cTn id="1" dur="indefinite" restart="never" nodeType="tmRoot"/>
+      </p:par>
+    </p:tnLst>
+  </p:timing>
+</p:sld>
+</file>
+
+<file path=ppt/slides/slide12.xml><?xml version="1.0" encoding="utf-8"?>
+<p:sld xmlns:a="http://schemas.openxmlformats.org/drawingml/2006/main" xmlns:r="http://schemas.openxmlformats.org/officeDocument/2006/relationships" xmlns:p="http://schemas.openxmlformats.org/presentationml/2006/main">
+  <p:cSld>
+    <p:spTree>
+      <p:nvGrpSpPr>
+        <p:cNvPr id="1" name=""/>
+        <p:cNvGrpSpPr/>
+        <p:nvPr/>
+      </p:nvGrpSpPr>
+      <p:grpSpPr>
+        <a:xfrm>
+          <a:off x="0" y="0"/>
+          <a:ext cx="0" cy="0"/>
+          <a:chOff x="0" y="0"/>
+          <a:chExt cx="0" cy="0"/>
+        </a:xfrm>
+      </p:grpSpPr>
+      <p:sp>
+        <p:nvSpPr>
+          <p:cNvPr id="2" name="标题 1"/>
+          <p:cNvSpPr>
+            <a:spLocks noGrp="1"/>
+          </p:cNvSpPr>
+          <p:nvPr>
+            <p:ph type="title"/>
+          </p:nvPr>
+        </p:nvSpPr>
+        <p:spPr/>
+        <p:txBody>
+          <a:bodyPr/>
+          <a:lstStyle/>
+          <a:p>
+            <a:pPr algn="l"/>
+            <a:r>
+              <a:rPr lang="en-US" altLang="zh-CN" dirty="0" smtClean="0"/>
+              <a:t>1.3 </a:t>
+            </a:r>
+            <a:r>
+              <a:rPr lang="zh-CN" altLang="en-US" dirty="0" smtClean="0"/>
+              <a:t>神经网络的架构</a:t>
+            </a:r>
+            <a:endParaRPr lang="zh-CN" altLang="en-US" dirty="0"/>
+          </a:p>
+        </p:txBody>
+      </p:sp>
+      <p:sp>
+        <p:nvSpPr>
+          <p:cNvPr id="3" name="内容占位符 2"/>
+          <p:cNvSpPr>
+            <a:spLocks noGrp="1"/>
+          </p:cNvSpPr>
+          <p:nvPr>
+            <p:ph idx="1"/>
+          </p:nvPr>
+        </p:nvSpPr>
+        <p:spPr/>
+        <p:txBody>
+          <a:bodyPr/>
+          <a:lstStyle/>
+          <a:p>
+            <a:r>
+              <a:rPr lang="zh-CN" altLang="en-US" dirty="0"/>
+              <a:t>输入层、隐藏层、输出层</a:t>
+            </a:r>
+            <a:endParaRPr lang="en-US" altLang="zh-CN" dirty="0"/>
+          </a:p>
+          <a:p>
+            <a:r>
+              <a:rPr lang="zh-CN" altLang="en-US" dirty="0"/>
+              <a:t>前馈神经网络</a:t>
+            </a:r>
+            <a:endParaRPr lang="en-US" altLang="zh-CN" dirty="0"/>
+          </a:p>
+          <a:p>
+            <a:r>
+              <a:rPr lang="zh-CN" altLang="en-US" dirty="0"/>
+              <a:t>递归</a:t>
+            </a:r>
+            <a:r>
+              <a:rPr lang="zh-CN" altLang="en-US" dirty="0" smtClean="0"/>
+              <a:t>神经网络</a:t>
+            </a:r>
+            <a:endParaRPr lang="zh-CN" altLang="en-US" dirty="0"/>
+          </a:p>
+        </p:txBody>
+      </p:sp>
+    </p:spTree>
+    <p:extLst>
+      <p:ext uri="{BB962C8B-B14F-4D97-AF65-F5344CB8AC3E}">
+        <p14:creationId xmlns:p14="http://schemas.microsoft.com/office/powerpoint/2010/main" val="357454051"/>
+      </p:ext>
+    </p:extLst>
+  </p:cSld>
+  <p:clrMapOvr>
+    <a:masterClrMapping/>
+  </p:clrMapOvr>
+  <p:timing>
+    <p:tnLst>
+      <p:par>
+        <p:cTn id="1" dur="indefinite" restart="never" nodeType="tmRoot"/>
+      </p:par>
+    </p:tnLst>
+  </p:timing>
+</p:sld>
+</file>
+
+<file path=ppt/slides/slide13.xml><?xml version="1.0" encoding="utf-8"?>
+<p:sld xmlns:a="http://schemas.openxmlformats.org/drawingml/2006/main" xmlns:r="http://schemas.openxmlformats.org/officeDocument/2006/relationships" xmlns:p="http://schemas.openxmlformats.org/presentationml/2006/main">
+  <p:cSld>
+    <p:spTree>
+      <p:nvGrpSpPr>
+        <p:cNvPr id="1" name=""/>
+        <p:cNvGrpSpPr/>
+        <p:nvPr/>
+      </p:nvGrpSpPr>
+      <p:grpSpPr>
+        <a:xfrm>
+          <a:off x="0" y="0"/>
+          <a:ext cx="0" cy="0"/>
+          <a:chOff x="0" y="0"/>
+          <a:chExt cx="0" cy="0"/>
+        </a:xfrm>
+      </p:grpSpPr>
+      <p:sp>
+        <p:nvSpPr>
+          <p:cNvPr id="2" name="标题 1"/>
+          <p:cNvSpPr>
+            <a:spLocks noGrp="1"/>
+          </p:cNvSpPr>
+          <p:nvPr>
+            <p:ph type="title"/>
+          </p:nvPr>
+        </p:nvSpPr>
+        <p:spPr/>
+        <p:txBody>
+          <a:bodyPr/>
+          <a:lstStyle/>
+          <a:p>
+            <a:pPr algn="l"/>
+            <a:r>
+              <a:rPr lang="en-US" altLang="zh-CN" dirty="0" smtClean="0"/>
+              <a:t>1.4 </a:t>
+            </a:r>
+            <a:r>
+              <a:rPr lang="zh-CN" altLang="en-US" dirty="0" smtClean="0"/>
+              <a:t>分类手写数字</a:t>
+            </a:r>
+            <a:endParaRPr lang="zh-CN" altLang="en-US" dirty="0"/>
+          </a:p>
+        </p:txBody>
+      </p:sp>
+      <p:pic>
+        <p:nvPicPr>
+          <p:cNvPr id="8194" name="Picture 2"/>
+          <p:cNvPicPr>
+            <a:picLocks noGrp="1" noChangeAspect="1" noChangeArrowheads="1"/>
+          </p:cNvPicPr>
+          <p:nvPr>
+            <p:ph idx="1"/>
+          </p:nvPr>
+        </p:nvPicPr>
+        <p:blipFill>
+          <a:blip r:embed="rId2">
+            <a:extLst>
+              <a:ext uri="{28A0092B-C50C-407E-A947-70E740481C1C}">
+                <a14:useLocalDpi xmlns:a14="http://schemas.microsoft.com/office/drawing/2010/main" val="0"/>
+              </a:ext>
+            </a:extLst>
+          </a:blip>
+          <a:srcRect/>
+          <a:stretch>
+            <a:fillRect/>
+          </a:stretch>
+        </p:blipFill>
+        <p:spPr bwMode="auto">
+          <a:xfrm>
+            <a:off x="2267744" y="1844824"/>
+            <a:ext cx="3886200" cy="981075"/>
+          </a:xfrm>
+          <a:prstGeom prst="rect">
+            <a:avLst/>
+          </a:prstGeom>
+          <a:noFill/>
+          <a:ln>
+            <a:noFill/>
+          </a:ln>
+          <a:extLst>
+            <a:ext uri="{909E8E84-426E-40DD-AFC4-6F175D3DCCD1}">
+              <a14:hiddenFill xmlns:a14="http://schemas.microsoft.com/office/drawing/2010/main">
+                <a:solidFill>
+                  <a:schemeClr val="accent1"/>
+                </a:solidFill>
+              </a14:hiddenFill>
+            </a:ext>
+            <a:ext uri="{91240B29-F687-4F45-9708-019B960494DF}">
+              <a14:hiddenLine xmlns:a14="http://schemas.microsoft.com/office/drawing/2010/main" w="9525">
+                <a:solidFill>
+                  <a:schemeClr val="tx1"/>
+                </a:solidFill>
+                <a:miter lim="800000"/>
+                <a:headEnd/>
+                <a:tailEnd/>
+              </a14:hiddenLine>
+            </a:ext>
+          </a:extLst>
+        </p:spPr>
+      </p:pic>
+      <p:pic>
+        <p:nvPicPr>
+          <p:cNvPr id="8195" name="Picture 3"/>
+          <p:cNvPicPr>
+            <a:picLocks noChangeAspect="1" noChangeArrowheads="1"/>
+          </p:cNvPicPr>
+          <p:nvPr/>
+        </p:nvPicPr>
+        <p:blipFill>
+          <a:blip r:embed="rId3">
+            <a:extLst>
+              <a:ext uri="{28A0092B-C50C-407E-A947-70E740481C1C}">
+                <a14:useLocalDpi xmlns:a14="http://schemas.microsoft.com/office/drawing/2010/main" val="0"/>
+              </a:ext>
+            </a:extLst>
+          </a:blip>
+          <a:srcRect/>
+          <a:stretch>
+            <a:fillRect/>
+          </a:stretch>
+        </p:blipFill>
+        <p:spPr bwMode="auto">
+          <a:xfrm>
+            <a:off x="1763688" y="3212976"/>
+            <a:ext cx="4857750" cy="942975"/>
+          </a:xfrm>
+          <a:prstGeom prst="rect">
+            <a:avLst/>
+          </a:prstGeom>
+          <a:noFill/>
+          <a:ln>
+            <a:noFill/>
+          </a:ln>
+          <a:extLst>
+            <a:ext uri="{909E8E84-426E-40DD-AFC4-6F175D3DCCD1}">
+              <a14:hiddenFill xmlns:a14="http://schemas.microsoft.com/office/drawing/2010/main">
+                <a:solidFill>
+                  <a:schemeClr val="accent1"/>
+                </a:solidFill>
+              </a14:hiddenFill>
+            </a:ext>
+            <a:ext uri="{91240B29-F687-4F45-9708-019B960494DF}">
+              <a14:hiddenLine xmlns:a14="http://schemas.microsoft.com/office/drawing/2010/main" w="9525">
+                <a:solidFill>
+                  <a:schemeClr val="tx1"/>
+                </a:solidFill>
+                <a:miter lim="800000"/>
+                <a:headEnd/>
+                <a:tailEnd/>
+              </a14:hiddenLine>
+            </a:ext>
+          </a:extLst>
+        </p:spPr>
+      </p:pic>
+      <p:pic>
+        <p:nvPicPr>
+          <p:cNvPr id="8196" name="Picture 4"/>
+          <p:cNvPicPr>
+            <a:picLocks noChangeAspect="1" noChangeArrowheads="1"/>
+          </p:cNvPicPr>
+          <p:nvPr/>
+        </p:nvPicPr>
+        <p:blipFill>
+          <a:blip r:embed="rId4">
+            <a:extLst>
+              <a:ext uri="{28A0092B-C50C-407E-A947-70E740481C1C}">
+                <a14:useLocalDpi xmlns:a14="http://schemas.microsoft.com/office/drawing/2010/main" val="0"/>
+              </a:ext>
+            </a:extLst>
+          </a:blip>
+          <a:srcRect/>
+          <a:stretch>
+            <a:fillRect/>
+          </a:stretch>
+        </p:blipFill>
+        <p:spPr bwMode="auto">
+          <a:xfrm>
+            <a:off x="3347864" y="4581128"/>
+            <a:ext cx="1447800" cy="933450"/>
+          </a:xfrm>
+          <a:prstGeom prst="rect">
+            <a:avLst/>
+          </a:prstGeom>
+          <a:noFill/>
+          <a:ln>
+            <a:noFill/>
+          </a:ln>
+          <a:extLst>
+            <a:ext uri="{909E8E84-426E-40DD-AFC4-6F175D3DCCD1}">
+              <a14:hiddenFill xmlns:a14="http://schemas.microsoft.com/office/drawing/2010/main">
+                <a:solidFill>
+                  <a:schemeClr val="accent1"/>
+                </a:solidFill>
+              </a14:hiddenFill>
+            </a:ext>
+            <a:ext uri="{91240B29-F687-4F45-9708-019B960494DF}">
+              <a14:hiddenLine xmlns:a14="http://schemas.microsoft.com/office/drawing/2010/main" w="9525">
+                <a:solidFill>
+                  <a:schemeClr val="tx1"/>
+                </a:solidFill>
+                <a:miter lim="800000"/>
+                <a:headEnd/>
+                <a:tailEnd/>
+              </a14:hiddenLine>
+            </a:ext>
+          </a:extLst>
+        </p:spPr>
+      </p:pic>
+    </p:spTree>
+    <p:extLst>
+      <p:ext uri="{BB962C8B-B14F-4D97-AF65-F5344CB8AC3E}">
+        <p14:creationId xmlns:p14="http://schemas.microsoft.com/office/powerpoint/2010/main" val="811996148"/>
+      </p:ext>
+    </p:extLst>
+  </p:cSld>
+  <p:clrMapOvr>
+    <a:masterClrMapping/>
+  </p:clrMapOvr>
+  <p:timing>
+    <p:tnLst>
+      <p:par>
+        <p:cTn id="1" dur="indefinite" restart="never" nodeType="tmRoot"/>
+      </p:par>
+    </p:tnLst>
+  </p:timing>
+</p:sld>
+</file>
+
+<file path=ppt/slides/slide14.xml><?xml version="1.0" encoding="utf-8"?>
+<p:sld xmlns:a="http://schemas.openxmlformats.org/drawingml/2006/main" xmlns:r="http://schemas.openxmlformats.org/officeDocument/2006/relationships" xmlns:p="http://schemas.openxmlformats.org/presentationml/2006/main">
+  <p:cSld>
+    <p:spTree>
+      <p:nvGrpSpPr>
+        <p:cNvPr id="1" name=""/>
+        <p:cNvGrpSpPr/>
+        <p:nvPr/>
+      </p:nvGrpSpPr>
+      <p:grpSpPr>
+        <a:xfrm>
+          <a:off x="0" y="0"/>
+          <a:ext cx="0" cy="0"/>
+          <a:chOff x="0" y="0"/>
+          <a:chExt cx="0" cy="0"/>
+        </a:xfrm>
+      </p:grpSpPr>
+      <p:sp>
+        <p:nvSpPr>
+          <p:cNvPr id="2" name="标题 1"/>
+          <p:cNvSpPr>
+            <a:spLocks noGrp="1"/>
+          </p:cNvSpPr>
+          <p:nvPr>
+            <p:ph type="title"/>
+          </p:nvPr>
+        </p:nvSpPr>
+        <p:spPr/>
+        <p:txBody>
+          <a:bodyPr/>
+          <a:lstStyle/>
+          <a:p>
+            <a:pPr algn="l"/>
+            <a:r>
+              <a:rPr lang="en-US" altLang="zh-CN" dirty="0" smtClean="0"/>
+              <a:t>1.4 </a:t>
+            </a:r>
+            <a:r>
+              <a:rPr lang="zh-CN" altLang="en-US" dirty="0" smtClean="0"/>
+              <a:t>分类手写数字</a:t>
+            </a:r>
+            <a:endParaRPr lang="zh-CN" altLang="en-US" dirty="0"/>
+          </a:p>
+        </p:txBody>
+      </p:sp>
+      <p:pic>
+        <p:nvPicPr>
+          <p:cNvPr id="9218" name="Picture 2"/>
+          <p:cNvPicPr>
+            <a:picLocks noGrp="1" noChangeAspect="1" noChangeArrowheads="1"/>
+          </p:cNvPicPr>
+          <p:nvPr>
+            <p:ph idx="1"/>
+          </p:nvPr>
+        </p:nvPicPr>
+        <p:blipFill>
+          <a:blip r:embed="rId2">
+            <a:extLst>
+              <a:ext uri="{28A0092B-C50C-407E-A947-70E740481C1C}">
+                <a14:useLocalDpi xmlns:a14="http://schemas.microsoft.com/office/drawing/2010/main" val="0"/>
+              </a:ext>
+            </a:extLst>
+          </a:blip>
+          <a:srcRect/>
+          <a:stretch>
+            <a:fillRect/>
+          </a:stretch>
+        </p:blipFill>
+        <p:spPr bwMode="auto">
+          <a:xfrm>
+            <a:off x="1619672" y="1628800"/>
+            <a:ext cx="5451728" cy="4525963"/>
+          </a:xfrm>
+          <a:prstGeom prst="rect">
+            <a:avLst/>
+          </a:prstGeom>
+          <a:noFill/>
+          <a:ln>
+            <a:noFill/>
+          </a:ln>
+          <a:extLst>
+            <a:ext uri="{909E8E84-426E-40DD-AFC4-6F175D3DCCD1}">
+              <a14:hiddenFill xmlns:a14="http://schemas.microsoft.com/office/drawing/2010/main">
+                <a:solidFill>
+                  <a:schemeClr val="accent1"/>
+                </a:solidFill>
+              </a14:hiddenFill>
+            </a:ext>
+            <a:ext uri="{91240B29-F687-4F45-9708-019B960494DF}">
+              <a14:hiddenLine xmlns:a14="http://schemas.microsoft.com/office/drawing/2010/main" w="9525">
+                <a:solidFill>
+                  <a:schemeClr val="tx1"/>
+                </a:solidFill>
+                <a:miter lim="800000"/>
+                <a:headEnd/>
+                <a:tailEnd/>
+              </a14:hiddenLine>
+            </a:ext>
+          </a:extLst>
+        </p:spPr>
+      </p:pic>
+    </p:spTree>
+    <p:extLst>
+      <p:ext uri="{BB962C8B-B14F-4D97-AF65-F5344CB8AC3E}">
+        <p14:creationId xmlns:p14="http://schemas.microsoft.com/office/powerpoint/2010/main" val="1754994321"/>
+      </p:ext>
+    </p:extLst>
+  </p:cSld>
+  <p:clrMapOvr>
+    <a:masterClrMapping/>
+  </p:clrMapOvr>
+  <p:timing>
+    <p:tnLst>
+      <p:par>
+        <p:cTn id="1" dur="indefinite" restart="never" nodeType="tmRoot"/>
+      </p:par>
+    </p:tnLst>
+  </p:timing>
+</p:sld>
+</file>
+
+<file path=ppt/slides/slide15.xml><?xml version="1.0" encoding="utf-8"?>
+<p:sld xmlns:a="http://schemas.openxmlformats.org/drawingml/2006/main" xmlns:r="http://schemas.openxmlformats.org/officeDocument/2006/relationships" xmlns:p="http://schemas.openxmlformats.org/presentationml/2006/main">
+  <p:cSld>
+    <p:spTree>
+      <p:nvGrpSpPr>
+        <p:cNvPr id="1" name=""/>
+        <p:cNvGrpSpPr/>
+        <p:nvPr/>
+      </p:nvGrpSpPr>
+      <p:grpSpPr>
+        <a:xfrm>
+          <a:off x="0" y="0"/>
+          <a:ext cx="0" cy="0"/>
+          <a:chOff x="0" y="0"/>
+          <a:chExt cx="0" cy="0"/>
+        </a:xfrm>
+      </p:grpSpPr>
+      <p:sp>
+        <p:nvSpPr>
+          <p:cNvPr id="2" name="标题 1"/>
+          <p:cNvSpPr>
+            <a:spLocks noGrp="1"/>
+          </p:cNvSpPr>
+          <p:nvPr>
+            <p:ph type="title"/>
+          </p:nvPr>
+        </p:nvSpPr>
+        <p:spPr/>
+        <p:txBody>
+          <a:bodyPr/>
+          <a:lstStyle/>
+          <a:p>
+            <a:pPr algn="l"/>
+            <a:r>
+              <a:rPr lang="en-US" altLang="zh-CN" dirty="0" smtClean="0"/>
+              <a:t>1.4 </a:t>
+            </a:r>
+            <a:r>
+              <a:rPr lang="zh-CN" altLang="en-US" dirty="0" smtClean="0"/>
+              <a:t>分类手写数字</a:t>
+            </a:r>
+            <a:endParaRPr lang="zh-CN" altLang="en-US" dirty="0"/>
+          </a:p>
+        </p:txBody>
+      </p:sp>
+      <p:pic>
+        <p:nvPicPr>
+          <p:cNvPr id="10242" name="Picture 2"/>
+          <p:cNvPicPr>
+            <a:picLocks noGrp="1" noChangeAspect="1" noChangeArrowheads="1"/>
+          </p:cNvPicPr>
+          <p:nvPr>
+            <p:ph idx="1"/>
+          </p:nvPr>
+        </p:nvPicPr>
+        <p:blipFill>
+          <a:blip r:embed="rId2">
+            <a:extLst>
+              <a:ext uri="{28A0092B-C50C-407E-A947-70E740481C1C}">
+                <a14:useLocalDpi xmlns:a14="http://schemas.microsoft.com/office/drawing/2010/main" val="0"/>
+              </a:ext>
+            </a:extLst>
+          </a:blip>
+          <a:srcRect/>
+          <a:stretch>
+            <a:fillRect/>
+          </a:stretch>
+        </p:blipFill>
+        <p:spPr bwMode="auto">
+          <a:xfrm>
+            <a:off x="1352606" y="1691283"/>
+            <a:ext cx="1619250" cy="1590675"/>
+          </a:xfrm>
+          <a:prstGeom prst="rect">
+            <a:avLst/>
+          </a:prstGeom>
+          <a:noFill/>
+          <a:ln>
+            <a:noFill/>
+          </a:ln>
+          <a:extLst>
+            <a:ext uri="{909E8E84-426E-40DD-AFC4-6F175D3DCCD1}">
+              <a14:hiddenFill xmlns:a14="http://schemas.microsoft.com/office/drawing/2010/main">
+                <a:solidFill>
+                  <a:schemeClr val="accent1"/>
+                </a:solidFill>
+              </a14:hiddenFill>
+            </a:ext>
+            <a:ext uri="{91240B29-F687-4F45-9708-019B960494DF}">
+              <a14:hiddenLine xmlns:a14="http://schemas.microsoft.com/office/drawing/2010/main" w="9525">
+                <a:solidFill>
+                  <a:schemeClr val="tx1"/>
+                </a:solidFill>
+                <a:miter lim="800000"/>
+                <a:headEnd/>
+                <a:tailEnd/>
+              </a14:hiddenLine>
+            </a:ext>
+          </a:extLst>
+        </p:spPr>
+      </p:pic>
+      <p:pic>
+        <p:nvPicPr>
+          <p:cNvPr id="10243" name="Picture 3"/>
+          <p:cNvPicPr>
+            <a:picLocks noChangeAspect="1" noChangeArrowheads="1"/>
+          </p:cNvPicPr>
+          <p:nvPr/>
+        </p:nvPicPr>
+        <p:blipFill>
+          <a:blip r:embed="rId3">
+            <a:extLst>
+              <a:ext uri="{28A0092B-C50C-407E-A947-70E740481C1C}">
+                <a14:useLocalDpi xmlns:a14="http://schemas.microsoft.com/office/drawing/2010/main" val="0"/>
+              </a:ext>
+            </a:extLst>
+          </a:blip>
+          <a:srcRect/>
+          <a:stretch>
+            <a:fillRect/>
+          </a:stretch>
+        </p:blipFill>
+        <p:spPr bwMode="auto">
+          <a:xfrm>
+            <a:off x="2987824" y="1700808"/>
+            <a:ext cx="4495800" cy="1581150"/>
+          </a:xfrm>
+          <a:prstGeom prst="rect">
+            <a:avLst/>
+          </a:prstGeom>
+          <a:noFill/>
+          <a:ln>
+            <a:noFill/>
+          </a:ln>
+          <a:extLst>
+            <a:ext uri="{909E8E84-426E-40DD-AFC4-6F175D3DCCD1}">
+              <a14:hiddenFill xmlns:a14="http://schemas.microsoft.com/office/drawing/2010/main">
+                <a:solidFill>
+                  <a:schemeClr val="accent1"/>
+                </a:solidFill>
+              </a14:hiddenFill>
+            </a:ext>
+            <a:ext uri="{91240B29-F687-4F45-9708-019B960494DF}">
+              <a14:hiddenLine xmlns:a14="http://schemas.microsoft.com/office/drawing/2010/main" w="9525">
+                <a:solidFill>
+                  <a:schemeClr val="tx1"/>
+                </a:solidFill>
+                <a:miter lim="800000"/>
+                <a:headEnd/>
+                <a:tailEnd/>
+              </a14:hiddenLine>
+            </a:ext>
+          </a:extLst>
+        </p:spPr>
+      </p:pic>
+      <p:pic>
+        <p:nvPicPr>
+          <p:cNvPr id="10244" name="Picture 4"/>
+          <p:cNvPicPr>
+            <a:picLocks noChangeAspect="1" noChangeArrowheads="1"/>
+          </p:cNvPicPr>
+          <p:nvPr/>
+        </p:nvPicPr>
+        <p:blipFill>
+          <a:blip r:embed="rId4">
+            <a:extLst>
+              <a:ext uri="{28A0092B-C50C-407E-A947-70E740481C1C}">
+                <a14:useLocalDpi xmlns:a14="http://schemas.microsoft.com/office/drawing/2010/main" val="0"/>
+              </a:ext>
+            </a:extLst>
+          </a:blip>
+          <a:srcRect/>
+          <a:stretch>
+            <a:fillRect/>
+          </a:stretch>
+        </p:blipFill>
+        <p:spPr bwMode="auto">
+          <a:xfrm>
+            <a:off x="2987824" y="4149080"/>
+            <a:ext cx="2190750" cy="1704975"/>
+          </a:xfrm>
+          <a:prstGeom prst="rect">
+            <a:avLst/>
+          </a:prstGeom>
+          <a:noFill/>
+          <a:ln>
+            <a:noFill/>
+          </a:ln>
+          <a:extLst>
+            <a:ext uri="{909E8E84-426E-40DD-AFC4-6F175D3DCCD1}">
+              <a14:hiddenFill xmlns:a14="http://schemas.microsoft.com/office/drawing/2010/main">
+                <a:solidFill>
+                  <a:schemeClr val="accent1"/>
+                </a:solidFill>
+              </a14:hiddenFill>
+            </a:ext>
+            <a:ext uri="{91240B29-F687-4F45-9708-019B960494DF}">
+              <a14:hiddenLine xmlns:a14="http://schemas.microsoft.com/office/drawing/2010/main" w="9525">
+                <a:solidFill>
+                  <a:schemeClr val="tx1"/>
+                </a:solidFill>
+                <a:miter lim="800000"/>
+                <a:headEnd/>
+                <a:tailEnd/>
+              </a14:hiddenLine>
+            </a:ext>
+          </a:extLst>
+        </p:spPr>
+      </p:pic>
+    </p:spTree>
+    <p:extLst>
+      <p:ext uri="{BB962C8B-B14F-4D97-AF65-F5344CB8AC3E}">
+        <p14:creationId xmlns:p14="http://schemas.microsoft.com/office/powerpoint/2010/main" val="1824650933"/>
+      </p:ext>
+    </p:extLst>
+  </p:cSld>
+  <p:clrMapOvr>
+    <a:masterClrMapping/>
+  </p:clrMapOvr>
+  <p:timing>
+    <p:tnLst>
+      <p:par>
+        <p:cTn id="1" dur="indefinite" restart="never" nodeType="tmRoot"/>
+      </p:par>
+    </p:tnLst>
+  </p:timing>
+</p:sld>
+</file>
+
+<file path=ppt/slides/slide16.xml><?xml version="1.0" encoding="utf-8"?>
+<p:sld xmlns:a="http://schemas.openxmlformats.org/drawingml/2006/main" xmlns:r="http://schemas.openxmlformats.org/officeDocument/2006/relationships" xmlns:p="http://schemas.openxmlformats.org/presentationml/2006/main">
+  <p:cSld>
+    <p:spTree>
+      <p:nvGrpSpPr>
+        <p:cNvPr id="1" name=""/>
+        <p:cNvGrpSpPr/>
+        <p:nvPr/>
+      </p:nvGrpSpPr>
+      <p:grpSpPr>
+        <a:xfrm>
+          <a:off x="0" y="0"/>
+          <a:ext cx="0" cy="0"/>
+          <a:chOff x="0" y="0"/>
+          <a:chExt cx="0" cy="0"/>
+        </a:xfrm>
+      </p:grpSpPr>
+      <p:sp>
+        <p:nvSpPr>
+          <p:cNvPr id="2" name="标题 1"/>
+          <p:cNvSpPr>
+            <a:spLocks noGrp="1"/>
+          </p:cNvSpPr>
+          <p:nvPr>
+            <p:ph type="title"/>
+          </p:nvPr>
+        </p:nvSpPr>
+        <p:spPr>
+          <a:xfrm>
+            <a:off x="467544" y="2204864"/>
+            <a:ext cx="8229600" cy="1600200"/>
+          </a:xfrm>
+        </p:spPr>
+        <p:txBody>
+          <a:bodyPr/>
+          <a:lstStyle/>
+          <a:p>
+            <a:pPr algn="l"/>
+            <a:r>
+              <a:rPr lang="zh-CN" altLang="en-US" sz="3200" dirty="0" smtClean="0"/>
+              <a:t>第二节</a:t>
+            </a:r>
+            <a:r>
+              <a:rPr lang="en-US" altLang="zh-CN" dirty="0" smtClean="0"/>
+              <a:t/>
+            </a:r>
+            <a:br>
+              <a:rPr lang="en-US" altLang="zh-CN" dirty="0" smtClean="0"/>
+            </a:br>
+            <a:r>
+              <a:rPr lang="en-US" altLang="zh-CN" dirty="0" smtClean="0"/>
+              <a:t>		</a:t>
+            </a:r>
+            <a:r>
+              <a:rPr lang="zh-CN" altLang="en-US" dirty="0" smtClean="0"/>
+              <a:t>随机梯度下降</a:t>
+            </a:r>
+            <a:endParaRPr lang="zh-CN" altLang="en-US" dirty="0"/>
+          </a:p>
+        </p:txBody>
+      </p:sp>
+    </p:spTree>
+    <p:extLst>
+      <p:ext uri="{BB962C8B-B14F-4D97-AF65-F5344CB8AC3E}">
+        <p14:creationId xmlns:p14="http://schemas.microsoft.com/office/powerpoint/2010/main" val="290175579"/>
+      </p:ext>
+    </p:extLst>
+  </p:cSld>
+  <p:clrMapOvr>
+    <a:masterClrMapping/>
+  </p:clrMapOvr>
+  <p:timing>
+    <p:tnLst>
+      <p:par>
+        <p:cTn id="1" dur="indefinite" restart="never" nodeType="tmRoot"/>
+      </p:par>
+    </p:tnLst>
+  </p:timing>
+</p:sld>
+</file>
+
+<file path=ppt/slides/slide17.xml><?xml version="1.0" encoding="utf-8"?>
+<p:sld xmlns:a="http://schemas.openxmlformats.org/drawingml/2006/main" xmlns:r="http://schemas.openxmlformats.org/officeDocument/2006/relationships" xmlns:p="http://schemas.openxmlformats.org/presentationml/2006/main">
+  <p:cSld>
+    <p:spTree>
+      <p:nvGrpSpPr>
+        <p:cNvPr id="1" name=""/>
+        <p:cNvGrpSpPr/>
+        <p:nvPr/>
+      </p:nvGrpSpPr>
+      <p:grpSpPr>
+        <a:xfrm>
+          <a:off x="0" y="0"/>
+          <a:ext cx="0" cy="0"/>
+          <a:chOff x="0" y="0"/>
+          <a:chExt cx="0" cy="0"/>
+        </a:xfrm>
+      </p:grpSpPr>
+      <p:sp>
+        <p:nvSpPr>
+          <p:cNvPr id="2" name="标题 1"/>
+          <p:cNvSpPr>
+            <a:spLocks noGrp="1"/>
+          </p:cNvSpPr>
+          <p:nvPr>
+            <p:ph type="title"/>
+          </p:nvPr>
+        </p:nvSpPr>
+        <p:spPr/>
+        <p:txBody>
+          <a:bodyPr/>
+          <a:lstStyle/>
+          <a:p>
+            <a:pPr algn="l"/>
+            <a:r>
+              <a:rPr lang="en-US" altLang="zh-CN" dirty="0" smtClean="0"/>
+              <a:t>2.1 </a:t>
+            </a:r>
+            <a:r>
+              <a:rPr lang="zh-CN" altLang="en-US" dirty="0" smtClean="0"/>
+              <a:t>代价函数</a:t>
+            </a:r>
+            <a:endParaRPr lang="zh-CN" altLang="en-US" dirty="0"/>
+          </a:p>
+        </p:txBody>
+      </p:sp>
+      <p:sp>
+        <p:nvSpPr>
+          <p:cNvPr id="3" name="内容占位符 2"/>
+          <p:cNvSpPr>
+            <a:spLocks noGrp="1"/>
+          </p:cNvSpPr>
+          <p:nvPr>
+            <p:ph idx="1"/>
+          </p:nvPr>
+        </p:nvSpPr>
+        <p:spPr/>
+        <p:txBody>
+          <a:bodyPr/>
+          <a:lstStyle/>
+          <a:p>
+            <a:r>
+              <a:rPr lang="zh-CN" altLang="en-US" b="1" dirty="0"/>
+              <a:t>二次</a:t>
+            </a:r>
+            <a:r>
+              <a:rPr lang="zh-CN" altLang="en-US" dirty="0" smtClean="0"/>
+              <a:t>代价函数</a:t>
+            </a:r>
+            <a:r>
+              <a:rPr lang="en-US" altLang="zh-CN" dirty="0" smtClean="0"/>
+              <a:t>(</a:t>
+            </a:r>
+            <a:r>
+              <a:rPr lang="zh-CN" altLang="en-US" dirty="0" smtClean="0"/>
+              <a:t>均方误差</a:t>
+            </a:r>
+            <a:r>
+              <a:rPr lang="en-US" altLang="zh-CN" dirty="0" smtClean="0"/>
+              <a:t>/MSE)</a:t>
+            </a:r>
+          </a:p>
+          <a:p>
+            <a:r>
+              <a:rPr lang="en-US" altLang="zh-CN" dirty="0"/>
+              <a:t>y</a:t>
+            </a:r>
+            <a:r>
+              <a:rPr lang="en-US" altLang="zh-CN" dirty="0" smtClean="0"/>
+              <a:t>(x)</a:t>
+            </a:r>
+            <a:r>
+              <a:rPr lang="zh-CN" altLang="en-US" dirty="0" smtClean="0"/>
+              <a:t>越接近</a:t>
+            </a:r>
+            <a:r>
+              <a:rPr lang="en-US" altLang="zh-CN" dirty="0" smtClean="0"/>
+              <a:t>a</a:t>
+            </a:r>
+            <a:r>
+              <a:rPr lang="zh-CN" altLang="en-US" dirty="0" smtClean="0"/>
+              <a:t>时，</a:t>
+            </a:r>
+            <a:r>
+              <a:rPr lang="en-US" altLang="zh-CN" dirty="0" smtClean="0"/>
+              <a:t>C(</a:t>
+            </a:r>
+            <a:r>
+              <a:rPr lang="en-US" altLang="zh-CN" dirty="0" err="1" smtClean="0"/>
+              <a:t>w,b</a:t>
+            </a:r>
+            <a:r>
+              <a:rPr lang="en-US" altLang="zh-CN" dirty="0" smtClean="0"/>
+              <a:t>)</a:t>
+            </a:r>
+            <a:r>
+              <a:rPr lang="zh-CN" altLang="en-US" dirty="0" smtClean="0"/>
+              <a:t>≈</a:t>
+            </a:r>
+            <a:r>
+              <a:rPr lang="en-US" altLang="zh-CN" dirty="0" smtClean="0"/>
+              <a:t>0</a:t>
+            </a:r>
+          </a:p>
+          <a:p>
+            <a:r>
+              <a:rPr lang="zh-CN" altLang="en-US" dirty="0" smtClean="0"/>
+              <a:t>我们想要找到一系列能让代价更小</a:t>
+            </a:r>
+            <a:endParaRPr lang="en-US" altLang="zh-CN" dirty="0" smtClean="0"/>
+          </a:p>
+          <a:p>
+            <a:r>
+              <a:rPr lang="zh-CN" altLang="en-US" dirty="0" smtClean="0"/>
+              <a:t>的权重</a:t>
+            </a:r>
+            <a:r>
+              <a:rPr lang="en-US" altLang="zh-CN" dirty="0" smtClean="0"/>
+              <a:t>(w)</a:t>
+            </a:r>
+            <a:r>
+              <a:rPr lang="zh-CN" altLang="en-US" dirty="0" smtClean="0"/>
+              <a:t>和偏置</a:t>
+            </a:r>
+            <a:r>
+              <a:rPr lang="en-US" altLang="zh-CN" dirty="0" smtClean="0"/>
+              <a:t>(b)</a:t>
+            </a:r>
+          </a:p>
+          <a:p>
+            <a:r>
+              <a:rPr lang="zh-CN" altLang="en-US" dirty="0" smtClean="0"/>
+              <a:t>为什么使用二次代价函数？</a:t>
+            </a:r>
+            <a:endParaRPr lang="zh-CN" altLang="en-US" dirty="0"/>
+          </a:p>
+        </p:txBody>
+      </p:sp>
+      <p:pic>
+        <p:nvPicPr>
+          <p:cNvPr id="11266" name="Picture 2"/>
+          <p:cNvPicPr>
+            <a:picLocks noChangeAspect="1" noChangeArrowheads="1"/>
+          </p:cNvPicPr>
+          <p:nvPr/>
+        </p:nvPicPr>
+        <p:blipFill>
+          <a:blip r:embed="rId3">
+            <a:extLst>
+              <a:ext uri="{28A0092B-C50C-407E-A947-70E740481C1C}">
+                <a14:useLocalDpi xmlns:a14="http://schemas.microsoft.com/office/drawing/2010/main" val="0"/>
+              </a:ext>
+            </a:extLst>
+          </a:blip>
+          <a:srcRect/>
+          <a:stretch>
+            <a:fillRect/>
+          </a:stretch>
+        </p:blipFill>
+        <p:spPr bwMode="auto">
+          <a:xfrm>
+            <a:off x="5508104" y="1556792"/>
+            <a:ext cx="3124200" cy="828675"/>
+          </a:xfrm>
+          <a:prstGeom prst="rect">
+            <a:avLst/>
+          </a:prstGeom>
+          <a:noFill/>
+          <a:ln>
+            <a:noFill/>
+          </a:ln>
+          <a:extLst>
+            <a:ext uri="{909E8E84-426E-40DD-AFC4-6F175D3DCCD1}">
+              <a14:hiddenFill xmlns:a14="http://schemas.microsoft.com/office/drawing/2010/main">
+                <a:solidFill>
+                  <a:schemeClr val="accent1"/>
+                </a:solidFill>
+              </a14:hiddenFill>
+            </a:ext>
+            <a:ext uri="{91240B29-F687-4F45-9708-019B960494DF}">
+              <a14:hiddenLine xmlns:a14="http://schemas.microsoft.com/office/drawing/2010/main" w="9525">
+                <a:solidFill>
+                  <a:schemeClr val="tx1"/>
+                </a:solidFill>
+                <a:miter lim="800000"/>
+                <a:headEnd/>
+                <a:tailEnd/>
+              </a14:hiddenLine>
+            </a:ext>
+          </a:extLst>
+        </p:spPr>
+      </p:pic>
+    </p:spTree>
+    <p:extLst>
+      <p:ext uri="{BB962C8B-B14F-4D97-AF65-F5344CB8AC3E}">
+        <p14:creationId xmlns:p14="http://schemas.microsoft.com/office/powerpoint/2010/main" val="3060336332"/>
+      </p:ext>
+    </p:extLst>
+  </p:cSld>
+  <p:clrMapOvr>
+    <a:masterClrMapping/>
+  </p:clrMapOvr>
+  <p:timing>
+    <p:tnLst>
+      <p:par>
+        <p:cTn id="1" dur="indefinite" restart="never" nodeType="tmRoot"/>
+      </p:par>
+    </p:tnLst>
+  </p:timing>
+</p:sld>
+</file>
+
+<file path=ppt/slides/slide18.xml><?xml version="1.0" encoding="utf-8"?>
+<p:sld xmlns:a="http://schemas.openxmlformats.org/drawingml/2006/main" xmlns:r="http://schemas.openxmlformats.org/officeDocument/2006/relationships" xmlns:p="http://schemas.openxmlformats.org/presentationml/2006/main">
+  <p:cSld>
+    <p:spTree>
+      <p:nvGrpSpPr>
+        <p:cNvPr id="1" name=""/>
+        <p:cNvGrpSpPr/>
+        <p:nvPr/>
+      </p:nvGrpSpPr>
+      <p:grpSpPr>
+        <a:xfrm>
+          <a:off x="0" y="0"/>
+          <a:ext cx="0" cy="0"/>
+          <a:chOff x="0" y="0"/>
+          <a:chExt cx="0" cy="0"/>
+        </a:xfrm>
+      </p:grpSpPr>
+      <p:sp>
+        <p:nvSpPr>
+          <p:cNvPr id="2" name="标题 1"/>
+          <p:cNvSpPr>
+            <a:spLocks noGrp="1"/>
+          </p:cNvSpPr>
+          <p:nvPr>
+            <p:ph type="title"/>
+          </p:nvPr>
+        </p:nvSpPr>
+        <p:spPr/>
+        <p:txBody>
+          <a:bodyPr/>
+          <a:lstStyle/>
+          <a:p>
+            <a:pPr algn="l"/>
+            <a:r>
+              <a:rPr lang="en-US" altLang="zh-CN" dirty="0" smtClean="0"/>
+              <a:t>2.2 </a:t>
+            </a:r>
+            <a:r>
+              <a:rPr lang="zh-CN" altLang="en-US" dirty="0" smtClean="0"/>
+              <a:t>梯度下降</a:t>
+            </a:r>
+            <a:endParaRPr lang="zh-CN" altLang="en-US" dirty="0"/>
+          </a:p>
+        </p:txBody>
+      </p:sp>
+      <p:sp>
+        <p:nvSpPr>
+          <p:cNvPr id="3" name="内容占位符 2"/>
+          <p:cNvSpPr>
+            <a:spLocks noGrp="1"/>
+          </p:cNvSpPr>
+          <p:nvPr>
+            <p:ph idx="1"/>
+          </p:nvPr>
+        </p:nvSpPr>
+        <p:spPr/>
+        <p:txBody>
+          <a:bodyPr/>
+          <a:lstStyle/>
+          <a:p>
+            <a:r>
+              <a:rPr lang="zh-CN" altLang="en-US" dirty="0" smtClean="0"/>
+              <a:t>现在把精力集中在最小化一个多元函数上</a:t>
+            </a:r>
+            <a:endParaRPr lang="en-US" altLang="zh-CN" dirty="0" smtClean="0"/>
+          </a:p>
+          <a:p>
+            <a:r>
+              <a:rPr lang="zh-CN" altLang="en-US" dirty="0" smtClean="0"/>
+              <a:t>简单起见，假设是一个二元函数</a:t>
+            </a:r>
+            <a:endParaRPr lang="en-US" altLang="zh-CN" dirty="0" smtClean="0"/>
+          </a:p>
+          <a:p>
+            <a:r>
+              <a:rPr lang="zh-CN" altLang="en-US" dirty="0" smtClean="0"/>
+              <a:t>微积分解析最小值</a:t>
+            </a:r>
+            <a:endParaRPr lang="zh-CN" altLang="en-US" dirty="0"/>
+          </a:p>
+        </p:txBody>
+      </p:sp>
+      <p:pic>
+        <p:nvPicPr>
+          <p:cNvPr id="12290" name="Picture 2"/>
+          <p:cNvPicPr>
+            <a:picLocks noChangeAspect="1" noChangeArrowheads="1"/>
+          </p:cNvPicPr>
+          <p:nvPr/>
+        </p:nvPicPr>
+        <p:blipFill>
+          <a:blip r:embed="rId2">
+            <a:extLst>
+              <a:ext uri="{28A0092B-C50C-407E-A947-70E740481C1C}">
+                <a14:useLocalDpi xmlns:a14="http://schemas.microsoft.com/office/drawing/2010/main" val="0"/>
+              </a:ext>
+            </a:extLst>
+          </a:blip>
+          <a:srcRect/>
+          <a:stretch>
+            <a:fillRect/>
+          </a:stretch>
+        </p:blipFill>
+        <p:spPr bwMode="auto">
+          <a:xfrm>
+            <a:off x="4427984" y="3056802"/>
+            <a:ext cx="4267200" cy="2638425"/>
+          </a:xfrm>
+          <a:prstGeom prst="rect">
+            <a:avLst/>
+          </a:prstGeom>
+          <a:noFill/>
+          <a:ln>
+            <a:noFill/>
+          </a:ln>
+          <a:extLst>
+            <a:ext uri="{909E8E84-426E-40DD-AFC4-6F175D3DCCD1}">
+              <a14:hiddenFill xmlns:a14="http://schemas.microsoft.com/office/drawing/2010/main">
+                <a:solidFill>
+                  <a:schemeClr val="accent1"/>
+                </a:solidFill>
+              </a14:hiddenFill>
+            </a:ext>
+            <a:ext uri="{91240B29-F687-4F45-9708-019B960494DF}">
+              <a14:hiddenLine xmlns:a14="http://schemas.microsoft.com/office/drawing/2010/main" w="9525">
+                <a:solidFill>
+                  <a:schemeClr val="tx1"/>
+                </a:solidFill>
+                <a:miter lim="800000"/>
+                <a:headEnd/>
+                <a:tailEnd/>
+              </a14:hiddenLine>
+            </a:ext>
+          </a:extLst>
+        </p:spPr>
+      </p:pic>
+    </p:spTree>
+    <p:extLst>
+      <p:ext uri="{BB962C8B-B14F-4D97-AF65-F5344CB8AC3E}">
+        <p14:creationId xmlns:p14="http://schemas.microsoft.com/office/powerpoint/2010/main" val="1630543023"/>
+      </p:ext>
+    </p:extLst>
+  </p:cSld>
+  <p:clrMapOvr>
+    <a:masterClrMapping/>
+  </p:clrMapOvr>
+  <p:timing>
+    <p:tnLst>
+      <p:par>
+        <p:cTn id="1" dur="indefinite" restart="never" nodeType="tmRoot"/>
+      </p:par>
+    </p:tnLst>
+  </p:timing>
+</p:sld>
+</file>
+
+<file path=ppt/slides/slide19.xml><?xml version="1.0" encoding="utf-8"?>
+<p:sld xmlns:a="http://schemas.openxmlformats.org/drawingml/2006/main" xmlns:r="http://schemas.openxmlformats.org/officeDocument/2006/relationships" xmlns:p="http://schemas.openxmlformats.org/presentationml/2006/main">
+  <p:cSld>
+    <p:spTree>
+      <p:nvGrpSpPr>
+        <p:cNvPr id="1" name=""/>
+        <p:cNvGrpSpPr/>
+        <p:nvPr/>
+      </p:nvGrpSpPr>
+      <p:grpSpPr>
+        <a:xfrm>
+          <a:off x="0" y="0"/>
+          <a:ext cx="0" cy="0"/>
+          <a:chOff x="0" y="0"/>
+          <a:chExt cx="0" cy="0"/>
+        </a:xfrm>
+      </p:grpSpPr>
+      <p:sp>
+        <p:nvSpPr>
+          <p:cNvPr id="2" name="标题 1"/>
+          <p:cNvSpPr>
+            <a:spLocks noGrp="1"/>
+          </p:cNvSpPr>
+          <p:nvPr>
+            <p:ph type="title"/>
+          </p:nvPr>
+        </p:nvSpPr>
+        <p:spPr/>
+        <p:txBody>
+          <a:bodyPr/>
+          <a:lstStyle/>
+          <a:p>
+            <a:pPr algn="l"/>
+            <a:r>
+              <a:rPr lang="en-US" altLang="zh-CN" dirty="0" smtClean="0"/>
+              <a:t>2.2 </a:t>
+            </a:r>
+            <a:r>
+              <a:rPr lang="zh-CN" altLang="en-US" dirty="0" smtClean="0"/>
+              <a:t>梯度下降</a:t>
+            </a:r>
+            <a:endParaRPr lang="zh-CN" altLang="en-US" dirty="0"/>
+          </a:p>
+        </p:txBody>
+      </p:sp>
+      <p:sp>
+        <p:nvSpPr>
+          <p:cNvPr id="3" name="内容占位符 2"/>
+          <p:cNvSpPr>
+            <a:spLocks noGrp="1"/>
+          </p:cNvSpPr>
+          <p:nvPr>
+            <p:ph idx="1"/>
+          </p:nvPr>
+        </p:nvSpPr>
+        <p:spPr/>
+        <p:txBody>
+          <a:bodyPr/>
+          <a:lstStyle/>
+          <a:p>
+            <a:r>
+              <a:rPr lang="en-US" altLang="zh-CN" dirty="0" smtClean="0"/>
+              <a:t>d</a:t>
+            </a:r>
+            <a:endParaRPr lang="zh-CN" altLang="en-US" dirty="0"/>
+          </a:p>
+        </p:txBody>
+      </p:sp>
+      <p:pic>
+        <p:nvPicPr>
+          <p:cNvPr id="4" name="Picture 3"/>
+          <p:cNvPicPr>
+            <a:picLocks noChangeAspect="1" noChangeArrowheads="1"/>
+          </p:cNvPicPr>
+          <p:nvPr/>
+        </p:nvPicPr>
+        <p:blipFill>
+          <a:blip r:embed="rId2">
+            <a:extLst>
+              <a:ext uri="{28A0092B-C50C-407E-A947-70E740481C1C}">
+                <a14:useLocalDpi xmlns:a14="http://schemas.microsoft.com/office/drawing/2010/main" val="0"/>
+              </a:ext>
+            </a:extLst>
+          </a:blip>
+          <a:srcRect/>
+          <a:stretch>
+            <a:fillRect/>
+          </a:stretch>
+        </p:blipFill>
+        <p:spPr bwMode="auto">
+          <a:xfrm>
+            <a:off x="2695671" y="1772816"/>
+            <a:ext cx="3114675" cy="838200"/>
+          </a:xfrm>
+          <a:prstGeom prst="rect">
+            <a:avLst/>
+          </a:prstGeom>
+          <a:noFill/>
+          <a:ln>
+            <a:noFill/>
+          </a:ln>
+          <a:extLst>
+            <a:ext uri="{909E8E84-426E-40DD-AFC4-6F175D3DCCD1}">
+              <a14:hiddenFill xmlns:a14="http://schemas.microsoft.com/office/drawing/2010/main">
+                <a:solidFill>
+                  <a:schemeClr val="accent1"/>
+                </a:solidFill>
+              </a14:hiddenFill>
+            </a:ext>
+            <a:ext uri="{91240B29-F687-4F45-9708-019B960494DF}">
+              <a14:hiddenLine xmlns:a14="http://schemas.microsoft.com/office/drawing/2010/main" w="9525">
+                <a:solidFill>
+                  <a:schemeClr val="tx1"/>
+                </a:solidFill>
+                <a:miter lim="800000"/>
+                <a:headEnd/>
+                <a:tailEnd/>
+              </a14:hiddenLine>
+            </a:ext>
+          </a:extLst>
+        </p:spPr>
+      </p:pic>
+      <p:pic>
+        <p:nvPicPr>
+          <p:cNvPr id="13314" name="Picture 2"/>
+          <p:cNvPicPr>
+            <a:picLocks noChangeAspect="1" noChangeArrowheads="1"/>
+          </p:cNvPicPr>
+          <p:nvPr/>
+        </p:nvPicPr>
+        <p:blipFill>
+          <a:blip r:embed="rId3">
+            <a:extLst>
+              <a:ext uri="{28A0092B-C50C-407E-A947-70E740481C1C}">
+                <a14:useLocalDpi xmlns:a14="http://schemas.microsoft.com/office/drawing/2010/main" val="0"/>
+              </a:ext>
+            </a:extLst>
+          </a:blip>
+          <a:srcRect/>
+          <a:stretch>
+            <a:fillRect/>
+          </a:stretch>
+        </p:blipFill>
+        <p:spPr bwMode="auto">
+          <a:xfrm>
+            <a:off x="3347864" y="2646175"/>
+            <a:ext cx="1609725" cy="381000"/>
+          </a:xfrm>
+          <a:prstGeom prst="rect">
+            <a:avLst/>
+          </a:prstGeom>
+          <a:noFill/>
+          <a:ln>
+            <a:noFill/>
+          </a:ln>
+          <a:extLst>
+            <a:ext uri="{909E8E84-426E-40DD-AFC4-6F175D3DCCD1}">
+              <a14:hiddenFill xmlns:a14="http://schemas.microsoft.com/office/drawing/2010/main">
+                <a:solidFill>
+                  <a:schemeClr val="accent1"/>
+                </a:solidFill>
+              </a14:hiddenFill>
+            </a:ext>
+            <a:ext uri="{91240B29-F687-4F45-9708-019B960494DF}">
+              <a14:hiddenLine xmlns:a14="http://schemas.microsoft.com/office/drawing/2010/main" w="9525">
+                <a:solidFill>
+                  <a:schemeClr val="tx1"/>
+                </a:solidFill>
+                <a:miter lim="800000"/>
+                <a:headEnd/>
+                <a:tailEnd/>
+              </a14:hiddenLine>
+            </a:ext>
+          </a:extLst>
+        </p:spPr>
+      </p:pic>
+      <p:pic>
+        <p:nvPicPr>
+          <p:cNvPr id="13315" name="Picture 3"/>
+          <p:cNvPicPr>
+            <a:picLocks noChangeAspect="1" noChangeArrowheads="1"/>
+          </p:cNvPicPr>
+          <p:nvPr/>
+        </p:nvPicPr>
+        <p:blipFill>
+          <a:blip r:embed="rId4">
+            <a:extLst>
+              <a:ext uri="{28A0092B-C50C-407E-A947-70E740481C1C}">
+                <a14:useLocalDpi xmlns:a14="http://schemas.microsoft.com/office/drawing/2010/main" val="0"/>
+              </a:ext>
+            </a:extLst>
+          </a:blip>
+          <a:srcRect/>
+          <a:stretch>
+            <a:fillRect/>
+          </a:stretch>
+        </p:blipFill>
+        <p:spPr bwMode="auto">
+          <a:xfrm>
+            <a:off x="2981151" y="3356992"/>
+            <a:ext cx="2343150" cy="876300"/>
+          </a:xfrm>
+          <a:prstGeom prst="rect">
+            <a:avLst/>
+          </a:prstGeom>
+          <a:noFill/>
+          <a:ln>
+            <a:noFill/>
+          </a:ln>
+          <a:extLst>
+            <a:ext uri="{909E8E84-426E-40DD-AFC4-6F175D3DCCD1}">
+              <a14:hiddenFill xmlns:a14="http://schemas.microsoft.com/office/drawing/2010/main">
+                <a:solidFill>
+                  <a:schemeClr val="accent1"/>
+                </a:solidFill>
+              </a14:hiddenFill>
+            </a:ext>
+            <a:ext uri="{91240B29-F687-4F45-9708-019B960494DF}">
+              <a14:hiddenLine xmlns:a14="http://schemas.microsoft.com/office/drawing/2010/main" w="9525">
+                <a:solidFill>
+                  <a:schemeClr val="tx1"/>
+                </a:solidFill>
+                <a:miter lim="800000"/>
+                <a:headEnd/>
+                <a:tailEnd/>
+              </a14:hiddenLine>
+            </a:ext>
+          </a:extLst>
+        </p:spPr>
+      </p:pic>
+      <p:pic>
+        <p:nvPicPr>
+          <p:cNvPr id="13316" name="Picture 4"/>
+          <p:cNvPicPr>
+            <a:picLocks noChangeAspect="1" noChangeArrowheads="1"/>
+          </p:cNvPicPr>
+          <p:nvPr/>
+        </p:nvPicPr>
+        <p:blipFill>
+          <a:blip r:embed="rId5">
+            <a:extLst>
+              <a:ext uri="{28A0092B-C50C-407E-A947-70E740481C1C}">
+                <a14:useLocalDpi xmlns:a14="http://schemas.microsoft.com/office/drawing/2010/main" val="0"/>
+              </a:ext>
+            </a:extLst>
+          </a:blip>
+          <a:srcRect/>
+          <a:stretch>
+            <a:fillRect/>
+          </a:stretch>
+        </p:blipFill>
+        <p:spPr bwMode="auto">
+          <a:xfrm>
+            <a:off x="3224038" y="4437112"/>
+            <a:ext cx="1857375" cy="533400"/>
+          </a:xfrm>
+          <a:prstGeom prst="rect">
+            <a:avLst/>
+          </a:prstGeom>
+          <a:noFill/>
+          <a:ln>
+            <a:noFill/>
+          </a:ln>
+          <a:extLst>
+            <a:ext uri="{909E8E84-426E-40DD-AFC4-6F175D3DCCD1}">
+              <a14:hiddenFill xmlns:a14="http://schemas.microsoft.com/office/drawing/2010/main">
+                <a:solidFill>
+                  <a:schemeClr val="accent1"/>
+                </a:solidFill>
+              </a14:hiddenFill>
+            </a:ext>
+            <a:ext uri="{91240B29-F687-4F45-9708-019B960494DF}">
+              <a14:hiddenLine xmlns:a14="http://schemas.microsoft.com/office/drawing/2010/main" w="9525">
+                <a:solidFill>
+                  <a:schemeClr val="tx1"/>
+                </a:solidFill>
+                <a:miter lim="800000"/>
+                <a:headEnd/>
+                <a:tailEnd/>
+              </a14:hiddenLine>
+            </a:ext>
+          </a:extLst>
+        </p:spPr>
+      </p:pic>
+      <p:pic>
+        <p:nvPicPr>
+          <p:cNvPr id="13317" name="Picture 5"/>
+          <p:cNvPicPr>
+            <a:picLocks noChangeAspect="1" noChangeArrowheads="1"/>
+          </p:cNvPicPr>
+          <p:nvPr/>
+        </p:nvPicPr>
+        <p:blipFill>
+          <a:blip r:embed="rId6">
+            <a:extLst>
+              <a:ext uri="{28A0092B-C50C-407E-A947-70E740481C1C}">
+                <a14:useLocalDpi xmlns:a14="http://schemas.microsoft.com/office/drawing/2010/main" val="0"/>
+              </a:ext>
+            </a:extLst>
+          </a:blip>
+          <a:srcRect/>
+          <a:stretch>
+            <a:fillRect/>
+          </a:stretch>
+        </p:blipFill>
+        <p:spPr bwMode="auto">
+          <a:xfrm>
+            <a:off x="3276425" y="5157192"/>
+            <a:ext cx="1752600" cy="561975"/>
+          </a:xfrm>
+          <a:prstGeom prst="rect">
+            <a:avLst/>
+          </a:prstGeom>
+          <a:noFill/>
+          <a:ln>
+            <a:noFill/>
+          </a:ln>
+          <a:extLst>
+            <a:ext uri="{909E8E84-426E-40DD-AFC4-6F175D3DCCD1}">
+              <a14:hiddenFill xmlns:a14="http://schemas.microsoft.com/office/drawing/2010/main">
+                <a:solidFill>
+                  <a:schemeClr val="accent1"/>
+                </a:solidFill>
+              </a14:hiddenFill>
+            </a:ext>
+            <a:ext uri="{91240B29-F687-4F45-9708-019B960494DF}">
+              <a14:hiddenLine xmlns:a14="http://schemas.microsoft.com/office/drawing/2010/main" w="9525">
+                <a:solidFill>
+                  <a:schemeClr val="tx1"/>
+                </a:solidFill>
+                <a:miter lim="800000"/>
+                <a:headEnd/>
+                <a:tailEnd/>
+              </a14:hiddenLine>
+            </a:ext>
+          </a:extLst>
+        </p:spPr>
+      </p:pic>
+    </p:spTree>
+    <p:extLst>
+      <p:ext uri="{BB962C8B-B14F-4D97-AF65-F5344CB8AC3E}">
+        <p14:creationId xmlns:p14="http://schemas.microsoft.com/office/powerpoint/2010/main" val="3033530479"/>
+      </p:ext>
+    </p:extLst>
+  </p:cSld>
+  <p:clrMapOvr>
+    <a:masterClrMapping/>
+  </p:clrMapOvr>
+  <p:timing>
+    <p:tnLst>
+      <p:par>
+        <p:cTn id="1" dur="indefinite" restart="never" nodeType="tmRoot"/>
+      </p:par>
+    </p:tnLst>
+  </p:timing>
 </p:sld>
 </file>
 
@@ -4158,6 +6136,81 @@
     <p:extLst>
       <p:ext uri="{BB962C8B-B14F-4D97-AF65-F5344CB8AC3E}">
         <p14:creationId xmlns:p14="http://schemas.microsoft.com/office/powerpoint/2010/main" val="1908671998"/>
+      </p:ext>
+    </p:extLst>
+  </p:cSld>
+  <p:clrMapOvr>
+    <a:masterClrMapping/>
+  </p:clrMapOvr>
+  <p:timing>
+    <p:tnLst>
+      <p:par>
+        <p:cTn id="1" dur="indefinite" restart="never" nodeType="tmRoot"/>
+      </p:par>
+    </p:tnLst>
+  </p:timing>
+</p:sld>
+</file>
+
+<file path=ppt/slides/slide20.xml><?xml version="1.0" encoding="utf-8"?>
+<p:sld xmlns:a="http://schemas.openxmlformats.org/drawingml/2006/main" xmlns:r="http://schemas.openxmlformats.org/officeDocument/2006/relationships" xmlns:p="http://schemas.openxmlformats.org/presentationml/2006/main">
+  <p:cSld>
+    <p:spTree>
+      <p:nvGrpSpPr>
+        <p:cNvPr id="1" name=""/>
+        <p:cNvGrpSpPr/>
+        <p:nvPr/>
+      </p:nvGrpSpPr>
+      <p:grpSpPr>
+        <a:xfrm>
+          <a:off x="0" y="0"/>
+          <a:ext cx="0" cy="0"/>
+          <a:chOff x="0" y="0"/>
+          <a:chExt cx="0" cy="0"/>
+        </a:xfrm>
+      </p:grpSpPr>
+      <p:sp>
+        <p:nvSpPr>
+          <p:cNvPr id="2" name="标题 1"/>
+          <p:cNvSpPr>
+            <a:spLocks noGrp="1"/>
+          </p:cNvSpPr>
+          <p:nvPr>
+            <p:ph type="title"/>
+          </p:nvPr>
+        </p:nvSpPr>
+        <p:spPr/>
+        <p:txBody>
+          <a:bodyPr/>
+          <a:lstStyle/>
+          <a:p>
+            <a:endParaRPr lang="zh-CN" altLang="en-US"/>
+          </a:p>
+        </p:txBody>
+      </p:sp>
+      <p:sp>
+        <p:nvSpPr>
+          <p:cNvPr id="3" name="内容占位符 2"/>
+          <p:cNvSpPr>
+            <a:spLocks noGrp="1"/>
+          </p:cNvSpPr>
+          <p:nvPr>
+            <p:ph idx="1"/>
+          </p:nvPr>
+        </p:nvSpPr>
+        <p:spPr/>
+        <p:txBody>
+          <a:bodyPr/>
+          <a:lstStyle/>
+          <a:p>
+            <a:endParaRPr lang="zh-CN" altLang="en-US"/>
+          </a:p>
+        </p:txBody>
+      </p:sp>
+    </p:spTree>
+    <p:extLst>
+      <p:ext uri="{BB962C8B-B14F-4D97-AF65-F5344CB8AC3E}">
+        <p14:creationId xmlns:p14="http://schemas.microsoft.com/office/powerpoint/2010/main" val="674609633"/>
       </p:ext>
     </p:extLst>
   </p:cSld>
@@ -4932,6 +6985,394 @@
     <p:extLst>
       <p:ext uri="{BB962C8B-B14F-4D97-AF65-F5344CB8AC3E}">
         <p14:creationId xmlns:p14="http://schemas.microsoft.com/office/powerpoint/2010/main" val="1711747171"/>
+      </p:ext>
+    </p:extLst>
+  </p:cSld>
+  <p:clrMapOvr>
+    <a:masterClrMapping/>
+  </p:clrMapOvr>
+  <p:timing>
+    <p:tnLst>
+      <p:par>
+        <p:cTn id="1" dur="indefinite" restart="never" nodeType="tmRoot"/>
+      </p:par>
+    </p:tnLst>
+  </p:timing>
+</p:sld>
+</file>
+
+<file path=ppt/slides/slide8.xml><?xml version="1.0" encoding="utf-8"?>
+<p:sld xmlns:a="http://schemas.openxmlformats.org/drawingml/2006/main" xmlns:r="http://schemas.openxmlformats.org/officeDocument/2006/relationships" xmlns:p="http://schemas.openxmlformats.org/presentationml/2006/main">
+  <p:cSld>
+    <p:spTree>
+      <p:nvGrpSpPr>
+        <p:cNvPr id="1" name=""/>
+        <p:cNvGrpSpPr/>
+        <p:nvPr/>
+      </p:nvGrpSpPr>
+      <p:grpSpPr>
+        <a:xfrm>
+          <a:off x="0" y="0"/>
+          <a:ext cx="0" cy="0"/>
+          <a:chOff x="0" y="0"/>
+          <a:chExt cx="0" cy="0"/>
+        </a:xfrm>
+      </p:grpSpPr>
+      <p:sp>
+        <p:nvSpPr>
+          <p:cNvPr id="2" name="标题 1"/>
+          <p:cNvSpPr>
+            <a:spLocks noGrp="1"/>
+          </p:cNvSpPr>
+          <p:nvPr>
+            <p:ph type="title"/>
+          </p:nvPr>
+        </p:nvSpPr>
+        <p:spPr/>
+        <p:txBody>
+          <a:bodyPr/>
+          <a:lstStyle/>
+          <a:p>
+            <a:pPr algn="l"/>
+            <a:r>
+              <a:rPr lang="en-US" altLang="zh-CN" dirty="0" smtClean="0"/>
+              <a:t>1.2 S</a:t>
+            </a:r>
+            <a:r>
+              <a:rPr lang="zh-CN" altLang="en-US" dirty="0" smtClean="0"/>
+              <a:t>形神经元</a:t>
+            </a:r>
+            <a:endParaRPr lang="zh-CN" altLang="en-US" dirty="0"/>
+          </a:p>
+        </p:txBody>
+      </p:sp>
+      <p:sp>
+        <p:nvSpPr>
+          <p:cNvPr id="3" name="内容占位符 2"/>
+          <p:cNvSpPr>
+            <a:spLocks noGrp="1"/>
+          </p:cNvSpPr>
+          <p:nvPr>
+            <p:ph idx="1"/>
+          </p:nvPr>
+        </p:nvSpPr>
+        <p:spPr/>
+        <p:txBody>
+          <a:bodyPr/>
+          <a:lstStyle/>
+          <a:p>
+            <a:endParaRPr lang="zh-CN" altLang="en-US" dirty="0"/>
+          </a:p>
+        </p:txBody>
+      </p:sp>
+      <p:pic>
+        <p:nvPicPr>
+          <p:cNvPr id="4" name="Picture 3"/>
+          <p:cNvPicPr>
+            <a:picLocks noChangeAspect="1" noChangeArrowheads="1"/>
+          </p:cNvPicPr>
+          <p:nvPr/>
+        </p:nvPicPr>
+        <p:blipFill>
+          <a:blip r:embed="rId2">
+            <a:extLst>
+              <a:ext uri="{28A0092B-C50C-407E-A947-70E740481C1C}">
+                <a14:useLocalDpi xmlns:a14="http://schemas.microsoft.com/office/drawing/2010/main" val="0"/>
+              </a:ext>
+            </a:extLst>
+          </a:blip>
+          <a:srcRect/>
+          <a:stretch>
+            <a:fillRect/>
+          </a:stretch>
+        </p:blipFill>
+        <p:spPr bwMode="auto">
+          <a:xfrm>
+            <a:off x="3419872" y="2405296"/>
+            <a:ext cx="2362200" cy="1038225"/>
+          </a:xfrm>
+          <a:prstGeom prst="rect">
+            <a:avLst/>
+          </a:prstGeom>
+          <a:noFill/>
+          <a:ln>
+            <a:noFill/>
+          </a:ln>
+          <a:extLst>
+            <a:ext uri="{909E8E84-426E-40DD-AFC4-6F175D3DCCD1}">
+              <a14:hiddenFill xmlns:a14="http://schemas.microsoft.com/office/drawing/2010/main">
+                <a:solidFill>
+                  <a:schemeClr val="accent1"/>
+                </a:solidFill>
+              </a14:hiddenFill>
+            </a:ext>
+            <a:ext uri="{91240B29-F687-4F45-9708-019B960494DF}">
+              <a14:hiddenLine xmlns:a14="http://schemas.microsoft.com/office/drawing/2010/main" w="9525">
+                <a:solidFill>
+                  <a:schemeClr val="tx1"/>
+                </a:solidFill>
+                <a:miter lim="800000"/>
+                <a:headEnd/>
+                <a:tailEnd/>
+              </a14:hiddenLine>
+            </a:ext>
+          </a:extLst>
+        </p:spPr>
+      </p:pic>
+      <p:pic>
+        <p:nvPicPr>
+          <p:cNvPr id="5" name="Picture 6"/>
+          <p:cNvPicPr>
+            <a:picLocks noChangeAspect="1" noChangeArrowheads="1"/>
+          </p:cNvPicPr>
+          <p:nvPr/>
+        </p:nvPicPr>
+        <p:blipFill>
+          <a:blip r:embed="rId3">
+            <a:extLst>
+              <a:ext uri="{28A0092B-C50C-407E-A947-70E740481C1C}">
+                <a14:useLocalDpi xmlns:a14="http://schemas.microsoft.com/office/drawing/2010/main" val="0"/>
+              </a:ext>
+            </a:extLst>
+          </a:blip>
+          <a:srcRect/>
+          <a:stretch>
+            <a:fillRect/>
+          </a:stretch>
+        </p:blipFill>
+        <p:spPr bwMode="auto">
+          <a:xfrm>
+            <a:off x="1043608" y="4149080"/>
+            <a:ext cx="2628900" cy="742950"/>
+          </a:xfrm>
+          <a:prstGeom prst="rect">
+            <a:avLst/>
+          </a:prstGeom>
+          <a:noFill/>
+          <a:ln>
+            <a:noFill/>
+          </a:ln>
+          <a:extLst>
+            <a:ext uri="{909E8E84-426E-40DD-AFC4-6F175D3DCCD1}">
+              <a14:hiddenFill xmlns:a14="http://schemas.microsoft.com/office/drawing/2010/main">
+                <a:solidFill>
+                  <a:schemeClr val="accent1"/>
+                </a:solidFill>
+              </a14:hiddenFill>
+            </a:ext>
+            <a:ext uri="{91240B29-F687-4F45-9708-019B960494DF}">
+              <a14:hiddenLine xmlns:a14="http://schemas.microsoft.com/office/drawing/2010/main" w="9525">
+                <a:solidFill>
+                  <a:schemeClr val="tx1"/>
+                </a:solidFill>
+                <a:miter lim="800000"/>
+                <a:headEnd/>
+                <a:tailEnd/>
+              </a14:hiddenLine>
+            </a:ext>
+          </a:extLst>
+        </p:spPr>
+      </p:pic>
+      <p:pic>
+        <p:nvPicPr>
+          <p:cNvPr id="6" name="Picture 7"/>
+          <p:cNvPicPr>
+            <a:picLocks noChangeAspect="1" noChangeArrowheads="1"/>
+          </p:cNvPicPr>
+          <p:nvPr/>
+        </p:nvPicPr>
+        <p:blipFill>
+          <a:blip r:embed="rId4">
+            <a:extLst>
+              <a:ext uri="{28A0092B-C50C-407E-A947-70E740481C1C}">
+                <a14:useLocalDpi xmlns:a14="http://schemas.microsoft.com/office/drawing/2010/main" val="0"/>
+              </a:ext>
+            </a:extLst>
+          </a:blip>
+          <a:srcRect/>
+          <a:stretch>
+            <a:fillRect/>
+          </a:stretch>
+        </p:blipFill>
+        <p:spPr bwMode="auto">
+          <a:xfrm>
+            <a:off x="4932040" y="4101455"/>
+            <a:ext cx="2914650" cy="838200"/>
+          </a:xfrm>
+          <a:prstGeom prst="rect">
+            <a:avLst/>
+          </a:prstGeom>
+          <a:noFill/>
+          <a:ln>
+            <a:noFill/>
+          </a:ln>
+          <a:extLst>
+            <a:ext uri="{909E8E84-426E-40DD-AFC4-6F175D3DCCD1}">
+              <a14:hiddenFill xmlns:a14="http://schemas.microsoft.com/office/drawing/2010/main">
+                <a:solidFill>
+                  <a:schemeClr val="accent1"/>
+                </a:solidFill>
+              </a14:hiddenFill>
+            </a:ext>
+            <a:ext uri="{91240B29-F687-4F45-9708-019B960494DF}">
+              <a14:hiddenLine xmlns:a14="http://schemas.microsoft.com/office/drawing/2010/main" w="9525">
+                <a:solidFill>
+                  <a:schemeClr val="tx1"/>
+                </a:solidFill>
+                <a:miter lim="800000"/>
+                <a:headEnd/>
+                <a:tailEnd/>
+              </a14:hiddenLine>
+            </a:ext>
+          </a:extLst>
+        </p:spPr>
+      </p:pic>
+    </p:spTree>
+    <p:extLst>
+      <p:ext uri="{BB962C8B-B14F-4D97-AF65-F5344CB8AC3E}">
+        <p14:creationId xmlns:p14="http://schemas.microsoft.com/office/powerpoint/2010/main" val="3140019897"/>
+      </p:ext>
+    </p:extLst>
+  </p:cSld>
+  <p:clrMapOvr>
+    <a:masterClrMapping/>
+  </p:clrMapOvr>
+  <p:timing>
+    <p:tnLst>
+      <p:par>
+        <p:cTn id="1" dur="indefinite" restart="never" nodeType="tmRoot"/>
+      </p:par>
+    </p:tnLst>
+  </p:timing>
+</p:sld>
+</file>
+
+<file path=ppt/slides/slide9.xml><?xml version="1.0" encoding="utf-8"?>
+<p:sld xmlns:a="http://schemas.openxmlformats.org/drawingml/2006/main" xmlns:r="http://schemas.openxmlformats.org/officeDocument/2006/relationships" xmlns:p="http://schemas.openxmlformats.org/presentationml/2006/main">
+  <p:cSld>
+    <p:spTree>
+      <p:nvGrpSpPr>
+        <p:cNvPr id="1" name=""/>
+        <p:cNvGrpSpPr/>
+        <p:nvPr/>
+      </p:nvGrpSpPr>
+      <p:grpSpPr>
+        <a:xfrm>
+          <a:off x="0" y="0"/>
+          <a:ext cx="0" cy="0"/>
+          <a:chOff x="0" y="0"/>
+          <a:chExt cx="0" cy="0"/>
+        </a:xfrm>
+      </p:grpSpPr>
+      <p:sp>
+        <p:nvSpPr>
+          <p:cNvPr id="2" name="标题 1"/>
+          <p:cNvSpPr>
+            <a:spLocks noGrp="1"/>
+          </p:cNvSpPr>
+          <p:nvPr>
+            <p:ph type="title"/>
+          </p:nvPr>
+        </p:nvSpPr>
+        <p:spPr/>
+        <p:txBody>
+          <a:bodyPr/>
+          <a:lstStyle/>
+          <a:p>
+            <a:pPr algn="l"/>
+            <a:r>
+              <a:rPr lang="en-US" altLang="zh-CN" dirty="0" smtClean="0"/>
+              <a:t>1.2 S</a:t>
+            </a:r>
+            <a:r>
+              <a:rPr lang="zh-CN" altLang="en-US" dirty="0" smtClean="0"/>
+              <a:t>形神经元</a:t>
+            </a:r>
+            <a:endParaRPr lang="zh-CN" altLang="en-US" dirty="0"/>
+          </a:p>
+        </p:txBody>
+      </p:sp>
+      <p:sp>
+        <p:nvSpPr>
+          <p:cNvPr id="3" name="内容占位符 2"/>
+          <p:cNvSpPr>
+            <a:spLocks noGrp="1"/>
+          </p:cNvSpPr>
+          <p:nvPr>
+            <p:ph idx="1"/>
+          </p:nvPr>
+        </p:nvSpPr>
+        <p:spPr/>
+        <p:txBody>
+          <a:bodyPr/>
+          <a:lstStyle/>
+          <a:p>
+            <a:r>
+              <a:rPr lang="zh-CN" altLang="en-US" dirty="0" smtClean="0"/>
+              <a:t>感知器的阶跃函数形状</a:t>
+            </a:r>
+            <a:endParaRPr lang="zh-CN" altLang="en-US" dirty="0"/>
+          </a:p>
+        </p:txBody>
+      </p:sp>
+      <p:pic>
+        <p:nvPicPr>
+          <p:cNvPr id="6146" name="Picture 2"/>
+          <p:cNvPicPr>
+            <a:picLocks noChangeAspect="1" noChangeArrowheads="1"/>
+          </p:cNvPicPr>
+          <p:nvPr/>
+        </p:nvPicPr>
+        <p:blipFill>
+          <a:blip r:embed="rId2">
+            <a:extLst>
+              <a:ext uri="{28A0092B-C50C-407E-A947-70E740481C1C}">
+                <a14:useLocalDpi xmlns:a14="http://schemas.microsoft.com/office/drawing/2010/main" val="0"/>
+              </a:ext>
+            </a:extLst>
+          </a:blip>
+          <a:srcRect/>
+          <a:stretch>
+            <a:fillRect/>
+          </a:stretch>
+        </p:blipFill>
+        <p:spPr bwMode="auto">
+          <a:xfrm>
+            <a:off x="1619672" y="2636912"/>
+            <a:ext cx="4953000" cy="2905125"/>
+          </a:xfrm>
+          <a:prstGeom prst="rect">
+            <a:avLst/>
+          </a:prstGeom>
+          <a:noFill/>
+          <a:ln>
+            <a:noFill/>
+          </a:ln>
+          <a:extLst>
+            <a:ext uri="{909E8E84-426E-40DD-AFC4-6F175D3DCCD1}">
+              <a14:hiddenFill xmlns:a14="http://schemas.microsoft.com/office/drawing/2010/main">
+                <a:solidFill>
+                  <a:schemeClr val="accent1"/>
+                </a:solidFill>
+              </a14:hiddenFill>
+            </a:ext>
+            <a:ext uri="{91240B29-F687-4F45-9708-019B960494DF}">
+              <a14:hiddenLine xmlns:a14="http://schemas.microsoft.com/office/drawing/2010/main" w="9525">
+                <a:solidFill>
+                  <a:schemeClr val="tx1"/>
+                </a:solidFill>
+                <a:miter lim="800000"/>
+                <a:headEnd/>
+                <a:tailEnd/>
+              </a14:hiddenLine>
+            </a:ext>
+          </a:extLst>
+        </p:spPr>
+      </p:pic>
+    </p:spTree>
+    <p:extLst>
+      <p:ext uri="{BB962C8B-B14F-4D97-AF65-F5344CB8AC3E}">
+        <p14:creationId xmlns:p14="http://schemas.microsoft.com/office/powerpoint/2010/main" val="3903659874"/>
       </p:ext>
     </p:extLst>
   </p:cSld>

--- a/深度学习数学原理初探.pptx
+++ b/深度学习数学原理初探.pptx
@@ -5,7 +5,7 @@
     <p:sldMasterId id="2147483720" r:id="rId1"/>
   </p:sldMasterIdLst>
   <p:notesMasterIdLst>
-    <p:notesMasterId r:id="rId22"/>
+    <p:notesMasterId r:id="rId36"/>
   </p:notesMasterIdLst>
   <p:sldIdLst>
     <p:sldId id="256" r:id="rId2"/>
@@ -28,6 +28,20 @@
     <p:sldId id="273" r:id="rId19"/>
     <p:sldId id="274" r:id="rId20"/>
     <p:sldId id="275" r:id="rId21"/>
+    <p:sldId id="276" r:id="rId22"/>
+    <p:sldId id="277" r:id="rId23"/>
+    <p:sldId id="278" r:id="rId24"/>
+    <p:sldId id="279" r:id="rId25"/>
+    <p:sldId id="280" r:id="rId26"/>
+    <p:sldId id="281" r:id="rId27"/>
+    <p:sldId id="282" r:id="rId28"/>
+    <p:sldId id="283" r:id="rId29"/>
+    <p:sldId id="284" r:id="rId30"/>
+    <p:sldId id="285" r:id="rId31"/>
+    <p:sldId id="286" r:id="rId32"/>
+    <p:sldId id="287" r:id="rId33"/>
+    <p:sldId id="288" r:id="rId34"/>
+    <p:sldId id="289" r:id="rId35"/>
   </p:sldIdLst>
   <p:sldSz cx="9144000" cy="6858000" type="screen4x3"/>
   <p:notesSz cx="6858000" cy="9144000"/>
@@ -151,6 +165,20 @@
             <p14:sldId id="273"/>
             <p14:sldId id="274"/>
             <p14:sldId id="275"/>
+            <p14:sldId id="276"/>
+            <p14:sldId id="277"/>
+            <p14:sldId id="278"/>
+            <p14:sldId id="279"/>
+            <p14:sldId id="280"/>
+            <p14:sldId id="281"/>
+            <p14:sldId id="282"/>
+            <p14:sldId id="283"/>
+            <p14:sldId id="284"/>
+            <p14:sldId id="285"/>
+            <p14:sldId id="286"/>
+            <p14:sldId id="287"/>
+            <p14:sldId id="288"/>
+            <p14:sldId id="289"/>
           </p14:sldIdLst>
         </p14:section>
       </p14:sectionLst>
@@ -672,6 +700,888 @@
     <p:extLst>
       <p:ext uri="{BB962C8B-B14F-4D97-AF65-F5344CB8AC3E}">
         <p14:creationId xmlns:p14="http://schemas.microsoft.com/office/powerpoint/2010/main" val="2127100943"/>
+      </p:ext>
+    </p:extLst>
+  </p:cSld>
+  <p:clrMapOvr>
+    <a:masterClrMapping/>
+  </p:clrMapOvr>
+</p:notes>
+</file>
+
+<file path=ppt/notesSlides/notesSlide3.xml><?xml version="1.0" encoding="utf-8"?>
+<p:notes xmlns:a="http://schemas.openxmlformats.org/drawingml/2006/main" xmlns:r="http://schemas.openxmlformats.org/officeDocument/2006/relationships" xmlns:p="http://schemas.openxmlformats.org/presentationml/2006/main">
+  <p:cSld>
+    <p:spTree>
+      <p:nvGrpSpPr>
+        <p:cNvPr id="1" name=""/>
+        <p:cNvGrpSpPr/>
+        <p:nvPr/>
+      </p:nvGrpSpPr>
+      <p:grpSpPr>
+        <a:xfrm>
+          <a:off x="0" y="0"/>
+          <a:ext cx="0" cy="0"/>
+          <a:chOff x="0" y="0"/>
+          <a:chExt cx="0" cy="0"/>
+        </a:xfrm>
+      </p:grpSpPr>
+      <p:sp>
+        <p:nvSpPr>
+          <p:cNvPr id="2" name="幻灯片图像占位符 1"/>
+          <p:cNvSpPr>
+            <a:spLocks noGrp="1" noRot="1" noChangeAspect="1"/>
+          </p:cNvSpPr>
+          <p:nvPr>
+            <p:ph type="sldImg"/>
+          </p:nvPr>
+        </p:nvSpPr>
+        <p:spPr/>
+      </p:sp>
+      <p:sp>
+        <p:nvSpPr>
+          <p:cNvPr id="3" name="备注占位符 2"/>
+          <p:cNvSpPr>
+            <a:spLocks noGrp="1"/>
+          </p:cNvSpPr>
+          <p:nvPr>
+            <p:ph type="body" idx="1"/>
+          </p:nvPr>
+        </p:nvSpPr>
+        <p:spPr/>
+        <p:txBody>
+          <a:bodyPr/>
+          <a:lstStyle/>
+          <a:p>
+            <a:r>
+              <a:rPr lang="zh-CN" altLang="en-US" dirty="0" smtClean="0"/>
+              <a:t>应⽤梯度下降规则有很多挑战。我们将在下⼀章深⼊讨论。但是现在只提及⼀个问题。为了理 解问题是什么，我们先回顾</a:t>
+            </a:r>
+            <a:r>
+              <a:rPr lang="en-US" altLang="zh-CN" dirty="0" smtClean="0"/>
+              <a:t>(6) </a:t>
+            </a:r>
+            <a:r>
+              <a:rPr lang="zh-CN" altLang="en-US" dirty="0" smtClean="0"/>
+              <a:t>中的⼆次代价。注意这个代价函数有着这样的形式 </a:t>
+            </a:r>
+            <a:r>
+              <a:rPr lang="en-US" altLang="zh-CN" dirty="0" smtClean="0"/>
+              <a:t>C = 1 n ∑ x </a:t>
+            </a:r>
+            <a:r>
+              <a:rPr lang="en-US" altLang="zh-CN" dirty="0" err="1" smtClean="0"/>
+              <a:t>Cx</a:t>
+            </a:r>
+            <a:r>
+              <a:rPr lang="zh-CN" altLang="en-US" dirty="0" smtClean="0"/>
+              <a:t>， 即，它是遍及每个训练样本代价 </a:t>
+            </a:r>
+            <a:r>
+              <a:rPr lang="en-US" altLang="zh-CN" dirty="0" err="1" smtClean="0"/>
+              <a:t>Cx</a:t>
+            </a:r>
+            <a:r>
+              <a:rPr lang="en-US" altLang="zh-CN" dirty="0" smtClean="0"/>
+              <a:t> ≡ ∥y(x)−a∥ 2 2 </a:t>
+            </a:r>
+            <a:r>
+              <a:rPr lang="zh-CN" altLang="en-US" dirty="0" smtClean="0"/>
+              <a:t>的平均值。在实践中，为了计算梯度 ∇</a:t>
+            </a:r>
+            <a:r>
+              <a:rPr lang="en-US" altLang="zh-CN" dirty="0" smtClean="0"/>
+              <a:t>C</a:t>
+            </a:r>
+            <a:r>
+              <a:rPr lang="zh-CN" altLang="en-US" dirty="0" smtClean="0"/>
+              <a:t>，我们 需要为每个训练输⼊ </a:t>
+            </a:r>
+            <a:r>
+              <a:rPr lang="en-US" altLang="zh-CN" dirty="0" smtClean="0"/>
+              <a:t>x </a:t>
+            </a:r>
+            <a:r>
+              <a:rPr lang="zh-CN" altLang="en-US" dirty="0" smtClean="0"/>
+              <a:t>单独地计算梯度值 ∇</a:t>
+            </a:r>
+            <a:r>
+              <a:rPr lang="en-US" altLang="zh-CN" dirty="0" err="1" smtClean="0"/>
+              <a:t>Cx</a:t>
+            </a:r>
+            <a:r>
+              <a:rPr lang="zh-CN" altLang="en-US" dirty="0" smtClean="0"/>
+              <a:t>，然后求平均值，∇</a:t>
+            </a:r>
+            <a:r>
+              <a:rPr lang="en-US" altLang="zh-CN" dirty="0" smtClean="0"/>
+              <a:t>C = 1 n ∑ x ∇</a:t>
+            </a:r>
+            <a:r>
+              <a:rPr lang="en-US" altLang="zh-CN" dirty="0" err="1" smtClean="0"/>
+              <a:t>Cx</a:t>
+            </a:r>
+            <a:r>
+              <a:rPr lang="zh-CN" altLang="en-US" dirty="0" smtClean="0"/>
+              <a:t>。不幸的是， 当训练输⼊的数量过⼤时会花费很⻓时间，这样会使学习变得相当缓慢。 有种叫做随机梯度下降的算法能够加速学习。其思想就是通过随机选取⼩量训练输⼊样本来 计算 ∇</a:t>
+            </a:r>
+            <a:r>
+              <a:rPr lang="en-US" altLang="zh-CN" dirty="0" err="1" smtClean="0"/>
+              <a:t>Cx</a:t>
+            </a:r>
+            <a:r>
+              <a:rPr lang="zh-CN" altLang="en-US" dirty="0" smtClean="0"/>
+              <a:t>，进⽽估算梯度 ∇</a:t>
+            </a:r>
+            <a:r>
+              <a:rPr lang="en-US" altLang="zh-CN" dirty="0" smtClean="0"/>
+              <a:t>C</a:t>
+            </a:r>
+            <a:r>
+              <a:rPr lang="zh-CN" altLang="en-US" dirty="0" smtClean="0"/>
+              <a:t>。通过计算少量样本的平均值我们可以快速得到⼀个对于实际梯 度 ∇</a:t>
+            </a:r>
+            <a:r>
+              <a:rPr lang="en-US" altLang="zh-CN" dirty="0" smtClean="0"/>
+              <a:t>C </a:t>
+            </a:r>
+            <a:r>
+              <a:rPr lang="zh-CN" altLang="en-US" dirty="0" smtClean="0"/>
+              <a:t>的很好的估算，这有助于加速梯度下降，进⽽加速学习过程。 更准确地说，随机梯度下降通过随机选取⼩量的 </a:t>
+            </a:r>
+            <a:r>
+              <a:rPr lang="en-US" altLang="zh-CN" dirty="0" smtClean="0"/>
+              <a:t>m </a:t>
+            </a:r>
+            <a:r>
+              <a:rPr lang="zh-CN" altLang="en-US" dirty="0" smtClean="0"/>
+              <a:t>个训练输⼊来⼯作。我们将这些随机的 训练输⼊标记为 </a:t>
+            </a:r>
+            <a:r>
+              <a:rPr lang="en-US" altLang="zh-CN" dirty="0" smtClean="0"/>
+              <a:t>X1, X2, . . . , </a:t>
+            </a:r>
+            <a:r>
+              <a:rPr lang="en-US" altLang="zh-CN" dirty="0" err="1" smtClean="0"/>
+              <a:t>Xm</a:t>
+            </a:r>
+            <a:r>
+              <a:rPr lang="zh-CN" altLang="en-US" dirty="0" smtClean="0"/>
+              <a:t>，并把它们称为⼀个⼩批量数据（</a:t>
+            </a:r>
+            <a:r>
+              <a:rPr lang="en-US" altLang="zh-CN" dirty="0" smtClean="0"/>
+              <a:t>mini-batch</a:t>
+            </a:r>
+            <a:r>
+              <a:rPr lang="zh-CN" altLang="en-US" dirty="0" smtClean="0"/>
+              <a:t>）。假设样本数量 </a:t>
+            </a:r>
+            <a:r>
+              <a:rPr lang="en-US" altLang="zh-CN" dirty="0" smtClean="0"/>
+              <a:t>m ⾜</a:t>
+            </a:r>
+            <a:r>
+              <a:rPr lang="zh-CN" altLang="en-US" dirty="0" smtClean="0"/>
+              <a:t>够⼤，我们期望 ∇</a:t>
+            </a:r>
+            <a:r>
+              <a:rPr lang="en-US" altLang="zh-CN" dirty="0" err="1" smtClean="0"/>
+              <a:t>CXj</a:t>
+            </a:r>
+            <a:r>
+              <a:rPr lang="en-US" altLang="zh-CN" dirty="0" smtClean="0"/>
+              <a:t> </a:t>
+            </a:r>
+            <a:r>
+              <a:rPr lang="zh-CN" altLang="en-US" dirty="0" smtClean="0"/>
+              <a:t>的平均值⼤致相等于整个 ∇</a:t>
+            </a:r>
+            <a:r>
+              <a:rPr lang="en-US" altLang="zh-CN" dirty="0" err="1" smtClean="0"/>
+              <a:t>Cx</a:t>
+            </a:r>
+            <a:r>
+              <a:rPr lang="en-US" altLang="zh-CN" dirty="0" smtClean="0"/>
+              <a:t> </a:t>
+            </a:r>
+            <a:r>
+              <a:rPr lang="zh-CN" altLang="en-US" dirty="0" smtClean="0"/>
+              <a:t>的平均值，即， </a:t>
+            </a:r>
+            <a:endParaRPr lang="zh-CN" altLang="en-US" dirty="0"/>
+          </a:p>
+        </p:txBody>
+      </p:sp>
+      <p:sp>
+        <p:nvSpPr>
+          <p:cNvPr id="4" name="灯片编号占位符 3"/>
+          <p:cNvSpPr>
+            <a:spLocks noGrp="1"/>
+          </p:cNvSpPr>
+          <p:nvPr>
+            <p:ph type="sldNum" sz="quarter" idx="10"/>
+          </p:nvPr>
+        </p:nvSpPr>
+        <p:spPr/>
+        <p:txBody>
+          <a:bodyPr/>
+          <a:lstStyle/>
+          <a:p>
+            <a:fld id="{4F567D0F-CB54-43C7-9F51-E3F10BE186AE}" type="slidenum">
+              <a:rPr lang="zh-CN" altLang="en-US" smtClean="0"/>
+              <a:t>24</a:t>
+            </a:fld>
+            <a:endParaRPr lang="zh-CN" altLang="en-US"/>
+          </a:p>
+        </p:txBody>
+      </p:sp>
+    </p:spTree>
+    <p:extLst>
+      <p:ext uri="{BB962C8B-B14F-4D97-AF65-F5344CB8AC3E}">
+        <p14:creationId xmlns:p14="http://schemas.microsoft.com/office/powerpoint/2010/main" val="2739135371"/>
+      </p:ext>
+    </p:extLst>
+  </p:cSld>
+  <p:clrMapOvr>
+    <a:masterClrMapping/>
+  </p:clrMapOvr>
+</p:notes>
+</file>
+
+<file path=ppt/notesSlides/notesSlide4.xml><?xml version="1.0" encoding="utf-8"?>
+<p:notes xmlns:a="http://schemas.openxmlformats.org/drawingml/2006/main" xmlns:r="http://schemas.openxmlformats.org/officeDocument/2006/relationships" xmlns:p="http://schemas.openxmlformats.org/presentationml/2006/main">
+  <p:cSld>
+    <p:spTree>
+      <p:nvGrpSpPr>
+        <p:cNvPr id="1" name=""/>
+        <p:cNvGrpSpPr/>
+        <p:nvPr/>
+      </p:nvGrpSpPr>
+      <p:grpSpPr>
+        <a:xfrm>
+          <a:off x="0" y="0"/>
+          <a:ext cx="0" cy="0"/>
+          <a:chOff x="0" y="0"/>
+          <a:chExt cx="0" cy="0"/>
+        </a:xfrm>
+      </p:grpSpPr>
+      <p:sp>
+        <p:nvSpPr>
+          <p:cNvPr id="2" name="幻灯片图像占位符 1"/>
+          <p:cNvSpPr>
+            <a:spLocks noGrp="1" noRot="1" noChangeAspect="1"/>
+          </p:cNvSpPr>
+          <p:nvPr>
+            <p:ph type="sldImg"/>
+          </p:nvPr>
+        </p:nvSpPr>
+        <p:spPr/>
+      </p:sp>
+      <p:sp>
+        <p:nvSpPr>
+          <p:cNvPr id="3" name="备注占位符 2"/>
+          <p:cNvSpPr>
+            <a:spLocks noGrp="1"/>
+          </p:cNvSpPr>
+          <p:nvPr>
+            <p:ph type="body" idx="1"/>
+          </p:nvPr>
+        </p:nvSpPr>
+        <p:spPr/>
+        <p:txBody>
+          <a:bodyPr/>
+          <a:lstStyle/>
+          <a:p>
+            <a:r>
+              <a:rPr lang="zh-CN" altLang="en-US" dirty="0" smtClean="0"/>
+              <a:t>证实了我们可以通过仅仅计算随机选取的⼩批量数据的梯度来估算整体的梯度。</a:t>
+            </a:r>
+            <a:endParaRPr lang="zh-CN" altLang="en-US" dirty="0"/>
+          </a:p>
+        </p:txBody>
+      </p:sp>
+      <p:sp>
+        <p:nvSpPr>
+          <p:cNvPr id="4" name="灯片编号占位符 3"/>
+          <p:cNvSpPr>
+            <a:spLocks noGrp="1"/>
+          </p:cNvSpPr>
+          <p:nvPr>
+            <p:ph type="sldNum" sz="quarter" idx="10"/>
+          </p:nvPr>
+        </p:nvSpPr>
+        <p:spPr/>
+        <p:txBody>
+          <a:bodyPr/>
+          <a:lstStyle/>
+          <a:p>
+            <a:fld id="{4F567D0F-CB54-43C7-9F51-E3F10BE186AE}" type="slidenum">
+              <a:rPr lang="zh-CN" altLang="en-US" smtClean="0"/>
+              <a:t>25</a:t>
+            </a:fld>
+            <a:endParaRPr lang="zh-CN" altLang="en-US"/>
+          </a:p>
+        </p:txBody>
+      </p:sp>
+    </p:spTree>
+    <p:extLst>
+      <p:ext uri="{BB962C8B-B14F-4D97-AF65-F5344CB8AC3E}">
+        <p14:creationId xmlns:p14="http://schemas.microsoft.com/office/powerpoint/2010/main" val="4128149644"/>
+      </p:ext>
+    </p:extLst>
+  </p:cSld>
+  <p:clrMapOvr>
+    <a:masterClrMapping/>
+  </p:clrMapOvr>
+</p:notes>
+</file>
+
+<file path=ppt/notesSlides/notesSlide5.xml><?xml version="1.0" encoding="utf-8"?>
+<p:notes xmlns:a="http://schemas.openxmlformats.org/drawingml/2006/main" xmlns:r="http://schemas.openxmlformats.org/officeDocument/2006/relationships" xmlns:p="http://schemas.openxmlformats.org/presentationml/2006/main">
+  <p:cSld>
+    <p:spTree>
+      <p:nvGrpSpPr>
+        <p:cNvPr id="1" name=""/>
+        <p:cNvGrpSpPr/>
+        <p:nvPr/>
+      </p:nvGrpSpPr>
+      <p:grpSpPr>
+        <a:xfrm>
+          <a:off x="0" y="0"/>
+          <a:ext cx="0" cy="0"/>
+          <a:chOff x="0" y="0"/>
+          <a:chExt cx="0" cy="0"/>
+        </a:xfrm>
+      </p:grpSpPr>
+      <p:sp>
+        <p:nvSpPr>
+          <p:cNvPr id="2" name="幻灯片图像占位符 1"/>
+          <p:cNvSpPr>
+            <a:spLocks noGrp="1" noRot="1" noChangeAspect="1"/>
+          </p:cNvSpPr>
+          <p:nvPr>
+            <p:ph type="sldImg"/>
+          </p:nvPr>
+        </p:nvSpPr>
+        <p:spPr/>
+      </p:sp>
+      <p:sp>
+        <p:nvSpPr>
+          <p:cNvPr id="3" name="备注占位符 2"/>
+          <p:cNvSpPr>
+            <a:spLocks noGrp="1"/>
+          </p:cNvSpPr>
+          <p:nvPr>
+            <p:ph type="body" idx="1"/>
+          </p:nvPr>
+        </p:nvSpPr>
+        <p:spPr/>
+        <p:txBody>
+          <a:bodyPr/>
+          <a:lstStyle/>
+          <a:p>
+            <a:r>
+              <a:rPr lang="zh-CN" altLang="en-US" dirty="0" smtClean="0"/>
+              <a:t>其中两个求和符号是在当前⼩批量数据中的所有训练样本 </a:t>
+            </a:r>
+            <a:r>
+              <a:rPr lang="en-US" altLang="zh-CN" dirty="0" err="1" smtClean="0"/>
+              <a:t>Xj</a:t>
+            </a:r>
+            <a:r>
+              <a:rPr lang="en-US" altLang="zh-CN" dirty="0" smtClean="0"/>
+              <a:t> </a:t>
+            </a:r>
+            <a:r>
+              <a:rPr lang="zh-CN" altLang="en-US" dirty="0" smtClean="0"/>
+              <a:t>上进⾏的。然后我们再挑选另⼀随 机选定的⼩批量数据去训练。直到我们⽤完了所有的训练输⼊，这被称为完成了⼀个训练迭代 期（</a:t>
+            </a:r>
+            <a:r>
+              <a:rPr lang="en-US" altLang="zh-CN" dirty="0" smtClean="0"/>
+              <a:t>epoch</a:t>
+            </a:r>
+            <a:r>
+              <a:rPr lang="zh-CN" altLang="en-US" dirty="0" smtClean="0"/>
+              <a:t>）。然后我们就会开始⼀个新的训练迭代期。 </a:t>
+            </a:r>
+            <a:endParaRPr lang="en-US" altLang="zh-CN" dirty="0" smtClean="0"/>
+          </a:p>
+          <a:p>
+            <a:r>
+              <a:rPr lang="zh-CN" altLang="en-US" dirty="0" smtClean="0"/>
+              <a:t>我们可以把随机梯度下降想象成⼀次⺠意调查：在⼀个⼩批量数据上采样⽐对⼀个完整数据 集进⾏梯度下降分析要容易得多，正如进⾏⼀次⺠意调查⽐举⾏⼀次全⺠选举要更容易。例如， 如果我们有⼀个规模为 </a:t>
+            </a:r>
+            <a:r>
+              <a:rPr lang="en-US" altLang="zh-CN" dirty="0" smtClean="0"/>
+              <a:t>n = 60, 000 </a:t>
+            </a:r>
+            <a:r>
+              <a:rPr lang="zh-CN" altLang="en-US" dirty="0" smtClean="0"/>
+              <a:t>的训练集，就像 </a:t>
+            </a:r>
+            <a:r>
+              <a:rPr lang="en-US" altLang="zh-CN" dirty="0" smtClean="0"/>
+              <a:t>MNIST</a:t>
+            </a:r>
+            <a:r>
+              <a:rPr lang="zh-CN" altLang="en-US" dirty="0" smtClean="0"/>
+              <a:t>，并选取⼩批量数据 ⼤⼩为 </a:t>
+            </a:r>
+            <a:r>
+              <a:rPr lang="en-US" altLang="zh-CN" dirty="0" smtClean="0"/>
+              <a:t>m = 10</a:t>
+            </a:r>
+            <a:r>
+              <a:rPr lang="zh-CN" altLang="en-US" dirty="0" smtClean="0"/>
+              <a:t>， 这意味着在估算梯度过程中加速了 </a:t>
+            </a:r>
+            <a:r>
+              <a:rPr lang="en-US" altLang="zh-CN" dirty="0" smtClean="0"/>
+              <a:t>6, 000 </a:t>
+            </a:r>
+            <a:r>
+              <a:rPr lang="zh-CN" altLang="en-US" dirty="0" smtClean="0"/>
+              <a:t>倍！当然，这个估算并不是完美的 </a:t>
+            </a:r>
+            <a:r>
+              <a:rPr lang="en-US" altLang="zh-CN" dirty="0" smtClean="0"/>
+              <a:t>—— </a:t>
+            </a:r>
+            <a:r>
+              <a:rPr lang="zh-CN" altLang="en-US" dirty="0" smtClean="0"/>
+              <a:t>存在统计波 动 </a:t>
+            </a:r>
+            <a:r>
+              <a:rPr lang="en-US" altLang="zh-CN" dirty="0" smtClean="0"/>
+              <a:t>—— </a:t>
+            </a:r>
+            <a:r>
+              <a:rPr lang="zh-CN" altLang="en-US" dirty="0" smtClean="0"/>
+              <a:t>但是没必要完美：我们实际关⼼的是在某个⽅向上移动来减少 </a:t>
+            </a:r>
+            <a:r>
+              <a:rPr lang="en-US" altLang="zh-CN" dirty="0" smtClean="0"/>
+              <a:t>C</a:t>
+            </a:r>
+            <a:r>
+              <a:rPr lang="zh-CN" altLang="en-US" dirty="0" smtClean="0"/>
+              <a:t>，⽽这意味着我们不需 要梯度的精确计算。在实践中，随机梯度下降是在神经⽹络的学习中被⼴泛使⽤、⼗分有效的 技术，</a:t>
+            </a:r>
+            <a:endParaRPr lang="en-US" altLang="zh-CN" dirty="0" smtClean="0"/>
+          </a:p>
+          <a:p>
+            <a:r>
+              <a:rPr lang="en-US" altLang="zh-CN" dirty="0" smtClean="0"/>
+              <a:t>• </a:t>
+            </a:r>
+            <a:r>
+              <a:rPr lang="zh-CN" altLang="en-US" dirty="0" smtClean="0"/>
+              <a:t>梯度下降算法⼀个极端的版本是把⼩批量数据的⼤⼩设为 </a:t>
+            </a:r>
+            <a:r>
+              <a:rPr lang="en-US" altLang="zh-CN" dirty="0" smtClean="0"/>
+              <a:t>1</a:t>
+            </a:r>
+            <a:r>
+              <a:rPr lang="zh-CN" altLang="en-US" dirty="0" smtClean="0"/>
+              <a:t>。即，假设⼀个训练输⼊ </a:t>
+            </a:r>
+            <a:r>
+              <a:rPr lang="en-US" altLang="zh-CN" dirty="0" smtClean="0"/>
+              <a:t>x</a:t>
+            </a:r>
+            <a:r>
+              <a:rPr lang="zh-CN" altLang="en-US" dirty="0" smtClean="0"/>
+              <a:t>，我 们按照规则 </a:t>
+            </a:r>
+            <a:r>
+              <a:rPr lang="en-US" altLang="zh-CN" dirty="0" err="1" smtClean="0"/>
+              <a:t>wk</a:t>
+            </a:r>
+            <a:r>
+              <a:rPr lang="en-US" altLang="zh-CN" dirty="0" smtClean="0"/>
+              <a:t> → w ′ k = </a:t>
+            </a:r>
+            <a:r>
+              <a:rPr lang="en-US" altLang="zh-CN" dirty="0" err="1" smtClean="0"/>
+              <a:t>wk</a:t>
+            </a:r>
+            <a:r>
+              <a:rPr lang="en-US" altLang="zh-CN" dirty="0" smtClean="0"/>
+              <a:t> − </a:t>
+            </a:r>
+            <a:r>
+              <a:rPr lang="en-US" altLang="zh-CN" dirty="0" err="1" smtClean="0"/>
+              <a:t>η∂Cx</a:t>
+            </a:r>
+            <a:r>
+              <a:rPr lang="en-US" altLang="zh-CN" dirty="0" smtClean="0"/>
+              <a:t>/∂</a:t>
+            </a:r>
+            <a:r>
+              <a:rPr lang="en-US" altLang="zh-CN" dirty="0" err="1" smtClean="0"/>
+              <a:t>wk</a:t>
+            </a:r>
+            <a:r>
+              <a:rPr lang="en-US" altLang="zh-CN" dirty="0" smtClean="0"/>
+              <a:t> </a:t>
+            </a:r>
+            <a:r>
+              <a:rPr lang="zh-CN" altLang="en-US" dirty="0" smtClean="0"/>
+              <a:t>和 </a:t>
+            </a:r>
+            <a:r>
+              <a:rPr lang="en-US" altLang="zh-CN" dirty="0" err="1" smtClean="0"/>
+              <a:t>bl</a:t>
+            </a:r>
+            <a:r>
+              <a:rPr lang="en-US" altLang="zh-CN" dirty="0" smtClean="0"/>
+              <a:t> → b ′ l = </a:t>
+            </a:r>
+            <a:r>
+              <a:rPr lang="en-US" altLang="zh-CN" dirty="0" err="1" smtClean="0"/>
+              <a:t>bl</a:t>
+            </a:r>
+            <a:r>
+              <a:rPr lang="en-US" altLang="zh-CN" dirty="0" smtClean="0"/>
+              <a:t> − </a:t>
+            </a:r>
+            <a:r>
+              <a:rPr lang="en-US" altLang="zh-CN" dirty="0" err="1" smtClean="0"/>
+              <a:t>η∂Cx</a:t>
+            </a:r>
+            <a:r>
+              <a:rPr lang="en-US" altLang="zh-CN" dirty="0" smtClean="0"/>
+              <a:t>/∂</a:t>
+            </a:r>
+            <a:r>
+              <a:rPr lang="en-US" altLang="zh-CN" dirty="0" err="1" smtClean="0"/>
+              <a:t>bl</a:t>
+            </a:r>
+            <a:r>
+              <a:rPr lang="en-US" altLang="zh-CN" dirty="0" smtClean="0"/>
+              <a:t> </a:t>
+            </a:r>
+            <a:r>
+              <a:rPr lang="zh-CN" altLang="en-US" dirty="0" smtClean="0"/>
+              <a:t>更新我们的权重和偏 置。然后我们选取另⼀个训练输⼊，再⼀次更新权重和偏置。如此重复。这个过程被称为 在线、</a:t>
+            </a:r>
+            <a:r>
+              <a:rPr lang="en-US" altLang="zh-CN" dirty="0" smtClean="0"/>
+              <a:t>online</a:t>
+            </a:r>
+            <a:r>
+              <a:rPr lang="zh-CN" altLang="en-US" dirty="0" smtClean="0"/>
+              <a:t>、</a:t>
+            </a:r>
+            <a:r>
+              <a:rPr lang="en-US" altLang="zh-CN" dirty="0" smtClean="0"/>
+              <a:t>on-line</a:t>
+            </a:r>
+            <a:r>
+              <a:rPr lang="zh-CN" altLang="en-US" dirty="0" smtClean="0"/>
+              <a:t>、或者递增学习。在 </a:t>
+            </a:r>
+            <a:r>
+              <a:rPr lang="en-US" altLang="zh-CN" dirty="0" smtClean="0"/>
+              <a:t>online </a:t>
+            </a:r>
+            <a:r>
+              <a:rPr lang="zh-CN" altLang="en-US" dirty="0" smtClean="0"/>
+              <a:t>学习中，神经⽹络在⼀个时刻只学习⼀ 个训练输⼊（正如⼈类做的）。</a:t>
+            </a:r>
+            <a:endParaRPr lang="zh-CN" altLang="en-US" dirty="0"/>
+          </a:p>
+        </p:txBody>
+      </p:sp>
+      <p:sp>
+        <p:nvSpPr>
+          <p:cNvPr id="4" name="灯片编号占位符 3"/>
+          <p:cNvSpPr>
+            <a:spLocks noGrp="1"/>
+          </p:cNvSpPr>
+          <p:nvPr>
+            <p:ph type="sldNum" sz="quarter" idx="10"/>
+          </p:nvPr>
+        </p:nvSpPr>
+        <p:spPr/>
+        <p:txBody>
+          <a:bodyPr/>
+          <a:lstStyle/>
+          <a:p>
+            <a:fld id="{4F567D0F-CB54-43C7-9F51-E3F10BE186AE}" type="slidenum">
+              <a:rPr lang="zh-CN" altLang="en-US" smtClean="0"/>
+              <a:t>26</a:t>
+            </a:fld>
+            <a:endParaRPr lang="zh-CN" altLang="en-US"/>
+          </a:p>
+        </p:txBody>
+      </p:sp>
+    </p:spTree>
+    <p:extLst>
+      <p:ext uri="{BB962C8B-B14F-4D97-AF65-F5344CB8AC3E}">
+        <p14:creationId xmlns:p14="http://schemas.microsoft.com/office/powerpoint/2010/main" val="3264243840"/>
+      </p:ext>
+    </p:extLst>
+  </p:cSld>
+  <p:clrMapOvr>
+    <a:masterClrMapping/>
+  </p:clrMapOvr>
+</p:notes>
+</file>
+
+<file path=ppt/notesSlides/notesSlide6.xml><?xml version="1.0" encoding="utf-8"?>
+<p:notes xmlns:a="http://schemas.openxmlformats.org/drawingml/2006/main" xmlns:r="http://schemas.openxmlformats.org/officeDocument/2006/relationships" xmlns:p="http://schemas.openxmlformats.org/presentationml/2006/main">
+  <p:cSld>
+    <p:spTree>
+      <p:nvGrpSpPr>
+        <p:cNvPr id="1" name=""/>
+        <p:cNvGrpSpPr/>
+        <p:nvPr/>
+      </p:nvGrpSpPr>
+      <p:grpSpPr>
+        <a:xfrm>
+          <a:off x="0" y="0"/>
+          <a:ext cx="0" cy="0"/>
+          <a:chOff x="0" y="0"/>
+          <a:chExt cx="0" cy="0"/>
+        </a:xfrm>
+      </p:grpSpPr>
+      <p:sp>
+        <p:nvSpPr>
+          <p:cNvPr id="2" name="幻灯片图像占位符 1"/>
+          <p:cNvSpPr>
+            <a:spLocks noGrp="1" noRot="1" noChangeAspect="1"/>
+          </p:cNvSpPr>
+          <p:nvPr>
+            <p:ph type="sldImg"/>
+          </p:nvPr>
+        </p:nvSpPr>
+        <p:spPr/>
+      </p:sp>
+      <p:sp>
+        <p:nvSpPr>
+          <p:cNvPr id="3" name="备注占位符 2"/>
+          <p:cNvSpPr>
+            <a:spLocks noGrp="1"/>
+          </p:cNvSpPr>
+          <p:nvPr>
+            <p:ph type="body" idx="1"/>
+          </p:nvPr>
+        </p:nvSpPr>
+        <p:spPr/>
+        <p:txBody>
+          <a:bodyPr/>
+          <a:lstStyle/>
+          <a:p>
+            <a:r>
+              <a:rPr lang="en-US" altLang="zh-CN" dirty="0" smtClean="0"/>
+              <a:t>Network </a:t>
+            </a:r>
+            <a:r>
+              <a:rPr lang="zh-CN" altLang="en-US" dirty="0" smtClean="0"/>
+              <a:t>对象中的偏置和权重都是被随机初始化的，使⽤ </a:t>
+            </a:r>
+            <a:r>
+              <a:rPr lang="en-US" altLang="zh-CN" dirty="0" err="1" smtClean="0"/>
+              <a:t>Numpy</a:t>
+            </a:r>
+            <a:r>
+              <a:rPr lang="en-US" altLang="zh-CN" dirty="0" smtClean="0"/>
+              <a:t> </a:t>
+            </a:r>
+            <a:r>
+              <a:rPr lang="zh-CN" altLang="en-US" dirty="0" smtClean="0"/>
+              <a:t>的 </a:t>
+            </a:r>
+            <a:r>
+              <a:rPr lang="en-US" altLang="zh-CN" dirty="0" err="1" smtClean="0"/>
+              <a:t>np.random.randn</a:t>
+            </a:r>
+            <a:r>
+              <a:rPr lang="en-US" altLang="zh-CN" dirty="0" smtClean="0"/>
+              <a:t> </a:t>
+            </a:r>
+            <a:r>
+              <a:rPr lang="zh-CN" altLang="en-US" dirty="0" smtClean="0"/>
+              <a:t>函数来⽣ 成均值为 </a:t>
+            </a:r>
+            <a:r>
+              <a:rPr lang="en-US" altLang="zh-CN" dirty="0" smtClean="0"/>
+              <a:t>0</a:t>
+            </a:r>
+            <a:r>
+              <a:rPr lang="zh-CN" altLang="en-US" dirty="0" smtClean="0"/>
+              <a:t>，标准差为 </a:t>
+            </a:r>
+            <a:r>
+              <a:rPr lang="en-US" altLang="zh-CN" dirty="0" smtClean="0"/>
+              <a:t>1 </a:t>
+            </a:r>
+            <a:r>
+              <a:rPr lang="zh-CN" altLang="en-US" dirty="0" smtClean="0"/>
+              <a:t>的⾼斯分布。这样的随机初始化给了我们的随机梯度下降算法⼀个起 点。在后⾯的章节中我们将会发现更好的初始化权重和偏置的⽅法，但是⽬前随机地将其初始 化。注意 </a:t>
+            </a:r>
+            <a:r>
+              <a:rPr lang="en-US" altLang="zh-CN" dirty="0" smtClean="0"/>
+              <a:t>Network </a:t>
+            </a:r>
+            <a:r>
+              <a:rPr lang="zh-CN" altLang="en-US" dirty="0" smtClean="0"/>
+              <a:t>初始化代码假设第⼀层神经元是⼀个输⼊层，并对这些神经元不设置任何偏置， 因为偏置仅在后⾯的层中⽤于计算输出。</a:t>
+            </a:r>
+            <a:endParaRPr lang="zh-CN" altLang="en-US" dirty="0"/>
+          </a:p>
+        </p:txBody>
+      </p:sp>
+      <p:sp>
+        <p:nvSpPr>
+          <p:cNvPr id="4" name="灯片编号占位符 3"/>
+          <p:cNvSpPr>
+            <a:spLocks noGrp="1"/>
+          </p:cNvSpPr>
+          <p:nvPr>
+            <p:ph type="sldNum" sz="quarter" idx="10"/>
+          </p:nvPr>
+        </p:nvSpPr>
+        <p:spPr/>
+        <p:txBody>
+          <a:bodyPr/>
+          <a:lstStyle/>
+          <a:p>
+            <a:fld id="{4F567D0F-CB54-43C7-9F51-E3F10BE186AE}" type="slidenum">
+              <a:rPr lang="zh-CN" altLang="en-US" smtClean="0"/>
+              <a:t>27</a:t>
+            </a:fld>
+            <a:endParaRPr lang="zh-CN" altLang="en-US"/>
+          </a:p>
+        </p:txBody>
+      </p:sp>
+    </p:spTree>
+    <p:extLst>
+      <p:ext uri="{BB962C8B-B14F-4D97-AF65-F5344CB8AC3E}">
+        <p14:creationId xmlns:p14="http://schemas.microsoft.com/office/powerpoint/2010/main" val="989303193"/>
+      </p:ext>
+    </p:extLst>
+  </p:cSld>
+  <p:clrMapOvr>
+    <a:masterClrMapping/>
+  </p:clrMapOvr>
+</p:notes>
+</file>
+
+<file path=ppt/notesSlides/notesSlide7.xml><?xml version="1.0" encoding="utf-8"?>
+<p:notes xmlns:a="http://schemas.openxmlformats.org/drawingml/2006/main" xmlns:r="http://schemas.openxmlformats.org/officeDocument/2006/relationships" xmlns:p="http://schemas.openxmlformats.org/presentationml/2006/main">
+  <p:cSld>
+    <p:spTree>
+      <p:nvGrpSpPr>
+        <p:cNvPr id="1" name=""/>
+        <p:cNvGrpSpPr/>
+        <p:nvPr/>
+      </p:nvGrpSpPr>
+      <p:grpSpPr>
+        <a:xfrm>
+          <a:off x="0" y="0"/>
+          <a:ext cx="0" cy="0"/>
+          <a:chOff x="0" y="0"/>
+          <a:chExt cx="0" cy="0"/>
+        </a:xfrm>
+      </p:grpSpPr>
+      <p:sp>
+        <p:nvSpPr>
+          <p:cNvPr id="2" name="幻灯片图像占位符 1"/>
+          <p:cNvSpPr>
+            <a:spLocks noGrp="1" noRot="1" noChangeAspect="1"/>
+          </p:cNvSpPr>
+          <p:nvPr>
+            <p:ph type="sldImg"/>
+          </p:nvPr>
+        </p:nvSpPr>
+        <p:spPr/>
+      </p:sp>
+      <p:sp>
+        <p:nvSpPr>
+          <p:cNvPr id="3" name="备注占位符 2"/>
+          <p:cNvSpPr>
+            <a:spLocks noGrp="1"/>
+          </p:cNvSpPr>
+          <p:nvPr>
+            <p:ph type="body" idx="1"/>
+          </p:nvPr>
+        </p:nvSpPr>
+        <p:spPr/>
+        <p:txBody>
+          <a:bodyPr/>
+          <a:lstStyle/>
+          <a:p>
+            <a:r>
+              <a:rPr lang="zh-CN" altLang="en-US" dirty="0" smtClean="0"/>
+              <a:t>这些⼦问题也同样可以继续被分解，并通过多个⽹络层传递得越来越远。最终，我们的⼦⽹ 络可以回答那些只包含若⼲个像素点的简单问题。举例来说，这些简单的问题可能是询问图像 中的⼏个像素是否构成⾮常简单的形状。这些问题就可以被那些与图像中原始像素点相连的单 个神经元所回答。 最终的结果是，我们设计出了⼀个⽹络，它将⼀个⾮常复杂的问题 </a:t>
+            </a:r>
+            <a:r>
+              <a:rPr lang="en-US" altLang="zh-CN" dirty="0" smtClean="0"/>
+              <a:t>—— </a:t>
+            </a:r>
+            <a:r>
+              <a:rPr lang="zh-CN" altLang="en-US" dirty="0" smtClean="0"/>
+              <a:t>这张图像是否有⼀张 ⼈脸 </a:t>
+            </a:r>
+            <a:r>
+              <a:rPr lang="en-US" altLang="zh-CN" dirty="0" smtClean="0"/>
+              <a:t>—— </a:t>
+            </a:r>
+            <a:r>
+              <a:rPr lang="zh-CN" altLang="en-US" dirty="0" smtClean="0"/>
+              <a:t>分解成在单像素层⾯上就可回答的⾮常简单的问题。它通过⼀系列多层结构来完成， 在前⾯的⽹络层，它回答关于输⼊图像⾮常简单明确的问题，在后⾯的⽹络层，它建⽴了⼀个 更加复杂和抽象的层级结构。包含这种多层结构 </a:t>
+            </a:r>
+            <a:r>
+              <a:rPr lang="en-US" altLang="zh-CN" dirty="0" smtClean="0"/>
+              <a:t>—— </a:t>
+            </a:r>
+            <a:r>
+              <a:rPr lang="zh-CN" altLang="en-US" dirty="0" smtClean="0"/>
+              <a:t>两层或更多隐藏层 </a:t>
+            </a:r>
+            <a:r>
+              <a:rPr lang="en-US" altLang="zh-CN" dirty="0" smtClean="0"/>
+              <a:t>—— </a:t>
+            </a:r>
+            <a:r>
+              <a:rPr lang="zh-CN" altLang="en-US" dirty="0" smtClean="0"/>
+              <a:t>的⽹络被称为深度 神经⽹络。 </a:t>
+            </a:r>
+            <a:endParaRPr lang="zh-CN" altLang="en-US" dirty="0"/>
+          </a:p>
+        </p:txBody>
+      </p:sp>
+      <p:sp>
+        <p:nvSpPr>
+          <p:cNvPr id="4" name="灯片编号占位符 3"/>
+          <p:cNvSpPr>
+            <a:spLocks noGrp="1"/>
+          </p:cNvSpPr>
+          <p:nvPr>
+            <p:ph type="sldNum" sz="quarter" idx="10"/>
+          </p:nvPr>
+        </p:nvSpPr>
+        <p:spPr/>
+        <p:txBody>
+          <a:bodyPr/>
+          <a:lstStyle/>
+          <a:p>
+            <a:fld id="{4F567D0F-CB54-43C7-9F51-E3F10BE186AE}" type="slidenum">
+              <a:rPr lang="zh-CN" altLang="en-US" smtClean="0"/>
+              <a:t>31</a:t>
+            </a:fld>
+            <a:endParaRPr lang="zh-CN" altLang="en-US"/>
+          </a:p>
+        </p:txBody>
+      </p:sp>
+    </p:spTree>
+    <p:extLst>
+      <p:ext uri="{BB962C8B-B14F-4D97-AF65-F5344CB8AC3E}">
+        <p14:creationId xmlns:p14="http://schemas.microsoft.com/office/powerpoint/2010/main" val="2316167781"/>
       </p:ext>
     </p:extLst>
   </p:cSld>
@@ -5859,60 +6769,6 @@
           </a:extLst>
         </p:spPr>
       </p:pic>
-      <p:pic>
-        <p:nvPicPr>
-          <p:cNvPr id="13317" name="Picture 5"/>
-          <p:cNvPicPr>
-            <a:picLocks noChangeAspect="1" noChangeArrowheads="1"/>
-          </p:cNvPicPr>
-          <p:nvPr/>
-        </p:nvPicPr>
-        <p:blipFill>
-          <a:blip r:embed="rId6">
-            <a:extLst>
-              <a:ext uri="{28A0092B-C50C-407E-A947-70E740481C1C}">
-                <a14:useLocalDpi xmlns:a14="http://schemas.microsoft.com/office/drawing/2010/main" val="0"/>
-              </a:ext>
-            </a:extLst>
-          </a:blip>
-          <a:srcRect/>
-          <a:stretch>
-            <a:fillRect/>
-          </a:stretch>
-        </p:blipFill>
-        <p:spPr bwMode="auto">
-          <a:xfrm>
-            <a:off x="3276425" y="5157192"/>
-            <a:ext cx="1752600" cy="561975"/>
-          </a:xfrm>
-          <a:prstGeom prst="rect">
-            <a:avLst/>
-          </a:prstGeom>
-          <a:noFill/>
-          <a:ln>
-            <a:noFill/>
-          </a:ln>
-          <a:extLst>
-            <a:ext uri="{909E8E84-426E-40DD-AFC4-6F175D3DCCD1}">
-              <a14:hiddenFill xmlns:a14="http://schemas.microsoft.com/office/drawing/2010/main">
-                <a:solidFill>
-                  <a:schemeClr val="accent1"/>
-                </a:solidFill>
-              </a14:hiddenFill>
-            </a:ext>
-            <a:ext uri="{91240B29-F687-4F45-9708-019B960494DF}">
-              <a14:hiddenLine xmlns:a14="http://schemas.microsoft.com/office/drawing/2010/main" w="9525">
-                <a:solidFill>
-                  <a:schemeClr val="tx1"/>
-                </a:solidFill>
-                <a:miter lim="800000"/>
-                <a:headEnd/>
-                <a:tailEnd/>
-              </a14:hiddenLine>
-            </a:ext>
-          </a:extLst>
-        </p:spPr>
-      </p:pic>
     </p:spTree>
     <p:extLst>
       <p:ext uri="{BB962C8B-B14F-4D97-AF65-F5344CB8AC3E}">
@@ -6184,7 +7040,16 @@
           <a:bodyPr/>
           <a:lstStyle/>
           <a:p>
-            <a:endParaRPr lang="zh-CN" altLang="en-US"/>
+            <a:pPr algn="l"/>
+            <a:r>
+              <a:rPr lang="en-US" altLang="zh-CN" dirty="0" smtClean="0"/>
+              <a:t>2.2 </a:t>
+            </a:r>
+            <a:r>
+              <a:rPr lang="zh-CN" altLang="en-US" dirty="0" smtClean="0"/>
+              <a:t>梯度下降</a:t>
+            </a:r>
+            <a:endParaRPr lang="zh-CN" altLang="en-US" dirty="0"/>
           </a:p>
         </p:txBody>
       </p:sp>
@@ -6203,14 +7068,2250 @@
           <a:bodyPr/>
           <a:lstStyle/>
           <a:p>
-            <a:endParaRPr lang="zh-CN" altLang="en-US"/>
-          </a:p>
-        </p:txBody>
-      </p:sp>
+            <a:r>
+              <a:rPr lang="zh-CN" altLang="en-US" dirty="0" smtClean="0"/>
+              <a:t>由于</a:t>
+            </a:r>
+            <a:endParaRPr lang="en-US" altLang="zh-CN" dirty="0" smtClean="0"/>
+          </a:p>
+          <a:p>
+            <a:r>
+              <a:rPr lang="zh-CN" altLang="en-US" dirty="0" smtClean="0"/>
+              <a:t>所以保证了</a:t>
+            </a:r>
+            <a:endParaRPr lang="en-US" altLang="zh-CN" dirty="0" smtClean="0"/>
+          </a:p>
+          <a:p>
+            <a:r>
+              <a:rPr lang="zh-CN" altLang="en-US" dirty="0" smtClean="0"/>
+              <a:t>所以按照右上公式的规则去改变</a:t>
+            </a:r>
+            <a:endParaRPr lang="en-US" altLang="zh-CN" dirty="0" smtClean="0"/>
+          </a:p>
+          <a:p>
+            <a:r>
+              <a:rPr lang="en-US" altLang="zh-CN" dirty="0" smtClean="0"/>
+              <a:t>v</a:t>
+            </a:r>
+            <a:r>
+              <a:rPr lang="zh-CN" altLang="en-US" dirty="0" smtClean="0"/>
+              <a:t>，</a:t>
+            </a:r>
+            <a:r>
+              <a:rPr lang="en-US" altLang="zh-CN" dirty="0" smtClean="0"/>
+              <a:t>C</a:t>
+            </a:r>
+            <a:r>
+              <a:rPr lang="zh-CN" altLang="en-US" dirty="0" smtClean="0"/>
+              <a:t>会一直减少不会增加，直至</a:t>
+            </a:r>
+            <a:endParaRPr lang="en-US" altLang="zh-CN" dirty="0" smtClean="0"/>
+          </a:p>
+          <a:p>
+            <a:r>
+              <a:rPr lang="zh-CN" altLang="en-US" dirty="0" smtClean="0"/>
+              <a:t>接近于全局最小值</a:t>
+            </a:r>
+            <a:endParaRPr lang="en-US" altLang="zh-CN" dirty="0" smtClean="0"/>
+          </a:p>
+          <a:p>
+            <a:endParaRPr lang="zh-CN" altLang="en-US" dirty="0"/>
+          </a:p>
+        </p:txBody>
+      </p:sp>
+      <p:pic>
+        <p:nvPicPr>
+          <p:cNvPr id="4" name="Picture 5"/>
+          <p:cNvPicPr>
+            <a:picLocks noChangeAspect="1" noChangeArrowheads="1"/>
+          </p:cNvPicPr>
+          <p:nvPr/>
+        </p:nvPicPr>
+        <p:blipFill>
+          <a:blip r:embed="rId2">
+            <a:extLst>
+              <a:ext uri="{28A0092B-C50C-407E-A947-70E740481C1C}">
+                <a14:useLocalDpi xmlns:a14="http://schemas.microsoft.com/office/drawing/2010/main" val="0"/>
+              </a:ext>
+            </a:extLst>
+          </a:blip>
+          <a:srcRect/>
+          <a:stretch>
+            <a:fillRect/>
+          </a:stretch>
+        </p:blipFill>
+        <p:spPr bwMode="auto">
+          <a:xfrm>
+            <a:off x="5830242" y="1867955"/>
+            <a:ext cx="1752600" cy="561975"/>
+          </a:xfrm>
+          <a:prstGeom prst="rect">
+            <a:avLst/>
+          </a:prstGeom>
+          <a:noFill/>
+          <a:ln>
+            <a:noFill/>
+          </a:ln>
+          <a:extLst>
+            <a:ext uri="{909E8E84-426E-40DD-AFC4-6F175D3DCCD1}">
+              <a14:hiddenFill xmlns:a14="http://schemas.microsoft.com/office/drawing/2010/main">
+                <a:solidFill>
+                  <a:schemeClr val="accent1"/>
+                </a:solidFill>
+              </a14:hiddenFill>
+            </a:ext>
+            <a:ext uri="{91240B29-F687-4F45-9708-019B960494DF}">
+              <a14:hiddenLine xmlns:a14="http://schemas.microsoft.com/office/drawing/2010/main" w="9525">
+                <a:solidFill>
+                  <a:schemeClr val="tx1"/>
+                </a:solidFill>
+                <a:miter lim="800000"/>
+                <a:headEnd/>
+                <a:tailEnd/>
+              </a14:hiddenLine>
+            </a:ext>
+          </a:extLst>
+        </p:spPr>
+      </p:pic>
+      <p:pic>
+        <p:nvPicPr>
+          <p:cNvPr id="14338" name="Picture 2"/>
+          <p:cNvPicPr>
+            <a:picLocks noChangeAspect="1" noChangeArrowheads="1"/>
+          </p:cNvPicPr>
+          <p:nvPr/>
+        </p:nvPicPr>
+        <p:blipFill>
+          <a:blip r:embed="rId3">
+            <a:extLst>
+              <a:ext uri="{28A0092B-C50C-407E-A947-70E740481C1C}">
+                <a14:useLocalDpi xmlns:a14="http://schemas.microsoft.com/office/drawing/2010/main" val="0"/>
+              </a:ext>
+            </a:extLst>
+          </a:blip>
+          <a:srcRect/>
+          <a:stretch>
+            <a:fillRect/>
+          </a:stretch>
+        </p:blipFill>
+        <p:spPr bwMode="auto">
+          <a:xfrm>
+            <a:off x="5292079" y="2641344"/>
+            <a:ext cx="2828925" cy="466725"/>
+          </a:xfrm>
+          <a:prstGeom prst="rect">
+            <a:avLst/>
+          </a:prstGeom>
+          <a:noFill/>
+          <a:ln>
+            <a:noFill/>
+          </a:ln>
+          <a:extLst>
+            <a:ext uri="{909E8E84-426E-40DD-AFC4-6F175D3DCCD1}">
+              <a14:hiddenFill xmlns:a14="http://schemas.microsoft.com/office/drawing/2010/main">
+                <a:solidFill>
+                  <a:schemeClr val="accent1"/>
+                </a:solidFill>
+              </a14:hiddenFill>
+            </a:ext>
+            <a:ext uri="{91240B29-F687-4F45-9708-019B960494DF}">
+              <a14:hiddenLine xmlns:a14="http://schemas.microsoft.com/office/drawing/2010/main" w="9525">
+                <a:solidFill>
+                  <a:schemeClr val="tx1"/>
+                </a:solidFill>
+                <a:miter lim="800000"/>
+                <a:headEnd/>
+                <a:tailEnd/>
+              </a14:hiddenLine>
+            </a:ext>
+          </a:extLst>
+        </p:spPr>
+      </p:pic>
+      <p:pic>
+        <p:nvPicPr>
+          <p:cNvPr id="14340" name="Picture 4"/>
+          <p:cNvPicPr>
+            <a:picLocks noChangeAspect="1" noChangeArrowheads="1"/>
+          </p:cNvPicPr>
+          <p:nvPr/>
+        </p:nvPicPr>
+        <p:blipFill>
+          <a:blip r:embed="rId4">
+            <a:extLst>
+              <a:ext uri="{28A0092B-C50C-407E-A947-70E740481C1C}">
+                <a14:useLocalDpi xmlns:a14="http://schemas.microsoft.com/office/drawing/2010/main" val="0"/>
+              </a:ext>
+            </a:extLst>
+          </a:blip>
+          <a:srcRect/>
+          <a:stretch>
+            <a:fillRect/>
+          </a:stretch>
+        </p:blipFill>
+        <p:spPr bwMode="auto">
+          <a:xfrm>
+            <a:off x="1547664" y="1653643"/>
+            <a:ext cx="1009650" cy="428625"/>
+          </a:xfrm>
+          <a:prstGeom prst="rect">
+            <a:avLst/>
+          </a:prstGeom>
+          <a:noFill/>
+          <a:ln>
+            <a:noFill/>
+          </a:ln>
+          <a:extLst>
+            <a:ext uri="{909E8E84-426E-40DD-AFC4-6F175D3DCCD1}">
+              <a14:hiddenFill xmlns:a14="http://schemas.microsoft.com/office/drawing/2010/main">
+                <a:solidFill>
+                  <a:schemeClr val="accent1"/>
+                </a:solidFill>
+              </a14:hiddenFill>
+            </a:ext>
+            <a:ext uri="{91240B29-F687-4F45-9708-019B960494DF}">
+              <a14:hiddenLine xmlns:a14="http://schemas.microsoft.com/office/drawing/2010/main" w="9525">
+                <a:solidFill>
+                  <a:schemeClr val="tx1"/>
+                </a:solidFill>
+                <a:miter lim="800000"/>
+                <a:headEnd/>
+                <a:tailEnd/>
+              </a14:hiddenLine>
+            </a:ext>
+          </a:extLst>
+        </p:spPr>
+      </p:pic>
+      <p:pic>
+        <p:nvPicPr>
+          <p:cNvPr id="14341" name="Picture 5"/>
+          <p:cNvPicPr>
+            <a:picLocks noChangeAspect="1" noChangeArrowheads="1"/>
+          </p:cNvPicPr>
+          <p:nvPr/>
+        </p:nvPicPr>
+        <p:blipFill>
+          <a:blip r:embed="rId5">
+            <a:extLst>
+              <a:ext uri="{28A0092B-C50C-407E-A947-70E740481C1C}">
+                <a14:useLocalDpi xmlns:a14="http://schemas.microsoft.com/office/drawing/2010/main" val="0"/>
+              </a:ext>
+            </a:extLst>
+          </a:blip>
+          <a:srcRect/>
+          <a:stretch>
+            <a:fillRect/>
+          </a:stretch>
+        </p:blipFill>
+        <p:spPr bwMode="auto">
+          <a:xfrm>
+            <a:off x="2531486" y="2082268"/>
+            <a:ext cx="742950" cy="400050"/>
+          </a:xfrm>
+          <a:prstGeom prst="rect">
+            <a:avLst/>
+          </a:prstGeom>
+          <a:noFill/>
+          <a:ln>
+            <a:noFill/>
+          </a:ln>
+          <a:extLst>
+            <a:ext uri="{909E8E84-426E-40DD-AFC4-6F175D3DCCD1}">
+              <a14:hiddenFill xmlns:a14="http://schemas.microsoft.com/office/drawing/2010/main">
+                <a:solidFill>
+                  <a:schemeClr val="accent1"/>
+                </a:solidFill>
+              </a14:hiddenFill>
+            </a:ext>
+            <a:ext uri="{91240B29-F687-4F45-9708-019B960494DF}">
+              <a14:hiddenLine xmlns:a14="http://schemas.microsoft.com/office/drawing/2010/main" w="9525">
+                <a:solidFill>
+                  <a:schemeClr val="tx1"/>
+                </a:solidFill>
+                <a:miter lim="800000"/>
+                <a:headEnd/>
+                <a:tailEnd/>
+              </a14:hiddenLine>
+            </a:ext>
+          </a:extLst>
+        </p:spPr>
+      </p:pic>
+      <p:pic>
+        <p:nvPicPr>
+          <p:cNvPr id="14342" name="Picture 6"/>
+          <p:cNvPicPr>
+            <a:picLocks noChangeAspect="1" noChangeArrowheads="1"/>
+          </p:cNvPicPr>
+          <p:nvPr/>
+        </p:nvPicPr>
+        <p:blipFill>
+          <a:blip r:embed="rId6">
+            <a:extLst>
+              <a:ext uri="{28A0092B-C50C-407E-A947-70E740481C1C}">
+                <a14:useLocalDpi xmlns:a14="http://schemas.microsoft.com/office/drawing/2010/main" val="0"/>
+              </a:ext>
+            </a:extLst>
+          </a:blip>
+          <a:srcRect/>
+          <a:stretch>
+            <a:fillRect/>
+          </a:stretch>
+        </p:blipFill>
+        <p:spPr bwMode="auto">
+          <a:xfrm>
+            <a:off x="5573067" y="3468985"/>
+            <a:ext cx="2266950" cy="666750"/>
+          </a:xfrm>
+          <a:prstGeom prst="rect">
+            <a:avLst/>
+          </a:prstGeom>
+          <a:noFill/>
+          <a:ln>
+            <a:noFill/>
+          </a:ln>
+          <a:extLst>
+            <a:ext uri="{909E8E84-426E-40DD-AFC4-6F175D3DCCD1}">
+              <a14:hiddenFill xmlns:a14="http://schemas.microsoft.com/office/drawing/2010/main">
+                <a:solidFill>
+                  <a:schemeClr val="accent1"/>
+                </a:solidFill>
+              </a14:hiddenFill>
+            </a:ext>
+            <a:ext uri="{91240B29-F687-4F45-9708-019B960494DF}">
+              <a14:hiddenLine xmlns:a14="http://schemas.microsoft.com/office/drawing/2010/main" w="9525">
+                <a:solidFill>
+                  <a:schemeClr val="tx1"/>
+                </a:solidFill>
+                <a:miter lim="800000"/>
+                <a:headEnd/>
+                <a:tailEnd/>
+              </a14:hiddenLine>
+            </a:ext>
+          </a:extLst>
+        </p:spPr>
+      </p:pic>
     </p:spTree>
     <p:extLst>
       <p:ext uri="{BB962C8B-B14F-4D97-AF65-F5344CB8AC3E}">
         <p14:creationId xmlns:p14="http://schemas.microsoft.com/office/powerpoint/2010/main" val="674609633"/>
+      </p:ext>
+    </p:extLst>
+  </p:cSld>
+  <p:clrMapOvr>
+    <a:masterClrMapping/>
+  </p:clrMapOvr>
+  <p:timing>
+    <p:tnLst>
+      <p:par>
+        <p:cTn id="1" dur="indefinite" restart="never" nodeType="tmRoot"/>
+      </p:par>
+    </p:tnLst>
+  </p:timing>
+</p:sld>
+</file>
+
+<file path=ppt/slides/slide21.xml><?xml version="1.0" encoding="utf-8"?>
+<p:sld xmlns:a="http://schemas.openxmlformats.org/drawingml/2006/main" xmlns:r="http://schemas.openxmlformats.org/officeDocument/2006/relationships" xmlns:p="http://schemas.openxmlformats.org/presentationml/2006/main">
+  <p:cSld>
+    <p:spTree>
+      <p:nvGrpSpPr>
+        <p:cNvPr id="1" name=""/>
+        <p:cNvGrpSpPr/>
+        <p:nvPr/>
+      </p:nvGrpSpPr>
+      <p:grpSpPr>
+        <a:xfrm>
+          <a:off x="0" y="0"/>
+          <a:ext cx="0" cy="0"/>
+          <a:chOff x="0" y="0"/>
+          <a:chExt cx="0" cy="0"/>
+        </a:xfrm>
+      </p:grpSpPr>
+      <p:sp>
+        <p:nvSpPr>
+          <p:cNvPr id="2" name="标题 1"/>
+          <p:cNvSpPr>
+            <a:spLocks noGrp="1"/>
+          </p:cNvSpPr>
+          <p:nvPr>
+            <p:ph type="title"/>
+          </p:nvPr>
+        </p:nvSpPr>
+        <p:spPr/>
+        <p:txBody>
+          <a:bodyPr/>
+          <a:lstStyle/>
+          <a:p>
+            <a:pPr algn="l"/>
+            <a:r>
+              <a:rPr lang="en-US" altLang="zh-CN" dirty="0" smtClean="0"/>
+              <a:t>2.2 </a:t>
+            </a:r>
+            <a:r>
+              <a:rPr lang="zh-CN" altLang="en-US" dirty="0" smtClean="0"/>
+              <a:t>梯度下降</a:t>
+            </a:r>
+            <a:endParaRPr lang="zh-CN" altLang="en-US" dirty="0"/>
+          </a:p>
+        </p:txBody>
+      </p:sp>
+      <p:sp>
+        <p:nvSpPr>
+          <p:cNvPr id="3" name="内容占位符 2"/>
+          <p:cNvSpPr>
+            <a:spLocks noGrp="1"/>
+          </p:cNvSpPr>
+          <p:nvPr>
+            <p:ph idx="1"/>
+          </p:nvPr>
+        </p:nvSpPr>
+        <p:spPr/>
+        <p:txBody>
+          <a:bodyPr/>
+          <a:lstStyle/>
+          <a:p>
+            <a:r>
+              <a:rPr lang="zh-CN" altLang="en-US" dirty="0" smtClean="0"/>
+              <a:t>总结一下：</a:t>
+            </a:r>
+            <a:endParaRPr lang="en-US" altLang="zh-CN" dirty="0" smtClean="0"/>
+          </a:p>
+          <a:p>
+            <a:pPr marL="457200" lvl="1" indent="0">
+              <a:buNone/>
+            </a:pPr>
+            <a:r>
+              <a:rPr lang="zh-CN" altLang="en-US" dirty="0" smtClean="0"/>
+              <a:t>梯度下降算法的工作方式就是重复计算梯度</a:t>
+            </a:r>
+            <a:r>
+              <a:rPr lang="en-US" altLang="zh-CN" dirty="0"/>
+              <a:t>∇</a:t>
+            </a:r>
+            <a:r>
+              <a:rPr lang="en-US" altLang="zh-CN" dirty="0" smtClean="0"/>
+              <a:t>C</a:t>
+            </a:r>
+            <a:r>
+              <a:rPr lang="zh-CN" altLang="en-US" dirty="0" smtClean="0"/>
+              <a:t>，然后沿着</a:t>
+            </a:r>
+            <a:r>
+              <a:rPr lang="zh-CN" altLang="en-US" b="1" dirty="0" smtClean="0"/>
+              <a:t>相反</a:t>
+            </a:r>
+            <a:r>
+              <a:rPr lang="zh-CN" altLang="en-US" dirty="0" smtClean="0"/>
+              <a:t>的方向移动</a:t>
+            </a:r>
+            <a:endParaRPr lang="en-US" altLang="zh-CN" dirty="0" smtClean="0"/>
+          </a:p>
+          <a:p>
+            <a:pPr marL="457200" lvl="1" indent="0">
+              <a:buNone/>
+            </a:pPr>
+            <a:r>
+              <a:rPr lang="zh-CN" altLang="en-US" dirty="0"/>
+              <a:t>就</a:t>
+            </a:r>
+            <a:r>
+              <a:rPr lang="zh-CN" altLang="en-US" dirty="0" smtClean="0"/>
+              <a:t>像图中小球一样向山谷中滚落</a:t>
+            </a:r>
+            <a:endParaRPr lang="zh-CN" altLang="en-US" dirty="0"/>
+          </a:p>
+        </p:txBody>
+      </p:sp>
+      <p:pic>
+        <p:nvPicPr>
+          <p:cNvPr id="4" name="Picture 7"/>
+          <p:cNvPicPr>
+            <a:picLocks noChangeAspect="1" noChangeArrowheads="1"/>
+          </p:cNvPicPr>
+          <p:nvPr/>
+        </p:nvPicPr>
+        <p:blipFill>
+          <a:blip r:embed="rId2">
+            <a:extLst>
+              <a:ext uri="{28A0092B-C50C-407E-A947-70E740481C1C}">
+                <a14:useLocalDpi xmlns:a14="http://schemas.microsoft.com/office/drawing/2010/main" val="0"/>
+              </a:ext>
+            </a:extLst>
+          </a:blip>
+          <a:srcRect/>
+          <a:stretch>
+            <a:fillRect/>
+          </a:stretch>
+        </p:blipFill>
+        <p:spPr bwMode="auto">
+          <a:xfrm>
+            <a:off x="3707904" y="3212976"/>
+            <a:ext cx="4448175" cy="2581275"/>
+          </a:xfrm>
+          <a:prstGeom prst="rect">
+            <a:avLst/>
+          </a:prstGeom>
+          <a:noFill/>
+          <a:ln>
+            <a:noFill/>
+          </a:ln>
+          <a:extLst>
+            <a:ext uri="{909E8E84-426E-40DD-AFC4-6F175D3DCCD1}">
+              <a14:hiddenFill xmlns:a14="http://schemas.microsoft.com/office/drawing/2010/main">
+                <a:solidFill>
+                  <a:schemeClr val="accent1"/>
+                </a:solidFill>
+              </a14:hiddenFill>
+            </a:ext>
+            <a:ext uri="{91240B29-F687-4F45-9708-019B960494DF}">
+              <a14:hiddenLine xmlns:a14="http://schemas.microsoft.com/office/drawing/2010/main" w="9525">
+                <a:solidFill>
+                  <a:schemeClr val="tx1"/>
+                </a:solidFill>
+                <a:miter lim="800000"/>
+                <a:headEnd/>
+                <a:tailEnd/>
+              </a14:hiddenLine>
+            </a:ext>
+          </a:extLst>
+        </p:spPr>
+      </p:pic>
+    </p:spTree>
+    <p:extLst>
+      <p:ext uri="{BB962C8B-B14F-4D97-AF65-F5344CB8AC3E}">
+        <p14:creationId xmlns:p14="http://schemas.microsoft.com/office/powerpoint/2010/main" val="3018550663"/>
+      </p:ext>
+    </p:extLst>
+  </p:cSld>
+  <p:clrMapOvr>
+    <a:masterClrMapping/>
+  </p:clrMapOvr>
+  <p:timing>
+    <p:tnLst>
+      <p:par>
+        <p:cTn id="1" dur="indefinite" restart="never" nodeType="tmRoot"/>
+      </p:par>
+    </p:tnLst>
+  </p:timing>
+</p:sld>
+</file>
+
+<file path=ppt/slides/slide22.xml><?xml version="1.0" encoding="utf-8"?>
+<p:sld xmlns:a="http://schemas.openxmlformats.org/drawingml/2006/main" xmlns:r="http://schemas.openxmlformats.org/officeDocument/2006/relationships" xmlns:p="http://schemas.openxmlformats.org/presentationml/2006/main">
+  <p:cSld>
+    <p:spTree>
+      <p:nvGrpSpPr>
+        <p:cNvPr id="1" name=""/>
+        <p:cNvGrpSpPr/>
+        <p:nvPr/>
+      </p:nvGrpSpPr>
+      <p:grpSpPr>
+        <a:xfrm>
+          <a:off x="0" y="0"/>
+          <a:ext cx="0" cy="0"/>
+          <a:chOff x="0" y="0"/>
+          <a:chExt cx="0" cy="0"/>
+        </a:xfrm>
+      </p:grpSpPr>
+      <p:sp>
+        <p:nvSpPr>
+          <p:cNvPr id="2" name="标题 1"/>
+          <p:cNvSpPr>
+            <a:spLocks noGrp="1"/>
+          </p:cNvSpPr>
+          <p:nvPr>
+            <p:ph type="title"/>
+          </p:nvPr>
+        </p:nvSpPr>
+        <p:spPr/>
+        <p:txBody>
+          <a:bodyPr/>
+          <a:lstStyle/>
+          <a:p>
+            <a:pPr algn="l"/>
+            <a:r>
+              <a:rPr lang="en-US" altLang="zh-CN" dirty="0" smtClean="0"/>
+              <a:t>2.2 </a:t>
+            </a:r>
+            <a:r>
+              <a:rPr lang="zh-CN" altLang="en-US" dirty="0" smtClean="0"/>
+              <a:t>梯度下降</a:t>
+            </a:r>
+            <a:endParaRPr lang="zh-CN" altLang="en-US" dirty="0"/>
+          </a:p>
+        </p:txBody>
+      </p:sp>
+      <p:sp>
+        <p:nvSpPr>
+          <p:cNvPr id="3" name="内容占位符 2"/>
+          <p:cNvSpPr>
+            <a:spLocks noGrp="1"/>
+          </p:cNvSpPr>
+          <p:nvPr>
+            <p:ph idx="1"/>
+          </p:nvPr>
+        </p:nvSpPr>
+        <p:spPr/>
+        <p:txBody>
+          <a:bodyPr/>
+          <a:lstStyle/>
+          <a:p>
+            <a:r>
+              <a:rPr lang="zh-CN" altLang="en-US" dirty="0"/>
+              <a:t>学习速率 </a:t>
+            </a:r>
+            <a:r>
+              <a:rPr lang="el-GR" altLang="zh-CN" i="1" dirty="0" smtClean="0"/>
+              <a:t>η</a:t>
+            </a:r>
+            <a:r>
+              <a:rPr lang="zh-CN" altLang="en-US" dirty="0" smtClean="0"/>
+              <a:t>的选择</a:t>
+            </a:r>
+            <a:endParaRPr lang="en-US" altLang="zh-CN" dirty="0" smtClean="0"/>
+          </a:p>
+          <a:p>
+            <a:pPr lvl="1"/>
+            <a:r>
+              <a:rPr lang="zh-CN" altLang="en-US" dirty="0" smtClean="0"/>
+              <a:t>足够小才能使方程                     得到很好的近似</a:t>
+            </a:r>
+            <a:endParaRPr lang="en-US" altLang="zh-CN" dirty="0" smtClean="0"/>
+          </a:p>
+          <a:p>
+            <a:pPr lvl="1"/>
+            <a:r>
+              <a:rPr lang="zh-CN" altLang="en-US" dirty="0"/>
+              <a:t>太</a:t>
+            </a:r>
+            <a:r>
+              <a:rPr lang="zh-CN" altLang="en-US" dirty="0" smtClean="0"/>
+              <a:t>小的话会使△</a:t>
+            </a:r>
+            <a:r>
+              <a:rPr lang="en-US" altLang="zh-CN" dirty="0" smtClean="0"/>
+              <a:t>v</a:t>
+            </a:r>
+            <a:r>
+              <a:rPr lang="zh-CN" altLang="en-US" dirty="0" smtClean="0"/>
+              <a:t>的变化极小，梯度下降算法就会运行的非常缓慢</a:t>
+            </a:r>
+            <a:endParaRPr lang="en-US" altLang="zh-CN" dirty="0" smtClean="0"/>
+          </a:p>
+          <a:p>
+            <a:pPr lvl="1"/>
+            <a:r>
+              <a:rPr lang="zh-CN" altLang="en-US" dirty="0" smtClean="0"/>
+              <a:t>真正实现中 </a:t>
+            </a:r>
+            <a:r>
+              <a:rPr lang="el-GR" altLang="zh-CN" i="1" dirty="0" smtClean="0"/>
+              <a:t>η</a:t>
+            </a:r>
+            <a:r>
+              <a:rPr lang="zh-CN" altLang="en-US" dirty="0" smtClean="0"/>
+              <a:t>通常是变化的</a:t>
+            </a:r>
+            <a:endParaRPr lang="en-US" altLang="zh-CN" dirty="0" smtClean="0"/>
+          </a:p>
+        </p:txBody>
+      </p:sp>
+      <p:pic>
+        <p:nvPicPr>
+          <p:cNvPr id="15362" name="Picture 2"/>
+          <p:cNvPicPr>
+            <a:picLocks noChangeAspect="1" noChangeArrowheads="1"/>
+          </p:cNvPicPr>
+          <p:nvPr/>
+        </p:nvPicPr>
+        <p:blipFill>
+          <a:blip r:embed="rId2">
+            <a:extLst>
+              <a:ext uri="{28A0092B-C50C-407E-A947-70E740481C1C}">
+                <a14:useLocalDpi xmlns:a14="http://schemas.microsoft.com/office/drawing/2010/main" val="0"/>
+              </a:ext>
+            </a:extLst>
+          </a:blip>
+          <a:srcRect/>
+          <a:stretch>
+            <a:fillRect/>
+          </a:stretch>
+        </p:blipFill>
+        <p:spPr bwMode="auto">
+          <a:xfrm>
+            <a:off x="2982686" y="2060848"/>
+            <a:ext cx="1066800" cy="219075"/>
+          </a:xfrm>
+          <a:prstGeom prst="rect">
+            <a:avLst/>
+          </a:prstGeom>
+          <a:noFill/>
+          <a:ln>
+            <a:noFill/>
+          </a:ln>
+          <a:extLst>
+            <a:ext uri="{909E8E84-426E-40DD-AFC4-6F175D3DCCD1}">
+              <a14:hiddenFill xmlns:a14="http://schemas.microsoft.com/office/drawing/2010/main">
+                <a:solidFill>
+                  <a:schemeClr val="accent1"/>
+                </a:solidFill>
+              </a14:hiddenFill>
+            </a:ext>
+            <a:ext uri="{91240B29-F687-4F45-9708-019B960494DF}">
+              <a14:hiddenLine xmlns:a14="http://schemas.microsoft.com/office/drawing/2010/main" w="9525">
+                <a:solidFill>
+                  <a:schemeClr val="tx1"/>
+                </a:solidFill>
+                <a:miter lim="800000"/>
+                <a:headEnd/>
+                <a:tailEnd/>
+              </a14:hiddenLine>
+            </a:ext>
+          </a:extLst>
+        </p:spPr>
+      </p:pic>
+    </p:spTree>
+    <p:extLst>
+      <p:ext uri="{BB962C8B-B14F-4D97-AF65-F5344CB8AC3E}">
+        <p14:creationId xmlns:p14="http://schemas.microsoft.com/office/powerpoint/2010/main" val="3615376318"/>
+      </p:ext>
+    </p:extLst>
+  </p:cSld>
+  <p:clrMapOvr>
+    <a:masterClrMapping/>
+  </p:clrMapOvr>
+  <p:timing>
+    <p:tnLst>
+      <p:par>
+        <p:cTn id="1" dur="indefinite" restart="never" nodeType="tmRoot"/>
+      </p:par>
+    </p:tnLst>
+  </p:timing>
+</p:sld>
+</file>
+
+<file path=ppt/slides/slide23.xml><?xml version="1.0" encoding="utf-8"?>
+<p:sld xmlns:a="http://schemas.openxmlformats.org/drawingml/2006/main" xmlns:r="http://schemas.openxmlformats.org/officeDocument/2006/relationships" xmlns:p="http://schemas.openxmlformats.org/presentationml/2006/main">
+  <p:cSld>
+    <p:spTree>
+      <p:nvGrpSpPr>
+        <p:cNvPr id="1" name=""/>
+        <p:cNvGrpSpPr/>
+        <p:nvPr/>
+      </p:nvGrpSpPr>
+      <p:grpSpPr>
+        <a:xfrm>
+          <a:off x="0" y="0"/>
+          <a:ext cx="0" cy="0"/>
+          <a:chOff x="0" y="0"/>
+          <a:chExt cx="0" cy="0"/>
+        </a:xfrm>
+      </p:grpSpPr>
+      <p:sp>
+        <p:nvSpPr>
+          <p:cNvPr id="2" name="标题 1"/>
+          <p:cNvSpPr>
+            <a:spLocks noGrp="1"/>
+          </p:cNvSpPr>
+          <p:nvPr>
+            <p:ph type="title"/>
+          </p:nvPr>
+        </p:nvSpPr>
+        <p:spPr/>
+        <p:txBody>
+          <a:bodyPr/>
+          <a:lstStyle/>
+          <a:p>
+            <a:pPr algn="l"/>
+            <a:r>
+              <a:rPr lang="en-US" altLang="zh-CN" dirty="0" smtClean="0"/>
+              <a:t>2.2 </a:t>
+            </a:r>
+            <a:r>
+              <a:rPr lang="zh-CN" altLang="en-US" dirty="0" smtClean="0"/>
+              <a:t>梯度下降</a:t>
+            </a:r>
+            <a:endParaRPr lang="zh-CN" altLang="en-US" dirty="0"/>
+          </a:p>
+        </p:txBody>
+      </p:sp>
+      <p:sp>
+        <p:nvSpPr>
+          <p:cNvPr id="3" name="内容占位符 2"/>
+          <p:cNvSpPr>
+            <a:spLocks noGrp="1"/>
+          </p:cNvSpPr>
+          <p:nvPr>
+            <p:ph idx="1"/>
+          </p:nvPr>
+        </p:nvSpPr>
+        <p:spPr/>
+        <p:txBody>
+          <a:bodyPr/>
+          <a:lstStyle/>
+          <a:p>
+            <a:r>
+              <a:rPr lang="zh-CN" altLang="en-US" dirty="0" smtClean="0"/>
+              <a:t>对于多元函数</a:t>
+            </a:r>
+            <a:r>
+              <a:rPr lang="en-US" altLang="zh-CN" dirty="0" smtClean="0"/>
+              <a:t>C(v</a:t>
+            </a:r>
+            <a:r>
+              <a:rPr lang="en-US" altLang="zh-CN" sz="1200" dirty="0" smtClean="0"/>
+              <a:t>1</a:t>
+            </a:r>
+            <a:r>
+              <a:rPr lang="en-US" altLang="zh-CN" dirty="0" smtClean="0"/>
+              <a:t>,v</a:t>
+            </a:r>
+            <a:r>
+              <a:rPr lang="en-US" altLang="zh-CN" sz="1200" dirty="0" smtClean="0"/>
+              <a:t>2</a:t>
+            </a:r>
+            <a:r>
+              <a:rPr lang="en-US" altLang="zh-CN" dirty="0" smtClean="0"/>
+              <a:t>,v</a:t>
+            </a:r>
+            <a:r>
+              <a:rPr lang="en-US" altLang="zh-CN" sz="1200" dirty="0" smtClean="0"/>
+              <a:t>3</a:t>
+            </a:r>
+            <a:r>
+              <a:rPr lang="en-US" altLang="zh-CN" dirty="0" smtClean="0"/>
+              <a:t>,…,</a:t>
+            </a:r>
+            <a:r>
+              <a:rPr lang="en-US" altLang="zh-CN" dirty="0" err="1" smtClean="0"/>
+              <a:t>v</a:t>
+            </a:r>
+            <a:r>
+              <a:rPr lang="en-US" altLang="zh-CN" sz="1200" dirty="0" err="1" smtClean="0"/>
+              <a:t>m</a:t>
+            </a:r>
+            <a:r>
+              <a:rPr lang="en-US" altLang="zh-CN" dirty="0" smtClean="0"/>
+              <a:t>)</a:t>
+            </a:r>
+            <a:endParaRPr lang="zh-CN" altLang="en-US" dirty="0"/>
+          </a:p>
+        </p:txBody>
+      </p:sp>
+      <p:pic>
+        <p:nvPicPr>
+          <p:cNvPr id="16386" name="Picture 2"/>
+          <p:cNvPicPr>
+            <a:picLocks noChangeAspect="1" noChangeArrowheads="1"/>
+          </p:cNvPicPr>
+          <p:nvPr/>
+        </p:nvPicPr>
+        <p:blipFill>
+          <a:blip r:embed="rId2">
+            <a:extLst>
+              <a:ext uri="{28A0092B-C50C-407E-A947-70E740481C1C}">
+                <a14:useLocalDpi xmlns:a14="http://schemas.microsoft.com/office/drawing/2010/main" val="0"/>
+              </a:ext>
+            </a:extLst>
+          </a:blip>
+          <a:srcRect/>
+          <a:stretch>
+            <a:fillRect/>
+          </a:stretch>
+        </p:blipFill>
+        <p:spPr bwMode="auto">
+          <a:xfrm>
+            <a:off x="3131840" y="2602653"/>
+            <a:ext cx="1962150" cy="352425"/>
+          </a:xfrm>
+          <a:prstGeom prst="rect">
+            <a:avLst/>
+          </a:prstGeom>
+          <a:noFill/>
+          <a:ln>
+            <a:noFill/>
+          </a:ln>
+          <a:extLst>
+            <a:ext uri="{909E8E84-426E-40DD-AFC4-6F175D3DCCD1}">
+              <a14:hiddenFill xmlns:a14="http://schemas.microsoft.com/office/drawing/2010/main">
+                <a:solidFill>
+                  <a:schemeClr val="accent1"/>
+                </a:solidFill>
+              </a14:hiddenFill>
+            </a:ext>
+            <a:ext uri="{91240B29-F687-4F45-9708-019B960494DF}">
+              <a14:hiddenLine xmlns:a14="http://schemas.microsoft.com/office/drawing/2010/main" w="9525">
+                <a:solidFill>
+                  <a:schemeClr val="tx1"/>
+                </a:solidFill>
+                <a:miter lim="800000"/>
+                <a:headEnd/>
+                <a:tailEnd/>
+              </a14:hiddenLine>
+            </a:ext>
+          </a:extLst>
+        </p:spPr>
+      </p:pic>
+      <p:pic>
+        <p:nvPicPr>
+          <p:cNvPr id="16387" name="Picture 3"/>
+          <p:cNvPicPr>
+            <a:picLocks noChangeAspect="1" noChangeArrowheads="1"/>
+          </p:cNvPicPr>
+          <p:nvPr/>
+        </p:nvPicPr>
+        <p:blipFill>
+          <a:blip r:embed="rId3">
+            <a:extLst>
+              <a:ext uri="{28A0092B-C50C-407E-A947-70E740481C1C}">
+                <a14:useLocalDpi xmlns:a14="http://schemas.microsoft.com/office/drawing/2010/main" val="0"/>
+              </a:ext>
+            </a:extLst>
+          </a:blip>
+          <a:srcRect/>
+          <a:stretch>
+            <a:fillRect/>
+          </a:stretch>
+        </p:blipFill>
+        <p:spPr bwMode="auto">
+          <a:xfrm>
+            <a:off x="3289002" y="3206523"/>
+            <a:ext cx="1647825" cy="476250"/>
+          </a:xfrm>
+          <a:prstGeom prst="rect">
+            <a:avLst/>
+          </a:prstGeom>
+          <a:noFill/>
+          <a:ln>
+            <a:noFill/>
+          </a:ln>
+          <a:extLst>
+            <a:ext uri="{909E8E84-426E-40DD-AFC4-6F175D3DCCD1}">
+              <a14:hiddenFill xmlns:a14="http://schemas.microsoft.com/office/drawing/2010/main">
+                <a:solidFill>
+                  <a:schemeClr val="accent1"/>
+                </a:solidFill>
+              </a14:hiddenFill>
+            </a:ext>
+            <a:ext uri="{91240B29-F687-4F45-9708-019B960494DF}">
+              <a14:hiddenLine xmlns:a14="http://schemas.microsoft.com/office/drawing/2010/main" w="9525">
+                <a:solidFill>
+                  <a:schemeClr val="tx1"/>
+                </a:solidFill>
+                <a:miter lim="800000"/>
+                <a:headEnd/>
+                <a:tailEnd/>
+              </a14:hiddenLine>
+            </a:ext>
+          </a:extLst>
+        </p:spPr>
+      </p:pic>
+      <p:pic>
+        <p:nvPicPr>
+          <p:cNvPr id="16388" name="Picture 4"/>
+          <p:cNvPicPr>
+            <a:picLocks noChangeAspect="1" noChangeArrowheads="1"/>
+          </p:cNvPicPr>
+          <p:nvPr/>
+        </p:nvPicPr>
+        <p:blipFill>
+          <a:blip r:embed="rId4">
+            <a:extLst>
+              <a:ext uri="{28A0092B-C50C-407E-A947-70E740481C1C}">
+                <a14:useLocalDpi xmlns:a14="http://schemas.microsoft.com/office/drawing/2010/main" val="0"/>
+              </a:ext>
+            </a:extLst>
+          </a:blip>
+          <a:srcRect/>
+          <a:stretch>
+            <a:fillRect/>
+          </a:stretch>
+        </p:blipFill>
+        <p:spPr bwMode="auto">
+          <a:xfrm>
+            <a:off x="2812907" y="3682773"/>
+            <a:ext cx="2705100" cy="847725"/>
+          </a:xfrm>
+          <a:prstGeom prst="rect">
+            <a:avLst/>
+          </a:prstGeom>
+          <a:noFill/>
+          <a:ln>
+            <a:noFill/>
+          </a:ln>
+          <a:extLst>
+            <a:ext uri="{909E8E84-426E-40DD-AFC4-6F175D3DCCD1}">
+              <a14:hiddenFill xmlns:a14="http://schemas.microsoft.com/office/drawing/2010/main">
+                <a:solidFill>
+                  <a:schemeClr val="accent1"/>
+                </a:solidFill>
+              </a14:hiddenFill>
+            </a:ext>
+            <a:ext uri="{91240B29-F687-4F45-9708-019B960494DF}">
+              <a14:hiddenLine xmlns:a14="http://schemas.microsoft.com/office/drawing/2010/main" w="9525">
+                <a:solidFill>
+                  <a:schemeClr val="tx1"/>
+                </a:solidFill>
+                <a:miter lim="800000"/>
+                <a:headEnd/>
+                <a:tailEnd/>
+              </a14:hiddenLine>
+            </a:ext>
+          </a:extLst>
+        </p:spPr>
+      </p:pic>
+      <p:pic>
+        <p:nvPicPr>
+          <p:cNvPr id="16389" name="Picture 5"/>
+          <p:cNvPicPr>
+            <a:picLocks noChangeAspect="1" noChangeArrowheads="1"/>
+          </p:cNvPicPr>
+          <p:nvPr/>
+        </p:nvPicPr>
+        <p:blipFill>
+          <a:blip r:embed="rId5">
+            <a:extLst>
+              <a:ext uri="{28A0092B-C50C-407E-A947-70E740481C1C}">
+                <a14:useLocalDpi xmlns:a14="http://schemas.microsoft.com/office/drawing/2010/main" val="0"/>
+              </a:ext>
+            </a:extLst>
+          </a:blip>
+          <a:srcRect/>
+          <a:stretch>
+            <a:fillRect/>
+          </a:stretch>
+        </p:blipFill>
+        <p:spPr bwMode="auto">
+          <a:xfrm>
+            <a:off x="3120954" y="4530498"/>
+            <a:ext cx="1924050" cy="600075"/>
+          </a:xfrm>
+          <a:prstGeom prst="rect">
+            <a:avLst/>
+          </a:prstGeom>
+          <a:noFill/>
+          <a:ln>
+            <a:noFill/>
+          </a:ln>
+          <a:extLst>
+            <a:ext uri="{909E8E84-426E-40DD-AFC4-6F175D3DCCD1}">
+              <a14:hiddenFill xmlns:a14="http://schemas.microsoft.com/office/drawing/2010/main">
+                <a:solidFill>
+                  <a:schemeClr val="accent1"/>
+                </a:solidFill>
+              </a14:hiddenFill>
+            </a:ext>
+            <a:ext uri="{91240B29-F687-4F45-9708-019B960494DF}">
+              <a14:hiddenLine xmlns:a14="http://schemas.microsoft.com/office/drawing/2010/main" w="9525">
+                <a:solidFill>
+                  <a:schemeClr val="tx1"/>
+                </a:solidFill>
+                <a:miter lim="800000"/>
+                <a:headEnd/>
+                <a:tailEnd/>
+              </a14:hiddenLine>
+            </a:ext>
+          </a:extLst>
+        </p:spPr>
+      </p:pic>
+      <p:pic>
+        <p:nvPicPr>
+          <p:cNvPr id="16390" name="Picture 6"/>
+          <p:cNvPicPr>
+            <a:picLocks noChangeAspect="1" noChangeArrowheads="1"/>
+          </p:cNvPicPr>
+          <p:nvPr/>
+        </p:nvPicPr>
+        <p:blipFill>
+          <a:blip r:embed="rId6">
+            <a:extLst>
+              <a:ext uri="{28A0092B-C50C-407E-A947-70E740481C1C}">
+                <a14:useLocalDpi xmlns:a14="http://schemas.microsoft.com/office/drawing/2010/main" val="0"/>
+              </a:ext>
+            </a:extLst>
+          </a:blip>
+          <a:srcRect/>
+          <a:stretch>
+            <a:fillRect/>
+          </a:stretch>
+        </p:blipFill>
+        <p:spPr bwMode="auto">
+          <a:xfrm>
+            <a:off x="3151044" y="5141459"/>
+            <a:ext cx="2028825" cy="485775"/>
+          </a:xfrm>
+          <a:prstGeom prst="rect">
+            <a:avLst/>
+          </a:prstGeom>
+          <a:noFill/>
+          <a:ln>
+            <a:noFill/>
+          </a:ln>
+          <a:extLst>
+            <a:ext uri="{909E8E84-426E-40DD-AFC4-6F175D3DCCD1}">
+              <a14:hiddenFill xmlns:a14="http://schemas.microsoft.com/office/drawing/2010/main">
+                <a:solidFill>
+                  <a:schemeClr val="accent1"/>
+                </a:solidFill>
+              </a14:hiddenFill>
+            </a:ext>
+            <a:ext uri="{91240B29-F687-4F45-9708-019B960494DF}">
+              <a14:hiddenLine xmlns:a14="http://schemas.microsoft.com/office/drawing/2010/main" w="9525">
+                <a:solidFill>
+                  <a:schemeClr val="tx1"/>
+                </a:solidFill>
+                <a:miter lim="800000"/>
+                <a:headEnd/>
+                <a:tailEnd/>
+              </a14:hiddenLine>
+            </a:ext>
+          </a:extLst>
+        </p:spPr>
+      </p:pic>
+    </p:spTree>
+    <p:extLst>
+      <p:ext uri="{BB962C8B-B14F-4D97-AF65-F5344CB8AC3E}">
+        <p14:creationId xmlns:p14="http://schemas.microsoft.com/office/powerpoint/2010/main" val="4000843622"/>
+      </p:ext>
+    </p:extLst>
+  </p:cSld>
+  <p:clrMapOvr>
+    <a:masterClrMapping/>
+  </p:clrMapOvr>
+  <p:timing>
+    <p:tnLst>
+      <p:par>
+        <p:cTn id="1" dur="indefinite" restart="never" nodeType="tmRoot"/>
+      </p:par>
+    </p:tnLst>
+  </p:timing>
+</p:sld>
+</file>
+
+<file path=ppt/slides/slide24.xml><?xml version="1.0" encoding="utf-8"?>
+<p:sld xmlns:a="http://schemas.openxmlformats.org/drawingml/2006/main" xmlns:r="http://schemas.openxmlformats.org/officeDocument/2006/relationships" xmlns:p="http://schemas.openxmlformats.org/presentationml/2006/main">
+  <p:cSld>
+    <p:spTree>
+      <p:nvGrpSpPr>
+        <p:cNvPr id="1" name=""/>
+        <p:cNvGrpSpPr/>
+        <p:nvPr/>
+      </p:nvGrpSpPr>
+      <p:grpSpPr>
+        <a:xfrm>
+          <a:off x="0" y="0"/>
+          <a:ext cx="0" cy="0"/>
+          <a:chOff x="0" y="0"/>
+          <a:chExt cx="0" cy="0"/>
+        </a:xfrm>
+      </p:grpSpPr>
+      <p:sp>
+        <p:nvSpPr>
+          <p:cNvPr id="2" name="标题 1"/>
+          <p:cNvSpPr>
+            <a:spLocks noGrp="1"/>
+          </p:cNvSpPr>
+          <p:nvPr>
+            <p:ph type="title"/>
+          </p:nvPr>
+        </p:nvSpPr>
+        <p:spPr/>
+        <p:txBody>
+          <a:bodyPr/>
+          <a:lstStyle/>
+          <a:p>
+            <a:pPr algn="l"/>
+            <a:r>
+              <a:rPr lang="en-US" altLang="zh-CN" dirty="0" smtClean="0"/>
+              <a:t>2.3 </a:t>
+            </a:r>
+            <a:r>
+              <a:rPr lang="zh-CN" altLang="en-US" dirty="0" smtClean="0"/>
+              <a:t>随机梯度下降</a:t>
+            </a:r>
+            <a:endParaRPr lang="zh-CN" altLang="en-US" dirty="0"/>
+          </a:p>
+        </p:txBody>
+      </p:sp>
+      <p:sp>
+        <p:nvSpPr>
+          <p:cNvPr id="3" name="内容占位符 2"/>
+          <p:cNvSpPr>
+            <a:spLocks noGrp="1"/>
+          </p:cNvSpPr>
+          <p:nvPr>
+            <p:ph idx="1"/>
+          </p:nvPr>
+        </p:nvSpPr>
+        <p:spPr/>
+        <p:txBody>
+          <a:bodyPr/>
+          <a:lstStyle/>
+          <a:p>
+            <a:r>
+              <a:rPr lang="zh-CN" altLang="en-US" dirty="0" smtClean="0"/>
+              <a:t>重复应用此规则，有望让球体滚</a:t>
+            </a:r>
+            <a:endParaRPr lang="en-US" altLang="zh-CN" dirty="0" smtClean="0"/>
+          </a:p>
+          <a:p>
+            <a:r>
+              <a:rPr lang="zh-CN" altLang="en-US" dirty="0" smtClean="0"/>
+              <a:t>下山，找到全局最小值</a:t>
+            </a:r>
+            <a:endParaRPr lang="en-US" altLang="zh-CN" dirty="0" smtClean="0"/>
+          </a:p>
+          <a:p>
+            <a:r>
+              <a:rPr lang="zh-CN" altLang="en-US" dirty="0" smtClean="0"/>
+              <a:t>代价函数遍历所有样本取均值</a:t>
+            </a:r>
+            <a:endParaRPr lang="en-US" altLang="zh-CN" dirty="0" smtClean="0"/>
+          </a:p>
+          <a:p>
+            <a:r>
+              <a:rPr lang="zh-CN" altLang="en-US" dirty="0" smtClean="0"/>
+              <a:t>当输入的数据量过大时，训练会</a:t>
+            </a:r>
+            <a:endParaRPr lang="en-US" altLang="zh-CN" dirty="0" smtClean="0"/>
+          </a:p>
+          <a:p>
+            <a:r>
+              <a:rPr lang="zh-CN" altLang="en-US" dirty="0" smtClean="0"/>
+              <a:t>非常缓慢</a:t>
+            </a:r>
+            <a:endParaRPr lang="en-US" altLang="zh-CN" dirty="0" smtClean="0"/>
+          </a:p>
+          <a:p>
+            <a:r>
+              <a:rPr lang="zh-CN" altLang="en-US" b="1" dirty="0"/>
+              <a:t>随机梯度</a:t>
+            </a:r>
+            <a:r>
+              <a:rPr lang="zh-CN" altLang="en-US" b="1" dirty="0" smtClean="0"/>
+              <a:t>下降，</a:t>
+            </a:r>
+            <a:r>
+              <a:rPr lang="zh-CN" altLang="en-US" dirty="0"/>
+              <a:t>随机选取⼩量训练输⼊</a:t>
+            </a:r>
+            <a:r>
+              <a:rPr lang="zh-CN" altLang="en-US" dirty="0" smtClean="0"/>
+              <a:t>样本计算</a:t>
+            </a:r>
+            <a:r>
+              <a:rPr lang="en-US" altLang="zh-CN" dirty="0"/>
+              <a:t>∇</a:t>
+            </a:r>
+            <a:r>
+              <a:rPr lang="en-US" altLang="zh-CN" dirty="0" err="1" smtClean="0"/>
+              <a:t>Cx</a:t>
+            </a:r>
+            <a:r>
+              <a:rPr lang="zh-CN" altLang="en-US" dirty="0"/>
+              <a:t>，</a:t>
+            </a:r>
+            <a:r>
+              <a:rPr lang="zh-CN" altLang="en-US" dirty="0" smtClean="0"/>
+              <a:t>进</a:t>
+            </a:r>
+            <a:r>
+              <a:rPr lang="zh-CN" altLang="en-US" dirty="0"/>
+              <a:t>⽽估算梯度 ∇</a:t>
+            </a:r>
+            <a:r>
+              <a:rPr lang="en-US" altLang="zh-CN" dirty="0"/>
+              <a:t>C</a:t>
+            </a:r>
+            <a:endParaRPr lang="zh-CN" altLang="en-US" b="1" dirty="0"/>
+          </a:p>
+        </p:txBody>
+      </p:sp>
+      <p:pic>
+        <p:nvPicPr>
+          <p:cNvPr id="17410" name="Picture 2"/>
+          <p:cNvPicPr>
+            <a:picLocks noChangeAspect="1" noChangeArrowheads="1"/>
+          </p:cNvPicPr>
+          <p:nvPr/>
+        </p:nvPicPr>
+        <p:blipFill>
+          <a:blip r:embed="rId3">
+            <a:extLst>
+              <a:ext uri="{28A0092B-C50C-407E-A947-70E740481C1C}">
+                <a14:useLocalDpi xmlns:a14="http://schemas.microsoft.com/office/drawing/2010/main" val="0"/>
+              </a:ext>
+            </a:extLst>
+          </a:blip>
+          <a:srcRect/>
+          <a:stretch>
+            <a:fillRect/>
+          </a:stretch>
+        </p:blipFill>
+        <p:spPr bwMode="auto">
+          <a:xfrm>
+            <a:off x="5220072" y="1651447"/>
+            <a:ext cx="2581275" cy="1190625"/>
+          </a:xfrm>
+          <a:prstGeom prst="rect">
+            <a:avLst/>
+          </a:prstGeom>
+          <a:noFill/>
+          <a:ln>
+            <a:noFill/>
+          </a:ln>
+          <a:extLst>
+            <a:ext uri="{909E8E84-426E-40DD-AFC4-6F175D3DCCD1}">
+              <a14:hiddenFill xmlns:a14="http://schemas.microsoft.com/office/drawing/2010/main">
+                <a:solidFill>
+                  <a:schemeClr val="accent1"/>
+                </a:solidFill>
+              </a14:hiddenFill>
+            </a:ext>
+            <a:ext uri="{91240B29-F687-4F45-9708-019B960494DF}">
+              <a14:hiddenLine xmlns:a14="http://schemas.microsoft.com/office/drawing/2010/main" w="9525">
+                <a:solidFill>
+                  <a:schemeClr val="tx1"/>
+                </a:solidFill>
+                <a:miter lim="800000"/>
+                <a:headEnd/>
+                <a:tailEnd/>
+              </a14:hiddenLine>
+            </a:ext>
+          </a:extLst>
+        </p:spPr>
+      </p:pic>
+      <p:pic>
+        <p:nvPicPr>
+          <p:cNvPr id="17411" name="Picture 3"/>
+          <p:cNvPicPr>
+            <a:picLocks noChangeAspect="1" noChangeArrowheads="1"/>
+          </p:cNvPicPr>
+          <p:nvPr/>
+        </p:nvPicPr>
+        <p:blipFill>
+          <a:blip r:embed="rId4">
+            <a:extLst>
+              <a:ext uri="{28A0092B-C50C-407E-A947-70E740481C1C}">
+                <a14:useLocalDpi xmlns:a14="http://schemas.microsoft.com/office/drawing/2010/main" val="0"/>
+              </a:ext>
+            </a:extLst>
+          </a:blip>
+          <a:srcRect/>
+          <a:stretch>
+            <a:fillRect/>
+          </a:stretch>
+        </p:blipFill>
+        <p:spPr bwMode="auto">
+          <a:xfrm>
+            <a:off x="5929684" y="3437671"/>
+            <a:ext cx="1162050" cy="409575"/>
+          </a:xfrm>
+          <a:prstGeom prst="rect">
+            <a:avLst/>
+          </a:prstGeom>
+          <a:noFill/>
+          <a:ln>
+            <a:noFill/>
+          </a:ln>
+          <a:extLst>
+            <a:ext uri="{909E8E84-426E-40DD-AFC4-6F175D3DCCD1}">
+              <a14:hiddenFill xmlns:a14="http://schemas.microsoft.com/office/drawing/2010/main">
+                <a:solidFill>
+                  <a:schemeClr val="accent1"/>
+                </a:solidFill>
+              </a14:hiddenFill>
+            </a:ext>
+            <a:ext uri="{91240B29-F687-4F45-9708-019B960494DF}">
+              <a14:hiddenLine xmlns:a14="http://schemas.microsoft.com/office/drawing/2010/main" w="9525">
+                <a:solidFill>
+                  <a:schemeClr val="tx1"/>
+                </a:solidFill>
+                <a:miter lim="800000"/>
+                <a:headEnd/>
+                <a:tailEnd/>
+              </a14:hiddenLine>
+            </a:ext>
+          </a:extLst>
+        </p:spPr>
+      </p:pic>
+      <p:pic>
+        <p:nvPicPr>
+          <p:cNvPr id="17412" name="Picture 4"/>
+          <p:cNvPicPr>
+            <a:picLocks noChangeAspect="1" noChangeArrowheads="1"/>
+          </p:cNvPicPr>
+          <p:nvPr/>
+        </p:nvPicPr>
+        <p:blipFill>
+          <a:blip r:embed="rId5">
+            <a:extLst>
+              <a:ext uri="{28A0092B-C50C-407E-A947-70E740481C1C}">
+                <a14:useLocalDpi xmlns:a14="http://schemas.microsoft.com/office/drawing/2010/main" val="0"/>
+              </a:ext>
+            </a:extLst>
+          </a:blip>
+          <a:srcRect/>
+          <a:stretch>
+            <a:fillRect/>
+          </a:stretch>
+        </p:blipFill>
+        <p:spPr bwMode="auto">
+          <a:xfrm>
+            <a:off x="5220072" y="2708920"/>
+            <a:ext cx="2790825" cy="723900"/>
+          </a:xfrm>
+          <a:prstGeom prst="rect">
+            <a:avLst/>
+          </a:prstGeom>
+          <a:noFill/>
+          <a:ln>
+            <a:noFill/>
+          </a:ln>
+          <a:extLst>
+            <a:ext uri="{909E8E84-426E-40DD-AFC4-6F175D3DCCD1}">
+              <a14:hiddenFill xmlns:a14="http://schemas.microsoft.com/office/drawing/2010/main">
+                <a:solidFill>
+                  <a:schemeClr val="accent1"/>
+                </a:solidFill>
+              </a14:hiddenFill>
+            </a:ext>
+            <a:ext uri="{91240B29-F687-4F45-9708-019B960494DF}">
+              <a14:hiddenLine xmlns:a14="http://schemas.microsoft.com/office/drawing/2010/main" w="9525">
+                <a:solidFill>
+                  <a:schemeClr val="tx1"/>
+                </a:solidFill>
+                <a:miter lim="800000"/>
+                <a:headEnd/>
+                <a:tailEnd/>
+              </a14:hiddenLine>
+            </a:ext>
+          </a:extLst>
+        </p:spPr>
+      </p:pic>
+    </p:spTree>
+    <p:extLst>
+      <p:ext uri="{BB962C8B-B14F-4D97-AF65-F5344CB8AC3E}">
+        <p14:creationId xmlns:p14="http://schemas.microsoft.com/office/powerpoint/2010/main" val="1422664299"/>
+      </p:ext>
+    </p:extLst>
+  </p:cSld>
+  <p:clrMapOvr>
+    <a:masterClrMapping/>
+  </p:clrMapOvr>
+  <p:timing>
+    <p:tnLst>
+      <p:par>
+        <p:cTn id="1" dur="indefinite" restart="never" nodeType="tmRoot"/>
+      </p:par>
+    </p:tnLst>
+  </p:timing>
+</p:sld>
+</file>
+
+<file path=ppt/slides/slide25.xml><?xml version="1.0" encoding="utf-8"?>
+<p:sld xmlns:a="http://schemas.openxmlformats.org/drawingml/2006/main" xmlns:r="http://schemas.openxmlformats.org/officeDocument/2006/relationships" xmlns:p="http://schemas.openxmlformats.org/presentationml/2006/main">
+  <p:cSld>
+    <p:spTree>
+      <p:nvGrpSpPr>
+        <p:cNvPr id="1" name=""/>
+        <p:cNvGrpSpPr/>
+        <p:nvPr/>
+      </p:nvGrpSpPr>
+      <p:grpSpPr>
+        <a:xfrm>
+          <a:off x="0" y="0"/>
+          <a:ext cx="0" cy="0"/>
+          <a:chOff x="0" y="0"/>
+          <a:chExt cx="0" cy="0"/>
+        </a:xfrm>
+      </p:grpSpPr>
+      <p:sp>
+        <p:nvSpPr>
+          <p:cNvPr id="2" name="标题 1"/>
+          <p:cNvSpPr>
+            <a:spLocks noGrp="1"/>
+          </p:cNvSpPr>
+          <p:nvPr>
+            <p:ph type="title"/>
+          </p:nvPr>
+        </p:nvSpPr>
+        <p:spPr/>
+        <p:txBody>
+          <a:bodyPr/>
+          <a:lstStyle/>
+          <a:p>
+            <a:pPr algn="l"/>
+            <a:r>
+              <a:rPr lang="en-US" altLang="zh-CN" dirty="0" smtClean="0"/>
+              <a:t>2.3 </a:t>
+            </a:r>
+            <a:r>
+              <a:rPr lang="zh-CN" altLang="en-US" dirty="0" smtClean="0"/>
+              <a:t>随机梯度下降</a:t>
+            </a:r>
+            <a:endParaRPr lang="zh-CN" altLang="en-US" dirty="0"/>
+          </a:p>
+        </p:txBody>
+      </p:sp>
+      <p:sp>
+        <p:nvSpPr>
+          <p:cNvPr id="3" name="内容占位符 2"/>
+          <p:cNvSpPr>
+            <a:spLocks noGrp="1"/>
+          </p:cNvSpPr>
+          <p:nvPr>
+            <p:ph idx="1"/>
+          </p:nvPr>
+        </p:nvSpPr>
+        <p:spPr/>
+        <p:txBody>
+          <a:bodyPr/>
+          <a:lstStyle/>
+          <a:p>
+            <a:r>
+              <a:rPr lang="zh-CN" altLang="en-US" dirty="0"/>
+              <a:t>随机梯度下降通过随机选取⼩量的 </a:t>
+            </a:r>
+            <a:r>
+              <a:rPr lang="en-US" altLang="zh-CN" dirty="0"/>
+              <a:t>m </a:t>
+            </a:r>
+            <a:r>
+              <a:rPr lang="zh-CN" altLang="en-US" dirty="0"/>
+              <a:t>个训练输⼊来⼯</a:t>
+            </a:r>
+            <a:r>
+              <a:rPr lang="zh-CN" altLang="en-US" dirty="0" smtClean="0"/>
+              <a:t>作</a:t>
+            </a:r>
+            <a:endParaRPr lang="en-US" altLang="zh-CN" dirty="0" smtClean="0"/>
+          </a:p>
+          <a:p>
+            <a:r>
+              <a:rPr lang="zh-CN" altLang="en-US" dirty="0" smtClean="0"/>
+              <a:t>我们将</a:t>
+            </a:r>
+            <a:r>
+              <a:rPr lang="zh-CN" altLang="en-US" dirty="0"/>
+              <a:t>这些随机的 训练输⼊标记为 </a:t>
+            </a:r>
+            <a:r>
+              <a:rPr lang="en-US" altLang="zh-CN" dirty="0"/>
+              <a:t>X</a:t>
+            </a:r>
+            <a:r>
+              <a:rPr lang="en-US" altLang="zh-CN" sz="1600" dirty="0"/>
+              <a:t>1</a:t>
+            </a:r>
+            <a:r>
+              <a:rPr lang="en-US" altLang="zh-CN" dirty="0"/>
+              <a:t>, X</a:t>
+            </a:r>
+            <a:r>
+              <a:rPr lang="en-US" altLang="zh-CN" sz="1600" dirty="0"/>
+              <a:t>2</a:t>
+            </a:r>
+            <a:r>
+              <a:rPr lang="en-US" altLang="zh-CN" dirty="0"/>
+              <a:t>, . . . , </a:t>
+            </a:r>
+            <a:r>
+              <a:rPr lang="en-US" altLang="zh-CN" dirty="0" err="1"/>
+              <a:t>X</a:t>
+            </a:r>
+            <a:r>
+              <a:rPr lang="en-US" altLang="zh-CN" sz="1600" dirty="0" err="1"/>
+              <a:t>m</a:t>
+            </a:r>
+            <a:r>
+              <a:rPr lang="zh-CN" altLang="en-US" dirty="0"/>
+              <a:t>，并把它们称为⼀个</a:t>
+            </a:r>
+            <a:r>
+              <a:rPr lang="zh-CN" altLang="en-US" b="1" dirty="0"/>
+              <a:t>⼩批量数据（</a:t>
+            </a:r>
+            <a:r>
+              <a:rPr lang="en-US" altLang="zh-CN" b="1" dirty="0"/>
+              <a:t>mini-batch</a:t>
+            </a:r>
+            <a:r>
+              <a:rPr lang="zh-CN" altLang="en-US" b="1" dirty="0"/>
+              <a:t>）</a:t>
+            </a:r>
+          </a:p>
+        </p:txBody>
+      </p:sp>
+      <p:pic>
+        <p:nvPicPr>
+          <p:cNvPr id="18434" name="Picture 2"/>
+          <p:cNvPicPr>
+            <a:picLocks noChangeAspect="1" noChangeArrowheads="1"/>
+          </p:cNvPicPr>
+          <p:nvPr/>
+        </p:nvPicPr>
+        <p:blipFill>
+          <a:blip r:embed="rId3">
+            <a:extLst>
+              <a:ext uri="{28A0092B-C50C-407E-A947-70E740481C1C}">
+                <a14:useLocalDpi xmlns:a14="http://schemas.microsoft.com/office/drawing/2010/main" val="0"/>
+              </a:ext>
+            </a:extLst>
+          </a:blip>
+          <a:srcRect/>
+          <a:stretch>
+            <a:fillRect/>
+          </a:stretch>
+        </p:blipFill>
+        <p:spPr bwMode="auto">
+          <a:xfrm>
+            <a:off x="2555776" y="2980644"/>
+            <a:ext cx="3143250" cy="809625"/>
+          </a:xfrm>
+          <a:prstGeom prst="rect">
+            <a:avLst/>
+          </a:prstGeom>
+          <a:noFill/>
+          <a:ln>
+            <a:noFill/>
+          </a:ln>
+          <a:extLst>
+            <a:ext uri="{909E8E84-426E-40DD-AFC4-6F175D3DCCD1}">
+              <a14:hiddenFill xmlns:a14="http://schemas.microsoft.com/office/drawing/2010/main">
+                <a:solidFill>
+                  <a:schemeClr val="accent1"/>
+                </a:solidFill>
+              </a14:hiddenFill>
+            </a:ext>
+            <a:ext uri="{91240B29-F687-4F45-9708-019B960494DF}">
+              <a14:hiddenLine xmlns:a14="http://schemas.microsoft.com/office/drawing/2010/main" w="9525">
+                <a:solidFill>
+                  <a:schemeClr val="tx1"/>
+                </a:solidFill>
+                <a:miter lim="800000"/>
+                <a:headEnd/>
+                <a:tailEnd/>
+              </a14:hiddenLine>
+            </a:ext>
+          </a:extLst>
+        </p:spPr>
+      </p:pic>
+      <p:pic>
+        <p:nvPicPr>
+          <p:cNvPr id="18435" name="Picture 3"/>
+          <p:cNvPicPr>
+            <a:picLocks noChangeAspect="1" noChangeArrowheads="1"/>
+          </p:cNvPicPr>
+          <p:nvPr/>
+        </p:nvPicPr>
+        <p:blipFill>
+          <a:blip r:embed="rId4">
+            <a:extLst>
+              <a:ext uri="{28A0092B-C50C-407E-A947-70E740481C1C}">
+                <a14:useLocalDpi xmlns:a14="http://schemas.microsoft.com/office/drawing/2010/main" val="0"/>
+              </a:ext>
+            </a:extLst>
+          </a:blip>
+          <a:srcRect/>
+          <a:stretch>
+            <a:fillRect/>
+          </a:stretch>
+        </p:blipFill>
+        <p:spPr bwMode="auto">
+          <a:xfrm>
+            <a:off x="2932012" y="3645024"/>
+            <a:ext cx="2390775" cy="895350"/>
+          </a:xfrm>
+          <a:prstGeom prst="rect">
+            <a:avLst/>
+          </a:prstGeom>
+          <a:noFill/>
+          <a:ln>
+            <a:noFill/>
+          </a:ln>
+          <a:extLst>
+            <a:ext uri="{909E8E84-426E-40DD-AFC4-6F175D3DCCD1}">
+              <a14:hiddenFill xmlns:a14="http://schemas.microsoft.com/office/drawing/2010/main">
+                <a:solidFill>
+                  <a:schemeClr val="accent1"/>
+                </a:solidFill>
+              </a14:hiddenFill>
+            </a:ext>
+            <a:ext uri="{91240B29-F687-4F45-9708-019B960494DF}">
+              <a14:hiddenLine xmlns:a14="http://schemas.microsoft.com/office/drawing/2010/main" w="9525">
+                <a:solidFill>
+                  <a:schemeClr val="tx1"/>
+                </a:solidFill>
+                <a:miter lim="800000"/>
+                <a:headEnd/>
+                <a:tailEnd/>
+              </a14:hiddenLine>
+            </a:ext>
+          </a:extLst>
+        </p:spPr>
+      </p:pic>
+      <p:pic>
+        <p:nvPicPr>
+          <p:cNvPr id="18436" name="Picture 4"/>
+          <p:cNvPicPr>
+            <a:picLocks noChangeAspect="1" noChangeArrowheads="1"/>
+          </p:cNvPicPr>
+          <p:nvPr/>
+        </p:nvPicPr>
+        <p:blipFill>
+          <a:blip r:embed="rId5">
+            <a:extLst>
+              <a:ext uri="{28A0092B-C50C-407E-A947-70E740481C1C}">
+                <a14:useLocalDpi xmlns:a14="http://schemas.microsoft.com/office/drawing/2010/main" val="0"/>
+              </a:ext>
+            </a:extLst>
+          </a:blip>
+          <a:srcRect/>
+          <a:stretch>
+            <a:fillRect/>
+          </a:stretch>
+        </p:blipFill>
+        <p:spPr bwMode="auto">
+          <a:xfrm>
+            <a:off x="2624141" y="4540374"/>
+            <a:ext cx="3076575" cy="1228725"/>
+          </a:xfrm>
+          <a:prstGeom prst="rect">
+            <a:avLst/>
+          </a:prstGeom>
+          <a:noFill/>
+          <a:ln>
+            <a:noFill/>
+          </a:ln>
+          <a:extLst>
+            <a:ext uri="{909E8E84-426E-40DD-AFC4-6F175D3DCCD1}">
+              <a14:hiddenFill xmlns:a14="http://schemas.microsoft.com/office/drawing/2010/main">
+                <a:solidFill>
+                  <a:schemeClr val="accent1"/>
+                </a:solidFill>
+              </a14:hiddenFill>
+            </a:ext>
+            <a:ext uri="{91240B29-F687-4F45-9708-019B960494DF}">
+              <a14:hiddenLine xmlns:a14="http://schemas.microsoft.com/office/drawing/2010/main" w="9525">
+                <a:solidFill>
+                  <a:schemeClr val="tx1"/>
+                </a:solidFill>
+                <a:miter lim="800000"/>
+                <a:headEnd/>
+                <a:tailEnd/>
+              </a14:hiddenLine>
+            </a:ext>
+          </a:extLst>
+        </p:spPr>
+      </p:pic>
+    </p:spTree>
+    <p:extLst>
+      <p:ext uri="{BB962C8B-B14F-4D97-AF65-F5344CB8AC3E}">
+        <p14:creationId xmlns:p14="http://schemas.microsoft.com/office/powerpoint/2010/main" val="66693248"/>
+      </p:ext>
+    </p:extLst>
+  </p:cSld>
+  <p:clrMapOvr>
+    <a:masterClrMapping/>
+  </p:clrMapOvr>
+  <p:timing>
+    <p:tnLst>
+      <p:par>
+        <p:cTn id="1" dur="indefinite" restart="never" nodeType="tmRoot"/>
+      </p:par>
+    </p:tnLst>
+  </p:timing>
+</p:sld>
+</file>
+
+<file path=ppt/slides/slide26.xml><?xml version="1.0" encoding="utf-8"?>
+<p:sld xmlns:a="http://schemas.openxmlformats.org/drawingml/2006/main" xmlns:r="http://schemas.openxmlformats.org/officeDocument/2006/relationships" xmlns:p="http://schemas.openxmlformats.org/presentationml/2006/main">
+  <p:cSld>
+    <p:spTree>
+      <p:nvGrpSpPr>
+        <p:cNvPr id="1" name=""/>
+        <p:cNvGrpSpPr/>
+        <p:nvPr/>
+      </p:nvGrpSpPr>
+      <p:grpSpPr>
+        <a:xfrm>
+          <a:off x="0" y="0"/>
+          <a:ext cx="0" cy="0"/>
+          <a:chOff x="0" y="0"/>
+          <a:chExt cx="0" cy="0"/>
+        </a:xfrm>
+      </p:grpSpPr>
+      <p:sp>
+        <p:nvSpPr>
+          <p:cNvPr id="2" name="标题 1"/>
+          <p:cNvSpPr>
+            <a:spLocks noGrp="1"/>
+          </p:cNvSpPr>
+          <p:nvPr>
+            <p:ph type="title"/>
+          </p:nvPr>
+        </p:nvSpPr>
+        <p:spPr/>
+        <p:txBody>
+          <a:bodyPr/>
+          <a:lstStyle/>
+          <a:p>
+            <a:pPr algn="l"/>
+            <a:r>
+              <a:rPr lang="en-US" altLang="zh-CN" dirty="0" smtClean="0"/>
+              <a:t>2.3 </a:t>
+            </a:r>
+            <a:r>
+              <a:rPr lang="zh-CN" altLang="en-US" dirty="0" smtClean="0"/>
+              <a:t>随机梯度下降</a:t>
+            </a:r>
+            <a:endParaRPr lang="zh-CN" altLang="en-US" dirty="0"/>
+          </a:p>
+        </p:txBody>
+      </p:sp>
+      <p:sp>
+        <p:nvSpPr>
+          <p:cNvPr id="3" name="内容占位符 2"/>
+          <p:cNvSpPr>
+            <a:spLocks noGrp="1"/>
+          </p:cNvSpPr>
+          <p:nvPr>
+            <p:ph idx="1"/>
+          </p:nvPr>
+        </p:nvSpPr>
+        <p:spPr/>
+        <p:txBody>
+          <a:bodyPr/>
+          <a:lstStyle/>
+          <a:p>
+            <a:r>
+              <a:rPr lang="zh-CN" altLang="en-US" dirty="0" smtClean="0"/>
+              <a:t>训练</a:t>
+            </a:r>
+            <a:r>
+              <a:rPr lang="zh-CN" altLang="en-US" b="1" dirty="0" smtClean="0"/>
+              <a:t>迭代期</a:t>
+            </a:r>
+            <a:r>
+              <a:rPr lang="zh-CN" altLang="en-US" b="1" dirty="0"/>
+              <a:t>（</a:t>
+            </a:r>
+            <a:r>
+              <a:rPr lang="en-US" altLang="zh-CN" b="1" dirty="0"/>
+              <a:t>epoch</a:t>
+            </a:r>
+            <a:r>
+              <a:rPr lang="zh-CN" altLang="en-US" b="1" dirty="0" smtClean="0"/>
+              <a:t>）</a:t>
+            </a:r>
+            <a:endParaRPr lang="en-US" altLang="zh-CN" b="1" dirty="0" smtClean="0"/>
+          </a:p>
+          <a:p>
+            <a:r>
+              <a:rPr lang="zh-CN" altLang="en-US" b="1" dirty="0" smtClean="0"/>
+              <a:t>在线</a:t>
+            </a:r>
+            <a:r>
+              <a:rPr lang="zh-CN" altLang="en-US" dirty="0" smtClean="0"/>
+              <a:t>或者</a:t>
+            </a:r>
+            <a:r>
+              <a:rPr lang="zh-CN" altLang="en-US" b="1" dirty="0"/>
+              <a:t>递增</a:t>
+            </a:r>
+            <a:r>
+              <a:rPr lang="zh-CN" altLang="en-US" dirty="0"/>
+              <a:t>学习</a:t>
+            </a:r>
+            <a:endParaRPr lang="zh-CN" altLang="en-US" b="1" dirty="0"/>
+          </a:p>
+        </p:txBody>
+      </p:sp>
+    </p:spTree>
+    <p:extLst>
+      <p:ext uri="{BB962C8B-B14F-4D97-AF65-F5344CB8AC3E}">
+        <p14:creationId xmlns:p14="http://schemas.microsoft.com/office/powerpoint/2010/main" val="1218617184"/>
+      </p:ext>
+    </p:extLst>
+  </p:cSld>
+  <p:clrMapOvr>
+    <a:masterClrMapping/>
+  </p:clrMapOvr>
+  <p:timing>
+    <p:tnLst>
+      <p:par>
+        <p:cTn id="1" dur="indefinite" restart="never" nodeType="tmRoot"/>
+      </p:par>
+    </p:tnLst>
+  </p:timing>
+</p:sld>
+</file>
+
+<file path=ppt/slides/slide27.xml><?xml version="1.0" encoding="utf-8"?>
+<p:sld xmlns:a="http://schemas.openxmlformats.org/drawingml/2006/main" xmlns:r="http://schemas.openxmlformats.org/officeDocument/2006/relationships" xmlns:p="http://schemas.openxmlformats.org/presentationml/2006/main">
+  <p:cSld>
+    <p:spTree>
+      <p:nvGrpSpPr>
+        <p:cNvPr id="1" name=""/>
+        <p:cNvGrpSpPr/>
+        <p:nvPr/>
+      </p:nvGrpSpPr>
+      <p:grpSpPr>
+        <a:xfrm>
+          <a:off x="0" y="0"/>
+          <a:ext cx="0" cy="0"/>
+          <a:chOff x="0" y="0"/>
+          <a:chExt cx="0" cy="0"/>
+        </a:xfrm>
+      </p:grpSpPr>
+      <p:sp>
+        <p:nvSpPr>
+          <p:cNvPr id="2" name="标题 1"/>
+          <p:cNvSpPr>
+            <a:spLocks noGrp="1"/>
+          </p:cNvSpPr>
+          <p:nvPr>
+            <p:ph type="title"/>
+          </p:nvPr>
+        </p:nvSpPr>
+        <p:spPr/>
+        <p:txBody>
+          <a:bodyPr/>
+          <a:lstStyle/>
+          <a:p>
+            <a:pPr algn="l"/>
+            <a:r>
+              <a:rPr lang="en-US" altLang="zh-CN" dirty="0" smtClean="0"/>
+              <a:t>2.4 </a:t>
+            </a:r>
+            <a:r>
+              <a:rPr lang="zh-CN" altLang="en-US" dirty="0" smtClean="0"/>
+              <a:t>程序实现</a:t>
+            </a:r>
+            <a:endParaRPr lang="zh-CN" altLang="en-US" dirty="0"/>
+          </a:p>
+        </p:txBody>
+      </p:sp>
+      <p:sp>
+        <p:nvSpPr>
+          <p:cNvPr id="3" name="内容占位符 2"/>
+          <p:cNvSpPr>
+            <a:spLocks noGrp="1"/>
+          </p:cNvSpPr>
+          <p:nvPr>
+            <p:ph idx="1"/>
+          </p:nvPr>
+        </p:nvSpPr>
+        <p:spPr/>
+        <p:txBody>
+          <a:bodyPr/>
+          <a:lstStyle/>
+          <a:p>
+            <a:r>
+              <a:rPr lang="en-US" altLang="zh-CN" dirty="0" smtClean="0"/>
+              <a:t>MNIST</a:t>
+            </a:r>
+          </a:p>
+          <a:p>
+            <a:r>
+              <a:rPr lang="en-US" altLang="zh-CN" dirty="0" err="1" smtClean="0"/>
+              <a:t>NumPy</a:t>
+            </a:r>
+            <a:endParaRPr lang="zh-CN" altLang="en-US" dirty="0"/>
+          </a:p>
+        </p:txBody>
+      </p:sp>
+      <p:pic>
+        <p:nvPicPr>
+          <p:cNvPr id="19458" name="Picture 2"/>
+          <p:cNvPicPr>
+            <a:picLocks noChangeAspect="1" noChangeArrowheads="1"/>
+          </p:cNvPicPr>
+          <p:nvPr/>
+        </p:nvPicPr>
+        <p:blipFill>
+          <a:blip r:embed="rId3">
+            <a:extLst>
+              <a:ext uri="{28A0092B-C50C-407E-A947-70E740481C1C}">
+                <a14:useLocalDpi xmlns:a14="http://schemas.microsoft.com/office/drawing/2010/main" val="0"/>
+              </a:ext>
+            </a:extLst>
+          </a:blip>
+          <a:srcRect/>
+          <a:stretch>
+            <a:fillRect/>
+          </a:stretch>
+        </p:blipFill>
+        <p:spPr bwMode="auto">
+          <a:xfrm>
+            <a:off x="4139952" y="1839009"/>
+            <a:ext cx="4267200" cy="1657350"/>
+          </a:xfrm>
+          <a:prstGeom prst="rect">
+            <a:avLst/>
+          </a:prstGeom>
+          <a:noFill/>
+          <a:ln>
+            <a:noFill/>
+          </a:ln>
+          <a:extLst>
+            <a:ext uri="{909E8E84-426E-40DD-AFC4-6F175D3DCCD1}">
+              <a14:hiddenFill xmlns:a14="http://schemas.microsoft.com/office/drawing/2010/main">
+                <a:solidFill>
+                  <a:schemeClr val="accent1"/>
+                </a:solidFill>
+              </a14:hiddenFill>
+            </a:ext>
+            <a:ext uri="{91240B29-F687-4F45-9708-019B960494DF}">
+              <a14:hiddenLine xmlns:a14="http://schemas.microsoft.com/office/drawing/2010/main" w="9525">
+                <a:solidFill>
+                  <a:schemeClr val="tx1"/>
+                </a:solidFill>
+                <a:miter lim="800000"/>
+                <a:headEnd/>
+                <a:tailEnd/>
+              </a14:hiddenLine>
+            </a:ext>
+          </a:extLst>
+        </p:spPr>
+      </p:pic>
+    </p:spTree>
+    <p:extLst>
+      <p:ext uri="{BB962C8B-B14F-4D97-AF65-F5344CB8AC3E}">
+        <p14:creationId xmlns:p14="http://schemas.microsoft.com/office/powerpoint/2010/main" val="3477770148"/>
+      </p:ext>
+    </p:extLst>
+  </p:cSld>
+  <p:clrMapOvr>
+    <a:masterClrMapping/>
+  </p:clrMapOvr>
+  <p:timing>
+    <p:tnLst>
+      <p:par>
+        <p:cTn id="1" dur="indefinite" restart="never" nodeType="tmRoot"/>
+      </p:par>
+    </p:tnLst>
+  </p:timing>
+</p:sld>
+</file>
+
+<file path=ppt/slides/slide28.xml><?xml version="1.0" encoding="utf-8"?>
+<p:sld xmlns:a="http://schemas.openxmlformats.org/drawingml/2006/main" xmlns:r="http://schemas.openxmlformats.org/officeDocument/2006/relationships" xmlns:p="http://schemas.openxmlformats.org/presentationml/2006/main">
+  <p:cSld>
+    <p:spTree>
+      <p:nvGrpSpPr>
+        <p:cNvPr id="1" name=""/>
+        <p:cNvGrpSpPr/>
+        <p:nvPr/>
+      </p:nvGrpSpPr>
+      <p:grpSpPr>
+        <a:xfrm>
+          <a:off x="0" y="0"/>
+          <a:ext cx="0" cy="0"/>
+          <a:chOff x="0" y="0"/>
+          <a:chExt cx="0" cy="0"/>
+        </a:xfrm>
+      </p:grpSpPr>
+      <p:sp>
+        <p:nvSpPr>
+          <p:cNvPr id="2" name="标题 1"/>
+          <p:cNvSpPr>
+            <a:spLocks noGrp="1"/>
+          </p:cNvSpPr>
+          <p:nvPr>
+            <p:ph type="title"/>
+          </p:nvPr>
+        </p:nvSpPr>
+        <p:spPr/>
+        <p:txBody>
+          <a:bodyPr/>
+          <a:lstStyle/>
+          <a:p>
+            <a:pPr algn="l"/>
+            <a:r>
+              <a:rPr lang="en-US" altLang="zh-CN" dirty="0" smtClean="0"/>
+              <a:t>2.5 </a:t>
+            </a:r>
+            <a:r>
+              <a:rPr lang="zh-CN" altLang="en-US" dirty="0" smtClean="0"/>
+              <a:t>迈向深度学习</a:t>
+            </a:r>
+            <a:endParaRPr lang="zh-CN" altLang="en-US" dirty="0"/>
+          </a:p>
+        </p:txBody>
+      </p:sp>
+      <p:sp>
+        <p:nvSpPr>
+          <p:cNvPr id="3" name="内容占位符 2"/>
+          <p:cNvSpPr>
+            <a:spLocks noGrp="1"/>
+          </p:cNvSpPr>
+          <p:nvPr>
+            <p:ph idx="1"/>
+          </p:nvPr>
+        </p:nvSpPr>
+        <p:spPr/>
+        <p:txBody>
+          <a:bodyPr/>
+          <a:lstStyle/>
+          <a:p>
+            <a:r>
+              <a:rPr lang="zh-CN" altLang="en-US" dirty="0"/>
+              <a:t>复杂的算法 ≤ 简单的学习算法 </a:t>
+            </a:r>
+            <a:r>
+              <a:rPr lang="en-US" altLang="zh-CN" dirty="0"/>
+              <a:t>+ </a:t>
+            </a:r>
+            <a:r>
+              <a:rPr lang="zh-CN" altLang="en-US" dirty="0"/>
+              <a:t>好的训练数据</a:t>
+            </a:r>
+          </a:p>
+        </p:txBody>
+      </p:sp>
+    </p:spTree>
+    <p:extLst>
+      <p:ext uri="{BB962C8B-B14F-4D97-AF65-F5344CB8AC3E}">
+        <p14:creationId xmlns:p14="http://schemas.microsoft.com/office/powerpoint/2010/main" val="1503294297"/>
+      </p:ext>
+    </p:extLst>
+  </p:cSld>
+  <p:clrMapOvr>
+    <a:masterClrMapping/>
+  </p:clrMapOvr>
+  <p:timing>
+    <p:tnLst>
+      <p:par>
+        <p:cTn id="1" dur="indefinite" restart="never" nodeType="tmRoot"/>
+      </p:par>
+    </p:tnLst>
+  </p:timing>
+</p:sld>
+</file>
+
+<file path=ppt/slides/slide29.xml><?xml version="1.0" encoding="utf-8"?>
+<p:sld xmlns:a="http://schemas.openxmlformats.org/drawingml/2006/main" xmlns:r="http://schemas.openxmlformats.org/officeDocument/2006/relationships" xmlns:p="http://schemas.openxmlformats.org/presentationml/2006/main">
+  <p:cSld>
+    <p:spTree>
+      <p:nvGrpSpPr>
+        <p:cNvPr id="1" name=""/>
+        <p:cNvGrpSpPr/>
+        <p:nvPr/>
+      </p:nvGrpSpPr>
+      <p:grpSpPr>
+        <a:xfrm>
+          <a:off x="0" y="0"/>
+          <a:ext cx="0" cy="0"/>
+          <a:chOff x="0" y="0"/>
+          <a:chExt cx="0" cy="0"/>
+        </a:xfrm>
+      </p:grpSpPr>
+      <p:sp>
+        <p:nvSpPr>
+          <p:cNvPr id="2" name="标题 1"/>
+          <p:cNvSpPr>
+            <a:spLocks noGrp="1"/>
+          </p:cNvSpPr>
+          <p:nvPr>
+            <p:ph type="title"/>
+          </p:nvPr>
+        </p:nvSpPr>
+        <p:spPr/>
+        <p:txBody>
+          <a:bodyPr/>
+          <a:lstStyle/>
+          <a:p>
+            <a:pPr algn="l"/>
+            <a:r>
+              <a:rPr lang="en-US" altLang="zh-CN" dirty="0" smtClean="0"/>
+              <a:t>2.5 </a:t>
+            </a:r>
+            <a:r>
+              <a:rPr lang="zh-CN" altLang="en-US" dirty="0" smtClean="0"/>
+              <a:t>迈向深度学习</a:t>
+            </a:r>
+            <a:endParaRPr lang="zh-CN" altLang="en-US" dirty="0"/>
+          </a:p>
+        </p:txBody>
+      </p:sp>
+      <p:sp>
+        <p:nvSpPr>
+          <p:cNvPr id="3" name="内容占位符 2"/>
+          <p:cNvSpPr>
+            <a:spLocks noGrp="1"/>
+          </p:cNvSpPr>
+          <p:nvPr>
+            <p:ph idx="1"/>
+          </p:nvPr>
+        </p:nvSpPr>
+        <p:spPr/>
+        <p:txBody>
+          <a:bodyPr/>
+          <a:lstStyle/>
+          <a:p>
+            <a:endParaRPr lang="zh-CN" altLang="en-US"/>
+          </a:p>
+        </p:txBody>
+      </p:sp>
+      <p:pic>
+        <p:nvPicPr>
+          <p:cNvPr id="21506" name="Picture 2"/>
+          <p:cNvPicPr>
+            <a:picLocks noChangeAspect="1" noChangeArrowheads="1"/>
+          </p:cNvPicPr>
+          <p:nvPr/>
+        </p:nvPicPr>
+        <p:blipFill>
+          <a:blip r:embed="rId2">
+            <a:extLst>
+              <a:ext uri="{28A0092B-C50C-407E-A947-70E740481C1C}">
+                <a14:useLocalDpi xmlns:a14="http://schemas.microsoft.com/office/drawing/2010/main" val="0"/>
+              </a:ext>
+            </a:extLst>
+          </a:blip>
+          <a:srcRect/>
+          <a:stretch>
+            <a:fillRect/>
+          </a:stretch>
+        </p:blipFill>
+        <p:spPr bwMode="auto">
+          <a:xfrm>
+            <a:off x="1672977" y="1988840"/>
+            <a:ext cx="5848350" cy="3838575"/>
+          </a:xfrm>
+          <a:prstGeom prst="rect">
+            <a:avLst/>
+          </a:prstGeom>
+          <a:noFill/>
+          <a:ln>
+            <a:noFill/>
+          </a:ln>
+          <a:extLst>
+            <a:ext uri="{909E8E84-426E-40DD-AFC4-6F175D3DCCD1}">
+              <a14:hiddenFill xmlns:a14="http://schemas.microsoft.com/office/drawing/2010/main">
+                <a:solidFill>
+                  <a:schemeClr val="accent1"/>
+                </a:solidFill>
+              </a14:hiddenFill>
+            </a:ext>
+            <a:ext uri="{91240B29-F687-4F45-9708-019B960494DF}">
+              <a14:hiddenLine xmlns:a14="http://schemas.microsoft.com/office/drawing/2010/main" w="9525">
+                <a:solidFill>
+                  <a:schemeClr val="tx1"/>
+                </a:solidFill>
+                <a:miter lim="800000"/>
+                <a:headEnd/>
+                <a:tailEnd/>
+              </a14:hiddenLine>
+            </a:ext>
+          </a:extLst>
+        </p:spPr>
+      </p:pic>
+    </p:spTree>
+    <p:extLst>
+      <p:ext uri="{BB962C8B-B14F-4D97-AF65-F5344CB8AC3E}">
+        <p14:creationId xmlns:p14="http://schemas.microsoft.com/office/powerpoint/2010/main" val="1821256070"/>
       </p:ext>
     </p:extLst>
   </p:cSld>
@@ -6296,6 +9397,559 @@
     <p:extLst>
       <p:ext uri="{BB962C8B-B14F-4D97-AF65-F5344CB8AC3E}">
         <p14:creationId xmlns:p14="http://schemas.microsoft.com/office/powerpoint/2010/main" val="300940375"/>
+      </p:ext>
+    </p:extLst>
+  </p:cSld>
+  <p:clrMapOvr>
+    <a:masterClrMapping/>
+  </p:clrMapOvr>
+  <p:timing>
+    <p:tnLst>
+      <p:par>
+        <p:cTn id="1" dur="indefinite" restart="never" nodeType="tmRoot"/>
+      </p:par>
+    </p:tnLst>
+  </p:timing>
+</p:sld>
+</file>
+
+<file path=ppt/slides/slide30.xml><?xml version="1.0" encoding="utf-8"?>
+<p:sld xmlns:a="http://schemas.openxmlformats.org/drawingml/2006/main" xmlns:r="http://schemas.openxmlformats.org/officeDocument/2006/relationships" xmlns:p="http://schemas.openxmlformats.org/presentationml/2006/main">
+  <p:cSld>
+    <p:spTree>
+      <p:nvGrpSpPr>
+        <p:cNvPr id="1" name=""/>
+        <p:cNvGrpSpPr/>
+        <p:nvPr/>
+      </p:nvGrpSpPr>
+      <p:grpSpPr>
+        <a:xfrm>
+          <a:off x="0" y="0"/>
+          <a:ext cx="0" cy="0"/>
+          <a:chOff x="0" y="0"/>
+          <a:chExt cx="0" cy="0"/>
+        </a:xfrm>
+      </p:grpSpPr>
+      <p:sp>
+        <p:nvSpPr>
+          <p:cNvPr id="2" name="标题 1"/>
+          <p:cNvSpPr>
+            <a:spLocks noGrp="1"/>
+          </p:cNvSpPr>
+          <p:nvPr>
+            <p:ph type="title"/>
+          </p:nvPr>
+        </p:nvSpPr>
+        <p:spPr/>
+        <p:txBody>
+          <a:bodyPr/>
+          <a:lstStyle/>
+          <a:p>
+            <a:pPr algn="l"/>
+            <a:r>
+              <a:rPr lang="en-US" altLang="zh-CN" dirty="0" smtClean="0"/>
+              <a:t>2.5 </a:t>
+            </a:r>
+            <a:r>
+              <a:rPr lang="zh-CN" altLang="en-US" dirty="0" smtClean="0"/>
+              <a:t>迈向深度学习</a:t>
+            </a:r>
+            <a:endParaRPr lang="zh-CN" altLang="en-US" dirty="0"/>
+          </a:p>
+        </p:txBody>
+      </p:sp>
+      <p:sp>
+        <p:nvSpPr>
+          <p:cNvPr id="3" name="内容占位符 2"/>
+          <p:cNvSpPr>
+            <a:spLocks noGrp="1"/>
+          </p:cNvSpPr>
+          <p:nvPr>
+            <p:ph idx="1"/>
+          </p:nvPr>
+        </p:nvSpPr>
+        <p:spPr/>
+        <p:txBody>
+          <a:bodyPr/>
+          <a:lstStyle/>
+          <a:p>
+            <a:endParaRPr lang="zh-CN" altLang="en-US"/>
+          </a:p>
+        </p:txBody>
+      </p:sp>
+      <p:pic>
+        <p:nvPicPr>
+          <p:cNvPr id="22530" name="Picture 2"/>
+          <p:cNvPicPr>
+            <a:picLocks noChangeAspect="1" noChangeArrowheads="1"/>
+          </p:cNvPicPr>
+          <p:nvPr/>
+        </p:nvPicPr>
+        <p:blipFill>
+          <a:blip r:embed="rId2">
+            <a:extLst>
+              <a:ext uri="{28A0092B-C50C-407E-A947-70E740481C1C}">
+                <a14:useLocalDpi xmlns:a14="http://schemas.microsoft.com/office/drawing/2010/main" val="0"/>
+              </a:ext>
+            </a:extLst>
+          </a:blip>
+          <a:srcRect/>
+          <a:stretch>
+            <a:fillRect/>
+          </a:stretch>
+        </p:blipFill>
+        <p:spPr bwMode="auto">
+          <a:xfrm>
+            <a:off x="1676602" y="2564904"/>
+            <a:ext cx="5524500" cy="2295525"/>
+          </a:xfrm>
+          <a:prstGeom prst="rect">
+            <a:avLst/>
+          </a:prstGeom>
+          <a:noFill/>
+          <a:ln>
+            <a:noFill/>
+          </a:ln>
+          <a:extLst>
+            <a:ext uri="{909E8E84-426E-40DD-AFC4-6F175D3DCCD1}">
+              <a14:hiddenFill xmlns:a14="http://schemas.microsoft.com/office/drawing/2010/main">
+                <a:solidFill>
+                  <a:schemeClr val="accent1"/>
+                </a:solidFill>
+              </a14:hiddenFill>
+            </a:ext>
+            <a:ext uri="{91240B29-F687-4F45-9708-019B960494DF}">
+              <a14:hiddenLine xmlns:a14="http://schemas.microsoft.com/office/drawing/2010/main" w="9525">
+                <a:solidFill>
+                  <a:schemeClr val="tx1"/>
+                </a:solidFill>
+                <a:miter lim="800000"/>
+                <a:headEnd/>
+                <a:tailEnd/>
+              </a14:hiddenLine>
+            </a:ext>
+          </a:extLst>
+        </p:spPr>
+      </p:pic>
+    </p:spTree>
+    <p:extLst>
+      <p:ext uri="{BB962C8B-B14F-4D97-AF65-F5344CB8AC3E}">
+        <p14:creationId xmlns:p14="http://schemas.microsoft.com/office/powerpoint/2010/main" val="3572444761"/>
+      </p:ext>
+    </p:extLst>
+  </p:cSld>
+  <p:clrMapOvr>
+    <a:masterClrMapping/>
+  </p:clrMapOvr>
+  <p:timing>
+    <p:tnLst>
+      <p:par>
+        <p:cTn id="1" dur="indefinite" restart="never" nodeType="tmRoot"/>
+      </p:par>
+    </p:tnLst>
+  </p:timing>
+</p:sld>
+</file>
+
+<file path=ppt/slides/slide31.xml><?xml version="1.0" encoding="utf-8"?>
+<p:sld xmlns:a="http://schemas.openxmlformats.org/drawingml/2006/main" xmlns:r="http://schemas.openxmlformats.org/officeDocument/2006/relationships" xmlns:p="http://schemas.openxmlformats.org/presentationml/2006/main">
+  <p:cSld>
+    <p:spTree>
+      <p:nvGrpSpPr>
+        <p:cNvPr id="1" name=""/>
+        <p:cNvGrpSpPr/>
+        <p:nvPr/>
+      </p:nvGrpSpPr>
+      <p:grpSpPr>
+        <a:xfrm>
+          <a:off x="0" y="0"/>
+          <a:ext cx="0" cy="0"/>
+          <a:chOff x="0" y="0"/>
+          <a:chExt cx="0" cy="0"/>
+        </a:xfrm>
+      </p:grpSpPr>
+      <p:sp>
+        <p:nvSpPr>
+          <p:cNvPr id="2" name="标题 1"/>
+          <p:cNvSpPr>
+            <a:spLocks noGrp="1"/>
+          </p:cNvSpPr>
+          <p:nvPr>
+            <p:ph type="title"/>
+          </p:nvPr>
+        </p:nvSpPr>
+        <p:spPr/>
+        <p:txBody>
+          <a:bodyPr/>
+          <a:lstStyle/>
+          <a:p>
+            <a:pPr algn="l"/>
+            <a:r>
+              <a:rPr lang="en-US" altLang="zh-CN" dirty="0" smtClean="0"/>
+              <a:t>2.5 </a:t>
+            </a:r>
+            <a:r>
+              <a:rPr lang="zh-CN" altLang="en-US" dirty="0" smtClean="0"/>
+              <a:t>迈向深度学习</a:t>
+            </a:r>
+            <a:endParaRPr lang="zh-CN" altLang="en-US" dirty="0"/>
+          </a:p>
+        </p:txBody>
+      </p:sp>
+      <p:sp>
+        <p:nvSpPr>
+          <p:cNvPr id="3" name="内容占位符 2"/>
+          <p:cNvSpPr>
+            <a:spLocks noGrp="1"/>
+          </p:cNvSpPr>
+          <p:nvPr>
+            <p:ph idx="1"/>
+          </p:nvPr>
+        </p:nvSpPr>
+        <p:spPr/>
+        <p:txBody>
+          <a:bodyPr/>
+          <a:lstStyle/>
+          <a:p>
+            <a:r>
+              <a:rPr lang="zh-CN" altLang="en-US" dirty="0"/>
+              <a:t>包含这种多层结构 </a:t>
+            </a:r>
+            <a:r>
+              <a:rPr lang="en-US" altLang="zh-CN" dirty="0"/>
+              <a:t>—— </a:t>
+            </a:r>
+            <a:r>
+              <a:rPr lang="zh-CN" altLang="en-US" dirty="0"/>
+              <a:t>两层或更多隐藏层 </a:t>
+            </a:r>
+            <a:r>
+              <a:rPr lang="en-US" altLang="zh-CN" dirty="0"/>
+              <a:t>—— </a:t>
+            </a:r>
+            <a:r>
+              <a:rPr lang="zh-CN" altLang="en-US" dirty="0"/>
+              <a:t>的⽹络被称为</a:t>
+            </a:r>
+            <a:r>
+              <a:rPr lang="zh-CN" altLang="en-US" b="1" dirty="0" smtClean="0"/>
+              <a:t>深度神经</a:t>
+            </a:r>
+            <a:r>
+              <a:rPr lang="zh-CN" altLang="en-US" b="1" dirty="0"/>
+              <a:t>⽹络</a:t>
+            </a:r>
+            <a:r>
+              <a:rPr lang="zh-CN" altLang="en-US" dirty="0"/>
+              <a:t>。</a:t>
+            </a:r>
+          </a:p>
+        </p:txBody>
+      </p:sp>
+    </p:spTree>
+    <p:extLst>
+      <p:ext uri="{BB962C8B-B14F-4D97-AF65-F5344CB8AC3E}">
+        <p14:creationId xmlns:p14="http://schemas.microsoft.com/office/powerpoint/2010/main" val="350755144"/>
+      </p:ext>
+    </p:extLst>
+  </p:cSld>
+  <p:clrMapOvr>
+    <a:masterClrMapping/>
+  </p:clrMapOvr>
+  <p:timing>
+    <p:tnLst>
+      <p:par>
+        <p:cTn id="1" dur="indefinite" restart="never" nodeType="tmRoot"/>
+      </p:par>
+    </p:tnLst>
+  </p:timing>
+</p:sld>
+</file>
+
+<file path=ppt/slides/slide32.xml><?xml version="1.0" encoding="utf-8"?>
+<p:sld xmlns:a="http://schemas.openxmlformats.org/drawingml/2006/main" xmlns:r="http://schemas.openxmlformats.org/officeDocument/2006/relationships" xmlns:p="http://schemas.openxmlformats.org/presentationml/2006/main">
+  <p:cSld>
+    <p:spTree>
+      <p:nvGrpSpPr>
+        <p:cNvPr id="1" name=""/>
+        <p:cNvGrpSpPr/>
+        <p:nvPr/>
+      </p:nvGrpSpPr>
+      <p:grpSpPr>
+        <a:xfrm>
+          <a:off x="0" y="0"/>
+          <a:ext cx="0" cy="0"/>
+          <a:chOff x="0" y="0"/>
+          <a:chExt cx="0" cy="0"/>
+        </a:xfrm>
+      </p:grpSpPr>
+      <p:sp>
+        <p:nvSpPr>
+          <p:cNvPr id="4" name="标题 1"/>
+          <p:cNvSpPr>
+            <a:spLocks noGrp="1"/>
+          </p:cNvSpPr>
+          <p:nvPr>
+            <p:ph type="title"/>
+          </p:nvPr>
+        </p:nvSpPr>
+        <p:spPr>
+          <a:xfrm>
+            <a:off x="467544" y="2204864"/>
+            <a:ext cx="8229600" cy="1600200"/>
+          </a:xfrm>
+        </p:spPr>
+        <p:txBody>
+          <a:bodyPr/>
+          <a:lstStyle/>
+          <a:p>
+            <a:pPr algn="l"/>
+            <a:r>
+              <a:rPr lang="zh-CN" altLang="en-US" sz="3200" dirty="0" smtClean="0"/>
+              <a:t>第三节</a:t>
+            </a:r>
+            <a:r>
+              <a:rPr lang="en-US" altLang="zh-CN" dirty="0" smtClean="0"/>
+              <a:t/>
+            </a:r>
+            <a:br>
+              <a:rPr lang="en-US" altLang="zh-CN" dirty="0" smtClean="0"/>
+            </a:br>
+            <a:r>
+              <a:rPr lang="en-US" altLang="zh-CN" dirty="0" smtClean="0"/>
+              <a:t>		</a:t>
+            </a:r>
+            <a:r>
+              <a:rPr lang="zh-CN" altLang="en-US" dirty="0" smtClean="0"/>
+              <a:t>反向传播</a:t>
+            </a:r>
+            <a:endParaRPr lang="zh-CN" altLang="en-US" dirty="0"/>
+          </a:p>
+        </p:txBody>
+      </p:sp>
+    </p:spTree>
+    <p:extLst>
+      <p:ext uri="{BB962C8B-B14F-4D97-AF65-F5344CB8AC3E}">
+        <p14:creationId xmlns:p14="http://schemas.microsoft.com/office/powerpoint/2010/main" val="1445900355"/>
+      </p:ext>
+    </p:extLst>
+  </p:cSld>
+  <p:clrMapOvr>
+    <a:masterClrMapping/>
+  </p:clrMapOvr>
+  <p:timing>
+    <p:tnLst>
+      <p:par>
+        <p:cTn id="1" dur="indefinite" restart="never" nodeType="tmRoot"/>
+      </p:par>
+    </p:tnLst>
+  </p:timing>
+</p:sld>
+</file>
+
+<file path=ppt/slides/slide33.xml><?xml version="1.0" encoding="utf-8"?>
+<p:sld xmlns:a="http://schemas.openxmlformats.org/drawingml/2006/main" xmlns:r="http://schemas.openxmlformats.org/officeDocument/2006/relationships" xmlns:p="http://schemas.openxmlformats.org/presentationml/2006/main">
+  <p:cSld>
+    <p:spTree>
+      <p:nvGrpSpPr>
+        <p:cNvPr id="1" name=""/>
+        <p:cNvGrpSpPr/>
+        <p:nvPr/>
+      </p:nvGrpSpPr>
+      <p:grpSpPr>
+        <a:xfrm>
+          <a:off x="0" y="0"/>
+          <a:ext cx="0" cy="0"/>
+          <a:chOff x="0" y="0"/>
+          <a:chExt cx="0" cy="0"/>
+        </a:xfrm>
+      </p:grpSpPr>
+      <p:sp>
+        <p:nvSpPr>
+          <p:cNvPr id="2" name="标题 1"/>
+          <p:cNvSpPr>
+            <a:spLocks noGrp="1"/>
+          </p:cNvSpPr>
+          <p:nvPr>
+            <p:ph type="title"/>
+          </p:nvPr>
+        </p:nvSpPr>
+        <p:spPr/>
+        <p:txBody>
+          <a:bodyPr/>
+          <a:lstStyle/>
+          <a:p>
+            <a:pPr algn="l"/>
+            <a:r>
+              <a:rPr lang="en-US" altLang="zh-CN" sz="3200" dirty="0" smtClean="0"/>
+              <a:t>3.1</a:t>
+            </a:r>
+            <a:r>
+              <a:rPr lang="zh-CN" altLang="en-US" sz="3200" dirty="0"/>
+              <a:t>神经⽹络中使⽤矩阵快速计算输出的⽅法</a:t>
+            </a:r>
+          </a:p>
+        </p:txBody>
+      </p:sp>
+      <p:sp>
+        <p:nvSpPr>
+          <p:cNvPr id="3" name="内容占位符 2"/>
+          <p:cNvSpPr>
+            <a:spLocks noGrp="1"/>
+          </p:cNvSpPr>
+          <p:nvPr>
+            <p:ph idx="1"/>
+          </p:nvPr>
+        </p:nvSpPr>
+        <p:spPr/>
+        <p:txBody>
+          <a:bodyPr/>
+          <a:lstStyle/>
+          <a:p>
+            <a:endParaRPr lang="zh-CN" altLang="en-US" dirty="0"/>
+          </a:p>
+        </p:txBody>
+      </p:sp>
+      <p:pic>
+        <p:nvPicPr>
+          <p:cNvPr id="23554" name="Picture 2"/>
+          <p:cNvPicPr>
+            <a:picLocks noChangeAspect="1" noChangeArrowheads="1"/>
+          </p:cNvPicPr>
+          <p:nvPr/>
+        </p:nvPicPr>
+        <p:blipFill>
+          <a:blip r:embed="rId2">
+            <a:extLst>
+              <a:ext uri="{28A0092B-C50C-407E-A947-70E740481C1C}">
+                <a14:useLocalDpi xmlns:a14="http://schemas.microsoft.com/office/drawing/2010/main" val="0"/>
+              </a:ext>
+            </a:extLst>
+          </a:blip>
+          <a:srcRect/>
+          <a:stretch>
+            <a:fillRect/>
+          </a:stretch>
+        </p:blipFill>
+        <p:spPr bwMode="auto">
+          <a:xfrm>
+            <a:off x="683568" y="2208989"/>
+            <a:ext cx="8069599" cy="3456384"/>
+          </a:xfrm>
+          <a:prstGeom prst="rect">
+            <a:avLst/>
+          </a:prstGeom>
+          <a:noFill/>
+          <a:ln>
+            <a:noFill/>
+          </a:ln>
+          <a:extLst>
+            <a:ext uri="{909E8E84-426E-40DD-AFC4-6F175D3DCCD1}">
+              <a14:hiddenFill xmlns:a14="http://schemas.microsoft.com/office/drawing/2010/main">
+                <a:solidFill>
+                  <a:schemeClr val="accent1"/>
+                </a:solidFill>
+              </a14:hiddenFill>
+            </a:ext>
+            <a:ext uri="{91240B29-F687-4F45-9708-019B960494DF}">
+              <a14:hiddenLine xmlns:a14="http://schemas.microsoft.com/office/drawing/2010/main" w="9525">
+                <a:solidFill>
+                  <a:schemeClr val="tx1"/>
+                </a:solidFill>
+                <a:miter lim="800000"/>
+                <a:headEnd/>
+                <a:tailEnd/>
+              </a14:hiddenLine>
+            </a:ext>
+          </a:extLst>
+        </p:spPr>
+      </p:pic>
+    </p:spTree>
+    <p:extLst>
+      <p:ext uri="{BB962C8B-B14F-4D97-AF65-F5344CB8AC3E}">
+        <p14:creationId xmlns:p14="http://schemas.microsoft.com/office/powerpoint/2010/main" val="2153673975"/>
+      </p:ext>
+    </p:extLst>
+  </p:cSld>
+  <p:clrMapOvr>
+    <a:masterClrMapping/>
+  </p:clrMapOvr>
+  <p:timing>
+    <p:tnLst>
+      <p:par>
+        <p:cTn id="1" dur="indefinite" restart="never" nodeType="tmRoot"/>
+      </p:par>
+    </p:tnLst>
+  </p:timing>
+</p:sld>
+</file>
+
+<file path=ppt/slides/slide34.xml><?xml version="1.0" encoding="utf-8"?>
+<p:sld xmlns:a="http://schemas.openxmlformats.org/drawingml/2006/main" xmlns:r="http://schemas.openxmlformats.org/officeDocument/2006/relationships" xmlns:p="http://schemas.openxmlformats.org/presentationml/2006/main">
+  <p:cSld>
+    <p:spTree>
+      <p:nvGrpSpPr>
+        <p:cNvPr id="1" name=""/>
+        <p:cNvGrpSpPr/>
+        <p:nvPr/>
+      </p:nvGrpSpPr>
+      <p:grpSpPr>
+        <a:xfrm>
+          <a:off x="0" y="0"/>
+          <a:ext cx="0" cy="0"/>
+          <a:chOff x="0" y="0"/>
+          <a:chExt cx="0" cy="0"/>
+        </a:xfrm>
+      </p:grpSpPr>
+      <p:sp>
+        <p:nvSpPr>
+          <p:cNvPr id="2" name="标题 1"/>
+          <p:cNvSpPr>
+            <a:spLocks noGrp="1"/>
+          </p:cNvSpPr>
+          <p:nvPr>
+            <p:ph type="title"/>
+          </p:nvPr>
+        </p:nvSpPr>
+        <p:spPr/>
+        <p:txBody>
+          <a:bodyPr/>
+          <a:lstStyle/>
+          <a:p>
+            <a:r>
+              <a:rPr lang="en-US" altLang="zh-CN" sz="3200" dirty="0"/>
+              <a:t>3.1</a:t>
+            </a:r>
+            <a:r>
+              <a:rPr lang="zh-CN" altLang="en-US" sz="3200" dirty="0"/>
+              <a:t>神经⽹络中使⽤矩阵快速计算输出的⽅法</a:t>
+            </a:r>
+          </a:p>
+        </p:txBody>
+      </p:sp>
+      <p:sp>
+        <p:nvSpPr>
+          <p:cNvPr id="3" name="内容占位符 2"/>
+          <p:cNvSpPr>
+            <a:spLocks noGrp="1"/>
+          </p:cNvSpPr>
+          <p:nvPr>
+            <p:ph idx="1"/>
+          </p:nvPr>
+        </p:nvSpPr>
+        <p:spPr/>
+        <p:txBody>
+          <a:bodyPr/>
+          <a:lstStyle/>
+          <a:p>
+            <a:endParaRPr lang="zh-CN" altLang="en-US"/>
+          </a:p>
+        </p:txBody>
+      </p:sp>
+    </p:spTree>
+    <p:extLst>
+      <p:ext uri="{BB962C8B-B14F-4D97-AF65-F5344CB8AC3E}">
+        <p14:creationId xmlns:p14="http://schemas.microsoft.com/office/powerpoint/2010/main" val="4127569148"/>
       </p:ext>
     </p:extLst>
   </p:cSld>

--- a/深度学习数学原理初探.pptx
+++ b/深度学习数学原理初探.pptx
@@ -240,7 +240,7 @@
       </p14:sectionLst>
     </p:ext>
     <p:ext uri="{EFAFB233-063F-42B5-8137-9DF3F51BA10A}">
-      <p15:sldGuideLst xmlns:p15="http://schemas.microsoft.com/office/powerpoint/2012/main">
+      <p15:sldGuideLst xmlns:p15="http://schemas.microsoft.com/office/powerpoint/2012/main" xmlns="">
         <p15:guide id="1" orient="horz" pos="2160">
           <p15:clr>
             <a:srgbClr val="A4A3A4"/>
@@ -339,7 +339,7 @@
           <a:p>
             <a:fld id="{810C4864-C67C-4CCE-9DEC-A8F3799DCA3C}" type="datetimeFigureOut">
               <a:rPr lang="zh-CN" altLang="en-US" smtClean="0"/>
-              <a:t>2019/10/14</a:t>
+              <a:t>2019/10/15</a:t>
             </a:fld>
             <a:endParaRPr lang="zh-CN" altLang="en-US"/>
           </a:p>
@@ -2534,43 +2534,7 @@
           <a:p>
             <a:r>
               <a:rPr lang="zh-CN" altLang="en-US" dirty="0" smtClean="0"/>
-              <a:t>为什么</a:t>
-            </a:r>
-            <a:r>
-              <a:rPr lang="zh-CN" altLang="en-US" dirty="0" smtClean="0"/>
-              <a:t>要介绍⼆次代价呢？毕竟我们最初感兴趣的内容不是能正确分类的图像数量吗？为什么不试着直接最⼤化这个数量，⽽是去最⼩化⼀个类似⼆次代价的间接评量呢？这么做是</a:t>
-            </a:r>
-            <a:r>
-              <a:rPr lang="zh-CN" altLang="en-US" dirty="0" smtClean="0"/>
-              <a:t>因为在</a:t>
-            </a:r>
-            <a:r>
-              <a:rPr lang="zh-CN" altLang="en-US" dirty="0" smtClean="0"/>
-              <a:t>神经⽹络中，被正确分类的图像数量所关于权重和偏置的函数并不是⼀个平滑的函数。⼤</a:t>
-            </a:r>
-            <a:r>
-              <a:rPr lang="zh-CN" altLang="en-US" dirty="0" smtClean="0"/>
-              <a:t>多数</a:t>
-            </a:r>
-            <a:r>
-              <a:rPr lang="zh-CN" altLang="en-US" dirty="0" smtClean="0"/>
-              <a:t>情况下，对权重和偏置做出的微⼩变动完全不会影响被正确分类的图像的数量。这会导致我 们很难去解决如何改变权重和偏置来取得改进的性能。⽽⽤⼀个类似⼆次代价的平滑</a:t>
-            </a:r>
-            <a:r>
-              <a:rPr lang="zh-CN" altLang="en-US" dirty="0" smtClean="0"/>
-              <a:t>代价函数则</a:t>
-            </a:r>
-            <a:r>
-              <a:rPr lang="zh-CN" altLang="en-US" dirty="0" smtClean="0"/>
-              <a:t>能更好地去解决如何⽤权重和偏置中的微⼩的改变来取得更好的效果。这就是为什么我们</a:t>
-            </a:r>
-            <a:r>
-              <a:rPr lang="zh-CN" altLang="en-US" dirty="0" smtClean="0"/>
-              <a:t>⾸先</a:t>
-            </a:r>
-            <a:r>
-              <a:rPr lang="zh-CN" altLang="en-US" dirty="0" smtClean="0"/>
-              <a:t>专注于最⼩化⼆次代价，只有这样，我们之后才能测试分类精度。 </a:t>
+              <a:t>为什么要介绍⼆次代价呢？毕竟我们最初感兴趣的内容不是能正确分类的图像数量吗？为什么不试着直接最⼤化这个数量，⽽是去最⼩化⼀个类似⼆次代价的间接评量呢？这么做是因为在神经⽹络中，被正确分类的图像数量所关于权重和偏置的函数并不是⼀个平滑的函数。⼤多数情况下，对权重和偏置做出的微⼩变动完全不会影响被正确分类的图像的数量。这会导致我 们很难去解决如何改变权重和偏置来取得改进的性能。⽽⽤⼀个类似⼆次代价的平滑代价函数则能更好地去解决如何⽤权重和偏置中的微⼩的改变来取得更好的效果。这就是为什么我们⾸先专注于最⼩化⼆次代价，只有这样，我们之后才能测试分类精度。 </a:t>
             </a:r>
             <a:endParaRPr lang="zh-CN" altLang="en-US" dirty="0"/>
           </a:p>
@@ -3506,7 +3470,6 @@
               <a:rPr lang="zh-CN" altLang="en-US" dirty="0" smtClean="0"/>
               <a:t>获得⼀个全局的最⼩值。 </a:t>
             </a:r>
-            <a:endParaRPr lang="zh-CN" altLang="en-US" dirty="0" smtClean="0"/>
           </a:p>
           <a:p>
             <a:endParaRPr lang="zh-CN" altLang="en-US" dirty="0"/>
@@ -4065,35 +4028,7 @@
           <a:p>
             <a:r>
               <a:rPr lang="zh-CN" altLang="en-US" dirty="0" smtClean="0"/>
-              <a:t>应</a:t>
-            </a:r>
-            <a:r>
-              <a:rPr lang="zh-CN" altLang="en-US" dirty="0" smtClean="0"/>
-              <a:t>⽤梯度下降规则有很多挑战</a:t>
-            </a:r>
-            <a:r>
-              <a:rPr lang="zh-CN" altLang="en-US" dirty="0" smtClean="0"/>
-              <a:t>。我们</a:t>
-            </a:r>
-            <a:r>
-              <a:rPr lang="zh-CN" altLang="en-US" dirty="0" smtClean="0"/>
-              <a:t>先</a:t>
-            </a:r>
-            <a:r>
-              <a:rPr lang="zh-CN" altLang="en-US" dirty="0" smtClean="0"/>
-              <a:t>回顾⼆</a:t>
-            </a:r>
-            <a:r>
-              <a:rPr lang="zh-CN" altLang="en-US" dirty="0" smtClean="0"/>
-              <a:t>次</a:t>
-            </a:r>
-            <a:r>
-              <a:rPr lang="zh-CN" altLang="en-US" dirty="0" smtClean="0"/>
-              <a:t>代价方程。</a:t>
-            </a:r>
-            <a:r>
-              <a:rPr lang="zh-CN" altLang="en-US" dirty="0" smtClean="0"/>
-              <a:t>注意这个代价函数有着这样的形式 </a:t>
+              <a:t>应⽤梯度下降规则有很多挑战。我们先回顾⼆次代价方程。注意这个代价函数有着这样的形式 </a:t>
             </a:r>
             <a:r>
               <a:rPr lang="en-US" altLang="zh-CN" dirty="0" smtClean="0"/>
@@ -4125,15 +4060,7 @@
             </a:r>
             <a:r>
               <a:rPr lang="zh-CN" altLang="en-US" dirty="0" smtClean="0"/>
-              <a:t>，</a:t>
-            </a:r>
-            <a:r>
-              <a:rPr lang="zh-CN" altLang="en-US" dirty="0" smtClean="0"/>
-              <a:t>我们需要</a:t>
-            </a:r>
-            <a:r>
-              <a:rPr lang="zh-CN" altLang="en-US" dirty="0" smtClean="0"/>
-              <a:t>为每个训练输⼊ </a:t>
+              <a:t>，我们需要为每个训练输⼊ </a:t>
             </a:r>
             <a:r>
               <a:rPr lang="en-US" altLang="zh-CN" dirty="0" smtClean="0"/>
@@ -4177,15 +4104,7 @@
             </a:r>
             <a:r>
               <a:rPr lang="zh-CN" altLang="en-US" dirty="0" smtClean="0"/>
-              <a:t>。通过计算少量样本的平均值我们可以快速得到⼀个对于实际</a:t>
-            </a:r>
-            <a:r>
-              <a:rPr lang="zh-CN" altLang="en-US" dirty="0" smtClean="0"/>
-              <a:t>梯度 </a:t>
-            </a:r>
-            <a:r>
-              <a:rPr lang="zh-CN" altLang="en-US" dirty="0" smtClean="0"/>
-              <a:t>∇</a:t>
+              <a:t>。通过计算少量样本的平均值我们可以快速得到⼀个对于实际梯度 ∇</a:t>
             </a:r>
             <a:r>
               <a:rPr lang="en-US" altLang="zh-CN" dirty="0" smtClean="0"/>
@@ -4193,11 +4112,7 @@
             </a:r>
             <a:r>
               <a:rPr lang="zh-CN" altLang="en-US" dirty="0" smtClean="0"/>
-              <a:t>的很好的估算，这有助于加速梯度下降，进⽽加速学习过程</a:t>
-            </a:r>
-            <a:r>
-              <a:rPr lang="zh-CN" altLang="en-US" dirty="0" smtClean="0"/>
-              <a:t>。</a:t>
+              <a:t>的很好的估算，这有助于加速梯度下降，进⽽加速学习过程。</a:t>
             </a:r>
             <a:endParaRPr lang="zh-CN" altLang="en-US" dirty="0"/>
           </a:p>
@@ -4359,19 +4274,7 @@
           <a:p>
             <a:r>
               <a:rPr lang="zh-CN" altLang="en-US" dirty="0" smtClean="0"/>
-              <a:t>证实</a:t>
-            </a:r>
-            <a:r>
-              <a:rPr lang="zh-CN" altLang="en-US" dirty="0" smtClean="0"/>
-              <a:t>了我们可以通过仅仅计算随机选取的⼩批量数据的梯度来估算整体的梯度</a:t>
-            </a:r>
-            <a:r>
-              <a:rPr lang="zh-CN" altLang="en-US" dirty="0" smtClean="0"/>
-              <a:t>。</a:t>
-            </a:r>
-            <a:r>
-              <a:rPr lang="zh-CN" altLang="en-US" dirty="0" smtClean="0"/>
-              <a:t>为了将其明确地和神经⽹络的学习联系起来，假设 </a:t>
+              <a:t>证实了我们可以通过仅仅计算随机选取的⼩批量数据的梯度来估算整体的梯度。为了将其明确地和神经⽹络的学习联系起来，假设 </a:t>
             </a:r>
             <a:r>
               <a:rPr lang="en-US" altLang="zh-CN" dirty="0" err="1" smtClean="0"/>
@@ -4495,23 +4398,7 @@
             </a:r>
             <a:r>
               <a:rPr lang="zh-CN" altLang="en-US" dirty="0" smtClean="0"/>
-              <a:t>上进⾏的。然后我们再挑选另⼀</a:t>
-            </a:r>
-            <a:r>
-              <a:rPr lang="zh-CN" altLang="en-US" dirty="0" smtClean="0"/>
-              <a:t>随机</a:t>
-            </a:r>
-            <a:r>
-              <a:rPr lang="zh-CN" altLang="en-US" dirty="0" smtClean="0"/>
-              <a:t>选定的⼩批量数据去训练。直到我们⽤完了所有的训练输⼊，这被称为完成了⼀个训练</a:t>
-            </a:r>
-            <a:r>
-              <a:rPr lang="zh-CN" altLang="en-US" dirty="0" smtClean="0"/>
-              <a:t>迭代期</a:t>
-            </a:r>
-            <a:r>
-              <a:rPr lang="zh-CN" altLang="en-US" dirty="0" smtClean="0"/>
-              <a:t>（</a:t>
+              <a:t>上进⾏的。然后我们再挑选另⼀随机选定的⼩批量数据去训练。直到我们⽤完了所有的训练输⼊，这被称为完成了⼀个训练迭代期（</a:t>
             </a:r>
             <a:r>
               <a:rPr lang="en-US" altLang="zh-CN" dirty="0" smtClean="0"/>
@@ -4526,15 +4413,35 @@
           <a:p>
             <a:r>
               <a:rPr lang="zh-CN" altLang="en-US" dirty="0" smtClean="0"/>
-              <a:t>我们可以把随机梯度下降想象成⼀次⺠意调查：在⼀个⼩批量数据上采样⽐对⼀个完整数据 集进⾏梯度下降分析要容易得多，正如进⾏⼀次⺠意调查⽐举⾏⼀次全⺠选举要更容易。例如， 如果我们有⼀个规模为 </a:t>
-            </a:r>
-            <a:r>
-              <a:rPr lang="en-US" altLang="zh-CN" dirty="0" smtClean="0"/>
-              <a:t>n = 60, 000 </a:t>
-            </a:r>
-            <a:r>
-              <a:rPr lang="zh-CN" altLang="en-US" dirty="0" smtClean="0"/>
-              <a:t>的训练集，就像 </a:t>
+              <a:t>我们可以把随机梯度下降想象成⼀次⺠意调查：在⼀个⼩批量数据上采样⽐对⼀个完整数据 集进⾏梯度下降分析要容易得多，正如进⾏⼀次⺠意调查⽐举⾏⼀次全⺠选举要更容易。例如</a:t>
+            </a:r>
+            <a:r>
+              <a:rPr lang="zh-CN" altLang="en-US" dirty="0" smtClean="0"/>
+              <a:t>，如果</a:t>
+            </a:r>
+            <a:r>
+              <a:rPr lang="zh-CN" altLang="en-US" dirty="0" smtClean="0"/>
+              <a:t>我们有⼀个规模</a:t>
+            </a:r>
+            <a:r>
+              <a:rPr lang="zh-CN" altLang="en-US" dirty="0" smtClean="0"/>
+              <a:t>为</a:t>
+            </a:r>
+            <a:r>
+              <a:rPr lang="en-US" altLang="zh-CN" dirty="0" smtClean="0"/>
+              <a:t>n=60,000</a:t>
+            </a:r>
+            <a:r>
+              <a:rPr lang="zh-CN" altLang="en-US" dirty="0" smtClean="0"/>
+              <a:t>的</a:t>
+            </a:r>
+            <a:r>
+              <a:rPr lang="zh-CN" altLang="en-US" dirty="0" smtClean="0"/>
+              <a:t>训练集，就</a:t>
+            </a:r>
+            <a:r>
+              <a:rPr lang="zh-CN" altLang="en-US" dirty="0" smtClean="0"/>
+              <a:t>像</a:t>
             </a:r>
             <a:r>
               <a:rPr lang="en-US" altLang="zh-CN" dirty="0" smtClean="0"/>
@@ -4542,43 +4449,71 @@
             </a:r>
             <a:r>
               <a:rPr lang="zh-CN" altLang="en-US" dirty="0" smtClean="0"/>
-              <a:t>，并选取⼩批量数据 ⼤⼩为 </a:t>
-            </a:r>
-            <a:r>
-              <a:rPr lang="en-US" altLang="zh-CN" dirty="0" smtClean="0"/>
-              <a:t>m = 10</a:t>
-            </a:r>
-            <a:r>
-              <a:rPr lang="zh-CN" altLang="en-US" dirty="0" smtClean="0"/>
-              <a:t>， 这意味着在估算梯度过程中加速了 </a:t>
-            </a:r>
-            <a:r>
-              <a:rPr lang="en-US" altLang="zh-CN" dirty="0" smtClean="0"/>
-              <a:t>6, 000 </a:t>
-            </a:r>
-            <a:r>
-              <a:rPr lang="zh-CN" altLang="en-US" dirty="0" smtClean="0"/>
-              <a:t>倍！当然，这个估算并不是完美的 </a:t>
-            </a:r>
-            <a:r>
-              <a:rPr lang="en-US" altLang="zh-CN" dirty="0" smtClean="0"/>
-              <a:t>—— </a:t>
-            </a:r>
-            <a:r>
-              <a:rPr lang="zh-CN" altLang="en-US" dirty="0" smtClean="0"/>
-              <a:t>存在统计</a:t>
-            </a:r>
-            <a:r>
-              <a:rPr lang="zh-CN" altLang="en-US" dirty="0" smtClean="0"/>
-              <a:t>波动 </a:t>
-            </a:r>
-            <a:r>
-              <a:rPr lang="en-US" altLang="zh-CN" dirty="0" smtClean="0"/>
-              <a:t>—— </a:t>
-            </a:r>
-            <a:r>
-              <a:rPr lang="zh-CN" altLang="en-US" dirty="0" smtClean="0"/>
-              <a:t>但是没必要完美：我们实际关⼼的是在某个⽅向上移动来减少 </a:t>
+              <a:t>，并选取⼩批量</a:t>
+            </a:r>
+            <a:r>
+              <a:rPr lang="zh-CN" altLang="en-US" dirty="0" smtClean="0"/>
+              <a:t>数据⼤⼩为</a:t>
+            </a:r>
+            <a:r>
+              <a:rPr lang="en-US" altLang="zh-CN" dirty="0" smtClean="0"/>
+              <a:t>m=10</a:t>
+            </a:r>
+            <a:r>
+              <a:rPr lang="zh-CN" altLang="en-US" dirty="0" smtClean="0"/>
+              <a:t>，这</a:t>
+            </a:r>
+            <a:r>
+              <a:rPr lang="zh-CN" altLang="en-US" dirty="0" smtClean="0"/>
+              <a:t>意味着在估算梯度过程中加速</a:t>
+            </a:r>
+            <a:r>
+              <a:rPr lang="zh-CN" altLang="en-US" dirty="0" smtClean="0"/>
+              <a:t>了</a:t>
+            </a:r>
+            <a:r>
+              <a:rPr lang="en-US" altLang="zh-CN" dirty="0" smtClean="0"/>
+              <a:t>6,000</a:t>
+            </a:r>
+            <a:r>
+              <a:rPr lang="zh-CN" altLang="en-US" dirty="0" smtClean="0"/>
+              <a:t>倍</a:t>
+            </a:r>
+            <a:r>
+              <a:rPr lang="zh-CN" altLang="en-US" dirty="0" smtClean="0"/>
+              <a:t>！当然，这个估算并不是完美</a:t>
+            </a:r>
+            <a:r>
+              <a:rPr lang="zh-CN" altLang="en-US" dirty="0" smtClean="0"/>
+              <a:t>的</a:t>
+            </a:r>
+            <a:r>
+              <a:rPr lang="en-US" altLang="zh-CN" dirty="0" smtClean="0"/>
+              <a:t>——</a:t>
+            </a:r>
+            <a:r>
+              <a:rPr lang="zh-CN" altLang="en-US" dirty="0" smtClean="0"/>
+              <a:t>存在</a:t>
+            </a:r>
+            <a:r>
+              <a:rPr lang="zh-CN" altLang="en-US" dirty="0" smtClean="0"/>
+              <a:t>统计</a:t>
+            </a:r>
+            <a:r>
+              <a:rPr lang="zh-CN" altLang="en-US" dirty="0" smtClean="0"/>
+              <a:t>波动</a:t>
+            </a:r>
+            <a:r>
+              <a:rPr lang="en-US" altLang="zh-CN" dirty="0" smtClean="0"/>
+              <a:t>——</a:t>
+            </a:r>
+            <a:r>
+              <a:rPr lang="zh-CN" altLang="en-US" dirty="0" smtClean="0"/>
+              <a:t>但是</a:t>
+            </a:r>
+            <a:r>
+              <a:rPr lang="zh-CN" altLang="en-US" dirty="0" smtClean="0"/>
+              <a:t>没必要完美：我们实际关⼼的是在某个⽅向上移动来减少 </a:t>
             </a:r>
             <a:r>
               <a:rPr lang="en-US" altLang="zh-CN" dirty="0" smtClean="0"/>
@@ -4586,34 +4521,18 @@
             </a:r>
             <a:r>
               <a:rPr lang="zh-CN" altLang="en-US" dirty="0" smtClean="0"/>
-              <a:t>，⽽这意味着我们不</a:t>
-            </a:r>
-            <a:r>
-              <a:rPr lang="zh-CN" altLang="en-US" dirty="0" smtClean="0"/>
-              <a:t>需要</a:t>
-            </a:r>
-            <a:r>
-              <a:rPr lang="zh-CN" altLang="en-US" dirty="0" smtClean="0"/>
-              <a:t>梯度的精确计算。在实践中，随机梯度下降是在神经⽹络的学习中被⼴泛使⽤、⼗分有效</a:t>
-            </a:r>
-            <a:r>
-              <a:rPr lang="zh-CN" altLang="en-US" dirty="0" smtClean="0"/>
-              <a:t>的技术</a:t>
-            </a:r>
-            <a:r>
-              <a:rPr lang="zh-CN" altLang="en-US" dirty="0" smtClean="0"/>
-              <a:t>，</a:t>
+              <a:t>，⽽这意味着我们不需要梯度的精确计算。在实践中，随机梯度下降是在神经⽹络的学习中被⼴泛使⽤、⼗分有效的技术，</a:t>
             </a:r>
             <a:endParaRPr lang="en-US" altLang="zh-CN" dirty="0" smtClean="0"/>
           </a:p>
           <a:p>
             <a:r>
-              <a:rPr lang="en-US" altLang="zh-CN" dirty="0" smtClean="0"/>
-              <a:t>• </a:t>
-            </a:r>
-            <a:r>
-              <a:rPr lang="zh-CN" altLang="en-US" dirty="0" smtClean="0"/>
-              <a:t>梯度下降算法⼀个极端的版本是把⼩批量数据的⼤⼩设为 </a:t>
+              <a:rPr lang="zh-CN" altLang="en-US" dirty="0" smtClean="0"/>
+              <a:t>梯度</a:t>
+            </a:r>
+            <a:r>
+              <a:rPr lang="zh-CN" altLang="en-US" dirty="0" smtClean="0"/>
+              <a:t>下降算法⼀个极端的版本是把⼩批量数据的⼤⼩设为 </a:t>
             </a:r>
             <a:r>
               <a:rPr lang="en-US" altLang="zh-CN" dirty="0" smtClean="0"/>
@@ -4621,7 +4540,11 @@
             </a:r>
             <a:r>
               <a:rPr lang="zh-CN" altLang="en-US" dirty="0" smtClean="0"/>
-              <a:t>。即，假设⼀个训练输⼊ </a:t>
+              <a:t>。即，假设⼀个训练输</a:t>
+            </a:r>
+            <a:r>
+              <a:rPr lang="zh-CN" altLang="en-US" dirty="0" smtClean="0"/>
+              <a:t>⼊</a:t>
             </a:r>
             <a:r>
               <a:rPr lang="en-US" altLang="zh-CN" dirty="0" smtClean="0"/>
@@ -4629,7 +4552,15 @@
             </a:r>
             <a:r>
               <a:rPr lang="zh-CN" altLang="en-US" dirty="0" smtClean="0"/>
-              <a:t>，我 们按照规则 </a:t>
+              <a:t>，我们</a:t>
+            </a:r>
+            <a:r>
+              <a:rPr lang="zh-CN" altLang="en-US" dirty="0" smtClean="0"/>
+              <a:t>按照</a:t>
+            </a:r>
+            <a:r>
+              <a:rPr lang="zh-CN" altLang="en-US" dirty="0" smtClean="0"/>
+              <a:t>规则</a:t>
             </a:r>
             <a:r>
               <a:rPr lang="en-US" altLang="zh-CN" dirty="0" err="1" smtClean="0"/>
@@ -4637,7 +4568,11 @@
             </a:r>
             <a:r>
               <a:rPr lang="en-US" altLang="zh-CN" dirty="0" smtClean="0"/>
-              <a:t> → w ′ k = </a:t>
+              <a:t> </a:t>
+            </a:r>
+            <a:r>
+              <a:rPr lang="en-US" altLang="zh-CN" dirty="0" smtClean="0"/>
+              <a:t>→ w ′ k = </a:t>
             </a:r>
             <a:r>
               <a:rPr lang="en-US" altLang="zh-CN" dirty="0" err="1" smtClean="0"/>
@@ -4660,12 +4595,8 @@
               <a:t>wk</a:t>
             </a:r>
             <a:r>
-              <a:rPr lang="en-US" altLang="zh-CN" dirty="0" smtClean="0"/>
-              <a:t> </a:t>
-            </a:r>
-            <a:r>
-              <a:rPr lang="zh-CN" altLang="en-US" dirty="0" smtClean="0"/>
-              <a:t>和 </a:t>
+              <a:rPr lang="zh-CN" altLang="en-US" dirty="0" smtClean="0"/>
+              <a:t>和</a:t>
             </a:r>
             <a:r>
               <a:rPr lang="en-US" altLang="zh-CN" dirty="0" err="1" smtClean="0"/>
@@ -4673,7 +4604,11 @@
             </a:r>
             <a:r>
               <a:rPr lang="en-US" altLang="zh-CN" dirty="0" smtClean="0"/>
-              <a:t> → b ′ l = </a:t>
+              <a:t> </a:t>
+            </a:r>
+            <a:r>
+              <a:rPr lang="en-US" altLang="zh-CN" dirty="0" smtClean="0"/>
+              <a:t>→ b ′ l = </a:t>
             </a:r>
             <a:r>
               <a:rPr lang="en-US" altLang="zh-CN" dirty="0" err="1" smtClean="0"/>
@@ -4696,12 +4631,28 @@
               <a:t>bl</a:t>
             </a:r>
             <a:r>
-              <a:rPr lang="en-US" altLang="zh-CN" dirty="0" smtClean="0"/>
-              <a:t> </a:t>
-            </a:r>
-            <a:r>
-              <a:rPr lang="zh-CN" altLang="en-US" dirty="0" smtClean="0"/>
-              <a:t>更新我们的权重和偏 置。然后我们选取另⼀个训练输⼊，再⼀次更新权重和偏置。如此重复。这个过程被称为 在线、</a:t>
+              <a:rPr lang="zh-CN" altLang="en-US" dirty="0" smtClean="0"/>
+              <a:t>更新</a:t>
+            </a:r>
+            <a:r>
+              <a:rPr lang="zh-CN" altLang="en-US" dirty="0" smtClean="0"/>
+              <a:t>我们的权重和</a:t>
+            </a:r>
+            <a:r>
+              <a:rPr lang="zh-CN" altLang="en-US" dirty="0" smtClean="0"/>
+              <a:t>偏置</a:t>
+            </a:r>
+            <a:r>
+              <a:rPr lang="zh-CN" altLang="en-US" dirty="0" smtClean="0"/>
+              <a:t>。然后我们选取另⼀个训练输⼊，再⼀次更新权重和偏置。如此重复。这个过程被</a:t>
+            </a:r>
+            <a:r>
+              <a:rPr lang="zh-CN" altLang="en-US" dirty="0" smtClean="0"/>
+              <a:t>称为在线</a:t>
+            </a:r>
+            <a:r>
+              <a:rPr lang="zh-CN" altLang="en-US" dirty="0" smtClean="0"/>
+              <a:t>、</a:t>
             </a:r>
             <a:r>
               <a:rPr lang="en-US" altLang="zh-CN" dirty="0" smtClean="0"/>
@@ -4709,27 +4660,23 @@
             </a:r>
             <a:r>
               <a:rPr lang="zh-CN" altLang="en-US" dirty="0" smtClean="0"/>
-              <a:t>、</a:t>
-            </a:r>
-            <a:r>
-              <a:rPr lang="zh-CN" altLang="en-US" dirty="0" smtClean="0"/>
-              <a:t>或者递增学习。在 </a:t>
-            </a:r>
-            <a:r>
-              <a:rPr lang="en-US" altLang="zh-CN" dirty="0" smtClean="0"/>
-              <a:t>online </a:t>
-            </a:r>
-            <a:r>
-              <a:rPr lang="zh-CN" altLang="en-US" dirty="0" smtClean="0"/>
-              <a:t>学习中，神经⽹络在⼀个时刻只学习</a:t>
-            </a:r>
-            <a:r>
-              <a:rPr lang="zh-CN" altLang="en-US" dirty="0" smtClean="0"/>
-              <a:t>⼀个</a:t>
-            </a:r>
-            <a:r>
-              <a:rPr lang="zh-CN" altLang="en-US" dirty="0" smtClean="0"/>
-              <a:t>训练输⼊（正如⼈类做的）。</a:t>
+              <a:t>、或者递增学习。</a:t>
+            </a:r>
+            <a:r>
+              <a:rPr lang="zh-CN" altLang="en-US" dirty="0" smtClean="0"/>
+              <a:t>在</a:t>
+            </a:r>
+            <a:r>
+              <a:rPr lang="en-US" altLang="zh-CN" dirty="0" smtClean="0"/>
+              <a:t>online</a:t>
+            </a:r>
+            <a:r>
+              <a:rPr lang="zh-CN" altLang="en-US" dirty="0" smtClean="0"/>
+              <a:t>学习</a:t>
+            </a:r>
+            <a:r>
+              <a:rPr lang="zh-CN" altLang="en-US" dirty="0" smtClean="0"/>
+              <a:t>中，神经⽹络在⼀个时刻只学习⼀个训练输⼊（正如⼈类做的）。</a:t>
             </a:r>
             <a:endParaRPr lang="zh-CN" altLang="en-US" dirty="0"/>
           </a:p>
@@ -4861,11 +4808,7 @@
             </a:r>
             <a:r>
               <a:rPr lang="zh-CN" altLang="en-US" dirty="0" smtClean="0"/>
-              <a:t>的⾼斯分布。这样的随机初始化给了我们的随机梯度下降算法⼀个</a:t>
-            </a:r>
-            <a:r>
-              <a:rPr lang="zh-CN" altLang="en-US" dirty="0" smtClean="0"/>
-              <a:t>起点。注意 </a:t>
+              <a:t>的⾼斯分布。这样的随机初始化给了我们的随机梯度下降算法⼀个起点。注意 </a:t>
             </a:r>
             <a:r>
               <a:rPr lang="en-US" altLang="zh-CN" dirty="0" smtClean="0"/>
@@ -4873,11 +4816,7 @@
             </a:r>
             <a:r>
               <a:rPr lang="zh-CN" altLang="en-US" dirty="0" smtClean="0"/>
-              <a:t>初始化代码假设第⼀层神经元是⼀个输⼊层，并对这些神经元不设置任何偏置， 因为偏置仅在后⾯的层中⽤于计算输出</a:t>
-            </a:r>
-            <a:r>
-              <a:rPr lang="zh-CN" altLang="en-US" dirty="0" smtClean="0"/>
-              <a:t>。</a:t>
+              <a:t>初始化代码假设第⼀层神经元是⼀个输⼊层，并对这些神经元不设置任何偏置， 因为偏置仅在后⾯的层中⽤于计算输出。</a:t>
             </a:r>
             <a:endParaRPr lang="en-US" altLang="zh-CN" dirty="0" smtClean="0"/>
           </a:p>
@@ -5075,28 +5014,48 @@
               <a:t>training_data</a:t>
             </a:r>
             <a:r>
-              <a:rPr lang="en-US" altLang="zh-CN" dirty="0" smtClean="0"/>
-              <a:t> </a:t>
-            </a:r>
-            <a:r>
-              <a:rPr lang="zh-CN" altLang="en-US" dirty="0" smtClean="0"/>
-              <a:t>是⼀个 </a:t>
-            </a:r>
-            <a:r>
-              <a:rPr lang="en-US" altLang="zh-CN" dirty="0" smtClean="0"/>
-              <a:t>(x, y) </a:t>
-            </a:r>
-            <a:r>
-              <a:rPr lang="zh-CN" altLang="en-US" dirty="0" smtClean="0"/>
-              <a:t>元组的列表，表⽰训练输⼊和其对应的期望输出。变量 </a:t>
-            </a:r>
-            <a:r>
-              <a:rPr lang="en-US" altLang="zh-CN" dirty="0" smtClean="0"/>
-              <a:t>epochs </a:t>
-            </a:r>
-            <a:r>
-              <a:rPr lang="zh-CN" altLang="en-US" dirty="0" smtClean="0"/>
-              <a:t>和 </a:t>
+              <a:rPr lang="zh-CN" altLang="en-US" dirty="0" smtClean="0"/>
+              <a:t>是</a:t>
+            </a:r>
+            <a:r>
+              <a:rPr lang="zh-CN" altLang="en-US" dirty="0" smtClean="0"/>
+              <a:t>⼀</a:t>
+            </a:r>
+            <a:r>
+              <a:rPr lang="zh-CN" altLang="en-US" dirty="0" smtClean="0"/>
+              <a:t>个</a:t>
+            </a:r>
+            <a:r>
+              <a:rPr lang="en-US" altLang="zh-CN" dirty="0" smtClean="0"/>
+              <a:t>(</a:t>
+            </a:r>
+            <a:r>
+              <a:rPr lang="en-US" altLang="zh-CN" dirty="0" smtClean="0"/>
+              <a:t>x, y</a:t>
+            </a:r>
+            <a:r>
+              <a:rPr lang="en-US" altLang="zh-CN" dirty="0" smtClean="0"/>
+              <a:t>)</a:t>
+            </a:r>
+            <a:r>
+              <a:rPr lang="zh-CN" altLang="en-US" dirty="0" smtClean="0"/>
+              <a:t>元组</a:t>
+            </a:r>
+            <a:r>
+              <a:rPr lang="zh-CN" altLang="en-US" dirty="0" smtClean="0"/>
+              <a:t>的列表，表⽰训练输⼊和其对应的期望输出。</a:t>
+            </a:r>
+            <a:r>
+              <a:rPr lang="zh-CN" altLang="en-US" dirty="0" smtClean="0"/>
+              <a:t>变量</a:t>
+            </a:r>
+            <a:r>
+              <a:rPr lang="en-US" altLang="zh-CN" dirty="0" smtClean="0"/>
+              <a:t>epochs</a:t>
+            </a:r>
+            <a:r>
+              <a:rPr lang="zh-CN" altLang="en-US" dirty="0" smtClean="0"/>
+              <a:t>和</a:t>
             </a:r>
             <a:r>
               <a:rPr lang="en-US" altLang="zh-CN" dirty="0" err="1" smtClean="0"/>
@@ -5108,11 +5067,15 @@
             </a:r>
             <a:r>
               <a:rPr lang="en-US" altLang="zh-CN" dirty="0" smtClean="0"/>
-              <a:t>eta </a:t>
-            </a:r>
-            <a:r>
-              <a:rPr lang="zh-CN" altLang="en-US" dirty="0" smtClean="0"/>
-              <a:t>是学习速率，</a:t>
+              <a:t>eta</a:t>
+            </a:r>
+            <a:r>
+              <a:rPr lang="zh-CN" altLang="en-US" dirty="0" smtClean="0"/>
+              <a:t>是</a:t>
+            </a:r>
+            <a:r>
+              <a:rPr lang="zh-CN" altLang="en-US" dirty="0" smtClean="0"/>
+              <a:t>学习速率，</a:t>
             </a:r>
             <a:r>
               <a:rPr lang="el-GR" altLang="zh-CN" dirty="0" smtClean="0"/>
@@ -5127,19 +5090,27 @@
           <a:p>
             <a:r>
               <a:rPr lang="zh-CN" altLang="en-US" dirty="0" smtClean="0"/>
-              <a:t>在每个迭代期，它⾸先随机地将训练数据打乱，然后将它分成多个适当⼤⼩的⼩批量数据。这是⼀个简单的从训练数据的随机采样⽅法。然后对于每⼀个 </a:t>
+              <a:t>在每个迭代期，它⾸先随机地将训练数据打乱，然后将它分成多个适当⼤⼩的⼩批量数据。这是⼀个简单的从训练数据的随机采样⽅法。然后对于每⼀</a:t>
+            </a:r>
+            <a:r>
+              <a:rPr lang="zh-CN" altLang="en-US" dirty="0" smtClean="0"/>
+              <a:t>个</a:t>
             </a:r>
             <a:r>
               <a:rPr lang="en-US" altLang="zh-CN" dirty="0" err="1" smtClean="0"/>
               <a:t>mini_batch</a:t>
             </a:r>
             <a:r>
-              <a:rPr lang="en-US" altLang="zh-CN" dirty="0" smtClean="0"/>
-              <a:t> </a:t>
-            </a:r>
-            <a:r>
-              <a:rPr lang="zh-CN" altLang="en-US" dirty="0" smtClean="0"/>
-              <a:t>我们应⽤⼀次梯度下降。这是通过代码 </a:t>
+              <a:rPr lang="zh-CN" altLang="en-US" dirty="0" smtClean="0"/>
+              <a:t>我们</a:t>
+            </a:r>
+            <a:r>
+              <a:rPr lang="zh-CN" altLang="en-US" dirty="0" smtClean="0"/>
+              <a:t>应⽤⼀次梯度下降。这是通过</a:t>
+            </a:r>
+            <a:r>
+              <a:rPr lang="zh-CN" altLang="en-US" dirty="0" smtClean="0"/>
+              <a:t>代码</a:t>
             </a:r>
             <a:r>
               <a:rPr lang="en-US" altLang="zh-CN" dirty="0" err="1" smtClean="0"/>
@@ -5155,64 +5126,84 @@
             </a:r>
             <a:r>
               <a:rPr lang="en-US" altLang="zh-CN" dirty="0" smtClean="0"/>
-              <a:t>, eta) </a:t>
-            </a:r>
-            <a:r>
-              <a:rPr lang="zh-CN" altLang="en-US" dirty="0" smtClean="0"/>
-              <a:t>完成的，它仅仅使⽤ </a:t>
+              <a:t>, eta</a:t>
+            </a:r>
+            <a:r>
+              <a:rPr lang="en-US" altLang="zh-CN" dirty="0" smtClean="0"/>
+              <a:t>)</a:t>
+            </a:r>
+            <a:r>
+              <a:rPr lang="zh-CN" altLang="en-US" dirty="0" smtClean="0"/>
+              <a:t>完成</a:t>
+            </a:r>
+            <a:r>
+              <a:rPr lang="zh-CN" altLang="en-US" dirty="0" smtClean="0"/>
+              <a:t>的，它仅仅使</a:t>
+            </a:r>
+            <a:r>
+              <a:rPr lang="zh-CN" altLang="en-US" dirty="0" smtClean="0"/>
+              <a:t>⽤</a:t>
             </a:r>
             <a:r>
               <a:rPr lang="en-US" altLang="zh-CN" dirty="0" err="1" smtClean="0"/>
               <a:t>mini_batch</a:t>
             </a:r>
             <a:r>
-              <a:rPr lang="en-US" altLang="zh-CN" dirty="0" smtClean="0"/>
-              <a:t> </a:t>
-            </a:r>
-            <a:r>
-              <a:rPr lang="zh-CN" altLang="en-US" dirty="0" smtClean="0"/>
-              <a:t>中的训练数据，根据单次梯度下降的迭代更新⽹络的权重和偏置。</a:t>
+              <a:rPr lang="zh-CN" altLang="en-US" dirty="0" smtClean="0"/>
+              <a:t>中</a:t>
+            </a:r>
+            <a:r>
+              <a:rPr lang="zh-CN" altLang="en-US" dirty="0" smtClean="0"/>
+              <a:t>的训练数据，根据单次梯度下降的迭代更新⽹络的权重和偏置。</a:t>
             </a:r>
             <a:endParaRPr lang="en-US" altLang="zh-CN" dirty="0" smtClean="0"/>
           </a:p>
           <a:p>
             <a:r>
               <a:rPr lang="zh-CN" altLang="en-US" dirty="0" smtClean="0"/>
-              <a:t>这⾏调⽤了⼀个称为反向传播的算法，⼀种快速计算代价函数的梯度的⽅法。因此 </a:t>
+              <a:t>这⾏调⽤了⼀个称为反向传播的算法，⼀种快速计算代价函数的梯度的⽅法。</a:t>
+            </a:r>
+            <a:r>
+              <a:rPr lang="zh-CN" altLang="en-US" dirty="0" smtClean="0"/>
+              <a:t>因此</a:t>
             </a:r>
             <a:r>
               <a:rPr lang="en-US" altLang="zh-CN" dirty="0" err="1" smtClean="0"/>
               <a:t>update_mini_batch</a:t>
             </a:r>
             <a:r>
-              <a:rPr lang="en-US" altLang="zh-CN" dirty="0" smtClean="0"/>
-              <a:t> </a:t>
-            </a:r>
-            <a:r>
-              <a:rPr lang="zh-CN" altLang="en-US" dirty="0" smtClean="0"/>
-              <a:t>的⼯作仅仅是对 </a:t>
+              <a:rPr lang="zh-CN" altLang="en-US" dirty="0" smtClean="0"/>
+              <a:t>的</a:t>
+            </a:r>
+            <a:r>
+              <a:rPr lang="zh-CN" altLang="en-US" dirty="0" smtClean="0"/>
+              <a:t>⼯作仅仅是</a:t>
+            </a:r>
+            <a:r>
+              <a:rPr lang="zh-CN" altLang="en-US" dirty="0" smtClean="0"/>
+              <a:t>对</a:t>
             </a:r>
             <a:r>
               <a:rPr lang="en-US" altLang="zh-CN" dirty="0" err="1" smtClean="0"/>
               <a:t>mini_batch</a:t>
             </a:r>
             <a:r>
-              <a:rPr lang="en-US" altLang="zh-CN" dirty="0" smtClean="0"/>
-              <a:t> </a:t>
-            </a:r>
-            <a:r>
-              <a:rPr lang="zh-CN" altLang="en-US" dirty="0" smtClean="0"/>
-              <a:t>中的每⼀个训练样本计算梯度，然后适当地更 新 </a:t>
+              <a:rPr lang="zh-CN" altLang="en-US" dirty="0" smtClean="0"/>
+              <a:t>中</a:t>
+            </a:r>
+            <a:r>
+              <a:rPr lang="zh-CN" altLang="en-US" dirty="0" smtClean="0"/>
+              <a:t>的每⼀个训练样本计算梯度，然后适当地</a:t>
+            </a:r>
+            <a:r>
+              <a:rPr lang="zh-CN" altLang="en-US" dirty="0" smtClean="0"/>
+              <a:t>更新</a:t>
             </a:r>
             <a:r>
               <a:rPr lang="en-US" altLang="zh-CN" dirty="0" err="1" smtClean="0"/>
               <a:t>self.weights</a:t>
             </a:r>
             <a:r>
-              <a:rPr lang="en-US" altLang="zh-CN" dirty="0" smtClean="0"/>
-              <a:t> </a:t>
-            </a:r>
-            <a:r>
               <a:rPr lang="zh-CN" altLang="en-US" dirty="0" smtClean="0"/>
               <a:t>和 </a:t>
             </a:r>
@@ -5222,14 +5213,15 @@
             </a:r>
             <a:r>
               <a:rPr lang="zh-CN" altLang="en-US" dirty="0" smtClean="0"/>
-              <a:t>。 </a:t>
-            </a:r>
-            <a:endParaRPr lang="en-US" altLang="zh-CN" dirty="0" smtClean="0"/>
-          </a:p>
-          <a:p>
-            <a:r>
-              <a:rPr lang="zh-CN" altLang="en-US" dirty="0" smtClean="0"/>
-              <a:t>反向传播这个函数稍后介绍</a:t>
+              <a:t>。反向传播</a:t>
+            </a:r>
+            <a:r>
+              <a:rPr lang="zh-CN" altLang="en-US" dirty="0" smtClean="0"/>
+              <a:t>这个函数稍后</a:t>
+            </a:r>
+            <a:r>
+              <a:rPr lang="zh-CN" altLang="en-US" dirty="0" smtClean="0"/>
+              <a:t>介绍。</a:t>
             </a:r>
             <a:endParaRPr lang="zh-CN" altLang="en-US" dirty="0"/>
           </a:p>
@@ -5516,15 +5508,27 @@
           <a:p>
             <a:r>
               <a:rPr lang="zh-CN" altLang="en-US" dirty="0" smtClean="0"/>
-              <a:t>⽬前，精⼼设计的神经⽹络胜过任何其它解决 </a:t>
-            </a:r>
-            <a:r>
-              <a:rPr lang="en-US" altLang="zh-CN" dirty="0" smtClean="0"/>
-              <a:t>MNIST </a:t>
-            </a:r>
-            <a:r>
-              <a:rPr lang="zh-CN" altLang="en-US" dirty="0" smtClean="0"/>
-              <a:t>的技术，现在（</a:t>
+              <a:t>⽬前，精⼼设计的神经⽹络胜过任何其它</a:t>
+            </a:r>
+            <a:r>
+              <a:rPr lang="zh-CN" altLang="en-US" dirty="0" smtClean="0"/>
+              <a:t>解决</a:t>
+            </a:r>
+            <a:r>
+              <a:rPr lang="en-US" altLang="zh-CN" dirty="0" smtClean="0"/>
+              <a:t>MNIST</a:t>
+            </a:r>
+            <a:r>
+              <a:rPr lang="zh-CN" altLang="en-US" dirty="0" smtClean="0"/>
+              <a:t>的</a:t>
+            </a:r>
+            <a:r>
+              <a:rPr lang="zh-CN" altLang="en-US" dirty="0" smtClean="0"/>
+              <a:t>技术</a:t>
+            </a:r>
+            <a:r>
+              <a:rPr lang="zh-CN" altLang="en-US" dirty="0" smtClean="0"/>
+              <a:t>，</a:t>
             </a:r>
             <a:r>
               <a:rPr lang="en-US" altLang="zh-CN" dirty="0" smtClean="0"/>
@@ -5532,46 +5536,106 @@
             </a:r>
             <a:r>
               <a:rPr lang="zh-CN" altLang="en-US" dirty="0" smtClean="0"/>
-              <a:t>）的纪录是从 </a:t>
-            </a:r>
-            <a:r>
-              <a:rPr lang="en-US" altLang="zh-CN" dirty="0" smtClean="0"/>
-              <a:t>10, 000 </a:t>
-            </a:r>
-            <a:r>
-              <a:rPr lang="zh-CN" altLang="en-US" dirty="0" smtClean="0"/>
-              <a:t>图像中正确分类 </a:t>
-            </a:r>
-            <a:r>
-              <a:rPr lang="en-US" altLang="zh-CN" dirty="0" smtClean="0"/>
-              <a:t>9, 979 </a:t>
-            </a:r>
-            <a:r>
-              <a:rPr lang="zh-CN" altLang="en-US" dirty="0" smtClean="0"/>
-              <a:t>个。</a:t>
+              <a:t>年的</a:t>
+            </a:r>
+            <a:r>
+              <a:rPr lang="zh-CN" altLang="en-US" dirty="0" smtClean="0"/>
+              <a:t>纪录是</a:t>
+            </a:r>
+            <a:r>
+              <a:rPr lang="zh-CN" altLang="en-US" dirty="0" smtClean="0"/>
+              <a:t>从</a:t>
+            </a:r>
+            <a:r>
+              <a:rPr lang="en-US" altLang="zh-CN" dirty="0" smtClean="0"/>
+              <a:t>10,000</a:t>
+            </a:r>
+            <a:r>
+              <a:rPr lang="zh-CN" altLang="en-US" dirty="0" smtClean="0"/>
+              <a:t>图像</a:t>
+            </a:r>
+            <a:r>
+              <a:rPr lang="zh-CN" altLang="en-US" dirty="0" smtClean="0"/>
+              <a:t>中正确</a:t>
+            </a:r>
+            <a:r>
+              <a:rPr lang="zh-CN" altLang="en-US" dirty="0" smtClean="0"/>
+              <a:t>分类</a:t>
+            </a:r>
+            <a:r>
+              <a:rPr lang="en-US" altLang="zh-CN" dirty="0" smtClean="0"/>
+              <a:t>9,979</a:t>
+            </a:r>
+            <a:r>
+              <a:rPr lang="zh-CN" altLang="en-US" dirty="0" smtClean="0"/>
+              <a:t>个</a:t>
+            </a:r>
+            <a:r>
+              <a:rPr lang="zh-CN" altLang="en-US" dirty="0" smtClean="0"/>
+              <a:t>。</a:t>
             </a:r>
             <a:endParaRPr lang="en-US" altLang="zh-CN" dirty="0" smtClean="0"/>
           </a:p>
           <a:p>
             <a:r>
               <a:rPr lang="zh-CN" altLang="en-US" dirty="0" smtClean="0"/>
-              <a:t>通常，当编程 时我们相信解决⼀个类似识别 </a:t>
-            </a:r>
-            <a:r>
-              <a:rPr lang="en-US" altLang="zh-CN" dirty="0" smtClean="0"/>
-              <a:t>MNIST </a:t>
-            </a:r>
-            <a:r>
-              <a:rPr lang="zh-CN" altLang="en-US" dirty="0" smtClean="0"/>
-              <a:t>数字的问题需要⼀个复杂的算法。但是即使是刚才提到的 </a:t>
-            </a:r>
-            <a:r>
-              <a:rPr lang="en-US" altLang="zh-CN" dirty="0" smtClean="0"/>
-              <a:t>Wan </a:t>
-            </a:r>
-            <a:r>
-              <a:rPr lang="zh-CN" altLang="en-US" dirty="0" smtClean="0"/>
-              <a:t>等⼈的论⽂中⽤的神经⽹络，只涉及到相当简单的算法、和我们在这⼀章中已经看到的算 法的变化形式。所有的复杂性⾃动从训练数据学习。在某种意义上，我们的结果和那些在更深 奥的论⽂中都有的寓意是，对有些问题：</a:t>
+              <a:t>通常，当</a:t>
+            </a:r>
+            <a:r>
+              <a:rPr lang="zh-CN" altLang="en-US" dirty="0" smtClean="0"/>
+              <a:t>编程时</a:t>
+            </a:r>
+            <a:r>
+              <a:rPr lang="zh-CN" altLang="en-US" dirty="0" smtClean="0"/>
+              <a:t>我们相信解决⼀个类似</a:t>
+            </a:r>
+            <a:r>
+              <a:rPr lang="zh-CN" altLang="en-US" dirty="0" smtClean="0"/>
+              <a:t>识别</a:t>
+            </a:r>
+            <a:r>
+              <a:rPr lang="en-US" altLang="zh-CN" dirty="0" smtClean="0"/>
+              <a:t>MNIST</a:t>
+            </a:r>
+            <a:r>
+              <a:rPr lang="zh-CN" altLang="en-US" dirty="0" smtClean="0"/>
+              <a:t>数字</a:t>
+            </a:r>
+            <a:r>
+              <a:rPr lang="zh-CN" altLang="en-US" dirty="0" smtClean="0"/>
+              <a:t>的问题需要⼀个复杂的算法。</a:t>
+            </a:r>
+            <a:r>
+              <a:rPr lang="zh-CN" altLang="en-US" dirty="0" smtClean="0"/>
+              <a:t>但是刚才</a:t>
+            </a:r>
+            <a:r>
+              <a:rPr lang="zh-CN" altLang="en-US" dirty="0" smtClean="0"/>
+              <a:t>提到</a:t>
+            </a:r>
+            <a:r>
+              <a:rPr lang="zh-CN" altLang="en-US" dirty="0" smtClean="0"/>
+              <a:t>的神经</a:t>
+            </a:r>
+            <a:r>
+              <a:rPr lang="zh-CN" altLang="en-US" dirty="0" smtClean="0"/>
+              <a:t>⽹络，只涉及到相当简单的算法、和我们在这⼀章中已经看到的</a:t>
+            </a:r>
+            <a:r>
+              <a:rPr lang="zh-CN" altLang="en-US" dirty="0" smtClean="0"/>
+              <a:t>算法</a:t>
+            </a:r>
+            <a:r>
+              <a:rPr lang="zh-CN" altLang="en-US" dirty="0" smtClean="0"/>
+              <a:t>的变化形式。所有的复杂性⾃动从训练数据学习。在某种意义上，我们的结果和那些在更</a:t>
+            </a:r>
+            <a:r>
+              <a:rPr lang="zh-CN" altLang="en-US" dirty="0" smtClean="0"/>
+              <a:t>深奥</a:t>
+            </a:r>
+            <a:r>
+              <a:rPr lang="zh-CN" altLang="en-US" dirty="0" smtClean="0"/>
+              <a:t>的论⽂中都有的寓意是，对有些问题：</a:t>
             </a:r>
             <a:endParaRPr lang="zh-CN" altLang="en-US" dirty="0"/>
           </a:p>
@@ -5659,15 +5723,135 @@
           <a:p>
             <a:r>
               <a:rPr lang="zh-CN" altLang="en-US" dirty="0" smtClean="0"/>
-              <a:t>虽然我们的神经⽹络给出了令⼈印象深刻的表现，但这样的表现带有⼏分神秘。⽹络中的权 重和偏置是被⾃动发现的。这意味着我们不能⽴即解释⽹络怎么做的、做了什么。我们能否找 到⼀些⽅法来理解我们的⽹络通过什么原理分类⼿写数字？并且，在知道了这些原理后，我们 能做得更好吗？在⼈⼯智能的早期研究阶段，⼈们希望在构建⼈⼯智能的努⼒过程中，也同时能够帮助我们理解智能背后的机制，以及⼈类⼤脑的 运转⽅式。但结果可能是我们既不能够理解⼤脑的机制，也不能够理解⼈⼯智能的机制。为解决这些问题，让我们重新思考⼀下我在本章开始时所给的⼈⼯神经元的解释，作为⼀种 衡量证据的⽅法。假设我们要确定⼀幅图像是否显⽰有⼈脸。我们可以⽤解决⼿写识别问题的相同⽅式来攻克这个问题 </a:t>
-            </a:r>
-            <a:r>
-              <a:rPr lang="en-US" altLang="zh-CN" dirty="0" smtClean="0"/>
-              <a:t>—— ⽹</a:t>
-            </a:r>
-            <a:r>
-              <a:rPr lang="zh-CN" altLang="en-US" dirty="0" smtClean="0"/>
-              <a:t>络的输⼊是图像中的像素， ⽹络的输出是⼀个单个的神经元⽤于表明“是的，这是⼀张脸”或“不，这不是⼀张脸”。 假设我们就采取了这个⽅法，但接下来我们先不去使⽤⼀个学习算法。⽽是去尝试亲⼿设计 ⼀个⽹络，并为它选择合适的权重和偏置。我们要怎样做呢？暂时先忘掉神经⽹络，我们受到 启发的⼀个想法是将这个问题分解成⼦问题：图像的左上⻆有⼀个眼睛吗？右上⻆有⼀个眼睛 吗？中间有⼀个⿐⼦吗？下⾯中央有⼀个嘴吗？上⾯有头发吗？诸如此类。如果⼀些问题的回答是“是”，或者甚⾄仅仅是“可能是”，那么我们可以作出结论这个图像 可能是⼀张脸。相反地，如果⼤多数这些问题的答案是“不是”，那么这张图像可能不是⼀张脸。当然，这仅仅是⼀个粗略的想法，⽽且它存在许多缺陷。也许有个⼈是秃头，没有头发。也 许我们仅仅能看到脸的部分，或者这张脸是有⻆度的，因此⼀些⾯部特征是模糊的。不过这个 想法表明了如果我们能够使⽤神经⽹络来解决这些⼦问题，那么我们也许可以通过将这些解决 ⼦问题的⽹络结合起来，构成⼀个⼈脸检测的神经⽹络。</a:t>
+              <a:t>虽然神经</a:t>
+            </a:r>
+            <a:r>
+              <a:rPr lang="zh-CN" altLang="en-US" dirty="0" smtClean="0"/>
+              <a:t>⽹络给出了令⼈印象深刻的表现，但这样的表现带有⼏分神秘。⽹络中的</a:t>
+            </a:r>
+            <a:r>
+              <a:rPr lang="zh-CN" altLang="en-US" dirty="0" smtClean="0"/>
+              <a:t>权重</a:t>
+            </a:r>
+            <a:r>
+              <a:rPr lang="zh-CN" altLang="en-US" dirty="0" smtClean="0"/>
+              <a:t>和偏置是被⾃动发现的。这意味着我们不能⽴即解释⽹络怎么做的、做了什么。我们能否</a:t>
+            </a:r>
+            <a:r>
+              <a:rPr lang="zh-CN" altLang="en-US" dirty="0" smtClean="0"/>
+              <a:t>找到</a:t>
+            </a:r>
+            <a:r>
+              <a:rPr lang="zh-CN" altLang="en-US" dirty="0" smtClean="0"/>
+              <a:t>⼀些⽅法来</a:t>
+            </a:r>
+            <a:r>
+              <a:rPr lang="zh-CN" altLang="en-US" dirty="0" smtClean="0"/>
+              <a:t>理解⽹</a:t>
+            </a:r>
+            <a:r>
+              <a:rPr lang="zh-CN" altLang="en-US" dirty="0" smtClean="0"/>
+              <a:t>络通过什么原理分类⼿写数字</a:t>
+            </a:r>
+            <a:r>
+              <a:rPr lang="zh-CN" altLang="en-US" dirty="0" smtClean="0"/>
+              <a:t>？在</a:t>
+            </a:r>
+            <a:r>
+              <a:rPr lang="zh-CN" altLang="en-US" dirty="0" smtClean="0"/>
+              <a:t>⼈⼯智能的早期研究阶段，⼈们希望在构建⼈⼯智能的努⼒过程中，也同时能够帮助我们理解智能背后的机制，以及⼈类⼤脑</a:t>
+            </a:r>
+            <a:r>
+              <a:rPr lang="zh-CN" altLang="en-US" dirty="0" smtClean="0"/>
+              <a:t>的运转</a:t>
+            </a:r>
+            <a:r>
+              <a:rPr lang="zh-CN" altLang="en-US" dirty="0" smtClean="0"/>
+              <a:t>⽅式。但结果可能是我们既不能够理解⼤脑的机制，也不能够理解⼈⼯智能的机制。为解决这些问题，让我们重新思考⼀下我在本章开始时所给的⼈⼯神经元的解释，作为⼀</a:t>
+            </a:r>
+            <a:r>
+              <a:rPr lang="zh-CN" altLang="en-US" dirty="0" smtClean="0"/>
+              <a:t>种衡量</a:t>
+            </a:r>
+            <a:r>
+              <a:rPr lang="zh-CN" altLang="en-US" dirty="0" smtClean="0"/>
+              <a:t>证据的⽅法。假设我们要确定⼀幅图像是否显⽰有⼈脸。我们可以⽤解决⼿写识别问题的相同⽅式来攻克这个</a:t>
+            </a:r>
+            <a:r>
+              <a:rPr lang="zh-CN" altLang="en-US" dirty="0" smtClean="0"/>
+              <a:t>问题</a:t>
+            </a:r>
+            <a:r>
+              <a:rPr lang="en-US" altLang="zh-CN" dirty="0" smtClean="0"/>
+              <a:t>——⽹</a:t>
+            </a:r>
+            <a:r>
+              <a:rPr lang="zh-CN" altLang="en-US" dirty="0" smtClean="0"/>
+              <a:t>络的输⼊是图像中的像素</a:t>
+            </a:r>
+            <a:r>
+              <a:rPr lang="zh-CN" altLang="en-US" dirty="0" smtClean="0"/>
+              <a:t>，⽹</a:t>
+            </a:r>
+            <a:r>
+              <a:rPr lang="zh-CN" altLang="en-US" dirty="0" smtClean="0"/>
+              <a:t>络的输出是⼀个单个的神经元⽤于表明“是的，这是⼀张脸”或“不，这不是⼀张脸”。 假设我们就采取了这个⽅法，但接下来我们先不去使⽤⼀个学习算法。⽽是去尝试亲⼿</a:t>
+            </a:r>
+            <a:r>
+              <a:rPr lang="zh-CN" altLang="en-US" dirty="0" smtClean="0"/>
+              <a:t>设计⼀</a:t>
+            </a:r>
+            <a:r>
+              <a:rPr lang="zh-CN" altLang="en-US" dirty="0" smtClean="0"/>
+              <a:t>个⽹络，并为它选择合适的权重和偏置。我们要怎样做呢？暂时先忘掉神经⽹络，我们</a:t>
+            </a:r>
+            <a:r>
+              <a:rPr lang="zh-CN" altLang="en-US" dirty="0" smtClean="0"/>
+              <a:t>受到启发</a:t>
+            </a:r>
+            <a:r>
+              <a:rPr lang="zh-CN" altLang="en-US" dirty="0" smtClean="0"/>
+              <a:t>的⼀个想法是将这个问题分解成⼦问题：图像的左上⻆有⼀个眼睛吗？右上⻆有⼀个</a:t>
+            </a:r>
+            <a:r>
+              <a:rPr lang="zh-CN" altLang="en-US" dirty="0" smtClean="0"/>
+              <a:t>眼睛吗</a:t>
+            </a:r>
+            <a:r>
+              <a:rPr lang="zh-CN" altLang="en-US" dirty="0" smtClean="0"/>
+              <a:t>？中间有⼀个⿐⼦吗？下⾯中央有⼀个嘴吗？上⾯有头发吗？诸如此类。如果⼀些问题的回答是“是”，或者甚⾄仅仅是“可能是”，那么我们可以作出结论这个</a:t>
+            </a:r>
+            <a:r>
+              <a:rPr lang="zh-CN" altLang="en-US" dirty="0" smtClean="0"/>
+              <a:t>图像可能</a:t>
+            </a:r>
+            <a:r>
+              <a:rPr lang="zh-CN" altLang="en-US" dirty="0" smtClean="0"/>
+              <a:t>是⼀张脸。相反地，如果⼤多数这些问题的答案是“不是”，那么这张图像可能不是⼀张脸。当然，这仅仅是⼀个粗略的想法，⽽且它存在许多缺陷。也许有个⼈是秃头，没有头发。</a:t>
+            </a:r>
+            <a:r>
+              <a:rPr lang="zh-CN" altLang="en-US" dirty="0" smtClean="0"/>
+              <a:t>也许</a:t>
+            </a:r>
+            <a:r>
+              <a:rPr lang="zh-CN" altLang="en-US" dirty="0" smtClean="0"/>
+              <a:t>我们仅仅能看到脸的部分，或者这张脸是有⻆度的，因此⼀些⾯部特征是模糊的。不过</a:t>
+            </a:r>
+            <a:r>
+              <a:rPr lang="zh-CN" altLang="en-US" dirty="0" smtClean="0"/>
+              <a:t>这个想法</a:t>
+            </a:r>
+            <a:r>
+              <a:rPr lang="zh-CN" altLang="en-US" dirty="0" smtClean="0"/>
+              <a:t>表明了如果我们能够使⽤神经⽹络来解决这些⼦问题，那么我们也许可以通过将这些</a:t>
+            </a:r>
+            <a:r>
+              <a:rPr lang="zh-CN" altLang="en-US" dirty="0" smtClean="0"/>
+              <a:t>解决⼦</a:t>
+            </a:r>
+            <a:r>
+              <a:rPr lang="zh-CN" altLang="en-US" dirty="0" smtClean="0"/>
+              <a:t>问题的⽹络结合起来，构成⼀个⼈脸检测的神经⽹络。</a:t>
             </a:r>
             <a:endParaRPr lang="zh-CN" altLang="en-US" dirty="0"/>
           </a:p>
@@ -5755,7 +5939,31 @@
           <a:p>
             <a:r>
               <a:rPr lang="zh-CN" altLang="en-US" dirty="0" smtClean="0"/>
-              <a:t>⼦⽹络也可以被继续分解，这看上去很合理。假设我们考虑这个问题：“左上⻆有⼀个眼睛 吗？”。这个问题可以被分解成这些⼦问题：“有⼀个眉⽑吗？”，“有睫⽑吗？”，“有虹膜吗？”，等 等。当然这些问题也应该包含关于位置的信息 </a:t>
+              <a:t>⼦⽹络也可以被继续</a:t>
+            </a:r>
+            <a:r>
+              <a:rPr lang="zh-CN" altLang="en-US" dirty="0" smtClean="0"/>
+              <a:t>分解。</a:t>
+            </a:r>
+            <a:r>
+              <a:rPr lang="zh-CN" altLang="en-US" dirty="0" smtClean="0"/>
+              <a:t>假设我们考虑这个问题：“左上⻆有⼀个</a:t>
+            </a:r>
+            <a:r>
+              <a:rPr lang="zh-CN" altLang="en-US" dirty="0" smtClean="0"/>
+              <a:t>眼睛吗</a:t>
+            </a:r>
+            <a:r>
+              <a:rPr lang="zh-CN" altLang="en-US" dirty="0" smtClean="0"/>
+              <a:t>？”。这个问题可以被分解成这些⼦问题：“有⼀个眉⽑吗？”，“有睫⽑吗？”，“有虹膜吗？”，</a:t>
+            </a:r>
+            <a:r>
+              <a:rPr lang="zh-CN" altLang="en-US" dirty="0" smtClean="0"/>
+              <a:t>等等</a:t>
+            </a:r>
+            <a:r>
+              <a:rPr lang="zh-CN" altLang="en-US" dirty="0" smtClean="0"/>
+              <a:t>。当然这些问题也应该包含关于位置的信息 </a:t>
             </a:r>
             <a:r>
               <a:rPr lang="en-US" altLang="zh-CN" dirty="0" smtClean="0"/>
@@ -5771,7 +5979,11 @@
             </a:r>
             <a:r>
               <a:rPr lang="zh-CN" altLang="en-US" dirty="0" smtClean="0"/>
-              <a:t>但是让我们先保持简单。回答问题“左上⻆有⼀个眼睛吗？”的⽹络能够被分解成：这些⼦问题也同样可以继续被分解，并通过多个⽹络层传递得越来越远。最终，我们的⼦⽹ 络可以回答那些只包含若⼲个像素点的简单问题。举例来说，这些简单的问题可能是询问图像 中的⼏个像素是否构成⾮常简单的形状。这些问题就可以被那些与图像中原始像素点相连的单 个神经元所回答。 </a:t>
+              <a:t>但是让我们先保持简单。回答问题“左上⻆有⼀个眼睛吗？”的⽹络能够被分解成</a:t>
+            </a:r>
+            <a:r>
+              <a:rPr lang="zh-CN" altLang="en-US" dirty="0" smtClean="0"/>
+              <a:t>：</a:t>
             </a:r>
             <a:endParaRPr lang="zh-CN" altLang="en-US" dirty="0"/>
           </a:p>
@@ -5858,8 +6070,44 @@
           <a:lstStyle/>
           <a:p>
             <a:r>
-              <a:rPr lang="zh-CN" altLang="en-US" dirty="0" smtClean="0"/>
-              <a:t>这些⼦问题也同样可以继续被分解，并通过多个⽹络层传递得越来越远。最终，我们的⼦⽹ 络可以回答那些只包含若⼲个像素点的简单问题。举例来说，这些简单的问题可能是询问图像 中的⼏个像素是否构成⾮常简单的形状。这些问题就可以被那些与图像中原始像素点相连的单 个神经元所回答。 最终的结果是，我们设计出了⼀个⽹络，它将⼀个⾮常复杂的问题 </a:t>
+              <a:rPr lang="zh-CN" altLang="en-US" smtClean="0"/>
+              <a:t>这些</a:t>
+            </a:r>
+            <a:r>
+              <a:rPr lang="zh-CN" altLang="en-US" dirty="0" smtClean="0"/>
+              <a:t>⼦问题也同样可以继续被分解，并通过多个⽹络层传递得越来越远。最终，我们的</a:t>
+            </a:r>
+            <a:r>
+              <a:rPr lang="zh-CN" altLang="en-US" dirty="0" smtClean="0"/>
+              <a:t>⼦⽹络</a:t>
+            </a:r>
+            <a:r>
+              <a:rPr lang="zh-CN" altLang="en-US" dirty="0" smtClean="0"/>
+              <a:t>可以回答那些只包含若⼲个像素点的简单问题。举例来说，这些简单的问题可能是询问</a:t>
+            </a:r>
+            <a:r>
+              <a:rPr lang="zh-CN" altLang="en-US" dirty="0" smtClean="0"/>
+              <a:t>图像中</a:t>
+            </a:r>
+            <a:r>
+              <a:rPr lang="zh-CN" altLang="en-US" dirty="0" smtClean="0"/>
+              <a:t>的⼏个像素是否构成⾮常简单的形状。这些问题就可以被那些与图像中原始像素点相连的</a:t>
+            </a:r>
+            <a:r>
+              <a:rPr lang="zh-CN" altLang="en-US" dirty="0" smtClean="0"/>
+              <a:t>单个</a:t>
+            </a:r>
+            <a:r>
+              <a:rPr lang="zh-CN" altLang="en-US" dirty="0" smtClean="0"/>
+              <a:t>神经元所回答</a:t>
+            </a:r>
+            <a:r>
+              <a:rPr lang="zh-CN" altLang="en-US" dirty="0" smtClean="0"/>
+              <a:t>。最终</a:t>
+            </a:r>
+            <a:r>
+              <a:rPr lang="zh-CN" altLang="en-US" dirty="0" smtClean="0"/>
+              <a:t>的结果是，我们设计出了⼀个⽹络，它将⼀个⾮常复杂的问题 </a:t>
             </a:r>
             <a:r>
               <a:rPr lang="en-US" altLang="zh-CN" dirty="0" smtClean="0"/>
@@ -5867,31 +6115,79 @@
             </a:r>
             <a:r>
               <a:rPr lang="zh-CN" altLang="en-US" dirty="0" smtClean="0"/>
-              <a:t>这张图像是否有⼀张 ⼈脸 </a:t>
-            </a:r>
-            <a:r>
-              <a:rPr lang="en-US" altLang="zh-CN" dirty="0" smtClean="0"/>
-              <a:t>—— </a:t>
-            </a:r>
-            <a:r>
-              <a:rPr lang="zh-CN" altLang="en-US" dirty="0" smtClean="0"/>
-              <a:t>分解成在单像素层⾯上就可回答的⾮常简单的问题。它通过⼀系列多层结构来完成， 在前⾯的⽹络层，它回答关于输⼊图像⾮常简单明确的问题，在后⾯的⽹络层，它建⽴了⼀个 更加复杂和抽象的层级结构。包含这种多层结构 </a:t>
-            </a:r>
-            <a:r>
-              <a:rPr lang="en-US" altLang="zh-CN" dirty="0" smtClean="0"/>
-              <a:t>—— </a:t>
-            </a:r>
-            <a:r>
-              <a:rPr lang="zh-CN" altLang="en-US" dirty="0" smtClean="0"/>
-              <a:t>两层或更多隐藏层 </a:t>
-            </a:r>
-            <a:r>
-              <a:rPr lang="en-US" altLang="zh-CN" dirty="0" smtClean="0"/>
-              <a:t>—— </a:t>
-            </a:r>
-            <a:r>
-              <a:rPr lang="zh-CN" altLang="en-US" dirty="0" smtClean="0"/>
-              <a:t>的⽹络被称为深度 神经⽹络。 </a:t>
+              <a:t>这张图像是否有⼀</a:t>
+            </a:r>
+            <a:r>
+              <a:rPr lang="zh-CN" altLang="en-US" dirty="0" smtClean="0"/>
+              <a:t>张⼈脸</a:t>
+            </a:r>
+            <a:r>
+              <a:rPr lang="en-US" altLang="zh-CN" dirty="0" smtClean="0"/>
+              <a:t>——</a:t>
+            </a:r>
+            <a:r>
+              <a:rPr lang="zh-CN" altLang="en-US" dirty="0" smtClean="0"/>
+              <a:t>分解</a:t>
+            </a:r>
+            <a:r>
+              <a:rPr lang="zh-CN" altLang="en-US" dirty="0" smtClean="0"/>
+              <a:t>成在单像素层⾯上就可回答的⾮常简单的问题。它通过⼀系列多层结构来完成</a:t>
+            </a:r>
+            <a:r>
+              <a:rPr lang="zh-CN" altLang="en-US" dirty="0" smtClean="0"/>
+              <a:t>，在</a:t>
+            </a:r>
+            <a:r>
+              <a:rPr lang="zh-CN" altLang="en-US" dirty="0" smtClean="0"/>
+              <a:t>前⾯的⽹络层，它回答关于输⼊图像⾮常简单明确的问题，在后⾯的⽹络层，它建⽴了⼀</a:t>
+            </a:r>
+            <a:r>
+              <a:rPr lang="zh-CN" altLang="en-US" dirty="0" smtClean="0"/>
+              <a:t>个更加</a:t>
+            </a:r>
+            <a:r>
+              <a:rPr lang="zh-CN" altLang="en-US" dirty="0" smtClean="0"/>
+              <a:t>复杂和抽象的层级结构。包含这种</a:t>
+            </a:r>
+            <a:r>
+              <a:rPr lang="zh-CN" altLang="en-US" dirty="0" smtClean="0"/>
+              <a:t>多层结构</a:t>
+            </a:r>
+            <a:r>
+              <a:rPr lang="en-US" altLang="zh-CN" dirty="0" smtClean="0"/>
+              <a:t>——</a:t>
+            </a:r>
+            <a:r>
+              <a:rPr lang="zh-CN" altLang="en-US" dirty="0" smtClean="0"/>
+              <a:t>两</a:t>
+            </a:r>
+            <a:r>
+              <a:rPr lang="zh-CN" altLang="en-US" dirty="0" smtClean="0"/>
+              <a:t>层或更多隐藏</a:t>
+            </a:r>
+            <a:r>
+              <a:rPr lang="zh-CN" altLang="en-US" dirty="0" smtClean="0"/>
+              <a:t>层</a:t>
+            </a:r>
+            <a:r>
+              <a:rPr lang="en-US" altLang="zh-CN" dirty="0" smtClean="0"/>
+              <a:t>——</a:t>
+            </a:r>
+            <a:r>
+              <a:rPr lang="zh-CN" altLang="en-US" dirty="0" smtClean="0"/>
+              <a:t>的</a:t>
+            </a:r>
+            <a:r>
+              <a:rPr lang="zh-CN" altLang="en-US" dirty="0" smtClean="0"/>
+              <a:t>⽹络被称为</a:t>
+            </a:r>
+            <a:r>
+              <a:rPr lang="zh-CN" altLang="en-US" dirty="0" smtClean="0"/>
+              <a:t>深度神经</a:t>
+            </a:r>
+            <a:r>
+              <a:rPr lang="zh-CN" altLang="en-US" dirty="0" smtClean="0"/>
+              <a:t>⽹络。 </a:t>
             </a:r>
             <a:endParaRPr lang="zh-CN" altLang="en-US" dirty="0"/>
           </a:p>
@@ -7582,15 +7878,7 @@
           <a:p>
             <a:r>
               <a:rPr lang="zh-CN" altLang="en-US" dirty="0" smtClean="0"/>
-              <a:t>这就是⼀个感知器所要做的事情，是一个基本的数学模型</a:t>
-            </a:r>
-            <a:r>
-              <a:rPr lang="zh-CN" altLang="en-US" dirty="0" smtClean="0"/>
-              <a:t>。我们可以</a:t>
-            </a:r>
-            <a:r>
-              <a:rPr lang="zh-CN" altLang="en-US" dirty="0" smtClean="0"/>
-              <a:t>将感知器看作依据权重来作出决策的东西。</a:t>
+              <a:t>这就是⼀个感知器所要做的事情，是一个基本的数学模型。我们可以将感知器看作依据权重来作出决策的东西。</a:t>
             </a:r>
             <a:endParaRPr lang="zh-CN" altLang="en-US" dirty="0"/>
           </a:p>
@@ -7686,15 +7974,7 @@
             </a:r>
             <a:r>
               <a:rPr lang="zh-CN" altLang="en-US" dirty="0" smtClean="0"/>
-              <a:t>诸如向量加法，向量矩阵乘法等。但是有⼀个</a:t>
-            </a:r>
-            <a:r>
-              <a:rPr lang="zh-CN" altLang="en-US" dirty="0" smtClean="0"/>
-              <a:t>运算</a:t>
-            </a:r>
-            <a:r>
-              <a:rPr lang="zh-CN" altLang="en-US" dirty="0" smtClean="0"/>
-              <a:t>不⼤常⻅。特别地，假设</a:t>
+              <a:t>诸如向量加法，向量矩阵乘法等。但是有⼀个运算不⼤常⻅。特别地，假设</a:t>
             </a:r>
             <a:r>
               <a:rPr lang="en-US" altLang="zh-CN" dirty="0" smtClean="0"/>
@@ -12095,7 +12375,7 @@
           <a:p>
             <a:fld id="{5FE1FE31-79AE-4B3D-B8DD-B66A748863AF}" type="datetimeFigureOut">
               <a:rPr lang="zh-CN" altLang="en-US" smtClean="0"/>
-              <a:t>2019/10/14</a:t>
+              <a:t>2019/10/15</a:t>
             </a:fld>
             <a:endParaRPr lang="zh-CN" altLang="en-US"/>
           </a:p>
@@ -12260,7 +12540,7 @@
           <a:p>
             <a:fld id="{5FE1FE31-79AE-4B3D-B8DD-B66A748863AF}" type="datetimeFigureOut">
               <a:rPr lang="zh-CN" altLang="en-US" smtClean="0"/>
-              <a:t>2019/10/14</a:t>
+              <a:t>2019/10/15</a:t>
             </a:fld>
             <a:endParaRPr lang="zh-CN" altLang="en-US"/>
           </a:p>
@@ -12435,7 +12715,7 @@
           <a:p>
             <a:fld id="{5FE1FE31-79AE-4B3D-B8DD-B66A748863AF}" type="datetimeFigureOut">
               <a:rPr lang="zh-CN" altLang="en-US" smtClean="0"/>
-              <a:t>2019/10/14</a:t>
+              <a:t>2019/10/15</a:t>
             </a:fld>
             <a:endParaRPr lang="zh-CN" altLang="en-US"/>
           </a:p>
@@ -12618,7 +12898,7 @@
           <a:p>
             <a:fld id="{5FE1FE31-79AE-4B3D-B8DD-B66A748863AF}" type="datetimeFigureOut">
               <a:rPr lang="zh-CN" altLang="en-US" smtClean="0"/>
-              <a:t>2019/10/14</a:t>
+              <a:t>2019/10/15</a:t>
             </a:fld>
             <a:endParaRPr lang="zh-CN" altLang="en-US"/>
           </a:p>
@@ -12880,7 +13160,7 @@
           <a:p>
             <a:fld id="{5FE1FE31-79AE-4B3D-B8DD-B66A748863AF}" type="datetimeFigureOut">
               <a:rPr lang="zh-CN" altLang="en-US" smtClean="0"/>
-              <a:t>2019/10/14</a:t>
+              <a:t>2019/10/15</a:t>
             </a:fld>
             <a:endParaRPr lang="zh-CN" altLang="en-US"/>
           </a:p>
@@ -13228,7 +13508,7 @@
           <a:p>
             <a:fld id="{5FE1FE31-79AE-4B3D-B8DD-B66A748863AF}" type="datetimeFigureOut">
               <a:rPr lang="zh-CN" altLang="en-US" smtClean="0"/>
-              <a:t>2019/10/14</a:t>
+              <a:t>2019/10/15</a:t>
             </a:fld>
             <a:endParaRPr lang="zh-CN" altLang="en-US"/>
           </a:p>
@@ -13536,7 +13816,7 @@
           <a:p>
             <a:fld id="{5FE1FE31-79AE-4B3D-B8DD-B66A748863AF}" type="datetimeFigureOut">
               <a:rPr lang="zh-CN" altLang="en-US" smtClean="0"/>
-              <a:t>2019/10/14</a:t>
+              <a:t>2019/10/15</a:t>
             </a:fld>
             <a:endParaRPr lang="zh-CN" altLang="en-US"/>
           </a:p>
@@ -13763,7 +14043,7 @@
           <a:p>
             <a:fld id="{5FE1FE31-79AE-4B3D-B8DD-B66A748863AF}" type="datetimeFigureOut">
               <a:rPr lang="zh-CN" altLang="en-US" smtClean="0"/>
-              <a:t>2019/10/14</a:t>
+              <a:t>2019/10/15</a:t>
             </a:fld>
             <a:endParaRPr lang="zh-CN" altLang="en-US"/>
           </a:p>
@@ -13853,7 +14133,7 @@
           <a:p>
             <a:fld id="{5FE1FE31-79AE-4B3D-B8DD-B66A748863AF}" type="datetimeFigureOut">
               <a:rPr lang="zh-CN" altLang="en-US" smtClean="0"/>
-              <a:t>2019/10/14</a:t>
+              <a:t>2019/10/15</a:t>
             </a:fld>
             <a:endParaRPr lang="zh-CN" altLang="en-US"/>
           </a:p>
@@ -14141,7 +14421,7 @@
           <a:p>
             <a:fld id="{5FE1FE31-79AE-4B3D-B8DD-B66A748863AF}" type="datetimeFigureOut">
               <a:rPr lang="zh-CN" altLang="en-US" smtClean="0"/>
-              <a:t>2019/10/14</a:t>
+              <a:t>2019/10/15</a:t>
             </a:fld>
             <a:endParaRPr lang="zh-CN" altLang="en-US"/>
           </a:p>
@@ -14410,7 +14690,7 @@
           <a:p>
             <a:fld id="{5FE1FE31-79AE-4B3D-B8DD-B66A748863AF}" type="datetimeFigureOut">
               <a:rPr lang="zh-CN" altLang="en-US" smtClean="0"/>
-              <a:t>2019/10/14</a:t>
+              <a:t>2019/10/15</a:t>
             </a:fld>
             <a:endParaRPr lang="zh-CN" altLang="en-US"/>
           </a:p>
@@ -14620,7 +14900,7 @@
           <a:p>
             <a:fld id="{5FE1FE31-79AE-4B3D-B8DD-B66A748863AF}" type="datetimeFigureOut">
               <a:rPr lang="zh-CN" altLang="en-US" smtClean="0"/>
-              <a:t>2019/10/14</a:t>
+              <a:t>2019/10/15</a:t>
             </a:fld>
             <a:endParaRPr lang="zh-CN" altLang="en-US"/>
           </a:p>
@@ -17532,15 +17812,7 @@
           <a:p>
             <a:r>
               <a:rPr lang="zh-CN" altLang="en-US" dirty="0" smtClean="0"/>
-              <a:t>我们想要找到一系列能让代价更</a:t>
-            </a:r>
-            <a:r>
-              <a:rPr lang="zh-CN" altLang="en-US" dirty="0" smtClean="0"/>
-              <a:t>小的</a:t>
-            </a:r>
-            <a:r>
-              <a:rPr lang="zh-CN" altLang="en-US" dirty="0" smtClean="0"/>
-              <a:t>权重</a:t>
+              <a:t>我们想要找到一系列能让代价更小的权重</a:t>
             </a:r>
             <a:r>
               <a:rPr lang="en-US" altLang="zh-CN" dirty="0" smtClean="0"/>
@@ -18207,11 +18479,7 @@
           <a:p>
             <a:r>
               <a:rPr lang="zh-CN" altLang="en-US" dirty="0" smtClean="0"/>
-              <a:t>所以按照右上公式的规则去</a:t>
-            </a:r>
-            <a:r>
-              <a:rPr lang="zh-CN" altLang="en-US" dirty="0" smtClean="0"/>
-              <a:t>改变</a:t>
+              <a:t>所以按照右上公式的规则去改变</a:t>
             </a:r>
             <a:r>
               <a:rPr lang="en-US" altLang="zh-CN" dirty="0" smtClean="0"/>
@@ -18227,15 +18495,7 @@
             </a:r>
             <a:r>
               <a:rPr lang="zh-CN" altLang="en-US" dirty="0" smtClean="0"/>
-              <a:t>会一直减少不会增加，</a:t>
-            </a:r>
-            <a:r>
-              <a:rPr lang="zh-CN" altLang="en-US" dirty="0" smtClean="0"/>
-              <a:t>直至接近</a:t>
-            </a:r>
-            <a:r>
-              <a:rPr lang="zh-CN" altLang="en-US" dirty="0" smtClean="0"/>
-              <a:t>于全局最小值</a:t>
+              <a:t>会一直减少不会增加，直至接近于全局最小值</a:t>
             </a:r>
             <a:endParaRPr lang="en-US" altLang="zh-CN" dirty="0" smtClean="0"/>
           </a:p>
@@ -19428,57 +19688,36 @@
           <a:p>
             <a:r>
               <a:rPr lang="zh-CN" altLang="en-US" dirty="0" smtClean="0"/>
-              <a:t>用</a:t>
-            </a:r>
-            <a:r>
-              <a:rPr lang="zh-CN" altLang="en-US" dirty="0" smtClean="0"/>
-              <a:t>权重和偏置代替参数</a:t>
+              <a:t>用权重和偏置代替参数</a:t>
             </a:r>
             <a:r>
               <a:rPr lang="en-US" altLang="zh-CN" dirty="0" smtClean="0"/>
               <a:t>v</a:t>
             </a:r>
+          </a:p>
+          <a:p>
             <a:endParaRPr lang="en-US" altLang="zh-CN" dirty="0" smtClean="0"/>
           </a:p>
           <a:p>
+            <a:endParaRPr lang="en-US" altLang="zh-CN" dirty="0"/>
+          </a:p>
+          <a:p>
+            <a:r>
+              <a:rPr lang="zh-CN" altLang="en-US" dirty="0" smtClean="0"/>
+              <a:t>代价函数遍历所有样本取均值</a:t>
+            </a:r>
             <a:endParaRPr lang="en-US" altLang="zh-CN" dirty="0" smtClean="0"/>
           </a:p>
           <a:p>
+            <a:endParaRPr lang="en-US" altLang="zh-CN" dirty="0" smtClean="0"/>
+          </a:p>
+          <a:p>
             <a:endParaRPr lang="en-US" altLang="zh-CN" dirty="0"/>
           </a:p>
           <a:p>
             <a:r>
               <a:rPr lang="zh-CN" altLang="en-US" dirty="0" smtClean="0"/>
-              <a:t>代价函数</a:t>
-            </a:r>
-            <a:r>
-              <a:rPr lang="zh-CN" altLang="en-US" dirty="0" smtClean="0"/>
-              <a:t>遍历所有样本取均值</a:t>
-            </a:r>
-            <a:endParaRPr lang="en-US" altLang="zh-CN" dirty="0" smtClean="0"/>
-          </a:p>
-          <a:p>
-            <a:endParaRPr lang="en-US" altLang="zh-CN" dirty="0" smtClean="0"/>
-          </a:p>
-          <a:p>
-            <a:endParaRPr lang="en-US" altLang="zh-CN" dirty="0"/>
-          </a:p>
-          <a:p>
-            <a:r>
-              <a:rPr lang="zh-CN" altLang="en-US" dirty="0" smtClean="0"/>
-              <a:t>当</a:t>
-            </a:r>
-            <a:r>
-              <a:rPr lang="zh-CN" altLang="en-US" dirty="0" smtClean="0"/>
-              <a:t>输入的数据量过大时，训练</a:t>
-            </a:r>
-            <a:r>
-              <a:rPr lang="zh-CN" altLang="en-US" dirty="0" smtClean="0"/>
-              <a:t>会非常</a:t>
-            </a:r>
-            <a:r>
-              <a:rPr lang="zh-CN" altLang="en-US" dirty="0" smtClean="0"/>
-              <a:t>缓慢</a:t>
+              <a:t>当输入的数据量过大时，训练会非常缓慢</a:t>
             </a:r>
             <a:endParaRPr lang="en-US" altLang="zh-CN" dirty="0" smtClean="0"/>
           </a:p>

--- a/深度学习数学原理初探.pptx
+++ b/深度学习数学原理初探.pptx
@@ -240,7 +240,7 @@
       </p14:sectionLst>
     </p:ext>
     <p:ext uri="{EFAFB233-063F-42B5-8137-9DF3F51BA10A}">
-      <p15:sldGuideLst xmlns:p15="http://schemas.microsoft.com/office/powerpoint/2012/main" xmlns="">
+      <p15:sldGuideLst xmlns="" xmlns:p15="http://schemas.microsoft.com/office/powerpoint/2012/main">
         <p15:guide id="1" orient="horz" pos="2160">
           <p15:clr>
             <a:srgbClr val="A4A3A4"/>
@@ -339,7 +339,7 @@
           <a:p>
             <a:fld id="{810C4864-C67C-4CCE-9DEC-A8F3799DCA3C}" type="datetimeFigureOut">
               <a:rPr lang="zh-CN" altLang="en-US" smtClean="0"/>
-              <a:t>2019/10/15</a:t>
+              <a:t>2019/10/16</a:t>
             </a:fld>
             <a:endParaRPr lang="zh-CN" altLang="en-US"/>
           </a:p>
@@ -4413,19 +4413,7 @@
           <a:p>
             <a:r>
               <a:rPr lang="zh-CN" altLang="en-US" dirty="0" smtClean="0"/>
-              <a:t>我们可以把随机梯度下降想象成⼀次⺠意调查：在⼀个⼩批量数据上采样⽐对⼀个完整数据 集进⾏梯度下降分析要容易得多，正如进⾏⼀次⺠意调查⽐举⾏⼀次全⺠选举要更容易。例如</a:t>
-            </a:r>
-            <a:r>
-              <a:rPr lang="zh-CN" altLang="en-US" dirty="0" smtClean="0"/>
-              <a:t>，如果</a:t>
-            </a:r>
-            <a:r>
-              <a:rPr lang="zh-CN" altLang="en-US" dirty="0" smtClean="0"/>
-              <a:t>我们有⼀个规模</a:t>
-            </a:r>
-            <a:r>
-              <a:rPr lang="zh-CN" altLang="en-US" dirty="0" smtClean="0"/>
-              <a:t>为</a:t>
+              <a:t>我们可以把随机梯度下降想象成⼀次⺠意调查：在⼀个⼩批量数据上采样⽐对⼀个完整数据 集进⾏梯度下降分析要容易得多，正如进⾏⼀次⺠意调查⽐举⾏⼀次全⺠选举要更容易。例如，如果我们有⼀个规模为</a:t>
             </a:r>
             <a:r>
               <a:rPr lang="en-US" altLang="zh-CN" dirty="0" smtClean="0"/>
@@ -4433,15 +4421,7 @@
             </a:r>
             <a:r>
               <a:rPr lang="zh-CN" altLang="en-US" dirty="0" smtClean="0"/>
-              <a:t>的</a:t>
-            </a:r>
-            <a:r>
-              <a:rPr lang="zh-CN" altLang="en-US" dirty="0" smtClean="0"/>
-              <a:t>训练集，就</a:t>
-            </a:r>
-            <a:r>
-              <a:rPr lang="zh-CN" altLang="en-US" dirty="0" smtClean="0"/>
-              <a:t>像</a:t>
+              <a:t>的训练集，就像</a:t>
             </a:r>
             <a:r>
               <a:rPr lang="en-US" altLang="zh-CN" dirty="0" smtClean="0"/>
@@ -4449,11 +4429,7 @@
             </a:r>
             <a:r>
               <a:rPr lang="zh-CN" altLang="en-US" dirty="0" smtClean="0"/>
-              <a:t>，并选取⼩批量</a:t>
-            </a:r>
-            <a:r>
-              <a:rPr lang="zh-CN" altLang="en-US" dirty="0" smtClean="0"/>
-              <a:t>数据⼤⼩为</a:t>
+              <a:t>，并选取⼩批量数据⼤⼩为</a:t>
             </a:r>
             <a:r>
               <a:rPr lang="en-US" altLang="zh-CN" dirty="0" smtClean="0"/>
@@ -4461,15 +4437,7 @@
             </a:r>
             <a:r>
               <a:rPr lang="zh-CN" altLang="en-US" dirty="0" smtClean="0"/>
-              <a:t>，这</a:t>
-            </a:r>
-            <a:r>
-              <a:rPr lang="zh-CN" altLang="en-US" dirty="0" smtClean="0"/>
-              <a:t>意味着在估算梯度过程中加速</a:t>
-            </a:r>
-            <a:r>
-              <a:rPr lang="zh-CN" altLang="en-US" dirty="0" smtClean="0"/>
-              <a:t>了</a:t>
+              <a:t>，这意味着在估算梯度过程中加速了</a:t>
             </a:r>
             <a:r>
               <a:rPr lang="en-US" altLang="zh-CN" dirty="0" smtClean="0"/>
@@ -4477,15 +4445,7 @@
             </a:r>
             <a:r>
               <a:rPr lang="zh-CN" altLang="en-US" dirty="0" smtClean="0"/>
-              <a:t>倍</a:t>
-            </a:r>
-            <a:r>
-              <a:rPr lang="zh-CN" altLang="en-US" dirty="0" smtClean="0"/>
-              <a:t>！当然，这个估算并不是完美</a:t>
-            </a:r>
-            <a:r>
-              <a:rPr lang="zh-CN" altLang="en-US" dirty="0" smtClean="0"/>
-              <a:t>的</a:t>
+              <a:t>倍！当然，这个估算并不是完美的</a:t>
             </a:r>
             <a:r>
               <a:rPr lang="en-US" altLang="zh-CN" dirty="0" smtClean="0"/>
@@ -4493,15 +4453,7 @@
             </a:r>
             <a:r>
               <a:rPr lang="zh-CN" altLang="en-US" dirty="0" smtClean="0"/>
-              <a:t>存在</a:t>
-            </a:r>
-            <a:r>
-              <a:rPr lang="zh-CN" altLang="en-US" dirty="0" smtClean="0"/>
-              <a:t>统计</a:t>
-            </a:r>
-            <a:r>
-              <a:rPr lang="zh-CN" altLang="en-US" dirty="0" smtClean="0"/>
-              <a:t>波动</a:t>
+              <a:t>存在统计波动</a:t>
             </a:r>
             <a:r>
               <a:rPr lang="en-US" altLang="zh-CN" dirty="0" smtClean="0"/>
@@ -4509,11 +4461,7 @@
             </a:r>
             <a:r>
               <a:rPr lang="zh-CN" altLang="en-US" dirty="0" smtClean="0"/>
-              <a:t>但是</a:t>
-            </a:r>
-            <a:r>
-              <a:rPr lang="zh-CN" altLang="en-US" dirty="0" smtClean="0"/>
-              <a:t>没必要完美：我们实际关⼼的是在某个⽅向上移动来减少 </a:t>
+              <a:t>但是没必要完美：我们实际关⼼的是在某个⽅向上移动来减少 </a:t>
             </a:r>
             <a:r>
               <a:rPr lang="en-US" altLang="zh-CN" dirty="0" smtClean="0"/>
@@ -4528,11 +4476,7 @@
           <a:p>
             <a:r>
               <a:rPr lang="zh-CN" altLang="en-US" dirty="0" smtClean="0"/>
-              <a:t>梯度</a:t>
-            </a:r>
-            <a:r>
-              <a:rPr lang="zh-CN" altLang="en-US" dirty="0" smtClean="0"/>
-              <a:t>下降算法⼀个极端的版本是把⼩批量数据的⼤⼩设为 </a:t>
+              <a:t>梯度下降算法⼀个极端的版本是把⼩批量数据的⼤⼩设为 </a:t>
             </a:r>
             <a:r>
               <a:rPr lang="en-US" altLang="zh-CN" dirty="0" smtClean="0"/>
@@ -4540,11 +4484,7 @@
             </a:r>
             <a:r>
               <a:rPr lang="zh-CN" altLang="en-US" dirty="0" smtClean="0"/>
-              <a:t>。即，假设⼀个训练输</a:t>
-            </a:r>
-            <a:r>
-              <a:rPr lang="zh-CN" altLang="en-US" dirty="0" smtClean="0"/>
-              <a:t>⼊</a:t>
+              <a:t>。即，假设⼀个训练输⼊</a:t>
             </a:r>
             <a:r>
               <a:rPr lang="en-US" altLang="zh-CN" dirty="0" smtClean="0"/>
@@ -4552,15 +4492,7 @@
             </a:r>
             <a:r>
               <a:rPr lang="zh-CN" altLang="en-US" dirty="0" smtClean="0"/>
-              <a:t>，我们</a:t>
-            </a:r>
-            <a:r>
-              <a:rPr lang="zh-CN" altLang="en-US" dirty="0" smtClean="0"/>
-              <a:t>按照</a:t>
-            </a:r>
-            <a:r>
-              <a:rPr lang="zh-CN" altLang="en-US" dirty="0" smtClean="0"/>
-              <a:t>规则</a:t>
+              <a:t>，我们按照规则</a:t>
             </a:r>
             <a:r>
               <a:rPr lang="en-US" altLang="zh-CN" dirty="0" err="1" smtClean="0"/>
@@ -4568,11 +4500,7 @@
             </a:r>
             <a:r>
               <a:rPr lang="en-US" altLang="zh-CN" dirty="0" smtClean="0"/>
-              <a:t> </a:t>
-            </a:r>
-            <a:r>
-              <a:rPr lang="en-US" altLang="zh-CN" dirty="0" smtClean="0"/>
-              <a:t>→ w ′ k = </a:t>
+              <a:t> → w ′ k = </a:t>
             </a:r>
             <a:r>
               <a:rPr lang="en-US" altLang="zh-CN" dirty="0" err="1" smtClean="0"/>
@@ -4604,11 +4532,7 @@
             </a:r>
             <a:r>
               <a:rPr lang="en-US" altLang="zh-CN" dirty="0" smtClean="0"/>
-              <a:t> </a:t>
-            </a:r>
-            <a:r>
-              <a:rPr lang="en-US" altLang="zh-CN" dirty="0" smtClean="0"/>
-              <a:t>→ b ′ l = </a:t>
+              <a:t> → b ′ l = </a:t>
             </a:r>
             <a:r>
               <a:rPr lang="en-US" altLang="zh-CN" dirty="0" err="1" smtClean="0"/>
@@ -4632,27 +4556,7 @@
             </a:r>
             <a:r>
               <a:rPr lang="zh-CN" altLang="en-US" dirty="0" smtClean="0"/>
-              <a:t>更新</a:t>
-            </a:r>
-            <a:r>
-              <a:rPr lang="zh-CN" altLang="en-US" dirty="0" smtClean="0"/>
-              <a:t>我们的权重和</a:t>
-            </a:r>
-            <a:r>
-              <a:rPr lang="zh-CN" altLang="en-US" dirty="0" smtClean="0"/>
-              <a:t>偏置</a:t>
-            </a:r>
-            <a:r>
-              <a:rPr lang="zh-CN" altLang="en-US" dirty="0" smtClean="0"/>
-              <a:t>。然后我们选取另⼀个训练输⼊，再⼀次更新权重和偏置。如此重复。这个过程被</a:t>
-            </a:r>
-            <a:r>
-              <a:rPr lang="zh-CN" altLang="en-US" dirty="0" smtClean="0"/>
-              <a:t>称为在线</a:t>
-            </a:r>
-            <a:r>
-              <a:rPr lang="zh-CN" altLang="en-US" dirty="0" smtClean="0"/>
-              <a:t>、</a:t>
+              <a:t>更新我们的权重和偏置。然后我们选取另⼀个训练输⼊，再⼀次更新权重和偏置。如此重复。这个过程被称为在线、</a:t>
             </a:r>
             <a:r>
               <a:rPr lang="en-US" altLang="zh-CN" dirty="0" smtClean="0"/>
@@ -4660,11 +4564,7 @@
             </a:r>
             <a:r>
               <a:rPr lang="zh-CN" altLang="en-US" dirty="0" smtClean="0"/>
-              <a:t>、或者递增学习。</a:t>
-            </a:r>
-            <a:r>
-              <a:rPr lang="zh-CN" altLang="en-US" dirty="0" smtClean="0"/>
-              <a:t>在</a:t>
+              <a:t>、或者递增学习。在</a:t>
             </a:r>
             <a:r>
               <a:rPr lang="en-US" altLang="zh-CN" dirty="0" smtClean="0"/>
@@ -4672,11 +4572,7 @@
             </a:r>
             <a:r>
               <a:rPr lang="zh-CN" altLang="en-US" dirty="0" smtClean="0"/>
-              <a:t>学习</a:t>
-            </a:r>
-            <a:r>
-              <a:rPr lang="zh-CN" altLang="en-US" dirty="0" smtClean="0"/>
-              <a:t>中，神经⽹络在⼀个时刻只学习⼀个训练输⼊（正如⼈类做的）。</a:t>
+              <a:t>学习中，神经⽹络在⼀个时刻只学习⼀个训练输⼊（正如⼈类做的）。</a:t>
             </a:r>
             <a:endParaRPr lang="zh-CN" altLang="en-US" dirty="0"/>
           </a:p>
@@ -5015,39 +4911,15 @@
             </a:r>
             <a:r>
               <a:rPr lang="zh-CN" altLang="en-US" dirty="0" smtClean="0"/>
-              <a:t>是</a:t>
-            </a:r>
-            <a:r>
-              <a:rPr lang="zh-CN" altLang="en-US" dirty="0" smtClean="0"/>
-              <a:t>⼀</a:t>
-            </a:r>
-            <a:r>
-              <a:rPr lang="zh-CN" altLang="en-US" dirty="0" smtClean="0"/>
-              <a:t>个</a:t>
-            </a:r>
-            <a:r>
-              <a:rPr lang="en-US" altLang="zh-CN" dirty="0" smtClean="0"/>
-              <a:t>(</a:t>
-            </a:r>
-            <a:r>
-              <a:rPr lang="en-US" altLang="zh-CN" dirty="0" smtClean="0"/>
-              <a:t>x, y</a:t>
-            </a:r>
-            <a:r>
-              <a:rPr lang="en-US" altLang="zh-CN" dirty="0" smtClean="0"/>
-              <a:t>)</a:t>
-            </a:r>
-            <a:r>
-              <a:rPr lang="zh-CN" altLang="en-US" dirty="0" smtClean="0"/>
-              <a:t>元组</a:t>
-            </a:r>
-            <a:r>
-              <a:rPr lang="zh-CN" altLang="en-US" dirty="0" smtClean="0"/>
-              <a:t>的列表，表⽰训练输⼊和其对应的期望输出。</a:t>
-            </a:r>
-            <a:r>
-              <a:rPr lang="zh-CN" altLang="en-US" dirty="0" smtClean="0"/>
-              <a:t>变量</a:t>
+              <a:t>是⼀个</a:t>
+            </a:r>
+            <a:r>
+              <a:rPr lang="en-US" altLang="zh-CN" dirty="0" smtClean="0"/>
+              <a:t>(x, y)</a:t>
+            </a:r>
+            <a:r>
+              <a:rPr lang="zh-CN" altLang="en-US" dirty="0" smtClean="0"/>
+              <a:t>元组的列表，表⽰训练输⼊和其对应的期望输出。变量</a:t>
             </a:r>
             <a:r>
               <a:rPr lang="en-US" altLang="zh-CN" dirty="0" smtClean="0"/>
@@ -5071,11 +4943,7 @@
             </a:r>
             <a:r>
               <a:rPr lang="zh-CN" altLang="en-US" dirty="0" smtClean="0"/>
-              <a:t>是</a:t>
-            </a:r>
-            <a:r>
-              <a:rPr lang="zh-CN" altLang="en-US" dirty="0" smtClean="0"/>
-              <a:t>学习速率，</a:t>
+              <a:t>是学习速率，</a:t>
             </a:r>
             <a:r>
               <a:rPr lang="el-GR" altLang="zh-CN" dirty="0" smtClean="0"/>
@@ -5090,11 +4958,7 @@
           <a:p>
             <a:r>
               <a:rPr lang="zh-CN" altLang="en-US" dirty="0" smtClean="0"/>
-              <a:t>在每个迭代期，它⾸先随机地将训练数据打乱，然后将它分成多个适当⼤⼩的⼩批量数据。这是⼀个简单的从训练数据的随机采样⽅法。然后对于每⼀</a:t>
-            </a:r>
-            <a:r>
-              <a:rPr lang="zh-CN" altLang="en-US" dirty="0" smtClean="0"/>
-              <a:t>个</a:t>
+              <a:t>在每个迭代期，它⾸先随机地将训练数据打乱，然后将它分成多个适当⼤⼩的⼩批量数据。这是⼀个简单的从训练数据的随机采样⽅法。然后对于每⼀个</a:t>
             </a:r>
             <a:r>
               <a:rPr lang="en-US" altLang="zh-CN" dirty="0" err="1" smtClean="0"/>
@@ -5102,15 +4966,7 @@
             </a:r>
             <a:r>
               <a:rPr lang="zh-CN" altLang="en-US" dirty="0" smtClean="0"/>
-              <a:t>我们</a:t>
-            </a:r>
-            <a:r>
-              <a:rPr lang="zh-CN" altLang="en-US" dirty="0" smtClean="0"/>
-              <a:t>应⽤⼀次梯度下降。这是通过</a:t>
-            </a:r>
-            <a:r>
-              <a:rPr lang="zh-CN" altLang="en-US" dirty="0" smtClean="0"/>
-              <a:t>代码</a:t>
+              <a:t>我们应⽤⼀次梯度下降。这是通过代码</a:t>
             </a:r>
             <a:r>
               <a:rPr lang="en-US" altLang="zh-CN" dirty="0" err="1" smtClean="0"/>
@@ -5126,23 +4982,11 @@
             </a:r>
             <a:r>
               <a:rPr lang="en-US" altLang="zh-CN" dirty="0" smtClean="0"/>
-              <a:t>, eta</a:t>
-            </a:r>
-            <a:r>
-              <a:rPr lang="en-US" altLang="zh-CN" dirty="0" smtClean="0"/>
-              <a:t>)</a:t>
-            </a:r>
-            <a:r>
-              <a:rPr lang="zh-CN" altLang="en-US" dirty="0" smtClean="0"/>
-              <a:t>完成</a:t>
-            </a:r>
-            <a:r>
-              <a:rPr lang="zh-CN" altLang="en-US" dirty="0" smtClean="0"/>
-              <a:t>的，它仅仅使</a:t>
-            </a:r>
-            <a:r>
-              <a:rPr lang="zh-CN" altLang="en-US" dirty="0" smtClean="0"/>
-              <a:t>⽤</a:t>
+              <a:t>, eta)</a:t>
+            </a:r>
+            <a:r>
+              <a:rPr lang="zh-CN" altLang="en-US" dirty="0" smtClean="0"/>
+              <a:t>完成的，它仅仅使⽤</a:t>
             </a:r>
             <a:r>
               <a:rPr lang="en-US" altLang="zh-CN" dirty="0" err="1" smtClean="0"/>
@@ -5150,22 +4994,14 @@
             </a:r>
             <a:r>
               <a:rPr lang="zh-CN" altLang="en-US" dirty="0" smtClean="0"/>
-              <a:t>中</a:t>
-            </a:r>
-            <a:r>
-              <a:rPr lang="zh-CN" altLang="en-US" dirty="0" smtClean="0"/>
-              <a:t>的训练数据，根据单次梯度下降的迭代更新⽹络的权重和偏置。</a:t>
+              <a:t>中的训练数据，根据单次梯度下降的迭代更新⽹络的权重和偏置。</a:t>
             </a:r>
             <a:endParaRPr lang="en-US" altLang="zh-CN" dirty="0" smtClean="0"/>
           </a:p>
           <a:p>
             <a:r>
               <a:rPr lang="zh-CN" altLang="en-US" dirty="0" smtClean="0"/>
-              <a:t>这⾏调⽤了⼀个称为反向传播的算法，⼀种快速计算代价函数的梯度的⽅法。</a:t>
-            </a:r>
-            <a:r>
-              <a:rPr lang="zh-CN" altLang="en-US" dirty="0" smtClean="0"/>
-              <a:t>因此</a:t>
+              <a:t>这⾏调⽤了⼀个称为反向传播的算法，⼀种快速计算代价函数的梯度的⽅法。因此</a:t>
             </a:r>
             <a:r>
               <a:rPr lang="en-US" altLang="zh-CN" dirty="0" err="1" smtClean="0"/>
@@ -5173,15 +5009,7 @@
             </a:r>
             <a:r>
               <a:rPr lang="zh-CN" altLang="en-US" dirty="0" smtClean="0"/>
-              <a:t>的</a:t>
-            </a:r>
-            <a:r>
-              <a:rPr lang="zh-CN" altLang="en-US" dirty="0" smtClean="0"/>
-              <a:t>⼯作仅仅是</a:t>
-            </a:r>
-            <a:r>
-              <a:rPr lang="zh-CN" altLang="en-US" dirty="0" smtClean="0"/>
-              <a:t>对</a:t>
+              <a:t>的⼯作仅仅是对</a:t>
             </a:r>
             <a:r>
               <a:rPr lang="en-US" altLang="zh-CN" dirty="0" err="1" smtClean="0"/>
@@ -5189,15 +5017,7 @@
             </a:r>
             <a:r>
               <a:rPr lang="zh-CN" altLang="en-US" dirty="0" smtClean="0"/>
-              <a:t>中</a:t>
-            </a:r>
-            <a:r>
-              <a:rPr lang="zh-CN" altLang="en-US" dirty="0" smtClean="0"/>
-              <a:t>的每⼀个训练样本计算梯度，然后适当地</a:t>
-            </a:r>
-            <a:r>
-              <a:rPr lang="zh-CN" altLang="en-US" dirty="0" smtClean="0"/>
-              <a:t>更新</a:t>
+              <a:t>中的每⼀个训练样本计算梯度，然后适当地更新</a:t>
             </a:r>
             <a:r>
               <a:rPr lang="en-US" altLang="zh-CN" dirty="0" err="1" smtClean="0"/>
@@ -5213,15 +5033,7 @@
             </a:r>
             <a:r>
               <a:rPr lang="zh-CN" altLang="en-US" dirty="0" smtClean="0"/>
-              <a:t>。反向传播</a:t>
-            </a:r>
-            <a:r>
-              <a:rPr lang="zh-CN" altLang="en-US" dirty="0" smtClean="0"/>
-              <a:t>这个函数稍后</a:t>
-            </a:r>
-            <a:r>
-              <a:rPr lang="zh-CN" altLang="en-US" dirty="0" smtClean="0"/>
-              <a:t>介绍。</a:t>
+              <a:t>。反向传播这个函数稍后介绍。</a:t>
             </a:r>
             <a:endParaRPr lang="zh-CN" altLang="en-US" dirty="0"/>
           </a:p>
@@ -5508,11 +5320,7 @@
           <a:p>
             <a:r>
               <a:rPr lang="zh-CN" altLang="en-US" dirty="0" smtClean="0"/>
-              <a:t>⽬前，精⼼设计的神经⽹络胜过任何其它</a:t>
-            </a:r>
-            <a:r>
-              <a:rPr lang="zh-CN" altLang="en-US" dirty="0" smtClean="0"/>
-              <a:t>解决</a:t>
+              <a:t>⽬前，精⼼设计的神经⽹络胜过任何其它解决</a:t>
             </a:r>
             <a:r>
               <a:rPr lang="en-US" altLang="zh-CN" dirty="0" smtClean="0"/>
@@ -5520,15 +5328,7 @@
             </a:r>
             <a:r>
               <a:rPr lang="zh-CN" altLang="en-US" dirty="0" smtClean="0"/>
-              <a:t>的</a:t>
-            </a:r>
-            <a:r>
-              <a:rPr lang="zh-CN" altLang="en-US" dirty="0" smtClean="0"/>
-              <a:t>技术</a:t>
-            </a:r>
-            <a:r>
-              <a:rPr lang="zh-CN" altLang="en-US" dirty="0" smtClean="0"/>
-              <a:t>，</a:t>
+              <a:t>的技术，</a:t>
             </a:r>
             <a:r>
               <a:rPr lang="en-US" altLang="zh-CN" dirty="0" smtClean="0"/>
@@ -5536,15 +5336,7 @@
             </a:r>
             <a:r>
               <a:rPr lang="zh-CN" altLang="en-US" dirty="0" smtClean="0"/>
-              <a:t>年的</a:t>
-            </a:r>
-            <a:r>
-              <a:rPr lang="zh-CN" altLang="en-US" dirty="0" smtClean="0"/>
-              <a:t>纪录是</a:t>
-            </a:r>
-            <a:r>
-              <a:rPr lang="zh-CN" altLang="en-US" dirty="0" smtClean="0"/>
-              <a:t>从</a:t>
+              <a:t>年的纪录是从</a:t>
             </a:r>
             <a:r>
               <a:rPr lang="en-US" altLang="zh-CN" dirty="0" smtClean="0"/>
@@ -5552,15 +5344,7 @@
             </a:r>
             <a:r>
               <a:rPr lang="zh-CN" altLang="en-US" dirty="0" smtClean="0"/>
-              <a:t>图像</a:t>
-            </a:r>
-            <a:r>
-              <a:rPr lang="zh-CN" altLang="en-US" dirty="0" smtClean="0"/>
-              <a:t>中正确</a:t>
-            </a:r>
-            <a:r>
-              <a:rPr lang="zh-CN" altLang="en-US" dirty="0" smtClean="0"/>
-              <a:t>分类</a:t>
+              <a:t>图像中正确分类</a:t>
             </a:r>
             <a:r>
               <a:rPr lang="en-US" altLang="zh-CN" dirty="0" smtClean="0"/>
@@ -5568,30 +5352,14 @@
             </a:r>
             <a:r>
               <a:rPr lang="zh-CN" altLang="en-US" dirty="0" smtClean="0"/>
-              <a:t>个</a:t>
-            </a:r>
-            <a:r>
-              <a:rPr lang="zh-CN" altLang="en-US" dirty="0" smtClean="0"/>
-              <a:t>。</a:t>
+              <a:t>个。</a:t>
             </a:r>
             <a:endParaRPr lang="en-US" altLang="zh-CN" dirty="0" smtClean="0"/>
           </a:p>
           <a:p>
             <a:r>
               <a:rPr lang="zh-CN" altLang="en-US" dirty="0" smtClean="0"/>
-              <a:t>通常，当</a:t>
-            </a:r>
-            <a:r>
-              <a:rPr lang="zh-CN" altLang="en-US" dirty="0" smtClean="0"/>
-              <a:t>编程时</a:t>
-            </a:r>
-            <a:r>
-              <a:rPr lang="zh-CN" altLang="en-US" dirty="0" smtClean="0"/>
-              <a:t>我们相信解决⼀个类似</a:t>
-            </a:r>
-            <a:r>
-              <a:rPr lang="zh-CN" altLang="en-US" dirty="0" smtClean="0"/>
-              <a:t>识别</a:t>
+              <a:t>通常，当编程时我们相信解决⼀个类似识别</a:t>
             </a:r>
             <a:r>
               <a:rPr lang="en-US" altLang="zh-CN" dirty="0" smtClean="0"/>
@@ -5599,43 +5367,7 @@
             </a:r>
             <a:r>
               <a:rPr lang="zh-CN" altLang="en-US" dirty="0" smtClean="0"/>
-              <a:t>数字</a:t>
-            </a:r>
-            <a:r>
-              <a:rPr lang="zh-CN" altLang="en-US" dirty="0" smtClean="0"/>
-              <a:t>的问题需要⼀个复杂的算法。</a:t>
-            </a:r>
-            <a:r>
-              <a:rPr lang="zh-CN" altLang="en-US" dirty="0" smtClean="0"/>
-              <a:t>但是刚才</a:t>
-            </a:r>
-            <a:r>
-              <a:rPr lang="zh-CN" altLang="en-US" dirty="0" smtClean="0"/>
-              <a:t>提到</a:t>
-            </a:r>
-            <a:r>
-              <a:rPr lang="zh-CN" altLang="en-US" dirty="0" smtClean="0"/>
-              <a:t>的神经</a:t>
-            </a:r>
-            <a:r>
-              <a:rPr lang="zh-CN" altLang="en-US" dirty="0" smtClean="0"/>
-              <a:t>⽹络，只涉及到相当简单的算法、和我们在这⼀章中已经看到的</a:t>
-            </a:r>
-            <a:r>
-              <a:rPr lang="zh-CN" altLang="en-US" dirty="0" smtClean="0"/>
-              <a:t>算法</a:t>
-            </a:r>
-            <a:r>
-              <a:rPr lang="zh-CN" altLang="en-US" dirty="0" smtClean="0"/>
-              <a:t>的变化形式。所有的复杂性⾃动从训练数据学习。在某种意义上，我们的结果和那些在更</a:t>
-            </a:r>
-            <a:r>
-              <a:rPr lang="zh-CN" altLang="en-US" dirty="0" smtClean="0"/>
-              <a:t>深奥</a:t>
-            </a:r>
-            <a:r>
-              <a:rPr lang="zh-CN" altLang="en-US" dirty="0" smtClean="0"/>
-              <a:t>的论⽂中都有的寓意是，对有些问题：</a:t>
+              <a:t>数字的问题需要⼀个复杂的算法。但是刚才提到的神经⽹络，只涉及到相当简单的算法、和我们在这⼀章中已经看到的算法的变化形式。所有的复杂性⾃动从训练数据学习。在某种意义上，我们的结果和那些在更深奥的论⽂中都有的寓意是，对有些问题：</a:t>
             </a:r>
             <a:endParaRPr lang="zh-CN" altLang="en-US" dirty="0"/>
           </a:p>
@@ -5723,63 +5455,7 @@
           <a:p>
             <a:r>
               <a:rPr lang="zh-CN" altLang="en-US" dirty="0" smtClean="0"/>
-              <a:t>虽然神经</a:t>
-            </a:r>
-            <a:r>
-              <a:rPr lang="zh-CN" altLang="en-US" dirty="0" smtClean="0"/>
-              <a:t>⽹络给出了令⼈印象深刻的表现，但这样的表现带有⼏分神秘。⽹络中的</a:t>
-            </a:r>
-            <a:r>
-              <a:rPr lang="zh-CN" altLang="en-US" dirty="0" smtClean="0"/>
-              <a:t>权重</a:t>
-            </a:r>
-            <a:r>
-              <a:rPr lang="zh-CN" altLang="en-US" dirty="0" smtClean="0"/>
-              <a:t>和偏置是被⾃动发现的。这意味着我们不能⽴即解释⽹络怎么做的、做了什么。我们能否</a:t>
-            </a:r>
-            <a:r>
-              <a:rPr lang="zh-CN" altLang="en-US" dirty="0" smtClean="0"/>
-              <a:t>找到</a:t>
-            </a:r>
-            <a:r>
-              <a:rPr lang="zh-CN" altLang="en-US" dirty="0" smtClean="0"/>
-              <a:t>⼀些⽅法来</a:t>
-            </a:r>
-            <a:r>
-              <a:rPr lang="zh-CN" altLang="en-US" dirty="0" smtClean="0"/>
-              <a:t>理解⽹</a:t>
-            </a:r>
-            <a:r>
-              <a:rPr lang="zh-CN" altLang="en-US" dirty="0" smtClean="0"/>
-              <a:t>络通过什么原理分类⼿写数字</a:t>
-            </a:r>
-            <a:r>
-              <a:rPr lang="zh-CN" altLang="en-US" dirty="0" smtClean="0"/>
-              <a:t>？在</a:t>
-            </a:r>
-            <a:r>
-              <a:rPr lang="zh-CN" altLang="en-US" dirty="0" smtClean="0"/>
-              <a:t>⼈⼯智能的早期研究阶段，⼈们希望在构建⼈⼯智能的努⼒过程中，也同时能够帮助我们理解智能背后的机制，以及⼈类⼤脑</a:t>
-            </a:r>
-            <a:r>
-              <a:rPr lang="zh-CN" altLang="en-US" dirty="0" smtClean="0"/>
-              <a:t>的运转</a:t>
-            </a:r>
-            <a:r>
-              <a:rPr lang="zh-CN" altLang="en-US" dirty="0" smtClean="0"/>
-              <a:t>⽅式。但结果可能是我们既不能够理解⼤脑的机制，也不能够理解⼈⼯智能的机制。为解决这些问题，让我们重新思考⼀下我在本章开始时所给的⼈⼯神经元的解释，作为⼀</a:t>
-            </a:r>
-            <a:r>
-              <a:rPr lang="zh-CN" altLang="en-US" dirty="0" smtClean="0"/>
-              <a:t>种衡量</a:t>
-            </a:r>
-            <a:r>
-              <a:rPr lang="zh-CN" altLang="en-US" dirty="0" smtClean="0"/>
-              <a:t>证据的⽅法。假设我们要确定⼀幅图像是否显⽰有⼈脸。我们可以⽤解决⼿写识别问题的相同⽅式来攻克这个</a:t>
-            </a:r>
-            <a:r>
-              <a:rPr lang="zh-CN" altLang="en-US" dirty="0" smtClean="0"/>
-              <a:t>问题</a:t>
+              <a:t>虽然神经⽹络给出了令⼈印象深刻的表现，但这样的表现带有⼏分神秘。⽹络中的权重和偏置是被⾃动发现的。这意味着我们不能⽴即解释⽹络怎么做的、做了什么。我们能否找到⼀些⽅法来理解⽹络通过什么原理分类⼿写数字？在⼈⼯智能的早期研究阶段，⼈们希望在构建⼈⼯智能的努⼒过程中，也同时能够帮助我们理解智能背后的机制，以及⼈类⼤脑的运转⽅式。但结果可能是我们既不能够理解⼤脑的机制，也不能够理解⼈⼯智能的机制。为解决这些问题，让我们重新思考⼀下我在本章开始时所给的⼈⼯神经元的解释，作为⼀种衡量证据的⽅法。假设我们要确定⼀幅图像是否显⽰有⼈脸。我们可以⽤解决⼿写识别问题的相同⽅式来攻克这个问题</a:t>
             </a:r>
             <a:r>
               <a:rPr lang="en-US" altLang="zh-CN" dirty="0" smtClean="0"/>
@@ -5787,71 +5463,7 @@
             </a:r>
             <a:r>
               <a:rPr lang="zh-CN" altLang="en-US" dirty="0" smtClean="0"/>
-              <a:t>络的输⼊是图像中的像素</a:t>
-            </a:r>
-            <a:r>
-              <a:rPr lang="zh-CN" altLang="en-US" dirty="0" smtClean="0"/>
-              <a:t>，⽹</a:t>
-            </a:r>
-            <a:r>
-              <a:rPr lang="zh-CN" altLang="en-US" dirty="0" smtClean="0"/>
-              <a:t>络的输出是⼀个单个的神经元⽤于表明“是的，这是⼀张脸”或“不，这不是⼀张脸”。 假设我们就采取了这个⽅法，但接下来我们先不去使⽤⼀个学习算法。⽽是去尝试亲⼿</a:t>
-            </a:r>
-            <a:r>
-              <a:rPr lang="zh-CN" altLang="en-US" dirty="0" smtClean="0"/>
-              <a:t>设计⼀</a:t>
-            </a:r>
-            <a:r>
-              <a:rPr lang="zh-CN" altLang="en-US" dirty="0" smtClean="0"/>
-              <a:t>个⽹络，并为它选择合适的权重和偏置。我们要怎样做呢？暂时先忘掉神经⽹络，我们</a:t>
-            </a:r>
-            <a:r>
-              <a:rPr lang="zh-CN" altLang="en-US" dirty="0" smtClean="0"/>
-              <a:t>受到启发</a:t>
-            </a:r>
-            <a:r>
-              <a:rPr lang="zh-CN" altLang="en-US" dirty="0" smtClean="0"/>
-              <a:t>的⼀个想法是将这个问题分解成⼦问题：图像的左上⻆有⼀个眼睛吗？右上⻆有⼀个</a:t>
-            </a:r>
-            <a:r>
-              <a:rPr lang="zh-CN" altLang="en-US" dirty="0" smtClean="0"/>
-              <a:t>眼睛吗</a:t>
-            </a:r>
-            <a:r>
-              <a:rPr lang="zh-CN" altLang="en-US" dirty="0" smtClean="0"/>
-              <a:t>？中间有⼀个⿐⼦吗？下⾯中央有⼀个嘴吗？上⾯有头发吗？诸如此类。如果⼀些问题的回答是“是”，或者甚⾄仅仅是“可能是”，那么我们可以作出结论这个</a:t>
-            </a:r>
-            <a:r>
-              <a:rPr lang="zh-CN" altLang="en-US" dirty="0" smtClean="0"/>
-              <a:t>图像可能</a:t>
-            </a:r>
-            <a:r>
-              <a:rPr lang="zh-CN" altLang="en-US" dirty="0" smtClean="0"/>
-              <a:t>是⼀张脸。相反地，如果⼤多数这些问题的答案是“不是”，那么这张图像可能不是⼀张脸。当然，这仅仅是⼀个粗略的想法，⽽且它存在许多缺陷。也许有个⼈是秃头，没有头发。</a:t>
-            </a:r>
-            <a:r>
-              <a:rPr lang="zh-CN" altLang="en-US" dirty="0" smtClean="0"/>
-              <a:t>也许</a:t>
-            </a:r>
-            <a:r>
-              <a:rPr lang="zh-CN" altLang="en-US" dirty="0" smtClean="0"/>
-              <a:t>我们仅仅能看到脸的部分，或者这张脸是有⻆度的，因此⼀些⾯部特征是模糊的。不过</a:t>
-            </a:r>
-            <a:r>
-              <a:rPr lang="zh-CN" altLang="en-US" dirty="0" smtClean="0"/>
-              <a:t>这个想法</a:t>
-            </a:r>
-            <a:r>
-              <a:rPr lang="zh-CN" altLang="en-US" dirty="0" smtClean="0"/>
-              <a:t>表明了如果我们能够使⽤神经⽹络来解决这些⼦问题，那么我们也许可以通过将这些</a:t>
-            </a:r>
-            <a:r>
-              <a:rPr lang="zh-CN" altLang="en-US" dirty="0" smtClean="0"/>
-              <a:t>解决⼦</a:t>
-            </a:r>
-            <a:r>
-              <a:rPr lang="zh-CN" altLang="en-US" dirty="0" smtClean="0"/>
-              <a:t>问题的⽹络结合起来，构成⼀个⼈脸检测的神经⽹络。</a:t>
+              <a:t>络的输⼊是图像中的像素，⽹络的输出是⼀个单个的神经元⽤于表明“是的，这是⼀张脸”或“不，这不是⼀张脸”。 假设我们就采取了这个⽅法，但接下来我们先不去使⽤⼀个学习算法。⽽是去尝试亲⼿设计⼀个⽹络，并为它选择合适的权重和偏置。我们要怎样做呢？暂时先忘掉神经⽹络，我们受到启发的⼀个想法是将这个问题分解成⼦问题：图像的左上⻆有⼀个眼睛吗？右上⻆有⼀个眼睛吗？中间有⼀个⿐⼦吗？下⾯中央有⼀个嘴吗？上⾯有头发吗？诸如此类。如果⼀些问题的回答是“是”，或者甚⾄仅仅是“可能是”，那么我们可以作出结论这个图像可能是⼀张脸。相反地，如果⼤多数这些问题的答案是“不是”，那么这张图像可能不是⼀张脸。当然，这仅仅是⼀个粗略的想法，⽽且它存在许多缺陷。也许有个⼈是秃头，没有头发。也许我们仅仅能看到脸的部分，或者这张脸是有⻆度的，因此⼀些⾯部特征是模糊的。不过这个想法表明了如果我们能够使⽤神经⽹络来解决这些⼦问题，那么我们也许可以通过将这些解决⼦问题的⽹络结合起来，构成⼀个⼈脸检测的神经⽹络。</a:t>
             </a:r>
             <a:endParaRPr lang="zh-CN" altLang="en-US" dirty="0"/>
           </a:p>
@@ -5939,31 +5551,7 @@
           <a:p>
             <a:r>
               <a:rPr lang="zh-CN" altLang="en-US" dirty="0" smtClean="0"/>
-              <a:t>⼦⽹络也可以被继续</a:t>
-            </a:r>
-            <a:r>
-              <a:rPr lang="zh-CN" altLang="en-US" dirty="0" smtClean="0"/>
-              <a:t>分解。</a:t>
-            </a:r>
-            <a:r>
-              <a:rPr lang="zh-CN" altLang="en-US" dirty="0" smtClean="0"/>
-              <a:t>假设我们考虑这个问题：“左上⻆有⼀个</a:t>
-            </a:r>
-            <a:r>
-              <a:rPr lang="zh-CN" altLang="en-US" dirty="0" smtClean="0"/>
-              <a:t>眼睛吗</a:t>
-            </a:r>
-            <a:r>
-              <a:rPr lang="zh-CN" altLang="en-US" dirty="0" smtClean="0"/>
-              <a:t>？”。这个问题可以被分解成这些⼦问题：“有⼀个眉⽑吗？”，“有睫⽑吗？”，“有虹膜吗？”，</a:t>
-            </a:r>
-            <a:r>
-              <a:rPr lang="zh-CN" altLang="en-US" dirty="0" smtClean="0"/>
-              <a:t>等等</a:t>
-            </a:r>
-            <a:r>
-              <a:rPr lang="zh-CN" altLang="en-US" dirty="0" smtClean="0"/>
-              <a:t>。当然这些问题也应该包含关于位置的信息 </a:t>
+              <a:t>⼦⽹络也可以被继续分解。假设我们考虑这个问题：“左上⻆有⼀个眼睛吗？”。这个问题可以被分解成这些⼦问题：“有⼀个眉⽑吗？”，“有睫⽑吗？”，“有虹膜吗？”，等等。当然这些问题也应该包含关于位置的信息 </a:t>
             </a:r>
             <a:r>
               <a:rPr lang="en-US" altLang="zh-CN" dirty="0" smtClean="0"/>
@@ -5971,19 +5559,15 @@
             </a:r>
             <a:r>
               <a:rPr lang="zh-CN" altLang="en-US" dirty="0" smtClean="0"/>
-              <a:t>诸如“在左上⻆有眉⽑，上⾯有虹膜吗？”</a:t>
-            </a:r>
-            <a:r>
-              <a:rPr lang="en-US" altLang="zh-CN" dirty="0" smtClean="0"/>
-              <a:t>—— </a:t>
-            </a:r>
-            <a:r>
-              <a:rPr lang="zh-CN" altLang="en-US" dirty="0" smtClean="0"/>
-              <a:t>但是让我们先保持简单。回答问题“左上⻆有⼀个眼睛吗？”的⽹络能够被分解成</a:t>
-            </a:r>
-            <a:r>
-              <a:rPr lang="zh-CN" altLang="en-US" dirty="0" smtClean="0"/>
-              <a:t>：</a:t>
+              <a:t>诸如“在左上⻆有眉⽑，上⾯有虹膜吗？</a:t>
+            </a:r>
+            <a:r>
+              <a:rPr lang="zh-CN" altLang="en-US" dirty="0" smtClean="0"/>
+              <a:t>”⽹络被</a:t>
+            </a:r>
+            <a:r>
+              <a:rPr lang="zh-CN" altLang="en-US" dirty="0" smtClean="0"/>
+              <a:t>分解成：</a:t>
             </a:r>
             <a:endParaRPr lang="zh-CN" altLang="en-US" dirty="0"/>
           </a:p>
@@ -6075,39 +5659,7 @@
             </a:r>
             <a:r>
               <a:rPr lang="zh-CN" altLang="en-US" dirty="0" smtClean="0"/>
-              <a:t>⼦问题也同样可以继续被分解，并通过多个⽹络层传递得越来越远。最终，我们的</a:t>
-            </a:r>
-            <a:r>
-              <a:rPr lang="zh-CN" altLang="en-US" dirty="0" smtClean="0"/>
-              <a:t>⼦⽹络</a:t>
-            </a:r>
-            <a:r>
-              <a:rPr lang="zh-CN" altLang="en-US" dirty="0" smtClean="0"/>
-              <a:t>可以回答那些只包含若⼲个像素点的简单问题。举例来说，这些简单的问题可能是询问</a:t>
-            </a:r>
-            <a:r>
-              <a:rPr lang="zh-CN" altLang="en-US" dirty="0" smtClean="0"/>
-              <a:t>图像中</a:t>
-            </a:r>
-            <a:r>
-              <a:rPr lang="zh-CN" altLang="en-US" dirty="0" smtClean="0"/>
-              <a:t>的⼏个像素是否构成⾮常简单的形状。这些问题就可以被那些与图像中原始像素点相连的</a:t>
-            </a:r>
-            <a:r>
-              <a:rPr lang="zh-CN" altLang="en-US" dirty="0" smtClean="0"/>
-              <a:t>单个</a:t>
-            </a:r>
-            <a:r>
-              <a:rPr lang="zh-CN" altLang="en-US" dirty="0" smtClean="0"/>
-              <a:t>神经元所回答</a:t>
-            </a:r>
-            <a:r>
-              <a:rPr lang="zh-CN" altLang="en-US" dirty="0" smtClean="0"/>
-              <a:t>。最终</a:t>
-            </a:r>
-            <a:r>
-              <a:rPr lang="zh-CN" altLang="en-US" dirty="0" smtClean="0"/>
-              <a:t>的结果是，我们设计出了⼀个⽹络，它将⼀个⾮常复杂的问题 </a:t>
+              <a:t>⼦问题也同样可以继续被分解，并通过多个⽹络层传递得越来越远。最终，我们的⼦⽹络可以回答那些只包含若⼲个像素点的简单问题。举例来说，这些简单的问题可能是询问图像中的⼏个像素是否构成⾮常简单的形状。这些问题就可以被那些与图像中原始像素点相连的单个神经元所回答。最终的结果是，我们设计出了⼀个⽹络，它将⼀个⾮常复杂的问题 </a:t>
             </a:r>
             <a:r>
               <a:rPr lang="en-US" altLang="zh-CN" dirty="0" smtClean="0"/>
@@ -6115,11 +5667,7 @@
             </a:r>
             <a:r>
               <a:rPr lang="zh-CN" altLang="en-US" dirty="0" smtClean="0"/>
-              <a:t>这张图像是否有⼀</a:t>
-            </a:r>
-            <a:r>
-              <a:rPr lang="zh-CN" altLang="en-US" dirty="0" smtClean="0"/>
-              <a:t>张⼈脸</a:t>
+              <a:t>这张图像是否有⼀张⼈脸</a:t>
             </a:r>
             <a:r>
               <a:rPr lang="en-US" altLang="zh-CN" dirty="0" smtClean="0"/>
@@ -6127,31 +5675,7 @@
             </a:r>
             <a:r>
               <a:rPr lang="zh-CN" altLang="en-US" dirty="0" smtClean="0"/>
-              <a:t>分解</a:t>
-            </a:r>
-            <a:r>
-              <a:rPr lang="zh-CN" altLang="en-US" dirty="0" smtClean="0"/>
-              <a:t>成在单像素层⾯上就可回答的⾮常简单的问题。它通过⼀系列多层结构来完成</a:t>
-            </a:r>
-            <a:r>
-              <a:rPr lang="zh-CN" altLang="en-US" dirty="0" smtClean="0"/>
-              <a:t>，在</a:t>
-            </a:r>
-            <a:r>
-              <a:rPr lang="zh-CN" altLang="en-US" dirty="0" smtClean="0"/>
-              <a:t>前⾯的⽹络层，它回答关于输⼊图像⾮常简单明确的问题，在后⾯的⽹络层，它建⽴了⼀</a:t>
-            </a:r>
-            <a:r>
-              <a:rPr lang="zh-CN" altLang="en-US" dirty="0" smtClean="0"/>
-              <a:t>个更加</a:t>
-            </a:r>
-            <a:r>
-              <a:rPr lang="zh-CN" altLang="en-US" dirty="0" smtClean="0"/>
-              <a:t>复杂和抽象的层级结构。包含这种</a:t>
-            </a:r>
-            <a:r>
-              <a:rPr lang="zh-CN" altLang="en-US" dirty="0" smtClean="0"/>
-              <a:t>多层结构</a:t>
+              <a:t>分解成在单像素层⾯上就可回答的⾮常简单的问题。它通过⼀系列多层结构来完成，在前⾯的⽹络层，它回答关于输⼊图像⾮常简单明确的问题，在后⾯的⽹络层，它建⽴了⼀个更加复杂和抽象的层级结构。包含这种多层结构</a:t>
             </a:r>
             <a:r>
               <a:rPr lang="en-US" altLang="zh-CN" dirty="0" smtClean="0"/>
@@ -6159,15 +5683,7 @@
             </a:r>
             <a:r>
               <a:rPr lang="zh-CN" altLang="en-US" dirty="0" smtClean="0"/>
-              <a:t>两</a:t>
-            </a:r>
-            <a:r>
-              <a:rPr lang="zh-CN" altLang="en-US" dirty="0" smtClean="0"/>
-              <a:t>层或更多隐藏</a:t>
-            </a:r>
-            <a:r>
-              <a:rPr lang="zh-CN" altLang="en-US" dirty="0" smtClean="0"/>
-              <a:t>层</a:t>
+              <a:t>两层或更多隐藏层</a:t>
             </a:r>
             <a:r>
               <a:rPr lang="en-US" altLang="zh-CN" dirty="0" smtClean="0"/>
@@ -6175,19 +5691,7 @@
             </a:r>
             <a:r>
               <a:rPr lang="zh-CN" altLang="en-US" dirty="0" smtClean="0"/>
-              <a:t>的</a:t>
-            </a:r>
-            <a:r>
-              <a:rPr lang="zh-CN" altLang="en-US" dirty="0" smtClean="0"/>
-              <a:t>⽹络被称为</a:t>
-            </a:r>
-            <a:r>
-              <a:rPr lang="zh-CN" altLang="en-US" dirty="0" smtClean="0"/>
-              <a:t>深度神经</a:t>
-            </a:r>
-            <a:r>
-              <a:rPr lang="zh-CN" altLang="en-US" dirty="0" smtClean="0"/>
-              <a:t>⽹络。 </a:t>
+              <a:t>的⽹络被称为深度神经⽹络。 </a:t>
             </a:r>
             <a:endParaRPr lang="zh-CN" altLang="en-US" dirty="0"/>
           </a:p>
@@ -6275,7 +5779,31 @@
           <a:p>
             <a:r>
               <a:rPr lang="zh-CN" altLang="en-US" dirty="0" smtClean="0"/>
-              <a:t>我们看到了神经⽹络如何使⽤梯度下降算法来学习他们⾃⾝的权重和偏置。但是， 这⾥还留下了⼀个问题：我们并没有讨论如何计算代价函数的梯度。这是很⼤的缺失！在本章， 我们会解释计算这些梯度的快速算法，也就是反向传播（</a:t>
+              <a:t>我们看到了神经⽹络如何使⽤梯度下降算法来学习他们⾃⾝的权重和偏置。但是</a:t>
+            </a:r>
+            <a:r>
+              <a:rPr lang="zh-CN" altLang="en-US" dirty="0" smtClean="0"/>
+              <a:t>，这</a:t>
+            </a:r>
+            <a:r>
+              <a:rPr lang="zh-CN" altLang="en-US" dirty="0" smtClean="0"/>
+              <a:t>⾥还留下了⼀个问题</a:t>
+            </a:r>
+            <a:r>
+              <a:rPr lang="zh-CN" altLang="en-US" dirty="0" smtClean="0"/>
+              <a:t>：前面并没有</a:t>
+            </a:r>
+            <a:r>
+              <a:rPr lang="zh-CN" altLang="en-US" dirty="0" smtClean="0"/>
+              <a:t>讨论如何计算代价函数的梯度</a:t>
+            </a:r>
+            <a:r>
+              <a:rPr lang="zh-CN" altLang="en-US" dirty="0" smtClean="0"/>
+              <a:t>。这一节，我们来解释</a:t>
+            </a:r>
+            <a:r>
+              <a:rPr lang="zh-CN" altLang="en-US" dirty="0" smtClean="0"/>
+              <a:t>计算这些梯度的快速算法，也就是反向传播（</a:t>
             </a:r>
             <a:r>
               <a:rPr lang="en-US" altLang="zh-CN" dirty="0" smtClean="0"/>
@@ -6283,7 +5811,15 @@
             </a:r>
             <a:r>
               <a:rPr lang="zh-CN" altLang="en-US" dirty="0" smtClean="0"/>
-              <a:t>）。 反向传播算法最初在</a:t>
+              <a:t>）</a:t>
+            </a:r>
+            <a:r>
+              <a:rPr lang="zh-CN" altLang="en-US" dirty="0" smtClean="0"/>
+              <a:t>。反向传播算法</a:t>
+            </a:r>
+            <a:r>
+              <a:rPr lang="zh-CN" altLang="en-US" dirty="0" smtClean="0"/>
+              <a:t>最初在</a:t>
             </a:r>
             <a:r>
               <a:rPr lang="en-US" altLang="zh-CN" dirty="0" smtClean="0"/>
@@ -6291,31 +5827,11 @@
             </a:r>
             <a:r>
               <a:rPr lang="zh-CN" altLang="en-US" dirty="0" smtClean="0"/>
-              <a:t>年代被提及，但是⼈们直到</a:t>
-            </a:r>
-            <a:r>
-              <a:rPr lang="en-US" altLang="zh-CN" dirty="0" err="1" smtClean="0"/>
-              <a:t>DavidRumelhart</a:t>
-            </a:r>
-            <a:r>
-              <a:rPr lang="zh-CN" altLang="en-US" dirty="0" smtClean="0"/>
-              <a:t>、</a:t>
-            </a:r>
-            <a:r>
-              <a:rPr lang="en-US" altLang="zh-CN" dirty="0" err="1" smtClean="0"/>
-              <a:t>GeoffreyHinton</a:t>
-            </a:r>
-            <a:r>
-              <a:rPr lang="zh-CN" altLang="en-US" dirty="0" smtClean="0"/>
-              <a:t>和 </a:t>
-            </a:r>
-            <a:r>
-              <a:rPr lang="en-US" altLang="zh-CN" dirty="0" err="1" smtClean="0"/>
-              <a:t>RonaldWilliams</a:t>
-            </a:r>
-            <a:r>
-              <a:rPr lang="zh-CN" altLang="en-US" dirty="0" smtClean="0"/>
-              <a:t>的著名的</a:t>
+              <a:t>年代被提及</a:t>
+            </a:r>
+            <a:r>
+              <a:rPr lang="zh-CN" altLang="en-US" dirty="0" smtClean="0"/>
+              <a:t>，后来有三个人在</a:t>
             </a:r>
             <a:r>
               <a:rPr lang="en-US" altLang="zh-CN" dirty="0" smtClean="0"/>
@@ -6323,7 +5839,43 @@
             </a:r>
             <a:r>
               <a:rPr lang="zh-CN" altLang="en-US" dirty="0" smtClean="0"/>
-              <a:t>年的论⽂中才认识到这个算法的重要性。这篇论⽂描述了对⼀ 些神经⽹络反向传播要⽐传统的⽅法更快，这使得使⽤神经⽹络来解决之前⽆法完成的问题变 得可⾏。现在，反向传播算法已经是神经⽹络学习的重要组成部分了。 本章在全书的范围内要⽐其他章节包含更多的数学内容。如果你不是对数学特别感兴趣，那 么可以跳过本章，将反向传播当成⼀个⿊盒，忽略其中的细节。那么为何要研究这些细节呢？ 答案当然是理解。反向传播的核⼼是⼀个对代价函数</a:t>
+              <a:t>年发表了一篇著名的的</a:t>
+            </a:r>
+            <a:r>
+              <a:rPr lang="zh-CN" altLang="en-US" dirty="0" smtClean="0"/>
+              <a:t>论</a:t>
+            </a:r>
+            <a:r>
+              <a:rPr lang="zh-CN" altLang="en-US" dirty="0" smtClean="0"/>
+              <a:t>⽂，大家才认识</a:t>
+            </a:r>
+            <a:r>
+              <a:rPr lang="zh-CN" altLang="en-US" dirty="0" smtClean="0"/>
+              <a:t>到这个算法的重要性。这篇论⽂描述了对</a:t>
+            </a:r>
+            <a:r>
+              <a:rPr lang="zh-CN" altLang="en-US" dirty="0" smtClean="0"/>
+              <a:t>⼀些</a:t>
+            </a:r>
+            <a:r>
+              <a:rPr lang="zh-CN" altLang="en-US" dirty="0" smtClean="0"/>
+              <a:t>神经⽹络反向传播要⽐传统的⽅法更快，这使得使⽤神经⽹络来解决之前⽆法完成的问题</a:t>
+            </a:r>
+            <a:r>
+              <a:rPr lang="zh-CN" altLang="en-US" dirty="0" smtClean="0"/>
+              <a:t>变得</a:t>
+            </a:r>
+            <a:r>
+              <a:rPr lang="zh-CN" altLang="en-US" dirty="0" smtClean="0"/>
+              <a:t>可⾏。现在，反向传播算法已经是神经⽹络学习的重要组成部分了</a:t>
+            </a:r>
+            <a:r>
+              <a:rPr lang="zh-CN" altLang="en-US" dirty="0" smtClean="0"/>
+              <a:t>。反向传播</a:t>
+            </a:r>
+            <a:r>
+              <a:rPr lang="zh-CN" altLang="en-US" dirty="0" smtClean="0"/>
+              <a:t>的核⼼是⼀个对代价函数</a:t>
             </a:r>
             <a:r>
               <a:rPr lang="en-US" altLang="zh-CN" dirty="0" smtClean="0"/>
@@ -6347,7 +5899,15 @@
             </a:r>
             <a:r>
               <a:rPr lang="zh-CN" altLang="en-US" dirty="0" smtClean="0"/>
-              <a:t>）的偏 导数∂</a:t>
+              <a:t>）的</a:t>
+            </a:r>
+            <a:r>
+              <a:rPr lang="zh-CN" altLang="en-US" dirty="0" smtClean="0"/>
+              <a:t>偏导数</a:t>
+            </a:r>
+            <a:r>
+              <a:rPr lang="zh-CN" altLang="en-US" dirty="0" smtClean="0"/>
+              <a:t>∂</a:t>
             </a:r>
             <a:r>
               <a:rPr lang="en-US" altLang="zh-CN" dirty="0" smtClean="0"/>
@@ -6355,7 +5915,27 @@
             </a:r>
             <a:r>
               <a:rPr lang="zh-CN" altLang="en-US" dirty="0" smtClean="0"/>
-              <a:t>的表达式。这个表达式告诉我们在改变权重和偏置时，代价函数变化的快慢。尽管 表达式会有点复杂，不过⾥⾯也包含⼀种美感，就是每个元素其实是拥有⼀种⾃然的直觉上的 解释。所以反向传播不仅仅是⼀种学习的快速算法。实际上它让我们细致领悟如何通过改变权 重和偏置来改变整个⽹络的⾏为。因此，这也是学习反向传播细节的重要价值所在。 如上⾯所说，如果你想要粗览本章，或者直接跳到下⼀章，都是可以的。剩下的内容即使你 是把反向传播看做⿊盒也是可以掌握的。当然，后⾯章节中也会有部分内容涉及本章的结论，所 以会常常给出本章的参考。不过对这些知识点，就算你对推导的细节不太清楚你还是应该要理 解主要结论。 </a:t>
+              <a:t>的表达式。这个表达式告诉我们在改变权重和偏置时，代价函数变化的快慢</a:t>
+            </a:r>
+            <a:r>
+              <a:rPr lang="zh-CN" altLang="en-US" dirty="0" smtClean="0"/>
+              <a:t>。反向传播</a:t>
+            </a:r>
+            <a:r>
+              <a:rPr lang="zh-CN" altLang="en-US" dirty="0" smtClean="0"/>
+              <a:t>不仅仅是⼀种学习的快速算法。实际上它让我们细致领悟如何通过改变</a:t>
+            </a:r>
+            <a:r>
+              <a:rPr lang="zh-CN" altLang="en-US" dirty="0" smtClean="0"/>
+              <a:t>权重</a:t>
+            </a:r>
+            <a:r>
+              <a:rPr lang="zh-CN" altLang="en-US" dirty="0" smtClean="0"/>
+              <a:t>和偏置来改变整个⽹络的⾏为。因此，这也是学习反向传播细节的重要价值所在</a:t>
+            </a:r>
+            <a:r>
+              <a:rPr lang="zh-CN" altLang="en-US" dirty="0" smtClean="0"/>
+              <a:t>。</a:t>
             </a:r>
             <a:endParaRPr lang="zh-CN" altLang="en-US" dirty="0"/>
           </a:p>
@@ -6443,7 +6023,55 @@
           <a:p>
             <a:r>
               <a:rPr lang="zh-CN" altLang="en-US" dirty="0" smtClean="0"/>
-              <a:t>在讨论反向传播前，我们先熟悉⼀下基于矩阵的算法来计算⽹络的输出。事实上，我们在上 ⼀章的最后已经能够看到这个算法了，但是我在那⾥很快地略过了，所以现在让我们仔细讨论 ⼀下。特别地，这样能够⽤相似的场景帮助我们熟悉在反向传播中使⽤的矩阵表⽰。 我们⾸先给出⽹络中权重的清晰定义。我们使⽤</a:t>
+              <a:t>在讨论反向传播前，我们先熟悉⼀下基于矩阵的算法来计算⽹络的输出</a:t>
+            </a:r>
+            <a:r>
+              <a:rPr lang="zh-CN" altLang="en-US" dirty="0" smtClean="0"/>
+              <a:t>。我们</a:t>
+            </a:r>
+            <a:r>
+              <a:rPr lang="zh-CN" altLang="en-US" dirty="0" smtClean="0"/>
+              <a:t>在</a:t>
+            </a:r>
+            <a:r>
+              <a:rPr lang="zh-CN" altLang="en-US" dirty="0" smtClean="0"/>
+              <a:t>上⼀节的</a:t>
+            </a:r>
+            <a:r>
+              <a:rPr lang="zh-CN" altLang="en-US" dirty="0" smtClean="0"/>
+              <a:t>最后已经能够看到这个算法了，</a:t>
+            </a:r>
+            <a:r>
+              <a:rPr lang="zh-CN" altLang="en-US" dirty="0" smtClean="0"/>
+              <a:t>但是在</a:t>
+            </a:r>
+            <a:r>
+              <a:rPr lang="zh-CN" altLang="en-US" dirty="0" smtClean="0"/>
+              <a:t>那⾥很快地略过了，所以现在让我们仔细</a:t>
+            </a:r>
+            <a:r>
+              <a:rPr lang="zh-CN" altLang="en-US" dirty="0" smtClean="0"/>
+              <a:t>讨论⼀</a:t>
+            </a:r>
+            <a:r>
+              <a:rPr lang="zh-CN" altLang="en-US" dirty="0" smtClean="0"/>
+              <a:t>下</a:t>
+            </a:r>
+            <a:r>
+              <a:rPr lang="zh-CN" altLang="en-US" dirty="0" smtClean="0"/>
+              <a:t>。这样</a:t>
+            </a:r>
+            <a:r>
+              <a:rPr lang="zh-CN" altLang="en-US" dirty="0" smtClean="0"/>
+              <a:t>能够⽤相似的场景帮助我们熟悉在反向传播中使⽤的矩阵表⽰</a:t>
+            </a:r>
+            <a:r>
+              <a:rPr lang="zh-CN" altLang="en-US" dirty="0" smtClean="0"/>
+              <a:t>。我们</a:t>
+            </a:r>
+            <a:r>
+              <a:rPr lang="zh-CN" altLang="en-US" dirty="0" smtClean="0"/>
+              <a:t>⾸先给出⽹络中权重的清晰定义。我们使⽤</a:t>
             </a:r>
             <a:r>
               <a:rPr lang="en-US" altLang="zh-CN" dirty="0" err="1" smtClean="0"/>
@@ -6475,11 +6103,15 @@
             </a:r>
             <a:r>
               <a:rPr lang="en-US" altLang="zh-CN" dirty="0" smtClean="0"/>
-              <a:t>lth </a:t>
-            </a:r>
-            <a:r>
-              <a:rPr lang="zh-CN" altLang="en-US" dirty="0" smtClean="0"/>
-              <a:t>层的</a:t>
+              <a:t>lth</a:t>
+            </a:r>
+            <a:r>
+              <a:rPr lang="zh-CN" altLang="en-US" dirty="0" smtClean="0"/>
+              <a:t>层</a:t>
+            </a:r>
+            <a:r>
+              <a:rPr lang="zh-CN" altLang="en-US" dirty="0" smtClean="0"/>
+              <a:t>的</a:t>
             </a:r>
             <a:r>
               <a:rPr lang="en-US" altLang="zh-CN" dirty="0" err="1" smtClean="0"/>
@@ -6487,14 +6119,46 @@
             </a:r>
             <a:r>
               <a:rPr lang="zh-CN" altLang="en-US" dirty="0" smtClean="0"/>
-              <a:t>个神经元的链接上的权重。例如，下图给出了⽹络中第⼆层的第四个神经元到第三层的 第⼆个神经元的链接上的权重：</a:t>
+              <a:t>个神经元的链接上的权重。例如</a:t>
+            </a:r>
+            <a:r>
+              <a:rPr lang="zh-CN" altLang="en-US" dirty="0" smtClean="0"/>
+              <a:t>，图中给</a:t>
+            </a:r>
+            <a:r>
+              <a:rPr lang="zh-CN" altLang="en-US" dirty="0" smtClean="0"/>
+              <a:t>出了⽹络中第⼆层的第四个神经元到第三层</a:t>
+            </a:r>
+            <a:r>
+              <a:rPr lang="zh-CN" altLang="en-US" dirty="0" smtClean="0"/>
+              <a:t>的第</a:t>
+            </a:r>
+            <a:r>
+              <a:rPr lang="zh-CN" altLang="en-US" dirty="0" smtClean="0"/>
+              <a:t>⼆个神经元的链接上的权重：</a:t>
             </a:r>
             <a:endParaRPr lang="en-US" altLang="zh-CN" dirty="0" smtClean="0"/>
           </a:p>
           <a:p>
             <a:r>
               <a:rPr lang="zh-CN" altLang="en-US" dirty="0" smtClean="0"/>
-              <a:t>这样的表⽰粗看⽐较奇怪，需要花⼀点时间消化。但是，后⾯你会发现这样的表⽰会⽐较⽅ 便也很⾃然。奇怪的⼀点其实是下标</a:t>
+              <a:t>这样的表⽰粗看⽐较奇怪，需要花⼀点时间消化。但是，后</a:t>
+            </a:r>
+            <a:r>
+              <a:rPr lang="zh-CN" altLang="en-US" dirty="0" smtClean="0"/>
+              <a:t>⾯就会</a:t>
+            </a:r>
+            <a:r>
+              <a:rPr lang="zh-CN" altLang="en-US" dirty="0" smtClean="0"/>
+              <a:t>发现这样的表⽰会⽐较</a:t>
+            </a:r>
+            <a:r>
+              <a:rPr lang="zh-CN" altLang="en-US" dirty="0" smtClean="0"/>
+              <a:t>⽅便</a:t>
+            </a:r>
+            <a:r>
+              <a:rPr lang="zh-CN" altLang="en-US" dirty="0" smtClean="0"/>
+              <a:t>也很⾃然。奇怪的⼀点其实是下标</a:t>
             </a:r>
             <a:r>
               <a:rPr lang="en-US" altLang="zh-CN" dirty="0" smtClean="0"/>
@@ -6510,8 +6174,29 @@
             </a:r>
             <a:r>
               <a:rPr lang="zh-CN" altLang="en-US" dirty="0" smtClean="0"/>
-              <a:t>的顺序。你可能觉得反过来更加合理。但我接下来 会告诉你为什么要这样做。 </a:t>
-            </a:r>
+              <a:t>的顺序</a:t>
+            </a:r>
+            <a:r>
+              <a:rPr lang="zh-CN" altLang="en-US" dirty="0" smtClean="0"/>
+              <a:t>。大家可能</a:t>
+            </a:r>
+            <a:r>
+              <a:rPr lang="zh-CN" altLang="en-US" dirty="0" smtClean="0"/>
+              <a:t>觉得反过来更加合理。</a:t>
+            </a:r>
+            <a:r>
+              <a:rPr lang="zh-CN" altLang="en-US" dirty="0" smtClean="0"/>
+              <a:t>但接下来我们会解释一下为什么</a:t>
+            </a:r>
+            <a:r>
+              <a:rPr lang="zh-CN" altLang="en-US" dirty="0" smtClean="0"/>
+              <a:t>要这样做</a:t>
+            </a:r>
+            <a:r>
+              <a:rPr lang="zh-CN" altLang="en-US" dirty="0" smtClean="0"/>
+              <a:t>。</a:t>
+            </a:r>
+            <a:endParaRPr lang="zh-CN" altLang="en-US" dirty="0" smtClean="0"/>
           </a:p>
           <a:p>
             <a:endParaRPr lang="zh-CN" altLang="en-US" dirty="0"/>
@@ -6600,15 +6285,19 @@
           <a:p>
             <a:r>
               <a:rPr lang="zh-CN" altLang="en-US" dirty="0" smtClean="0"/>
-              <a:t>我们对⽹络的偏置和激活值也会使⽤类似的表⽰。显式地，我们使⽤</a:t>
+              <a:t>我们对⽹络的偏置和激活值也会使⽤类似的表⽰</a:t>
+            </a:r>
+            <a:r>
+              <a:rPr lang="zh-CN" altLang="en-US" dirty="0" smtClean="0"/>
+              <a:t>。我们</a:t>
+            </a:r>
+            <a:r>
+              <a:rPr lang="zh-CN" altLang="en-US" dirty="0" smtClean="0"/>
+              <a:t>使⽤</a:t>
             </a:r>
             <a:r>
               <a:rPr lang="en-US" altLang="zh-CN" dirty="0" err="1" smtClean="0"/>
-              <a:t>bl</a:t>
-            </a:r>
-            <a:r>
-              <a:rPr lang="en-US" altLang="zh-CN" dirty="0" smtClean="0"/>
-              <a:t> j</a:t>
+              <a:t>blj</a:t>
             </a:r>
             <a:r>
               <a:rPr lang="zh-CN" altLang="en-US" dirty="0" smtClean="0"/>
@@ -6627,16 +6316,16 @@
               <a:t>jth</a:t>
             </a:r>
             <a:r>
-              <a:rPr lang="en-US" altLang="zh-CN" dirty="0" smtClean="0"/>
-              <a:t> </a:t>
-            </a:r>
-            <a:r>
-              <a:rPr lang="zh-CN" altLang="en-US" dirty="0" smtClean="0"/>
-              <a:t>个神经元的偏置，使⽤</a:t>
-            </a:r>
-            <a:r>
-              <a:rPr lang="en-US" altLang="zh-CN" dirty="0" smtClean="0"/>
-              <a:t>al j</a:t>
+              <a:rPr lang="zh-CN" altLang="en-US" dirty="0" smtClean="0"/>
+              <a:t>个</a:t>
+            </a:r>
+            <a:r>
+              <a:rPr lang="zh-CN" altLang="en-US" dirty="0" smtClean="0"/>
+              <a:t>神经元的偏置，使⽤</a:t>
+            </a:r>
+            <a:r>
+              <a:rPr lang="en-US" altLang="zh-CN" dirty="0" err="1" smtClean="0"/>
+              <a:t>alj</a:t>
             </a:r>
             <a:r>
               <a:rPr lang="zh-CN" altLang="en-US" dirty="0" smtClean="0"/>
@@ -6656,10 +6345,82 @@
             </a:r>
             <a:r>
               <a:rPr lang="zh-CN" altLang="en-US" dirty="0" smtClean="0"/>
-              <a:t>个神经元的激活值。下⾯的图清楚地解释了这样表⽰ 的含义：</a:t>
-            </a:r>
-          </a:p>
-          <a:p>
+              <a:t>个神经元的激活值</a:t>
+            </a:r>
+            <a:r>
+              <a:rPr lang="zh-CN" altLang="en-US" dirty="0" smtClean="0"/>
+              <a:t>。如图所示</a:t>
+            </a:r>
+            <a:endParaRPr lang="en-US" altLang="zh-CN" dirty="0" smtClean="0"/>
+          </a:p>
+          <a:p>
+            <a:r>
+              <a:rPr lang="zh-CN" altLang="en-US" dirty="0" smtClean="0"/>
+              <a:t>有了这些表⽰，</a:t>
+            </a:r>
+            <a:r>
+              <a:rPr lang="en-US" altLang="zh-CN" dirty="0" smtClean="0"/>
+              <a:t>lth</a:t>
+            </a:r>
+            <a:r>
+              <a:rPr lang="zh-CN" altLang="en-US" dirty="0" smtClean="0"/>
+              <a:t>层的第</a:t>
+            </a:r>
+            <a:r>
+              <a:rPr lang="en-US" altLang="zh-CN" dirty="0" err="1" smtClean="0"/>
+              <a:t>jth</a:t>
+            </a:r>
+            <a:r>
+              <a:rPr lang="zh-CN" altLang="en-US" dirty="0" smtClean="0"/>
+              <a:t>个神经元的激活值</a:t>
+            </a:r>
+            <a:r>
+              <a:rPr lang="en-US" altLang="zh-CN" dirty="0" err="1" smtClean="0"/>
+              <a:t>alj</a:t>
+            </a:r>
+            <a:r>
+              <a:rPr lang="zh-CN" altLang="en-US" dirty="0" smtClean="0"/>
+              <a:t>就和</a:t>
+            </a:r>
+            <a:r>
+              <a:rPr lang="en-US" altLang="zh-CN" dirty="0" smtClean="0"/>
+              <a:t>(l−1)</a:t>
+            </a:r>
+            <a:r>
+              <a:rPr lang="en-US" altLang="zh-CN" dirty="0" err="1" smtClean="0"/>
+              <a:t>th</a:t>
+            </a:r>
+            <a:r>
+              <a:rPr lang="zh-CN" altLang="en-US" dirty="0" smtClean="0"/>
+              <a:t>层的激活值通过⽅程关联起来了，就是下面这个公式</a:t>
+            </a:r>
+            <a:endParaRPr lang="en-US" altLang="zh-CN" dirty="0" smtClean="0"/>
+          </a:p>
+          <a:p>
+            <a:r>
+              <a:rPr lang="zh-CN" altLang="en-US" dirty="0" smtClean="0"/>
+              <a:t>其中求和是在</a:t>
+            </a:r>
+            <a:r>
+              <a:rPr lang="en-US" altLang="zh-CN" dirty="0" smtClean="0"/>
+              <a:t>(l−1)</a:t>
+            </a:r>
+            <a:r>
+              <a:rPr lang="en-US" altLang="zh-CN" dirty="0" err="1" smtClean="0"/>
+              <a:t>th</a:t>
+            </a:r>
+            <a:r>
+              <a:rPr lang="zh-CN" altLang="en-US" dirty="0" smtClean="0"/>
+              <a:t>层的所有</a:t>
+            </a:r>
+            <a:r>
+              <a:rPr lang="en-US" altLang="zh-CN" dirty="0" smtClean="0"/>
+              <a:t>k</a:t>
+            </a:r>
+            <a:r>
+              <a:rPr lang="zh-CN" altLang="en-US" dirty="0" smtClean="0"/>
+              <a:t>个神经元上进⾏的。</a:t>
+            </a:r>
             <a:endParaRPr lang="zh-CN" altLang="en-US" dirty="0"/>
           </a:p>
         </p:txBody>
@@ -6746,7 +6507,35 @@
           <a:p>
             <a:r>
               <a:rPr lang="zh-CN" altLang="en-US" dirty="0" smtClean="0"/>
-              <a:t>有了这些表⽰，</a:t>
+              <a:t>为了</a:t>
+            </a:r>
+            <a:r>
+              <a:rPr lang="zh-CN" altLang="en-US" dirty="0" smtClean="0"/>
+              <a:t>⽤矩阵的形式重写这个表达式， 我们对每⼀层</a:t>
+            </a:r>
+            <a:r>
+              <a:rPr lang="en-US" altLang="zh-CN" dirty="0" smtClean="0"/>
+              <a:t>l</a:t>
+            </a:r>
+            <a:r>
+              <a:rPr lang="zh-CN" altLang="en-US" dirty="0" smtClean="0"/>
+              <a:t>都定义⼀个权重矩阵</a:t>
+            </a:r>
+            <a:r>
+              <a:rPr lang="en-US" altLang="zh-CN" dirty="0" err="1" smtClean="0"/>
+              <a:t>wl</a:t>
+            </a:r>
+            <a:r>
+              <a:rPr lang="zh-CN" altLang="en-US" dirty="0" smtClean="0"/>
+              <a:t>。权重矩阵</a:t>
+            </a:r>
+            <a:r>
+              <a:rPr lang="en-US" altLang="zh-CN" dirty="0" err="1" smtClean="0"/>
+              <a:t>wl</a:t>
+            </a:r>
+            <a:r>
+              <a:rPr lang="zh-CN" altLang="en-US" dirty="0" smtClean="0"/>
+              <a:t>的元素正是连接到</a:t>
             </a:r>
             <a:r>
               <a:rPr lang="en-US" altLang="zh-CN" dirty="0" smtClean="0"/>
@@ -6754,108 +6543,21 @@
             </a:r>
             <a:r>
               <a:rPr lang="zh-CN" altLang="en-US" dirty="0" smtClean="0"/>
-              <a:t>层的第</a:t>
+              <a:t>层神经元的权重</a:t>
+            </a:r>
+            <a:r>
+              <a:rPr lang="zh-CN" altLang="en-US" dirty="0" smtClean="0"/>
+              <a:t>，更</a:t>
+            </a:r>
+            <a:r>
+              <a:rPr lang="zh-CN" altLang="en-US" dirty="0" smtClean="0"/>
+              <a:t>确切地说，在第</a:t>
             </a:r>
             <a:r>
               <a:rPr lang="en-US" altLang="zh-CN" dirty="0" err="1" smtClean="0"/>
               <a:t>jth</a:t>
             </a:r>
             <a:r>
-              <a:rPr lang="zh-CN" altLang="en-US" dirty="0" smtClean="0"/>
-              <a:t>个神经元的激活值</a:t>
-            </a:r>
-            <a:r>
-              <a:rPr lang="en-US" altLang="zh-CN" dirty="0" smtClean="0"/>
-              <a:t>al j</a:t>
-            </a:r>
-            <a:r>
-              <a:rPr lang="zh-CN" altLang="en-US" dirty="0" smtClean="0"/>
-              <a:t>就和</a:t>
-            </a:r>
-            <a:r>
-              <a:rPr lang="en-US" altLang="zh-CN" dirty="0" smtClean="0"/>
-              <a:t>(l−1)</a:t>
-            </a:r>
-            <a:r>
-              <a:rPr lang="en-US" altLang="zh-CN" dirty="0" err="1" smtClean="0"/>
-              <a:t>th</a:t>
-            </a:r>
-            <a:r>
-              <a:rPr lang="zh-CN" altLang="en-US" dirty="0" smtClean="0"/>
-              <a:t>层的激活值通过⽅程关联 起来了（对⽐公式</a:t>
-            </a:r>
-            <a:r>
-              <a:rPr lang="en-US" altLang="zh-CN" dirty="0" smtClean="0"/>
-              <a:t>(4)</a:t>
-            </a:r>
-            <a:r>
-              <a:rPr lang="zh-CN" altLang="en-US" dirty="0" smtClean="0"/>
-              <a:t>和上⼀章的讨论）：</a:t>
-            </a:r>
-            <a:endParaRPr lang="en-US" altLang="zh-CN" dirty="0" smtClean="0"/>
-          </a:p>
-          <a:p>
-            <a:r>
-              <a:rPr lang="zh-CN" altLang="en-US" dirty="0" smtClean="0"/>
-              <a:t>其中求和是在</a:t>
-            </a:r>
-            <a:r>
-              <a:rPr lang="en-US" altLang="zh-CN" dirty="0" smtClean="0"/>
-              <a:t>(l−1)</a:t>
-            </a:r>
-            <a:r>
-              <a:rPr lang="en-US" altLang="zh-CN" dirty="0" err="1" smtClean="0"/>
-              <a:t>th</a:t>
-            </a:r>
-            <a:r>
-              <a:rPr lang="zh-CN" altLang="en-US" dirty="0" smtClean="0"/>
-              <a:t>层的所有</a:t>
-            </a:r>
-            <a:r>
-              <a:rPr lang="en-US" altLang="zh-CN" dirty="0" smtClean="0"/>
-              <a:t>k</a:t>
-            </a:r>
-            <a:r>
-              <a:rPr lang="zh-CN" altLang="en-US" dirty="0" smtClean="0"/>
-              <a:t>个神经元上进⾏的。为了⽤矩阵的形式重写这个表达式， 我们对每⼀层</a:t>
-            </a:r>
-            <a:r>
-              <a:rPr lang="en-US" altLang="zh-CN" dirty="0" smtClean="0"/>
-              <a:t>l</a:t>
-            </a:r>
-            <a:r>
-              <a:rPr lang="zh-CN" altLang="en-US" dirty="0" smtClean="0"/>
-              <a:t>都定义⼀个权重矩阵</a:t>
-            </a:r>
-            <a:r>
-              <a:rPr lang="en-US" altLang="zh-CN" dirty="0" err="1" smtClean="0"/>
-              <a:t>wl</a:t>
-            </a:r>
-            <a:r>
-              <a:rPr lang="zh-CN" altLang="en-US" dirty="0" smtClean="0"/>
-              <a:t>。权重矩阵</a:t>
-            </a:r>
-            <a:r>
-              <a:rPr lang="en-US" altLang="zh-CN" dirty="0" err="1" smtClean="0"/>
-              <a:t>wl</a:t>
-            </a:r>
-            <a:r>
-              <a:rPr lang="zh-CN" altLang="en-US" dirty="0" smtClean="0"/>
-              <a:t>的元素正是连接到</a:t>
-            </a:r>
-            <a:r>
-              <a:rPr lang="en-US" altLang="zh-CN" dirty="0" smtClean="0"/>
-              <a:t>lth</a:t>
-            </a:r>
-            <a:r>
-              <a:rPr lang="zh-CN" altLang="en-US" dirty="0" smtClean="0"/>
-              <a:t>层神经元的权重， 更确切地说，在第</a:t>
-            </a:r>
-            <a:r>
-              <a:rPr lang="en-US" altLang="zh-CN" dirty="0" err="1" smtClean="0"/>
-              <a:t>jth</a:t>
-            </a:r>
-            <a:r>
               <a:rPr lang="en-US" altLang="zh-CN" dirty="0" smtClean="0"/>
               <a:t>⾏</a:t>
             </a:r>
@@ -6877,7 +6579,19 @@
             </a:r>
             <a:r>
               <a:rPr lang="zh-CN" altLang="en-US" dirty="0" smtClean="0"/>
-              <a:t>。类似的，对每⼀层</a:t>
+              <a:t>（这就解释了前面所说的</a:t>
+            </a:r>
+            <a:r>
+              <a:rPr lang="en-US" altLang="zh-CN" dirty="0" err="1" smtClean="0"/>
+              <a:t>jk</a:t>
+            </a:r>
+            <a:r>
+              <a:rPr lang="zh-CN" altLang="en-US" dirty="0" smtClean="0"/>
+              <a:t>下标的顺序问题）。</a:t>
+            </a:r>
+            <a:r>
+              <a:rPr lang="zh-CN" altLang="en-US" dirty="0" smtClean="0"/>
+              <a:t>类似的，对每⼀层</a:t>
             </a:r>
             <a:r>
               <a:rPr lang="en-US" altLang="zh-CN" dirty="0" smtClean="0"/>
@@ -6893,27 +6607,23 @@
             </a:r>
             <a:r>
               <a:rPr lang="zh-CN" altLang="en-US" dirty="0" smtClean="0"/>
-              <a:t>。 你已经猜到这些如何⼯作了</a:t>
-            </a:r>
-            <a:r>
-              <a:rPr lang="en-US" altLang="zh-CN" dirty="0" smtClean="0"/>
-              <a:t>——</a:t>
-            </a:r>
-            <a:r>
-              <a:rPr lang="zh-CN" altLang="en-US" dirty="0" smtClean="0"/>
-              <a:t>偏置向量的每个元素其实就是前⾯给出的</a:t>
+              <a:t>。偏置</a:t>
+            </a:r>
+            <a:r>
+              <a:rPr lang="zh-CN" altLang="en-US" dirty="0" smtClean="0"/>
+              <a:t>向量的每个元素其实就是前⾯给出的</a:t>
             </a:r>
             <a:r>
               <a:rPr lang="en-US" altLang="zh-CN" dirty="0" err="1" smtClean="0"/>
-              <a:t>bl</a:t>
-            </a:r>
-            <a:r>
-              <a:rPr lang="en-US" altLang="zh-CN" dirty="0" smtClean="0"/>
-              <a:t> j</a:t>
-            </a:r>
-            <a:r>
-              <a:rPr lang="zh-CN" altLang="en-US" dirty="0" smtClean="0"/>
-              <a:t>，每个元素对应于 </a:t>
+              <a:t>blj</a:t>
+            </a:r>
+            <a:r>
+              <a:rPr lang="zh-CN" altLang="en-US" dirty="0" smtClean="0"/>
+              <a:t>，每个元素对应</a:t>
+            </a:r>
+            <a:r>
+              <a:rPr lang="zh-CN" altLang="en-US" dirty="0" smtClean="0"/>
+              <a:t>于</a:t>
             </a:r>
             <a:r>
               <a:rPr lang="en-US" altLang="zh-CN" dirty="0" smtClean="0"/>
@@ -6932,8 +6642,8 @@
               <a:t>，其元素是那些激活值</a:t>
             </a:r>
             <a:r>
-              <a:rPr lang="en-US" altLang="zh-CN" dirty="0" smtClean="0"/>
-              <a:t>al j</a:t>
+              <a:rPr lang="en-US" altLang="zh-CN" dirty="0" err="1" smtClean="0"/>
+              <a:t>alj</a:t>
             </a:r>
             <a:r>
               <a:rPr lang="zh-CN" altLang="en-US" dirty="0" smtClean="0"/>
@@ -6945,15 +6655,31 @@
             </a:r>
             <a:r>
               <a:rPr lang="zh-CN" altLang="en-US" dirty="0" smtClean="0"/>
-              <a:t>）来按照矩阵形式重写公式</a:t>
-            </a:r>
-            <a:r>
-              <a:rPr lang="en-US" altLang="zh-CN" dirty="0" smtClean="0"/>
-              <a:t>(23)</a:t>
-            </a:r>
-            <a:r>
-              <a:rPr lang="zh-CN" altLang="en-US" dirty="0" smtClean="0"/>
-              <a:t>。在上⼀章，我们其实 已经碰到向量化了，其含义就是作⽤函数（如</a:t>
+              <a:t>）来按照矩阵形式</a:t>
+            </a:r>
+            <a:r>
+              <a:rPr lang="zh-CN" altLang="en-US" dirty="0" smtClean="0"/>
+              <a:t>重写下面第一个公式。</a:t>
+            </a:r>
+            <a:r>
+              <a:rPr lang="zh-CN" altLang="en-US" dirty="0" smtClean="0"/>
+              <a:t>在上</a:t>
+            </a:r>
+            <a:r>
+              <a:rPr lang="zh-CN" altLang="en-US" dirty="0" smtClean="0"/>
+              <a:t>⼀节，</a:t>
+            </a:r>
+            <a:r>
+              <a:rPr lang="zh-CN" altLang="en-US" dirty="0" smtClean="0"/>
+              <a:t>我们</a:t>
+            </a:r>
+            <a:r>
+              <a:rPr lang="zh-CN" altLang="en-US" dirty="0" smtClean="0"/>
+              <a:t>其实已经</a:t>
+            </a:r>
+            <a:r>
+              <a:rPr lang="zh-CN" altLang="en-US" dirty="0" smtClean="0"/>
+              <a:t>碰到向量化了，其含义就是作⽤函数（如</a:t>
             </a:r>
             <a:r>
               <a:rPr lang="en-US" altLang="zh-CN" dirty="0" smtClean="0"/>
@@ -6977,7 +6703,15 @@
             </a:r>
             <a:r>
               <a:rPr lang="zh-CN" altLang="en-US" dirty="0" smtClean="0"/>
-              <a:t>表⽰ 这种按元素进⾏的函数作⽤。所以，</a:t>
+              <a:t>表</a:t>
+            </a:r>
+            <a:r>
+              <a:rPr lang="zh-CN" altLang="en-US" dirty="0" smtClean="0"/>
+              <a:t>⽰这种</a:t>
+            </a:r>
+            <a:r>
+              <a:rPr lang="zh-CN" altLang="en-US" dirty="0" smtClean="0"/>
+              <a:t>按元素进⾏的函数作⽤。所以，</a:t>
             </a:r>
             <a:r>
               <a:rPr lang="en-US" altLang="zh-CN" dirty="0" smtClean="0"/>
@@ -7001,17 +6735,23 @@
             </a:r>
             <a:r>
               <a:rPr lang="zh-CN" altLang="en-US" dirty="0" smtClean="0"/>
-              <a:t>。给个例⼦，如果</a:t>
-            </a:r>
-          </a:p>
-          <a:p>
-            <a:r>
-              <a:rPr lang="zh-CN" altLang="en-US" dirty="0" smtClean="0"/>
-              <a:t>我们的作⽤函数是</a:t>
-            </a:r>
-            <a:r>
-              <a:rPr lang="en-US" altLang="zh-CN" dirty="0" smtClean="0"/>
-              <a:t>f(x) = x2</a:t>
+              <a:t>。给个例⼦，</a:t>
+            </a:r>
+            <a:r>
+              <a:rPr lang="zh-CN" altLang="en-US" dirty="0" smtClean="0"/>
+              <a:t>如果我们</a:t>
+            </a:r>
+            <a:r>
+              <a:rPr lang="zh-CN" altLang="en-US" dirty="0" smtClean="0"/>
+              <a:t>的作⽤函数是</a:t>
+            </a:r>
+            <a:r>
+              <a:rPr lang="en-US" altLang="zh-CN" dirty="0" smtClean="0"/>
+              <a:t>f(x</a:t>
+            </a:r>
+            <a:r>
+              <a:rPr lang="en-US" altLang="zh-CN" dirty="0" smtClean="0"/>
+              <a:t>)=x2</a:t>
             </a:r>
             <a:r>
               <a:rPr lang="zh-CN" altLang="en-US" dirty="0" smtClean="0"/>
@@ -7023,14 +6763,23 @@
             </a:r>
             <a:r>
               <a:rPr lang="zh-CN" altLang="en-US" dirty="0" smtClean="0"/>
-              <a:t>的函数作⽤就起到下⾯的效果： </a:t>
-            </a:r>
-            <a:endParaRPr lang="en-US" altLang="zh-CN" dirty="0" smtClean="0"/>
-          </a:p>
-          <a:p>
-            <a:r>
-              <a:rPr lang="zh-CN" altLang="en-US" dirty="0" smtClean="0"/>
-              <a:t>也就是说，向量化的</a:t>
+              <a:t>的函数作⽤就起</a:t>
+            </a:r>
+            <a:r>
+              <a:rPr lang="zh-CN" altLang="en-US" dirty="0" smtClean="0"/>
+              <a:t>到上⾯</a:t>
+            </a:r>
+            <a:r>
+              <a:rPr lang="zh-CN" altLang="en-US" dirty="0" smtClean="0"/>
+              <a:t>的效果</a:t>
+            </a:r>
+            <a:r>
+              <a:rPr lang="zh-CN" altLang="en-US" dirty="0" smtClean="0"/>
+              <a:t>：也就是说</a:t>
+            </a:r>
+            <a:r>
+              <a:rPr lang="zh-CN" altLang="en-US" dirty="0" smtClean="0"/>
+              <a:t>，向量化的</a:t>
             </a:r>
             <a:r>
               <a:rPr lang="en-US" altLang="zh-CN" dirty="0" smtClean="0"/>
@@ -7038,22 +6787,47 @@
             </a:r>
             <a:r>
               <a:rPr lang="zh-CN" altLang="en-US" dirty="0" smtClean="0"/>
-              <a:t>仅仅是对向量的每个元素进⾏了平⽅运算。 了解了这些表⽰，⽅程</a:t>
-            </a:r>
-            <a:r>
-              <a:rPr lang="en-US" altLang="zh-CN" dirty="0" smtClean="0"/>
-              <a:t>(23)</a:t>
-            </a:r>
-            <a:r>
-              <a:rPr lang="zh-CN" altLang="en-US" dirty="0" smtClean="0"/>
-              <a:t>就可以写成下⾯这种美妙⽽简洁的向量形式了： </a:t>
-            </a:r>
-            <a:endParaRPr lang="en-US" altLang="zh-CN" dirty="0" smtClean="0"/>
-          </a:p>
-          <a:p>
-            <a:r>
-              <a:rPr lang="zh-CN" altLang="en-US" dirty="0" smtClean="0"/>
-              <a:t>这个表达式给出了⼀种更加全局的思考每层的激活值和前⼀层激活值的关联⽅式：我们仅仅 ⽤权重矩阵作⽤在激活值上，然后加上⼀个偏置向量，最后作⽤</a:t>
+              <a:t>仅仅是对向量的每个元素进⾏了平⽅运算</a:t>
+            </a:r>
+            <a:r>
+              <a:rPr lang="zh-CN" altLang="en-US" dirty="0" smtClean="0"/>
+              <a:t>。了解</a:t>
+            </a:r>
+            <a:r>
+              <a:rPr lang="zh-CN" altLang="en-US" dirty="0" smtClean="0"/>
+              <a:t>了这些表⽰</a:t>
+            </a:r>
+            <a:r>
+              <a:rPr lang="zh-CN" altLang="en-US" dirty="0" smtClean="0"/>
+              <a:t>，下面第一个方程就</a:t>
+            </a:r>
+            <a:r>
+              <a:rPr lang="zh-CN" altLang="en-US" dirty="0" smtClean="0"/>
+              <a:t>可以写</a:t>
+            </a:r>
+            <a:r>
+              <a:rPr lang="zh-CN" altLang="en-US" dirty="0" smtClean="0"/>
+              <a:t>成第二个这种简洁的矩阵向量</a:t>
+            </a:r>
+            <a:r>
+              <a:rPr lang="zh-CN" altLang="en-US" dirty="0" smtClean="0"/>
+              <a:t>形式了</a:t>
+            </a:r>
+            <a:r>
+              <a:rPr lang="zh-CN" altLang="en-US" dirty="0" smtClean="0"/>
+              <a:t>：这个</a:t>
+            </a:r>
+            <a:r>
+              <a:rPr lang="zh-CN" altLang="en-US" dirty="0" smtClean="0"/>
+              <a:t>表达式给出了⼀种更加全局的思考每层的激活值和前⼀层激活值的关联⽅式：我们</a:t>
+            </a:r>
+            <a:r>
+              <a:rPr lang="zh-CN" altLang="en-US" dirty="0" smtClean="0"/>
+              <a:t>仅仅⽤</a:t>
+            </a:r>
+            <a:r>
+              <a:rPr lang="zh-CN" altLang="en-US" dirty="0" smtClean="0"/>
+              <a:t>权重矩阵作⽤在激活值上，然后加上⼀个偏置向量，最后作⽤</a:t>
             </a:r>
             <a:r>
               <a:rPr lang="en-US" altLang="zh-CN" dirty="0" smtClean="0"/>
@@ -7061,135 +6835,211 @@
             </a:r>
             <a:r>
               <a:rPr lang="zh-CN" altLang="en-US" dirty="0" smtClean="0"/>
-              <a:t>函数</a:t>
-            </a:r>
-            <a:r>
-              <a:rPr lang="en-US" altLang="zh-CN" dirty="0" smtClean="0"/>
-              <a:t>1</a:t>
-            </a:r>
-            <a:r>
-              <a:rPr lang="zh-CN" altLang="en-US" dirty="0" smtClean="0"/>
-              <a:t>。这种全局的观点相⽐ 神经元层⾯的观点常常更加简明（没有更多的索引下标了！）。把它看做是在保留清晰认识的前 提下逃离下标困境的⽅法。在实践中，表达式同样很有⽤，因为⼤多数矩阵库提供了实现矩阵 乘法、向量加法和向量化的快速⽅法。实际上，上⼀节的代码其实已经隐式使⽤了这种表达式 来计算⽹络⾏为。 在使⽤⽅程</a:t>
-            </a:r>
-            <a:r>
-              <a:rPr lang="en-US" altLang="zh-CN" dirty="0" smtClean="0"/>
-              <a:t>(25)</a:t>
-            </a:r>
-            <a:r>
-              <a:rPr lang="zh-CN" altLang="en-US" dirty="0" smtClean="0"/>
-              <a:t>计算</a:t>
-            </a:r>
-            <a:r>
-              <a:rPr lang="en-US" altLang="zh-CN" dirty="0" smtClean="0"/>
-              <a:t>al </a:t>
-            </a:r>
-            <a:r>
-              <a:rPr lang="zh-CN" altLang="en-US" dirty="0" smtClean="0"/>
-              <a:t>的过程中，我们计算了中间量</a:t>
+              <a:t>函数。</a:t>
+            </a:r>
+            <a:r>
+              <a:rPr lang="zh-CN" altLang="en-US" dirty="0" smtClean="0"/>
+              <a:t>这种全局的观点相</a:t>
+            </a:r>
+            <a:r>
+              <a:rPr lang="zh-CN" altLang="en-US" dirty="0" smtClean="0"/>
+              <a:t>⽐神经元</a:t>
+            </a:r>
+            <a:r>
+              <a:rPr lang="zh-CN" altLang="en-US" dirty="0" smtClean="0"/>
+              <a:t>层⾯的观点常常更加简明（没有更多的索引下标</a:t>
+            </a:r>
+            <a:r>
+              <a:rPr lang="zh-CN" altLang="en-US" dirty="0" smtClean="0"/>
+              <a:t>了）</a:t>
+            </a:r>
+            <a:r>
+              <a:rPr lang="zh-CN" altLang="en-US" dirty="0" smtClean="0"/>
+              <a:t>。把它看做是在保留清晰认识的</a:t>
+            </a:r>
+            <a:r>
+              <a:rPr lang="zh-CN" altLang="en-US" dirty="0" smtClean="0"/>
+              <a:t>前提</a:t>
+            </a:r>
+            <a:r>
+              <a:rPr lang="zh-CN" altLang="en-US" dirty="0" smtClean="0"/>
+              <a:t>下逃离下标困境的⽅法。在实践中，表达式同样很有⽤，因为⼤多数矩阵库提供了实现</a:t>
+            </a:r>
+            <a:r>
+              <a:rPr lang="zh-CN" altLang="en-US" dirty="0" smtClean="0"/>
+              <a:t>矩阵乘法</a:t>
+            </a:r>
+            <a:r>
+              <a:rPr lang="zh-CN" altLang="en-US" dirty="0" smtClean="0"/>
+              <a:t>、向量加法和向量化的快速⽅法</a:t>
+            </a:r>
+            <a:r>
+              <a:rPr lang="zh-CN" altLang="en-US" dirty="0" smtClean="0"/>
+              <a:t>。在</a:t>
+            </a:r>
+            <a:r>
+              <a:rPr lang="zh-CN" altLang="en-US" dirty="0" smtClean="0"/>
+              <a:t>使</a:t>
+            </a:r>
+            <a:r>
+              <a:rPr lang="zh-CN" altLang="en-US" dirty="0" smtClean="0"/>
+              <a:t>⽤第二个⽅程计算</a:t>
+            </a:r>
+            <a:r>
+              <a:rPr lang="en-US" altLang="zh-CN" dirty="0" smtClean="0"/>
+              <a:t>al</a:t>
+            </a:r>
+            <a:r>
+              <a:rPr lang="zh-CN" altLang="en-US" dirty="0" smtClean="0"/>
+              <a:t>的</a:t>
+            </a:r>
+            <a:r>
+              <a:rPr lang="zh-CN" altLang="en-US" dirty="0" smtClean="0"/>
+              <a:t>过程中，我们计算了中间量</a:t>
+            </a:r>
+            <a:r>
+              <a:rPr lang="en-US" altLang="zh-CN" dirty="0" smtClean="0"/>
+              <a:t>zl≡wlal</a:t>
+            </a:r>
+            <a:r>
+              <a:rPr lang="en-US" altLang="zh-CN" dirty="0" smtClean="0"/>
+              <a:t>−</a:t>
+            </a:r>
+            <a:r>
+              <a:rPr lang="en-US" altLang="zh-CN" dirty="0" smtClean="0"/>
+              <a:t>1+bl</a:t>
+            </a:r>
+            <a:r>
+              <a:rPr lang="zh-CN" altLang="en-US" dirty="0" smtClean="0"/>
+              <a:t>。这个</a:t>
+            </a:r>
+            <a:r>
+              <a:rPr lang="zh-CN" altLang="en-US" dirty="0" smtClean="0"/>
+              <a:t>量我们</a:t>
+            </a:r>
+            <a:r>
+              <a:rPr lang="zh-CN" altLang="en-US" dirty="0" smtClean="0"/>
+              <a:t>称</a:t>
             </a:r>
             <a:r>
               <a:rPr lang="en-US" altLang="zh-CN" dirty="0" err="1" smtClean="0"/>
               <a:t>zl</a:t>
             </a:r>
             <a:r>
-              <a:rPr lang="en-US" altLang="zh-CN" dirty="0" smtClean="0"/>
-              <a:t> ≡ wlal−1 + </a:t>
-            </a:r>
-            <a:r>
-              <a:rPr lang="en-US" altLang="zh-CN" dirty="0" err="1" smtClean="0"/>
-              <a:t>bl</a:t>
-            </a:r>
-            <a:r>
-              <a:rPr lang="zh-CN" altLang="en-US" dirty="0" smtClean="0"/>
-              <a:t>。这个量其实是 ⾮常有⽤的：我们称</a:t>
+              <a:rPr lang="zh-CN" altLang="en-US" dirty="0" smtClean="0"/>
+              <a:t>为</a:t>
+            </a:r>
+            <a:r>
+              <a:rPr lang="en-US" altLang="zh-CN" dirty="0" smtClean="0"/>
+              <a:t>l</a:t>
+            </a:r>
+            <a:r>
+              <a:rPr lang="zh-CN" altLang="en-US" dirty="0" smtClean="0"/>
+              <a:t>层神经元的带权输⼊</a:t>
+            </a:r>
+            <a:r>
+              <a:rPr lang="zh-CN" altLang="en-US" dirty="0" smtClean="0"/>
+              <a:t>。后⾯的公式我们会</a:t>
+            </a:r>
+            <a:r>
+              <a:rPr lang="zh-CN" altLang="en-US" dirty="0" smtClean="0"/>
+              <a:t>充分利⽤带权输</a:t>
+            </a:r>
+            <a:r>
+              <a:rPr lang="zh-CN" altLang="en-US" dirty="0" smtClean="0"/>
+              <a:t>⼊</a:t>
             </a:r>
             <a:r>
               <a:rPr lang="en-US" altLang="zh-CN" dirty="0" err="1" smtClean="0"/>
               <a:t>zl</a:t>
             </a:r>
             <a:r>
-              <a:rPr lang="en-US" altLang="zh-CN" dirty="0" smtClean="0"/>
-              <a:t> </a:t>
-            </a:r>
-            <a:r>
-              <a:rPr lang="zh-CN" altLang="en-US" dirty="0" smtClean="0"/>
-              <a:t>为</a:t>
-            </a:r>
-            <a:r>
-              <a:rPr lang="en-US" altLang="zh-CN" dirty="0" smtClean="0"/>
-              <a:t>l</a:t>
-            </a:r>
-            <a:r>
-              <a:rPr lang="zh-CN" altLang="en-US" dirty="0" smtClean="0"/>
-              <a:t>层神经元的带权输⼊。在本章后⾯，我们会充分利⽤带权输⼊ </a:t>
+              <a:rPr lang="zh-CN" altLang="en-US" dirty="0" smtClean="0"/>
+              <a:t>。然后第二个⽅程就可以以</a:t>
+            </a:r>
+            <a:r>
+              <a:rPr lang="zh-CN" altLang="en-US" dirty="0" smtClean="0"/>
+              <a:t>带权输⼊的形式写作</a:t>
+            </a:r>
+            <a:r>
+              <a:rPr lang="en-US" altLang="zh-CN" dirty="0" smtClean="0"/>
+              <a:t>al=σ(</a:t>
             </a:r>
             <a:r>
               <a:rPr lang="en-US" altLang="zh-CN" dirty="0" err="1" smtClean="0"/>
               <a:t>zl</a:t>
             </a:r>
             <a:r>
-              <a:rPr lang="zh-CN" altLang="en-US" dirty="0" smtClean="0"/>
-              <a:t>。⽅程</a:t>
-            </a:r>
-            <a:r>
-              <a:rPr lang="en-US" altLang="zh-CN" dirty="0" smtClean="0"/>
-              <a:t>(25)</a:t>
-            </a:r>
-            <a:r>
-              <a:rPr lang="zh-CN" altLang="en-US" dirty="0" smtClean="0"/>
-              <a:t>有时候会以带权输⼊的形式写作</a:t>
-            </a:r>
-            <a:r>
-              <a:rPr lang="en-US" altLang="zh-CN" dirty="0" smtClean="0"/>
-              <a:t>al = σ(</a:t>
+              <a:rPr lang="en-US" altLang="zh-CN" dirty="0" smtClean="0"/>
+              <a:t>)</a:t>
+            </a:r>
+            <a:r>
+              <a:rPr lang="zh-CN" altLang="en-US" dirty="0" smtClean="0"/>
+              <a:t>。同样要指出的是</a:t>
             </a:r>
             <a:r>
               <a:rPr lang="en-US" altLang="zh-CN" dirty="0" err="1" smtClean="0"/>
               <a:t>zl</a:t>
             </a:r>
             <a:r>
-              <a:rPr lang="en-US" altLang="zh-CN" dirty="0" smtClean="0"/>
-              <a:t>)</a:t>
-            </a:r>
-            <a:r>
-              <a:rPr lang="zh-CN" altLang="en-US" dirty="0" smtClean="0"/>
-              <a:t>。同样要指出的是</a:t>
+              <a:rPr lang="zh-CN" altLang="en-US" dirty="0" smtClean="0"/>
+              <a:t>的每个元素</a:t>
+            </a:r>
+            <a:r>
+              <a:rPr lang="zh-CN" altLang="en-US" dirty="0" smtClean="0"/>
+              <a:t>是</a:t>
             </a:r>
             <a:r>
               <a:rPr lang="en-US" altLang="zh-CN" dirty="0" err="1" smtClean="0"/>
-              <a:t>zl</a:t>
-            </a:r>
-            <a:r>
-              <a:rPr lang="zh-CN" altLang="en-US" dirty="0" smtClean="0"/>
-              <a:t>的每个元素是 </a:t>
+              <a:t>zlj</a:t>
+            </a:r>
+            <a:r>
+              <a:rPr lang="en-US" altLang="zh-CN" dirty="0" smtClean="0"/>
+              <a:t> </a:t>
+            </a:r>
+            <a:r>
+              <a:rPr lang="en-US" altLang="zh-CN" dirty="0" smtClean="0"/>
+              <a:t>=∑k </a:t>
             </a:r>
             <a:r>
               <a:rPr lang="en-US" altLang="zh-CN" dirty="0" err="1" smtClean="0"/>
-              <a:t>zl</a:t>
-            </a:r>
-            <a:r>
-              <a:rPr lang="en-US" altLang="zh-CN" dirty="0" smtClean="0"/>
-              <a:t> j =∑k wljkal−1 k + </a:t>
+              <a:t>wljk</a:t>
+            </a:r>
+            <a:r>
+              <a:rPr lang="en-US" altLang="zh-CN" dirty="0" smtClean="0"/>
+              <a:t> </a:t>
+            </a:r>
+            <a:r>
+              <a:rPr lang="zh-CN" altLang="en-US" dirty="0" smtClean="0"/>
+              <a:t>* </a:t>
+            </a:r>
+            <a:r>
+              <a:rPr lang="en-US" altLang="zh-CN" dirty="0" smtClean="0"/>
+              <a:t>a(l</a:t>
+            </a:r>
+            <a:r>
+              <a:rPr lang="en-US" altLang="zh-CN" dirty="0" smtClean="0"/>
+              <a:t>−</a:t>
+            </a:r>
+            <a:r>
+              <a:rPr lang="en-US" altLang="zh-CN" dirty="0" smtClean="0"/>
+              <a:t>1)k + </a:t>
             </a:r>
             <a:r>
               <a:rPr lang="en-US" altLang="zh-CN" dirty="0" err="1" smtClean="0"/>
-              <a:t>bl</a:t>
-            </a:r>
-            <a:r>
-              <a:rPr lang="en-US" altLang="zh-CN" dirty="0" smtClean="0"/>
-              <a:t> j</a:t>
-            </a:r>
-            <a:r>
-              <a:rPr lang="zh-CN" altLang="en-US" dirty="0" smtClean="0"/>
-              <a:t>，其实</a:t>
+              <a:t>blj</a:t>
+            </a:r>
+            <a:r>
+              <a:rPr lang="zh-CN" altLang="en-US" dirty="0" smtClean="0"/>
+              <a:t>（权重矩阵的每一行向量与上一层神经元激活值列向量的点积），</a:t>
+            </a:r>
+            <a:r>
+              <a:rPr lang="zh-CN" altLang="en-US" dirty="0" smtClean="0"/>
+              <a:t>其实</a:t>
             </a:r>
             <a:r>
               <a:rPr lang="en-US" altLang="zh-CN" dirty="0" err="1" smtClean="0"/>
-              <a:t>zl</a:t>
-            </a:r>
-            <a:r>
-              <a:rPr lang="en-US" altLang="zh-CN" dirty="0" smtClean="0"/>
-              <a:t> j</a:t>
+              <a:t>zlj</a:t>
             </a:r>
             <a:r>
               <a:rPr lang="zh-CN" altLang="en-US" dirty="0" smtClean="0"/>
@@ -7337,21 +7187,27 @@
             </a:r>
             <a:r>
               <a:rPr lang="zh-CN" altLang="en-US" dirty="0" smtClean="0"/>
-              <a:t>。为了让反向传播可⾏，我们需要做出关于代价函数的两个主要假设。在给出这两个假设之前，我们先看看具体的⼀个代价函数。我们会使⽤上⼀节使⽤的⼆次代价函数（参⻅⽅程</a:t>
-            </a:r>
-            <a:r>
-              <a:rPr lang="en-US" altLang="zh-CN" dirty="0" smtClean="0"/>
-              <a:t>(6)</a:t>
-            </a:r>
-            <a:r>
-              <a:rPr lang="zh-CN" altLang="en-US" dirty="0" smtClean="0"/>
-              <a:t>）。按照上⼀节给出的表⽰，⼆次代价函数有下列形式：</a:t>
-            </a:r>
-          </a:p>
-          <a:p>
-            <a:r>
-              <a:rPr lang="zh-CN" altLang="en-US" dirty="0" smtClean="0"/>
-              <a:t>其中</a:t>
+              <a:t>。为了让反向传播可⾏，我们需要做出关于代价函数的两个主要假设。在给出这两个假设之前，我们先看看具体的⼀个代价函数</a:t>
+            </a:r>
+            <a:r>
+              <a:rPr lang="zh-CN" altLang="en-US" dirty="0" smtClean="0"/>
+              <a:t>。也就是上</a:t>
+            </a:r>
+            <a:r>
+              <a:rPr lang="zh-CN" altLang="en-US" dirty="0" smtClean="0"/>
+              <a:t>⼀节使⽤的⼆次</a:t>
+            </a:r>
+            <a:r>
+              <a:rPr lang="zh-CN" altLang="en-US" dirty="0" smtClean="0"/>
+              <a:t>代价函数。</a:t>
+            </a:r>
+            <a:r>
+              <a:rPr lang="zh-CN" altLang="en-US" dirty="0" smtClean="0"/>
+              <a:t>按照上⼀节给出的表⽰，⼆次代价函数有下列形式</a:t>
+            </a:r>
+            <a:r>
+              <a:rPr lang="zh-CN" altLang="en-US" dirty="0" smtClean="0"/>
+              <a:t>：其中</a:t>
             </a:r>
             <a:r>
               <a:rPr lang="en-US" altLang="zh-CN" dirty="0" smtClean="0"/>
@@ -7375,7 +7231,15 @@
             </a:r>
             <a:r>
               <a:rPr lang="zh-CN" altLang="en-US" dirty="0" smtClean="0"/>
-              <a:t>是对应的⽬标输出；</a:t>
+              <a:t>是样本对应</a:t>
+            </a:r>
+            <a:r>
+              <a:rPr lang="zh-CN" altLang="en-US" dirty="0" smtClean="0"/>
+              <a:t>的⽬标</a:t>
+            </a:r>
+            <a:r>
+              <a:rPr lang="zh-CN" altLang="en-US" dirty="0" smtClean="0"/>
+              <a:t>输出（标签）；</a:t>
             </a:r>
             <a:r>
               <a:rPr lang="en-US" altLang="zh-CN" dirty="0" smtClean="0"/>
@@ -7411,14 +7275,15 @@
             </a:r>
             <a:r>
               <a:rPr lang="zh-CN" altLang="en-US" dirty="0" smtClean="0"/>
-              <a:t>时的⽹络输出的激活值向量。 </a:t>
-            </a:r>
-            <a:endParaRPr lang="en-US" altLang="zh-CN" dirty="0" smtClean="0"/>
-          </a:p>
-          <a:p>
-            <a:r>
-              <a:rPr lang="zh-CN" altLang="en-US" dirty="0" smtClean="0"/>
-              <a:t>好了，为了应⽤反向传播，我们需要对代价函数</a:t>
+              <a:t>时的⽹络输出的激活值向量</a:t>
+            </a:r>
+            <a:r>
+              <a:rPr lang="zh-CN" altLang="en-US" dirty="0" smtClean="0"/>
+              <a:t>。好</a:t>
+            </a:r>
+            <a:r>
+              <a:rPr lang="zh-CN" altLang="en-US" dirty="0" smtClean="0"/>
+              <a:t>了，为了应⽤反向传播，我们需要对代价函数</a:t>
             </a:r>
             <a:r>
               <a:rPr lang="en-US" altLang="zh-CN" dirty="0" smtClean="0"/>
@@ -7442,7 +7307,19 @@
             </a:r>
             <a:r>
               <a:rPr lang="zh-CN" altLang="en-US" dirty="0" smtClean="0"/>
-              <a:t>的均值。这是关于⼆次代价函数的例⼦，其中对每个独⽴的训练样本其代价是 </a:t>
+              <a:t>的</a:t>
+            </a:r>
+            <a:r>
+              <a:rPr lang="zh-CN" altLang="en-US" dirty="0" smtClean="0"/>
+              <a:t>均值，也就是这第二个方程。</a:t>
+            </a:r>
+            <a:r>
+              <a:rPr lang="zh-CN" altLang="en-US" dirty="0" smtClean="0"/>
+              <a:t>这是关于⼆次代价函数的例⼦，其中对每个独⽴的训练样本其代价</a:t>
+            </a:r>
+            <a:r>
+              <a:rPr lang="zh-CN" altLang="en-US" dirty="0" smtClean="0"/>
+              <a:t>是</a:t>
             </a:r>
             <a:r>
               <a:rPr lang="en-US" altLang="zh-CN" dirty="0" err="1" smtClean="0"/>
@@ -7450,7 +7327,19 @@
             </a:r>
             <a:r>
               <a:rPr lang="en-US" altLang="zh-CN" dirty="0" smtClean="0"/>
-              <a:t> = 1 2||y−</a:t>
+              <a:t> </a:t>
+            </a:r>
+            <a:r>
+              <a:rPr lang="en-US" altLang="zh-CN" dirty="0" smtClean="0"/>
+              <a:t>= </a:t>
+            </a:r>
+            <a:r>
+              <a:rPr lang="en-US" altLang="zh-CN" dirty="0" smtClean="0"/>
+              <a:t>1/2</a:t>
+            </a:r>
+            <a:r>
+              <a:rPr lang="en-US" altLang="zh-CN" dirty="0" smtClean="0"/>
+              <a:t>||y−</a:t>
             </a:r>
             <a:r>
               <a:rPr lang="en-US" altLang="zh-CN" dirty="0" err="1" smtClean="0"/>
@@ -7462,14 +7351,23 @@
             </a:r>
             <a:r>
               <a:rPr lang="zh-CN" altLang="en-US" dirty="0" smtClean="0"/>
-              <a:t>。这个假设对书 中提到的其他任何⼀个代价函数也都是必须满⾜的。 </a:t>
-            </a:r>
-            <a:endParaRPr lang="en-US" altLang="zh-CN" dirty="0" smtClean="0"/>
-          </a:p>
-          <a:p>
-            <a:r>
-              <a:rPr lang="zh-CN" altLang="en-US" dirty="0" smtClean="0"/>
-              <a:t>需要这个假设的原因是反向传播实际上是对⼀个独⽴的训练样本计算了∂</a:t>
+              <a:t>。这个假设对</a:t>
+            </a:r>
+            <a:r>
+              <a:rPr lang="zh-CN" altLang="en-US" dirty="0" smtClean="0"/>
+              <a:t>书中</a:t>
+            </a:r>
+            <a:r>
+              <a:rPr lang="zh-CN" altLang="en-US" dirty="0" smtClean="0"/>
+              <a:t>提到的其他任何⼀个代价函数也都是必须满⾜的</a:t>
+            </a:r>
+            <a:r>
+              <a:rPr lang="zh-CN" altLang="en-US" dirty="0" smtClean="0"/>
+              <a:t>。需要</a:t>
+            </a:r>
+            <a:r>
+              <a:rPr lang="zh-CN" altLang="en-US" dirty="0" smtClean="0"/>
+              <a:t>这个假设的原因是反向传播实际上是对⼀个独⽴的训练样本计算了∂</a:t>
             </a:r>
             <a:r>
               <a:rPr lang="en-US" altLang="zh-CN" dirty="0" err="1" smtClean="0"/>
@@ -7493,7 +7391,11 @@
             </a:r>
             <a:r>
               <a:rPr lang="zh-CN" altLang="en-US" dirty="0" smtClean="0"/>
-              <a:t>。 然后我们通过在所有训练样本上进⾏平均化获得∂</a:t>
+              <a:t>。然后</a:t>
+            </a:r>
+            <a:r>
+              <a:rPr lang="zh-CN" altLang="en-US" dirty="0" smtClean="0"/>
+              <a:t>我们通过在所有训练样本上进⾏平均化获得∂</a:t>
             </a:r>
             <a:r>
               <a:rPr lang="en-US" altLang="zh-CN" dirty="0" smtClean="0"/>
@@ -7533,7 +7435,7 @@
             </a:r>
             <a:r>
               <a:rPr lang="zh-CN" altLang="en-US" dirty="0" smtClean="0"/>
-              <a:t>。最终我们会把下标加上，现在为了简化表⽰其实没有这个必要。 </a:t>
+              <a:t>。</a:t>
             </a:r>
             <a:endParaRPr lang="zh-CN" altLang="en-US" dirty="0"/>
           </a:p>
@@ -7628,7 +7530,15 @@
           <a:p>
             <a:r>
               <a:rPr lang="zh-CN" altLang="en-US" dirty="0" smtClean="0"/>
-              <a:t>例如，⼆次代价函数满⾜这个要求，因为对于⼀个单独的训练样本</a:t>
+              <a:t>例如，⼆次</a:t>
+            </a:r>
+            <a:r>
+              <a:rPr lang="zh-CN" altLang="en-US" dirty="0" smtClean="0"/>
+              <a:t>代价函数就满</a:t>
+            </a:r>
+            <a:r>
+              <a:rPr lang="zh-CN" altLang="en-US" dirty="0" smtClean="0"/>
+              <a:t>⾜这个要求，因为对于⼀个单独的训练样本</a:t>
             </a:r>
             <a:r>
               <a:rPr lang="en-US" altLang="zh-CN" dirty="0" smtClean="0"/>
@@ -7651,7 +7561,11 @@
             </a:r>
             <a:r>
               <a:rPr lang="zh-CN" altLang="en-US" dirty="0" smtClean="0"/>
-              <a:t>，你可能奇怪为什么我 们不把代价也看作⼀个</a:t>
+              <a:t>，但我们</a:t>
+            </a:r>
+            <a:r>
+              <a:rPr lang="zh-CN" altLang="en-US" dirty="0" smtClean="0"/>
+              <a:t>不把代价也看作⼀个</a:t>
             </a:r>
             <a:r>
               <a:rPr lang="en-US" altLang="zh-CN" dirty="0" smtClean="0"/>
@@ -7659,7 +7573,15 @@
             </a:r>
             <a:r>
               <a:rPr lang="zh-CN" altLang="en-US" dirty="0" smtClean="0"/>
-              <a:t>的函数。记住，输⼊的训练样本</a:t>
+              <a:t>的函数</a:t>
+            </a:r>
+            <a:r>
+              <a:rPr lang="zh-CN" altLang="en-US" dirty="0" smtClean="0"/>
+              <a:t>。因为，</a:t>
+            </a:r>
+            <a:r>
+              <a:rPr lang="zh-CN" altLang="en-US" dirty="0" smtClean="0"/>
+              <a:t>输⼊的训练样本</a:t>
             </a:r>
             <a:r>
               <a:rPr lang="en-US" altLang="zh-CN" dirty="0" smtClean="0"/>
@@ -7675,7 +7597,23 @@
             </a:r>
             <a:r>
               <a:rPr lang="zh-CN" altLang="en-US" dirty="0" smtClean="0"/>
-              <a:t>同样是⼀个固定的参数。尤其是它并不是可以随意通过改变权重和偏置来改变的，也就是说，这不是神经⽹络学习的对象。所以，将</a:t>
+              <a:t>同样是⼀个固定的</a:t>
+            </a:r>
+            <a:r>
+              <a:rPr lang="zh-CN" altLang="en-US" dirty="0" smtClean="0"/>
+              <a:t>参数，是个常量。</a:t>
+            </a:r>
+            <a:r>
+              <a:rPr lang="zh-CN" altLang="en-US" dirty="0" smtClean="0"/>
+              <a:t>尤其是它并不是可以随意通过改变权重和偏置来</a:t>
+            </a:r>
+            <a:r>
+              <a:rPr lang="zh-CN" altLang="en-US" dirty="0" smtClean="0"/>
+              <a:t>改变的，也就是说</a:t>
+            </a:r>
+            <a:r>
+              <a:rPr lang="zh-CN" altLang="en-US" dirty="0" smtClean="0"/>
+              <a:t>，这不是神经⽹络学习的对象。所以，将</a:t>
             </a:r>
             <a:r>
               <a:rPr lang="en-US" altLang="zh-CN" dirty="0" smtClean="0"/>
@@ -7699,7 +7637,19 @@
             </a:r>
             <a:r>
               <a:rPr lang="zh-CN" altLang="en-US" dirty="0" smtClean="0"/>
-              <a:t>仅仅是帮助定义 函数的参数⽽已。 </a:t>
+              <a:t>仅仅是帮助</a:t>
+            </a:r>
+            <a:r>
+              <a:rPr lang="zh-CN" altLang="en-US" dirty="0" smtClean="0"/>
+              <a:t>定义函数</a:t>
+            </a:r>
+            <a:r>
+              <a:rPr lang="zh-CN" altLang="en-US" dirty="0" smtClean="0"/>
+              <a:t>的参数⽽已</a:t>
+            </a:r>
+            <a:r>
+              <a:rPr lang="zh-CN" altLang="en-US" dirty="0" smtClean="0"/>
+              <a:t>。</a:t>
             </a:r>
             <a:endParaRPr lang="zh-CN" altLang="en-US" dirty="0"/>
           </a:p>
@@ -7974,7 +7924,11 @@
             </a:r>
             <a:r>
               <a:rPr lang="zh-CN" altLang="en-US" dirty="0" smtClean="0"/>
-              <a:t>诸如向量加法，向量矩阵乘法等。但是有⼀个运算不⼤常⻅。特别地，假设</a:t>
+              <a:t>诸如向量加法，向量矩阵乘法等。但是有⼀个运算不⼤</a:t>
+            </a:r>
+            <a:r>
+              <a:rPr lang="zh-CN" altLang="en-US" dirty="0" smtClean="0"/>
+              <a:t>常用。假设</a:t>
             </a:r>
             <a:r>
               <a:rPr lang="en-US" altLang="zh-CN" dirty="0" smtClean="0"/>
@@ -7998,7 +7952,15 @@
             </a:r>
             <a:r>
               <a:rPr lang="zh-CN" altLang="en-US" dirty="0" smtClean="0"/>
-              <a:t>来表⽰按元素的 乘积。所以</a:t>
+              <a:t>来表⽰按元素</a:t>
+            </a:r>
+            <a:r>
+              <a:rPr lang="zh-CN" altLang="en-US" dirty="0" smtClean="0"/>
+              <a:t>的乘积</a:t>
+            </a:r>
+            <a:r>
+              <a:rPr lang="zh-CN" altLang="en-US" dirty="0" smtClean="0"/>
+              <a:t>。所以</a:t>
             </a:r>
             <a:r>
               <a:rPr lang="en-US" altLang="zh-CN" dirty="0" err="1" smtClean="0"/>
@@ -8026,7 +7988,7 @@
             </a:r>
             <a:r>
               <a:rPr lang="zh-CN" altLang="en-US" dirty="0" smtClean="0"/>
-              <a:t>。给个例⼦， </a:t>
+              <a:t>。如图所示：</a:t>
             </a:r>
             <a:endParaRPr lang="en-US" altLang="zh-CN" dirty="0" smtClean="0"/>
           </a:p>
@@ -8041,7 +8003,15 @@
             </a:r>
             <a:r>
               <a:rPr lang="zh-CN" altLang="en-US" dirty="0" smtClean="0"/>
-              <a:t>乘积。 好的矩阵库</a:t>
+              <a:t>乘积</a:t>
+            </a:r>
+            <a:r>
+              <a:rPr lang="zh-CN" altLang="en-US" dirty="0" smtClean="0"/>
+              <a:t>。好的</a:t>
+            </a:r>
+            <a:r>
+              <a:rPr lang="zh-CN" altLang="en-US" dirty="0" smtClean="0"/>
+              <a:t>矩阵库</a:t>
             </a:r>
             <a:r>
               <a:rPr lang="en-US" altLang="zh-CN" dirty="0" smtClean="0"/>
@@ -8173,55 +8143,366 @@
             </a:r>
             <a:r>
               <a:rPr lang="en-US" altLang="zh-CN" dirty="0" err="1" smtClean="0"/>
-              <a:t>bl</a:t>
-            </a:r>
-            <a:r>
-              <a:rPr lang="en-US" altLang="zh-CN" dirty="0" smtClean="0"/>
-              <a:t> j</a:t>
+              <a:t>blj</a:t>
             </a:r>
             <a:r>
               <a:rPr lang="zh-CN" altLang="en-US" dirty="0" smtClean="0"/>
               <a:t>。但是为了计算这些值，我们⾸先引⼊⼀个中间量，</a:t>
+            </a:r>
+            <a:r>
+              <a:rPr lang="en-US" altLang="zh-CN" dirty="0" err="1" smtClean="0"/>
+              <a:t>δlj</a:t>
+            </a:r>
+            <a:r>
+              <a:rPr lang="zh-CN" altLang="en-US" dirty="0" smtClean="0"/>
+              <a:t>，这个我们称为在</a:t>
+            </a:r>
+            <a:r>
+              <a:rPr lang="en-US" altLang="zh-CN" dirty="0" smtClean="0"/>
+              <a:t>lth</a:t>
+            </a:r>
+            <a:r>
+              <a:rPr lang="zh-CN" altLang="en-US" dirty="0" smtClean="0"/>
+              <a:t>层第</a:t>
+            </a:r>
+            <a:r>
+              <a:rPr lang="en-US" altLang="zh-CN" dirty="0" err="1" smtClean="0"/>
+              <a:t>jth</a:t>
+            </a:r>
+            <a:r>
+              <a:rPr lang="zh-CN" altLang="en-US" dirty="0" smtClean="0"/>
+              <a:t>个神经元上的误差</a:t>
+            </a:r>
+            <a:r>
+              <a:rPr lang="zh-CN" altLang="en-US" dirty="0" smtClean="0"/>
+              <a:t>。反向传播</a:t>
+            </a:r>
+            <a:r>
+              <a:rPr lang="zh-CN" altLang="en-US" dirty="0" smtClean="0"/>
+              <a:t>将给出计算误差</a:t>
+            </a:r>
+            <a:r>
+              <a:rPr lang="en-US" altLang="zh-CN" dirty="0" err="1" smtClean="0"/>
+              <a:t>δlj</a:t>
+            </a:r>
+            <a:r>
+              <a:rPr lang="zh-CN" altLang="en-US" dirty="0" smtClean="0"/>
+              <a:t>的流程，然后将其关联到计算∂</a:t>
+            </a:r>
+            <a:r>
+              <a:rPr lang="en-US" altLang="zh-CN" dirty="0" smtClean="0"/>
+              <a:t>C/∂</a:t>
+            </a:r>
+            <a:r>
+              <a:rPr lang="en-US" altLang="zh-CN" dirty="0" err="1" smtClean="0"/>
+              <a:t>wljk</a:t>
+            </a:r>
+            <a:r>
+              <a:rPr lang="zh-CN" altLang="en-US" dirty="0" smtClean="0"/>
+              <a:t>和∂</a:t>
+            </a:r>
+            <a:r>
+              <a:rPr lang="en-US" altLang="zh-CN" dirty="0" smtClean="0"/>
+              <a:t>C/∂</a:t>
+            </a:r>
+            <a:r>
+              <a:rPr lang="en-US" altLang="zh-CN" dirty="0" err="1" smtClean="0"/>
+              <a:t>blj</a:t>
+            </a:r>
+            <a:r>
+              <a:rPr lang="zh-CN" altLang="en-US" dirty="0" smtClean="0"/>
+              <a:t>上</a:t>
+            </a:r>
+            <a:r>
+              <a:rPr lang="zh-CN" altLang="en-US" dirty="0" smtClean="0"/>
+              <a:t>。为了</a:t>
+            </a:r>
+            <a:r>
+              <a:rPr lang="zh-CN" altLang="en-US" dirty="0" smtClean="0"/>
+              <a:t>理解误差是如何定义的，假设在神经⽹络上有⼀个调⽪⻤：这个调⽪⻤在</a:t>
+            </a:r>
+            <a:r>
+              <a:rPr lang="en-US" altLang="zh-CN" dirty="0" smtClean="0"/>
+              <a:t>l</a:t>
+            </a:r>
+            <a:r>
+              <a:rPr lang="zh-CN" altLang="en-US" dirty="0" smtClean="0"/>
+              <a:t>层的第</a:t>
+            </a:r>
+            <a:r>
+              <a:rPr lang="en-US" altLang="zh-CN" dirty="0" err="1" smtClean="0"/>
+              <a:t>jth</a:t>
+            </a:r>
+            <a:r>
+              <a:rPr lang="zh-CN" altLang="en-US" dirty="0" smtClean="0"/>
+              <a:t>个神经元上。当输⼊进来时，调⽪⻤对神经元的操作进⾏搅局。他会增加很⼩的变化∆</a:t>
+            </a:r>
+            <a:r>
+              <a:rPr lang="en-US" altLang="zh-CN" dirty="0" err="1" smtClean="0"/>
+              <a:t>zlj</a:t>
+            </a:r>
+            <a:r>
+              <a:rPr lang="zh-CN" altLang="en-US" dirty="0" smtClean="0"/>
+              <a:t>在神经元的带权输⼊上，使得神经元输出由</a:t>
+            </a:r>
+            <a:r>
+              <a:rPr lang="en-US" altLang="zh-CN" dirty="0" smtClean="0"/>
+              <a:t>σ(</a:t>
+            </a:r>
+            <a:r>
+              <a:rPr lang="en-US" altLang="zh-CN" dirty="0" err="1" smtClean="0"/>
+              <a:t>zlj</a:t>
+            </a:r>
+            <a:r>
+              <a:rPr lang="en-US" altLang="zh-CN" dirty="0" smtClean="0"/>
+              <a:t>)</a:t>
+            </a:r>
+            <a:r>
+              <a:rPr lang="zh-CN" altLang="en-US" dirty="0" smtClean="0"/>
+              <a:t>变成</a:t>
+            </a:r>
+            <a:r>
+              <a:rPr lang="en-US" altLang="zh-CN" dirty="0" smtClean="0"/>
+              <a:t>σ(</a:t>
+            </a:r>
+            <a:r>
+              <a:rPr lang="en-US" altLang="zh-CN" dirty="0" err="1" smtClean="0"/>
+              <a:t>zlj</a:t>
+            </a:r>
+            <a:r>
+              <a:rPr lang="en-US" altLang="zh-CN" dirty="0" smtClean="0"/>
+              <a:t>+∆</a:t>
+            </a:r>
+            <a:r>
+              <a:rPr lang="en-US" altLang="zh-CN" dirty="0" err="1" smtClean="0"/>
+              <a:t>zlj</a:t>
+            </a:r>
+            <a:r>
+              <a:rPr lang="en-US" altLang="zh-CN" dirty="0" smtClean="0"/>
+              <a:t>)</a:t>
+            </a:r>
+            <a:r>
+              <a:rPr lang="zh-CN" altLang="en-US" dirty="0" smtClean="0"/>
+              <a:t>。</a:t>
+            </a:r>
+            <a:r>
+              <a:rPr lang="zh-CN" altLang="en-US" dirty="0" smtClean="0"/>
+              <a:t>这个</a:t>
+            </a:r>
+            <a:r>
+              <a:rPr lang="zh-CN" altLang="en-US" dirty="0" smtClean="0"/>
+              <a:t>变化会向⽹络后⾯的层进⾏传播，最终导致整个代价产</a:t>
+            </a:r>
+            <a:r>
+              <a:rPr lang="zh-CN" altLang="en-US" dirty="0" smtClean="0"/>
+              <a:t>⽣∂</a:t>
+            </a:r>
+            <a:r>
+              <a:rPr lang="en-US" altLang="zh-CN" dirty="0" smtClean="0"/>
+              <a:t>C/∂</a:t>
+            </a:r>
+            <a:r>
+              <a:rPr lang="en-US" altLang="zh-CN" dirty="0" err="1" smtClean="0"/>
+              <a:t>zlj</a:t>
+            </a:r>
+            <a:r>
+              <a:rPr lang="en-US" altLang="zh-CN" dirty="0" smtClean="0"/>
+              <a:t> </a:t>
+            </a:r>
+            <a:r>
+              <a:rPr lang="en-US" altLang="zh-CN" dirty="0" smtClean="0"/>
+              <a:t>∆</a:t>
+            </a:r>
+            <a:r>
+              <a:rPr lang="en-US" altLang="zh-CN" dirty="0" err="1" smtClean="0"/>
+              <a:t>zlj</a:t>
+            </a:r>
+            <a:r>
+              <a:rPr lang="zh-CN" altLang="en-US" dirty="0" smtClean="0"/>
+              <a:t>的改变。现在，这个调⽪⻤变好了，试着</a:t>
+            </a:r>
+            <a:r>
+              <a:rPr lang="zh-CN" altLang="en-US" dirty="0" smtClean="0"/>
+              <a:t>帮助我们来</a:t>
+            </a:r>
+            <a:r>
+              <a:rPr lang="zh-CN" altLang="en-US" dirty="0" smtClean="0"/>
+              <a:t>优化代价，它试着找到可以让代价更⼩的∆</a:t>
+            </a:r>
+            <a:r>
+              <a:rPr lang="en-US" altLang="zh-CN" dirty="0" err="1" smtClean="0"/>
+              <a:t>zlj</a:t>
+            </a:r>
+            <a:r>
+              <a:rPr lang="zh-CN" altLang="en-US" dirty="0" smtClean="0"/>
+              <a:t>。</a:t>
+            </a:r>
+            <a:r>
+              <a:rPr lang="zh-CN" altLang="en-US" dirty="0" smtClean="0"/>
+              <a:t>假设∂</a:t>
+            </a:r>
+            <a:r>
+              <a:rPr lang="en-US" altLang="zh-CN" dirty="0" smtClean="0"/>
+              <a:t>C/∂</a:t>
+            </a:r>
+            <a:r>
+              <a:rPr lang="en-US" altLang="zh-CN" dirty="0" err="1" smtClean="0"/>
+              <a:t>zlj</a:t>
+            </a:r>
+            <a:r>
+              <a:rPr lang="en-US" altLang="zh-CN" dirty="0" smtClean="0"/>
+              <a:t> </a:t>
+            </a:r>
+            <a:r>
+              <a:rPr lang="zh-CN" altLang="en-US" dirty="0" smtClean="0"/>
+              <a:t>有⼀个很⼤的值（或正或负）。那么这个调⽪⻤可以通过选择</a:t>
+            </a:r>
+            <a:r>
+              <a:rPr lang="zh-CN" altLang="en-US" dirty="0" smtClean="0"/>
+              <a:t>与∂</a:t>
+            </a:r>
+            <a:r>
+              <a:rPr lang="en-US" altLang="zh-CN" dirty="0" smtClean="0"/>
+              <a:t>C/∂</a:t>
+            </a:r>
+            <a:r>
+              <a:rPr lang="en-US" altLang="zh-CN" dirty="0" err="1" smtClean="0"/>
+              <a:t>zlj</a:t>
+            </a:r>
+            <a:r>
+              <a:rPr lang="zh-CN" altLang="en-US" dirty="0" smtClean="0"/>
+              <a:t>相反</a:t>
+            </a:r>
+            <a:r>
+              <a:rPr lang="zh-CN" altLang="en-US" dirty="0" smtClean="0"/>
+              <a:t>符号的∆</a:t>
+            </a:r>
+            <a:r>
+              <a:rPr lang="en-US" altLang="zh-CN" dirty="0" err="1" smtClean="0"/>
+              <a:t>zlj</a:t>
+            </a:r>
+            <a:r>
+              <a:rPr lang="zh-CN" altLang="en-US" dirty="0" smtClean="0"/>
+              <a:t>来</a:t>
+            </a:r>
+            <a:r>
+              <a:rPr lang="zh-CN" altLang="en-US" dirty="0" smtClean="0"/>
+              <a:t>降低</a:t>
+            </a:r>
+            <a:r>
+              <a:rPr lang="zh-CN" altLang="en-US" dirty="0" smtClean="0"/>
+              <a:t>代价。相反，</a:t>
+            </a:r>
+            <a:r>
+              <a:rPr lang="zh-CN" altLang="en-US" dirty="0" smtClean="0"/>
+              <a:t>如果∂</a:t>
+            </a:r>
+            <a:r>
+              <a:rPr lang="en-US" altLang="zh-CN" dirty="0" smtClean="0"/>
+              <a:t>C/∂</a:t>
+            </a:r>
+            <a:r>
+              <a:rPr lang="en-US" altLang="zh-CN" dirty="0" err="1" smtClean="0"/>
+              <a:t>zlj</a:t>
+            </a:r>
+            <a:r>
+              <a:rPr lang="zh-CN" altLang="en-US" dirty="0" smtClean="0"/>
+              <a:t>接近</a:t>
+            </a:r>
+            <a:r>
+              <a:rPr lang="en-US" altLang="zh-CN" dirty="0" smtClean="0"/>
+              <a:t>0</a:t>
+            </a:r>
+            <a:r>
+              <a:rPr lang="zh-CN" altLang="en-US" dirty="0" smtClean="0"/>
+              <a:t>，那么调⽪⻤并不能通过扰动带权输⼊</a:t>
+            </a:r>
+            <a:r>
+              <a:rPr lang="en-US" altLang="zh-CN" dirty="0" err="1" smtClean="0"/>
+              <a:t>zlj</a:t>
+            </a:r>
+            <a:r>
+              <a:rPr lang="zh-CN" altLang="en-US" dirty="0" smtClean="0"/>
+              <a:t>来改善太多代价。在调⽪⻤看来，这时候神经元已经很接近最优了。所以这⾥有⼀种启发式的认识，∂</a:t>
+            </a:r>
+            <a:r>
+              <a:rPr lang="en-US" altLang="zh-CN" dirty="0" smtClean="0"/>
+              <a:t>C/∂</a:t>
+            </a:r>
+            <a:r>
+              <a:rPr lang="en-US" altLang="zh-CN" dirty="0" err="1" smtClean="0"/>
+              <a:t>zlj</a:t>
+            </a:r>
+            <a:r>
+              <a:rPr lang="zh-CN" altLang="en-US" dirty="0" smtClean="0"/>
+              <a:t>是</a:t>
+            </a:r>
+            <a:r>
+              <a:rPr lang="zh-CN" altLang="en-US" dirty="0" smtClean="0"/>
+              <a:t>神经元的误差的度量。按照上⾯的描述，我们定义</a:t>
+            </a:r>
+            <a:r>
+              <a:rPr lang="en-US" altLang="zh-CN" dirty="0" smtClean="0"/>
+              <a:t>l</a:t>
+            </a:r>
+            <a:r>
+              <a:rPr lang="zh-CN" altLang="en-US" dirty="0" smtClean="0"/>
+              <a:t>层的第</a:t>
+            </a:r>
+            <a:r>
+              <a:rPr lang="en-US" altLang="zh-CN" dirty="0" err="1" smtClean="0"/>
+              <a:t>jth</a:t>
+            </a:r>
+            <a:r>
+              <a:rPr lang="zh-CN" altLang="en-US" dirty="0" smtClean="0"/>
+              <a:t>个神经元上的误差</a:t>
+            </a:r>
+            <a:r>
+              <a:rPr lang="en-US" altLang="zh-CN" dirty="0" err="1" smtClean="0"/>
+              <a:t>δlj</a:t>
+            </a:r>
+            <a:r>
+              <a:rPr lang="zh-CN" altLang="en-US" dirty="0" smtClean="0"/>
+              <a:t>为：</a:t>
+            </a:r>
+            <a:endParaRPr lang="en-US" altLang="zh-CN" dirty="0" smtClean="0"/>
+          </a:p>
+          <a:p>
+            <a:r>
+              <a:rPr lang="zh-CN" altLang="en-US" dirty="0" smtClean="0"/>
+              <a:t>按照我们通常的惯例，我们使⽤</a:t>
             </a:r>
             <a:r>
               <a:rPr lang="en-US" altLang="zh-CN" dirty="0" err="1" smtClean="0"/>
               <a:t>δl</a:t>
             </a:r>
             <a:r>
-              <a:rPr lang="en-US" altLang="zh-CN" dirty="0" smtClean="0"/>
-              <a:t> j</a:t>
-            </a:r>
-            <a:r>
-              <a:rPr lang="zh-CN" altLang="en-US" dirty="0" smtClean="0"/>
-              <a:t>，这个我们称为在</a:t>
-            </a:r>
-            <a:r>
-              <a:rPr lang="en-US" altLang="zh-CN" dirty="0" smtClean="0"/>
-              <a:t>lth</a:t>
-            </a:r>
-            <a:r>
-              <a:rPr lang="zh-CN" altLang="en-US" dirty="0" smtClean="0"/>
-              <a:t>层第</a:t>
-            </a:r>
-            <a:r>
-              <a:rPr lang="en-US" altLang="zh-CN" dirty="0" err="1" smtClean="0"/>
-              <a:t>jth</a:t>
-            </a:r>
-            <a:r>
-              <a:rPr lang="zh-CN" altLang="en-US" dirty="0" smtClean="0"/>
-              <a:t>个神经元上的误差。 反向传播将给出计算误差</a:t>
+              <a:rPr lang="zh-CN" altLang="en-US" dirty="0" smtClean="0"/>
+              <a:t>表⽰关联于</a:t>
+            </a:r>
+            <a:r>
+              <a:rPr lang="en-US" altLang="zh-CN" dirty="0" smtClean="0"/>
+              <a:t>l</a:t>
+            </a:r>
+            <a:r>
+              <a:rPr lang="zh-CN" altLang="en-US" dirty="0" smtClean="0"/>
+              <a:t>层的误差向量。反向传播会提供给我们⼀</a:t>
+            </a:r>
+            <a:r>
+              <a:rPr lang="zh-CN" altLang="en-US" dirty="0" smtClean="0"/>
+              <a:t>种计算</a:t>
+            </a:r>
+            <a:r>
+              <a:rPr lang="zh-CN" altLang="en-US" dirty="0" smtClean="0"/>
+              <a:t>每层的</a:t>
             </a:r>
             <a:r>
               <a:rPr lang="en-US" altLang="zh-CN" dirty="0" err="1" smtClean="0"/>
               <a:t>δl</a:t>
             </a:r>
             <a:r>
-              <a:rPr lang="en-US" altLang="zh-CN" dirty="0" smtClean="0"/>
-              <a:t> j</a:t>
-            </a:r>
-            <a:r>
-              <a:rPr lang="zh-CN" altLang="en-US" dirty="0" smtClean="0"/>
-              <a:t>的流程，然后将其关联到计算∂</a:t>
+              <a:rPr lang="zh-CN" altLang="en-US" dirty="0" smtClean="0"/>
+              <a:t>的⽅法，然后将这些误差和最终我们需要的量∂</a:t>
             </a:r>
             <a:r>
               <a:rPr lang="en-US" altLang="zh-CN" dirty="0" smtClean="0"/>
@@ -8241,334 +8522,89 @@
             </a:r>
             <a:r>
               <a:rPr lang="en-US" altLang="zh-CN" dirty="0" err="1" smtClean="0"/>
-              <a:t>bl</a:t>
-            </a:r>
-            <a:r>
-              <a:rPr lang="en-US" altLang="zh-CN" dirty="0" smtClean="0"/>
-              <a:t> j</a:t>
-            </a:r>
-            <a:r>
-              <a:rPr lang="zh-CN" altLang="en-US" dirty="0" smtClean="0"/>
-              <a:t>上。 为了理解误差是如何定义的，假设在神经⽹络上有⼀个调⽪⻤：这个调⽪⻤在</a:t>
-            </a:r>
-            <a:r>
-              <a:rPr lang="en-US" altLang="zh-CN" dirty="0" smtClean="0"/>
-              <a:t>l</a:t>
-            </a:r>
-            <a:r>
-              <a:rPr lang="zh-CN" altLang="en-US" dirty="0" smtClean="0"/>
-              <a:t>层的第</a:t>
+              <a:t>blj</a:t>
+            </a:r>
+            <a:r>
+              <a:rPr lang="zh-CN" altLang="en-US" dirty="0" smtClean="0"/>
+              <a:t>联系起来</a:t>
+            </a:r>
+            <a:r>
+              <a:rPr lang="zh-CN" altLang="en-US" dirty="0" smtClean="0"/>
+              <a:t>。大家可能</a:t>
+            </a:r>
+            <a:r>
+              <a:rPr lang="zh-CN" altLang="en-US" dirty="0" smtClean="0"/>
+              <a:t>会想知道为何这个调⽪⻤在改变带权输⼊</a:t>
             </a:r>
             <a:r>
               <a:rPr lang="en-US" altLang="zh-CN" dirty="0" err="1" smtClean="0"/>
-              <a:t>jth</a:t>
-            </a:r>
-            <a:r>
-              <a:rPr lang="zh-CN" altLang="en-US" dirty="0" smtClean="0"/>
-              <a:t>个神经元上。当输⼊进来时，调⽪⻤对神经元的操作进⾏搅局。他会增加很⼩的变化∆</a:t>
+              <a:t>zlj</a:t>
+            </a:r>
+            <a:r>
+              <a:rPr lang="zh-CN" altLang="en-US" dirty="0" smtClean="0"/>
+              <a:t>。把它想象成改变输出激活值</a:t>
             </a:r>
             <a:r>
               <a:rPr lang="en-US" altLang="zh-CN" dirty="0" err="1" smtClean="0"/>
-              <a:t>zl</a:t>
-            </a:r>
-            <a:r>
-              <a:rPr lang="en-US" altLang="zh-CN" dirty="0" smtClean="0"/>
-              <a:t> j</a:t>
-            </a:r>
-            <a:r>
-              <a:rPr lang="zh-CN" altLang="en-US" dirty="0" smtClean="0"/>
-              <a:t>在神经元的带权输⼊上，使得神经元输出由</a:t>
-            </a:r>
-            <a:r>
-              <a:rPr lang="en-US" altLang="zh-CN" dirty="0" smtClean="0"/>
-              <a:t>σ(</a:t>
+              <a:t>alj</a:t>
+            </a:r>
+            <a:r>
+              <a:rPr lang="zh-CN" altLang="en-US" dirty="0" smtClean="0"/>
+              <a:t>肯定</a:t>
+            </a:r>
+            <a:r>
+              <a:rPr lang="zh-CN" altLang="en-US" dirty="0" smtClean="0"/>
+              <a:t>会更加⾃然，然后就使</a:t>
+            </a:r>
+            <a:r>
+              <a:rPr lang="zh-CN" altLang="en-US" dirty="0" smtClean="0"/>
+              <a:t>⽤∂</a:t>
+            </a:r>
+            <a:r>
+              <a:rPr lang="en-US" altLang="zh-CN" dirty="0" smtClean="0"/>
+              <a:t>C/∂</a:t>
             </a:r>
             <a:r>
               <a:rPr lang="en-US" altLang="zh-CN" dirty="0" err="1" smtClean="0"/>
-              <a:t>zl</a:t>
-            </a:r>
-            <a:r>
-              <a:rPr lang="en-US" altLang="zh-CN" dirty="0" smtClean="0"/>
-              <a:t> j)</a:t>
-            </a:r>
-            <a:r>
-              <a:rPr lang="zh-CN" altLang="en-US" dirty="0" smtClean="0"/>
-              <a:t>变成</a:t>
-            </a:r>
-            <a:r>
-              <a:rPr lang="en-US" altLang="zh-CN" dirty="0" smtClean="0"/>
-              <a:t>σ(</a:t>
-            </a:r>
-            <a:r>
-              <a:rPr lang="en-US" altLang="zh-CN" dirty="0" err="1" smtClean="0"/>
-              <a:t>zl</a:t>
-            </a:r>
-            <a:r>
-              <a:rPr lang="en-US" altLang="zh-CN" dirty="0" smtClean="0"/>
-              <a:t> j + ∆</a:t>
-            </a:r>
-            <a:r>
-              <a:rPr lang="en-US" altLang="zh-CN" dirty="0" err="1" smtClean="0"/>
-              <a:t>zl</a:t>
-            </a:r>
-            <a:r>
-              <a:rPr lang="en-US" altLang="zh-CN" dirty="0" smtClean="0"/>
-              <a:t> j)</a:t>
-            </a:r>
-            <a:r>
-              <a:rPr lang="zh-CN" altLang="en-US" dirty="0" smtClean="0"/>
-              <a:t>。这 个变化会向⽹络后⾯的层进⾏传播，最终导致整个代价产⽣ ∂</a:t>
-            </a:r>
-            <a:r>
-              <a:rPr lang="en-US" altLang="zh-CN" dirty="0" smtClean="0"/>
-              <a:t>C ∂</a:t>
-            </a:r>
-            <a:r>
-              <a:rPr lang="en-US" altLang="zh-CN" dirty="0" err="1" smtClean="0"/>
-              <a:t>zl</a:t>
-            </a:r>
-            <a:r>
-              <a:rPr lang="en-US" altLang="zh-CN" dirty="0" smtClean="0"/>
-              <a:t> j ∆</a:t>
-            </a:r>
-            <a:r>
-              <a:rPr lang="en-US" altLang="zh-CN" dirty="0" err="1" smtClean="0"/>
-              <a:t>zl</a:t>
-            </a:r>
-            <a:r>
-              <a:rPr lang="en-US" altLang="zh-CN" dirty="0" smtClean="0"/>
-              <a:t> j</a:t>
-            </a:r>
-            <a:r>
-              <a:rPr lang="zh-CN" altLang="en-US" dirty="0" smtClean="0"/>
-              <a:t>的改变。现在，这个调⽪⻤变好了，试着帮助你来优化代价，它试着找到可以让代价更⼩的∆</a:t>
-            </a:r>
-            <a:r>
-              <a:rPr lang="en-US" altLang="zh-CN" dirty="0" err="1" smtClean="0"/>
-              <a:t>zl</a:t>
-            </a:r>
-            <a:r>
-              <a:rPr lang="en-US" altLang="zh-CN" dirty="0" smtClean="0"/>
-              <a:t> j</a:t>
-            </a:r>
-            <a:r>
-              <a:rPr lang="zh-CN" altLang="en-US" dirty="0" smtClean="0"/>
-              <a:t>。假设 ∂</a:t>
-            </a:r>
-            <a:r>
-              <a:rPr lang="en-US" altLang="zh-CN" dirty="0" smtClean="0"/>
-              <a:t>C ∂</a:t>
-            </a:r>
-            <a:r>
-              <a:rPr lang="en-US" altLang="zh-CN" dirty="0" err="1" smtClean="0"/>
-              <a:t>zl</a:t>
-            </a:r>
-            <a:r>
-              <a:rPr lang="en-US" altLang="zh-CN" dirty="0" smtClean="0"/>
-              <a:t> j </a:t>
-            </a:r>
-            <a:r>
-              <a:rPr lang="zh-CN" altLang="en-US" dirty="0" smtClean="0"/>
-              <a:t>有⼀个很⼤的值（或正或负）。那么这个调⽪⻤可以通过选择与 ∂</a:t>
-            </a:r>
-            <a:r>
-              <a:rPr lang="en-US" altLang="zh-CN" dirty="0" smtClean="0"/>
-              <a:t>C ∂</a:t>
-            </a:r>
-            <a:r>
-              <a:rPr lang="en-US" altLang="zh-CN" dirty="0" err="1" smtClean="0"/>
-              <a:t>zl</a:t>
-            </a:r>
-            <a:r>
-              <a:rPr lang="en-US" altLang="zh-CN" dirty="0" smtClean="0"/>
-              <a:t> j </a:t>
-            </a:r>
-            <a:r>
-              <a:rPr lang="zh-CN" altLang="en-US" dirty="0" smtClean="0"/>
-              <a:t>相反符号的∆</a:t>
-            </a:r>
-            <a:r>
-              <a:rPr lang="en-US" altLang="zh-CN" dirty="0" err="1" smtClean="0"/>
-              <a:t>zl</a:t>
-            </a:r>
-            <a:r>
-              <a:rPr lang="en-US" altLang="zh-CN" dirty="0" smtClean="0"/>
-              <a:t> j</a:t>
-            </a:r>
-            <a:r>
-              <a:rPr lang="zh-CN" altLang="en-US" dirty="0" smtClean="0"/>
-              <a:t>来降 低代价。相反，如果 ∂</a:t>
-            </a:r>
-            <a:r>
-              <a:rPr lang="en-US" altLang="zh-CN" dirty="0" smtClean="0"/>
-              <a:t>C ∂</a:t>
-            </a:r>
-            <a:r>
-              <a:rPr lang="en-US" altLang="zh-CN" dirty="0" err="1" smtClean="0"/>
-              <a:t>zl</a:t>
-            </a:r>
-            <a:r>
-              <a:rPr lang="en-US" altLang="zh-CN" dirty="0" smtClean="0"/>
-              <a:t> j </a:t>
-            </a:r>
-            <a:r>
-              <a:rPr lang="zh-CN" altLang="en-US" dirty="0" smtClean="0"/>
-              <a:t>接近</a:t>
-            </a:r>
-            <a:r>
-              <a:rPr lang="en-US" altLang="zh-CN" dirty="0" smtClean="0"/>
-              <a:t>0</a:t>
-            </a:r>
-            <a:r>
-              <a:rPr lang="zh-CN" altLang="en-US" dirty="0" smtClean="0"/>
-              <a:t>，那么调⽪⻤并不能通过扰动带权输⼊</a:t>
-            </a:r>
-            <a:r>
-              <a:rPr lang="en-US" altLang="zh-CN" dirty="0" err="1" smtClean="0"/>
-              <a:t>zl</a:t>
-            </a:r>
-            <a:r>
-              <a:rPr lang="en-US" altLang="zh-CN" dirty="0" smtClean="0"/>
-              <a:t> j</a:t>
-            </a:r>
-            <a:r>
-              <a:rPr lang="zh-CN" altLang="en-US" dirty="0" smtClean="0"/>
-              <a:t>来改善太多代价。在调⽪⻤看来，这时候神经元已经很接近最优了。所以这⾥有⼀种启发式的认识，∂</a:t>
-            </a:r>
-            <a:r>
-              <a:rPr lang="en-US" altLang="zh-CN" dirty="0" smtClean="0"/>
-              <a:t>C ∂</a:t>
-            </a:r>
-            <a:r>
-              <a:rPr lang="en-US" altLang="zh-CN" dirty="0" err="1" smtClean="0"/>
-              <a:t>zl</a:t>
-            </a:r>
-            <a:r>
-              <a:rPr lang="en-US" altLang="zh-CN" dirty="0" smtClean="0"/>
-              <a:t> j </a:t>
-            </a:r>
-            <a:r>
-              <a:rPr lang="zh-CN" altLang="en-US" dirty="0" smtClean="0"/>
-              <a:t>是神经元的误差的度量。按照上⾯的描述，我们定义</a:t>
-            </a:r>
-            <a:r>
-              <a:rPr lang="en-US" altLang="zh-CN" dirty="0" smtClean="0"/>
-              <a:t>l</a:t>
-            </a:r>
-            <a:r>
-              <a:rPr lang="zh-CN" altLang="en-US" dirty="0" smtClean="0"/>
-              <a:t>层的第</a:t>
-            </a:r>
-            <a:r>
-              <a:rPr lang="en-US" altLang="zh-CN" dirty="0" err="1" smtClean="0"/>
-              <a:t>jth</a:t>
-            </a:r>
-            <a:r>
-              <a:rPr lang="zh-CN" altLang="en-US" dirty="0" smtClean="0"/>
-              <a:t>个神经元上的误差</a:t>
-            </a:r>
-            <a:r>
-              <a:rPr lang="en-US" altLang="zh-CN" dirty="0" err="1" smtClean="0"/>
-              <a:t>δl</a:t>
-            </a:r>
-            <a:r>
-              <a:rPr lang="en-US" altLang="zh-CN" dirty="0" smtClean="0"/>
-              <a:t> j</a:t>
-            </a:r>
-            <a:r>
-              <a:rPr lang="zh-CN" altLang="en-US" dirty="0" smtClean="0"/>
-              <a:t>为</a:t>
-            </a:r>
-            <a:endParaRPr lang="en-US" altLang="zh-CN" dirty="0" smtClean="0"/>
-          </a:p>
-          <a:p>
-            <a:r>
-              <a:rPr lang="zh-CN" altLang="en-US" dirty="0" smtClean="0"/>
-              <a:t>按照我们通常的惯例，我们使⽤</a:t>
-            </a:r>
-            <a:r>
-              <a:rPr lang="en-US" altLang="zh-CN" dirty="0" err="1" smtClean="0"/>
-              <a:t>δl</a:t>
-            </a:r>
-            <a:r>
-              <a:rPr lang="zh-CN" altLang="en-US" dirty="0" smtClean="0"/>
-              <a:t>表⽰关联于</a:t>
-            </a:r>
-            <a:r>
-              <a:rPr lang="en-US" altLang="zh-CN" dirty="0" smtClean="0"/>
-              <a:t>l</a:t>
-            </a:r>
-            <a:r>
-              <a:rPr lang="zh-CN" altLang="en-US" dirty="0" smtClean="0"/>
-              <a:t>层的误差向量。反向传播会提供给我们⼀种 计算每层的</a:t>
-            </a:r>
-            <a:r>
-              <a:rPr lang="en-US" altLang="zh-CN" dirty="0" err="1" smtClean="0"/>
-              <a:t>δl</a:t>
-            </a:r>
-            <a:r>
-              <a:rPr lang="zh-CN" altLang="en-US" dirty="0" smtClean="0"/>
-              <a:t>的⽅法，然后将这些误差和最终我们需要的量∂</a:t>
-            </a:r>
-            <a:r>
-              <a:rPr lang="en-US" altLang="zh-CN" dirty="0" smtClean="0"/>
-              <a:t>C/∂</a:t>
-            </a:r>
-            <a:r>
-              <a:rPr lang="en-US" altLang="zh-CN" dirty="0" err="1" smtClean="0"/>
-              <a:t>wljk</a:t>
-            </a:r>
-            <a:r>
-              <a:rPr lang="zh-CN" altLang="en-US" dirty="0" smtClean="0"/>
-              <a:t>和∂</a:t>
-            </a:r>
-            <a:r>
-              <a:rPr lang="en-US" altLang="zh-CN" dirty="0" smtClean="0"/>
-              <a:t>C/∂</a:t>
-            </a:r>
-            <a:r>
-              <a:rPr lang="en-US" altLang="zh-CN" dirty="0" err="1" smtClean="0"/>
-              <a:t>bl</a:t>
-            </a:r>
-            <a:r>
-              <a:rPr lang="en-US" altLang="zh-CN" dirty="0" smtClean="0"/>
-              <a:t> j</a:t>
-            </a:r>
-            <a:r>
-              <a:rPr lang="zh-CN" altLang="en-US" dirty="0" smtClean="0"/>
-              <a:t>联系起来。 你可能会想知道为何这个调⽪⻤在改变带权输⼊</a:t>
-            </a:r>
-            <a:r>
-              <a:rPr lang="en-US" altLang="zh-CN" dirty="0" err="1" smtClean="0"/>
-              <a:t>zl</a:t>
-            </a:r>
-            <a:r>
-              <a:rPr lang="en-US" altLang="zh-CN" dirty="0" smtClean="0"/>
-              <a:t> j</a:t>
-            </a:r>
-            <a:r>
-              <a:rPr lang="zh-CN" altLang="en-US" dirty="0" smtClean="0"/>
-              <a:t>。把它想象成改变输出激活值</a:t>
-            </a:r>
-            <a:r>
-              <a:rPr lang="en-US" altLang="zh-CN" dirty="0" smtClean="0"/>
-              <a:t>al j</a:t>
-            </a:r>
-            <a:r>
-              <a:rPr lang="zh-CN" altLang="en-US" dirty="0" smtClean="0"/>
-              <a:t>肯定会更加⾃然，然后就使⽤ ∂</a:t>
-            </a:r>
-            <a:r>
-              <a:rPr lang="en-US" altLang="zh-CN" dirty="0" smtClean="0"/>
-              <a:t>C ∂al j </a:t>
-            </a:r>
-            <a:r>
-              <a:rPr lang="zh-CN" altLang="en-US" dirty="0" smtClean="0"/>
-              <a:t>作为度量误差的⽅法了。实际上，如果你这样做的话，其实和下⾯要 讨论的差不多。但是看起来，前⾯的⽅法会让反向传播在代数运算上变得⽐较复杂。所以我们使用上面这个式子作为误差度量。</a:t>
-            </a:r>
-          </a:p>
-          <a:p>
-            <a:endParaRPr lang="zh-CN" altLang="en-US" dirty="0"/>
+              <a:t>alj</a:t>
+            </a:r>
+            <a:r>
+              <a:rPr lang="zh-CN" altLang="en-US" dirty="0" smtClean="0"/>
+              <a:t>作为</a:t>
+            </a:r>
+            <a:r>
+              <a:rPr lang="zh-CN" altLang="en-US" dirty="0" smtClean="0"/>
+              <a:t>度量误差的⽅法了。实际上，</a:t>
+            </a:r>
+            <a:r>
+              <a:rPr lang="zh-CN" altLang="en-US" dirty="0" smtClean="0"/>
+              <a:t>如果这样</a:t>
+            </a:r>
+            <a:r>
+              <a:rPr lang="zh-CN" altLang="en-US" dirty="0" smtClean="0"/>
+              <a:t>做的话，其实和下⾯</a:t>
+            </a:r>
+            <a:r>
+              <a:rPr lang="zh-CN" altLang="en-US" dirty="0" smtClean="0"/>
+              <a:t>要讨论</a:t>
+            </a:r>
+            <a:r>
+              <a:rPr lang="zh-CN" altLang="en-US" dirty="0" smtClean="0"/>
+              <a:t>的差不多。但是看起来，前⾯的⽅法会让反向传播在代数运算上变得⽐较复杂。所以我们使用上面这个</a:t>
+            </a:r>
+            <a:r>
+              <a:rPr lang="zh-CN" altLang="en-US" dirty="0" smtClean="0"/>
+              <a:t>式子（带权输入）作为</a:t>
+            </a:r>
+            <a:r>
+              <a:rPr lang="zh-CN" altLang="en-US" dirty="0" smtClean="0"/>
+              <a:t>误差度量</a:t>
+            </a:r>
+            <a:r>
+              <a:rPr lang="zh-CN" altLang="en-US" dirty="0" smtClean="0"/>
+              <a:t>。</a:t>
+            </a:r>
+            <a:endParaRPr lang="zh-CN" altLang="en-US" dirty="0" smtClean="0"/>
           </a:p>
         </p:txBody>
       </p:sp>
@@ -8679,18 +8715,447 @@
             </a:r>
             <a:r>
               <a:rPr lang="zh-CN" altLang="en-US" dirty="0" smtClean="0"/>
-              <a:t>和代价函数梯度的⽅法。这里列出这四个⽅程。但是需要注意：不需要⼀下⼦能够同时理解这些公式。希望越⼤失望越⼤。实际上，反向传播⽅程内容很多，完全理解这些需要花费充分的时间和耐⼼，需要⼀步⼀步地深⼊理解。⽽带来的好处是，这样的付出回报巨⼤。所以本节对这些内容的讨论仅仅是⼀个正确掌握这些⽅程的起步。 </a:t>
-            </a:r>
-            <a:endParaRPr lang="en-US" altLang="zh-CN" dirty="0" smtClean="0"/>
-          </a:p>
-          <a:p>
-            <a:r>
-              <a:rPr lang="zh-CN" altLang="en-US" dirty="0" smtClean="0"/>
-              <a:t>第一个公式第⼀个项∂</a:t>
+              <a:t>和代价函数梯度的⽅法。这里列出这四个⽅程。</a:t>
+            </a:r>
+            <a:r>
+              <a:rPr lang="zh-CN" altLang="en-US" dirty="0" smtClean="0"/>
+              <a:t>但是一下</a:t>
+            </a:r>
+            <a:r>
+              <a:rPr lang="zh-CN" altLang="en-US" dirty="0" smtClean="0"/>
+              <a:t>⼦能够同时理解这些</a:t>
+            </a:r>
+            <a:r>
+              <a:rPr lang="zh-CN" altLang="en-US" dirty="0" smtClean="0"/>
+              <a:t>公式可能有些困难。</a:t>
+            </a:r>
+            <a:r>
+              <a:rPr lang="zh-CN" altLang="en-US" dirty="0" smtClean="0"/>
+              <a:t>希望越⼤失望越⼤。实际上，反向传播⽅程内容很多，完全理解这些需要花费充分的时间和耐⼼，需要⼀步⼀步地深⼊理解。</a:t>
+            </a:r>
+            <a:r>
+              <a:rPr lang="zh-CN" altLang="en-US" dirty="0" smtClean="0"/>
+              <a:t>⽽这样</a:t>
+            </a:r>
+            <a:r>
+              <a:rPr lang="zh-CN" altLang="en-US" dirty="0" smtClean="0"/>
+              <a:t>的付出回报巨⼤。</a:t>
+            </a:r>
+            <a:r>
+              <a:rPr lang="zh-CN" altLang="en-US" dirty="0" smtClean="0"/>
+              <a:t>所以我们对</a:t>
+            </a:r>
+            <a:r>
+              <a:rPr lang="zh-CN" altLang="en-US" dirty="0" smtClean="0"/>
+              <a:t>这些内容的讨论仅仅是⼀个正确掌握这些⽅程的起步</a:t>
+            </a:r>
+            <a:r>
+              <a:rPr lang="zh-CN" altLang="en-US" dirty="0" smtClean="0"/>
+              <a:t>。第一</a:t>
+            </a:r>
+            <a:r>
+              <a:rPr lang="zh-CN" altLang="en-US" dirty="0" smtClean="0"/>
+              <a:t>个公式第⼀个项∂</a:t>
             </a:r>
             <a:r>
               <a:rPr lang="en-US" altLang="zh-CN" dirty="0" smtClean="0"/>
               <a:t>C/∂</a:t>
+            </a:r>
+            <a:r>
+              <a:rPr lang="en-US" altLang="zh-CN" dirty="0" err="1" smtClean="0"/>
+              <a:t>aLj</a:t>
+            </a:r>
+            <a:r>
+              <a:rPr lang="zh-CN" altLang="en-US" dirty="0" smtClean="0"/>
+              <a:t>表</a:t>
+            </a:r>
+            <a:r>
+              <a:rPr lang="zh-CN" altLang="en-US" dirty="0" smtClean="0"/>
+              <a:t>⽰代价随着</a:t>
+            </a:r>
+            <a:r>
+              <a:rPr lang="en-US" altLang="zh-CN" dirty="0" err="1" smtClean="0"/>
+              <a:t>jth</a:t>
+            </a:r>
+            <a:r>
+              <a:rPr lang="zh-CN" altLang="en-US" dirty="0" smtClean="0"/>
+              <a:t>输出激活值的变化</a:t>
+            </a:r>
+            <a:r>
+              <a:rPr lang="zh-CN" altLang="en-US" dirty="0" smtClean="0"/>
+              <a:t>⽽变化</a:t>
+            </a:r>
+            <a:r>
+              <a:rPr lang="zh-CN" altLang="en-US" dirty="0" smtClean="0"/>
+              <a:t>的速度。假如</a:t>
+            </a:r>
+            <a:r>
+              <a:rPr lang="en-US" altLang="zh-CN" dirty="0" smtClean="0"/>
+              <a:t>C</a:t>
+            </a:r>
+            <a:r>
+              <a:rPr lang="zh-CN" altLang="en-US" dirty="0" smtClean="0"/>
+              <a:t>不太依赖⼀个特定的输出神经元</a:t>
+            </a:r>
+            <a:r>
+              <a:rPr lang="en-US" altLang="zh-CN" dirty="0" smtClean="0"/>
+              <a:t>j</a:t>
+            </a:r>
+            <a:r>
+              <a:rPr lang="zh-CN" altLang="en-US" dirty="0" smtClean="0"/>
+              <a:t>，那么</a:t>
+            </a:r>
+            <a:r>
+              <a:rPr lang="en-US" altLang="zh-CN" dirty="0" err="1" smtClean="0"/>
+              <a:t>δLj</a:t>
+            </a:r>
+            <a:r>
+              <a:rPr lang="en-US" altLang="zh-CN" dirty="0" smtClean="0"/>
+              <a:t> </a:t>
+            </a:r>
+            <a:r>
+              <a:rPr lang="zh-CN" altLang="en-US" dirty="0" smtClean="0"/>
+              <a:t>就会很⼩，这也是我们想要</a:t>
+            </a:r>
+            <a:r>
+              <a:rPr lang="zh-CN" altLang="en-US" dirty="0" smtClean="0"/>
+              <a:t>的效果</a:t>
+            </a:r>
+            <a:r>
+              <a:rPr lang="zh-CN" altLang="en-US" dirty="0" smtClean="0"/>
+              <a:t>。公式一第⼆项</a:t>
+            </a:r>
+            <a:r>
+              <a:rPr lang="en-US" altLang="zh-CN" dirty="0" smtClean="0"/>
+              <a:t>σ′(</a:t>
+            </a:r>
+            <a:r>
+              <a:rPr lang="en-US" altLang="zh-CN" dirty="0" err="1" smtClean="0"/>
+              <a:t>zLj</a:t>
+            </a:r>
+            <a:r>
+              <a:rPr lang="en-US" altLang="zh-CN" dirty="0" smtClean="0"/>
+              <a:t>)</a:t>
+            </a:r>
+            <a:r>
+              <a:rPr lang="zh-CN" altLang="en-US" dirty="0" smtClean="0"/>
+              <a:t>刻画了在</a:t>
+            </a:r>
+            <a:r>
+              <a:rPr lang="en-US" altLang="zh-CN" dirty="0" err="1" smtClean="0"/>
+              <a:t>zLj</a:t>
+            </a:r>
+            <a:r>
+              <a:rPr lang="zh-CN" altLang="en-US" dirty="0" smtClean="0"/>
+              <a:t>处</a:t>
+            </a:r>
+            <a:r>
+              <a:rPr lang="zh-CN" altLang="en-US" dirty="0" smtClean="0"/>
+              <a:t>激活函数</a:t>
+            </a:r>
+            <a:r>
+              <a:rPr lang="en-US" altLang="zh-CN" dirty="0" smtClean="0"/>
+              <a:t>σ</a:t>
+            </a:r>
+            <a:r>
+              <a:rPr lang="zh-CN" altLang="en-US" dirty="0" smtClean="0"/>
+              <a:t>变化的速度</a:t>
+            </a:r>
+            <a:r>
+              <a:rPr lang="zh-CN" altLang="en-US" dirty="0" smtClean="0"/>
+              <a:t>。注意</a:t>
+            </a:r>
+            <a:r>
+              <a:rPr lang="zh-CN" altLang="en-US" dirty="0" smtClean="0"/>
+              <a:t>到在公式</a:t>
+            </a:r>
+            <a:r>
+              <a:rPr lang="en-US" altLang="zh-CN" dirty="0" smtClean="0"/>
+              <a:t>1</a:t>
+            </a:r>
+            <a:r>
+              <a:rPr lang="zh-CN" altLang="en-US" dirty="0" smtClean="0"/>
+              <a:t>中的每个部分都是很好计算的。特别地，我们</a:t>
+            </a:r>
+            <a:r>
+              <a:rPr lang="zh-CN" altLang="en-US" dirty="0" smtClean="0"/>
+              <a:t>在前向式计算</a:t>
+            </a:r>
+            <a:r>
+              <a:rPr lang="zh-CN" altLang="en-US" dirty="0" smtClean="0"/>
+              <a:t>⽹络⾏</a:t>
+            </a:r>
+            <a:r>
+              <a:rPr lang="zh-CN" altLang="en-US" dirty="0" smtClean="0"/>
+              <a:t>为时已经了计算</a:t>
+            </a:r>
+            <a:r>
+              <a:rPr lang="en-US" altLang="zh-CN" dirty="0" err="1" smtClean="0"/>
+              <a:t>zLj</a:t>
+            </a:r>
+            <a:r>
+              <a:rPr lang="zh-CN" altLang="en-US" dirty="0" smtClean="0"/>
+              <a:t>，这</a:t>
+            </a:r>
+            <a:r>
+              <a:rPr lang="zh-CN" altLang="en-US" dirty="0" smtClean="0"/>
+              <a:t>仅仅需要⼀点点额外⼯作就可以计算</a:t>
+            </a:r>
+            <a:r>
+              <a:rPr lang="en-US" altLang="zh-CN" dirty="0" smtClean="0"/>
+              <a:t>σ′(</a:t>
+            </a:r>
+            <a:r>
+              <a:rPr lang="en-US" altLang="zh-CN" dirty="0" err="1" smtClean="0"/>
+              <a:t>zLj</a:t>
+            </a:r>
+            <a:r>
+              <a:rPr lang="en-US" altLang="zh-CN" dirty="0" smtClean="0"/>
+              <a:t>)</a:t>
+            </a:r>
+            <a:r>
+              <a:rPr lang="zh-CN" altLang="en-US" dirty="0" smtClean="0"/>
+              <a:t>。当然∂</a:t>
+            </a:r>
+            <a:r>
+              <a:rPr lang="en-US" altLang="zh-CN" dirty="0" smtClean="0"/>
+              <a:t>C/∂</a:t>
+            </a:r>
+            <a:r>
+              <a:rPr lang="en-US" altLang="zh-CN" dirty="0" err="1" smtClean="0"/>
+              <a:t>aLj</a:t>
+            </a:r>
+            <a:r>
+              <a:rPr lang="zh-CN" altLang="en-US" dirty="0" smtClean="0"/>
+              <a:t>依赖</a:t>
+            </a:r>
+            <a:r>
+              <a:rPr lang="zh-CN" altLang="en-US" dirty="0" smtClean="0"/>
+              <a:t>于代价函数的形式。然⽽</a:t>
+            </a:r>
+            <a:r>
+              <a:rPr lang="zh-CN" altLang="en-US" dirty="0" smtClean="0"/>
+              <a:t>，给定</a:t>
+            </a:r>
+            <a:r>
+              <a:rPr lang="zh-CN" altLang="en-US" dirty="0" smtClean="0"/>
+              <a:t>了代价函数，计算∂</a:t>
+            </a:r>
+            <a:r>
+              <a:rPr lang="en-US" altLang="zh-CN" dirty="0" smtClean="0"/>
+              <a:t>C/∂</a:t>
+            </a:r>
+            <a:r>
+              <a:rPr lang="en-US" altLang="zh-CN" dirty="0" err="1" smtClean="0"/>
+              <a:t>aLj</a:t>
+            </a:r>
+            <a:r>
+              <a:rPr lang="zh-CN" altLang="en-US" dirty="0" smtClean="0"/>
+              <a:t>就</a:t>
+            </a:r>
+            <a:r>
+              <a:rPr lang="zh-CN" altLang="en-US" dirty="0" smtClean="0"/>
+              <a:t>没有什么⼤问题了。例如，如果我们使⽤⼆次函数，</a:t>
+            </a:r>
+            <a:r>
+              <a:rPr lang="zh-CN" altLang="en-US" dirty="0" smtClean="0"/>
+              <a:t>那么</a:t>
+            </a:r>
+            <a:r>
+              <a:rPr lang="en-US" altLang="zh-CN" dirty="0" smtClean="0"/>
+              <a:t>C=1/2</a:t>
+            </a:r>
+            <a:r>
+              <a:rPr lang="en-US" altLang="zh-CN" dirty="0" smtClean="0"/>
+              <a:t>∑</a:t>
+            </a:r>
+            <a:r>
+              <a:rPr lang="en-US" altLang="zh-CN" dirty="0" smtClean="0"/>
+              <a:t>j(</a:t>
+            </a:r>
+            <a:r>
+              <a:rPr lang="en-US" altLang="zh-CN" dirty="0" err="1" smtClean="0"/>
+              <a:t>yj−</a:t>
+            </a:r>
+            <a:r>
+              <a:rPr lang="en-US" altLang="zh-CN" dirty="0" err="1" smtClean="0"/>
+              <a:t>aj</a:t>
+            </a:r>
+            <a:r>
+              <a:rPr lang="en-US" altLang="zh-CN" dirty="0" smtClean="0"/>
+              <a:t>)2</a:t>
+            </a:r>
+            <a:r>
+              <a:rPr lang="zh-CN" altLang="en-US" dirty="0" smtClean="0"/>
+              <a:t>，所以∂</a:t>
+            </a:r>
+            <a:r>
+              <a:rPr lang="en-US" altLang="zh-CN" dirty="0" smtClean="0"/>
+              <a:t>C/∂</a:t>
+            </a:r>
+            <a:r>
+              <a:rPr lang="en-US" altLang="zh-CN" dirty="0" err="1" smtClean="0"/>
+              <a:t>aLj</a:t>
+            </a:r>
+            <a:r>
+              <a:rPr lang="en-US" altLang="zh-CN" dirty="0" smtClean="0"/>
+              <a:t> =(</a:t>
+            </a:r>
+            <a:r>
+              <a:rPr lang="en-US" altLang="zh-CN" dirty="0" err="1" smtClean="0"/>
+              <a:t>aj−</a:t>
+            </a:r>
+            <a:r>
+              <a:rPr lang="en-US" altLang="zh-CN" dirty="0" err="1" smtClean="0"/>
+              <a:t>yj</a:t>
+            </a:r>
+            <a:r>
+              <a:rPr lang="en-US" altLang="zh-CN" dirty="0" smtClean="0"/>
+              <a:t>)</a:t>
+            </a:r>
+            <a:r>
+              <a:rPr lang="zh-CN" altLang="en-US" dirty="0" smtClean="0"/>
+              <a:t>，这其实很容易计算</a:t>
+            </a:r>
+            <a:r>
+              <a:rPr lang="zh-CN" altLang="en-US" dirty="0" smtClean="0"/>
+              <a:t>。⽅</a:t>
+            </a:r>
+            <a:r>
+              <a:rPr lang="zh-CN" altLang="en-US" dirty="0" smtClean="0"/>
+              <a:t>程</a:t>
+            </a:r>
+            <a:r>
+              <a:rPr lang="en-US" altLang="zh-CN" dirty="0" smtClean="0"/>
+              <a:t>1</a:t>
+            </a:r>
+            <a:r>
+              <a:rPr lang="zh-CN" altLang="en-US" dirty="0" smtClean="0"/>
+              <a:t>对</a:t>
+            </a:r>
+            <a:r>
+              <a:rPr lang="en-US" altLang="zh-CN" dirty="0" err="1" smtClean="0"/>
+              <a:t>δL</a:t>
+            </a:r>
+            <a:r>
+              <a:rPr lang="zh-CN" altLang="en-US" dirty="0" smtClean="0"/>
+              <a:t>来说是个按分量构成的</a:t>
+            </a:r>
+            <a:r>
+              <a:rPr lang="zh-CN" altLang="en-US" dirty="0" smtClean="0"/>
+              <a:t>表达式，不是</a:t>
+            </a:r>
+            <a:r>
+              <a:rPr lang="zh-CN" altLang="en-US" dirty="0" smtClean="0"/>
+              <a:t>我们</a:t>
+            </a:r>
+            <a:r>
+              <a:rPr lang="zh-CN" altLang="en-US" dirty="0" smtClean="0"/>
+              <a:t>期望</a:t>
+            </a:r>
+            <a:r>
+              <a:rPr lang="zh-CN" altLang="en-US" dirty="0" smtClean="0"/>
+              <a:t>的⽤矩阵表⽰的形式</a:t>
+            </a:r>
+            <a:r>
+              <a:rPr lang="zh-CN" altLang="en-US" dirty="0" smtClean="0"/>
+              <a:t>。以</a:t>
+            </a:r>
+            <a:r>
+              <a:rPr lang="zh-CN" altLang="en-US" dirty="0" smtClean="0"/>
+              <a:t>矩阵形式重写⽅</a:t>
+            </a:r>
+            <a:r>
+              <a:rPr lang="zh-CN" altLang="en-US" dirty="0" smtClean="0"/>
+              <a:t>程也很</a:t>
+            </a:r>
+            <a:r>
+              <a:rPr lang="zh-CN" altLang="en-US" dirty="0" smtClean="0"/>
+              <a:t>简单，这⾥∇</a:t>
+            </a:r>
+            <a:r>
+              <a:rPr lang="en-US" altLang="zh-CN" dirty="0" err="1" smtClean="0"/>
+              <a:t>aC</a:t>
+            </a:r>
+            <a:r>
+              <a:rPr lang="zh-CN" altLang="en-US" dirty="0" smtClean="0"/>
+              <a:t>被定义成⼀个向量，其元素是偏导数∂</a:t>
+            </a:r>
+            <a:r>
+              <a:rPr lang="en-US" altLang="zh-CN" dirty="0" smtClean="0"/>
+              <a:t>C/∂</a:t>
+            </a:r>
+            <a:r>
+              <a:rPr lang="en-US" altLang="zh-CN" dirty="0" err="1" smtClean="0"/>
+              <a:t>aLj</a:t>
+            </a:r>
+            <a:r>
+              <a:rPr lang="zh-CN" altLang="en-US" dirty="0" smtClean="0"/>
+              <a:t>。你可以将∇</a:t>
+            </a:r>
+            <a:r>
+              <a:rPr lang="en-US" altLang="zh-CN" dirty="0" err="1" smtClean="0"/>
+              <a:t>aC</a:t>
+            </a:r>
+            <a:r>
+              <a:rPr lang="zh-CN" altLang="en-US" dirty="0" smtClean="0"/>
+              <a:t>看成是</a:t>
+            </a:r>
+            <a:r>
+              <a:rPr lang="en-US" altLang="zh-CN" dirty="0" smtClean="0"/>
+              <a:t>C</a:t>
+            </a:r>
+            <a:r>
+              <a:rPr lang="zh-CN" altLang="en-US" dirty="0" smtClean="0"/>
+              <a:t>关于</a:t>
+            </a:r>
+            <a:r>
+              <a:rPr lang="zh-CN" altLang="en-US" dirty="0" smtClean="0"/>
+              <a:t>输出激活</a:t>
+            </a:r>
+            <a:r>
+              <a:rPr lang="zh-CN" altLang="en-US" dirty="0" smtClean="0"/>
+              <a:t>值的改变速度。⽅程</a:t>
+            </a:r>
+            <a:r>
+              <a:rPr lang="en-US" altLang="zh-CN" dirty="0" smtClean="0"/>
+              <a:t>1</a:t>
+            </a:r>
+            <a:r>
+              <a:rPr lang="zh-CN" altLang="en-US" dirty="0" smtClean="0"/>
+              <a:t>和⽅程</a:t>
+            </a:r>
+            <a:r>
+              <a:rPr lang="en-US" altLang="zh-CN" dirty="0" smtClean="0"/>
+              <a:t>2</a:t>
+            </a:r>
+            <a:r>
+              <a:rPr lang="zh-CN" altLang="en-US" dirty="0" smtClean="0"/>
+              <a:t>的等价也是显⽽</a:t>
+            </a:r>
+            <a:r>
+              <a:rPr lang="zh-CN" altLang="en-US" dirty="0" smtClean="0"/>
+              <a:t>易见的</a:t>
+            </a:r>
+            <a:r>
+              <a:rPr lang="zh-CN" altLang="en-US" dirty="0" smtClean="0"/>
+              <a:t>，所以现在开始，我们会⽤方程</a:t>
+            </a:r>
+            <a:r>
+              <a:rPr lang="en-US" altLang="zh-CN" dirty="0" smtClean="0"/>
+              <a:t>2</a:t>
+            </a:r>
+            <a:r>
+              <a:rPr lang="zh-CN" altLang="en-US" dirty="0" smtClean="0"/>
+              <a:t>表⽰这两个⽅程。举个例⼦，在⼆次代价函数时，我们有∇</a:t>
+            </a:r>
+            <a:r>
+              <a:rPr lang="en-US" altLang="zh-CN" dirty="0" err="1" smtClean="0"/>
+              <a:t>aC</a:t>
+            </a:r>
+            <a:r>
+              <a:rPr lang="en-US" altLang="zh-CN" dirty="0" smtClean="0"/>
+              <a:t>=(</a:t>
             </a:r>
             <a:r>
               <a:rPr lang="en-US" altLang="zh-CN" dirty="0" err="1" smtClean="0"/>
@@ -8698,83 +9163,15 @@
             </a:r>
             <a:r>
               <a:rPr lang="en-US" altLang="zh-CN" dirty="0" smtClean="0"/>
-              <a:t> j </a:t>
-            </a:r>
-            <a:r>
-              <a:rPr lang="zh-CN" altLang="en-US" dirty="0" smtClean="0"/>
-              <a:t>表⽰代价随着</a:t>
-            </a:r>
-            <a:r>
-              <a:rPr lang="en-US" altLang="zh-CN" dirty="0" err="1" smtClean="0"/>
-              <a:t>jth</a:t>
-            </a:r>
-            <a:r>
-              <a:rPr lang="zh-CN" altLang="en-US" dirty="0" smtClean="0"/>
-              <a:t>输出激活值的变化⽽ 变化的速度。假如</a:t>
-            </a:r>
-            <a:r>
-              <a:rPr lang="en-US" altLang="zh-CN" dirty="0" smtClean="0"/>
-              <a:t>C</a:t>
-            </a:r>
-            <a:r>
-              <a:rPr lang="zh-CN" altLang="en-US" dirty="0" smtClean="0"/>
-              <a:t>不太依赖⼀个特定的输出神经元</a:t>
-            </a:r>
-            <a:r>
-              <a:rPr lang="en-US" altLang="zh-CN" dirty="0" smtClean="0"/>
-              <a:t>j</a:t>
-            </a:r>
-            <a:r>
-              <a:rPr lang="zh-CN" altLang="en-US" dirty="0" smtClean="0"/>
-              <a:t>，那么</a:t>
-            </a:r>
-            <a:r>
-              <a:rPr lang="en-US" altLang="zh-CN" dirty="0" err="1" smtClean="0"/>
-              <a:t>δL</a:t>
-            </a:r>
-            <a:r>
-              <a:rPr lang="en-US" altLang="zh-CN" dirty="0" smtClean="0"/>
-              <a:t> j </a:t>
-            </a:r>
-            <a:r>
-              <a:rPr lang="zh-CN" altLang="en-US" dirty="0" smtClean="0"/>
-              <a:t>就会很⼩，这也是我们想要的 效果。公式一第⼆项</a:t>
-            </a:r>
-            <a:r>
-              <a:rPr lang="en-US" altLang="zh-CN" dirty="0" smtClean="0"/>
-              <a:t>σ′(</a:t>
-            </a:r>
-            <a:r>
-              <a:rPr lang="en-US" altLang="zh-CN" dirty="0" err="1" smtClean="0"/>
-              <a:t>zL</a:t>
-            </a:r>
-            <a:r>
-              <a:rPr lang="en-US" altLang="zh-CN" dirty="0" smtClean="0"/>
-              <a:t> j )</a:t>
-            </a:r>
-            <a:r>
-              <a:rPr lang="zh-CN" altLang="en-US" dirty="0" smtClean="0"/>
-              <a:t>刻画了在</a:t>
-            </a:r>
-            <a:r>
-              <a:rPr lang="en-US" altLang="zh-CN" dirty="0" err="1" smtClean="0"/>
-              <a:t>zL</a:t>
-            </a:r>
-            <a:r>
-              <a:rPr lang="en-US" altLang="zh-CN" dirty="0" smtClean="0"/>
-              <a:t> j </a:t>
-            </a:r>
-            <a:r>
-              <a:rPr lang="zh-CN" altLang="en-US" dirty="0" smtClean="0"/>
-              <a:t>处激活函数</a:t>
-            </a:r>
-            <a:r>
-              <a:rPr lang="en-US" altLang="zh-CN" dirty="0" smtClean="0"/>
-              <a:t>σ</a:t>
-            </a:r>
-            <a:r>
-              <a:rPr lang="zh-CN" altLang="en-US" dirty="0" smtClean="0"/>
-              <a:t>变化的速度。 注意到在公式</a:t>
+              <a:t>−</a:t>
+            </a:r>
+            <a:r>
+              <a:rPr lang="en-US" altLang="zh-CN" dirty="0" smtClean="0"/>
+              <a:t>y)</a:t>
+            </a:r>
+            <a:r>
+              <a:rPr lang="zh-CN" altLang="en-US" dirty="0" smtClean="0"/>
+              <a:t>，所以方程</a:t>
             </a:r>
             <a:r>
               <a:rPr lang="en-US" altLang="zh-CN" dirty="0" smtClean="0"/>
@@ -8782,230 +9179,6 @@
             </a:r>
             <a:r>
               <a:rPr lang="zh-CN" altLang="en-US" dirty="0" smtClean="0"/>
-              <a:t>中的每个部分都是很好计算的。特别地，我们在计算⽹络⾏为时计算</a:t>
-            </a:r>
-            <a:r>
-              <a:rPr lang="en-US" altLang="zh-CN" dirty="0" err="1" smtClean="0"/>
-              <a:t>zL</a:t>
-            </a:r>
-            <a:r>
-              <a:rPr lang="en-US" altLang="zh-CN" dirty="0" smtClean="0"/>
-              <a:t> j</a:t>
-            </a:r>
-            <a:r>
-              <a:rPr lang="zh-CN" altLang="en-US" dirty="0" smtClean="0"/>
-              <a:t>， 这仅仅需要⼀点点额外⼯作就可以计算</a:t>
-            </a:r>
-            <a:r>
-              <a:rPr lang="en-US" altLang="zh-CN" dirty="0" smtClean="0"/>
-              <a:t>σ′(</a:t>
-            </a:r>
-            <a:r>
-              <a:rPr lang="en-US" altLang="zh-CN" dirty="0" err="1" smtClean="0"/>
-              <a:t>zL</a:t>
-            </a:r>
-            <a:r>
-              <a:rPr lang="en-US" altLang="zh-CN" dirty="0" smtClean="0"/>
-              <a:t> j )</a:t>
-            </a:r>
-            <a:r>
-              <a:rPr lang="zh-CN" altLang="en-US" dirty="0" smtClean="0"/>
-              <a:t>。当然∂</a:t>
-            </a:r>
-            <a:r>
-              <a:rPr lang="en-US" altLang="zh-CN" dirty="0" smtClean="0"/>
-              <a:t>C/∂</a:t>
-            </a:r>
-            <a:r>
-              <a:rPr lang="en-US" altLang="zh-CN" dirty="0" err="1" smtClean="0"/>
-              <a:t>aL</a:t>
-            </a:r>
-            <a:r>
-              <a:rPr lang="en-US" altLang="zh-CN" dirty="0" smtClean="0"/>
-              <a:t> j </a:t>
-            </a:r>
-            <a:r>
-              <a:rPr lang="zh-CN" altLang="en-US" dirty="0" smtClean="0"/>
-              <a:t>依赖于代价函数的形式。然⽽， 给定了代价函数，计算∂</a:t>
-            </a:r>
-            <a:r>
-              <a:rPr lang="en-US" altLang="zh-CN" dirty="0" smtClean="0"/>
-              <a:t>C/∂</a:t>
-            </a:r>
-            <a:r>
-              <a:rPr lang="en-US" altLang="zh-CN" dirty="0" err="1" smtClean="0"/>
-              <a:t>aL</a:t>
-            </a:r>
-            <a:r>
-              <a:rPr lang="en-US" altLang="zh-CN" dirty="0" smtClean="0"/>
-              <a:t> j </a:t>
-            </a:r>
-            <a:r>
-              <a:rPr lang="zh-CN" altLang="en-US" dirty="0" smtClean="0"/>
-              <a:t>就没有什么⼤问题了。例如，如果我们使⽤⼆次函数，那么 </a:t>
-            </a:r>
-            <a:r>
-              <a:rPr lang="en-US" altLang="zh-CN" dirty="0" smtClean="0"/>
-              <a:t>C = 1 2∑j(</a:t>
-            </a:r>
-            <a:r>
-              <a:rPr lang="en-US" altLang="zh-CN" dirty="0" err="1" smtClean="0"/>
-              <a:t>yj</a:t>
-            </a:r>
-            <a:r>
-              <a:rPr lang="en-US" altLang="zh-CN" dirty="0" smtClean="0"/>
-              <a:t> −</a:t>
-            </a:r>
-            <a:r>
-              <a:rPr lang="en-US" altLang="zh-CN" dirty="0" err="1" smtClean="0"/>
-              <a:t>aj</a:t>
-            </a:r>
-            <a:r>
-              <a:rPr lang="en-US" altLang="zh-CN" dirty="0" smtClean="0"/>
-              <a:t>)2</a:t>
-            </a:r>
-            <a:r>
-              <a:rPr lang="zh-CN" altLang="en-US" dirty="0" smtClean="0"/>
-              <a:t>，所以∂</a:t>
-            </a:r>
-            <a:r>
-              <a:rPr lang="en-US" altLang="zh-CN" dirty="0" smtClean="0"/>
-              <a:t>C/∂</a:t>
-            </a:r>
-            <a:r>
-              <a:rPr lang="en-US" altLang="zh-CN" dirty="0" err="1" smtClean="0"/>
-              <a:t>aL</a:t>
-            </a:r>
-            <a:r>
-              <a:rPr lang="en-US" altLang="zh-CN" dirty="0" smtClean="0"/>
-              <a:t> j = (</a:t>
-            </a:r>
-            <a:r>
-              <a:rPr lang="en-US" altLang="zh-CN" dirty="0" err="1" smtClean="0"/>
-              <a:t>aj</a:t>
-            </a:r>
-            <a:r>
-              <a:rPr lang="en-US" altLang="zh-CN" dirty="0" smtClean="0"/>
-              <a:t> −</a:t>
-            </a:r>
-            <a:r>
-              <a:rPr lang="en-US" altLang="zh-CN" dirty="0" err="1" smtClean="0"/>
-              <a:t>yj</a:t>
-            </a:r>
-            <a:r>
-              <a:rPr lang="en-US" altLang="zh-CN" dirty="0" smtClean="0"/>
-              <a:t>)</a:t>
-            </a:r>
-            <a:r>
-              <a:rPr lang="zh-CN" altLang="en-US" dirty="0" smtClean="0"/>
-              <a:t>，这其实很容易计算。 ⽅程</a:t>
-            </a:r>
-            <a:r>
-              <a:rPr lang="en-US" altLang="zh-CN" dirty="0" smtClean="0"/>
-              <a:t>1</a:t>
-            </a:r>
-            <a:r>
-              <a:rPr lang="zh-CN" altLang="en-US" dirty="0" smtClean="0"/>
-              <a:t>对</a:t>
-            </a:r>
-            <a:r>
-              <a:rPr lang="en-US" altLang="zh-CN" dirty="0" err="1" smtClean="0"/>
-              <a:t>δL</a:t>
-            </a:r>
-            <a:r>
-              <a:rPr lang="zh-CN" altLang="en-US" dirty="0" smtClean="0"/>
-              <a:t>来说是个按分量构成的表达式。这是⼀个⾮常好的表达式，但不是我们期 望的⽤矩阵表⽰的形式。但是，以矩阵形式重写⽅程其实很简单，这⾥∇</a:t>
-            </a:r>
-            <a:r>
-              <a:rPr lang="en-US" altLang="zh-CN" dirty="0" err="1" smtClean="0"/>
-              <a:t>aC</a:t>
-            </a:r>
-            <a:r>
-              <a:rPr lang="zh-CN" altLang="en-US" dirty="0" smtClean="0"/>
-              <a:t>被定义成⼀个向量，其元素是偏导数∂</a:t>
-            </a:r>
-            <a:r>
-              <a:rPr lang="en-US" altLang="zh-CN" dirty="0" smtClean="0"/>
-              <a:t>C/∂</a:t>
-            </a:r>
-            <a:r>
-              <a:rPr lang="en-US" altLang="zh-CN" dirty="0" err="1" smtClean="0"/>
-              <a:t>aL</a:t>
-            </a:r>
-            <a:r>
-              <a:rPr lang="en-US" altLang="zh-CN" dirty="0" smtClean="0"/>
-              <a:t> j</a:t>
-            </a:r>
-            <a:r>
-              <a:rPr lang="zh-CN" altLang="en-US" dirty="0" smtClean="0"/>
-              <a:t>。你可以将∇</a:t>
-            </a:r>
-            <a:r>
-              <a:rPr lang="en-US" altLang="zh-CN" dirty="0" err="1" smtClean="0"/>
-              <a:t>aC</a:t>
-            </a:r>
-            <a:r>
-              <a:rPr lang="zh-CN" altLang="en-US" dirty="0" smtClean="0"/>
-              <a:t>看成是</a:t>
-            </a:r>
-            <a:r>
-              <a:rPr lang="en-US" altLang="zh-CN" dirty="0" smtClean="0"/>
-              <a:t>C</a:t>
-            </a:r>
-            <a:r>
-              <a:rPr lang="zh-CN" altLang="en-US" dirty="0" smtClean="0"/>
-              <a:t>关于输出 激活值的改变速度。⽅程</a:t>
-            </a:r>
-            <a:r>
-              <a:rPr lang="en-US" altLang="zh-CN" dirty="0" smtClean="0"/>
-              <a:t>1</a:t>
-            </a:r>
-            <a:r>
-              <a:rPr lang="zh-CN" altLang="en-US" dirty="0" smtClean="0"/>
-              <a:t>和⽅程</a:t>
-            </a:r>
-            <a:r>
-              <a:rPr lang="en-US" altLang="zh-CN" dirty="0" smtClean="0"/>
-              <a:t>2</a:t>
-            </a:r>
-            <a:r>
-              <a:rPr lang="zh-CN" altLang="en-US" dirty="0" smtClean="0"/>
-              <a:t>的等价也是显⽽易⻅的，所以现在开始，我们会⽤方程</a:t>
-            </a:r>
-            <a:r>
-              <a:rPr lang="en-US" altLang="zh-CN" dirty="0" smtClean="0"/>
-              <a:t>2</a:t>
-            </a:r>
-            <a:r>
-              <a:rPr lang="zh-CN" altLang="en-US" dirty="0" smtClean="0"/>
-              <a:t>表⽰这两个⽅程。举个例⼦，在⼆次代价函数时，我们有∇</a:t>
-            </a:r>
-            <a:r>
-              <a:rPr lang="en-US" altLang="zh-CN" dirty="0" err="1" smtClean="0"/>
-              <a:t>aC</a:t>
-            </a:r>
-            <a:r>
-              <a:rPr lang="en-US" altLang="zh-CN" dirty="0" smtClean="0"/>
-              <a:t> = (</a:t>
-            </a:r>
-            <a:r>
-              <a:rPr lang="en-US" altLang="zh-CN" dirty="0" err="1" smtClean="0"/>
-              <a:t>aL</a:t>
-            </a:r>
-            <a:r>
-              <a:rPr lang="en-US" altLang="zh-CN" dirty="0" smtClean="0"/>
-              <a:t> −y)</a:t>
-            </a:r>
-            <a:r>
-              <a:rPr lang="zh-CN" altLang="en-US" dirty="0" smtClean="0"/>
-              <a:t>，所以方程</a:t>
-            </a:r>
-            <a:r>
-              <a:rPr lang="en-US" altLang="zh-CN" dirty="0" smtClean="0"/>
-              <a:t>1</a:t>
-            </a:r>
-            <a:r>
-              <a:rPr lang="zh-CN" altLang="en-US" dirty="0" smtClean="0"/>
               <a:t>的整个矩阵形式就变成方程</a:t>
             </a:r>
             <a:r>
@@ -9014,7 +9187,19 @@
             </a:r>
             <a:r>
               <a:rPr lang="zh-CN" altLang="en-US" dirty="0" smtClean="0"/>
-              <a:t>，如我们所⻅，这个⽅程中的每个项都有⼀个很好的向量形式，所以也可以很⽅便地使⽤像 </a:t>
+              <a:t>，如我们</a:t>
+            </a:r>
+            <a:r>
+              <a:rPr lang="zh-CN" altLang="en-US" dirty="0" smtClean="0"/>
+              <a:t>所见，</a:t>
+            </a:r>
+            <a:r>
+              <a:rPr lang="zh-CN" altLang="en-US" dirty="0" smtClean="0"/>
+              <a:t>这个⽅程中的每个项都有⼀个很好的向量形式，所以也可以很⽅便地使⽤</a:t>
+            </a:r>
+            <a:r>
+              <a:rPr lang="zh-CN" altLang="en-US" dirty="0" smtClean="0"/>
+              <a:t>像</a:t>
             </a:r>
             <a:r>
               <a:rPr lang="en-US" altLang="zh-CN" dirty="0" err="1" smtClean="0"/>
@@ -9022,14 +9207,15 @@
             </a:r>
             <a:r>
               <a:rPr lang="zh-CN" altLang="en-US" dirty="0" smtClean="0"/>
-              <a:t>这样的矩阵库进⾏计算了。 </a:t>
-            </a:r>
-            <a:endParaRPr lang="en-US" altLang="zh-CN" dirty="0" smtClean="0"/>
-          </a:p>
-          <a:p>
-            <a:r>
-              <a:rPr lang="zh-CN" altLang="en-US" dirty="0" smtClean="0"/>
-              <a:t>经过这一步我们可以将输出层神经元的误差计算出来。</a:t>
+              <a:t>这样的矩阵库进⾏计算了</a:t>
+            </a:r>
+            <a:r>
+              <a:rPr lang="zh-CN" altLang="en-US" dirty="0" smtClean="0"/>
+              <a:t>。经过</a:t>
+            </a:r>
+            <a:r>
+              <a:rPr lang="zh-CN" altLang="en-US" dirty="0" smtClean="0"/>
+              <a:t>这一步我们可以将输出层神经元的误差计算出来。</a:t>
             </a:r>
             <a:endParaRPr lang="zh-CN" altLang="en-US" dirty="0"/>
           </a:p>
@@ -9117,11 +9303,22 @@
           <a:p>
             <a:r>
               <a:rPr lang="zh-CN" altLang="en-US" dirty="0" smtClean="0"/>
+              <a:t>有了输出层神经元的误差之后，我们可以用第二个方程计算其他层神经元的误差。</a:t>
+            </a:r>
+            <a:endParaRPr lang="en-US" altLang="zh-CN" dirty="0" smtClean="0"/>
+          </a:p>
+          <a:p>
+            <a:r>
+              <a:rPr lang="zh-CN" altLang="en-US" dirty="0" smtClean="0"/>
               <a:t>其中</a:t>
             </a:r>
             <a:r>
               <a:rPr lang="en-US" altLang="zh-CN" dirty="0" smtClean="0"/>
-              <a:t>(wl+1)T </a:t>
+              <a:t>(</a:t>
+            </a:r>
+            <a:r>
+              <a:rPr lang="en-US" altLang="zh-CN" dirty="0" smtClean="0"/>
+              <a:t>wl+1)T</a:t>
             </a:r>
             <a:r>
               <a:rPr lang="zh-CN" altLang="en-US" dirty="0" smtClean="0"/>
@@ -9129,7 +9326,11 @@
             </a:r>
             <a:r>
               <a:rPr lang="en-US" altLang="zh-CN" dirty="0" smtClean="0"/>
-              <a:t>(l + 1)</a:t>
+              <a:t>(</a:t>
+            </a:r>
+            <a:r>
+              <a:rPr lang="en-US" altLang="zh-CN" dirty="0" smtClean="0"/>
+              <a:t>l+1)</a:t>
             </a:r>
             <a:r>
               <a:rPr lang="en-US" altLang="zh-CN" dirty="0" err="1" smtClean="0"/>
@@ -9145,11 +9346,27 @@
             </a:r>
             <a:r>
               <a:rPr lang="zh-CN" altLang="en-US" dirty="0" smtClean="0"/>
-              <a:t>的转置。这个公式看上去有些复杂，但每⼀个元素有很好的解释。假设我们知道</a:t>
-            </a:r>
-            <a:r>
-              <a:rPr lang="en-US" altLang="zh-CN" dirty="0" smtClean="0"/>
-              <a:t>l + 1th</a:t>
+              <a:t>的</a:t>
+            </a:r>
+            <a:r>
+              <a:rPr lang="zh-CN" altLang="en-US" dirty="0" smtClean="0"/>
+              <a:t>转置矩阵。</a:t>
+            </a:r>
+            <a:r>
+              <a:rPr lang="zh-CN" altLang="en-US" dirty="0" smtClean="0"/>
+              <a:t>这个公式看上去有些复杂，但每⼀个元素有很好的解释。假设我们</a:t>
+            </a:r>
+            <a:r>
+              <a:rPr lang="zh-CN" altLang="en-US" dirty="0" smtClean="0"/>
+              <a:t>知道</a:t>
+            </a:r>
+            <a:r>
+              <a:rPr lang="en-US" altLang="zh-CN" dirty="0" smtClean="0"/>
+              <a:t>(l+1)</a:t>
+            </a:r>
+            <a:r>
+              <a:rPr lang="en-US" altLang="zh-CN" dirty="0" err="1" smtClean="0"/>
+              <a:t>th</a:t>
             </a:r>
             <a:r>
               <a:rPr lang="zh-CN" altLang="en-US" dirty="0" smtClean="0"/>
@@ -9169,7 +9386,15 @@
             </a:r>
             <a:r>
               <a:rPr lang="zh-CN" altLang="en-US" dirty="0" smtClean="0"/>
-              <a:t>，我们 可以凭直觉地把它看作是在沿着⽹络反向移动误差，给了我们度量在</a:t>
+              <a:t>，</a:t>
+            </a:r>
+            <a:r>
+              <a:rPr lang="zh-CN" altLang="en-US" dirty="0" smtClean="0"/>
+              <a:t>我们可以</a:t>
+            </a:r>
+            <a:r>
+              <a:rPr lang="zh-CN" altLang="en-US" dirty="0" smtClean="0"/>
+              <a:t>凭直觉地把它看作是在沿着⽹络反向移动误差，给了我们度量在</a:t>
             </a:r>
             <a:r>
               <a:rPr lang="en-US" altLang="zh-CN" dirty="0" smtClean="0"/>
@@ -9225,7 +9450,11 @@
             </a:r>
             <a:r>
               <a:rPr lang="zh-CN" altLang="en-US" dirty="0" smtClean="0"/>
-              <a:t>。 通过组合这个方程和上一个输出层误差的方程，我们可以计算任何层的误差</a:t>
+              <a:t>。通过</a:t>
+            </a:r>
+            <a:r>
+              <a:rPr lang="zh-CN" altLang="en-US" dirty="0" smtClean="0"/>
+              <a:t>组合这个方程和上一个输出层误差的方程，我们可以计算任何层的误差</a:t>
             </a:r>
             <a:r>
               <a:rPr lang="en-US" altLang="zh-CN" dirty="0" err="1" smtClean="0"/>
@@ -9349,11 +9578,7 @@
             </a:r>
             <a:r>
               <a:rPr lang="en-US" altLang="zh-CN" dirty="0" err="1" smtClean="0"/>
-              <a:t>δl</a:t>
-            </a:r>
-            <a:r>
-              <a:rPr lang="en-US" altLang="zh-CN" dirty="0" smtClean="0"/>
-              <a:t> j</a:t>
+              <a:t>δlj</a:t>
             </a:r>
             <a:r>
               <a:rPr lang="zh-CN" altLang="en-US" dirty="0" smtClean="0"/>
@@ -9365,39 +9590,23 @@
             </a:r>
             <a:r>
               <a:rPr lang="en-US" altLang="zh-CN" dirty="0" err="1" smtClean="0"/>
-              <a:t>bl</a:t>
-            </a:r>
-            <a:r>
-              <a:rPr lang="en-US" altLang="zh-CN" dirty="0" smtClean="0"/>
-              <a:t> j</a:t>
-            </a:r>
-            <a:r>
-              <a:rPr lang="zh-CN" altLang="en-US" dirty="0" smtClean="0"/>
-              <a:t>完全⼀致。这是很好的性质，因为</a:t>
-            </a:r>
-            <a:r>
-              <a:rPr lang="en-US" altLang="zh-CN" dirty="0" smtClean="0"/>
-              <a:t>(BP1)</a:t>
-            </a:r>
-            <a:r>
-              <a:rPr lang="zh-CN" altLang="en-US" dirty="0" smtClean="0"/>
-              <a:t>和</a:t>
-            </a:r>
-            <a:r>
-              <a:rPr lang="en-US" altLang="zh-CN" dirty="0" smtClean="0"/>
-              <a:t>(BP2)</a:t>
-            </a:r>
-            <a:r>
-              <a:rPr lang="zh-CN" altLang="en-US" dirty="0" smtClean="0"/>
-              <a:t>已经告诉我们如何计算</a:t>
+              <a:t>blj</a:t>
+            </a:r>
+            <a:r>
+              <a:rPr lang="zh-CN" altLang="en-US" dirty="0" smtClean="0"/>
+              <a:t>完全⼀致。这是很好的性质，</a:t>
+            </a:r>
+            <a:r>
+              <a:rPr lang="zh-CN" altLang="en-US" dirty="0" smtClean="0"/>
+              <a:t>因为前两个方程已经</a:t>
+            </a:r>
+            <a:r>
+              <a:rPr lang="zh-CN" altLang="en-US" dirty="0" smtClean="0"/>
+              <a:t>告诉我们如何计算</a:t>
             </a:r>
             <a:r>
               <a:rPr lang="en-US" altLang="zh-CN" dirty="0" err="1" smtClean="0"/>
-              <a:t>δl</a:t>
-            </a:r>
-            <a:r>
-              <a:rPr lang="en-US" altLang="zh-CN" dirty="0" smtClean="0"/>
-              <a:t> j</a:t>
+              <a:t>δlj</a:t>
             </a:r>
             <a:r>
               <a:rPr lang="zh-CN" altLang="en-US" dirty="0" smtClean="0"/>
@@ -9540,7 +9749,15 @@
             </a:r>
             <a:r>
               <a:rPr lang="zh-CN" altLang="en-US" dirty="0" smtClean="0"/>
-              <a:t>这些量我们都已经知道如何计算了。 ⽅程也可以写成下⾯⽤更少下标的表⽰</a:t>
+              <a:t>这些量我们都已经知道如何计算了</a:t>
+            </a:r>
+            <a:r>
+              <a:rPr lang="zh-CN" altLang="en-US" dirty="0" smtClean="0"/>
+              <a:t>。⽅</a:t>
+            </a:r>
+            <a:r>
+              <a:rPr lang="zh-CN" altLang="en-US" dirty="0" smtClean="0"/>
+              <a:t>程也可以写成下⾯⽤更少下标的表⽰</a:t>
             </a:r>
             <a:endParaRPr lang="en-US" altLang="zh-CN" dirty="0" smtClean="0"/>
           </a:p>
@@ -9579,7 +9796,11 @@
             </a:r>
             <a:r>
               <a:rPr lang="zh-CN" altLang="en-US" dirty="0" smtClean="0"/>
-              <a:t>的神经元的误差。放⼤看看 权重</a:t>
+              <a:t>的神经元的误差</a:t>
+            </a:r>
+            <a:r>
+              <a:rPr lang="zh-CN" altLang="en-US" dirty="0" smtClean="0"/>
+              <a:t>。权重</a:t>
             </a:r>
             <a:r>
               <a:rPr lang="en-US" altLang="zh-CN" dirty="0" smtClean="0"/>
@@ -9587,7 +9808,11 @@
             </a:r>
             <a:r>
               <a:rPr lang="zh-CN" altLang="en-US" dirty="0" smtClean="0"/>
-              <a:t>，还有两个由这个权重相连的神经元，我们给出⼀幅图如上</a:t>
+              <a:t>，还有两个由这个权重相连的神经元，我们给出⼀幅图</a:t>
+            </a:r>
+            <a:r>
+              <a:rPr lang="zh-CN" altLang="en-US" dirty="0" smtClean="0"/>
+              <a:t>如下：</a:t>
             </a:r>
             <a:endParaRPr lang="en-US" altLang="zh-CN" dirty="0" smtClean="0"/>
           </a:p>
@@ -9734,11 +9959,11 @@
             </a:r>
             <a:r>
               <a:rPr lang="en-US" altLang="zh-CN" dirty="0" err="1" smtClean="0"/>
-              <a:t>zl</a:t>
-            </a:r>
-            <a:r>
-              <a:rPr lang="en-US" altLang="zh-CN" dirty="0" smtClean="0"/>
-              <a:t> k)</a:t>
+              <a:t>zlk</a:t>
+            </a:r>
+            <a:r>
+              <a:rPr lang="en-US" altLang="zh-CN" dirty="0" smtClean="0"/>
+              <a:t>)</a:t>
             </a:r>
             <a:r>
               <a:rPr lang="zh-CN" altLang="en-US" dirty="0" smtClean="0"/>
@@ -9758,11 +9983,11 @@
             </a:r>
             <a:r>
               <a:rPr lang="en-US" altLang="zh-CN" dirty="0" err="1" smtClean="0"/>
-              <a:t>zL</a:t>
-            </a:r>
-            <a:r>
-              <a:rPr lang="en-US" altLang="zh-CN" dirty="0" smtClean="0"/>
-              <a:t> j )</a:t>
+              <a:t>zLj</a:t>
+            </a:r>
+            <a:r>
+              <a:rPr lang="en-US" altLang="zh-CN" dirty="0" smtClean="0"/>
+              <a:t>)</a:t>
             </a:r>
             <a:r>
               <a:rPr lang="zh-CN" altLang="en-US" dirty="0" smtClean="0"/>
@@ -9798,11 +10023,15 @@
             </a:r>
             <a:r>
               <a:rPr lang="en-US" altLang="zh-CN" dirty="0" err="1" smtClean="0"/>
-              <a:t>zL</a:t>
-            </a:r>
-            <a:r>
-              <a:rPr lang="en-US" altLang="zh-CN" dirty="0" smtClean="0"/>
-              <a:t> j ) ≈ 0</a:t>
+              <a:t>zLj</a:t>
+            </a:r>
+            <a:r>
+              <a:rPr lang="en-US" altLang="zh-CN" dirty="0" smtClean="0"/>
+              <a:t>) </a:t>
+            </a:r>
+            <a:r>
+              <a:rPr lang="en-US" altLang="zh-CN" dirty="0" smtClean="0"/>
+              <a:t>≈ 0</a:t>
             </a:r>
             <a:r>
               <a:rPr lang="zh-CN" altLang="en-US" dirty="0" smtClean="0"/>
@@ -9822,18 +10051,27 @@
             </a:r>
             <a:r>
               <a:rPr lang="zh-CN" altLang="en-US" dirty="0" smtClean="0"/>
-              <a:t>） 时，最终层的权重学习缓慢。这样的情形，我们常常称输出神经元已经饱和了，并且，权重学习也会终⽌（或者学习⾮常缓慢）。类似的结果对于输出神经元的偏置也是成⽴的。 </a:t>
-            </a:r>
-            <a:endParaRPr lang="en-US" altLang="zh-CN" dirty="0" smtClean="0"/>
-          </a:p>
-          <a:p>
-            <a:r>
-              <a:rPr lang="zh-CN" altLang="en-US" dirty="0" smtClean="0"/>
-              <a:t>针对前⾯的层，我们也有类似的观点。特别地，注意在</a:t>
-            </a:r>
-            <a:r>
-              <a:rPr lang="en-US" altLang="zh-CN" dirty="0" smtClean="0"/>
-              <a:t>(BP2)</a:t>
+              <a:t>） 时，最终层的权重学习缓慢。这样的情形，我们常常称输出神经元已经饱和了，并且，权重学习也会终⽌（或者学习⾮常缓慢）。类似的结果对于输出神经元的偏置也是成⽴的</a:t>
+            </a:r>
+            <a:r>
+              <a:rPr lang="zh-CN" altLang="en-US" dirty="0" smtClean="0"/>
+              <a:t>。针对</a:t>
+            </a:r>
+            <a:r>
+              <a:rPr lang="zh-CN" altLang="en-US" dirty="0" smtClean="0"/>
+              <a:t>前⾯的层，我们也有类似的观点。特别地，</a:t>
+            </a:r>
+            <a:r>
+              <a:rPr lang="zh-CN" altLang="en-US" dirty="0" smtClean="0"/>
+              <a:t>注意看</a:t>
+            </a:r>
+            <a:r>
+              <a:rPr lang="en-US" altLang="zh-CN" dirty="0" smtClean="0"/>
+              <a:t>(</a:t>
+            </a:r>
+            <a:r>
+              <a:rPr lang="en-US" altLang="zh-CN" dirty="0" smtClean="0"/>
+              <a:t>BP2)</a:t>
             </a:r>
             <a:r>
               <a:rPr lang="zh-CN" altLang="en-US" dirty="0" smtClean="0"/>
@@ -9857,22 +10095,27 @@
             </a:r>
             <a:r>
               <a:rPr lang="en-US" altLang="zh-CN" dirty="0" err="1" smtClean="0"/>
-              <a:t>δl</a:t>
-            </a:r>
-            <a:r>
-              <a:rPr lang="en-US" altLang="zh-CN" dirty="0" smtClean="0"/>
-              <a:t> j</a:t>
-            </a:r>
-            <a:r>
-              <a:rPr lang="zh-CN" altLang="en-US" dirty="0" smtClean="0"/>
-              <a:t>很可能变⼩。这就导致任何输⼊进⼀个饱和的神经元的权重学习缓慢。 总结⼀下，我们已经学习到，如果输⼊神经元激活值很低，或者输出神经元已经饱和了（过⾼或者过低的激活值），权重会学习缓慢。</a:t>
-            </a:r>
-            <a:endParaRPr lang="en-US" altLang="zh-CN" dirty="0" smtClean="0"/>
-          </a:p>
-          <a:p>
-            <a:r>
-              <a:rPr lang="zh-CN" altLang="en-US" dirty="0" smtClean="0"/>
-              <a:t>这些观测其实也不是⾮常出于意料的。不过，他们帮助我们完善了关于神经⽹络学习的背后的思维模型。⽽且，我们可以将这种推断⽅式进⾏推⼴。四个基本⽅程也其实对任何的激活函数都是成⽴的（稍后证明中也可以看到，其实推断本⾝不依赖于任何具体的代价函数）所以，我们可以使⽤这些⽅程来设计有特定学习属性的激活函数。我们这⾥给个例⼦，假设我们准备选择⼀个（⾮</a:t>
+              <a:t>δlj</a:t>
+            </a:r>
+            <a:r>
+              <a:rPr lang="zh-CN" altLang="en-US" dirty="0" smtClean="0"/>
+              <a:t>很可能变⼩。这就导致任何输⼊进⼀个饱和的神经元的权重学习缓慢</a:t>
+            </a:r>
+            <a:r>
+              <a:rPr lang="zh-CN" altLang="en-US" dirty="0" smtClean="0"/>
+              <a:t>。总结</a:t>
+            </a:r>
+            <a:r>
+              <a:rPr lang="zh-CN" altLang="en-US" dirty="0" smtClean="0"/>
+              <a:t>⼀下，我们已经学习到，如果输⼊神经元激活值很低，或者输出神经元已经饱和了（过⾼或者过低的激活值），权重会学习缓慢</a:t>
+            </a:r>
+            <a:r>
+              <a:rPr lang="zh-CN" altLang="en-US" dirty="0" smtClean="0"/>
+              <a:t>。这些</a:t>
+            </a:r>
+            <a:r>
+              <a:rPr lang="zh-CN" altLang="en-US" dirty="0" smtClean="0"/>
+              <a:t>观测其实也不是⾮常出于意料的。不过，他们帮助我们完善了关于神经⽹络学习的背后的思维模型。⽽且，我们可以将这种推断⽅式进⾏推⼴。四个基本⽅程也其实对任何的激活函数都是成⽴的（稍后证明中也可以看到，其实推断本⾝不依赖于任何具体的代价函数）所以，我们可以使⽤这些⽅程来设计有特定学习属性的激活函数。我们这⾥给个例⼦，假设我们准备选择⼀个（⾮</a:t>
             </a:r>
             <a:r>
               <a:rPr lang="en-US" altLang="zh-CN" dirty="0" smtClean="0"/>
@@ -10030,7 +10273,73 @@
           <a:p>
             <a:r>
               <a:rPr lang="zh-CN" altLang="en-US" dirty="0" smtClean="0"/>
-              <a:t>这⾥求和是在输出层的所有神经元</a:t>
+              <a:t>其中加入把</a:t>
+            </a:r>
+            <a:r>
+              <a:rPr lang="en-US" altLang="zh-CN" dirty="0" smtClean="0"/>
+              <a:t>C</a:t>
+            </a:r>
+            <a:r>
+              <a:rPr lang="zh-CN" altLang="en-US" dirty="0" smtClean="0"/>
+              <a:t>看成是</a:t>
+            </a:r>
+            <a:r>
+              <a:rPr lang="en-US" altLang="zh-CN" dirty="0" err="1" smtClean="0"/>
+              <a:t>aLj</a:t>
+            </a:r>
+            <a:r>
+              <a:rPr lang="zh-CN" altLang="en-US" dirty="0" smtClean="0"/>
+              <a:t>的一个函数的话，</a:t>
+            </a:r>
+            <a:r>
+              <a:rPr lang="en-US" altLang="zh-CN" dirty="0" err="1" smtClean="0"/>
+              <a:t>aLj</a:t>
+            </a:r>
+            <a:r>
+              <a:rPr lang="zh-CN" altLang="en-US" dirty="0" smtClean="0"/>
+              <a:t>又是</a:t>
+            </a:r>
+            <a:r>
+              <a:rPr lang="en-US" altLang="zh-CN" dirty="0" err="1" smtClean="0"/>
+              <a:t>zLj</a:t>
+            </a:r>
+            <a:r>
+              <a:rPr lang="zh-CN" altLang="en-US" dirty="0" smtClean="0"/>
+              <a:t>的一个函数，那么</a:t>
+            </a:r>
+            <a:r>
+              <a:rPr lang="en-US" altLang="zh-CN" dirty="0" smtClean="0"/>
+              <a:t>C</a:t>
+            </a:r>
+            <a:r>
+              <a:rPr lang="zh-CN" altLang="en-US" dirty="0" smtClean="0"/>
+              <a:t>是</a:t>
+            </a:r>
+            <a:r>
+              <a:rPr lang="en-US" altLang="zh-CN" dirty="0" err="1" smtClean="0"/>
+              <a:t>zLj</a:t>
+            </a:r>
+            <a:r>
+              <a:rPr lang="zh-CN" altLang="en-US" dirty="0" smtClean="0"/>
+              <a:t>的一个复合函数</a:t>
+            </a:r>
+            <a:endParaRPr lang="en-US" altLang="zh-CN" dirty="0" smtClean="0"/>
+          </a:p>
+          <a:p>
+            <a:r>
+              <a:rPr lang="zh-CN" altLang="en-US" dirty="0" smtClean="0"/>
+              <a:t>根据多元复合函数的求导法则得到（不知道这一步怎么来的可以回去翻书了）：</a:t>
+            </a:r>
+            <a:endParaRPr lang="en-US" altLang="zh-CN" dirty="0" smtClean="0"/>
+          </a:p>
+          <a:p>
+            <a:r>
+              <a:rPr lang="zh-CN" altLang="en-US" dirty="0" smtClean="0"/>
+              <a:t>这</a:t>
+            </a:r>
+            <a:r>
+              <a:rPr lang="zh-CN" altLang="en-US" dirty="0" smtClean="0"/>
+              <a:t>⾥求和是在输出层的所有神经元</a:t>
             </a:r>
             <a:r>
               <a:rPr lang="en-US" altLang="zh-CN" dirty="0" smtClean="0"/>
@@ -10050,15 +10359,15 @@
             </a:r>
             <a:r>
               <a:rPr lang="en-US" altLang="zh-CN" dirty="0" err="1" smtClean="0"/>
-              <a:t>aL</a:t>
-            </a:r>
-            <a:r>
-              <a:rPr lang="en-US" altLang="zh-CN" dirty="0" smtClean="0"/>
-              <a:t> k </a:t>
-            </a:r>
-            <a:r>
-              <a:rPr lang="zh-CN" altLang="en-US" dirty="0" smtClean="0"/>
-              <a:t>只依赖 于当</a:t>
+              <a:t>aLk</a:t>
+            </a:r>
+            <a:r>
+              <a:rPr lang="zh-CN" altLang="en-US" dirty="0" smtClean="0"/>
+              <a:t>只依赖于</a:t>
+            </a:r>
+            <a:r>
+              <a:rPr lang="zh-CN" altLang="en-US" dirty="0" smtClean="0"/>
+              <a:t>当</a:t>
             </a:r>
             <a:r>
               <a:rPr lang="en-US" altLang="zh-CN" dirty="0" smtClean="0"/>
@@ -10078,11 +10387,7 @@
             </a:r>
             <a:r>
               <a:rPr lang="en-US" altLang="zh-CN" dirty="0" err="1" smtClean="0"/>
-              <a:t>zL</a:t>
-            </a:r>
-            <a:r>
-              <a:rPr lang="en-US" altLang="zh-CN" dirty="0" smtClean="0"/>
-              <a:t> j</a:t>
+              <a:t>zLj</a:t>
             </a:r>
             <a:r>
               <a:rPr lang="zh-CN" altLang="en-US" dirty="0" smtClean="0"/>
@@ -10098,46 +10403,54 @@
             </a:r>
             <a:r>
               <a:rPr lang="en-US" altLang="zh-CN" dirty="0" err="1" smtClean="0"/>
-              <a:t>aL</a:t>
-            </a:r>
-            <a:r>
-              <a:rPr lang="en-US" altLang="zh-CN" dirty="0" smtClean="0"/>
-              <a:t> k/∂</a:t>
+              <a:t>aLk</a:t>
+            </a:r>
+            <a:r>
+              <a:rPr lang="en-US" altLang="zh-CN" dirty="0" smtClean="0"/>
+              <a:t>/∂</a:t>
             </a:r>
             <a:r>
               <a:rPr lang="en-US" altLang="zh-CN" dirty="0" err="1" smtClean="0"/>
-              <a:t>zL</a:t>
-            </a:r>
-            <a:r>
-              <a:rPr lang="en-US" altLang="zh-CN" dirty="0" smtClean="0"/>
-              <a:t> j </a:t>
-            </a:r>
-            <a:r>
-              <a:rPr lang="zh-CN" altLang="en-US" dirty="0" smtClean="0"/>
-              <a:t>消失了。结果我们可以简化上⼀个⽅程为：</a:t>
+              <a:t>zLj</a:t>
+            </a:r>
+            <a:r>
+              <a:rPr lang="zh-CN" altLang="en-US" dirty="0" smtClean="0"/>
+              <a:t>消失</a:t>
+            </a:r>
+            <a:r>
+              <a:rPr lang="zh-CN" altLang="en-US" dirty="0" smtClean="0"/>
+              <a:t>了。结果我们可以简化上⼀个⽅程为</a:t>
+            </a:r>
+            <a:r>
+              <a:rPr lang="zh-CN" altLang="en-US" dirty="0" smtClean="0"/>
+              <a:t>：</a:t>
             </a:r>
             <a:endParaRPr lang="en-US" altLang="zh-CN" dirty="0" smtClean="0"/>
           </a:p>
           <a:p>
             <a:r>
               <a:rPr lang="zh-CN" altLang="en-US" dirty="0" smtClean="0"/>
-              <a:t>回想下</a:t>
+              <a:t>回想</a:t>
+            </a:r>
+            <a:r>
+              <a:rPr lang="zh-CN" altLang="en-US" dirty="0" smtClean="0"/>
+              <a:t>下</a:t>
             </a:r>
             <a:r>
               <a:rPr lang="en-US" altLang="zh-CN" dirty="0" err="1" smtClean="0"/>
-              <a:t>aL</a:t>
-            </a:r>
-            <a:r>
-              <a:rPr lang="en-US" altLang="zh-CN" dirty="0" smtClean="0"/>
-              <a:t> j = σ(</a:t>
+              <a:t>aLj</a:t>
+            </a:r>
+            <a:r>
+              <a:rPr lang="en-US" altLang="zh-CN" dirty="0" smtClean="0"/>
+              <a:t>=σ(</a:t>
             </a:r>
             <a:r>
               <a:rPr lang="en-US" altLang="zh-CN" dirty="0" err="1" smtClean="0"/>
-              <a:t>zL</a:t>
-            </a:r>
-            <a:r>
-              <a:rPr lang="en-US" altLang="zh-CN" dirty="0" smtClean="0"/>
-              <a:t> j )</a:t>
+              <a:t>zLj</a:t>
+            </a:r>
+            <a:r>
+              <a:rPr lang="en-US" altLang="zh-CN" dirty="0" smtClean="0"/>
+              <a:t>)</a:t>
             </a:r>
             <a:r>
               <a:rPr lang="zh-CN" altLang="en-US" dirty="0" smtClean="0"/>
@@ -10149,11 +10462,11 @@
             </a:r>
             <a:r>
               <a:rPr lang="en-US" altLang="zh-CN" dirty="0" err="1" smtClean="0"/>
-              <a:t>zL</a:t>
-            </a:r>
-            <a:r>
-              <a:rPr lang="en-US" altLang="zh-CN" dirty="0" smtClean="0"/>
-              <a:t> j )</a:t>
+              <a:t>zLj</a:t>
+            </a:r>
+            <a:r>
+              <a:rPr lang="en-US" altLang="zh-CN" dirty="0" smtClean="0"/>
+              <a:t>)</a:t>
             </a:r>
             <a:r>
               <a:rPr lang="zh-CN" altLang="en-US" dirty="0" smtClean="0"/>
@@ -10287,7 +10600,11 @@
           <a:p>
             <a:r>
               <a:rPr lang="zh-CN" altLang="en-US" dirty="0" smtClean="0"/>
-              <a:t>这正式分量形式的</a:t>
+              <a:t>这正是分量</a:t>
+            </a:r>
+            <a:r>
+              <a:rPr lang="zh-CN" altLang="en-US" dirty="0" smtClean="0"/>
+              <a:t>形式的</a:t>
             </a:r>
             <a:r>
               <a:rPr lang="en-US" altLang="zh-CN" dirty="0" smtClean="0"/>
@@ -10302,15 +10619,27 @@
           <a:p>
             <a:r>
               <a:rPr lang="zh-CN" altLang="en-US" dirty="0" smtClean="0"/>
-              <a:t>证明本⾝看起来复杂。但是实际上就是细 ⼼地应⽤链式法则。我们可以将反向传播看成是⼀种系统性地应⽤多元微积分中的链式法则来 计算代价函数的梯度的⽅式。这些就是反向传播理论上的内容</a:t>
-            </a:r>
-            <a:r>
-              <a:rPr lang="en-US" altLang="zh-CN" dirty="0" smtClean="0"/>
-              <a:t>——</a:t>
-            </a:r>
-            <a:r>
-              <a:rPr lang="zh-CN" altLang="en-US" dirty="0" smtClean="0"/>
-              <a:t>剩下的是实现细节。 </a:t>
+              <a:t>证明本⾝看起来复杂。但是实际上就是</a:t>
+            </a:r>
+            <a:r>
+              <a:rPr lang="zh-CN" altLang="en-US" dirty="0" smtClean="0"/>
+              <a:t>细⼼</a:t>
+            </a:r>
+            <a:r>
+              <a:rPr lang="zh-CN" altLang="en-US" dirty="0" smtClean="0"/>
+              <a:t>地应⽤链式法则。我们可以将反向传播看成是⼀种系统性地应⽤多元微积分中的链式法则</a:t>
+            </a:r>
+            <a:r>
+              <a:rPr lang="zh-CN" altLang="en-US" dirty="0" smtClean="0"/>
+              <a:t>来计算</a:t>
+            </a:r>
+            <a:r>
+              <a:rPr lang="zh-CN" altLang="en-US" dirty="0" smtClean="0"/>
+              <a:t>代价函数的梯度的⽅式。这些就是反向传播理论上的</a:t>
+            </a:r>
+            <a:r>
+              <a:rPr lang="zh-CN" altLang="en-US" dirty="0" smtClean="0"/>
+              <a:t>内容。</a:t>
             </a:r>
             <a:endParaRPr lang="zh-CN" altLang="en-US" dirty="0"/>
           </a:p>
@@ -10398,7 +10727,11 @@
           <a:p>
             <a:r>
               <a:rPr lang="zh-CN" altLang="en-US" dirty="0" smtClean="0"/>
-              <a:t>检视这个算法，你可以看到为何它被称作反向传播。我们从最后⼀层开始向后计算误差向量 </a:t>
+              <a:t>检视这个算法，你可以看到为何它被称作反向传播。我们从最后⼀层开始向后计算误差</a:t>
+            </a:r>
+            <a:r>
+              <a:rPr lang="zh-CN" altLang="en-US" dirty="0" smtClean="0"/>
+              <a:t>向量</a:t>
             </a:r>
             <a:r>
               <a:rPr lang="en-US" altLang="zh-CN" dirty="0" err="1" smtClean="0"/>
@@ -10406,7 +10739,15 @@
             </a:r>
             <a:r>
               <a:rPr lang="zh-CN" altLang="en-US" dirty="0" smtClean="0"/>
-              <a:t>。这看起来有点奇怪，为何要从后⾯开始。但是如果你认真思考反向传播的证明，这种反向移动其实是代价函数是⽹络输出的函数的结果。为了理解代价随前⾯层的权重和偏置变化的规律， 我们需要重复作⽤链式法则，反向地获得需要的表达式。 </a:t>
+              <a:t>。这看起来有点奇怪，为何要从后⾯开始。但是如果你认真思考反向传播的证明，这种反向移动其实是代价函数是⽹络输出的函数的结果。为了理解代价随前⾯层的权重和偏置变化的规律</a:t>
+            </a:r>
+            <a:r>
+              <a:rPr lang="zh-CN" altLang="en-US" dirty="0" smtClean="0"/>
+              <a:t>，我们</a:t>
+            </a:r>
+            <a:r>
+              <a:rPr lang="zh-CN" altLang="en-US" dirty="0" smtClean="0"/>
+              <a:t>需要重复作⽤链式法则，反向地获得需要的表达式。 </a:t>
             </a:r>
             <a:endParaRPr lang="zh-CN" altLang="en-US" dirty="0"/>
           </a:p>
@@ -10853,7 +11194,11 @@
             </a:r>
             <a:r>
               <a:rPr lang="zh-CN" altLang="en-US" dirty="0" smtClean="0"/>
-              <a:t>这⾥完成的，调⽤了 </a:t>
+              <a:t>这⾥完成的，调⽤</a:t>
+            </a:r>
+            <a:r>
+              <a:rPr lang="zh-CN" altLang="en-US" dirty="0" smtClean="0"/>
+              <a:t>了</a:t>
             </a:r>
             <a:r>
               <a:rPr lang="en-US" altLang="zh-CN" dirty="0" err="1" smtClean="0"/>
@@ -10877,11 +11222,7 @@
             </a:r>
             <a:r>
               <a:rPr lang="en-US" altLang="zh-CN" dirty="0" err="1" smtClean="0"/>
-              <a:t>bl</a:t>
-            </a:r>
-            <a:r>
-              <a:rPr lang="en-US" altLang="zh-CN" dirty="0" smtClean="0"/>
-              <a:t> j</a:t>
+              <a:t>blj</a:t>
             </a:r>
             <a:r>
               <a:rPr lang="zh-CN" altLang="en-US" dirty="0" smtClean="0"/>
@@ -10921,7 +11262,15 @@
             </a:r>
             <a:r>
               <a:rPr lang="zh-CN" altLang="en-US" dirty="0" smtClean="0"/>
-              <a:t>我们使⽤⼀个略微不同的⽅式来索引神经⽹络的层。这个改变其实 是为了</a:t>
+              <a:t>我们使⽤⼀个略微不同的⽅式来索引神经⽹络的层。这个改变</a:t>
+            </a:r>
+            <a:r>
+              <a:rPr lang="zh-CN" altLang="en-US" dirty="0" smtClean="0"/>
+              <a:t>其实是</a:t>
+            </a:r>
+            <a:r>
+              <a:rPr lang="zh-CN" altLang="en-US" dirty="0" smtClean="0"/>
+              <a:t>为了</a:t>
             </a:r>
             <a:r>
               <a:rPr lang="en-US" altLang="zh-CN" dirty="0" smtClean="0"/>
@@ -10945,7 +11294,15 @@
             </a:r>
             <a:r>
               <a:rPr lang="zh-CN" altLang="en-US" dirty="0" smtClean="0"/>
-              <a:t>其实是 列表中的倒数第三个元素。</a:t>
+              <a:t>其实</a:t>
+            </a:r>
+            <a:r>
+              <a:rPr lang="zh-CN" altLang="en-US" dirty="0" smtClean="0"/>
+              <a:t>是列表</a:t>
+            </a:r>
+            <a:r>
+              <a:rPr lang="zh-CN" altLang="en-US" dirty="0" smtClean="0"/>
+              <a:t>中的倒数第三个元素。</a:t>
             </a:r>
             <a:endParaRPr lang="zh-CN" altLang="en-US" dirty="0"/>
           </a:p>
@@ -11146,6 +11503,90 @@
     <p:extLst>
       <p:ext uri="{BB962C8B-B14F-4D97-AF65-F5344CB8AC3E}">
         <p14:creationId xmlns:p14="http://schemas.microsoft.com/office/powerpoint/2010/main" val="629397877"/>
+      </p:ext>
+    </p:extLst>
+  </p:cSld>
+  <p:clrMapOvr>
+    <a:masterClrMapping/>
+  </p:clrMapOvr>
+</p:notes>
+</file>
+
+<file path=ppt/notesSlides/notesSlide54.xml><?xml version="1.0" encoding="utf-8"?>
+<p:notes xmlns:a="http://schemas.openxmlformats.org/drawingml/2006/main" xmlns:r="http://schemas.openxmlformats.org/officeDocument/2006/relationships" xmlns:p="http://schemas.openxmlformats.org/presentationml/2006/main">
+  <p:cSld>
+    <p:spTree>
+      <p:nvGrpSpPr>
+        <p:cNvPr id="1" name=""/>
+        <p:cNvGrpSpPr/>
+        <p:nvPr/>
+      </p:nvGrpSpPr>
+      <p:grpSpPr>
+        <a:xfrm>
+          <a:off x="0" y="0"/>
+          <a:ext cx="0" cy="0"/>
+          <a:chOff x="0" y="0"/>
+          <a:chExt cx="0" cy="0"/>
+        </a:xfrm>
+      </p:grpSpPr>
+      <p:sp>
+        <p:nvSpPr>
+          <p:cNvPr id="2" name="幻灯片图像占位符 1"/>
+          <p:cNvSpPr>
+            <a:spLocks noGrp="1" noRot="1" noChangeAspect="1"/>
+          </p:cNvSpPr>
+          <p:nvPr>
+            <p:ph type="sldImg"/>
+          </p:nvPr>
+        </p:nvSpPr>
+        <p:spPr/>
+      </p:sp>
+      <p:sp>
+        <p:nvSpPr>
+          <p:cNvPr id="3" name="备注占位符 2"/>
+          <p:cNvSpPr>
+            <a:spLocks noGrp="1"/>
+          </p:cNvSpPr>
+          <p:nvPr>
+            <p:ph type="body" idx="1"/>
+          </p:nvPr>
+        </p:nvSpPr>
+        <p:spPr/>
+        <p:txBody>
+          <a:bodyPr/>
+          <a:lstStyle/>
+          <a:p>
+            <a:endParaRPr lang="zh-CN" altLang="en-US" dirty="0"/>
+          </a:p>
+        </p:txBody>
+      </p:sp>
+      <p:sp>
+        <p:nvSpPr>
+          <p:cNvPr id="4" name="灯片编号占位符 3"/>
+          <p:cNvSpPr>
+            <a:spLocks noGrp="1"/>
+          </p:cNvSpPr>
+          <p:nvPr>
+            <p:ph type="sldNum" sz="quarter" idx="10"/>
+          </p:nvPr>
+        </p:nvSpPr>
+        <p:spPr/>
+        <p:txBody>
+          <a:bodyPr/>
+          <a:lstStyle/>
+          <a:p>
+            <a:fld id="{4F567D0F-CB54-43C7-9F51-E3F10BE186AE}" type="slidenum">
+              <a:rPr lang="zh-CN" altLang="en-US" smtClean="0"/>
+              <a:t>60</a:t>
+            </a:fld>
+            <a:endParaRPr lang="zh-CN" altLang="en-US"/>
+          </a:p>
+        </p:txBody>
+      </p:sp>
+    </p:spTree>
+    <p:extLst>
+      <p:ext uri="{BB962C8B-B14F-4D97-AF65-F5344CB8AC3E}">
+        <p14:creationId xmlns:p14="http://schemas.microsoft.com/office/powerpoint/2010/main" val="650102626"/>
       </p:ext>
     </p:extLst>
   </p:cSld>
@@ -12375,7 +12816,7 @@
           <a:p>
             <a:fld id="{5FE1FE31-79AE-4B3D-B8DD-B66A748863AF}" type="datetimeFigureOut">
               <a:rPr lang="zh-CN" altLang="en-US" smtClean="0"/>
-              <a:t>2019/10/15</a:t>
+              <a:t>2019/10/16</a:t>
             </a:fld>
             <a:endParaRPr lang="zh-CN" altLang="en-US"/>
           </a:p>
@@ -12540,7 +12981,7 @@
           <a:p>
             <a:fld id="{5FE1FE31-79AE-4B3D-B8DD-B66A748863AF}" type="datetimeFigureOut">
               <a:rPr lang="zh-CN" altLang="en-US" smtClean="0"/>
-              <a:t>2019/10/15</a:t>
+              <a:t>2019/10/16</a:t>
             </a:fld>
             <a:endParaRPr lang="zh-CN" altLang="en-US"/>
           </a:p>
@@ -12715,7 +13156,7 @@
           <a:p>
             <a:fld id="{5FE1FE31-79AE-4B3D-B8DD-B66A748863AF}" type="datetimeFigureOut">
               <a:rPr lang="zh-CN" altLang="en-US" smtClean="0"/>
-              <a:t>2019/10/15</a:t>
+              <a:t>2019/10/16</a:t>
             </a:fld>
             <a:endParaRPr lang="zh-CN" altLang="en-US"/>
           </a:p>
@@ -12898,7 +13339,7 @@
           <a:p>
             <a:fld id="{5FE1FE31-79AE-4B3D-B8DD-B66A748863AF}" type="datetimeFigureOut">
               <a:rPr lang="zh-CN" altLang="en-US" smtClean="0"/>
-              <a:t>2019/10/15</a:t>
+              <a:t>2019/10/16</a:t>
             </a:fld>
             <a:endParaRPr lang="zh-CN" altLang="en-US"/>
           </a:p>
@@ -13160,7 +13601,7 @@
           <a:p>
             <a:fld id="{5FE1FE31-79AE-4B3D-B8DD-B66A748863AF}" type="datetimeFigureOut">
               <a:rPr lang="zh-CN" altLang="en-US" smtClean="0"/>
-              <a:t>2019/10/15</a:t>
+              <a:t>2019/10/16</a:t>
             </a:fld>
             <a:endParaRPr lang="zh-CN" altLang="en-US"/>
           </a:p>
@@ -13508,7 +13949,7 @@
           <a:p>
             <a:fld id="{5FE1FE31-79AE-4B3D-B8DD-B66A748863AF}" type="datetimeFigureOut">
               <a:rPr lang="zh-CN" altLang="en-US" smtClean="0"/>
-              <a:t>2019/10/15</a:t>
+              <a:t>2019/10/16</a:t>
             </a:fld>
             <a:endParaRPr lang="zh-CN" altLang="en-US"/>
           </a:p>
@@ -13816,7 +14257,7 @@
           <a:p>
             <a:fld id="{5FE1FE31-79AE-4B3D-B8DD-B66A748863AF}" type="datetimeFigureOut">
               <a:rPr lang="zh-CN" altLang="en-US" smtClean="0"/>
-              <a:t>2019/10/15</a:t>
+              <a:t>2019/10/16</a:t>
             </a:fld>
             <a:endParaRPr lang="zh-CN" altLang="en-US"/>
           </a:p>
@@ -14043,7 +14484,7 @@
           <a:p>
             <a:fld id="{5FE1FE31-79AE-4B3D-B8DD-B66A748863AF}" type="datetimeFigureOut">
               <a:rPr lang="zh-CN" altLang="en-US" smtClean="0"/>
-              <a:t>2019/10/15</a:t>
+              <a:t>2019/10/16</a:t>
             </a:fld>
             <a:endParaRPr lang="zh-CN" altLang="en-US"/>
           </a:p>
@@ -14133,7 +14574,7 @@
           <a:p>
             <a:fld id="{5FE1FE31-79AE-4B3D-B8DD-B66A748863AF}" type="datetimeFigureOut">
               <a:rPr lang="zh-CN" altLang="en-US" smtClean="0"/>
-              <a:t>2019/10/15</a:t>
+              <a:t>2019/10/16</a:t>
             </a:fld>
             <a:endParaRPr lang="zh-CN" altLang="en-US"/>
           </a:p>
@@ -14421,7 +14862,7 @@
           <a:p>
             <a:fld id="{5FE1FE31-79AE-4B3D-B8DD-B66A748863AF}" type="datetimeFigureOut">
               <a:rPr lang="zh-CN" altLang="en-US" smtClean="0"/>
-              <a:t>2019/10/15</a:t>
+              <a:t>2019/10/16</a:t>
             </a:fld>
             <a:endParaRPr lang="zh-CN" altLang="en-US"/>
           </a:p>
@@ -14690,7 +15131,7 @@
           <a:p>
             <a:fld id="{5FE1FE31-79AE-4B3D-B8DD-B66A748863AF}" type="datetimeFigureOut">
               <a:rPr lang="zh-CN" altLang="en-US" smtClean="0"/>
-              <a:t>2019/10/15</a:t>
+              <a:t>2019/10/16</a:t>
             </a:fld>
             <a:endParaRPr lang="zh-CN" altLang="en-US"/>
           </a:p>
@@ -14900,7 +15341,7 @@
           <a:p>
             <a:fld id="{5FE1FE31-79AE-4B3D-B8DD-B66A748863AF}" type="datetimeFigureOut">
               <a:rPr lang="zh-CN" altLang="en-US" smtClean="0"/>
-              <a:t>2019/10/15</a:t>
+              <a:t>2019/10/16</a:t>
             </a:fld>
             <a:endParaRPr lang="zh-CN" altLang="en-US"/>
           </a:p>
@@ -21328,7 +21769,7 @@
         </p:nvSpPr>
         <p:spPr>
           <a:xfrm>
-            <a:off x="467544" y="2204864"/>
+            <a:off x="467544" y="2620888"/>
             <a:ext cx="8229600" cy="1600200"/>
           </a:xfrm>
         </p:spPr>
@@ -21356,7 +21797,30 @@
               <a:rPr lang="zh-CN" altLang="en-US" dirty="0" smtClean="0"/>
               <a:t>反向传播</a:t>
             </a:r>
-            <a:endParaRPr lang="zh-CN" altLang="en-US" dirty="0"/>
+            <a:r>
+              <a:rPr lang="en-US" altLang="zh-CN" dirty="0" smtClean="0"/>
+              <a:t/>
+            </a:r>
+            <a:br>
+              <a:rPr lang="en-US" altLang="zh-CN" dirty="0" smtClean="0"/>
+            </a:br>
+            <a:r>
+              <a:rPr lang="en-US" altLang="zh-CN" sz="2800" dirty="0" smtClean="0"/>
+              <a:t>                 </a:t>
+            </a:r>
+            <a:r>
+              <a:rPr lang="zh-CN" altLang="en-US" sz="2800" dirty="0" smtClean="0"/>
+              <a:t>（</a:t>
+            </a:r>
+            <a:r>
+              <a:rPr lang="en-US" altLang="zh-CN" sz="2800" dirty="0"/>
+              <a:t>backpropagation</a:t>
+            </a:r>
+            <a:r>
+              <a:rPr lang="zh-CN" altLang="en-US" sz="2800" dirty="0"/>
+              <a:t>）</a:t>
+            </a:r>
+            <a:endParaRPr lang="zh-CN" altLang="en-US" sz="2800" dirty="0"/>
           </a:p>
         </p:txBody>
       </p:sp>
@@ -21439,6 +21903,10 @@
           <a:bodyPr/>
           <a:lstStyle/>
           <a:p>
+            <a:r>
+              <a:rPr lang="zh-CN" altLang="en-US" dirty="0" smtClean="0"/>
+              <a:t>权重</a:t>
+            </a:r>
             <a:endParaRPr lang="zh-CN" altLang="en-US" dirty="0"/>
           </a:p>
         </p:txBody>
@@ -21468,6 +21936,60 @@
           <a:xfrm>
             <a:off x="683568" y="2208989"/>
             <a:ext cx="8069599" cy="3456384"/>
+          </a:xfrm>
+          <a:prstGeom prst="rect">
+            <a:avLst/>
+          </a:prstGeom>
+          <a:noFill/>
+          <a:ln>
+            <a:noFill/>
+          </a:ln>
+          <a:extLst>
+            <a:ext uri="{909E8E84-426E-40DD-AFC4-6F175D3DCCD1}">
+              <a14:hiddenFill xmlns:a14="http://schemas.microsoft.com/office/drawing/2010/main">
+                <a:solidFill>
+                  <a:schemeClr val="accent1"/>
+                </a:solidFill>
+              </a14:hiddenFill>
+            </a:ext>
+            <a:ext uri="{91240B29-F687-4F45-9708-019B960494DF}">
+              <a14:hiddenLine xmlns:a14="http://schemas.microsoft.com/office/drawing/2010/main" w="9525">
+                <a:solidFill>
+                  <a:schemeClr val="tx1"/>
+                </a:solidFill>
+                <a:miter lim="800000"/>
+                <a:headEnd/>
+                <a:tailEnd/>
+              </a14:hiddenLine>
+            </a:ext>
+          </a:extLst>
+        </p:spPr>
+      </p:pic>
+      <p:pic>
+        <p:nvPicPr>
+          <p:cNvPr id="1026" name="Picture 2"/>
+          <p:cNvPicPr>
+            <a:picLocks noChangeAspect="1" noChangeArrowheads="1"/>
+          </p:cNvPicPr>
+          <p:nvPr/>
+        </p:nvPicPr>
+        <p:blipFill>
+          <a:blip r:embed="rId4">
+            <a:extLst>
+              <a:ext uri="{28A0092B-C50C-407E-A947-70E740481C1C}">
+                <a14:useLocalDpi xmlns:a14="http://schemas.microsoft.com/office/drawing/2010/main" val="0"/>
+              </a:ext>
+            </a:extLst>
+          </a:blip>
+          <a:srcRect/>
+          <a:stretch>
+            <a:fillRect/>
+          </a:stretch>
+        </p:blipFill>
+        <p:spPr bwMode="auto">
+          <a:xfrm>
+            <a:off x="1547664" y="1628800"/>
+            <a:ext cx="361950" cy="447675"/>
           </a:xfrm>
           <a:prstGeom prst="rect">
             <a:avLst/>
@@ -21579,10 +22101,7 @@
               <a:rPr lang="zh-CN" altLang="en-US" dirty="0" smtClean="0"/>
               <a:t>偏置</a:t>
             </a:r>
-            <a:r>
-              <a:rPr lang="en-US" altLang="zh-CN" dirty="0" smtClean="0"/>
-              <a:t>b</a:t>
-            </a:r>
+            <a:endParaRPr lang="en-US" altLang="zh-CN" dirty="0" smtClean="0"/>
           </a:p>
           <a:p>
             <a:r>
@@ -21592,10 +22111,6 @@
             <a:r>
               <a:rPr lang="zh-CN" altLang="en-US" dirty="0" smtClean="0"/>
               <a:t>值</a:t>
-            </a:r>
-            <a:r>
-              <a:rPr lang="en-US" altLang="zh-CN" dirty="0" smtClean="0"/>
-              <a:t>a</a:t>
             </a:r>
             <a:endParaRPr lang="zh-CN" altLang="en-US" dirty="0"/>
           </a:p>
@@ -21619,6 +22134,138 @@
           <a:xfrm>
             <a:off x="2771800" y="2636912"/>
             <a:ext cx="3276190" cy="2580952"/>
+          </a:xfrm>
+          <a:prstGeom prst="rect">
+            <a:avLst/>
+          </a:prstGeom>
+        </p:spPr>
+      </p:pic>
+      <p:pic>
+        <p:nvPicPr>
+          <p:cNvPr id="2051" name="Picture 3"/>
+          <p:cNvPicPr>
+            <a:picLocks noChangeAspect="1" noChangeArrowheads="1"/>
+          </p:cNvPicPr>
+          <p:nvPr/>
+        </p:nvPicPr>
+        <p:blipFill>
+          <a:blip r:embed="rId4">
+            <a:extLst>
+              <a:ext uri="{28A0092B-C50C-407E-A947-70E740481C1C}">
+                <a14:useLocalDpi xmlns:a14="http://schemas.microsoft.com/office/drawing/2010/main" val="0"/>
+              </a:ext>
+            </a:extLst>
+          </a:blip>
+          <a:srcRect/>
+          <a:stretch>
+            <a:fillRect/>
+          </a:stretch>
+        </p:blipFill>
+        <p:spPr bwMode="auto">
+          <a:xfrm>
+            <a:off x="1795314" y="1916832"/>
+            <a:ext cx="400422" cy="752793"/>
+          </a:xfrm>
+          <a:prstGeom prst="rect">
+            <a:avLst/>
+          </a:prstGeom>
+          <a:noFill/>
+          <a:ln>
+            <a:noFill/>
+          </a:ln>
+          <a:extLst>
+            <a:ext uri="{909E8E84-426E-40DD-AFC4-6F175D3DCCD1}">
+              <a14:hiddenFill xmlns:a14="http://schemas.microsoft.com/office/drawing/2010/main">
+                <a:solidFill>
+                  <a:schemeClr val="accent1"/>
+                </a:solidFill>
+              </a14:hiddenFill>
+            </a:ext>
+            <a:ext uri="{91240B29-F687-4F45-9708-019B960494DF}">
+              <a14:hiddenLine xmlns:a14="http://schemas.microsoft.com/office/drawing/2010/main" w="9525">
+                <a:solidFill>
+                  <a:schemeClr val="tx1"/>
+                </a:solidFill>
+                <a:miter lim="800000"/>
+                <a:headEnd/>
+                <a:tailEnd/>
+              </a14:hiddenLine>
+            </a:ext>
+          </a:extLst>
+        </p:spPr>
+      </p:pic>
+      <p:pic>
+        <p:nvPicPr>
+          <p:cNvPr id="2052" name="Picture 4"/>
+          <p:cNvPicPr>
+            <a:picLocks noChangeAspect="1" noChangeArrowheads="1"/>
+          </p:cNvPicPr>
+          <p:nvPr/>
+        </p:nvPicPr>
+        <p:blipFill>
+          <a:blip r:embed="rId5">
+            <a:extLst>
+              <a:ext uri="{28A0092B-C50C-407E-A947-70E740481C1C}">
+                <a14:useLocalDpi xmlns:a14="http://schemas.microsoft.com/office/drawing/2010/main" val="0"/>
+              </a:ext>
+            </a:extLst>
+          </a:blip>
+          <a:srcRect/>
+          <a:stretch>
+            <a:fillRect/>
+          </a:stretch>
+        </p:blipFill>
+        <p:spPr bwMode="auto">
+          <a:xfrm>
+            <a:off x="1557189" y="1556792"/>
+            <a:ext cx="350515" cy="504742"/>
+          </a:xfrm>
+          <a:prstGeom prst="rect">
+            <a:avLst/>
+          </a:prstGeom>
+          <a:noFill/>
+          <a:ln>
+            <a:noFill/>
+          </a:ln>
+          <a:extLst>
+            <a:ext uri="{909E8E84-426E-40DD-AFC4-6F175D3DCCD1}">
+              <a14:hiddenFill xmlns:a14="http://schemas.microsoft.com/office/drawing/2010/main">
+                <a:solidFill>
+                  <a:schemeClr val="accent1"/>
+                </a:solidFill>
+              </a14:hiddenFill>
+            </a:ext>
+            <a:ext uri="{91240B29-F687-4F45-9708-019B960494DF}">
+              <a14:hiddenLine xmlns:a14="http://schemas.microsoft.com/office/drawing/2010/main" w="9525">
+                <a:solidFill>
+                  <a:schemeClr val="tx1"/>
+                </a:solidFill>
+                <a:miter lim="800000"/>
+                <a:headEnd/>
+                <a:tailEnd/>
+              </a14:hiddenLine>
+            </a:ext>
+          </a:extLst>
+        </p:spPr>
+      </p:pic>
+      <p:pic>
+        <p:nvPicPr>
+          <p:cNvPr id="8" name="图片 7"/>
+          <p:cNvPicPr>
+            <a:picLocks noChangeAspect="1"/>
+          </p:cNvPicPr>
+          <p:nvPr/>
+        </p:nvPicPr>
+        <p:blipFill>
+          <a:blip r:embed="rId6"/>
+          <a:stretch>
+            <a:fillRect/>
+          </a:stretch>
+        </p:blipFill>
+        <p:spPr>
+          <a:xfrm>
+            <a:off x="2857514" y="5193658"/>
+            <a:ext cx="3104762" cy="1047619"/>
           </a:xfrm>
           <a:prstGeom prst="rect">
             <a:avLst/>
@@ -21873,16 +22520,23 @@
           <a:lstStyle/>
           <a:p>
             <a:r>
-              <a:rPr lang="zh-CN" altLang="en-US" dirty="0" smtClean="0"/>
-              <a:t>向量化函数，函数作用到向量中的每个元素</a:t>
+              <a:rPr lang="zh-CN" altLang="en-US" dirty="0"/>
+              <a:t>权重</a:t>
+            </a:r>
+            <a:r>
+              <a:rPr lang="zh-CN" altLang="en-US" dirty="0" smtClean="0"/>
+              <a:t>矩阵</a:t>
             </a:r>
             <a:endParaRPr lang="en-US" altLang="zh-CN" dirty="0" smtClean="0"/>
           </a:p>
           <a:p>
             <a:r>
-              <a:rPr lang="en-US" altLang="zh-CN" dirty="0" smtClean="0"/>
-              <a:t>z</a:t>
-            </a:r>
+              <a:rPr lang="zh-CN" altLang="en-US" dirty="0" smtClean="0"/>
+              <a:t>偏置向量</a:t>
+            </a:r>
+            <a:endParaRPr lang="en-US" altLang="zh-CN" dirty="0" smtClean="0"/>
+          </a:p>
+          <a:p>
             <a:r>
               <a:rPr lang="zh-CN" altLang="en-US" dirty="0" smtClean="0"/>
               <a:t>带</a:t>
@@ -21895,6 +22549,31 @@
               <a:rPr lang="zh-CN" altLang="en-US" dirty="0" smtClean="0"/>
               <a:t>⼊</a:t>
             </a:r>
+            <a:endParaRPr lang="en-US" altLang="zh-CN" dirty="0" smtClean="0"/>
+          </a:p>
+          <a:p>
+            <a:r>
+              <a:rPr lang="zh-CN" altLang="en-US" dirty="0" smtClean="0"/>
+              <a:t>激活向量</a:t>
+            </a:r>
+            <a:endParaRPr lang="en-US" altLang="zh-CN" dirty="0" smtClean="0"/>
+          </a:p>
+          <a:p>
+            <a:r>
+              <a:rPr lang="zh-CN" altLang="en-US" dirty="0"/>
+              <a:t>向量化函数</a:t>
+            </a:r>
+            <a:r>
+              <a:rPr lang="zh-CN" altLang="en-US" dirty="0" smtClean="0"/>
+              <a:t>，作用</a:t>
+            </a:r>
+            <a:r>
+              <a:rPr lang="zh-CN" altLang="en-US" dirty="0"/>
+              <a:t>到向量中的每个元素</a:t>
+            </a:r>
+            <a:endParaRPr lang="en-US" altLang="zh-CN" dirty="0"/>
+          </a:p>
+          <a:p>
             <a:endParaRPr lang="zh-CN" altLang="en-US" dirty="0"/>
           </a:p>
         </p:txBody>
@@ -21915,7 +22594,7 @@
         </p:blipFill>
         <p:spPr>
           <a:xfrm>
-            <a:off x="2843808" y="2150035"/>
+            <a:off x="1764847" y="4020781"/>
             <a:ext cx="3104762" cy="1047619"/>
           </a:xfrm>
           <a:prstGeom prst="rect">
@@ -21939,7 +22618,7 @@
         </p:blipFill>
         <p:spPr>
           <a:xfrm>
-            <a:off x="2991426" y="3015562"/>
+            <a:off x="6084168" y="3157445"/>
             <a:ext cx="2809524" cy="847619"/>
           </a:xfrm>
           <a:prstGeom prst="rect">
@@ -21963,7 +22642,7 @@
         </p:blipFill>
         <p:spPr>
           <a:xfrm>
-            <a:off x="3296188" y="3980387"/>
+            <a:off x="4984168" y="4206496"/>
             <a:ext cx="2200000" cy="676190"/>
           </a:xfrm>
           <a:prstGeom prst="rect">
@@ -21987,7 +22666,7 @@
         </p:blipFill>
         <p:spPr>
           <a:xfrm>
-            <a:off x="3691425" y="4748644"/>
+            <a:off x="2612466" y="5246052"/>
             <a:ext cx="1409524" cy="447619"/>
           </a:xfrm>
           <a:prstGeom prst="rect">
@@ -22011,12 +22690,282 @@
         </p:blipFill>
         <p:spPr>
           <a:xfrm>
-            <a:off x="3967616" y="5315356"/>
+            <a:off x="5436096" y="5248689"/>
             <a:ext cx="857143" cy="380952"/>
           </a:xfrm>
           <a:prstGeom prst="rect">
             <a:avLst/>
           </a:prstGeom>
+        </p:spPr>
+      </p:pic>
+      <p:pic>
+        <p:nvPicPr>
+          <p:cNvPr id="3074" name="Picture 2"/>
+          <p:cNvPicPr>
+            <a:picLocks noChangeAspect="1" noChangeArrowheads="1"/>
+          </p:cNvPicPr>
+          <p:nvPr/>
+        </p:nvPicPr>
+        <p:blipFill>
+          <a:blip r:embed="rId8">
+            <a:extLst>
+              <a:ext uri="{28A0092B-C50C-407E-A947-70E740481C1C}">
+                <a14:useLocalDpi xmlns:a14="http://schemas.microsoft.com/office/drawing/2010/main" val="0"/>
+              </a:ext>
+            </a:extLst>
+          </a:blip>
+          <a:srcRect/>
+          <a:stretch>
+            <a:fillRect/>
+          </a:stretch>
+        </p:blipFill>
+        <p:spPr bwMode="auto">
+          <a:xfrm>
+            <a:off x="2154567" y="1556792"/>
+            <a:ext cx="329201" cy="521235"/>
+          </a:xfrm>
+          <a:prstGeom prst="rect">
+            <a:avLst/>
+          </a:prstGeom>
+          <a:noFill/>
+          <a:ln>
+            <a:noFill/>
+          </a:ln>
+          <a:extLst>
+            <a:ext uri="{909E8E84-426E-40DD-AFC4-6F175D3DCCD1}">
+              <a14:hiddenFill xmlns:a14="http://schemas.microsoft.com/office/drawing/2010/main">
+                <a:solidFill>
+                  <a:schemeClr val="accent1"/>
+                </a:solidFill>
+              </a14:hiddenFill>
+            </a:ext>
+            <a:ext uri="{91240B29-F687-4F45-9708-019B960494DF}">
+              <a14:hiddenLine xmlns:a14="http://schemas.microsoft.com/office/drawing/2010/main" w="9525">
+                <a:solidFill>
+                  <a:schemeClr val="tx1"/>
+                </a:solidFill>
+                <a:miter lim="800000"/>
+                <a:headEnd/>
+                <a:tailEnd/>
+              </a14:hiddenLine>
+            </a:ext>
+          </a:extLst>
+        </p:spPr>
+      </p:pic>
+      <p:pic>
+        <p:nvPicPr>
+          <p:cNvPr id="3076" name="Picture 4"/>
+          <p:cNvPicPr>
+            <a:picLocks noChangeAspect="1" noChangeArrowheads="1"/>
+          </p:cNvPicPr>
+          <p:nvPr/>
+        </p:nvPicPr>
+        <p:blipFill>
+          <a:blip r:embed="rId9">
+            <a:extLst>
+              <a:ext uri="{28A0092B-C50C-407E-A947-70E740481C1C}">
+                <a14:useLocalDpi xmlns:a14="http://schemas.microsoft.com/office/drawing/2010/main" val="0"/>
+              </a:ext>
+            </a:extLst>
+          </a:blip>
+          <a:srcRect/>
+          <a:stretch>
+            <a:fillRect/>
+          </a:stretch>
+        </p:blipFill>
+        <p:spPr bwMode="auto">
+          <a:xfrm>
+            <a:off x="2136568" y="2397437"/>
+            <a:ext cx="365197" cy="527507"/>
+          </a:xfrm>
+          <a:prstGeom prst="rect">
+            <a:avLst/>
+          </a:prstGeom>
+          <a:noFill/>
+          <a:ln>
+            <a:noFill/>
+          </a:ln>
+          <a:extLst>
+            <a:ext uri="{909E8E84-426E-40DD-AFC4-6F175D3DCCD1}">
+              <a14:hiddenFill xmlns:a14="http://schemas.microsoft.com/office/drawing/2010/main">
+                <a:solidFill>
+                  <a:schemeClr val="accent1"/>
+                </a:solidFill>
+              </a14:hiddenFill>
+            </a:ext>
+            <a:ext uri="{91240B29-F687-4F45-9708-019B960494DF}">
+              <a14:hiddenLine xmlns:a14="http://schemas.microsoft.com/office/drawing/2010/main" w="9525">
+                <a:solidFill>
+                  <a:schemeClr val="tx1"/>
+                </a:solidFill>
+                <a:miter lim="800000"/>
+                <a:headEnd/>
+                <a:tailEnd/>
+              </a14:hiddenLine>
+            </a:ext>
+          </a:extLst>
+        </p:spPr>
+      </p:pic>
+      <p:pic>
+        <p:nvPicPr>
+          <p:cNvPr id="3077" name="Picture 5"/>
+          <p:cNvPicPr>
+            <a:picLocks noChangeAspect="1" noChangeArrowheads="1"/>
+          </p:cNvPicPr>
+          <p:nvPr/>
+        </p:nvPicPr>
+        <p:blipFill>
+          <a:blip r:embed="rId10">
+            <a:extLst>
+              <a:ext uri="{28A0092B-C50C-407E-A947-70E740481C1C}">
+                <a14:useLocalDpi xmlns:a14="http://schemas.microsoft.com/office/drawing/2010/main" val="0"/>
+              </a:ext>
+            </a:extLst>
+          </a:blip>
+          <a:srcRect/>
+          <a:stretch>
+            <a:fillRect/>
+          </a:stretch>
+        </p:blipFill>
+        <p:spPr bwMode="auto">
+          <a:xfrm>
+            <a:off x="2165453" y="2006019"/>
+            <a:ext cx="257758" cy="486877"/>
+          </a:xfrm>
+          <a:prstGeom prst="rect">
+            <a:avLst/>
+          </a:prstGeom>
+          <a:noFill/>
+          <a:ln>
+            <a:noFill/>
+          </a:ln>
+          <a:extLst>
+            <a:ext uri="{909E8E84-426E-40DD-AFC4-6F175D3DCCD1}">
+              <a14:hiddenFill xmlns:a14="http://schemas.microsoft.com/office/drawing/2010/main">
+                <a:solidFill>
+                  <a:schemeClr val="accent1"/>
+                </a:solidFill>
+              </a14:hiddenFill>
+            </a:ext>
+            <a:ext uri="{91240B29-F687-4F45-9708-019B960494DF}">
+              <a14:hiddenLine xmlns:a14="http://schemas.microsoft.com/office/drawing/2010/main" w="9525">
+                <a:solidFill>
+                  <a:schemeClr val="tx1"/>
+                </a:solidFill>
+                <a:miter lim="800000"/>
+                <a:headEnd/>
+                <a:tailEnd/>
+              </a14:hiddenLine>
+            </a:ext>
+          </a:extLst>
+        </p:spPr>
+      </p:pic>
+      <p:pic>
+        <p:nvPicPr>
+          <p:cNvPr id="3078" name="Picture 6"/>
+          <p:cNvPicPr>
+            <a:picLocks noChangeAspect="1" noChangeArrowheads="1"/>
+          </p:cNvPicPr>
+          <p:nvPr/>
+        </p:nvPicPr>
+        <p:blipFill>
+          <a:blip r:embed="rId11">
+            <a:extLst>
+              <a:ext uri="{28A0092B-C50C-407E-A947-70E740481C1C}">
+                <a14:useLocalDpi xmlns:a14="http://schemas.microsoft.com/office/drawing/2010/main" val="0"/>
+              </a:ext>
+            </a:extLst>
+          </a:blip>
+          <a:srcRect/>
+          <a:stretch>
+            <a:fillRect/>
+          </a:stretch>
+        </p:blipFill>
+        <p:spPr bwMode="auto">
+          <a:xfrm>
+            <a:off x="2184794" y="2852936"/>
+            <a:ext cx="298974" cy="571950"/>
+          </a:xfrm>
+          <a:prstGeom prst="rect">
+            <a:avLst/>
+          </a:prstGeom>
+          <a:noFill/>
+          <a:ln>
+            <a:noFill/>
+          </a:ln>
+          <a:extLst>
+            <a:ext uri="{909E8E84-426E-40DD-AFC4-6F175D3DCCD1}">
+              <a14:hiddenFill xmlns:a14="http://schemas.microsoft.com/office/drawing/2010/main">
+                <a:solidFill>
+                  <a:schemeClr val="accent1"/>
+                </a:solidFill>
+              </a14:hiddenFill>
+            </a:ext>
+            <a:ext uri="{91240B29-F687-4F45-9708-019B960494DF}">
+              <a14:hiddenLine xmlns:a14="http://schemas.microsoft.com/office/drawing/2010/main" w="9525">
+                <a:solidFill>
+                  <a:schemeClr val="tx1"/>
+                </a:solidFill>
+                <a:miter lim="800000"/>
+                <a:headEnd/>
+                <a:tailEnd/>
+              </a14:hiddenLine>
+            </a:ext>
+          </a:extLst>
+        </p:spPr>
+      </p:pic>
+      <p:pic>
+        <p:nvPicPr>
+          <p:cNvPr id="3080" name="Picture 8"/>
+          <p:cNvPicPr>
+            <a:picLocks noChangeAspect="1" noChangeArrowheads="1"/>
+          </p:cNvPicPr>
+          <p:nvPr/>
+        </p:nvPicPr>
+        <p:blipFill>
+          <a:blip r:embed="rId12">
+            <a:extLst>
+              <a:ext uri="{28A0092B-C50C-407E-A947-70E740481C1C}">
+                <a14:useLocalDpi xmlns:a14="http://schemas.microsoft.com/office/drawing/2010/main" val="0"/>
+              </a:ext>
+            </a:extLst>
+          </a:blip>
+          <a:srcRect/>
+          <a:stretch>
+            <a:fillRect/>
+          </a:stretch>
+        </p:blipFill>
+        <p:spPr bwMode="auto">
+          <a:xfrm>
+            <a:off x="4355976" y="1614737"/>
+            <a:ext cx="1830836" cy="1565399"/>
+          </a:xfrm>
+          <a:prstGeom prst="rect">
+            <a:avLst/>
+          </a:prstGeom>
+          <a:noFill/>
+          <a:ln>
+            <a:noFill/>
+          </a:ln>
+          <a:extLst>
+            <a:ext uri="{909E8E84-426E-40DD-AFC4-6F175D3DCCD1}">
+              <a14:hiddenFill xmlns:a14="http://schemas.microsoft.com/office/drawing/2010/main">
+                <a:solidFill>
+                  <a:schemeClr val="accent1"/>
+                </a:solidFill>
+              </a14:hiddenFill>
+            </a:ext>
+            <a:ext uri="{91240B29-F687-4F45-9708-019B960494DF}">
+              <a14:hiddenLine xmlns:a14="http://schemas.microsoft.com/office/drawing/2010/main" w="9525">
+                <a:solidFill>
+                  <a:schemeClr val="tx1"/>
+                </a:solidFill>
+                <a:miter lim="800000"/>
+                <a:headEnd/>
+                <a:tailEnd/>
+              </a14:hiddenLine>
+            </a:ext>
+          </a:extLst>
         </p:spPr>
       </p:pic>
     </p:spTree>
@@ -22100,8 +23049,71 @@
           <a:lstStyle/>
           <a:p>
             <a:r>
-              <a:rPr lang="zh-CN" altLang="en-US" dirty="0" smtClean="0"/>
-              <a:t>代价函数可以写成每个训练样本</a:t>
+              <a:rPr lang="zh-CN" altLang="en-US" dirty="0"/>
+              <a:t>目标</a:t>
+            </a:r>
+            <a:r>
+              <a:rPr lang="zh-CN" altLang="en-US" dirty="0" smtClean="0"/>
+              <a:t>：计算</a:t>
+            </a:r>
+            <a:r>
+              <a:rPr lang="zh-CN" altLang="en-US" dirty="0"/>
+              <a:t>代价函数 </a:t>
+            </a:r>
+            <a:r>
+              <a:rPr lang="en-US" altLang="zh-CN" dirty="0"/>
+              <a:t>C </a:t>
+            </a:r>
+            <a:r>
+              <a:rPr lang="zh-CN" altLang="en-US" dirty="0"/>
+              <a:t>分别</a:t>
+            </a:r>
+            <a:r>
+              <a:rPr lang="zh-CN" altLang="en-US" dirty="0" smtClean="0"/>
+              <a:t>关于</a:t>
+            </a:r>
+            <a:r>
+              <a:rPr lang="en-US" altLang="zh-CN" dirty="0" smtClean="0"/>
+              <a:t>w</a:t>
+            </a:r>
+            <a:r>
+              <a:rPr lang="zh-CN" altLang="en-US" dirty="0" smtClean="0"/>
+              <a:t>和</a:t>
+            </a:r>
+            <a:r>
+              <a:rPr lang="en-US" altLang="zh-CN" dirty="0" smtClean="0"/>
+              <a:t>b</a:t>
+            </a:r>
+            <a:r>
+              <a:rPr lang="zh-CN" altLang="en-US" dirty="0" smtClean="0"/>
+              <a:t>的</a:t>
+            </a:r>
+            <a:r>
+              <a:rPr lang="zh-CN" altLang="en-US" dirty="0"/>
+              <a:t>偏导数 ∂</a:t>
+            </a:r>
+            <a:r>
+              <a:rPr lang="en-US" altLang="zh-CN" dirty="0"/>
+              <a:t>C/∂w </a:t>
+            </a:r>
+            <a:r>
+              <a:rPr lang="zh-CN" altLang="en-US" dirty="0"/>
+              <a:t>和 ∂</a:t>
+            </a:r>
+            <a:r>
+              <a:rPr lang="en-US" altLang="zh-CN" dirty="0"/>
+              <a:t>C/∂b</a:t>
+            </a:r>
+            <a:endParaRPr lang="en-US" altLang="zh-CN" dirty="0" smtClean="0"/>
+          </a:p>
+          <a:p>
+            <a:r>
+              <a:rPr lang="zh-CN" altLang="en-US" dirty="0" smtClean="0"/>
+              <a:t>代价函数</a:t>
+            </a:r>
+            <a:r>
+              <a:rPr lang="zh-CN" altLang="en-US" dirty="0" smtClean="0"/>
+              <a:t>可以写成每个训练样本</a:t>
             </a:r>
             <a:r>
               <a:rPr lang="en-US" altLang="zh-CN" dirty="0" smtClean="0"/>
@@ -22139,7 +23151,7 @@
         </p:blipFill>
         <p:spPr>
           <a:xfrm>
-            <a:off x="2947031" y="2591044"/>
+            <a:off x="2947031" y="3064664"/>
             <a:ext cx="2961905" cy="857143"/>
           </a:xfrm>
           <a:prstGeom prst="rect">
@@ -22163,7 +23175,7 @@
         </p:blipFill>
         <p:spPr>
           <a:xfrm>
-            <a:off x="3827983" y="3861048"/>
+            <a:off x="3827983" y="4334668"/>
             <a:ext cx="1200000" cy="400000"/>
           </a:xfrm>
           <a:prstGeom prst="rect">
@@ -22187,7 +23199,7 @@
         </p:blipFill>
         <p:spPr>
           <a:xfrm>
-            <a:off x="3680364" y="4941168"/>
+            <a:off x="3680364" y="5414788"/>
             <a:ext cx="1495238" cy="390476"/>
           </a:xfrm>
           <a:prstGeom prst="rect">
@@ -22602,8 +23614,8 @@
         </p:blipFill>
         <p:spPr>
           <a:xfrm>
-            <a:off x="2483768" y="1605861"/>
-            <a:ext cx="219048" cy="361905"/>
+            <a:off x="2483767" y="1605861"/>
+            <a:ext cx="286129" cy="472735"/>
           </a:xfrm>
           <a:prstGeom prst="rect">
             <a:avLst/>
@@ -22626,8 +23638,8 @@
         </p:blipFill>
         <p:spPr>
           <a:xfrm>
-            <a:off x="4211960" y="2078596"/>
-            <a:ext cx="1066667" cy="400000"/>
+            <a:off x="4090064" y="2026215"/>
+            <a:ext cx="1346032" cy="504762"/>
           </a:xfrm>
           <a:prstGeom prst="rect">
             <a:avLst/>
@@ -22650,8 +23662,8 @@
         </p:blipFill>
         <p:spPr>
           <a:xfrm>
-            <a:off x="5580112" y="2026215"/>
-            <a:ext cx="657143" cy="504762"/>
+            <a:off x="5580112" y="2026214"/>
+            <a:ext cx="795058" cy="610697"/>
           </a:xfrm>
           <a:prstGeom prst="rect">
             <a:avLst/>
@@ -22793,7 +23805,7 @@
         </p:blipFill>
         <p:spPr>
           <a:xfrm>
-            <a:off x="3562476" y="2132856"/>
+            <a:off x="2476690" y="2714714"/>
             <a:ext cx="2019048" cy="876190"/>
           </a:xfrm>
           <a:prstGeom prst="rect">
@@ -22817,7 +23829,7 @@
         </p:blipFill>
         <p:spPr>
           <a:xfrm>
-            <a:off x="3486284" y="3328327"/>
+            <a:off x="2400498" y="3933056"/>
             <a:ext cx="2171429" cy="657143"/>
           </a:xfrm>
           <a:prstGeom prst="rect">
@@ -22841,7 +23853,7 @@
         </p:blipFill>
         <p:spPr>
           <a:xfrm>
-            <a:off x="3281522" y="4509120"/>
+            <a:off x="2195736" y="5090978"/>
             <a:ext cx="2580952" cy="714286"/>
           </a:xfrm>
           <a:prstGeom prst="rect">
@@ -22865,7 +23877,7 @@
         </p:blipFill>
         <p:spPr>
           <a:xfrm>
-            <a:off x="5834230" y="2337617"/>
+            <a:off x="5076056" y="3250365"/>
             <a:ext cx="1885714" cy="466667"/>
           </a:xfrm>
           <a:prstGeom prst="rect">
@@ -22889,12 +23901,66 @@
         </p:blipFill>
         <p:spPr>
           <a:xfrm>
-            <a:off x="6010420" y="3475749"/>
+            <a:off x="4924634" y="4080478"/>
             <a:ext cx="1533333" cy="361905"/>
           </a:xfrm>
           <a:prstGeom prst="rect">
             <a:avLst/>
           </a:prstGeom>
+        </p:spPr>
+      </p:pic>
+      <p:pic>
+        <p:nvPicPr>
+          <p:cNvPr id="4099" name="Picture 3"/>
+          <p:cNvPicPr>
+            <a:picLocks noChangeAspect="1" noChangeArrowheads="1"/>
+          </p:cNvPicPr>
+          <p:nvPr/>
+        </p:nvPicPr>
+        <p:blipFill>
+          <a:blip r:embed="rId8">
+            <a:extLst>
+              <a:ext uri="{28A0092B-C50C-407E-A947-70E740481C1C}">
+                <a14:useLocalDpi xmlns:a14="http://schemas.microsoft.com/office/drawing/2010/main" val="0"/>
+              </a:ext>
+            </a:extLst>
+          </a:blip>
+          <a:srcRect/>
+          <a:stretch>
+            <a:fillRect/>
+          </a:stretch>
+        </p:blipFill>
+        <p:spPr bwMode="auto">
+          <a:xfrm>
+            <a:off x="5152138" y="2708920"/>
+            <a:ext cx="1733550" cy="371475"/>
+          </a:xfrm>
+          <a:prstGeom prst="rect">
+            <a:avLst/>
+          </a:prstGeom>
+          <a:noFill/>
+          <a:ln>
+            <a:noFill/>
+          </a:ln>
+          <a:extLst>
+            <a:ext uri="{909E8E84-426E-40DD-AFC4-6F175D3DCCD1}">
+              <a14:hiddenFill xmlns:a14="http://schemas.microsoft.com/office/drawing/2010/main">
+                <a:solidFill>
+                  <a:schemeClr val="accent1"/>
+                </a:solidFill>
+              </a14:hiddenFill>
+            </a:ext>
+            <a:ext uri="{91240B29-F687-4F45-9708-019B960494DF}">
+              <a14:hiddenLine xmlns:a14="http://schemas.microsoft.com/office/drawing/2010/main" w="9525">
+                <a:solidFill>
+                  <a:schemeClr val="tx1"/>
+                </a:solidFill>
+                <a:miter lim="800000"/>
+                <a:headEnd/>
+                <a:tailEnd/>
+              </a14:hiddenLine>
+            </a:ext>
+          </a:extLst>
         </p:spPr>
       </p:pic>
     </p:spTree>
@@ -23032,7 +24098,7 @@
         </p:blipFill>
         <p:spPr>
           <a:xfrm>
-            <a:off x="3563888" y="1700808"/>
+            <a:off x="3563888" y="1628800"/>
             <a:ext cx="390476" cy="352381"/>
           </a:xfrm>
           <a:prstGeom prst="rect">
@@ -23999,7 +25065,15 @@
             </a:r>
             <a:r>
               <a:rPr lang="zh-CN" altLang="en-US" dirty="0" smtClean="0"/>
-              <a:t>链式法则（见高数教材第八章多元函数微分法，第四节多元复合函数的求导法则）得到</a:t>
+              <a:t>链式法则（见高数</a:t>
+            </a:r>
+            <a:r>
+              <a:rPr lang="zh-CN" altLang="en-US" dirty="0" smtClean="0"/>
+              <a:t>教材下册第八</a:t>
+            </a:r>
+            <a:r>
+              <a:rPr lang="zh-CN" altLang="en-US" dirty="0" smtClean="0"/>
+              <a:t>章多元函数微分法，第四节多元复合函数的求导法则）得到</a:t>
             </a:r>
             <a:r>
               <a:rPr lang="en-US" altLang="zh-CN" dirty="0" smtClean="0"/>
@@ -24129,6 +25203,84 @@
           </a:prstGeom>
         </p:spPr>
       </p:pic>
+      <p:pic>
+        <p:nvPicPr>
+          <p:cNvPr id="5122" name="Picture 2"/>
+          <p:cNvPicPr>
+            <a:picLocks noChangeAspect="1" noChangeArrowheads="1"/>
+          </p:cNvPicPr>
+          <p:nvPr/>
+        </p:nvPicPr>
+        <p:blipFill>
+          <a:blip r:embed="rId8">
+            <a:extLst>
+              <a:ext uri="{28A0092B-C50C-407E-A947-70E740481C1C}">
+                <a14:useLocalDpi xmlns:a14="http://schemas.microsoft.com/office/drawing/2010/main" val="0"/>
+              </a:ext>
+            </a:extLst>
+          </a:blip>
+          <a:srcRect/>
+          <a:stretch>
+            <a:fillRect/>
+          </a:stretch>
+        </p:blipFill>
+        <p:spPr bwMode="auto">
+          <a:xfrm>
+            <a:off x="5364088" y="1800148"/>
+            <a:ext cx="2887428" cy="661940"/>
+          </a:xfrm>
+          <a:prstGeom prst="rect">
+            <a:avLst/>
+          </a:prstGeom>
+          <a:noFill/>
+          <a:ln>
+            <a:noFill/>
+          </a:ln>
+          <a:extLst>
+            <a:ext uri="{909E8E84-426E-40DD-AFC4-6F175D3DCCD1}">
+              <a14:hiddenFill xmlns:a14="http://schemas.microsoft.com/office/drawing/2010/main">
+                <a:solidFill>
+                  <a:schemeClr val="accent1"/>
+                </a:solidFill>
+              </a14:hiddenFill>
+            </a:ext>
+            <a:ext uri="{91240B29-F687-4F45-9708-019B960494DF}">
+              <a14:hiddenLine xmlns:a14="http://schemas.microsoft.com/office/drawing/2010/main" w="9525">
+                <a:solidFill>
+                  <a:schemeClr val="tx1"/>
+                </a:solidFill>
+                <a:miter lim="800000"/>
+                <a:headEnd/>
+                <a:tailEnd/>
+              </a14:hiddenLine>
+            </a:ext>
+          </a:extLst>
+        </p:spPr>
+      </p:pic>
+      <p:pic>
+        <p:nvPicPr>
+          <p:cNvPr id="10" name="图片 9"/>
+          <p:cNvPicPr>
+            <a:picLocks noChangeAspect="1"/>
+          </p:cNvPicPr>
+          <p:nvPr/>
+        </p:nvPicPr>
+        <p:blipFill>
+          <a:blip r:embed="rId9"/>
+          <a:stretch>
+            <a:fillRect/>
+          </a:stretch>
+        </p:blipFill>
+        <p:spPr>
+          <a:xfrm>
+            <a:off x="6228184" y="2374554"/>
+            <a:ext cx="857143" cy="380952"/>
+          </a:xfrm>
+          <a:prstGeom prst="rect">
+            <a:avLst/>
+          </a:prstGeom>
+        </p:spPr>
+      </p:pic>
     </p:spTree>
     <p:extLst>
       <p:ext uri="{BB962C8B-B14F-4D97-AF65-F5344CB8AC3E}">
@@ -24263,7 +25415,11 @@
             </a:r>
             <a:r>
               <a:rPr lang="zh-CN" altLang="en-US" dirty="0" smtClean="0"/>
-              <a:t>想要以                           重写，                     </a:t>
+              <a:t>想要以                           </a:t>
+            </a:r>
+            <a:r>
+              <a:rPr lang="zh-CN" altLang="en-US" dirty="0" smtClean="0"/>
+              <a:t>重写                     </a:t>
             </a:r>
             <a:r>
               <a:rPr lang="en-US" altLang="zh-CN" dirty="0" smtClean="0"/>
@@ -26764,37 +27920,8 @@
               <a:t>原书地址：</a:t>
             </a:r>
             <a:endParaRPr lang="en-US" altLang="zh-CN" dirty="0" smtClean="0">
-              <a:hlinkClick r:id="rId2"/>
+              <a:hlinkClick r:id="rId3"/>
             </a:endParaRPr>
-          </a:p>
-          <a:p>
-            <a:pPr lvl="1"/>
-            <a:r>
-              <a:rPr lang="en-US" altLang="zh-CN" dirty="0" smtClean="0">
-                <a:hlinkClick r:id="rId2"/>
-              </a:rPr>
-              <a:t>http</a:t>
-            </a:r>
-            <a:r>
-              <a:rPr lang="en-US" altLang="zh-CN" dirty="0">
-                <a:hlinkClick r:id="rId2"/>
-              </a:rPr>
-              <a:t>://</a:t>
-            </a:r>
-            <a:r>
-              <a:rPr lang="en-US" altLang="zh-CN" dirty="0" smtClean="0">
-                <a:hlinkClick r:id="rId2"/>
-              </a:rPr>
-              <a:t>neuralnetworksanddeeplearning.com/</a:t>
-            </a:r>
-            <a:endParaRPr lang="en-US" altLang="zh-CN" dirty="0" smtClean="0"/>
-          </a:p>
-          <a:p>
-            <a:r>
-              <a:rPr lang="zh-CN" altLang="en-US" dirty="0" smtClean="0"/>
-              <a:t>源码：</a:t>
-            </a:r>
-            <a:endParaRPr lang="en-US" altLang="zh-CN" dirty="0" smtClean="0"/>
           </a:p>
           <a:p>
             <a:pPr lvl="1"/>
@@ -26802,7 +27929,7 @@
               <a:rPr lang="en-US" altLang="zh-CN" dirty="0" smtClean="0">
                 <a:hlinkClick r:id="rId3"/>
               </a:rPr>
-              <a:t>https</a:t>
+              <a:t>http</a:t>
             </a:r>
             <a:r>
               <a:rPr lang="en-US" altLang="zh-CN" dirty="0">
@@ -26814,7 +27941,13 @@
               <a:rPr lang="en-US" altLang="zh-CN" dirty="0" smtClean="0">
                 <a:hlinkClick r:id="rId3"/>
               </a:rPr>
-              <a:t>github.com/mnielsen/neural-networks-and-deep-learning.git</a:t>
+              <a:t>neuralnetworksanddeeplearning.com</a:t>
+            </a:r>
+            <a:r>
+              <a:rPr lang="en-US" altLang="zh-CN" dirty="0" smtClean="0">
+                <a:hlinkClick r:id="rId3"/>
+              </a:rPr>
+              <a:t>/</a:t>
             </a:r>
             <a:endParaRPr lang="en-US" altLang="zh-CN" dirty="0" smtClean="0"/>
           </a:p>
@@ -26822,23 +27955,7 @@
             <a:pPr lvl="0"/>
             <a:r>
               <a:rPr lang="zh-CN" altLang="en-US" dirty="0" smtClean="0"/>
-              <a:t>通过</a:t>
-            </a:r>
-            <a:r>
-              <a:rPr lang="en-US" altLang="zh-CN" dirty="0" smtClean="0"/>
-              <a:t>Django</a:t>
-            </a:r>
-            <a:r>
-              <a:rPr lang="zh-CN" altLang="en-US" dirty="0" smtClean="0"/>
-              <a:t>部署到</a:t>
-            </a:r>
-            <a:r>
-              <a:rPr lang="en-US" altLang="zh-CN" dirty="0" smtClean="0"/>
-              <a:t>Webserver</a:t>
-            </a:r>
-            <a:r>
-              <a:rPr lang="zh-CN" altLang="en-US" dirty="0" smtClean="0"/>
-              <a:t>的源码：</a:t>
+              <a:t>反向传播论文：</a:t>
             </a:r>
             <a:endParaRPr lang="en-US" altLang="zh-CN" dirty="0" smtClean="0"/>
           </a:p>
@@ -26848,18 +27965,86 @@
               <a:rPr lang="en-US" altLang="zh-CN" dirty="0">
                 <a:hlinkClick r:id="rId4"/>
               </a:rPr>
-              <a:t>https://github.com/yish0000/neuralnetwork.git</a:t>
+              <a:t>http://www.nature.com/nature/journal/v323/n6088/pdf/323533a0.pdf</a:t>
             </a:r>
             <a:endParaRPr lang="en-US" altLang="zh-CN" dirty="0" smtClean="0"/>
           </a:p>
           <a:p>
+            <a:r>
+              <a:rPr lang="en-US" altLang="zh-CN" dirty="0" err="1" smtClean="0"/>
+              <a:t>Youtube</a:t>
+            </a:r>
+            <a:r>
+              <a:rPr lang="zh-CN" altLang="en-US" dirty="0" smtClean="0"/>
+              <a:t>视频：</a:t>
+            </a:r>
+            <a:endParaRPr lang="en-US" altLang="zh-CN" dirty="0" smtClean="0"/>
+          </a:p>
+          <a:p>
             <a:pPr lvl="1"/>
+            <a:r>
+              <a:rPr lang="en-US" altLang="zh-CN" dirty="0">
+                <a:hlinkClick r:id="rId5"/>
+              </a:rPr>
+              <a:t>https://www.youtube.com/watch?v=aircAruvnKk&amp;t=609s</a:t>
+            </a:r>
             <a:endParaRPr lang="en-US" altLang="zh-CN" dirty="0"/>
           </a:p>
           <a:p>
-            <a:pPr marL="457200" lvl="1" indent="0">
-              <a:buNone/>
-            </a:pPr>
+            <a:r>
+              <a:rPr lang="zh-CN" altLang="en-US" dirty="0"/>
+              <a:t>源码：</a:t>
+            </a:r>
+            <a:endParaRPr lang="en-US" altLang="zh-CN" dirty="0"/>
+          </a:p>
+          <a:p>
+            <a:pPr lvl="1"/>
+            <a:r>
+              <a:rPr lang="en-US" altLang="zh-CN" dirty="0">
+                <a:hlinkClick r:id="rId6"/>
+              </a:rPr>
+              <a:t>https://github.com/mnielsen/neural-networks-and-deep-learning.git</a:t>
+            </a:r>
+            <a:endParaRPr lang="en-US" altLang="zh-CN" dirty="0"/>
+          </a:p>
+          <a:p>
+            <a:pPr lvl="0"/>
+            <a:r>
+              <a:rPr lang="zh-CN" altLang="en-US" dirty="0"/>
+              <a:t>通过</a:t>
+            </a:r>
+            <a:r>
+              <a:rPr lang="en-US" altLang="zh-CN" dirty="0"/>
+              <a:t>Django</a:t>
+            </a:r>
+            <a:r>
+              <a:rPr lang="zh-CN" altLang="en-US" dirty="0"/>
+              <a:t>部署到</a:t>
+            </a:r>
+            <a:r>
+              <a:rPr lang="en-US" altLang="zh-CN" dirty="0"/>
+              <a:t>Webserver</a:t>
+            </a:r>
+            <a:r>
+              <a:rPr lang="zh-CN" altLang="en-US" dirty="0"/>
+              <a:t>的源码：</a:t>
+            </a:r>
+            <a:endParaRPr lang="en-US" altLang="zh-CN" dirty="0"/>
+          </a:p>
+          <a:p>
+            <a:pPr lvl="1"/>
+            <a:r>
+              <a:rPr lang="en-US" altLang="zh-CN" dirty="0">
+                <a:hlinkClick r:id="rId7"/>
+              </a:rPr>
+              <a:t>https://</a:t>
+            </a:r>
+            <a:r>
+              <a:rPr lang="en-US" altLang="zh-CN" dirty="0" smtClean="0">
+                <a:hlinkClick r:id="rId7"/>
+              </a:rPr>
+              <a:t>github.com/yish0000/neuralnetwork.git</a:t>
+            </a:r>
             <a:endParaRPr lang="en-US" altLang="zh-CN" dirty="0"/>
           </a:p>
         </p:txBody>
@@ -26873,14 +28058,14 @@
           <p:nvPr/>
         </p:nvPicPr>
         <p:blipFill>
-          <a:blip r:embed="rId5"/>
+          <a:blip r:embed="rId8"/>
           <a:stretch>
             <a:fillRect/>
           </a:stretch>
         </p:blipFill>
         <p:spPr>
           <a:xfrm>
-            <a:off x="3438666" y="4136733"/>
+            <a:off x="5833725" y="764704"/>
             <a:ext cx="2266667" cy="2028571"/>
           </a:xfrm>
           <a:prstGeom prst="rect">

--- a/深度学习数学原理初探.pptx
+++ b/深度学习数学原理初探.pptx
@@ -5,7 +5,7 @@
     <p:sldMasterId id="2147483720" r:id="rId1"/>
   </p:sldMasterIdLst>
   <p:notesMasterIdLst>
-    <p:notesMasterId r:id="rId64"/>
+    <p:notesMasterId r:id="rId63"/>
   </p:notesMasterIdLst>
   <p:sldIdLst>
     <p:sldId id="256" r:id="rId2"/>
@@ -25,51 +25,50 @@
     <p:sldId id="267" r:id="rId16"/>
     <p:sldId id="268" r:id="rId17"/>
     <p:sldId id="269" r:id="rId18"/>
-    <p:sldId id="270" r:id="rId19"/>
-    <p:sldId id="271" r:id="rId20"/>
-    <p:sldId id="318" r:id="rId21"/>
-    <p:sldId id="272" r:id="rId22"/>
-    <p:sldId id="273" r:id="rId23"/>
-    <p:sldId id="274" r:id="rId24"/>
-    <p:sldId id="275" r:id="rId25"/>
-    <p:sldId id="276" r:id="rId26"/>
-    <p:sldId id="277" r:id="rId27"/>
-    <p:sldId id="278" r:id="rId28"/>
-    <p:sldId id="279" r:id="rId29"/>
-    <p:sldId id="280" r:id="rId30"/>
-    <p:sldId id="281" r:id="rId31"/>
-    <p:sldId id="282" r:id="rId32"/>
-    <p:sldId id="314" r:id="rId33"/>
-    <p:sldId id="283" r:id="rId34"/>
-    <p:sldId id="284" r:id="rId35"/>
-    <p:sldId id="285" r:id="rId36"/>
-    <p:sldId id="286" r:id="rId37"/>
-    <p:sldId id="287" r:id="rId38"/>
-    <p:sldId id="288" r:id="rId39"/>
-    <p:sldId id="289" r:id="rId40"/>
-    <p:sldId id="290" r:id="rId41"/>
-    <p:sldId id="291" r:id="rId42"/>
-    <p:sldId id="292" r:id="rId43"/>
-    <p:sldId id="293" r:id="rId44"/>
-    <p:sldId id="294" r:id="rId45"/>
-    <p:sldId id="295" r:id="rId46"/>
-    <p:sldId id="296" r:id="rId47"/>
-    <p:sldId id="297" r:id="rId48"/>
-    <p:sldId id="298" r:id="rId49"/>
-    <p:sldId id="299" r:id="rId50"/>
-    <p:sldId id="300" r:id="rId51"/>
-    <p:sldId id="301" r:id="rId52"/>
-    <p:sldId id="303" r:id="rId53"/>
-    <p:sldId id="302" r:id="rId54"/>
-    <p:sldId id="304" r:id="rId55"/>
-    <p:sldId id="311" r:id="rId56"/>
-    <p:sldId id="312" r:id="rId57"/>
-    <p:sldId id="307" r:id="rId58"/>
-    <p:sldId id="310" r:id="rId59"/>
-    <p:sldId id="313" r:id="rId60"/>
-    <p:sldId id="308" r:id="rId61"/>
-    <p:sldId id="305" r:id="rId62"/>
-    <p:sldId id="306" r:id="rId63"/>
+    <p:sldId id="271" r:id="rId19"/>
+    <p:sldId id="318" r:id="rId20"/>
+    <p:sldId id="272" r:id="rId21"/>
+    <p:sldId id="273" r:id="rId22"/>
+    <p:sldId id="274" r:id="rId23"/>
+    <p:sldId id="275" r:id="rId24"/>
+    <p:sldId id="276" r:id="rId25"/>
+    <p:sldId id="277" r:id="rId26"/>
+    <p:sldId id="278" r:id="rId27"/>
+    <p:sldId id="279" r:id="rId28"/>
+    <p:sldId id="280" r:id="rId29"/>
+    <p:sldId id="281" r:id="rId30"/>
+    <p:sldId id="282" r:id="rId31"/>
+    <p:sldId id="314" r:id="rId32"/>
+    <p:sldId id="283" r:id="rId33"/>
+    <p:sldId id="284" r:id="rId34"/>
+    <p:sldId id="285" r:id="rId35"/>
+    <p:sldId id="286" r:id="rId36"/>
+    <p:sldId id="287" r:id="rId37"/>
+    <p:sldId id="288" r:id="rId38"/>
+    <p:sldId id="289" r:id="rId39"/>
+    <p:sldId id="290" r:id="rId40"/>
+    <p:sldId id="291" r:id="rId41"/>
+    <p:sldId id="292" r:id="rId42"/>
+    <p:sldId id="293" r:id="rId43"/>
+    <p:sldId id="294" r:id="rId44"/>
+    <p:sldId id="295" r:id="rId45"/>
+    <p:sldId id="296" r:id="rId46"/>
+    <p:sldId id="297" r:id="rId47"/>
+    <p:sldId id="298" r:id="rId48"/>
+    <p:sldId id="299" r:id="rId49"/>
+    <p:sldId id="300" r:id="rId50"/>
+    <p:sldId id="301" r:id="rId51"/>
+    <p:sldId id="303" r:id="rId52"/>
+    <p:sldId id="302" r:id="rId53"/>
+    <p:sldId id="304" r:id="rId54"/>
+    <p:sldId id="311" r:id="rId55"/>
+    <p:sldId id="312" r:id="rId56"/>
+    <p:sldId id="307" r:id="rId57"/>
+    <p:sldId id="310" r:id="rId58"/>
+    <p:sldId id="313" r:id="rId59"/>
+    <p:sldId id="308" r:id="rId60"/>
+    <p:sldId id="305" r:id="rId61"/>
+    <p:sldId id="306" r:id="rId62"/>
   </p:sldIdLst>
   <p:sldSz cx="9144000" cy="6858000" type="screen4x3"/>
   <p:notesSz cx="6858000" cy="9144000"/>
@@ -190,7 +189,6 @@
             <p14:sldId id="267"/>
             <p14:sldId id="268"/>
             <p14:sldId id="269"/>
-            <p14:sldId id="270"/>
             <p14:sldId id="271"/>
             <p14:sldId id="318"/>
             <p14:sldId id="272"/>
@@ -240,7 +238,7 @@
       </p14:sectionLst>
     </p:ext>
     <p:ext uri="{EFAFB233-063F-42B5-8137-9DF3F51BA10A}">
-      <p15:sldGuideLst xmlns="" xmlns:p15="http://schemas.microsoft.com/office/powerpoint/2012/main">
+      <p15:sldGuideLst xmlns:p15="http://schemas.microsoft.com/office/powerpoint/2012/main" xmlns="">
         <p15:guide id="1" orient="horz" pos="2160">
           <p15:clr>
             <a:srgbClr val="A4A3A4"/>
@@ -339,7 +337,7 @@
           <a:p>
             <a:fld id="{810C4864-C67C-4CCE-9DEC-A8F3799DCA3C}" type="datetimeFigureOut">
               <a:rPr lang="zh-CN" altLang="en-US" smtClean="0"/>
-              <a:t>2019/10/16</a:t>
+              <a:t>2019/10/17</a:t>
             </a:fld>
             <a:endParaRPr lang="zh-CN" altLang="en-US"/>
           </a:p>
@@ -1991,7 +1989,7 @@
           <a:p>
             <a:fld id="{4F567D0F-CB54-43C7-9F51-E3F10BE186AE}" type="slidenum">
               <a:rPr lang="zh-CN" altLang="en-US" smtClean="0"/>
-              <a:t>19</a:t>
+              <a:t>18</a:t>
             </a:fld>
             <a:endParaRPr lang="zh-CN" altLang="en-US"/>
           </a:p>
@@ -2262,7 +2260,7 @@
           <a:p>
             <a:fld id="{4F567D0F-CB54-43C7-9F51-E3F10BE186AE}" type="slidenum">
               <a:rPr lang="zh-CN" altLang="en-US" smtClean="0"/>
-              <a:t>20</a:t>
+              <a:t>19</a:t>
             </a:fld>
             <a:endParaRPr lang="zh-CN" altLang="en-US"/>
           </a:p>
@@ -2557,7 +2555,7 @@
           <a:p>
             <a:fld id="{4F567D0F-CB54-43C7-9F51-E3F10BE186AE}" type="slidenum">
               <a:rPr lang="zh-CN" altLang="en-US" smtClean="0"/>
-              <a:t>21</a:t>
+              <a:t>20</a:t>
             </a:fld>
             <a:endParaRPr lang="zh-CN" altLang="en-US"/>
           </a:p>
@@ -2944,7 +2942,7 @@
           <a:p>
             <a:fld id="{4F567D0F-CB54-43C7-9F51-E3F10BE186AE}" type="slidenum">
               <a:rPr lang="zh-CN" altLang="en-US" smtClean="0"/>
-              <a:t>22</a:t>
+              <a:t>21</a:t>
             </a:fld>
             <a:endParaRPr lang="zh-CN" altLang="en-US"/>
           </a:p>
@@ -3199,7 +3197,7 @@
           <a:p>
             <a:fld id="{4F567D0F-CB54-43C7-9F51-E3F10BE186AE}" type="slidenum">
               <a:rPr lang="zh-CN" altLang="en-US" smtClean="0"/>
-              <a:t>23</a:t>
+              <a:t>22</a:t>
             </a:fld>
             <a:endParaRPr lang="zh-CN" altLang="en-US"/>
           </a:p>
@@ -3493,7 +3491,7 @@
           <a:p>
             <a:fld id="{4F567D0F-CB54-43C7-9F51-E3F10BE186AE}" type="slidenum">
               <a:rPr lang="zh-CN" altLang="en-US" smtClean="0"/>
-              <a:t>24</a:t>
+              <a:t>23</a:t>
             </a:fld>
             <a:endParaRPr lang="zh-CN" altLang="en-US"/>
           </a:p>
@@ -3621,7 +3619,7 @@
           <a:p>
             <a:fld id="{4F567D0F-CB54-43C7-9F51-E3F10BE186AE}" type="slidenum">
               <a:rPr lang="zh-CN" altLang="en-US" smtClean="0"/>
-              <a:t>26</a:t>
+              <a:t>25</a:t>
             </a:fld>
             <a:endParaRPr lang="zh-CN" altLang="en-US"/>
           </a:p>
@@ -3872,7 +3870,7 @@
           <a:p>
             <a:fld id="{4F567D0F-CB54-43C7-9F51-E3F10BE186AE}" type="slidenum">
               <a:rPr lang="zh-CN" altLang="en-US" smtClean="0"/>
-              <a:t>27</a:t>
+              <a:t>26</a:t>
             </a:fld>
             <a:endParaRPr lang="zh-CN" altLang="en-US"/>
           </a:p>
@@ -4135,7 +4133,7 @@
           <a:p>
             <a:fld id="{4F567D0F-CB54-43C7-9F51-E3F10BE186AE}" type="slidenum">
               <a:rPr lang="zh-CN" altLang="en-US" smtClean="0"/>
-              <a:t>28</a:t>
+              <a:t>27</a:t>
             </a:fld>
             <a:endParaRPr lang="zh-CN" altLang="en-US"/>
           </a:p>
@@ -4321,7 +4319,7 @@
           <a:p>
             <a:fld id="{4F567D0F-CB54-43C7-9F51-E3F10BE186AE}" type="slidenum">
               <a:rPr lang="zh-CN" altLang="en-US" smtClean="0"/>
-              <a:t>29</a:t>
+              <a:t>28</a:t>
             </a:fld>
             <a:endParaRPr lang="zh-CN" altLang="en-US"/>
           </a:p>
@@ -4595,7 +4593,7 @@
           <a:p>
             <a:fld id="{4F567D0F-CB54-43C7-9F51-E3F10BE186AE}" type="slidenum">
               <a:rPr lang="zh-CN" altLang="en-US" smtClean="0"/>
-              <a:t>30</a:t>
+              <a:t>29</a:t>
             </a:fld>
             <a:endParaRPr lang="zh-CN" altLang="en-US"/>
           </a:p>
@@ -4842,7 +4840,7 @@
           <a:p>
             <a:fld id="{4F567D0F-CB54-43C7-9F51-E3F10BE186AE}" type="slidenum">
               <a:rPr lang="zh-CN" altLang="en-US" smtClean="0"/>
-              <a:t>31</a:t>
+              <a:t>30</a:t>
             </a:fld>
             <a:endParaRPr lang="zh-CN" altLang="en-US"/>
           </a:p>
@@ -5056,7 +5054,7 @@
           <a:p>
             <a:fld id="{4F567D0F-CB54-43C7-9F51-E3F10BE186AE}" type="slidenum">
               <a:rPr lang="zh-CN" altLang="en-US" smtClean="0"/>
-              <a:t>32</a:t>
+              <a:t>31</a:t>
             </a:fld>
             <a:endParaRPr lang="zh-CN" altLang="en-US"/>
           </a:p>
@@ -5390,7 +5388,7 @@
           <a:p>
             <a:fld id="{4F567D0F-CB54-43C7-9F51-E3F10BE186AE}" type="slidenum">
               <a:rPr lang="zh-CN" altLang="en-US" smtClean="0"/>
-              <a:t>33</a:t>
+              <a:t>32</a:t>
             </a:fld>
             <a:endParaRPr lang="zh-CN" altLang="en-US"/>
           </a:p>
@@ -5486,7 +5484,7 @@
           <a:p>
             <a:fld id="{4F567D0F-CB54-43C7-9F51-E3F10BE186AE}" type="slidenum">
               <a:rPr lang="zh-CN" altLang="en-US" smtClean="0"/>
-              <a:t>34</a:t>
+              <a:t>33</a:t>
             </a:fld>
             <a:endParaRPr lang="zh-CN" altLang="en-US"/>
           </a:p>
@@ -5559,15 +5557,7 @@
             </a:r>
             <a:r>
               <a:rPr lang="zh-CN" altLang="en-US" dirty="0" smtClean="0"/>
-              <a:t>诸如“在左上⻆有眉⽑，上⾯有虹膜吗？</a:t>
-            </a:r>
-            <a:r>
-              <a:rPr lang="zh-CN" altLang="en-US" dirty="0" smtClean="0"/>
-              <a:t>”⽹络被</a:t>
-            </a:r>
-            <a:r>
-              <a:rPr lang="zh-CN" altLang="en-US" dirty="0" smtClean="0"/>
-              <a:t>分解成：</a:t>
+              <a:t>诸如“在左上⻆有眉⽑，上⾯有虹膜吗？”⽹络被分解成：</a:t>
             </a:r>
             <a:endParaRPr lang="zh-CN" altLang="en-US" dirty="0"/>
           </a:p>
@@ -5590,7 +5580,7 @@
           <a:p>
             <a:fld id="{4F567D0F-CB54-43C7-9F51-E3F10BE186AE}" type="slidenum">
               <a:rPr lang="zh-CN" altLang="en-US" smtClean="0"/>
-              <a:t>35</a:t>
+              <a:t>34</a:t>
             </a:fld>
             <a:endParaRPr lang="zh-CN" altLang="en-US"/>
           </a:p>
@@ -5714,7 +5704,7 @@
           <a:p>
             <a:fld id="{4F567D0F-CB54-43C7-9F51-E3F10BE186AE}" type="slidenum">
               <a:rPr lang="zh-CN" altLang="en-US" smtClean="0"/>
-              <a:t>36</a:t>
+              <a:t>35</a:t>
             </a:fld>
             <a:endParaRPr lang="zh-CN" altLang="en-US"/>
           </a:p>
@@ -5779,31 +5769,7 @@
           <a:p>
             <a:r>
               <a:rPr lang="zh-CN" altLang="en-US" dirty="0" smtClean="0"/>
-              <a:t>我们看到了神经⽹络如何使⽤梯度下降算法来学习他们⾃⾝的权重和偏置。但是</a:t>
-            </a:r>
-            <a:r>
-              <a:rPr lang="zh-CN" altLang="en-US" dirty="0" smtClean="0"/>
-              <a:t>，这</a:t>
-            </a:r>
-            <a:r>
-              <a:rPr lang="zh-CN" altLang="en-US" dirty="0" smtClean="0"/>
-              <a:t>⾥还留下了⼀个问题</a:t>
-            </a:r>
-            <a:r>
-              <a:rPr lang="zh-CN" altLang="en-US" dirty="0" smtClean="0"/>
-              <a:t>：前面并没有</a:t>
-            </a:r>
-            <a:r>
-              <a:rPr lang="zh-CN" altLang="en-US" dirty="0" smtClean="0"/>
-              <a:t>讨论如何计算代价函数的梯度</a:t>
-            </a:r>
-            <a:r>
-              <a:rPr lang="zh-CN" altLang="en-US" dirty="0" smtClean="0"/>
-              <a:t>。这一节，我们来解释</a:t>
-            </a:r>
-            <a:r>
-              <a:rPr lang="zh-CN" altLang="en-US" dirty="0" smtClean="0"/>
-              <a:t>计算这些梯度的快速算法，也就是反向传播（</a:t>
+              <a:t>我们看到了神经⽹络如何使⽤梯度下降算法来学习他们⾃⾝的权重和偏置。但是，这⾥还留下了⼀个问题：前面并没有讨论如何计算代价函数的梯度。这一节，我们来解释计算这些梯度的快速算法，也就是反向传播（</a:t>
             </a:r>
             <a:r>
               <a:rPr lang="en-US" altLang="zh-CN" dirty="0" smtClean="0"/>
@@ -5811,15 +5777,7 @@
             </a:r>
             <a:r>
               <a:rPr lang="zh-CN" altLang="en-US" dirty="0" smtClean="0"/>
-              <a:t>）</a:t>
-            </a:r>
-            <a:r>
-              <a:rPr lang="zh-CN" altLang="en-US" dirty="0" smtClean="0"/>
-              <a:t>。反向传播算法</a:t>
-            </a:r>
-            <a:r>
-              <a:rPr lang="zh-CN" altLang="en-US" dirty="0" smtClean="0"/>
-              <a:t>最初在</a:t>
+              <a:t>）。反向传播算法最初在</a:t>
             </a:r>
             <a:r>
               <a:rPr lang="en-US" altLang="zh-CN" dirty="0" smtClean="0"/>
@@ -5827,11 +5785,7 @@
             </a:r>
             <a:r>
               <a:rPr lang="zh-CN" altLang="en-US" dirty="0" smtClean="0"/>
-              <a:t>年代被提及</a:t>
-            </a:r>
-            <a:r>
-              <a:rPr lang="zh-CN" altLang="en-US" dirty="0" smtClean="0"/>
-              <a:t>，后来有三个人在</a:t>
+              <a:t>年代被提及，后来有三个人在</a:t>
             </a:r>
             <a:r>
               <a:rPr lang="en-US" altLang="zh-CN" dirty="0" smtClean="0"/>
@@ -5839,43 +5793,7 @@
             </a:r>
             <a:r>
               <a:rPr lang="zh-CN" altLang="en-US" dirty="0" smtClean="0"/>
-              <a:t>年发表了一篇著名的的</a:t>
-            </a:r>
-            <a:r>
-              <a:rPr lang="zh-CN" altLang="en-US" dirty="0" smtClean="0"/>
-              <a:t>论</a:t>
-            </a:r>
-            <a:r>
-              <a:rPr lang="zh-CN" altLang="en-US" dirty="0" smtClean="0"/>
-              <a:t>⽂，大家才认识</a:t>
-            </a:r>
-            <a:r>
-              <a:rPr lang="zh-CN" altLang="en-US" dirty="0" smtClean="0"/>
-              <a:t>到这个算法的重要性。这篇论⽂描述了对</a:t>
-            </a:r>
-            <a:r>
-              <a:rPr lang="zh-CN" altLang="en-US" dirty="0" smtClean="0"/>
-              <a:t>⼀些</a:t>
-            </a:r>
-            <a:r>
-              <a:rPr lang="zh-CN" altLang="en-US" dirty="0" smtClean="0"/>
-              <a:t>神经⽹络反向传播要⽐传统的⽅法更快，这使得使⽤神经⽹络来解决之前⽆法完成的问题</a:t>
-            </a:r>
-            <a:r>
-              <a:rPr lang="zh-CN" altLang="en-US" dirty="0" smtClean="0"/>
-              <a:t>变得</a:t>
-            </a:r>
-            <a:r>
-              <a:rPr lang="zh-CN" altLang="en-US" dirty="0" smtClean="0"/>
-              <a:t>可⾏。现在，反向传播算法已经是神经⽹络学习的重要组成部分了</a:t>
-            </a:r>
-            <a:r>
-              <a:rPr lang="zh-CN" altLang="en-US" dirty="0" smtClean="0"/>
-              <a:t>。反向传播</a:t>
-            </a:r>
-            <a:r>
-              <a:rPr lang="zh-CN" altLang="en-US" dirty="0" smtClean="0"/>
-              <a:t>的核⼼是⼀个对代价函数</a:t>
+              <a:t>年发表了一篇著名的的论⽂，大家才认识到这个算法的重要性。这篇论⽂描述了对⼀些神经⽹络反向传播要⽐传统的⽅法更快，这使得使⽤神经⽹络来解决之前⽆法完成的问题变得可⾏。现在，反向传播算法已经是神经⽹络学习的重要组成部分了。反向传播的核⼼是⼀个对代价函数</a:t>
             </a:r>
             <a:r>
               <a:rPr lang="en-US" altLang="zh-CN" dirty="0" smtClean="0"/>
@@ -5899,15 +5817,7 @@
             </a:r>
             <a:r>
               <a:rPr lang="zh-CN" altLang="en-US" dirty="0" smtClean="0"/>
-              <a:t>）的</a:t>
-            </a:r>
-            <a:r>
-              <a:rPr lang="zh-CN" altLang="en-US" dirty="0" smtClean="0"/>
-              <a:t>偏导数</a:t>
-            </a:r>
-            <a:r>
-              <a:rPr lang="zh-CN" altLang="en-US" dirty="0" smtClean="0"/>
-              <a:t>∂</a:t>
+              <a:t>）的偏导数∂</a:t>
             </a:r>
             <a:r>
               <a:rPr lang="en-US" altLang="zh-CN" dirty="0" smtClean="0"/>
@@ -5915,27 +5825,7 @@
             </a:r>
             <a:r>
               <a:rPr lang="zh-CN" altLang="en-US" dirty="0" smtClean="0"/>
-              <a:t>的表达式。这个表达式告诉我们在改变权重和偏置时，代价函数变化的快慢</a:t>
-            </a:r>
-            <a:r>
-              <a:rPr lang="zh-CN" altLang="en-US" dirty="0" smtClean="0"/>
-              <a:t>。反向传播</a:t>
-            </a:r>
-            <a:r>
-              <a:rPr lang="zh-CN" altLang="en-US" dirty="0" smtClean="0"/>
-              <a:t>不仅仅是⼀种学习的快速算法。实际上它让我们细致领悟如何通过改变</a:t>
-            </a:r>
-            <a:r>
-              <a:rPr lang="zh-CN" altLang="en-US" dirty="0" smtClean="0"/>
-              <a:t>权重</a:t>
-            </a:r>
-            <a:r>
-              <a:rPr lang="zh-CN" altLang="en-US" dirty="0" smtClean="0"/>
-              <a:t>和偏置来改变整个⽹络的⾏为。因此，这也是学习反向传播细节的重要价值所在</a:t>
-            </a:r>
-            <a:r>
-              <a:rPr lang="zh-CN" altLang="en-US" dirty="0" smtClean="0"/>
-              <a:t>。</a:t>
+              <a:t>的表达式。这个表达式告诉我们在改变权重和偏置时，代价函数变化的快慢。反向传播不仅仅是⼀种学习的快速算法。实际上它让我们细致领悟如何通过改变权重和偏置来改变整个⽹络的⾏为。因此，这也是学习反向传播细节的重要价值所在。</a:t>
             </a:r>
             <a:endParaRPr lang="zh-CN" altLang="en-US" dirty="0"/>
           </a:p>
@@ -5958,7 +5848,7 @@
           <a:p>
             <a:fld id="{4F567D0F-CB54-43C7-9F51-E3F10BE186AE}" type="slidenum">
               <a:rPr lang="zh-CN" altLang="en-US" smtClean="0"/>
-              <a:t>37</a:t>
+              <a:t>36</a:t>
             </a:fld>
             <a:endParaRPr lang="zh-CN" altLang="en-US"/>
           </a:p>
@@ -6023,55 +5913,7 @@
           <a:p>
             <a:r>
               <a:rPr lang="zh-CN" altLang="en-US" dirty="0" smtClean="0"/>
-              <a:t>在讨论反向传播前，我们先熟悉⼀下基于矩阵的算法来计算⽹络的输出</a:t>
-            </a:r>
-            <a:r>
-              <a:rPr lang="zh-CN" altLang="en-US" dirty="0" smtClean="0"/>
-              <a:t>。我们</a:t>
-            </a:r>
-            <a:r>
-              <a:rPr lang="zh-CN" altLang="en-US" dirty="0" smtClean="0"/>
-              <a:t>在</a:t>
-            </a:r>
-            <a:r>
-              <a:rPr lang="zh-CN" altLang="en-US" dirty="0" smtClean="0"/>
-              <a:t>上⼀节的</a:t>
-            </a:r>
-            <a:r>
-              <a:rPr lang="zh-CN" altLang="en-US" dirty="0" smtClean="0"/>
-              <a:t>最后已经能够看到这个算法了，</a:t>
-            </a:r>
-            <a:r>
-              <a:rPr lang="zh-CN" altLang="en-US" dirty="0" smtClean="0"/>
-              <a:t>但是在</a:t>
-            </a:r>
-            <a:r>
-              <a:rPr lang="zh-CN" altLang="en-US" dirty="0" smtClean="0"/>
-              <a:t>那⾥很快地略过了，所以现在让我们仔细</a:t>
-            </a:r>
-            <a:r>
-              <a:rPr lang="zh-CN" altLang="en-US" dirty="0" smtClean="0"/>
-              <a:t>讨论⼀</a:t>
-            </a:r>
-            <a:r>
-              <a:rPr lang="zh-CN" altLang="en-US" dirty="0" smtClean="0"/>
-              <a:t>下</a:t>
-            </a:r>
-            <a:r>
-              <a:rPr lang="zh-CN" altLang="en-US" dirty="0" smtClean="0"/>
-              <a:t>。这样</a:t>
-            </a:r>
-            <a:r>
-              <a:rPr lang="zh-CN" altLang="en-US" dirty="0" smtClean="0"/>
-              <a:t>能够⽤相似的场景帮助我们熟悉在反向传播中使⽤的矩阵表⽰</a:t>
-            </a:r>
-            <a:r>
-              <a:rPr lang="zh-CN" altLang="en-US" dirty="0" smtClean="0"/>
-              <a:t>。我们</a:t>
-            </a:r>
-            <a:r>
-              <a:rPr lang="zh-CN" altLang="en-US" dirty="0" smtClean="0"/>
-              <a:t>⾸先给出⽹络中权重的清晰定义。我们使⽤</a:t>
+              <a:t>在讨论反向传播前，我们先熟悉⼀下基于矩阵的算法来计算⽹络的输出。我们在上⼀节的最后已经能够看到这个算法了，但是在那⾥很快地略过了，所以现在让我们仔细讨论⼀下。这样能够⽤相似的场景帮助我们熟悉在反向传播中使⽤的矩阵表⽰。我们⾸先给出⽹络中权重的清晰定义。我们使⽤</a:t>
             </a:r>
             <a:r>
               <a:rPr lang="en-US" altLang="zh-CN" dirty="0" err="1" smtClean="0"/>
@@ -6107,11 +5949,7 @@
             </a:r>
             <a:r>
               <a:rPr lang="zh-CN" altLang="en-US" dirty="0" smtClean="0"/>
-              <a:t>层</a:t>
-            </a:r>
-            <a:r>
-              <a:rPr lang="zh-CN" altLang="en-US" dirty="0" smtClean="0"/>
-              <a:t>的</a:t>
+              <a:t>层的</a:t>
             </a:r>
             <a:r>
               <a:rPr lang="en-US" altLang="zh-CN" dirty="0" err="1" smtClean="0"/>
@@ -6119,46 +5957,14 @@
             </a:r>
             <a:r>
               <a:rPr lang="zh-CN" altLang="en-US" dirty="0" smtClean="0"/>
-              <a:t>个神经元的链接上的权重。例如</a:t>
-            </a:r>
-            <a:r>
-              <a:rPr lang="zh-CN" altLang="en-US" dirty="0" smtClean="0"/>
-              <a:t>，图中给</a:t>
-            </a:r>
-            <a:r>
-              <a:rPr lang="zh-CN" altLang="en-US" dirty="0" smtClean="0"/>
-              <a:t>出了⽹络中第⼆层的第四个神经元到第三层</a:t>
-            </a:r>
-            <a:r>
-              <a:rPr lang="zh-CN" altLang="en-US" dirty="0" smtClean="0"/>
-              <a:t>的第</a:t>
-            </a:r>
-            <a:r>
-              <a:rPr lang="zh-CN" altLang="en-US" dirty="0" smtClean="0"/>
-              <a:t>⼆个神经元的链接上的权重：</a:t>
+              <a:t>个神经元的链接上的权重。例如，图中给出了⽹络中第⼆层的第四个神经元到第三层的第⼆个神经元的链接上的权重：</a:t>
             </a:r>
             <a:endParaRPr lang="en-US" altLang="zh-CN" dirty="0" smtClean="0"/>
           </a:p>
           <a:p>
             <a:r>
               <a:rPr lang="zh-CN" altLang="en-US" dirty="0" smtClean="0"/>
-              <a:t>这样的表⽰粗看⽐较奇怪，需要花⼀点时间消化。但是，后</a:t>
-            </a:r>
-            <a:r>
-              <a:rPr lang="zh-CN" altLang="en-US" dirty="0" smtClean="0"/>
-              <a:t>⾯就会</a:t>
-            </a:r>
-            <a:r>
-              <a:rPr lang="zh-CN" altLang="en-US" dirty="0" smtClean="0"/>
-              <a:t>发现这样的表⽰会⽐较</a:t>
-            </a:r>
-            <a:r>
-              <a:rPr lang="zh-CN" altLang="en-US" dirty="0" smtClean="0"/>
-              <a:t>⽅便</a:t>
-            </a:r>
-            <a:r>
-              <a:rPr lang="zh-CN" altLang="en-US" dirty="0" smtClean="0"/>
-              <a:t>也很⾃然。奇怪的⼀点其实是下标</a:t>
+              <a:t>这样的表⽰粗看⽐较奇怪，需要花⼀点时间消化。但是，后⾯就会发现这样的表⽰会⽐较⽅便也很⾃然。奇怪的⼀点其实是下标</a:t>
             </a:r>
             <a:r>
               <a:rPr lang="en-US" altLang="zh-CN" dirty="0" smtClean="0"/>
@@ -6174,29 +5980,8 @@
             </a:r>
             <a:r>
               <a:rPr lang="zh-CN" altLang="en-US" dirty="0" smtClean="0"/>
-              <a:t>的顺序</a:t>
-            </a:r>
-            <a:r>
-              <a:rPr lang="zh-CN" altLang="en-US" dirty="0" smtClean="0"/>
-              <a:t>。大家可能</a:t>
-            </a:r>
-            <a:r>
-              <a:rPr lang="zh-CN" altLang="en-US" dirty="0" smtClean="0"/>
-              <a:t>觉得反过来更加合理。</a:t>
-            </a:r>
-            <a:r>
-              <a:rPr lang="zh-CN" altLang="en-US" dirty="0" smtClean="0"/>
-              <a:t>但接下来我们会解释一下为什么</a:t>
-            </a:r>
-            <a:r>
-              <a:rPr lang="zh-CN" altLang="en-US" dirty="0" smtClean="0"/>
-              <a:t>要这样做</a:t>
-            </a:r>
-            <a:r>
-              <a:rPr lang="zh-CN" altLang="en-US" dirty="0" smtClean="0"/>
-              <a:t>。</a:t>
-            </a:r>
-            <a:endParaRPr lang="zh-CN" altLang="en-US" dirty="0" smtClean="0"/>
+              <a:t>的顺序。大家可能觉得反过来更加合理。但接下来我们会解释一下为什么要这样做。</a:t>
+            </a:r>
           </a:p>
           <a:p>
             <a:endParaRPr lang="zh-CN" altLang="en-US" dirty="0"/>
@@ -6220,7 +6005,7 @@
           <a:p>
             <a:fld id="{4F567D0F-CB54-43C7-9F51-E3F10BE186AE}" type="slidenum">
               <a:rPr lang="zh-CN" altLang="en-US" smtClean="0"/>
-              <a:t>38</a:t>
+              <a:t>37</a:t>
             </a:fld>
             <a:endParaRPr lang="zh-CN" altLang="en-US"/>
           </a:p>
@@ -6285,15 +6070,7 @@
           <a:p>
             <a:r>
               <a:rPr lang="zh-CN" altLang="en-US" dirty="0" smtClean="0"/>
-              <a:t>我们对⽹络的偏置和激活值也会使⽤类似的表⽰</a:t>
-            </a:r>
-            <a:r>
-              <a:rPr lang="zh-CN" altLang="en-US" dirty="0" smtClean="0"/>
-              <a:t>。我们</a:t>
-            </a:r>
-            <a:r>
-              <a:rPr lang="zh-CN" altLang="en-US" dirty="0" smtClean="0"/>
-              <a:t>使⽤</a:t>
+              <a:t>我们对⽹络的偏置和激活值也会使⽤类似的表⽰。我们使⽤</a:t>
             </a:r>
             <a:r>
               <a:rPr lang="en-US" altLang="zh-CN" dirty="0" err="1" smtClean="0"/>
@@ -6317,11 +6094,7 @@
             </a:r>
             <a:r>
               <a:rPr lang="zh-CN" altLang="en-US" dirty="0" smtClean="0"/>
-              <a:t>个</a:t>
-            </a:r>
-            <a:r>
-              <a:rPr lang="zh-CN" altLang="en-US" dirty="0" smtClean="0"/>
-              <a:t>神经元的偏置，使⽤</a:t>
+              <a:t>个神经元的偏置，使⽤</a:t>
             </a:r>
             <a:r>
               <a:rPr lang="en-US" altLang="zh-CN" dirty="0" err="1" smtClean="0"/>
@@ -6345,11 +6118,7 @@
             </a:r>
             <a:r>
               <a:rPr lang="zh-CN" altLang="en-US" dirty="0" smtClean="0"/>
-              <a:t>个神经元的激活值</a:t>
-            </a:r>
-            <a:r>
-              <a:rPr lang="zh-CN" altLang="en-US" dirty="0" smtClean="0"/>
-              <a:t>。如图所示</a:t>
+              <a:t>个神经元的激活值。如图所示</a:t>
             </a:r>
             <a:endParaRPr lang="en-US" altLang="zh-CN" dirty="0" smtClean="0"/>
           </a:p>
@@ -6442,7 +6211,7 @@
           <a:p>
             <a:fld id="{4F567D0F-CB54-43C7-9F51-E3F10BE186AE}" type="slidenum">
               <a:rPr lang="zh-CN" altLang="en-US" smtClean="0"/>
-              <a:t>39</a:t>
+              <a:t>38</a:t>
             </a:fld>
             <a:endParaRPr lang="zh-CN" altLang="en-US"/>
           </a:p>
@@ -6507,11 +6276,7 @@
           <a:p>
             <a:r>
               <a:rPr lang="zh-CN" altLang="en-US" dirty="0" smtClean="0"/>
-              <a:t>为了</a:t>
-            </a:r>
-            <a:r>
-              <a:rPr lang="zh-CN" altLang="en-US" dirty="0" smtClean="0"/>
-              <a:t>⽤矩阵的形式重写这个表达式， 我们对每⼀层</a:t>
+              <a:t>为了⽤矩阵的形式重写这个表达式， 我们对每⼀层</a:t>
             </a:r>
             <a:r>
               <a:rPr lang="en-US" altLang="zh-CN" dirty="0" smtClean="0"/>
@@ -6543,15 +6308,7 @@
             </a:r>
             <a:r>
               <a:rPr lang="zh-CN" altLang="en-US" dirty="0" smtClean="0"/>
-              <a:t>层神经元的权重</a:t>
-            </a:r>
-            <a:r>
-              <a:rPr lang="zh-CN" altLang="en-US" dirty="0" smtClean="0"/>
-              <a:t>，更</a:t>
-            </a:r>
-            <a:r>
-              <a:rPr lang="zh-CN" altLang="en-US" dirty="0" smtClean="0"/>
-              <a:t>确切地说，在第</a:t>
+              <a:t>层神经元的权重，更确切地说，在第</a:t>
             </a:r>
             <a:r>
               <a:rPr lang="en-US" altLang="zh-CN" dirty="0" err="1" smtClean="0"/>
@@ -6587,11 +6344,7 @@
             </a:r>
             <a:r>
               <a:rPr lang="zh-CN" altLang="en-US" dirty="0" smtClean="0"/>
-              <a:t>下标的顺序问题）。</a:t>
-            </a:r>
-            <a:r>
-              <a:rPr lang="zh-CN" altLang="en-US" dirty="0" smtClean="0"/>
-              <a:t>类似的，对每⼀层</a:t>
+              <a:t>下标的顺序问题）。类似的，对每⼀层</a:t>
             </a:r>
             <a:r>
               <a:rPr lang="en-US" altLang="zh-CN" dirty="0" smtClean="0"/>
@@ -6607,11 +6360,7 @@
             </a:r>
             <a:r>
               <a:rPr lang="zh-CN" altLang="en-US" dirty="0" smtClean="0"/>
-              <a:t>。偏置</a:t>
-            </a:r>
-            <a:r>
-              <a:rPr lang="zh-CN" altLang="en-US" dirty="0" smtClean="0"/>
-              <a:t>向量的每个元素其实就是前⾯给出的</a:t>
+              <a:t>。偏置向量的每个元素其实就是前⾯给出的</a:t>
             </a:r>
             <a:r>
               <a:rPr lang="en-US" altLang="zh-CN" dirty="0" err="1" smtClean="0"/>
@@ -6619,11 +6368,7 @@
             </a:r>
             <a:r>
               <a:rPr lang="zh-CN" altLang="en-US" dirty="0" smtClean="0"/>
-              <a:t>，每个元素对应</a:t>
-            </a:r>
-            <a:r>
-              <a:rPr lang="zh-CN" altLang="en-US" dirty="0" smtClean="0"/>
-              <a:t>于</a:t>
+              <a:t>，每个元素对应于</a:t>
             </a:r>
             <a:r>
               <a:rPr lang="en-US" altLang="zh-CN" dirty="0" smtClean="0"/>
@@ -6655,31 +6400,7 @@
             </a:r>
             <a:r>
               <a:rPr lang="zh-CN" altLang="en-US" dirty="0" smtClean="0"/>
-              <a:t>）来按照矩阵形式</a:t>
-            </a:r>
-            <a:r>
-              <a:rPr lang="zh-CN" altLang="en-US" dirty="0" smtClean="0"/>
-              <a:t>重写下面第一个公式。</a:t>
-            </a:r>
-            <a:r>
-              <a:rPr lang="zh-CN" altLang="en-US" dirty="0" smtClean="0"/>
-              <a:t>在上</a:t>
-            </a:r>
-            <a:r>
-              <a:rPr lang="zh-CN" altLang="en-US" dirty="0" smtClean="0"/>
-              <a:t>⼀节，</a:t>
-            </a:r>
-            <a:r>
-              <a:rPr lang="zh-CN" altLang="en-US" dirty="0" smtClean="0"/>
-              <a:t>我们</a:t>
-            </a:r>
-            <a:r>
-              <a:rPr lang="zh-CN" altLang="en-US" dirty="0" smtClean="0"/>
-              <a:t>其实已经</a:t>
-            </a:r>
-            <a:r>
-              <a:rPr lang="zh-CN" altLang="en-US" dirty="0" smtClean="0"/>
-              <a:t>碰到向量化了，其含义就是作⽤函数（如</a:t>
+              <a:t>）来按照矩阵形式重写下面第一个公式。在上⼀节，我们其实已经碰到向量化了，其含义就是作⽤函数（如</a:t>
             </a:r>
             <a:r>
               <a:rPr lang="en-US" altLang="zh-CN" dirty="0" smtClean="0"/>
@@ -6703,15 +6424,7 @@
             </a:r>
             <a:r>
               <a:rPr lang="zh-CN" altLang="en-US" dirty="0" smtClean="0"/>
-              <a:t>表</a:t>
-            </a:r>
-            <a:r>
-              <a:rPr lang="zh-CN" altLang="en-US" dirty="0" smtClean="0"/>
-              <a:t>⽰这种</a:t>
-            </a:r>
-            <a:r>
-              <a:rPr lang="zh-CN" altLang="en-US" dirty="0" smtClean="0"/>
-              <a:t>按元素进⾏的函数作⽤。所以，</a:t>
+              <a:t>表⽰这种按元素进⾏的函数作⽤。所以，</a:t>
             </a:r>
             <a:r>
               <a:rPr lang="en-US" altLang="zh-CN" dirty="0" smtClean="0"/>
@@ -6735,23 +6448,11 @@
             </a:r>
             <a:r>
               <a:rPr lang="zh-CN" altLang="en-US" dirty="0" smtClean="0"/>
-              <a:t>。给个例⼦，</a:t>
-            </a:r>
-            <a:r>
-              <a:rPr lang="zh-CN" altLang="en-US" dirty="0" smtClean="0"/>
-              <a:t>如果我们</a:t>
-            </a:r>
-            <a:r>
-              <a:rPr lang="zh-CN" altLang="en-US" dirty="0" smtClean="0"/>
-              <a:t>的作⽤函数是</a:t>
-            </a:r>
-            <a:r>
-              <a:rPr lang="en-US" altLang="zh-CN" dirty="0" smtClean="0"/>
-              <a:t>f(x</a:t>
-            </a:r>
-            <a:r>
-              <a:rPr lang="en-US" altLang="zh-CN" dirty="0" smtClean="0"/>
-              <a:t>)=x2</a:t>
+              <a:t>。给个例⼦，如果我们的作⽤函数是</a:t>
+            </a:r>
+            <a:r>
+              <a:rPr lang="en-US" altLang="zh-CN" dirty="0" smtClean="0"/>
+              <a:t>f(x)=x2</a:t>
             </a:r>
             <a:r>
               <a:rPr lang="zh-CN" altLang="en-US" dirty="0" smtClean="0"/>
@@ -6763,23 +6464,7 @@
             </a:r>
             <a:r>
               <a:rPr lang="zh-CN" altLang="en-US" dirty="0" smtClean="0"/>
-              <a:t>的函数作⽤就起</a:t>
-            </a:r>
-            <a:r>
-              <a:rPr lang="zh-CN" altLang="en-US" dirty="0" smtClean="0"/>
-              <a:t>到上⾯</a:t>
-            </a:r>
-            <a:r>
-              <a:rPr lang="zh-CN" altLang="en-US" dirty="0" smtClean="0"/>
-              <a:t>的效果</a:t>
-            </a:r>
-            <a:r>
-              <a:rPr lang="zh-CN" altLang="en-US" dirty="0" smtClean="0"/>
-              <a:t>：也就是说</a:t>
-            </a:r>
-            <a:r>
-              <a:rPr lang="zh-CN" altLang="en-US" dirty="0" smtClean="0"/>
-              <a:t>，向量化的</a:t>
+              <a:t>的函数作⽤就起到上⾯的效果：也就是说，向量化的</a:t>
             </a:r>
             <a:r>
               <a:rPr lang="en-US" altLang="zh-CN" dirty="0" smtClean="0"/>
@@ -6787,47 +6472,7 @@
             </a:r>
             <a:r>
               <a:rPr lang="zh-CN" altLang="en-US" dirty="0" smtClean="0"/>
-              <a:t>仅仅是对向量的每个元素进⾏了平⽅运算</a:t>
-            </a:r>
-            <a:r>
-              <a:rPr lang="zh-CN" altLang="en-US" dirty="0" smtClean="0"/>
-              <a:t>。了解</a:t>
-            </a:r>
-            <a:r>
-              <a:rPr lang="zh-CN" altLang="en-US" dirty="0" smtClean="0"/>
-              <a:t>了这些表⽰</a:t>
-            </a:r>
-            <a:r>
-              <a:rPr lang="zh-CN" altLang="en-US" dirty="0" smtClean="0"/>
-              <a:t>，下面第一个方程就</a:t>
-            </a:r>
-            <a:r>
-              <a:rPr lang="zh-CN" altLang="en-US" dirty="0" smtClean="0"/>
-              <a:t>可以写</a:t>
-            </a:r>
-            <a:r>
-              <a:rPr lang="zh-CN" altLang="en-US" dirty="0" smtClean="0"/>
-              <a:t>成第二个这种简洁的矩阵向量</a:t>
-            </a:r>
-            <a:r>
-              <a:rPr lang="zh-CN" altLang="en-US" dirty="0" smtClean="0"/>
-              <a:t>形式了</a:t>
-            </a:r>
-            <a:r>
-              <a:rPr lang="zh-CN" altLang="en-US" dirty="0" smtClean="0"/>
-              <a:t>：这个</a:t>
-            </a:r>
-            <a:r>
-              <a:rPr lang="zh-CN" altLang="en-US" dirty="0" smtClean="0"/>
-              <a:t>表达式给出了⼀种更加全局的思考每层的激活值和前⼀层激活值的关联⽅式：我们</a:t>
-            </a:r>
-            <a:r>
-              <a:rPr lang="zh-CN" altLang="en-US" dirty="0" smtClean="0"/>
-              <a:t>仅仅⽤</a:t>
-            </a:r>
-            <a:r>
-              <a:rPr lang="zh-CN" altLang="en-US" dirty="0" smtClean="0"/>
-              <a:t>权重矩阵作⽤在激活值上，然后加上⼀个偏置向量，最后作⽤</a:t>
+              <a:t>仅仅是对向量的每个元素进⾏了平⽅运算。了解了这些表⽰，下面第一个方程就可以写成第二个这种简洁的矩阵向量形式了：这个表达式给出了⼀种更加全局的思考每层的激活值和前⼀层激活值的关联⽅式：我们仅仅⽤权重矩阵作⽤在激活值上，然后加上⼀个偏置向量，最后作⽤</a:t>
             </a:r>
             <a:r>
               <a:rPr lang="en-US" altLang="zh-CN" dirty="0" smtClean="0"/>
@@ -6835,55 +6480,7 @@
             </a:r>
             <a:r>
               <a:rPr lang="zh-CN" altLang="en-US" dirty="0" smtClean="0"/>
-              <a:t>函数。</a:t>
-            </a:r>
-            <a:r>
-              <a:rPr lang="zh-CN" altLang="en-US" dirty="0" smtClean="0"/>
-              <a:t>这种全局的观点相</a:t>
-            </a:r>
-            <a:r>
-              <a:rPr lang="zh-CN" altLang="en-US" dirty="0" smtClean="0"/>
-              <a:t>⽐神经元</a:t>
-            </a:r>
-            <a:r>
-              <a:rPr lang="zh-CN" altLang="en-US" dirty="0" smtClean="0"/>
-              <a:t>层⾯的观点常常更加简明（没有更多的索引下标</a:t>
-            </a:r>
-            <a:r>
-              <a:rPr lang="zh-CN" altLang="en-US" dirty="0" smtClean="0"/>
-              <a:t>了）</a:t>
-            </a:r>
-            <a:r>
-              <a:rPr lang="zh-CN" altLang="en-US" dirty="0" smtClean="0"/>
-              <a:t>。把它看做是在保留清晰认识的</a:t>
-            </a:r>
-            <a:r>
-              <a:rPr lang="zh-CN" altLang="en-US" dirty="0" smtClean="0"/>
-              <a:t>前提</a:t>
-            </a:r>
-            <a:r>
-              <a:rPr lang="zh-CN" altLang="en-US" dirty="0" smtClean="0"/>
-              <a:t>下逃离下标困境的⽅法。在实践中，表达式同样很有⽤，因为⼤多数矩阵库提供了实现</a:t>
-            </a:r>
-            <a:r>
-              <a:rPr lang="zh-CN" altLang="en-US" dirty="0" smtClean="0"/>
-              <a:t>矩阵乘法</a:t>
-            </a:r>
-            <a:r>
-              <a:rPr lang="zh-CN" altLang="en-US" dirty="0" smtClean="0"/>
-              <a:t>、向量加法和向量化的快速⽅法</a:t>
-            </a:r>
-            <a:r>
-              <a:rPr lang="zh-CN" altLang="en-US" dirty="0" smtClean="0"/>
-              <a:t>。在</a:t>
-            </a:r>
-            <a:r>
-              <a:rPr lang="zh-CN" altLang="en-US" dirty="0" smtClean="0"/>
-              <a:t>使</a:t>
-            </a:r>
-            <a:r>
-              <a:rPr lang="zh-CN" altLang="en-US" dirty="0" smtClean="0"/>
-              <a:t>⽤第二个⽅程计算</a:t>
+              <a:t>函数。这种全局的观点相⽐神经元层⾯的观点常常更加简明（没有更多的索引下标了）。把它看做是在保留清晰认识的前提下逃离下标困境的⽅法。在实践中，表达式同样很有⽤，因为⼤多数矩阵库提供了实现矩阵乘法、向量加法和向量化的快速⽅法。在使⽤第二个⽅程计算</a:t>
             </a:r>
             <a:r>
               <a:rPr lang="en-US" altLang="zh-CN" dirty="0" smtClean="0"/>
@@ -6891,35 +6488,15 @@
             </a:r>
             <a:r>
               <a:rPr lang="zh-CN" altLang="en-US" dirty="0" smtClean="0"/>
-              <a:t>的</a:t>
-            </a:r>
-            <a:r>
-              <a:rPr lang="zh-CN" altLang="en-US" dirty="0" smtClean="0"/>
-              <a:t>过程中，我们计算了中间量</a:t>
-            </a:r>
-            <a:r>
-              <a:rPr lang="en-US" altLang="zh-CN" dirty="0" smtClean="0"/>
-              <a:t>zl≡wlal</a:t>
-            </a:r>
-            <a:r>
-              <a:rPr lang="en-US" altLang="zh-CN" dirty="0" smtClean="0"/>
-              <a:t>−</a:t>
-            </a:r>
-            <a:r>
-              <a:rPr lang="en-US" altLang="zh-CN" dirty="0" smtClean="0"/>
-              <a:t>1+bl</a:t>
-            </a:r>
-            <a:r>
-              <a:rPr lang="zh-CN" altLang="en-US" dirty="0" smtClean="0"/>
-              <a:t>。这个</a:t>
-            </a:r>
-            <a:r>
-              <a:rPr lang="zh-CN" altLang="en-US" dirty="0" smtClean="0"/>
-              <a:t>量我们</a:t>
-            </a:r>
-            <a:r>
-              <a:rPr lang="zh-CN" altLang="en-US" dirty="0" smtClean="0"/>
-              <a:t>称</a:t>
+              <a:t>的过程中，我们计算了中间量</a:t>
+            </a:r>
+            <a:r>
+              <a:rPr lang="en-US" altLang="zh-CN" dirty="0" smtClean="0"/>
+              <a:t>zl≡wlal−1+bl</a:t>
+            </a:r>
+            <a:r>
+              <a:rPr lang="zh-CN" altLang="en-US" dirty="0" smtClean="0"/>
+              <a:t>。这个量我们称</a:t>
             </a:r>
             <a:r>
               <a:rPr lang="en-US" altLang="zh-CN" dirty="0" err="1" smtClean="0"/>
@@ -6935,19 +6512,7 @@
             </a:r>
             <a:r>
               <a:rPr lang="zh-CN" altLang="en-US" dirty="0" smtClean="0"/>
-              <a:t>层神经元的带权输⼊</a:t>
-            </a:r>
-            <a:r>
-              <a:rPr lang="zh-CN" altLang="en-US" dirty="0" smtClean="0"/>
-              <a:t>。后⾯的公式我们会</a:t>
-            </a:r>
-            <a:r>
-              <a:rPr lang="zh-CN" altLang="en-US" dirty="0" smtClean="0"/>
-              <a:t>充分利⽤带权输</a:t>
-            </a:r>
-            <a:r>
-              <a:rPr lang="zh-CN" altLang="en-US" dirty="0" smtClean="0"/>
-              <a:t>⼊</a:t>
+              <a:t>层神经元的带权输⼊。后⾯的公式我们会充分利⽤带权输⼊</a:t>
             </a:r>
             <a:r>
               <a:rPr lang="en-US" altLang="zh-CN" dirty="0" err="1" smtClean="0"/>
@@ -6955,11 +6520,7 @@
             </a:r>
             <a:r>
               <a:rPr lang="zh-CN" altLang="en-US" dirty="0" smtClean="0"/>
-              <a:t>。然后第二个⽅程就可以以</a:t>
-            </a:r>
-            <a:r>
-              <a:rPr lang="zh-CN" altLang="en-US" dirty="0" smtClean="0"/>
-              <a:t>带权输⼊的形式写作</a:t>
+              <a:t>。然后第二个⽅程就可以以带权输⼊的形式写作</a:t>
             </a:r>
             <a:r>
               <a:rPr lang="en-US" altLang="zh-CN" dirty="0" smtClean="0"/>
@@ -6983,11 +6544,7 @@
             </a:r>
             <a:r>
               <a:rPr lang="zh-CN" altLang="en-US" dirty="0" smtClean="0"/>
-              <a:t>的每个元素</a:t>
-            </a:r>
-            <a:r>
-              <a:rPr lang="zh-CN" altLang="en-US" dirty="0" smtClean="0"/>
-              <a:t>是</a:t>
+              <a:t>的每个元素是</a:t>
             </a:r>
             <a:r>
               <a:rPr lang="en-US" altLang="zh-CN" dirty="0" err="1" smtClean="0"/>
@@ -6995,11 +6552,7 @@
             </a:r>
             <a:r>
               <a:rPr lang="en-US" altLang="zh-CN" dirty="0" smtClean="0"/>
-              <a:t> </a:t>
-            </a:r>
-            <a:r>
-              <a:rPr lang="en-US" altLang="zh-CN" dirty="0" smtClean="0"/>
-              <a:t>=∑k </a:t>
+              <a:t> =∑k </a:t>
             </a:r>
             <a:r>
               <a:rPr lang="en-US" altLang="zh-CN" dirty="0" err="1" smtClean="0"/>
@@ -7015,15 +6568,7 @@
             </a:r>
             <a:r>
               <a:rPr lang="en-US" altLang="zh-CN" dirty="0" smtClean="0"/>
-              <a:t>a(l</a:t>
-            </a:r>
-            <a:r>
-              <a:rPr lang="en-US" altLang="zh-CN" dirty="0" smtClean="0"/>
-              <a:t>−</a:t>
-            </a:r>
-            <a:r>
-              <a:rPr lang="en-US" altLang="zh-CN" dirty="0" smtClean="0"/>
-              <a:t>1)k + </a:t>
+              <a:t>a(l−1)k + </a:t>
             </a:r>
             <a:r>
               <a:rPr lang="en-US" altLang="zh-CN" dirty="0" err="1" smtClean="0"/>
@@ -7031,11 +6576,7 @@
             </a:r>
             <a:r>
               <a:rPr lang="zh-CN" altLang="en-US" dirty="0" smtClean="0"/>
-              <a:t>（权重矩阵的每一行向量与上一层神经元激活值列向量的点积），</a:t>
-            </a:r>
-            <a:r>
-              <a:rPr lang="zh-CN" altLang="en-US" dirty="0" smtClean="0"/>
-              <a:t>其实</a:t>
+              <a:t>（权重矩阵的每一行向量与上一层神经元激活值列向量的点积），其实</a:t>
             </a:r>
             <a:r>
               <a:rPr lang="en-US" altLang="zh-CN" dirty="0" err="1" smtClean="0"/>
@@ -7082,7 +6623,7 @@
           <a:p>
             <a:fld id="{4F567D0F-CB54-43C7-9F51-E3F10BE186AE}" type="slidenum">
               <a:rPr lang="zh-CN" altLang="en-US" smtClean="0"/>
-              <a:t>40</a:t>
+              <a:t>39</a:t>
             </a:fld>
             <a:endParaRPr lang="zh-CN" altLang="en-US"/>
           </a:p>
@@ -7187,27 +6728,7 @@
             </a:r>
             <a:r>
               <a:rPr lang="zh-CN" altLang="en-US" dirty="0" smtClean="0"/>
-              <a:t>。为了让反向传播可⾏，我们需要做出关于代价函数的两个主要假设。在给出这两个假设之前，我们先看看具体的⼀个代价函数</a:t>
-            </a:r>
-            <a:r>
-              <a:rPr lang="zh-CN" altLang="en-US" dirty="0" smtClean="0"/>
-              <a:t>。也就是上</a:t>
-            </a:r>
-            <a:r>
-              <a:rPr lang="zh-CN" altLang="en-US" dirty="0" smtClean="0"/>
-              <a:t>⼀节使⽤的⼆次</a:t>
-            </a:r>
-            <a:r>
-              <a:rPr lang="zh-CN" altLang="en-US" dirty="0" smtClean="0"/>
-              <a:t>代价函数。</a:t>
-            </a:r>
-            <a:r>
-              <a:rPr lang="zh-CN" altLang="en-US" dirty="0" smtClean="0"/>
-              <a:t>按照上⼀节给出的表⽰，⼆次代价函数有下列形式</a:t>
-            </a:r>
-            <a:r>
-              <a:rPr lang="zh-CN" altLang="en-US" dirty="0" smtClean="0"/>
-              <a:t>：其中</a:t>
+              <a:t>。为了让反向传播可⾏，我们需要做出关于代价函数的两个主要假设。在给出这两个假设之前，我们先看看具体的⼀个代价函数。也就是上⼀节使⽤的⼆次代价函数。按照上⼀节给出的表⽰，⼆次代价函数有下列形式：其中</a:t>
             </a:r>
             <a:r>
               <a:rPr lang="en-US" altLang="zh-CN" dirty="0" smtClean="0"/>
@@ -7231,15 +6752,7 @@
             </a:r>
             <a:r>
               <a:rPr lang="zh-CN" altLang="en-US" dirty="0" smtClean="0"/>
-              <a:t>是样本对应</a:t>
-            </a:r>
-            <a:r>
-              <a:rPr lang="zh-CN" altLang="en-US" dirty="0" smtClean="0"/>
-              <a:t>的⽬标</a:t>
-            </a:r>
-            <a:r>
-              <a:rPr lang="zh-CN" altLang="en-US" dirty="0" smtClean="0"/>
-              <a:t>输出（标签）；</a:t>
+              <a:t>是样本对应的⽬标输出（标签）；</a:t>
             </a:r>
             <a:r>
               <a:rPr lang="en-US" altLang="zh-CN" dirty="0" smtClean="0"/>
@@ -7275,15 +6788,7 @@
             </a:r>
             <a:r>
               <a:rPr lang="zh-CN" altLang="en-US" dirty="0" smtClean="0"/>
-              <a:t>时的⽹络输出的激活值向量</a:t>
-            </a:r>
-            <a:r>
-              <a:rPr lang="zh-CN" altLang="en-US" dirty="0" smtClean="0"/>
-              <a:t>。好</a:t>
-            </a:r>
-            <a:r>
-              <a:rPr lang="zh-CN" altLang="en-US" dirty="0" smtClean="0"/>
-              <a:t>了，为了应⽤反向传播，我们需要对代价函数</a:t>
+              <a:t>时的⽹络输出的激活值向量。好了，为了应⽤反向传播，我们需要对代价函数</a:t>
             </a:r>
             <a:r>
               <a:rPr lang="en-US" altLang="zh-CN" dirty="0" smtClean="0"/>
@@ -7307,19 +6812,7 @@
             </a:r>
             <a:r>
               <a:rPr lang="zh-CN" altLang="en-US" dirty="0" smtClean="0"/>
-              <a:t>的</a:t>
-            </a:r>
-            <a:r>
-              <a:rPr lang="zh-CN" altLang="en-US" dirty="0" smtClean="0"/>
-              <a:t>均值，也就是这第二个方程。</a:t>
-            </a:r>
-            <a:r>
-              <a:rPr lang="zh-CN" altLang="en-US" dirty="0" smtClean="0"/>
-              <a:t>这是关于⼆次代价函数的例⼦，其中对每个独⽴的训练样本其代价</a:t>
-            </a:r>
-            <a:r>
-              <a:rPr lang="zh-CN" altLang="en-US" dirty="0" smtClean="0"/>
-              <a:t>是</a:t>
+              <a:t>的均值，也就是这第二个方程。这是关于⼆次代价函数的例⼦，其中对每个独⽴的训练样本其代价是</a:t>
             </a:r>
             <a:r>
               <a:rPr lang="en-US" altLang="zh-CN" dirty="0" err="1" smtClean="0"/>
@@ -7327,19 +6820,7 @@
             </a:r>
             <a:r>
               <a:rPr lang="en-US" altLang="zh-CN" dirty="0" smtClean="0"/>
-              <a:t> </a:t>
-            </a:r>
-            <a:r>
-              <a:rPr lang="en-US" altLang="zh-CN" dirty="0" smtClean="0"/>
-              <a:t>= </a:t>
-            </a:r>
-            <a:r>
-              <a:rPr lang="en-US" altLang="zh-CN" dirty="0" smtClean="0"/>
-              <a:t>1/2</a:t>
-            </a:r>
-            <a:r>
-              <a:rPr lang="en-US" altLang="zh-CN" dirty="0" smtClean="0"/>
-              <a:t>||y−</a:t>
+              <a:t> = 1/2||y−</a:t>
             </a:r>
             <a:r>
               <a:rPr lang="en-US" altLang="zh-CN" dirty="0" err="1" smtClean="0"/>
@@ -7351,23 +6832,7 @@
             </a:r>
             <a:r>
               <a:rPr lang="zh-CN" altLang="en-US" dirty="0" smtClean="0"/>
-              <a:t>。这个假设对</a:t>
-            </a:r>
-            <a:r>
-              <a:rPr lang="zh-CN" altLang="en-US" dirty="0" smtClean="0"/>
-              <a:t>书中</a:t>
-            </a:r>
-            <a:r>
-              <a:rPr lang="zh-CN" altLang="en-US" dirty="0" smtClean="0"/>
-              <a:t>提到的其他任何⼀个代价函数也都是必须满⾜的</a:t>
-            </a:r>
-            <a:r>
-              <a:rPr lang="zh-CN" altLang="en-US" dirty="0" smtClean="0"/>
-              <a:t>。需要</a:t>
-            </a:r>
-            <a:r>
-              <a:rPr lang="zh-CN" altLang="en-US" dirty="0" smtClean="0"/>
-              <a:t>这个假设的原因是反向传播实际上是对⼀个独⽴的训练样本计算了∂</a:t>
+              <a:t>。这个假设对书中提到的其他任何⼀个代价函数也都是必须满⾜的。需要这个假设的原因是反向传播实际上是对⼀个独⽴的训练样本计算了∂</a:t>
             </a:r>
             <a:r>
               <a:rPr lang="en-US" altLang="zh-CN" dirty="0" err="1" smtClean="0"/>
@@ -7391,11 +6856,7 @@
             </a:r>
             <a:r>
               <a:rPr lang="zh-CN" altLang="en-US" dirty="0" smtClean="0"/>
-              <a:t>。然后</a:t>
-            </a:r>
-            <a:r>
-              <a:rPr lang="zh-CN" altLang="en-US" dirty="0" smtClean="0"/>
-              <a:t>我们通过在所有训练样本上进⾏平均化获得∂</a:t>
+              <a:t>。然后我们通过在所有训练样本上进⾏平均化获得∂</a:t>
             </a:r>
             <a:r>
               <a:rPr lang="en-US" altLang="zh-CN" dirty="0" smtClean="0"/>
@@ -7458,7 +6919,7 @@
           <a:p>
             <a:fld id="{4F567D0F-CB54-43C7-9F51-E3F10BE186AE}" type="slidenum">
               <a:rPr lang="zh-CN" altLang="en-US" smtClean="0"/>
-              <a:t>41</a:t>
+              <a:t>40</a:t>
             </a:fld>
             <a:endParaRPr lang="zh-CN" altLang="en-US"/>
           </a:p>
@@ -7530,15 +6991,7 @@
           <a:p>
             <a:r>
               <a:rPr lang="zh-CN" altLang="en-US" dirty="0" smtClean="0"/>
-              <a:t>例如，⼆次</a:t>
-            </a:r>
-            <a:r>
-              <a:rPr lang="zh-CN" altLang="en-US" dirty="0" smtClean="0"/>
-              <a:t>代价函数就满</a:t>
-            </a:r>
-            <a:r>
-              <a:rPr lang="zh-CN" altLang="en-US" dirty="0" smtClean="0"/>
-              <a:t>⾜这个要求，因为对于⼀个单独的训练样本</a:t>
+              <a:t>例如，⼆次代价函数就满⾜这个要求，因为对于⼀个单独的训练样本</a:t>
             </a:r>
             <a:r>
               <a:rPr lang="en-US" altLang="zh-CN" dirty="0" smtClean="0"/>
@@ -7561,11 +7014,7 @@
             </a:r>
             <a:r>
               <a:rPr lang="zh-CN" altLang="en-US" dirty="0" smtClean="0"/>
-              <a:t>，但我们</a:t>
-            </a:r>
-            <a:r>
-              <a:rPr lang="zh-CN" altLang="en-US" dirty="0" smtClean="0"/>
-              <a:t>不把代价也看作⼀个</a:t>
+              <a:t>，但我们不把代价也看作⼀个</a:t>
             </a:r>
             <a:r>
               <a:rPr lang="en-US" altLang="zh-CN" dirty="0" smtClean="0"/>
@@ -7573,15 +7022,7 @@
             </a:r>
             <a:r>
               <a:rPr lang="zh-CN" altLang="en-US" dirty="0" smtClean="0"/>
-              <a:t>的函数</a:t>
-            </a:r>
-            <a:r>
-              <a:rPr lang="zh-CN" altLang="en-US" dirty="0" smtClean="0"/>
-              <a:t>。因为，</a:t>
-            </a:r>
-            <a:r>
-              <a:rPr lang="zh-CN" altLang="en-US" dirty="0" smtClean="0"/>
-              <a:t>输⼊的训练样本</a:t>
+              <a:t>的函数。因为，输⼊的训练样本</a:t>
             </a:r>
             <a:r>
               <a:rPr lang="en-US" altLang="zh-CN" dirty="0" smtClean="0"/>
@@ -7597,23 +7038,7 @@
             </a:r>
             <a:r>
               <a:rPr lang="zh-CN" altLang="en-US" dirty="0" smtClean="0"/>
-              <a:t>同样是⼀个固定的</a:t>
-            </a:r>
-            <a:r>
-              <a:rPr lang="zh-CN" altLang="en-US" dirty="0" smtClean="0"/>
-              <a:t>参数，是个常量。</a:t>
-            </a:r>
-            <a:r>
-              <a:rPr lang="zh-CN" altLang="en-US" dirty="0" smtClean="0"/>
-              <a:t>尤其是它并不是可以随意通过改变权重和偏置来</a:t>
-            </a:r>
-            <a:r>
-              <a:rPr lang="zh-CN" altLang="en-US" dirty="0" smtClean="0"/>
-              <a:t>改变的，也就是说</a:t>
-            </a:r>
-            <a:r>
-              <a:rPr lang="zh-CN" altLang="en-US" dirty="0" smtClean="0"/>
-              <a:t>，这不是神经⽹络学习的对象。所以，将</a:t>
+              <a:t>同样是⼀个固定的参数，是个常量。尤其是它并不是可以随意通过改变权重和偏置来改变的，也就是说，这不是神经⽹络学习的对象。所以，将</a:t>
             </a:r>
             <a:r>
               <a:rPr lang="en-US" altLang="zh-CN" dirty="0" smtClean="0"/>
@@ -7637,19 +7062,7 @@
             </a:r>
             <a:r>
               <a:rPr lang="zh-CN" altLang="en-US" dirty="0" smtClean="0"/>
-              <a:t>仅仅是帮助</a:t>
-            </a:r>
-            <a:r>
-              <a:rPr lang="zh-CN" altLang="en-US" dirty="0" smtClean="0"/>
-              <a:t>定义函数</a:t>
-            </a:r>
-            <a:r>
-              <a:rPr lang="zh-CN" altLang="en-US" dirty="0" smtClean="0"/>
-              <a:t>的参数⽽已</a:t>
-            </a:r>
-            <a:r>
-              <a:rPr lang="zh-CN" altLang="en-US" dirty="0" smtClean="0"/>
-              <a:t>。</a:t>
+              <a:t>仅仅是帮助定义函数的参数⽽已。</a:t>
             </a:r>
             <a:endParaRPr lang="zh-CN" altLang="en-US" dirty="0"/>
           </a:p>
@@ -7672,7 +7085,7 @@
           <a:p>
             <a:fld id="{4F567D0F-CB54-43C7-9F51-E3F10BE186AE}" type="slidenum">
               <a:rPr lang="zh-CN" altLang="en-US" smtClean="0"/>
-              <a:t>42</a:t>
+              <a:t>41</a:t>
             </a:fld>
             <a:endParaRPr lang="zh-CN" altLang="en-US"/>
           </a:p>
@@ -7737,7 +7150,15 @@
           <a:p>
             <a:r>
               <a:rPr lang="zh-CN" altLang="en-US" dirty="0" smtClean="0"/>
-              <a:t>感知器在</a:t>
+              <a:t>什么是神经⽹络？⼀开始，我将介绍⼀种被称为“感知器”的⼈⼯神经元。</a:t>
+            </a:r>
+            <a:r>
+              <a:rPr lang="zh-CN" altLang="en-US" dirty="0" smtClean="0"/>
+              <a:t>感知</a:t>
+            </a:r>
+            <a:r>
+              <a:rPr lang="zh-CN" altLang="en-US" dirty="0" smtClean="0"/>
+              <a:t>器在</a:t>
             </a:r>
             <a:r>
               <a:rPr lang="en-US" altLang="zh-CN" dirty="0" smtClean="0"/>
@@ -7924,11 +7345,7 @@
             </a:r>
             <a:r>
               <a:rPr lang="zh-CN" altLang="en-US" dirty="0" smtClean="0"/>
-              <a:t>诸如向量加法，向量矩阵乘法等。但是有⼀个运算不⼤</a:t>
-            </a:r>
-            <a:r>
-              <a:rPr lang="zh-CN" altLang="en-US" dirty="0" smtClean="0"/>
-              <a:t>常用。假设</a:t>
+              <a:t>诸如向量加法，向量矩阵乘法等。但是有⼀个运算不⼤常用。假设</a:t>
             </a:r>
             <a:r>
               <a:rPr lang="en-US" altLang="zh-CN" dirty="0" smtClean="0"/>
@@ -7952,15 +7369,7 @@
             </a:r>
             <a:r>
               <a:rPr lang="zh-CN" altLang="en-US" dirty="0" smtClean="0"/>
-              <a:t>来表⽰按元素</a:t>
-            </a:r>
-            <a:r>
-              <a:rPr lang="zh-CN" altLang="en-US" dirty="0" smtClean="0"/>
-              <a:t>的乘积</a:t>
-            </a:r>
-            <a:r>
-              <a:rPr lang="zh-CN" altLang="en-US" dirty="0" smtClean="0"/>
-              <a:t>。所以</a:t>
+              <a:t>来表⽰按元素的乘积。所以</a:t>
             </a:r>
             <a:r>
               <a:rPr lang="en-US" altLang="zh-CN" dirty="0" err="1" smtClean="0"/>
@@ -8003,15 +7412,7 @@
             </a:r>
             <a:r>
               <a:rPr lang="zh-CN" altLang="en-US" dirty="0" smtClean="0"/>
-              <a:t>乘积</a:t>
-            </a:r>
-            <a:r>
-              <a:rPr lang="zh-CN" altLang="en-US" dirty="0" smtClean="0"/>
-              <a:t>。好的</a:t>
-            </a:r>
-            <a:r>
-              <a:rPr lang="zh-CN" altLang="en-US" dirty="0" smtClean="0"/>
-              <a:t>矩阵库</a:t>
+              <a:t>乘积。好的矩阵库</a:t>
             </a:r>
             <a:r>
               <a:rPr lang="en-US" altLang="zh-CN" dirty="0" smtClean="0"/>
@@ -8058,7 +7459,7 @@
           <a:p>
             <a:fld id="{4F567D0F-CB54-43C7-9F51-E3F10BE186AE}" type="slidenum">
               <a:rPr lang="zh-CN" altLang="en-US" smtClean="0"/>
-              <a:t>43</a:t>
+              <a:t>42</a:t>
             </a:fld>
             <a:endParaRPr lang="zh-CN" altLang="en-US"/>
           </a:p>
@@ -8171,15 +7572,7 @@
             </a:r>
             <a:r>
               <a:rPr lang="zh-CN" altLang="en-US" dirty="0" smtClean="0"/>
-              <a:t>个神经元上的误差</a:t>
-            </a:r>
-            <a:r>
-              <a:rPr lang="zh-CN" altLang="en-US" dirty="0" smtClean="0"/>
-              <a:t>。反向传播</a:t>
-            </a:r>
-            <a:r>
-              <a:rPr lang="zh-CN" altLang="en-US" dirty="0" smtClean="0"/>
-              <a:t>将给出计算误差</a:t>
+              <a:t>个神经元上的误差。反向传播将给出计算误差</a:t>
             </a:r>
             <a:r>
               <a:rPr lang="en-US" altLang="zh-CN" dirty="0" err="1" smtClean="0"/>
@@ -8211,15 +7604,7 @@
             </a:r>
             <a:r>
               <a:rPr lang="zh-CN" altLang="en-US" dirty="0" smtClean="0"/>
-              <a:t>上</a:t>
-            </a:r>
-            <a:r>
-              <a:rPr lang="zh-CN" altLang="en-US" dirty="0" smtClean="0"/>
-              <a:t>。为了</a:t>
-            </a:r>
-            <a:r>
-              <a:rPr lang="zh-CN" altLang="en-US" dirty="0" smtClean="0"/>
-              <a:t>理解误差是如何定义的，假设在神经⽹络上有⼀个调⽪⻤：这个调⽪⻤在</a:t>
+              <a:t>上。为了理解误差是如何定义的，假设在神经⽹络上有⼀个调⽪⻤：这个调⽪⻤在</a:t>
             </a:r>
             <a:r>
               <a:rPr lang="en-US" altLang="zh-CN" dirty="0" smtClean="0"/>
@@ -8283,19 +7668,7 @@
             </a:r>
             <a:r>
               <a:rPr lang="zh-CN" altLang="en-US" dirty="0" smtClean="0"/>
-              <a:t>。</a:t>
-            </a:r>
-            <a:r>
-              <a:rPr lang="zh-CN" altLang="en-US" dirty="0" smtClean="0"/>
-              <a:t>这个</a:t>
-            </a:r>
-            <a:r>
-              <a:rPr lang="zh-CN" altLang="en-US" dirty="0" smtClean="0"/>
-              <a:t>变化会向⽹络后⾯的层进⾏传播，最终导致整个代价产</a:t>
-            </a:r>
-            <a:r>
-              <a:rPr lang="zh-CN" altLang="en-US" dirty="0" smtClean="0"/>
-              <a:t>⽣∂</a:t>
+              <a:t>。这个变化会向⽹络后⾯的层进⾏传播，最终导致整个代价产⽣∂</a:t>
             </a:r>
             <a:r>
               <a:rPr lang="en-US" altLang="zh-CN" dirty="0" smtClean="0"/>
@@ -8307,11 +7680,7 @@
             </a:r>
             <a:r>
               <a:rPr lang="en-US" altLang="zh-CN" dirty="0" smtClean="0"/>
-              <a:t> </a:t>
-            </a:r>
-            <a:r>
-              <a:rPr lang="en-US" altLang="zh-CN" dirty="0" smtClean="0"/>
-              <a:t>∆</a:t>
+              <a:t> ∆</a:t>
             </a:r>
             <a:r>
               <a:rPr lang="en-US" altLang="zh-CN" dirty="0" err="1" smtClean="0"/>
@@ -8319,15 +7688,7 @@
             </a:r>
             <a:r>
               <a:rPr lang="zh-CN" altLang="en-US" dirty="0" smtClean="0"/>
-              <a:t>的改变。现在，这个调⽪⻤变好了，试着</a:t>
-            </a:r>
-            <a:r>
-              <a:rPr lang="zh-CN" altLang="en-US" dirty="0" smtClean="0"/>
-              <a:t>帮助我们来</a:t>
-            </a:r>
-            <a:r>
-              <a:rPr lang="zh-CN" altLang="en-US" dirty="0" smtClean="0"/>
-              <a:t>优化代价，它试着找到可以让代价更⼩的∆</a:t>
+              <a:t>的改变。现在，这个调⽪⻤变好了，试着帮助我们来优化代价，它试着找到可以让代价更⼩的∆</a:t>
             </a:r>
             <a:r>
               <a:rPr lang="en-US" altLang="zh-CN" dirty="0" err="1" smtClean="0"/>
@@ -8335,11 +7696,7 @@
             </a:r>
             <a:r>
               <a:rPr lang="zh-CN" altLang="en-US" dirty="0" smtClean="0"/>
-              <a:t>。</a:t>
-            </a:r>
-            <a:r>
-              <a:rPr lang="zh-CN" altLang="en-US" dirty="0" smtClean="0"/>
-              <a:t>假设∂</a:t>
+              <a:t>。假设∂</a:t>
             </a:r>
             <a:r>
               <a:rPr lang="en-US" altLang="zh-CN" dirty="0" smtClean="0"/>
@@ -8355,11 +7712,7 @@
             </a:r>
             <a:r>
               <a:rPr lang="zh-CN" altLang="en-US" dirty="0" smtClean="0"/>
-              <a:t>有⼀个很⼤的值（或正或负）。那么这个调⽪⻤可以通过选择</a:t>
-            </a:r>
-            <a:r>
-              <a:rPr lang="zh-CN" altLang="en-US" dirty="0" smtClean="0"/>
-              <a:t>与∂</a:t>
+              <a:t>有⼀个很⼤的值（或正或负）。那么这个调⽪⻤可以通过选择与∂</a:t>
             </a:r>
             <a:r>
               <a:rPr lang="en-US" altLang="zh-CN" dirty="0" smtClean="0"/>
@@ -8371,11 +7724,7 @@
             </a:r>
             <a:r>
               <a:rPr lang="zh-CN" altLang="en-US" dirty="0" smtClean="0"/>
-              <a:t>相反</a:t>
-            </a:r>
-            <a:r>
-              <a:rPr lang="zh-CN" altLang="en-US" dirty="0" smtClean="0"/>
-              <a:t>符号的∆</a:t>
+              <a:t>相反符号的∆</a:t>
             </a:r>
             <a:r>
               <a:rPr lang="en-US" altLang="zh-CN" dirty="0" err="1" smtClean="0"/>
@@ -8383,19 +7732,7 @@
             </a:r>
             <a:r>
               <a:rPr lang="zh-CN" altLang="en-US" dirty="0" smtClean="0"/>
-              <a:t>来</a:t>
-            </a:r>
-            <a:r>
-              <a:rPr lang="zh-CN" altLang="en-US" dirty="0" smtClean="0"/>
-              <a:t>降低</a:t>
-            </a:r>
-            <a:r>
-              <a:rPr lang="zh-CN" altLang="en-US" dirty="0" smtClean="0"/>
-              <a:t>代价。相反，</a:t>
-            </a:r>
-            <a:r>
-              <a:rPr lang="zh-CN" altLang="en-US" dirty="0" smtClean="0"/>
-              <a:t>如果∂</a:t>
+              <a:t>来降低代价。相反，如果∂</a:t>
             </a:r>
             <a:r>
               <a:rPr lang="en-US" altLang="zh-CN" dirty="0" smtClean="0"/>
@@ -8435,11 +7772,7 @@
             </a:r>
             <a:r>
               <a:rPr lang="zh-CN" altLang="en-US" dirty="0" smtClean="0"/>
-              <a:t>是</a:t>
-            </a:r>
-            <a:r>
-              <a:rPr lang="zh-CN" altLang="en-US" dirty="0" smtClean="0"/>
-              <a:t>神经元的误差的度量。按照上⾯的描述，我们定义</a:t>
+              <a:t>是神经元的误差的度量。按照上⾯的描述，我们定义</a:t>
             </a:r>
             <a:r>
               <a:rPr lang="en-US" altLang="zh-CN" dirty="0" smtClean="0"/>
@@ -8486,15 +7819,7 @@
             </a:r>
             <a:r>
               <a:rPr lang="zh-CN" altLang="en-US" dirty="0" smtClean="0"/>
-              <a:t>层的误差向量。反向传播会提供给我们⼀</a:t>
-            </a:r>
-            <a:r>
-              <a:rPr lang="zh-CN" altLang="en-US" dirty="0" smtClean="0"/>
-              <a:t>种计算</a:t>
-            </a:r>
-            <a:r>
-              <a:rPr lang="zh-CN" altLang="en-US" dirty="0" smtClean="0"/>
-              <a:t>每层的</a:t>
+              <a:t>层的误差向量。反向传播会提供给我们⼀种计算每层的</a:t>
             </a:r>
             <a:r>
               <a:rPr lang="en-US" altLang="zh-CN" dirty="0" err="1" smtClean="0"/>
@@ -8526,15 +7851,7 @@
             </a:r>
             <a:r>
               <a:rPr lang="zh-CN" altLang="en-US" dirty="0" smtClean="0"/>
-              <a:t>联系起来</a:t>
-            </a:r>
-            <a:r>
-              <a:rPr lang="zh-CN" altLang="en-US" dirty="0" smtClean="0"/>
-              <a:t>。大家可能</a:t>
-            </a:r>
-            <a:r>
-              <a:rPr lang="zh-CN" altLang="en-US" dirty="0" smtClean="0"/>
-              <a:t>会想知道为何这个调⽪⻤在改变带权输⼊</a:t>
+              <a:t>联系起来。大家可能会想知道为何这个调⽪⻤在改变带权输⼊</a:t>
             </a:r>
             <a:r>
               <a:rPr lang="en-US" altLang="zh-CN" dirty="0" err="1" smtClean="0"/>
@@ -8550,15 +7867,7 @@
             </a:r>
             <a:r>
               <a:rPr lang="zh-CN" altLang="en-US" dirty="0" smtClean="0"/>
-              <a:t>肯定</a:t>
-            </a:r>
-            <a:r>
-              <a:rPr lang="zh-CN" altLang="en-US" dirty="0" smtClean="0"/>
-              <a:t>会更加⾃然，然后就使</a:t>
-            </a:r>
-            <a:r>
-              <a:rPr lang="zh-CN" altLang="en-US" dirty="0" smtClean="0"/>
-              <a:t>⽤∂</a:t>
+              <a:t>肯定会更加⾃然，然后就使⽤∂</a:t>
             </a:r>
             <a:r>
               <a:rPr lang="en-US" altLang="zh-CN" dirty="0" smtClean="0"/>
@@ -8570,41 +7879,8 @@
             </a:r>
             <a:r>
               <a:rPr lang="zh-CN" altLang="en-US" dirty="0" smtClean="0"/>
-              <a:t>作为</a:t>
-            </a:r>
-            <a:r>
-              <a:rPr lang="zh-CN" altLang="en-US" dirty="0" smtClean="0"/>
-              <a:t>度量误差的⽅法了。实际上，</a:t>
-            </a:r>
-            <a:r>
-              <a:rPr lang="zh-CN" altLang="en-US" dirty="0" smtClean="0"/>
-              <a:t>如果这样</a:t>
-            </a:r>
-            <a:r>
-              <a:rPr lang="zh-CN" altLang="en-US" dirty="0" smtClean="0"/>
-              <a:t>做的话，其实和下⾯</a:t>
-            </a:r>
-            <a:r>
-              <a:rPr lang="zh-CN" altLang="en-US" dirty="0" smtClean="0"/>
-              <a:t>要讨论</a:t>
-            </a:r>
-            <a:r>
-              <a:rPr lang="zh-CN" altLang="en-US" dirty="0" smtClean="0"/>
-              <a:t>的差不多。但是看起来，前⾯的⽅法会让反向传播在代数运算上变得⽐较复杂。所以我们使用上面这个</a:t>
-            </a:r>
-            <a:r>
-              <a:rPr lang="zh-CN" altLang="en-US" dirty="0" smtClean="0"/>
-              <a:t>式子（带权输入）作为</a:t>
-            </a:r>
-            <a:r>
-              <a:rPr lang="zh-CN" altLang="en-US" dirty="0" smtClean="0"/>
-              <a:t>误差度量</a:t>
-            </a:r>
-            <a:r>
-              <a:rPr lang="zh-CN" altLang="en-US" dirty="0" smtClean="0"/>
-              <a:t>。</a:t>
-            </a:r>
-            <a:endParaRPr lang="zh-CN" altLang="en-US" dirty="0" smtClean="0"/>
+              <a:t>作为度量误差的⽅法了。实际上，如果这样做的话，其实和下⾯要讨论的差不多。但是看起来，前⾯的⽅法会让反向传播在代数运算上变得⽐较复杂。所以我们使用上面这个式子（带权输入）作为误差度量。</a:t>
+            </a:r>
           </a:p>
         </p:txBody>
       </p:sp>
@@ -8625,7 +7901,7 @@
           <a:p>
             <a:fld id="{4F567D0F-CB54-43C7-9F51-E3F10BE186AE}" type="slidenum">
               <a:rPr lang="zh-CN" altLang="en-US" smtClean="0"/>
-              <a:t>44</a:t>
+              <a:t>43</a:t>
             </a:fld>
             <a:endParaRPr lang="zh-CN" altLang="en-US"/>
           </a:p>
@@ -8715,47 +7991,7 @@
             </a:r>
             <a:r>
               <a:rPr lang="zh-CN" altLang="en-US" dirty="0" smtClean="0"/>
-              <a:t>和代价函数梯度的⽅法。这里列出这四个⽅程。</a:t>
-            </a:r>
-            <a:r>
-              <a:rPr lang="zh-CN" altLang="en-US" dirty="0" smtClean="0"/>
-              <a:t>但是一下</a:t>
-            </a:r>
-            <a:r>
-              <a:rPr lang="zh-CN" altLang="en-US" dirty="0" smtClean="0"/>
-              <a:t>⼦能够同时理解这些</a:t>
-            </a:r>
-            <a:r>
-              <a:rPr lang="zh-CN" altLang="en-US" dirty="0" smtClean="0"/>
-              <a:t>公式可能有些困难。</a:t>
-            </a:r>
-            <a:r>
-              <a:rPr lang="zh-CN" altLang="en-US" dirty="0" smtClean="0"/>
-              <a:t>希望越⼤失望越⼤。实际上，反向传播⽅程内容很多，完全理解这些需要花费充分的时间和耐⼼，需要⼀步⼀步地深⼊理解。</a:t>
-            </a:r>
-            <a:r>
-              <a:rPr lang="zh-CN" altLang="en-US" dirty="0" smtClean="0"/>
-              <a:t>⽽这样</a:t>
-            </a:r>
-            <a:r>
-              <a:rPr lang="zh-CN" altLang="en-US" dirty="0" smtClean="0"/>
-              <a:t>的付出回报巨⼤。</a:t>
-            </a:r>
-            <a:r>
-              <a:rPr lang="zh-CN" altLang="en-US" dirty="0" smtClean="0"/>
-              <a:t>所以我们对</a:t>
-            </a:r>
-            <a:r>
-              <a:rPr lang="zh-CN" altLang="en-US" dirty="0" smtClean="0"/>
-              <a:t>这些内容的讨论仅仅是⼀个正确掌握这些⽅程的起步</a:t>
-            </a:r>
-            <a:r>
-              <a:rPr lang="zh-CN" altLang="en-US" dirty="0" smtClean="0"/>
-              <a:t>。第一</a:t>
-            </a:r>
-            <a:r>
-              <a:rPr lang="zh-CN" altLang="en-US" dirty="0" smtClean="0"/>
-              <a:t>个公式第⼀个项∂</a:t>
+              <a:t>和代价函数梯度的⽅法。这里列出这四个⽅程。但是一下⼦能够同时理解这些公式可能有些困难。希望越⼤失望越⼤。实际上，反向传播⽅程内容很多，完全理解这些需要花费充分的时间和耐⼼，需要⼀步⼀步地深⼊理解。⽽这样的付出回报巨⼤。所以我们对这些内容的讨论仅仅是⼀个正确掌握这些⽅程的起步。第一个公式第⼀个项∂</a:t>
             </a:r>
             <a:r>
               <a:rPr lang="en-US" altLang="zh-CN" dirty="0" smtClean="0"/>
@@ -8767,11 +8003,7 @@
             </a:r>
             <a:r>
               <a:rPr lang="zh-CN" altLang="en-US" dirty="0" smtClean="0"/>
-              <a:t>表</a:t>
-            </a:r>
-            <a:r>
-              <a:rPr lang="zh-CN" altLang="en-US" dirty="0" smtClean="0"/>
-              <a:t>⽰代价随着</a:t>
+              <a:t>表⽰代价随着</a:t>
             </a:r>
             <a:r>
               <a:rPr lang="en-US" altLang="zh-CN" dirty="0" err="1" smtClean="0"/>
@@ -8779,15 +8011,7 @@
             </a:r>
             <a:r>
               <a:rPr lang="zh-CN" altLang="en-US" dirty="0" smtClean="0"/>
-              <a:t>输出激活值的变化</a:t>
-            </a:r>
-            <a:r>
-              <a:rPr lang="zh-CN" altLang="en-US" dirty="0" smtClean="0"/>
-              <a:t>⽽变化</a:t>
-            </a:r>
-            <a:r>
-              <a:rPr lang="zh-CN" altLang="en-US" dirty="0" smtClean="0"/>
-              <a:t>的速度。假如</a:t>
+              <a:t>输出激活值的变化⽽变化的速度。假如</a:t>
             </a:r>
             <a:r>
               <a:rPr lang="en-US" altLang="zh-CN" dirty="0" smtClean="0"/>
@@ -8815,15 +8039,7 @@
             </a:r>
             <a:r>
               <a:rPr lang="zh-CN" altLang="en-US" dirty="0" smtClean="0"/>
-              <a:t>就会很⼩，这也是我们想要</a:t>
-            </a:r>
-            <a:r>
-              <a:rPr lang="zh-CN" altLang="en-US" dirty="0" smtClean="0"/>
-              <a:t>的效果</a:t>
-            </a:r>
-            <a:r>
-              <a:rPr lang="zh-CN" altLang="en-US" dirty="0" smtClean="0"/>
-              <a:t>。公式一第⼆项</a:t>
+              <a:t>就会很⼩，这也是我们想要的效果。公式一第⼆项</a:t>
             </a:r>
             <a:r>
               <a:rPr lang="en-US" altLang="zh-CN" dirty="0" smtClean="0"/>
@@ -8847,11 +8063,7 @@
             </a:r>
             <a:r>
               <a:rPr lang="zh-CN" altLang="en-US" dirty="0" smtClean="0"/>
-              <a:t>处</a:t>
-            </a:r>
-            <a:r>
-              <a:rPr lang="zh-CN" altLang="en-US" dirty="0" smtClean="0"/>
-              <a:t>激活函数</a:t>
+              <a:t>处激活函数</a:t>
             </a:r>
             <a:r>
               <a:rPr lang="en-US" altLang="zh-CN" dirty="0" smtClean="0"/>
@@ -8859,15 +8071,7 @@
             </a:r>
             <a:r>
               <a:rPr lang="zh-CN" altLang="en-US" dirty="0" smtClean="0"/>
-              <a:t>变化的速度</a:t>
-            </a:r>
-            <a:r>
-              <a:rPr lang="zh-CN" altLang="en-US" dirty="0" smtClean="0"/>
-              <a:t>。注意</a:t>
-            </a:r>
-            <a:r>
-              <a:rPr lang="zh-CN" altLang="en-US" dirty="0" smtClean="0"/>
-              <a:t>到在公式</a:t>
+              <a:t>变化的速度。注意到在公式</a:t>
             </a:r>
             <a:r>
               <a:rPr lang="en-US" altLang="zh-CN" dirty="0" smtClean="0"/>
@@ -8875,19 +8079,7 @@
             </a:r>
             <a:r>
               <a:rPr lang="zh-CN" altLang="en-US" dirty="0" smtClean="0"/>
-              <a:t>中的每个部分都是很好计算的。特别地，我们</a:t>
-            </a:r>
-            <a:r>
-              <a:rPr lang="zh-CN" altLang="en-US" dirty="0" smtClean="0"/>
-              <a:t>在前向式计算</a:t>
-            </a:r>
-            <a:r>
-              <a:rPr lang="zh-CN" altLang="en-US" dirty="0" smtClean="0"/>
-              <a:t>⽹络⾏</a:t>
-            </a:r>
-            <a:r>
-              <a:rPr lang="zh-CN" altLang="en-US" dirty="0" smtClean="0"/>
-              <a:t>为时已经了计算</a:t>
+              <a:t>中的每个部分都是很好计算的。特别地，我们在前向式计算⽹络⾏为时已经了计算</a:t>
             </a:r>
             <a:r>
               <a:rPr lang="en-US" altLang="zh-CN" dirty="0" err="1" smtClean="0"/>
@@ -8895,11 +8087,7 @@
             </a:r>
             <a:r>
               <a:rPr lang="zh-CN" altLang="en-US" dirty="0" smtClean="0"/>
-              <a:t>，这</a:t>
-            </a:r>
-            <a:r>
-              <a:rPr lang="zh-CN" altLang="en-US" dirty="0" smtClean="0"/>
-              <a:t>仅仅需要⼀点点额外⼯作就可以计算</a:t>
+              <a:t>，这仅仅需要⼀点点额外⼯作就可以计算</a:t>
             </a:r>
             <a:r>
               <a:rPr lang="en-US" altLang="zh-CN" dirty="0" smtClean="0"/>
@@ -8927,19 +8115,7 @@
             </a:r>
             <a:r>
               <a:rPr lang="zh-CN" altLang="en-US" dirty="0" smtClean="0"/>
-              <a:t>依赖</a:t>
-            </a:r>
-            <a:r>
-              <a:rPr lang="zh-CN" altLang="en-US" dirty="0" smtClean="0"/>
-              <a:t>于代价函数的形式。然⽽</a:t>
-            </a:r>
-            <a:r>
-              <a:rPr lang="zh-CN" altLang="en-US" dirty="0" smtClean="0"/>
-              <a:t>，给定</a:t>
-            </a:r>
-            <a:r>
-              <a:rPr lang="zh-CN" altLang="en-US" dirty="0" smtClean="0"/>
-              <a:t>了代价函数，计算∂</a:t>
+              <a:t>依赖于代价函数的形式。然⽽，给定了代价函数，计算∂</a:t>
             </a:r>
             <a:r>
               <a:rPr lang="en-US" altLang="zh-CN" dirty="0" smtClean="0"/>
@@ -8951,35 +8127,15 @@
             </a:r>
             <a:r>
               <a:rPr lang="zh-CN" altLang="en-US" dirty="0" smtClean="0"/>
-              <a:t>就</a:t>
-            </a:r>
-            <a:r>
-              <a:rPr lang="zh-CN" altLang="en-US" dirty="0" smtClean="0"/>
-              <a:t>没有什么⼤问题了。例如，如果我们使⽤⼆次函数，</a:t>
-            </a:r>
-            <a:r>
-              <a:rPr lang="zh-CN" altLang="en-US" dirty="0" smtClean="0"/>
-              <a:t>那么</a:t>
-            </a:r>
-            <a:r>
-              <a:rPr lang="en-US" altLang="zh-CN" dirty="0" smtClean="0"/>
-              <a:t>C=1/2</a:t>
-            </a:r>
-            <a:r>
-              <a:rPr lang="en-US" altLang="zh-CN" dirty="0" smtClean="0"/>
-              <a:t>∑</a:t>
-            </a:r>
-            <a:r>
-              <a:rPr lang="en-US" altLang="zh-CN" dirty="0" smtClean="0"/>
-              <a:t>j(</a:t>
+              <a:t>就没有什么⼤问题了。例如，如果我们使⽤⼆次函数，那么</a:t>
+            </a:r>
+            <a:r>
+              <a:rPr lang="en-US" altLang="zh-CN" dirty="0" smtClean="0"/>
+              <a:t>C=1/2∑j(</a:t>
             </a:r>
             <a:r>
               <a:rPr lang="en-US" altLang="zh-CN" dirty="0" err="1" smtClean="0"/>
-              <a:t>yj−</a:t>
-            </a:r>
-            <a:r>
-              <a:rPr lang="en-US" altLang="zh-CN" dirty="0" err="1" smtClean="0"/>
-              <a:t>aj</a:t>
+              <a:t>yj−aj</a:t>
             </a:r>
             <a:r>
               <a:rPr lang="en-US" altLang="zh-CN" dirty="0" smtClean="0"/>
@@ -9003,11 +8159,7 @@
             </a:r>
             <a:r>
               <a:rPr lang="en-US" altLang="zh-CN" dirty="0" err="1" smtClean="0"/>
-              <a:t>aj−</a:t>
-            </a:r>
-            <a:r>
-              <a:rPr lang="en-US" altLang="zh-CN" dirty="0" err="1" smtClean="0"/>
-              <a:t>yj</a:t>
+              <a:t>aj−yj</a:t>
             </a:r>
             <a:r>
               <a:rPr lang="en-US" altLang="zh-CN" dirty="0" smtClean="0"/>
@@ -9015,15 +8167,7 @@
             </a:r>
             <a:r>
               <a:rPr lang="zh-CN" altLang="en-US" dirty="0" smtClean="0"/>
-              <a:t>，这其实很容易计算</a:t>
-            </a:r>
-            <a:r>
-              <a:rPr lang="zh-CN" altLang="en-US" dirty="0" smtClean="0"/>
-              <a:t>。⽅</a:t>
-            </a:r>
-            <a:r>
-              <a:rPr lang="zh-CN" altLang="en-US" dirty="0" smtClean="0"/>
-              <a:t>程</a:t>
+              <a:t>，这其实很容易计算。⽅程</a:t>
             </a:r>
             <a:r>
               <a:rPr lang="en-US" altLang="zh-CN" dirty="0" smtClean="0"/>
@@ -9039,39 +8183,7 @@
             </a:r>
             <a:r>
               <a:rPr lang="zh-CN" altLang="en-US" dirty="0" smtClean="0"/>
-              <a:t>来说是个按分量构成的</a:t>
-            </a:r>
-            <a:r>
-              <a:rPr lang="zh-CN" altLang="en-US" dirty="0" smtClean="0"/>
-              <a:t>表达式，不是</a:t>
-            </a:r>
-            <a:r>
-              <a:rPr lang="zh-CN" altLang="en-US" dirty="0" smtClean="0"/>
-              <a:t>我们</a:t>
-            </a:r>
-            <a:r>
-              <a:rPr lang="zh-CN" altLang="en-US" dirty="0" smtClean="0"/>
-              <a:t>期望</a:t>
-            </a:r>
-            <a:r>
-              <a:rPr lang="zh-CN" altLang="en-US" dirty="0" smtClean="0"/>
-              <a:t>的⽤矩阵表⽰的形式</a:t>
-            </a:r>
-            <a:r>
-              <a:rPr lang="zh-CN" altLang="en-US" dirty="0" smtClean="0"/>
-              <a:t>。以</a:t>
-            </a:r>
-            <a:r>
-              <a:rPr lang="zh-CN" altLang="en-US" dirty="0" smtClean="0"/>
-              <a:t>矩阵形式重写⽅</a:t>
-            </a:r>
-            <a:r>
-              <a:rPr lang="zh-CN" altLang="en-US" dirty="0" smtClean="0"/>
-              <a:t>程也很</a:t>
-            </a:r>
-            <a:r>
-              <a:rPr lang="zh-CN" altLang="en-US" dirty="0" smtClean="0"/>
-              <a:t>简单，这⾥∇</a:t>
+              <a:t>来说是个按分量构成的表达式，不是我们期望的⽤矩阵表⽰的形式。以矩阵形式重写⽅程也很简单，这⾥∇</a:t>
             </a:r>
             <a:r>
               <a:rPr lang="en-US" altLang="zh-CN" dirty="0" err="1" smtClean="0"/>
@@ -9107,15 +8219,7 @@
             </a:r>
             <a:r>
               <a:rPr lang="zh-CN" altLang="en-US" dirty="0" smtClean="0"/>
-              <a:t>关于</a:t>
-            </a:r>
-            <a:r>
-              <a:rPr lang="zh-CN" altLang="en-US" dirty="0" smtClean="0"/>
-              <a:t>输出激活</a:t>
-            </a:r>
-            <a:r>
-              <a:rPr lang="zh-CN" altLang="en-US" dirty="0" smtClean="0"/>
-              <a:t>值的改变速度。⽅程</a:t>
+              <a:t>关于输出激活值的改变速度。⽅程</a:t>
             </a:r>
             <a:r>
               <a:rPr lang="en-US" altLang="zh-CN" dirty="0" smtClean="0"/>
@@ -9131,15 +8235,7 @@
             </a:r>
             <a:r>
               <a:rPr lang="zh-CN" altLang="en-US" dirty="0" smtClean="0"/>
-              <a:t>的等价也是显⽽</a:t>
-            </a:r>
-            <a:r>
-              <a:rPr lang="zh-CN" altLang="en-US" dirty="0" smtClean="0"/>
-              <a:t>易见的</a:t>
-            </a:r>
-            <a:r>
-              <a:rPr lang="zh-CN" altLang="en-US" dirty="0" smtClean="0"/>
-              <a:t>，所以现在开始，我们会⽤方程</a:t>
+              <a:t>的等价也是显⽽易见的，所以现在开始，我们会⽤方程</a:t>
             </a:r>
             <a:r>
               <a:rPr lang="en-US" altLang="zh-CN" dirty="0" smtClean="0"/>
@@ -9163,11 +8259,7 @@
             </a:r>
             <a:r>
               <a:rPr lang="en-US" altLang="zh-CN" dirty="0" smtClean="0"/>
-              <a:t>−</a:t>
-            </a:r>
-            <a:r>
-              <a:rPr lang="en-US" altLang="zh-CN" dirty="0" smtClean="0"/>
-              <a:t>y)</a:t>
+              <a:t>−y)</a:t>
             </a:r>
             <a:r>
               <a:rPr lang="zh-CN" altLang="en-US" dirty="0" smtClean="0"/>
@@ -9187,19 +8279,7 @@
             </a:r>
             <a:r>
               <a:rPr lang="zh-CN" altLang="en-US" dirty="0" smtClean="0"/>
-              <a:t>，如我们</a:t>
-            </a:r>
-            <a:r>
-              <a:rPr lang="zh-CN" altLang="en-US" dirty="0" smtClean="0"/>
-              <a:t>所见，</a:t>
-            </a:r>
-            <a:r>
-              <a:rPr lang="zh-CN" altLang="en-US" dirty="0" smtClean="0"/>
-              <a:t>这个⽅程中的每个项都有⼀个很好的向量形式，所以也可以很⽅便地使⽤</a:t>
-            </a:r>
-            <a:r>
-              <a:rPr lang="zh-CN" altLang="en-US" dirty="0" smtClean="0"/>
-              <a:t>像</a:t>
+              <a:t>，如我们所见，这个⽅程中的每个项都有⼀个很好的向量形式，所以也可以很⽅便地使⽤像</a:t>
             </a:r>
             <a:r>
               <a:rPr lang="en-US" altLang="zh-CN" dirty="0" err="1" smtClean="0"/>
@@ -9207,15 +8287,7 @@
             </a:r>
             <a:r>
               <a:rPr lang="zh-CN" altLang="en-US" dirty="0" smtClean="0"/>
-              <a:t>这样的矩阵库进⾏计算了</a:t>
-            </a:r>
-            <a:r>
-              <a:rPr lang="zh-CN" altLang="en-US" dirty="0" smtClean="0"/>
-              <a:t>。经过</a:t>
-            </a:r>
-            <a:r>
-              <a:rPr lang="zh-CN" altLang="en-US" dirty="0" smtClean="0"/>
-              <a:t>这一步我们可以将输出层神经元的误差计算出来。</a:t>
+              <a:t>这样的矩阵库进⾏计算了。经过这一步我们可以将输出层神经元的误差计算出来。</a:t>
             </a:r>
             <a:endParaRPr lang="zh-CN" altLang="en-US" dirty="0"/>
           </a:p>
@@ -9238,7 +8310,7 @@
           <a:p>
             <a:fld id="{4F567D0F-CB54-43C7-9F51-E3F10BE186AE}" type="slidenum">
               <a:rPr lang="zh-CN" altLang="en-US" smtClean="0"/>
-              <a:t>45</a:t>
+              <a:t>44</a:t>
             </a:fld>
             <a:endParaRPr lang="zh-CN" altLang="en-US"/>
           </a:p>
@@ -9314,11 +8386,7 @@
             </a:r>
             <a:r>
               <a:rPr lang="en-US" altLang="zh-CN" dirty="0" smtClean="0"/>
-              <a:t>(</a:t>
-            </a:r>
-            <a:r>
-              <a:rPr lang="en-US" altLang="zh-CN" dirty="0" smtClean="0"/>
-              <a:t>wl+1)T</a:t>
+              <a:t>(wl+1)T</a:t>
             </a:r>
             <a:r>
               <a:rPr lang="zh-CN" altLang="en-US" dirty="0" smtClean="0"/>
@@ -9326,11 +8394,7 @@
             </a:r>
             <a:r>
               <a:rPr lang="en-US" altLang="zh-CN" dirty="0" smtClean="0"/>
-              <a:t>(</a:t>
-            </a:r>
-            <a:r>
-              <a:rPr lang="en-US" altLang="zh-CN" dirty="0" smtClean="0"/>
-              <a:t>l+1)</a:t>
+              <a:t>(l+1)</a:t>
             </a:r>
             <a:r>
               <a:rPr lang="en-US" altLang="zh-CN" dirty="0" err="1" smtClean="0"/>
@@ -9346,19 +8410,7 @@
             </a:r>
             <a:r>
               <a:rPr lang="zh-CN" altLang="en-US" dirty="0" smtClean="0"/>
-              <a:t>的</a:t>
-            </a:r>
-            <a:r>
-              <a:rPr lang="zh-CN" altLang="en-US" dirty="0" smtClean="0"/>
-              <a:t>转置矩阵。</a:t>
-            </a:r>
-            <a:r>
-              <a:rPr lang="zh-CN" altLang="en-US" dirty="0" smtClean="0"/>
-              <a:t>这个公式看上去有些复杂，但每⼀个元素有很好的解释。假设我们</a:t>
-            </a:r>
-            <a:r>
-              <a:rPr lang="zh-CN" altLang="en-US" dirty="0" smtClean="0"/>
-              <a:t>知道</a:t>
+              <a:t>的转置矩阵。这个公式看上去有些复杂，但每⼀个元素有很好的解释。假设我们知道</a:t>
             </a:r>
             <a:r>
               <a:rPr lang="en-US" altLang="zh-CN" dirty="0" smtClean="0"/>
@@ -9386,15 +8438,7 @@
             </a:r>
             <a:r>
               <a:rPr lang="zh-CN" altLang="en-US" dirty="0" smtClean="0"/>
-              <a:t>，</a:t>
-            </a:r>
-            <a:r>
-              <a:rPr lang="zh-CN" altLang="en-US" dirty="0" smtClean="0"/>
-              <a:t>我们可以</a:t>
-            </a:r>
-            <a:r>
-              <a:rPr lang="zh-CN" altLang="en-US" dirty="0" smtClean="0"/>
-              <a:t>凭直觉地把它看作是在沿着⽹络反向移动误差，给了我们度量在</a:t>
+              <a:t>，我们可以凭直觉地把它看作是在沿着⽹络反向移动误差，给了我们度量在</a:t>
             </a:r>
             <a:r>
               <a:rPr lang="en-US" altLang="zh-CN" dirty="0" smtClean="0"/>
@@ -9450,11 +8494,7 @@
             </a:r>
             <a:r>
               <a:rPr lang="zh-CN" altLang="en-US" dirty="0" smtClean="0"/>
-              <a:t>。通过</a:t>
-            </a:r>
-            <a:r>
-              <a:rPr lang="zh-CN" altLang="en-US" dirty="0" smtClean="0"/>
-              <a:t>组合这个方程和上一个输出层误差的方程，我们可以计算任何层的误差</a:t>
+              <a:t>。通过组合这个方程和上一个输出层误差的方程，我们可以计算任何层的误差</a:t>
             </a:r>
             <a:r>
               <a:rPr lang="en-US" altLang="zh-CN" dirty="0" err="1" smtClean="0"/>
@@ -9509,7 +8549,7 @@
           <a:p>
             <a:fld id="{4F567D0F-CB54-43C7-9F51-E3F10BE186AE}" type="slidenum">
               <a:rPr lang="zh-CN" altLang="en-US" smtClean="0"/>
-              <a:t>46</a:t>
+              <a:t>45</a:t>
             </a:fld>
             <a:endParaRPr lang="zh-CN" altLang="en-US"/>
           </a:p>
@@ -9594,15 +8634,7 @@
             </a:r>
             <a:r>
               <a:rPr lang="zh-CN" altLang="en-US" dirty="0" smtClean="0"/>
-              <a:t>完全⼀致。这是很好的性质，</a:t>
-            </a:r>
-            <a:r>
-              <a:rPr lang="zh-CN" altLang="en-US" dirty="0" smtClean="0"/>
-              <a:t>因为前两个方程已经</a:t>
-            </a:r>
-            <a:r>
-              <a:rPr lang="zh-CN" altLang="en-US" dirty="0" smtClean="0"/>
-              <a:t>告诉我们如何计算</a:t>
+              <a:t>完全⼀致。这是很好的性质，因为前两个方程已经告诉我们如何计算</a:t>
             </a:r>
             <a:r>
               <a:rPr lang="en-US" altLang="zh-CN" dirty="0" err="1" smtClean="0"/>
@@ -9656,7 +8688,7 @@
           <a:p>
             <a:fld id="{4F567D0F-CB54-43C7-9F51-E3F10BE186AE}" type="slidenum">
               <a:rPr lang="zh-CN" altLang="en-US" smtClean="0"/>
-              <a:t>47</a:t>
+              <a:t>46</a:t>
             </a:fld>
             <a:endParaRPr lang="zh-CN" altLang="en-US"/>
           </a:p>
@@ -9749,15 +8781,7 @@
             </a:r>
             <a:r>
               <a:rPr lang="zh-CN" altLang="en-US" dirty="0" smtClean="0"/>
-              <a:t>这些量我们都已经知道如何计算了</a:t>
-            </a:r>
-            <a:r>
-              <a:rPr lang="zh-CN" altLang="en-US" dirty="0" smtClean="0"/>
-              <a:t>。⽅</a:t>
-            </a:r>
-            <a:r>
-              <a:rPr lang="zh-CN" altLang="en-US" dirty="0" smtClean="0"/>
-              <a:t>程也可以写成下⾯⽤更少下标的表⽰</a:t>
+              <a:t>这些量我们都已经知道如何计算了。⽅程也可以写成下⾯⽤更少下标的表⽰</a:t>
             </a:r>
             <a:endParaRPr lang="en-US" altLang="zh-CN" dirty="0" smtClean="0"/>
           </a:p>
@@ -9796,11 +8820,7 @@
             </a:r>
             <a:r>
               <a:rPr lang="zh-CN" altLang="en-US" dirty="0" smtClean="0"/>
-              <a:t>的神经元的误差</a:t>
-            </a:r>
-            <a:r>
-              <a:rPr lang="zh-CN" altLang="en-US" dirty="0" smtClean="0"/>
-              <a:t>。权重</a:t>
+              <a:t>的神经元的误差。权重</a:t>
             </a:r>
             <a:r>
               <a:rPr lang="en-US" altLang="zh-CN" dirty="0" smtClean="0"/>
@@ -9808,11 +8828,7 @@
             </a:r>
             <a:r>
               <a:rPr lang="zh-CN" altLang="en-US" dirty="0" smtClean="0"/>
-              <a:t>，还有两个由这个权重相连的神经元，我们给出⼀幅图</a:t>
-            </a:r>
-            <a:r>
-              <a:rPr lang="zh-CN" altLang="en-US" dirty="0" smtClean="0"/>
-              <a:t>如下：</a:t>
+              <a:t>，还有两个由这个权重相连的神经元，我们给出⼀幅图如下：</a:t>
             </a:r>
             <a:endParaRPr lang="en-US" altLang="zh-CN" dirty="0" smtClean="0"/>
           </a:p>
@@ -9870,7 +8886,7 @@
           <a:p>
             <a:fld id="{4F567D0F-CB54-43C7-9F51-E3F10BE186AE}" type="slidenum">
               <a:rPr lang="zh-CN" altLang="en-US" smtClean="0"/>
-              <a:t>48</a:t>
+              <a:t>47</a:t>
             </a:fld>
             <a:endParaRPr lang="zh-CN" altLang="en-US"/>
           </a:p>
@@ -10027,11 +9043,7 @@
             </a:r>
             <a:r>
               <a:rPr lang="en-US" altLang="zh-CN" dirty="0" smtClean="0"/>
-              <a:t>) </a:t>
-            </a:r>
-            <a:r>
-              <a:rPr lang="en-US" altLang="zh-CN" dirty="0" smtClean="0"/>
-              <a:t>≈ 0</a:t>
+              <a:t>) ≈ 0</a:t>
             </a:r>
             <a:r>
               <a:rPr lang="zh-CN" altLang="en-US" dirty="0" smtClean="0"/>
@@ -10051,27 +9063,11 @@
             </a:r>
             <a:r>
               <a:rPr lang="zh-CN" altLang="en-US" dirty="0" smtClean="0"/>
-              <a:t>） 时，最终层的权重学习缓慢。这样的情形，我们常常称输出神经元已经饱和了，并且，权重学习也会终⽌（或者学习⾮常缓慢）。类似的结果对于输出神经元的偏置也是成⽴的</a:t>
-            </a:r>
-            <a:r>
-              <a:rPr lang="zh-CN" altLang="en-US" dirty="0" smtClean="0"/>
-              <a:t>。针对</a:t>
-            </a:r>
-            <a:r>
-              <a:rPr lang="zh-CN" altLang="en-US" dirty="0" smtClean="0"/>
-              <a:t>前⾯的层，我们也有类似的观点。特别地，</a:t>
-            </a:r>
-            <a:r>
-              <a:rPr lang="zh-CN" altLang="en-US" dirty="0" smtClean="0"/>
-              <a:t>注意看</a:t>
-            </a:r>
-            <a:r>
-              <a:rPr lang="en-US" altLang="zh-CN" dirty="0" smtClean="0"/>
-              <a:t>(</a:t>
-            </a:r>
-            <a:r>
-              <a:rPr lang="en-US" altLang="zh-CN" dirty="0" smtClean="0"/>
-              <a:t>BP2)</a:t>
+              <a:t>） 时，最终层的权重学习缓慢。这样的情形，我们常常称输出神经元已经饱和了，并且，权重学习也会终⽌（或者学习⾮常缓慢）。类似的结果对于输出神经元的偏置也是成⽴的。针对前⾯的层，我们也有类似的观点。特别地，注意看</a:t>
+            </a:r>
+            <a:r>
+              <a:rPr lang="en-US" altLang="zh-CN" dirty="0" smtClean="0"/>
+              <a:t>(BP2)</a:t>
             </a:r>
             <a:r>
               <a:rPr lang="zh-CN" altLang="en-US" dirty="0" smtClean="0"/>
@@ -10099,23 +9095,7 @@
             </a:r>
             <a:r>
               <a:rPr lang="zh-CN" altLang="en-US" dirty="0" smtClean="0"/>
-              <a:t>很可能变⼩。这就导致任何输⼊进⼀个饱和的神经元的权重学习缓慢</a:t>
-            </a:r>
-            <a:r>
-              <a:rPr lang="zh-CN" altLang="en-US" dirty="0" smtClean="0"/>
-              <a:t>。总结</a:t>
-            </a:r>
-            <a:r>
-              <a:rPr lang="zh-CN" altLang="en-US" dirty="0" smtClean="0"/>
-              <a:t>⼀下，我们已经学习到，如果输⼊神经元激活值很低，或者输出神经元已经饱和了（过⾼或者过低的激活值），权重会学习缓慢</a:t>
-            </a:r>
-            <a:r>
-              <a:rPr lang="zh-CN" altLang="en-US" dirty="0" smtClean="0"/>
-              <a:t>。这些</a:t>
-            </a:r>
-            <a:r>
-              <a:rPr lang="zh-CN" altLang="en-US" dirty="0" smtClean="0"/>
-              <a:t>观测其实也不是⾮常出于意料的。不过，他们帮助我们完善了关于神经⽹络学习的背后的思维模型。⽽且，我们可以将这种推断⽅式进⾏推⼴。四个基本⽅程也其实对任何的激活函数都是成⽴的（稍后证明中也可以看到，其实推断本⾝不依赖于任何具体的代价函数）所以，我们可以使⽤这些⽅程来设计有特定学习属性的激活函数。我们这⾥给个例⼦，假设我们准备选择⼀个（⾮</a:t>
+              <a:t>很可能变⼩。这就导致任何输⼊进⼀个饱和的神经元的权重学习缓慢。总结⼀下，我们已经学习到，如果输⼊神经元激活值很低，或者输出神经元已经饱和了（过⾼或者过低的激活值），权重会学习缓慢。这些观测其实也不是⾮常出于意料的。不过，他们帮助我们完善了关于神经⽹络学习的背后的思维模型。⽽且，我们可以将这种推断⽅式进⾏推⼴。四个基本⽅程也其实对任何的激活函数都是成⽴的（稍后证明中也可以看到，其实推断本⾝不依赖于任何具体的代价函数）所以，我们可以使⽤这些⽅程来设计有特定学习属性的激活函数。我们这⾥给个例⼦，假设我们准备选择⼀个（⾮</a:t>
             </a:r>
             <a:r>
               <a:rPr lang="en-US" altLang="zh-CN" dirty="0" smtClean="0"/>
@@ -10178,7 +9158,7 @@
           <a:p>
             <a:fld id="{4F567D0F-CB54-43C7-9F51-E3F10BE186AE}" type="slidenum">
               <a:rPr lang="zh-CN" altLang="en-US" smtClean="0"/>
-              <a:t>49</a:t>
+              <a:t>48</a:t>
             </a:fld>
             <a:endParaRPr lang="zh-CN" altLang="en-US"/>
           </a:p>
@@ -10335,11 +9315,7 @@
           <a:p>
             <a:r>
               <a:rPr lang="zh-CN" altLang="en-US" dirty="0" smtClean="0"/>
-              <a:t>这</a:t>
-            </a:r>
-            <a:r>
-              <a:rPr lang="zh-CN" altLang="en-US" dirty="0" smtClean="0"/>
-              <a:t>⾥求和是在输出层的所有神经元</a:t>
+              <a:t>这⾥求和是在输出层的所有神经元</a:t>
             </a:r>
             <a:r>
               <a:rPr lang="en-US" altLang="zh-CN" dirty="0" smtClean="0"/>
@@ -10363,11 +9339,7 @@
             </a:r>
             <a:r>
               <a:rPr lang="zh-CN" altLang="en-US" dirty="0" smtClean="0"/>
-              <a:t>只依赖于</a:t>
-            </a:r>
-            <a:r>
-              <a:rPr lang="zh-CN" altLang="en-US" dirty="0" smtClean="0"/>
-              <a:t>当</a:t>
+              <a:t>只依赖于当</a:t>
             </a:r>
             <a:r>
               <a:rPr lang="en-US" altLang="zh-CN" dirty="0" smtClean="0"/>
@@ -10415,26 +9387,14 @@
             </a:r>
             <a:r>
               <a:rPr lang="zh-CN" altLang="en-US" dirty="0" smtClean="0"/>
-              <a:t>消失</a:t>
-            </a:r>
-            <a:r>
-              <a:rPr lang="zh-CN" altLang="en-US" dirty="0" smtClean="0"/>
-              <a:t>了。结果我们可以简化上⼀个⽅程为</a:t>
-            </a:r>
-            <a:r>
-              <a:rPr lang="zh-CN" altLang="en-US" dirty="0" smtClean="0"/>
-              <a:t>：</a:t>
+              <a:t>消失了。结果我们可以简化上⼀个⽅程为：</a:t>
             </a:r>
             <a:endParaRPr lang="en-US" altLang="zh-CN" dirty="0" smtClean="0"/>
           </a:p>
           <a:p>
             <a:r>
               <a:rPr lang="zh-CN" altLang="en-US" dirty="0" smtClean="0"/>
-              <a:t>回想</a:t>
-            </a:r>
-            <a:r>
-              <a:rPr lang="zh-CN" altLang="en-US" dirty="0" smtClean="0"/>
-              <a:t>下</a:t>
+              <a:t>回想下</a:t>
             </a:r>
             <a:r>
               <a:rPr lang="en-US" altLang="zh-CN" dirty="0" err="1" smtClean="0"/>
@@ -10506,7 +9466,7 @@
           <a:p>
             <a:fld id="{4F567D0F-CB54-43C7-9F51-E3F10BE186AE}" type="slidenum">
               <a:rPr lang="zh-CN" altLang="en-US" smtClean="0"/>
-              <a:t>50</a:t>
+              <a:t>49</a:t>
             </a:fld>
             <a:endParaRPr lang="zh-CN" altLang="en-US"/>
           </a:p>
@@ -10600,11 +9560,7 @@
           <a:p>
             <a:r>
               <a:rPr lang="zh-CN" altLang="en-US" dirty="0" smtClean="0"/>
-              <a:t>这正是分量</a:t>
-            </a:r>
-            <a:r>
-              <a:rPr lang="zh-CN" altLang="en-US" dirty="0" smtClean="0"/>
-              <a:t>形式的</a:t>
+              <a:t>这正是分量形式的</a:t>
             </a:r>
             <a:r>
               <a:rPr lang="en-US" altLang="zh-CN" dirty="0" smtClean="0"/>
@@ -10619,27 +9575,7 @@
           <a:p>
             <a:r>
               <a:rPr lang="zh-CN" altLang="en-US" dirty="0" smtClean="0"/>
-              <a:t>证明本⾝看起来复杂。但是实际上就是</a:t>
-            </a:r>
-            <a:r>
-              <a:rPr lang="zh-CN" altLang="en-US" dirty="0" smtClean="0"/>
-              <a:t>细⼼</a:t>
-            </a:r>
-            <a:r>
-              <a:rPr lang="zh-CN" altLang="en-US" dirty="0" smtClean="0"/>
-              <a:t>地应⽤链式法则。我们可以将反向传播看成是⼀种系统性地应⽤多元微积分中的链式法则</a:t>
-            </a:r>
-            <a:r>
-              <a:rPr lang="zh-CN" altLang="en-US" dirty="0" smtClean="0"/>
-              <a:t>来计算</a:t>
-            </a:r>
-            <a:r>
-              <a:rPr lang="zh-CN" altLang="en-US" dirty="0" smtClean="0"/>
-              <a:t>代价函数的梯度的⽅式。这些就是反向传播理论上的</a:t>
-            </a:r>
-            <a:r>
-              <a:rPr lang="zh-CN" altLang="en-US" dirty="0" smtClean="0"/>
-              <a:t>内容。</a:t>
+              <a:t>证明本⾝看起来复杂。但是实际上就是细⼼地应⽤链式法则。我们可以将反向传播看成是⼀种系统性地应⽤多元微积分中的链式法则来计算代价函数的梯度的⽅式。这些就是反向传播理论上的内容。</a:t>
             </a:r>
             <a:endParaRPr lang="zh-CN" altLang="en-US" dirty="0"/>
           </a:p>
@@ -10662,7 +9598,7 @@
           <a:p>
             <a:fld id="{4F567D0F-CB54-43C7-9F51-E3F10BE186AE}" type="slidenum">
               <a:rPr lang="zh-CN" altLang="en-US" smtClean="0"/>
-              <a:t>51</a:t>
+              <a:t>50</a:t>
             </a:fld>
             <a:endParaRPr lang="zh-CN" altLang="en-US"/>
           </a:p>
@@ -10727,11 +9663,7 @@
           <a:p>
             <a:r>
               <a:rPr lang="zh-CN" altLang="en-US" dirty="0" smtClean="0"/>
-              <a:t>检视这个算法，你可以看到为何它被称作反向传播。我们从最后⼀层开始向后计算误差</a:t>
-            </a:r>
-            <a:r>
-              <a:rPr lang="zh-CN" altLang="en-US" dirty="0" smtClean="0"/>
-              <a:t>向量</a:t>
+              <a:t>检视这个算法，你可以看到为何它被称作反向传播。我们从最后⼀层开始向后计算误差向量</a:t>
             </a:r>
             <a:r>
               <a:rPr lang="en-US" altLang="zh-CN" dirty="0" err="1" smtClean="0"/>
@@ -10739,15 +9671,7 @@
             </a:r>
             <a:r>
               <a:rPr lang="zh-CN" altLang="en-US" dirty="0" smtClean="0"/>
-              <a:t>。这看起来有点奇怪，为何要从后⾯开始。但是如果你认真思考反向传播的证明，这种反向移动其实是代价函数是⽹络输出的函数的结果。为了理解代价随前⾯层的权重和偏置变化的规律</a:t>
-            </a:r>
-            <a:r>
-              <a:rPr lang="zh-CN" altLang="en-US" dirty="0" smtClean="0"/>
-              <a:t>，我们</a:t>
-            </a:r>
-            <a:r>
-              <a:rPr lang="zh-CN" altLang="en-US" dirty="0" smtClean="0"/>
-              <a:t>需要重复作⽤链式法则，反向地获得需要的表达式。 </a:t>
+              <a:t>。这看起来有点奇怪，为何要从后⾯开始。但是如果你认真思考反向传播的证明，这种反向移动其实是代价函数是⽹络输出的函数的结果。为了理解代价随前⾯层的权重和偏置变化的规律，我们需要重复作⽤链式法则，反向地获得需要的表达式。 </a:t>
             </a:r>
             <a:endParaRPr lang="zh-CN" altLang="en-US" dirty="0"/>
           </a:p>
@@ -10770,7 +9694,7 @@
           <a:p>
             <a:fld id="{4F567D0F-CB54-43C7-9F51-E3F10BE186AE}" type="slidenum">
               <a:rPr lang="zh-CN" altLang="en-US" smtClean="0"/>
-              <a:t>53</a:t>
+              <a:t>52</a:t>
             </a:fld>
             <a:endParaRPr lang="zh-CN" altLang="en-US"/>
           </a:p>
@@ -11101,7 +10025,7 @@
           <a:p>
             <a:fld id="{4F567D0F-CB54-43C7-9F51-E3F10BE186AE}" type="slidenum">
               <a:rPr lang="zh-CN" altLang="en-US" smtClean="0"/>
-              <a:t>54</a:t>
+              <a:t>53</a:t>
             </a:fld>
             <a:endParaRPr lang="zh-CN" altLang="en-US"/>
           </a:p>
@@ -11194,11 +10118,7 @@
             </a:r>
             <a:r>
               <a:rPr lang="zh-CN" altLang="en-US" dirty="0" smtClean="0"/>
-              <a:t>这⾥完成的，调⽤</a:t>
-            </a:r>
-            <a:r>
-              <a:rPr lang="zh-CN" altLang="en-US" dirty="0" smtClean="0"/>
-              <a:t>了</a:t>
+              <a:t>这⾥完成的，调⽤了</a:t>
             </a:r>
             <a:r>
               <a:rPr lang="en-US" altLang="zh-CN" dirty="0" err="1" smtClean="0"/>
@@ -11262,15 +10182,7 @@
             </a:r>
             <a:r>
               <a:rPr lang="zh-CN" altLang="en-US" dirty="0" smtClean="0"/>
-              <a:t>我们使⽤⼀个略微不同的⽅式来索引神经⽹络的层。这个改变</a:t>
-            </a:r>
-            <a:r>
-              <a:rPr lang="zh-CN" altLang="en-US" dirty="0" smtClean="0"/>
-              <a:t>其实是</a:t>
-            </a:r>
-            <a:r>
-              <a:rPr lang="zh-CN" altLang="en-US" dirty="0" smtClean="0"/>
-              <a:t>为了</a:t>
+              <a:t>我们使⽤⼀个略微不同的⽅式来索引神经⽹络的层。这个改变其实是为了</a:t>
             </a:r>
             <a:r>
               <a:rPr lang="en-US" altLang="zh-CN" dirty="0" smtClean="0"/>
@@ -11294,15 +10206,7 @@
             </a:r>
             <a:r>
               <a:rPr lang="zh-CN" altLang="en-US" dirty="0" smtClean="0"/>
-              <a:t>其实</a:t>
-            </a:r>
-            <a:r>
-              <a:rPr lang="zh-CN" altLang="en-US" dirty="0" smtClean="0"/>
-              <a:t>是列表</a:t>
-            </a:r>
-            <a:r>
-              <a:rPr lang="zh-CN" altLang="en-US" dirty="0" smtClean="0"/>
-              <a:t>中的倒数第三个元素。</a:t>
+              <a:t>其实是列表中的倒数第三个元素。</a:t>
             </a:r>
             <a:endParaRPr lang="zh-CN" altLang="en-US" dirty="0"/>
           </a:p>
@@ -11325,7 +10229,7 @@
           <a:p>
             <a:fld id="{4F567D0F-CB54-43C7-9F51-E3F10BE186AE}" type="slidenum">
               <a:rPr lang="zh-CN" altLang="en-US" smtClean="0"/>
-              <a:t>55</a:t>
+              <a:t>54</a:t>
             </a:fld>
             <a:endParaRPr lang="zh-CN" altLang="en-US"/>
           </a:p>
@@ -11409,7 +10313,7 @@
           <a:p>
             <a:fld id="{4F567D0F-CB54-43C7-9F51-E3F10BE186AE}" type="slidenum">
               <a:rPr lang="zh-CN" altLang="en-US" smtClean="0"/>
-              <a:t>56</a:t>
+              <a:t>55</a:t>
             </a:fld>
             <a:endParaRPr lang="zh-CN" altLang="en-US"/>
           </a:p>
@@ -11493,7 +10397,7 @@
           <a:p>
             <a:fld id="{4F567D0F-CB54-43C7-9F51-E3F10BE186AE}" type="slidenum">
               <a:rPr lang="zh-CN" altLang="en-US" smtClean="0"/>
-              <a:t>58</a:t>
+              <a:t>57</a:t>
             </a:fld>
             <a:endParaRPr lang="zh-CN" altLang="en-US"/>
           </a:p>
@@ -11577,7 +10481,7 @@
           <a:p>
             <a:fld id="{4F567D0F-CB54-43C7-9F51-E3F10BE186AE}" type="slidenum">
               <a:rPr lang="zh-CN" altLang="en-US" smtClean="0"/>
-              <a:t>60</a:t>
+              <a:t>59</a:t>
             </a:fld>
             <a:endParaRPr lang="zh-CN" altLang="en-US"/>
           </a:p>
@@ -12816,7 +11720,7 @@
           <a:p>
             <a:fld id="{5FE1FE31-79AE-4B3D-B8DD-B66A748863AF}" type="datetimeFigureOut">
               <a:rPr lang="zh-CN" altLang="en-US" smtClean="0"/>
-              <a:t>2019/10/16</a:t>
+              <a:t>2019/10/17</a:t>
             </a:fld>
             <a:endParaRPr lang="zh-CN" altLang="en-US"/>
           </a:p>
@@ -12981,7 +11885,7 @@
           <a:p>
             <a:fld id="{5FE1FE31-79AE-4B3D-B8DD-B66A748863AF}" type="datetimeFigureOut">
               <a:rPr lang="zh-CN" altLang="en-US" smtClean="0"/>
-              <a:t>2019/10/16</a:t>
+              <a:t>2019/10/17</a:t>
             </a:fld>
             <a:endParaRPr lang="zh-CN" altLang="en-US"/>
           </a:p>
@@ -13156,7 +12060,7 @@
           <a:p>
             <a:fld id="{5FE1FE31-79AE-4B3D-B8DD-B66A748863AF}" type="datetimeFigureOut">
               <a:rPr lang="zh-CN" altLang="en-US" smtClean="0"/>
-              <a:t>2019/10/16</a:t>
+              <a:t>2019/10/17</a:t>
             </a:fld>
             <a:endParaRPr lang="zh-CN" altLang="en-US"/>
           </a:p>
@@ -13339,7 +12243,7 @@
           <a:p>
             <a:fld id="{5FE1FE31-79AE-4B3D-B8DD-B66A748863AF}" type="datetimeFigureOut">
               <a:rPr lang="zh-CN" altLang="en-US" smtClean="0"/>
-              <a:t>2019/10/16</a:t>
+              <a:t>2019/10/17</a:t>
             </a:fld>
             <a:endParaRPr lang="zh-CN" altLang="en-US"/>
           </a:p>
@@ -13601,7 +12505,7 @@
           <a:p>
             <a:fld id="{5FE1FE31-79AE-4B3D-B8DD-B66A748863AF}" type="datetimeFigureOut">
               <a:rPr lang="zh-CN" altLang="en-US" smtClean="0"/>
-              <a:t>2019/10/16</a:t>
+              <a:t>2019/10/17</a:t>
             </a:fld>
             <a:endParaRPr lang="zh-CN" altLang="en-US"/>
           </a:p>
@@ -13949,7 +12853,7 @@
           <a:p>
             <a:fld id="{5FE1FE31-79AE-4B3D-B8DD-B66A748863AF}" type="datetimeFigureOut">
               <a:rPr lang="zh-CN" altLang="en-US" smtClean="0"/>
-              <a:t>2019/10/16</a:t>
+              <a:t>2019/10/17</a:t>
             </a:fld>
             <a:endParaRPr lang="zh-CN" altLang="en-US"/>
           </a:p>
@@ -14257,7 +13161,7 @@
           <a:p>
             <a:fld id="{5FE1FE31-79AE-4B3D-B8DD-B66A748863AF}" type="datetimeFigureOut">
               <a:rPr lang="zh-CN" altLang="en-US" smtClean="0"/>
-              <a:t>2019/10/16</a:t>
+              <a:t>2019/10/17</a:t>
             </a:fld>
             <a:endParaRPr lang="zh-CN" altLang="en-US"/>
           </a:p>
@@ -14484,7 +13388,7 @@
           <a:p>
             <a:fld id="{5FE1FE31-79AE-4B3D-B8DD-B66A748863AF}" type="datetimeFigureOut">
               <a:rPr lang="zh-CN" altLang="en-US" smtClean="0"/>
-              <a:t>2019/10/16</a:t>
+              <a:t>2019/10/17</a:t>
             </a:fld>
             <a:endParaRPr lang="zh-CN" altLang="en-US"/>
           </a:p>
@@ -14574,7 +13478,7 @@
           <a:p>
             <a:fld id="{5FE1FE31-79AE-4B3D-B8DD-B66A748863AF}" type="datetimeFigureOut">
               <a:rPr lang="zh-CN" altLang="en-US" smtClean="0"/>
-              <a:t>2019/10/16</a:t>
+              <a:t>2019/10/17</a:t>
             </a:fld>
             <a:endParaRPr lang="zh-CN" altLang="en-US"/>
           </a:p>
@@ -14862,7 +13766,7 @@
           <a:p>
             <a:fld id="{5FE1FE31-79AE-4B3D-B8DD-B66A748863AF}" type="datetimeFigureOut">
               <a:rPr lang="zh-CN" altLang="en-US" smtClean="0"/>
-              <a:t>2019/10/16</a:t>
+              <a:t>2019/10/17</a:t>
             </a:fld>
             <a:endParaRPr lang="zh-CN" altLang="en-US"/>
           </a:p>
@@ -15131,7 +14035,7 @@
           <a:p>
             <a:fld id="{5FE1FE31-79AE-4B3D-B8DD-B66A748863AF}" type="datetimeFigureOut">
               <a:rPr lang="zh-CN" altLang="en-US" smtClean="0"/>
-              <a:t>2019/10/16</a:t>
+              <a:t>2019/10/17</a:t>
             </a:fld>
             <a:endParaRPr lang="zh-CN" altLang="en-US"/>
           </a:p>
@@ -15341,7 +14245,7 @@
           <a:p>
             <a:fld id="{5FE1FE31-79AE-4B3D-B8DD-B66A748863AF}" type="datetimeFigureOut">
               <a:rPr lang="zh-CN" altLang="en-US" smtClean="0"/>
-              <a:t>2019/10/16</a:t>
+              <a:t>2019/10/17</a:t>
             </a:fld>
             <a:endParaRPr lang="zh-CN" altLang="en-US"/>
           </a:p>
@@ -17436,235 +16340,6 @@
             <p:ph type="title"/>
           </p:nvPr>
         </p:nvSpPr>
-        <p:spPr/>
-        <p:txBody>
-          <a:bodyPr/>
-          <a:lstStyle/>
-          <a:p>
-            <a:pPr algn="l"/>
-            <a:r>
-              <a:rPr lang="en-US" altLang="zh-CN" dirty="0" smtClean="0"/>
-              <a:t>1.5 </a:t>
-            </a:r>
-            <a:r>
-              <a:rPr lang="zh-CN" altLang="en-US" dirty="0" smtClean="0"/>
-              <a:t>分类手写数字</a:t>
-            </a:r>
-            <a:endParaRPr lang="zh-CN" altLang="en-US" dirty="0"/>
-          </a:p>
-        </p:txBody>
-      </p:sp>
-      <p:pic>
-        <p:nvPicPr>
-          <p:cNvPr id="10242" name="Picture 2"/>
-          <p:cNvPicPr>
-            <a:picLocks noGrp="1" noChangeAspect="1" noChangeArrowheads="1"/>
-          </p:cNvPicPr>
-          <p:nvPr>
-            <p:ph idx="1"/>
-          </p:nvPr>
-        </p:nvPicPr>
-        <p:blipFill>
-          <a:blip r:embed="rId2">
-            <a:extLst>
-              <a:ext uri="{28A0092B-C50C-407E-A947-70E740481C1C}">
-                <a14:useLocalDpi xmlns:a14="http://schemas.microsoft.com/office/drawing/2010/main" val="0"/>
-              </a:ext>
-            </a:extLst>
-          </a:blip>
-          <a:srcRect/>
-          <a:stretch>
-            <a:fillRect/>
-          </a:stretch>
-        </p:blipFill>
-        <p:spPr bwMode="auto">
-          <a:xfrm>
-            <a:off x="1352606" y="1691283"/>
-            <a:ext cx="1619250" cy="1590675"/>
-          </a:xfrm>
-          <a:prstGeom prst="rect">
-            <a:avLst/>
-          </a:prstGeom>
-          <a:noFill/>
-          <a:ln>
-            <a:noFill/>
-          </a:ln>
-          <a:extLst>
-            <a:ext uri="{909E8E84-426E-40DD-AFC4-6F175D3DCCD1}">
-              <a14:hiddenFill xmlns:a14="http://schemas.microsoft.com/office/drawing/2010/main">
-                <a:solidFill>
-                  <a:schemeClr val="accent1"/>
-                </a:solidFill>
-              </a14:hiddenFill>
-            </a:ext>
-            <a:ext uri="{91240B29-F687-4F45-9708-019B960494DF}">
-              <a14:hiddenLine xmlns:a14="http://schemas.microsoft.com/office/drawing/2010/main" w="9525">
-                <a:solidFill>
-                  <a:schemeClr val="tx1"/>
-                </a:solidFill>
-                <a:miter lim="800000"/>
-                <a:headEnd/>
-                <a:tailEnd/>
-              </a14:hiddenLine>
-            </a:ext>
-          </a:extLst>
-        </p:spPr>
-      </p:pic>
-      <p:pic>
-        <p:nvPicPr>
-          <p:cNvPr id="10243" name="Picture 3"/>
-          <p:cNvPicPr>
-            <a:picLocks noChangeAspect="1" noChangeArrowheads="1"/>
-          </p:cNvPicPr>
-          <p:nvPr/>
-        </p:nvPicPr>
-        <p:blipFill>
-          <a:blip r:embed="rId3">
-            <a:extLst>
-              <a:ext uri="{28A0092B-C50C-407E-A947-70E740481C1C}">
-                <a14:useLocalDpi xmlns:a14="http://schemas.microsoft.com/office/drawing/2010/main" val="0"/>
-              </a:ext>
-            </a:extLst>
-          </a:blip>
-          <a:srcRect/>
-          <a:stretch>
-            <a:fillRect/>
-          </a:stretch>
-        </p:blipFill>
-        <p:spPr bwMode="auto">
-          <a:xfrm>
-            <a:off x="2987824" y="1700808"/>
-            <a:ext cx="4495800" cy="1581150"/>
-          </a:xfrm>
-          <a:prstGeom prst="rect">
-            <a:avLst/>
-          </a:prstGeom>
-          <a:noFill/>
-          <a:ln>
-            <a:noFill/>
-          </a:ln>
-          <a:extLst>
-            <a:ext uri="{909E8E84-426E-40DD-AFC4-6F175D3DCCD1}">
-              <a14:hiddenFill xmlns:a14="http://schemas.microsoft.com/office/drawing/2010/main">
-                <a:solidFill>
-                  <a:schemeClr val="accent1"/>
-                </a:solidFill>
-              </a14:hiddenFill>
-            </a:ext>
-            <a:ext uri="{91240B29-F687-4F45-9708-019B960494DF}">
-              <a14:hiddenLine xmlns:a14="http://schemas.microsoft.com/office/drawing/2010/main" w="9525">
-                <a:solidFill>
-                  <a:schemeClr val="tx1"/>
-                </a:solidFill>
-                <a:miter lim="800000"/>
-                <a:headEnd/>
-                <a:tailEnd/>
-              </a14:hiddenLine>
-            </a:ext>
-          </a:extLst>
-        </p:spPr>
-      </p:pic>
-      <p:pic>
-        <p:nvPicPr>
-          <p:cNvPr id="10244" name="Picture 4"/>
-          <p:cNvPicPr>
-            <a:picLocks noChangeAspect="1" noChangeArrowheads="1"/>
-          </p:cNvPicPr>
-          <p:nvPr/>
-        </p:nvPicPr>
-        <p:blipFill>
-          <a:blip r:embed="rId4">
-            <a:extLst>
-              <a:ext uri="{28A0092B-C50C-407E-A947-70E740481C1C}">
-                <a14:useLocalDpi xmlns:a14="http://schemas.microsoft.com/office/drawing/2010/main" val="0"/>
-              </a:ext>
-            </a:extLst>
-          </a:blip>
-          <a:srcRect/>
-          <a:stretch>
-            <a:fillRect/>
-          </a:stretch>
-        </p:blipFill>
-        <p:spPr bwMode="auto">
-          <a:xfrm>
-            <a:off x="2987824" y="4149080"/>
-            <a:ext cx="2190750" cy="1704975"/>
-          </a:xfrm>
-          <a:prstGeom prst="rect">
-            <a:avLst/>
-          </a:prstGeom>
-          <a:noFill/>
-          <a:ln>
-            <a:noFill/>
-          </a:ln>
-          <a:extLst>
-            <a:ext uri="{909E8E84-426E-40DD-AFC4-6F175D3DCCD1}">
-              <a14:hiddenFill xmlns:a14="http://schemas.microsoft.com/office/drawing/2010/main">
-                <a:solidFill>
-                  <a:schemeClr val="accent1"/>
-                </a:solidFill>
-              </a14:hiddenFill>
-            </a:ext>
-            <a:ext uri="{91240B29-F687-4F45-9708-019B960494DF}">
-              <a14:hiddenLine xmlns:a14="http://schemas.microsoft.com/office/drawing/2010/main" w="9525">
-                <a:solidFill>
-                  <a:schemeClr val="tx1"/>
-                </a:solidFill>
-                <a:miter lim="800000"/>
-                <a:headEnd/>
-                <a:tailEnd/>
-              </a14:hiddenLine>
-            </a:ext>
-          </a:extLst>
-        </p:spPr>
-      </p:pic>
-    </p:spTree>
-    <p:extLst>
-      <p:ext uri="{BB962C8B-B14F-4D97-AF65-F5344CB8AC3E}">
-        <p14:creationId xmlns:p14="http://schemas.microsoft.com/office/powerpoint/2010/main" val="1824650933"/>
-      </p:ext>
-    </p:extLst>
-  </p:cSld>
-  <p:clrMapOvr>
-    <a:masterClrMapping/>
-  </p:clrMapOvr>
-  <p:timing>
-    <p:tnLst>
-      <p:par>
-        <p:cTn id="1" dur="indefinite" restart="never" nodeType="tmRoot"/>
-      </p:par>
-    </p:tnLst>
-  </p:timing>
-</p:sld>
-</file>
-
-<file path=ppt/slides/slide19.xml><?xml version="1.0" encoding="utf-8"?>
-<p:sld xmlns:a="http://schemas.openxmlformats.org/drawingml/2006/main" xmlns:r="http://schemas.openxmlformats.org/officeDocument/2006/relationships" xmlns:p="http://schemas.openxmlformats.org/presentationml/2006/main">
-  <p:cSld>
-    <p:spTree>
-      <p:nvGrpSpPr>
-        <p:cNvPr id="1" name=""/>
-        <p:cNvGrpSpPr/>
-        <p:nvPr/>
-      </p:nvGrpSpPr>
-      <p:grpSpPr>
-        <a:xfrm>
-          <a:off x="0" y="0"/>
-          <a:ext cx="0" cy="0"/>
-          <a:chOff x="0" y="0"/>
-          <a:chExt cx="0" cy="0"/>
-        </a:xfrm>
-      </p:grpSpPr>
-      <p:sp>
-        <p:nvSpPr>
-          <p:cNvPr id="2" name="标题 1"/>
-          <p:cNvSpPr>
-            <a:spLocks noGrp="1"/>
-          </p:cNvSpPr>
-          <p:nvPr>
-            <p:ph type="title"/>
-          </p:nvPr>
-        </p:nvSpPr>
         <p:spPr>
           <a:xfrm>
             <a:off x="467544" y="2204864"/>
@@ -17719,242 +16394,7 @@
 </p:sld>
 </file>
 
-<file path=ppt/slides/slide2.xml><?xml version="1.0" encoding="utf-8"?>
-<p:sld xmlns:a="http://schemas.openxmlformats.org/drawingml/2006/main" xmlns:r="http://schemas.openxmlformats.org/officeDocument/2006/relationships" xmlns:p="http://schemas.openxmlformats.org/presentationml/2006/main">
-  <p:cSld>
-    <p:spTree>
-      <p:nvGrpSpPr>
-        <p:cNvPr id="1" name=""/>
-        <p:cNvGrpSpPr/>
-        <p:nvPr/>
-      </p:nvGrpSpPr>
-      <p:grpSpPr>
-        <a:xfrm>
-          <a:off x="0" y="0"/>
-          <a:ext cx="0" cy="0"/>
-          <a:chOff x="0" y="0"/>
-          <a:chExt cx="0" cy="0"/>
-        </a:xfrm>
-      </p:grpSpPr>
-      <p:sp>
-        <p:nvSpPr>
-          <p:cNvPr id="2" name="标题 1"/>
-          <p:cNvSpPr>
-            <a:spLocks noGrp="1"/>
-          </p:cNvSpPr>
-          <p:nvPr>
-            <p:ph type="title"/>
-          </p:nvPr>
-        </p:nvSpPr>
-        <p:spPr/>
-        <p:txBody>
-          <a:bodyPr/>
-          <a:lstStyle/>
-          <a:p>
-            <a:pPr algn="l"/>
-            <a:r>
-              <a:rPr lang="zh-CN" altLang="en-US" dirty="0" smtClean="0"/>
-              <a:t>目录</a:t>
-            </a:r>
-            <a:endParaRPr lang="zh-CN" altLang="en-US" dirty="0"/>
-          </a:p>
-        </p:txBody>
-      </p:sp>
-      <p:sp>
-        <p:nvSpPr>
-          <p:cNvPr id="3" name="内容占位符 2"/>
-          <p:cNvSpPr>
-            <a:spLocks noGrp="1"/>
-          </p:cNvSpPr>
-          <p:nvPr>
-            <p:ph idx="1"/>
-          </p:nvPr>
-        </p:nvSpPr>
-        <p:spPr/>
-        <p:txBody>
-          <a:bodyPr>
-            <a:normAutofit/>
-          </a:bodyPr>
-          <a:lstStyle/>
-          <a:p>
-            <a:pPr>
-              <a:lnSpc>
-                <a:spcPct val="200000"/>
-              </a:lnSpc>
-              <a:buClr>
-                <a:schemeClr val="accent1">
-                  <a:lumMod val="75000"/>
-                </a:schemeClr>
-              </a:buClr>
-              <a:buFont typeface="Wingdings" panose="05000000000000000000" pitchFamily="2" charset="2"/>
-              <a:buChar char="u"/>
-            </a:pPr>
-            <a:r>
-              <a:rPr lang="en-US" altLang="zh-CN" sz="3200" dirty="0" smtClean="0">
-                <a:solidFill>
-                  <a:schemeClr val="tx1"/>
-                </a:solidFill>
-              </a:rPr>
-              <a:t>  </a:t>
-            </a:r>
-            <a:r>
-              <a:rPr lang="zh-CN" altLang="en-US" sz="3200" dirty="0" smtClean="0">
-                <a:solidFill>
-                  <a:schemeClr val="tx1"/>
-                </a:solidFill>
-              </a:rPr>
-              <a:t>神经网络</a:t>
-            </a:r>
-            <a:endParaRPr lang="en-US" altLang="zh-CN" sz="3200" dirty="0" smtClean="0">
-              <a:solidFill>
-                <a:schemeClr val="tx1"/>
-              </a:solidFill>
-            </a:endParaRPr>
-          </a:p>
-          <a:p>
-            <a:pPr>
-              <a:lnSpc>
-                <a:spcPct val="200000"/>
-              </a:lnSpc>
-              <a:buClr>
-                <a:schemeClr val="accent1">
-                  <a:lumMod val="75000"/>
-                </a:schemeClr>
-              </a:buClr>
-              <a:buFont typeface="Wingdings" panose="05000000000000000000" pitchFamily="2" charset="2"/>
-              <a:buChar char="u"/>
-            </a:pPr>
-            <a:r>
-              <a:rPr lang="en-US" altLang="zh-CN" sz="3200" dirty="0" smtClean="0">
-                <a:solidFill>
-                  <a:schemeClr val="tx1"/>
-                </a:solidFill>
-              </a:rPr>
-              <a:t>  </a:t>
-            </a:r>
-            <a:r>
-              <a:rPr lang="zh-CN" altLang="en-US" sz="3200" dirty="0" smtClean="0">
-                <a:solidFill>
-                  <a:schemeClr val="tx1"/>
-                </a:solidFill>
-              </a:rPr>
-              <a:t>随机梯度下降</a:t>
-            </a:r>
-            <a:endParaRPr lang="en-US" altLang="zh-CN" sz="3200" dirty="0" smtClean="0">
-              <a:solidFill>
-                <a:schemeClr val="tx1"/>
-              </a:solidFill>
-            </a:endParaRPr>
-          </a:p>
-          <a:p>
-            <a:pPr>
-              <a:lnSpc>
-                <a:spcPct val="200000"/>
-              </a:lnSpc>
-              <a:buClr>
-                <a:schemeClr val="accent1">
-                  <a:lumMod val="75000"/>
-                </a:schemeClr>
-              </a:buClr>
-              <a:buFont typeface="Wingdings" panose="05000000000000000000" pitchFamily="2" charset="2"/>
-              <a:buChar char="u"/>
-            </a:pPr>
-            <a:r>
-              <a:rPr lang="en-US" altLang="zh-CN" sz="3200" dirty="0">
-                <a:solidFill>
-                  <a:schemeClr val="tx1"/>
-                </a:solidFill>
-              </a:rPr>
-              <a:t> </a:t>
-            </a:r>
-            <a:r>
-              <a:rPr lang="en-US" altLang="zh-CN" sz="3200" dirty="0" smtClean="0">
-                <a:solidFill>
-                  <a:schemeClr val="tx1"/>
-                </a:solidFill>
-              </a:rPr>
-              <a:t> </a:t>
-            </a:r>
-            <a:r>
-              <a:rPr lang="zh-CN" altLang="en-US" sz="3200" dirty="0" smtClean="0">
-                <a:solidFill>
-                  <a:schemeClr val="tx1"/>
-                </a:solidFill>
-              </a:rPr>
-              <a:t>反向传播</a:t>
-            </a:r>
-            <a:endParaRPr lang="en-US" altLang="zh-CN" sz="3200" dirty="0" smtClean="0">
-              <a:solidFill>
-                <a:schemeClr val="tx1"/>
-              </a:solidFill>
-            </a:endParaRPr>
-          </a:p>
-          <a:p>
-            <a:pPr>
-              <a:lnSpc>
-                <a:spcPct val="200000"/>
-              </a:lnSpc>
-              <a:buClr>
-                <a:schemeClr val="accent1">
-                  <a:lumMod val="75000"/>
-                </a:schemeClr>
-              </a:buClr>
-              <a:buFont typeface="Wingdings" panose="05000000000000000000" pitchFamily="2" charset="2"/>
-              <a:buChar char="u"/>
-            </a:pPr>
-            <a:r>
-              <a:rPr lang="en-US" altLang="zh-CN" sz="3200" dirty="0">
-                <a:solidFill>
-                  <a:schemeClr val="tx1"/>
-                </a:solidFill>
-              </a:rPr>
-              <a:t> </a:t>
-            </a:r>
-            <a:r>
-              <a:rPr lang="en-US" altLang="zh-CN" sz="3200" dirty="0" smtClean="0">
-                <a:solidFill>
-                  <a:schemeClr val="tx1"/>
-                </a:solidFill>
-              </a:rPr>
-              <a:t> </a:t>
-            </a:r>
-            <a:r>
-              <a:rPr lang="zh-CN" altLang="en-US" sz="3200" dirty="0" smtClean="0">
-                <a:solidFill>
-                  <a:schemeClr val="tx1"/>
-                </a:solidFill>
-              </a:rPr>
-              <a:t>总结</a:t>
-            </a:r>
-            <a:endParaRPr lang="zh-CN" altLang="en-US" sz="3200" dirty="0">
-              <a:solidFill>
-                <a:schemeClr val="tx1"/>
-              </a:solidFill>
-            </a:endParaRPr>
-          </a:p>
-        </p:txBody>
-      </p:sp>
-    </p:spTree>
-    <p:extLst>
-      <p:ext uri="{BB962C8B-B14F-4D97-AF65-F5344CB8AC3E}">
-        <p14:creationId xmlns:p14="http://schemas.microsoft.com/office/powerpoint/2010/main" val="1908671998"/>
-      </p:ext>
-    </p:extLst>
-  </p:cSld>
-  <p:clrMapOvr>
-    <a:masterClrMapping/>
-  </p:clrMapOvr>
-  <p:timing>
-    <p:tnLst>
-      <p:par>
-        <p:cTn id="1" dur="indefinite" restart="never" nodeType="tmRoot"/>
-      </p:par>
-    </p:tnLst>
-  </p:timing>
-</p:sld>
-</file>
-
-<file path=ppt/slides/slide20.xml><?xml version="1.0" encoding="utf-8"?>
+<file path=ppt/slides/slide19.xml><?xml version="1.0" encoding="utf-8"?>
 <p:sld xmlns:a="http://schemas.openxmlformats.org/drawingml/2006/main" xmlns:r="http://schemas.openxmlformats.org/officeDocument/2006/relationships" xmlns:p="http://schemas.openxmlformats.org/presentationml/2006/main">
   <p:cSld>
     <p:spTree>
@@ -18127,7 +16567,242 @@
 </p:sld>
 </file>
 
-<file path=ppt/slides/slide21.xml><?xml version="1.0" encoding="utf-8"?>
+<file path=ppt/slides/slide2.xml><?xml version="1.0" encoding="utf-8"?>
+<p:sld xmlns:a="http://schemas.openxmlformats.org/drawingml/2006/main" xmlns:r="http://schemas.openxmlformats.org/officeDocument/2006/relationships" xmlns:p="http://schemas.openxmlformats.org/presentationml/2006/main">
+  <p:cSld>
+    <p:spTree>
+      <p:nvGrpSpPr>
+        <p:cNvPr id="1" name=""/>
+        <p:cNvGrpSpPr/>
+        <p:nvPr/>
+      </p:nvGrpSpPr>
+      <p:grpSpPr>
+        <a:xfrm>
+          <a:off x="0" y="0"/>
+          <a:ext cx="0" cy="0"/>
+          <a:chOff x="0" y="0"/>
+          <a:chExt cx="0" cy="0"/>
+        </a:xfrm>
+      </p:grpSpPr>
+      <p:sp>
+        <p:nvSpPr>
+          <p:cNvPr id="2" name="标题 1"/>
+          <p:cNvSpPr>
+            <a:spLocks noGrp="1"/>
+          </p:cNvSpPr>
+          <p:nvPr>
+            <p:ph type="title"/>
+          </p:nvPr>
+        </p:nvSpPr>
+        <p:spPr/>
+        <p:txBody>
+          <a:bodyPr/>
+          <a:lstStyle/>
+          <a:p>
+            <a:pPr algn="l"/>
+            <a:r>
+              <a:rPr lang="zh-CN" altLang="en-US" dirty="0" smtClean="0"/>
+              <a:t>目录</a:t>
+            </a:r>
+            <a:endParaRPr lang="zh-CN" altLang="en-US" dirty="0"/>
+          </a:p>
+        </p:txBody>
+      </p:sp>
+      <p:sp>
+        <p:nvSpPr>
+          <p:cNvPr id="3" name="内容占位符 2"/>
+          <p:cNvSpPr>
+            <a:spLocks noGrp="1"/>
+          </p:cNvSpPr>
+          <p:nvPr>
+            <p:ph idx="1"/>
+          </p:nvPr>
+        </p:nvSpPr>
+        <p:spPr/>
+        <p:txBody>
+          <a:bodyPr>
+            <a:normAutofit/>
+          </a:bodyPr>
+          <a:lstStyle/>
+          <a:p>
+            <a:pPr>
+              <a:lnSpc>
+                <a:spcPct val="200000"/>
+              </a:lnSpc>
+              <a:buClr>
+                <a:schemeClr val="accent1">
+                  <a:lumMod val="75000"/>
+                </a:schemeClr>
+              </a:buClr>
+              <a:buFont typeface="Wingdings" panose="05000000000000000000" pitchFamily="2" charset="2"/>
+              <a:buChar char="u"/>
+            </a:pPr>
+            <a:r>
+              <a:rPr lang="en-US" altLang="zh-CN" sz="3200" dirty="0" smtClean="0">
+                <a:solidFill>
+                  <a:schemeClr val="tx1"/>
+                </a:solidFill>
+              </a:rPr>
+              <a:t>  </a:t>
+            </a:r>
+            <a:r>
+              <a:rPr lang="zh-CN" altLang="en-US" sz="3200" dirty="0" smtClean="0">
+                <a:solidFill>
+                  <a:schemeClr val="tx1"/>
+                </a:solidFill>
+              </a:rPr>
+              <a:t>神经网络</a:t>
+            </a:r>
+            <a:endParaRPr lang="en-US" altLang="zh-CN" sz="3200" dirty="0" smtClean="0">
+              <a:solidFill>
+                <a:schemeClr val="tx1"/>
+              </a:solidFill>
+            </a:endParaRPr>
+          </a:p>
+          <a:p>
+            <a:pPr>
+              <a:lnSpc>
+                <a:spcPct val="200000"/>
+              </a:lnSpc>
+              <a:buClr>
+                <a:schemeClr val="accent1">
+                  <a:lumMod val="75000"/>
+                </a:schemeClr>
+              </a:buClr>
+              <a:buFont typeface="Wingdings" panose="05000000000000000000" pitchFamily="2" charset="2"/>
+              <a:buChar char="u"/>
+            </a:pPr>
+            <a:r>
+              <a:rPr lang="en-US" altLang="zh-CN" sz="3200" dirty="0" smtClean="0">
+                <a:solidFill>
+                  <a:schemeClr val="tx1"/>
+                </a:solidFill>
+              </a:rPr>
+              <a:t>  </a:t>
+            </a:r>
+            <a:r>
+              <a:rPr lang="zh-CN" altLang="en-US" sz="3200" dirty="0" smtClean="0">
+                <a:solidFill>
+                  <a:schemeClr val="tx1"/>
+                </a:solidFill>
+              </a:rPr>
+              <a:t>随机梯度下降</a:t>
+            </a:r>
+            <a:endParaRPr lang="en-US" altLang="zh-CN" sz="3200" dirty="0" smtClean="0">
+              <a:solidFill>
+                <a:schemeClr val="tx1"/>
+              </a:solidFill>
+            </a:endParaRPr>
+          </a:p>
+          <a:p>
+            <a:pPr>
+              <a:lnSpc>
+                <a:spcPct val="200000"/>
+              </a:lnSpc>
+              <a:buClr>
+                <a:schemeClr val="accent1">
+                  <a:lumMod val="75000"/>
+                </a:schemeClr>
+              </a:buClr>
+              <a:buFont typeface="Wingdings" panose="05000000000000000000" pitchFamily="2" charset="2"/>
+              <a:buChar char="u"/>
+            </a:pPr>
+            <a:r>
+              <a:rPr lang="en-US" altLang="zh-CN" sz="3200" dirty="0">
+                <a:solidFill>
+                  <a:schemeClr val="tx1"/>
+                </a:solidFill>
+              </a:rPr>
+              <a:t> </a:t>
+            </a:r>
+            <a:r>
+              <a:rPr lang="en-US" altLang="zh-CN" sz="3200" dirty="0" smtClean="0">
+                <a:solidFill>
+                  <a:schemeClr val="tx1"/>
+                </a:solidFill>
+              </a:rPr>
+              <a:t> </a:t>
+            </a:r>
+            <a:r>
+              <a:rPr lang="zh-CN" altLang="en-US" sz="3200" dirty="0" smtClean="0">
+                <a:solidFill>
+                  <a:schemeClr val="tx1"/>
+                </a:solidFill>
+              </a:rPr>
+              <a:t>反向传播</a:t>
+            </a:r>
+            <a:endParaRPr lang="en-US" altLang="zh-CN" sz="3200" dirty="0" smtClean="0">
+              <a:solidFill>
+                <a:schemeClr val="tx1"/>
+              </a:solidFill>
+            </a:endParaRPr>
+          </a:p>
+          <a:p>
+            <a:pPr>
+              <a:lnSpc>
+                <a:spcPct val="200000"/>
+              </a:lnSpc>
+              <a:buClr>
+                <a:schemeClr val="accent1">
+                  <a:lumMod val="75000"/>
+                </a:schemeClr>
+              </a:buClr>
+              <a:buFont typeface="Wingdings" panose="05000000000000000000" pitchFamily="2" charset="2"/>
+              <a:buChar char="u"/>
+            </a:pPr>
+            <a:r>
+              <a:rPr lang="en-US" altLang="zh-CN" sz="3200" dirty="0">
+                <a:solidFill>
+                  <a:schemeClr val="tx1"/>
+                </a:solidFill>
+              </a:rPr>
+              <a:t> </a:t>
+            </a:r>
+            <a:r>
+              <a:rPr lang="en-US" altLang="zh-CN" sz="3200" dirty="0" smtClean="0">
+                <a:solidFill>
+                  <a:schemeClr val="tx1"/>
+                </a:solidFill>
+              </a:rPr>
+              <a:t> </a:t>
+            </a:r>
+            <a:r>
+              <a:rPr lang="zh-CN" altLang="en-US" sz="3200" dirty="0" smtClean="0">
+                <a:solidFill>
+                  <a:schemeClr val="tx1"/>
+                </a:solidFill>
+              </a:rPr>
+              <a:t>总结</a:t>
+            </a:r>
+            <a:endParaRPr lang="zh-CN" altLang="en-US" sz="3200" dirty="0">
+              <a:solidFill>
+                <a:schemeClr val="tx1"/>
+              </a:solidFill>
+            </a:endParaRPr>
+          </a:p>
+        </p:txBody>
+      </p:sp>
+    </p:spTree>
+    <p:extLst>
+      <p:ext uri="{BB962C8B-B14F-4D97-AF65-F5344CB8AC3E}">
+        <p14:creationId xmlns:p14="http://schemas.microsoft.com/office/powerpoint/2010/main" val="1908671998"/>
+      </p:ext>
+    </p:extLst>
+  </p:cSld>
+  <p:clrMapOvr>
+    <a:masterClrMapping/>
+  </p:clrMapOvr>
+  <p:timing>
+    <p:tnLst>
+      <p:par>
+        <p:cTn id="1" dur="indefinite" restart="never" nodeType="tmRoot"/>
+      </p:par>
+    </p:tnLst>
+  </p:timing>
+</p:sld>
+</file>
+
+<file path=ppt/slides/slide20.xml><?xml version="1.0" encoding="utf-8"?>
 <p:sld xmlns:a="http://schemas.openxmlformats.org/drawingml/2006/main" xmlns:r="http://schemas.openxmlformats.org/officeDocument/2006/relationships" xmlns:p="http://schemas.openxmlformats.org/presentationml/2006/main">
   <p:cSld>
     <p:spTree>
@@ -18351,7 +17026,7 @@
 </p:sld>
 </file>
 
-<file path=ppt/slides/slide22.xml><?xml version="1.0" encoding="utf-8"?>
+<file path=ppt/slides/slide21.xml><?xml version="1.0" encoding="utf-8"?>
 <p:sld xmlns:a="http://schemas.openxmlformats.org/drawingml/2006/main" xmlns:r="http://schemas.openxmlformats.org/officeDocument/2006/relationships" xmlns:p="http://schemas.openxmlformats.org/presentationml/2006/main">
   <p:cSld>
     <p:spTree>
@@ -18507,7 +17182,7 @@
 </p:sld>
 </file>
 
-<file path=ppt/slides/slide23.xml><?xml version="1.0" encoding="utf-8"?>
+<file path=ppt/slides/slide22.xml><?xml version="1.0" encoding="utf-8"?>
 <p:sld xmlns:a="http://schemas.openxmlformats.org/drawingml/2006/main" xmlns:r="http://schemas.openxmlformats.org/officeDocument/2006/relationships" xmlns:p="http://schemas.openxmlformats.org/presentationml/2006/main">
   <p:cSld>
     <p:spTree>
@@ -18844,7 +17519,7 @@
 </p:sld>
 </file>
 
-<file path=ppt/slides/slide24.xml><?xml version="1.0" encoding="utf-8"?>
+<file path=ppt/slides/slide23.xml><?xml version="1.0" encoding="utf-8"?>
 <p:sld xmlns:a="http://schemas.openxmlformats.org/drawingml/2006/main" xmlns:r="http://schemas.openxmlformats.org/officeDocument/2006/relationships" xmlns:p="http://schemas.openxmlformats.org/presentationml/2006/main">
   <p:cSld>
     <p:spTree>
@@ -19289,7 +17964,7 @@
 </p:sld>
 </file>
 
-<file path=ppt/slides/slide25.xml><?xml version="1.0" encoding="utf-8"?>
+<file path=ppt/slides/slide24.xml><?xml version="1.0" encoding="utf-8"?>
 <p:sld xmlns:a="http://schemas.openxmlformats.org/drawingml/2006/main" xmlns:r="http://schemas.openxmlformats.org/officeDocument/2006/relationships" xmlns:p="http://schemas.openxmlformats.org/presentationml/2006/main">
   <p:cSld>
     <p:spTree>
@@ -19475,7 +18150,7 @@
 </p:sld>
 </file>
 
-<file path=ppt/slides/slide26.xml><?xml version="1.0" encoding="utf-8"?>
+<file path=ppt/slides/slide25.xml><?xml version="1.0" encoding="utf-8"?>
 <p:sld xmlns:a="http://schemas.openxmlformats.org/drawingml/2006/main" xmlns:r="http://schemas.openxmlformats.org/officeDocument/2006/relationships" xmlns:p="http://schemas.openxmlformats.org/presentationml/2006/main">
   <p:cSld>
     <p:spTree>
@@ -19669,7 +18344,7 @@
 </p:sld>
 </file>
 
-<file path=ppt/slides/slide27.xml><?xml version="1.0" encoding="utf-8"?>
+<file path=ppt/slides/slide26.xml><?xml version="1.0" encoding="utf-8"?>
 <p:sld xmlns:a="http://schemas.openxmlformats.org/drawingml/2006/main" xmlns:r="http://schemas.openxmlformats.org/officeDocument/2006/relationships" xmlns:p="http://schemas.openxmlformats.org/presentationml/2006/main">
   <p:cSld>
     <p:spTree>
@@ -20067,7 +18742,7 @@
 </p:sld>
 </file>
 
-<file path=ppt/slides/slide28.xml><?xml version="1.0" encoding="utf-8"?>
+<file path=ppt/slides/slide27.xml><?xml version="1.0" encoding="utf-8"?>
 <p:sld xmlns:a="http://schemas.openxmlformats.org/drawingml/2006/main" xmlns:r="http://schemas.openxmlformats.org/officeDocument/2006/relationships" xmlns:p="http://schemas.openxmlformats.org/presentationml/2006/main">
   <p:cSld>
     <p:spTree>
@@ -20389,7 +19064,7 @@
 </p:sld>
 </file>
 
-<file path=ppt/slides/slide29.xml><?xml version="1.0" encoding="utf-8"?>
+<file path=ppt/slides/slide28.xml><?xml version="1.0" encoding="utf-8"?>
 <p:sld xmlns:a="http://schemas.openxmlformats.org/drawingml/2006/main" xmlns:r="http://schemas.openxmlformats.org/officeDocument/2006/relationships" xmlns:p="http://schemas.openxmlformats.org/presentationml/2006/main">
   <p:cSld>
     <p:spTree>
@@ -20705,92 +19380,7 @@
 </p:sld>
 </file>
 
-<file path=ppt/slides/slide3.xml><?xml version="1.0" encoding="utf-8"?>
-<p:sld xmlns:a="http://schemas.openxmlformats.org/drawingml/2006/main" xmlns:r="http://schemas.openxmlformats.org/officeDocument/2006/relationships" xmlns:p="http://schemas.openxmlformats.org/presentationml/2006/main">
-  <p:cSld>
-    <p:spTree>
-      <p:nvGrpSpPr>
-        <p:cNvPr id="1" name=""/>
-        <p:cNvGrpSpPr/>
-        <p:nvPr/>
-      </p:nvGrpSpPr>
-      <p:grpSpPr>
-        <a:xfrm>
-          <a:off x="0" y="0"/>
-          <a:ext cx="0" cy="0"/>
-          <a:chOff x="0" y="0"/>
-          <a:chExt cx="0" cy="0"/>
-        </a:xfrm>
-      </p:grpSpPr>
-      <p:sp>
-        <p:nvSpPr>
-          <p:cNvPr id="2" name="标题 1"/>
-          <p:cNvSpPr>
-            <a:spLocks noGrp="1"/>
-          </p:cNvSpPr>
-          <p:nvPr>
-            <p:ph type="title"/>
-          </p:nvPr>
-        </p:nvSpPr>
-        <p:spPr>
-          <a:xfrm>
-            <a:off x="467544" y="2204864"/>
-            <a:ext cx="8229600" cy="1600200"/>
-          </a:xfrm>
-        </p:spPr>
-        <p:txBody>
-          <a:bodyPr/>
-          <a:lstStyle/>
-          <a:p>
-            <a:pPr algn="l"/>
-            <a:r>
-              <a:rPr lang="zh-CN" altLang="en-US" sz="3200" dirty="0"/>
-              <a:t>第一</a:t>
-            </a:r>
-            <a:r>
-              <a:rPr lang="zh-CN" altLang="en-US" sz="3200" dirty="0" smtClean="0"/>
-              <a:t>节</a:t>
-            </a:r>
-            <a:r>
-              <a:rPr lang="en-US" altLang="zh-CN" dirty="0" smtClean="0"/>
-              <a:t/>
-            </a:r>
-            <a:br>
-              <a:rPr lang="en-US" altLang="zh-CN" dirty="0" smtClean="0"/>
-            </a:br>
-            <a:r>
-              <a:rPr lang="en-US" altLang="zh-CN" dirty="0" smtClean="0"/>
-              <a:t>		</a:t>
-            </a:r>
-            <a:r>
-              <a:rPr lang="zh-CN" altLang="en-US" dirty="0" smtClean="0"/>
-              <a:t>神经网络</a:t>
-            </a:r>
-            <a:endParaRPr lang="zh-CN" altLang="en-US" dirty="0"/>
-          </a:p>
-        </p:txBody>
-      </p:sp>
-    </p:spTree>
-    <p:extLst>
-      <p:ext uri="{BB962C8B-B14F-4D97-AF65-F5344CB8AC3E}">
-        <p14:creationId xmlns:p14="http://schemas.microsoft.com/office/powerpoint/2010/main" val="300940375"/>
-      </p:ext>
-    </p:extLst>
-  </p:cSld>
-  <p:clrMapOvr>
-    <a:masterClrMapping/>
-  </p:clrMapOvr>
-  <p:timing>
-    <p:tnLst>
-      <p:par>
-        <p:cTn id="1" dur="indefinite" restart="never" nodeType="tmRoot"/>
-      </p:par>
-    </p:tnLst>
-  </p:timing>
-</p:sld>
-</file>
-
-<file path=ppt/slides/slide30.xml><?xml version="1.0" encoding="utf-8"?>
+<file path=ppt/slides/slide29.xml><?xml version="1.0" encoding="utf-8"?>
 <p:sld xmlns:a="http://schemas.openxmlformats.org/drawingml/2006/main" xmlns:r="http://schemas.openxmlformats.org/officeDocument/2006/relationships" xmlns:p="http://schemas.openxmlformats.org/presentationml/2006/main">
   <p:cSld>
     <p:spTree>
@@ -20967,7 +19557,92 @@
 </p:sld>
 </file>
 
-<file path=ppt/slides/slide31.xml><?xml version="1.0" encoding="utf-8"?>
+<file path=ppt/slides/slide3.xml><?xml version="1.0" encoding="utf-8"?>
+<p:sld xmlns:a="http://schemas.openxmlformats.org/drawingml/2006/main" xmlns:r="http://schemas.openxmlformats.org/officeDocument/2006/relationships" xmlns:p="http://schemas.openxmlformats.org/presentationml/2006/main">
+  <p:cSld>
+    <p:spTree>
+      <p:nvGrpSpPr>
+        <p:cNvPr id="1" name=""/>
+        <p:cNvGrpSpPr/>
+        <p:nvPr/>
+      </p:nvGrpSpPr>
+      <p:grpSpPr>
+        <a:xfrm>
+          <a:off x="0" y="0"/>
+          <a:ext cx="0" cy="0"/>
+          <a:chOff x="0" y="0"/>
+          <a:chExt cx="0" cy="0"/>
+        </a:xfrm>
+      </p:grpSpPr>
+      <p:sp>
+        <p:nvSpPr>
+          <p:cNvPr id="2" name="标题 1"/>
+          <p:cNvSpPr>
+            <a:spLocks noGrp="1"/>
+          </p:cNvSpPr>
+          <p:nvPr>
+            <p:ph type="title"/>
+          </p:nvPr>
+        </p:nvSpPr>
+        <p:spPr>
+          <a:xfrm>
+            <a:off x="467544" y="2204864"/>
+            <a:ext cx="8229600" cy="1600200"/>
+          </a:xfrm>
+        </p:spPr>
+        <p:txBody>
+          <a:bodyPr/>
+          <a:lstStyle/>
+          <a:p>
+            <a:pPr algn="l"/>
+            <a:r>
+              <a:rPr lang="zh-CN" altLang="en-US" sz="3200" dirty="0"/>
+              <a:t>第一</a:t>
+            </a:r>
+            <a:r>
+              <a:rPr lang="zh-CN" altLang="en-US" sz="3200" dirty="0" smtClean="0"/>
+              <a:t>节</a:t>
+            </a:r>
+            <a:r>
+              <a:rPr lang="en-US" altLang="zh-CN" dirty="0" smtClean="0"/>
+              <a:t/>
+            </a:r>
+            <a:br>
+              <a:rPr lang="en-US" altLang="zh-CN" dirty="0" smtClean="0"/>
+            </a:br>
+            <a:r>
+              <a:rPr lang="en-US" altLang="zh-CN" dirty="0" smtClean="0"/>
+              <a:t>		</a:t>
+            </a:r>
+            <a:r>
+              <a:rPr lang="zh-CN" altLang="en-US" dirty="0" smtClean="0"/>
+              <a:t>神经网络</a:t>
+            </a:r>
+            <a:endParaRPr lang="zh-CN" altLang="en-US" dirty="0"/>
+          </a:p>
+        </p:txBody>
+      </p:sp>
+    </p:spTree>
+    <p:extLst>
+      <p:ext uri="{BB962C8B-B14F-4D97-AF65-F5344CB8AC3E}">
+        <p14:creationId xmlns:p14="http://schemas.microsoft.com/office/powerpoint/2010/main" val="300940375"/>
+      </p:ext>
+    </p:extLst>
+  </p:cSld>
+  <p:clrMapOvr>
+    <a:masterClrMapping/>
+  </p:clrMapOvr>
+  <p:timing>
+    <p:tnLst>
+      <p:par>
+        <p:cTn id="1" dur="indefinite" restart="never" nodeType="tmRoot"/>
+      </p:par>
+    </p:tnLst>
+  </p:timing>
+</p:sld>
+</file>
+
+<file path=ppt/slides/slide30.xml><?xml version="1.0" encoding="utf-8"?>
 <p:sld xmlns:a="http://schemas.openxmlformats.org/drawingml/2006/main" xmlns:r="http://schemas.openxmlformats.org/officeDocument/2006/relationships" xmlns:p="http://schemas.openxmlformats.org/presentationml/2006/main">
   <p:cSld>
     <p:spTree>
@@ -21115,7 +19790,7 @@
 </p:sld>
 </file>
 
-<file path=ppt/slides/slide32.xml><?xml version="1.0" encoding="utf-8"?>
+<file path=ppt/slides/slide31.xml><?xml version="1.0" encoding="utf-8"?>
 <p:sld xmlns:a="http://schemas.openxmlformats.org/drawingml/2006/main" xmlns:r="http://schemas.openxmlformats.org/officeDocument/2006/relationships" xmlns:p="http://schemas.openxmlformats.org/presentationml/2006/main">
   <p:cSld>
     <p:spTree>
@@ -21230,7 +19905,7 @@
 </p:sld>
 </file>
 
-<file path=ppt/slides/slide33.xml><?xml version="1.0" encoding="utf-8"?>
+<file path=ppt/slides/slide32.xml><?xml version="1.0" encoding="utf-8"?>
 <p:sld xmlns:a="http://schemas.openxmlformats.org/drawingml/2006/main" xmlns:r="http://schemas.openxmlformats.org/officeDocument/2006/relationships" xmlns:p="http://schemas.openxmlformats.org/presentationml/2006/main">
   <p:cSld>
     <p:spTree>
@@ -21349,7 +20024,7 @@
 </p:sld>
 </file>
 
-<file path=ppt/slides/slide34.xml><?xml version="1.0" encoding="utf-8"?>
+<file path=ppt/slides/slide33.xml><?xml version="1.0" encoding="utf-8"?>
 <p:sld xmlns:a="http://schemas.openxmlformats.org/drawingml/2006/main" xmlns:r="http://schemas.openxmlformats.org/officeDocument/2006/relationships" xmlns:p="http://schemas.openxmlformats.org/presentationml/2006/main">
   <p:cSld>
     <p:spTree>
@@ -21487,7 +20162,7 @@
 </p:sld>
 </file>
 
-<file path=ppt/slides/slide35.xml><?xml version="1.0" encoding="utf-8"?>
+<file path=ppt/slides/slide34.xml><?xml version="1.0" encoding="utf-8"?>
 <p:sld xmlns:a="http://schemas.openxmlformats.org/drawingml/2006/main" xmlns:r="http://schemas.openxmlformats.org/officeDocument/2006/relationships" xmlns:p="http://schemas.openxmlformats.org/presentationml/2006/main">
   <p:cSld>
     <p:spTree>
@@ -21625,7 +20300,7 @@
 </p:sld>
 </file>
 
-<file path=ppt/slides/slide36.xml><?xml version="1.0" encoding="utf-8"?>
+<file path=ppt/slides/slide35.xml><?xml version="1.0" encoding="utf-8"?>
 <p:sld xmlns:a="http://schemas.openxmlformats.org/drawingml/2006/main" xmlns:r="http://schemas.openxmlformats.org/officeDocument/2006/relationships" xmlns:p="http://schemas.openxmlformats.org/presentationml/2006/main">
   <p:cSld>
     <p:spTree>
@@ -21740,7 +20415,7 @@
 </p:sld>
 </file>
 
-<file path=ppt/slides/slide37.xml><?xml version="1.0" encoding="utf-8"?>
+<file path=ppt/slides/slide36.xml><?xml version="1.0" encoding="utf-8"?>
 <p:sld xmlns:a="http://schemas.openxmlformats.org/drawingml/2006/main" xmlns:r="http://schemas.openxmlformats.org/officeDocument/2006/relationships" xmlns:p="http://schemas.openxmlformats.org/presentationml/2006/main">
   <p:cSld>
     <p:spTree>
@@ -21820,7 +20495,6 @@
               <a:rPr lang="zh-CN" altLang="en-US" sz="2800" dirty="0"/>
               <a:t>）</a:t>
             </a:r>
-            <a:endParaRPr lang="zh-CN" altLang="en-US" sz="2800" dirty="0"/>
           </a:p>
         </p:txBody>
       </p:sp>
@@ -21844,7 +20518,7 @@
 </p:sld>
 </file>
 
-<file path=ppt/slides/slide38.xml><?xml version="1.0" encoding="utf-8"?>
+<file path=ppt/slides/slide37.xml><?xml version="1.0" encoding="utf-8"?>
 <p:sld xmlns:a="http://schemas.openxmlformats.org/drawingml/2006/main" xmlns:r="http://schemas.openxmlformats.org/officeDocument/2006/relationships" xmlns:p="http://schemas.openxmlformats.org/presentationml/2006/main">
   <p:cSld>
     <p:spTree>
@@ -22039,7 +20713,7 @@
 </p:sld>
 </file>
 
-<file path=ppt/slides/slide39.xml><?xml version="1.0" encoding="utf-8"?>
+<file path=ppt/slides/slide38.xml><?xml version="1.0" encoding="utf-8"?>
 <p:sld xmlns:a="http://schemas.openxmlformats.org/drawingml/2006/main" xmlns:r="http://schemas.openxmlformats.org/officeDocument/2006/relationships" xmlns:p="http://schemas.openxmlformats.org/presentationml/2006/main">
   <p:cSld>
     <p:spTree>
@@ -22292,175 +20966,7 @@
 </p:sld>
 </file>
 
-<file path=ppt/slides/slide4.xml><?xml version="1.0" encoding="utf-8"?>
-<p:sld xmlns:a="http://schemas.openxmlformats.org/drawingml/2006/main" xmlns:r="http://schemas.openxmlformats.org/officeDocument/2006/relationships" xmlns:p="http://schemas.openxmlformats.org/presentationml/2006/main">
-  <p:cSld>
-    <p:spTree>
-      <p:nvGrpSpPr>
-        <p:cNvPr id="1" name=""/>
-        <p:cNvGrpSpPr/>
-        <p:nvPr/>
-      </p:nvGrpSpPr>
-      <p:grpSpPr>
-        <a:xfrm>
-          <a:off x="0" y="0"/>
-          <a:ext cx="0" cy="0"/>
-          <a:chOff x="0" y="0"/>
-          <a:chExt cx="0" cy="0"/>
-        </a:xfrm>
-      </p:grpSpPr>
-      <p:sp>
-        <p:nvSpPr>
-          <p:cNvPr id="2" name="标题 1"/>
-          <p:cNvSpPr>
-            <a:spLocks noGrp="1"/>
-          </p:cNvSpPr>
-          <p:nvPr>
-            <p:ph type="title"/>
-          </p:nvPr>
-        </p:nvSpPr>
-        <p:spPr/>
-        <p:txBody>
-          <a:bodyPr/>
-          <a:lstStyle/>
-          <a:p>
-            <a:pPr algn="l"/>
-            <a:r>
-              <a:rPr lang="en-US" altLang="zh-CN" dirty="0"/>
-              <a:t>1.1 </a:t>
-            </a:r>
-            <a:r>
-              <a:rPr lang="zh-CN" altLang="en-US" dirty="0" smtClean="0"/>
-              <a:t>原型问题</a:t>
-            </a:r>
-            <a:endParaRPr lang="zh-CN" altLang="en-US" dirty="0"/>
-          </a:p>
-        </p:txBody>
-      </p:sp>
-      <p:pic>
-        <p:nvPicPr>
-          <p:cNvPr id="1026" name="Picture 2"/>
-          <p:cNvPicPr>
-            <a:picLocks noGrp="1" noChangeAspect="1" noChangeArrowheads="1"/>
-          </p:cNvPicPr>
-          <p:nvPr>
-            <p:ph idx="1"/>
-          </p:nvPr>
-        </p:nvPicPr>
-        <p:blipFill>
-          <a:blip r:embed="rId3">
-            <a:extLst>
-              <a:ext uri="{28A0092B-C50C-407E-A947-70E740481C1C}">
-                <a14:useLocalDpi xmlns:a14="http://schemas.microsoft.com/office/drawing/2010/main" val="0"/>
-              </a:ext>
-            </a:extLst>
-          </a:blip>
-          <a:srcRect/>
-          <a:stretch>
-            <a:fillRect/>
-          </a:stretch>
-        </p:blipFill>
-        <p:spPr bwMode="auto">
-          <a:xfrm>
-            <a:off x="3347864" y="1844824"/>
-            <a:ext cx="2209800" cy="676275"/>
-          </a:xfrm>
-          <a:prstGeom prst="rect">
-            <a:avLst/>
-          </a:prstGeom>
-          <a:noFill/>
-          <a:ln>
-            <a:noFill/>
-          </a:ln>
-          <a:extLst>
-            <a:ext uri="{909E8E84-426E-40DD-AFC4-6F175D3DCCD1}">
-              <a14:hiddenFill xmlns:a14="http://schemas.microsoft.com/office/drawing/2010/main">
-                <a:solidFill>
-                  <a:schemeClr val="accent1"/>
-                </a:solidFill>
-              </a14:hiddenFill>
-            </a:ext>
-            <a:ext uri="{91240B29-F687-4F45-9708-019B960494DF}">
-              <a14:hiddenLine xmlns:a14="http://schemas.microsoft.com/office/drawing/2010/main" w="9525">
-                <a:solidFill>
-                  <a:schemeClr val="tx1"/>
-                </a:solidFill>
-                <a:miter lim="800000"/>
-                <a:headEnd/>
-                <a:tailEnd/>
-              </a14:hiddenLine>
-            </a:ext>
-          </a:extLst>
-        </p:spPr>
-      </p:pic>
-      <p:pic>
-        <p:nvPicPr>
-          <p:cNvPr id="1027" name="Picture 3"/>
-          <p:cNvPicPr>
-            <a:picLocks noChangeAspect="1" noChangeArrowheads="1"/>
-          </p:cNvPicPr>
-          <p:nvPr/>
-        </p:nvPicPr>
-        <p:blipFill>
-          <a:blip r:embed="rId4">
-            <a:extLst>
-              <a:ext uri="{28A0092B-C50C-407E-A947-70E740481C1C}">
-                <a14:useLocalDpi xmlns:a14="http://schemas.microsoft.com/office/drawing/2010/main" val="0"/>
-              </a:ext>
-            </a:extLst>
-          </a:blip>
-          <a:srcRect/>
-          <a:stretch>
-            <a:fillRect/>
-          </a:stretch>
-        </p:blipFill>
-        <p:spPr bwMode="auto">
-          <a:xfrm>
-            <a:off x="2051720" y="2564904"/>
-            <a:ext cx="4791075" cy="3657600"/>
-          </a:xfrm>
-          <a:prstGeom prst="rect">
-            <a:avLst/>
-          </a:prstGeom>
-          <a:noFill/>
-          <a:ln>
-            <a:noFill/>
-          </a:ln>
-          <a:extLst>
-            <a:ext uri="{909E8E84-426E-40DD-AFC4-6F175D3DCCD1}">
-              <a14:hiddenFill xmlns:a14="http://schemas.microsoft.com/office/drawing/2010/main">
-                <a:solidFill>
-                  <a:schemeClr val="accent1"/>
-                </a:solidFill>
-              </a14:hiddenFill>
-            </a:ext>
-            <a:ext uri="{91240B29-F687-4F45-9708-019B960494DF}">
-              <a14:hiddenLine xmlns:a14="http://schemas.microsoft.com/office/drawing/2010/main" w="9525">
-                <a:solidFill>
-                  <a:schemeClr val="tx1"/>
-                </a:solidFill>
-                <a:miter lim="800000"/>
-                <a:headEnd/>
-                <a:tailEnd/>
-              </a14:hiddenLine>
-            </a:ext>
-          </a:extLst>
-        </p:spPr>
-      </p:pic>
-    </p:spTree>
-    <p:extLst>
-      <p:ext uri="{BB962C8B-B14F-4D97-AF65-F5344CB8AC3E}">
-        <p14:creationId xmlns:p14="http://schemas.microsoft.com/office/powerpoint/2010/main" val="1924270864"/>
-      </p:ext>
-    </p:extLst>
-  </p:cSld>
-  <p:clrMapOvr>
-    <a:masterClrMapping/>
-  </p:clrMapOvr>
-</p:sld>
-</file>
-
-<file path=ppt/slides/slide40.xml><?xml version="1.0" encoding="utf-8"?>
+<file path=ppt/slides/slide39.xml><?xml version="1.0" encoding="utf-8"?>
 <p:sld xmlns:a="http://schemas.openxmlformats.org/drawingml/2006/main" xmlns:r="http://schemas.openxmlformats.org/officeDocument/2006/relationships" xmlns:p="http://schemas.openxmlformats.org/presentationml/2006/main">
   <p:cSld>
     <p:spTree>
@@ -22988,7 +21494,7 @@
 </p:sld>
 </file>
 
-<file path=ppt/slides/slide41.xml><?xml version="1.0" encoding="utf-8"?>
+<file path=ppt/slides/slide4.xml><?xml version="1.0" encoding="utf-8"?>
 <p:sld xmlns:a="http://schemas.openxmlformats.org/drawingml/2006/main" xmlns:r="http://schemas.openxmlformats.org/officeDocument/2006/relationships" xmlns:p="http://schemas.openxmlformats.org/presentationml/2006/main">
   <p:cSld>
     <p:spTree>
@@ -23022,6 +21528,181 @@
           <a:p>
             <a:pPr algn="l"/>
             <a:r>
+              <a:rPr lang="en-US" altLang="zh-CN" dirty="0"/>
+              <a:t>1.1 </a:t>
+            </a:r>
+            <a:r>
+              <a:rPr lang="zh-CN" altLang="en-US" dirty="0" smtClean="0"/>
+              <a:t>原型问题</a:t>
+            </a:r>
+            <a:endParaRPr lang="zh-CN" altLang="en-US" dirty="0"/>
+          </a:p>
+        </p:txBody>
+      </p:sp>
+      <p:pic>
+        <p:nvPicPr>
+          <p:cNvPr id="1026" name="Picture 2"/>
+          <p:cNvPicPr>
+            <a:picLocks noGrp="1" noChangeAspect="1" noChangeArrowheads="1"/>
+          </p:cNvPicPr>
+          <p:nvPr>
+            <p:ph idx="1"/>
+          </p:nvPr>
+        </p:nvPicPr>
+        <p:blipFill>
+          <a:blip r:embed="rId3">
+            <a:extLst>
+              <a:ext uri="{28A0092B-C50C-407E-A947-70E740481C1C}">
+                <a14:useLocalDpi xmlns:a14="http://schemas.microsoft.com/office/drawing/2010/main" val="0"/>
+              </a:ext>
+            </a:extLst>
+          </a:blip>
+          <a:srcRect/>
+          <a:stretch>
+            <a:fillRect/>
+          </a:stretch>
+        </p:blipFill>
+        <p:spPr bwMode="auto">
+          <a:xfrm>
+            <a:off x="3347864" y="1844824"/>
+            <a:ext cx="2209800" cy="676275"/>
+          </a:xfrm>
+          <a:prstGeom prst="rect">
+            <a:avLst/>
+          </a:prstGeom>
+          <a:noFill/>
+          <a:ln>
+            <a:noFill/>
+          </a:ln>
+          <a:extLst>
+            <a:ext uri="{909E8E84-426E-40DD-AFC4-6F175D3DCCD1}">
+              <a14:hiddenFill xmlns:a14="http://schemas.microsoft.com/office/drawing/2010/main">
+                <a:solidFill>
+                  <a:schemeClr val="accent1"/>
+                </a:solidFill>
+              </a14:hiddenFill>
+            </a:ext>
+            <a:ext uri="{91240B29-F687-4F45-9708-019B960494DF}">
+              <a14:hiddenLine xmlns:a14="http://schemas.microsoft.com/office/drawing/2010/main" w="9525">
+                <a:solidFill>
+                  <a:schemeClr val="tx1"/>
+                </a:solidFill>
+                <a:miter lim="800000"/>
+                <a:headEnd/>
+                <a:tailEnd/>
+              </a14:hiddenLine>
+            </a:ext>
+          </a:extLst>
+        </p:spPr>
+      </p:pic>
+      <p:pic>
+        <p:nvPicPr>
+          <p:cNvPr id="1027" name="Picture 3"/>
+          <p:cNvPicPr>
+            <a:picLocks noChangeAspect="1" noChangeArrowheads="1"/>
+          </p:cNvPicPr>
+          <p:nvPr/>
+        </p:nvPicPr>
+        <p:blipFill>
+          <a:blip r:embed="rId4">
+            <a:extLst>
+              <a:ext uri="{28A0092B-C50C-407E-A947-70E740481C1C}">
+                <a14:useLocalDpi xmlns:a14="http://schemas.microsoft.com/office/drawing/2010/main" val="0"/>
+              </a:ext>
+            </a:extLst>
+          </a:blip>
+          <a:srcRect/>
+          <a:stretch>
+            <a:fillRect/>
+          </a:stretch>
+        </p:blipFill>
+        <p:spPr bwMode="auto">
+          <a:xfrm>
+            <a:off x="2051720" y="2564904"/>
+            <a:ext cx="4791075" cy="3657600"/>
+          </a:xfrm>
+          <a:prstGeom prst="rect">
+            <a:avLst/>
+          </a:prstGeom>
+          <a:noFill/>
+          <a:ln>
+            <a:noFill/>
+          </a:ln>
+          <a:extLst>
+            <a:ext uri="{909E8E84-426E-40DD-AFC4-6F175D3DCCD1}">
+              <a14:hiddenFill xmlns:a14="http://schemas.microsoft.com/office/drawing/2010/main">
+                <a:solidFill>
+                  <a:schemeClr val="accent1"/>
+                </a:solidFill>
+              </a14:hiddenFill>
+            </a:ext>
+            <a:ext uri="{91240B29-F687-4F45-9708-019B960494DF}">
+              <a14:hiddenLine xmlns:a14="http://schemas.microsoft.com/office/drawing/2010/main" w="9525">
+                <a:solidFill>
+                  <a:schemeClr val="tx1"/>
+                </a:solidFill>
+                <a:miter lim="800000"/>
+                <a:headEnd/>
+                <a:tailEnd/>
+              </a14:hiddenLine>
+            </a:ext>
+          </a:extLst>
+        </p:spPr>
+      </p:pic>
+    </p:spTree>
+    <p:extLst>
+      <p:ext uri="{BB962C8B-B14F-4D97-AF65-F5344CB8AC3E}">
+        <p14:creationId xmlns:p14="http://schemas.microsoft.com/office/powerpoint/2010/main" val="1924270864"/>
+      </p:ext>
+    </p:extLst>
+  </p:cSld>
+  <p:clrMapOvr>
+    <a:masterClrMapping/>
+  </p:clrMapOvr>
+  <p:timing>
+    <p:tnLst>
+      <p:par>
+        <p:cTn id="1" dur="indefinite" restart="never" nodeType="tmRoot"/>
+      </p:par>
+    </p:tnLst>
+  </p:timing>
+</p:sld>
+</file>
+
+<file path=ppt/slides/slide40.xml><?xml version="1.0" encoding="utf-8"?>
+<p:sld xmlns:a="http://schemas.openxmlformats.org/drawingml/2006/main" xmlns:r="http://schemas.openxmlformats.org/officeDocument/2006/relationships" xmlns:p="http://schemas.openxmlformats.org/presentationml/2006/main">
+  <p:cSld>
+    <p:spTree>
+      <p:nvGrpSpPr>
+        <p:cNvPr id="1" name=""/>
+        <p:cNvGrpSpPr/>
+        <p:nvPr/>
+      </p:nvGrpSpPr>
+      <p:grpSpPr>
+        <a:xfrm>
+          <a:off x="0" y="0"/>
+          <a:ext cx="0" cy="0"/>
+          <a:chOff x="0" y="0"/>
+          <a:chExt cx="0" cy="0"/>
+        </a:xfrm>
+      </p:grpSpPr>
+      <p:sp>
+        <p:nvSpPr>
+          <p:cNvPr id="2" name="标题 1"/>
+          <p:cNvSpPr>
+            <a:spLocks noGrp="1"/>
+          </p:cNvSpPr>
+          <p:nvPr>
+            <p:ph type="title"/>
+          </p:nvPr>
+        </p:nvSpPr>
+        <p:spPr/>
+        <p:txBody>
+          <a:bodyPr/>
+          <a:lstStyle/>
+          <a:p>
+            <a:pPr algn="l"/>
+            <a:r>
               <a:rPr lang="en-US" altLang="zh-CN" sz="4800" dirty="0" smtClean="0"/>
               <a:t>3.2 </a:t>
             </a:r>
@@ -23109,11 +21790,7 @@
           <a:p>
             <a:r>
               <a:rPr lang="zh-CN" altLang="en-US" dirty="0" smtClean="0"/>
-              <a:t>代价函数</a:t>
-            </a:r>
-            <a:r>
-              <a:rPr lang="zh-CN" altLang="en-US" dirty="0" smtClean="0"/>
-              <a:t>可以写成每个训练样本</a:t>
+              <a:t>代价函数可以写成每个训练样本</a:t>
             </a:r>
             <a:r>
               <a:rPr lang="en-US" altLang="zh-CN" dirty="0" smtClean="0"/>
@@ -23227,7 +21904,7 @@
 </p:sld>
 </file>
 
-<file path=ppt/slides/slide42.xml><?xml version="1.0" encoding="utf-8"?>
+<file path=ppt/slides/slide41.xml><?xml version="1.0" encoding="utf-8"?>
 <p:sld xmlns:a="http://schemas.openxmlformats.org/drawingml/2006/main" xmlns:r="http://schemas.openxmlformats.org/officeDocument/2006/relationships" xmlns:p="http://schemas.openxmlformats.org/presentationml/2006/main">
   <p:cSld>
     <p:spTree>
@@ -23365,7 +22042,7 @@
 </p:sld>
 </file>
 
-<file path=ppt/slides/slide43.xml><?xml version="1.0" encoding="utf-8"?>
+<file path=ppt/slides/slide42.xml><?xml version="1.0" encoding="utf-8"?>
 <p:sld xmlns:a="http://schemas.openxmlformats.org/drawingml/2006/main" xmlns:r="http://schemas.openxmlformats.org/officeDocument/2006/relationships" xmlns:p="http://schemas.openxmlformats.org/presentationml/2006/main">
   <p:cSld>
     <p:spTree>
@@ -23483,7 +22160,7 @@
 </p:sld>
 </file>
 
-<file path=ppt/slides/slide44.xml><?xml version="1.0" encoding="utf-8"?>
+<file path=ppt/slides/slide43.xml><?xml version="1.0" encoding="utf-8"?>
 <p:sld xmlns:a="http://schemas.openxmlformats.org/drawingml/2006/main" xmlns:r="http://schemas.openxmlformats.org/officeDocument/2006/relationships" xmlns:p="http://schemas.openxmlformats.org/presentationml/2006/main">
   <p:cSld>
     <p:spTree>
@@ -23714,7 +22391,7 @@
 </p:sld>
 </file>
 
-<file path=ppt/slides/slide45.xml><?xml version="1.0" encoding="utf-8"?>
+<file path=ppt/slides/slide44.xml><?xml version="1.0" encoding="utf-8"?>
 <p:sld xmlns:a="http://schemas.openxmlformats.org/drawingml/2006/main" xmlns:r="http://schemas.openxmlformats.org/officeDocument/2006/relationships" xmlns:p="http://schemas.openxmlformats.org/presentationml/2006/main">
   <p:cSld>
     <p:spTree>
@@ -23983,7 +22660,7 @@
 </p:sld>
 </file>
 
-<file path=ppt/slides/slide46.xml><?xml version="1.0" encoding="utf-8"?>
+<file path=ppt/slides/slide45.xml><?xml version="1.0" encoding="utf-8"?>
 <p:sld xmlns:a="http://schemas.openxmlformats.org/drawingml/2006/main" xmlns:r="http://schemas.openxmlformats.org/officeDocument/2006/relationships" xmlns:p="http://schemas.openxmlformats.org/presentationml/2006/main">
   <p:cSld>
     <p:spTree>
@@ -24198,7 +22875,7 @@
 </p:sld>
 </file>
 
-<file path=ppt/slides/slide47.xml><?xml version="1.0" encoding="utf-8"?>
+<file path=ppt/slides/slide46.xml><?xml version="1.0" encoding="utf-8"?>
 <p:sld xmlns:a="http://schemas.openxmlformats.org/drawingml/2006/main" xmlns:r="http://schemas.openxmlformats.org/officeDocument/2006/relationships" xmlns:p="http://schemas.openxmlformats.org/presentationml/2006/main">
   <p:cSld>
     <p:spTree>
@@ -24341,7 +23018,7 @@
 </p:sld>
 </file>
 
-<file path=ppt/slides/slide48.xml><?xml version="1.0" encoding="utf-8"?>
+<file path=ppt/slides/slide47.xml><?xml version="1.0" encoding="utf-8"?>
 <p:sld xmlns:a="http://schemas.openxmlformats.org/drawingml/2006/main" xmlns:r="http://schemas.openxmlformats.org/officeDocument/2006/relationships" xmlns:p="http://schemas.openxmlformats.org/presentationml/2006/main">
   <p:cSld>
     <p:spTree>
@@ -24511,7 +23188,7 @@
 </p:sld>
 </file>
 
-<file path=ppt/slides/slide49.xml><?xml version="1.0" encoding="utf-8"?>
+<file path=ppt/slides/slide48.xml><?xml version="1.0" encoding="utf-8"?>
 <p:sld xmlns:a="http://schemas.openxmlformats.org/drawingml/2006/main" xmlns:r="http://schemas.openxmlformats.org/officeDocument/2006/relationships" xmlns:p="http://schemas.openxmlformats.org/presentationml/2006/main">
   <p:cSld>
     <p:spTree>
@@ -24823,7 +23500,7 @@
 </p:sld>
 </file>
 
-<file path=ppt/slides/slide5.xml><?xml version="1.0" encoding="utf-8"?>
+<file path=ppt/slides/slide49.xml><?xml version="1.0" encoding="utf-8"?>
 <p:sld xmlns:a="http://schemas.openxmlformats.org/drawingml/2006/main" xmlns:r="http://schemas.openxmlformats.org/officeDocument/2006/relationships" xmlns:p="http://schemas.openxmlformats.org/presentationml/2006/main">
   <p:cSld>
     <p:spTree>
@@ -24857,145 +23534,25 @@
           <a:p>
             <a:pPr algn="l"/>
             <a:r>
-              <a:rPr lang="en-US" altLang="zh-CN" dirty="0" smtClean="0"/>
-              <a:t>1.2 </a:t>
-            </a:r>
-            <a:r>
-              <a:rPr lang="zh-CN" altLang="en-US" dirty="0" smtClean="0"/>
-              <a:t>感知器</a:t>
-            </a:r>
-            <a:endParaRPr lang="zh-CN" altLang="en-US" dirty="0"/>
-          </a:p>
-        </p:txBody>
-      </p:sp>
-      <p:pic>
-        <p:nvPicPr>
-          <p:cNvPr id="5" name="内容占位符 4"/>
-          <p:cNvPicPr>
-            <a:picLocks noGrp="1" noChangeAspect="1"/>
-          </p:cNvPicPr>
+              <a:rPr lang="en-US" altLang="zh-CN" sz="4800" dirty="0" smtClean="0"/>
+              <a:t>3.6 </a:t>
+            </a:r>
+            <a:r>
+              <a:rPr lang="zh-CN" altLang="en-US" sz="4800" dirty="0" smtClean="0"/>
+              <a:t>四个基本方程的证明</a:t>
+            </a:r>
+            <a:endParaRPr lang="zh-CN" altLang="en-US" sz="4800" dirty="0"/>
+          </a:p>
+        </p:txBody>
+      </p:sp>
+      <p:sp>
+        <p:nvSpPr>
+          <p:cNvPr id="3" name="内容占位符 2"/>
+          <p:cNvSpPr>
+            <a:spLocks noGrp="1"/>
+          </p:cNvSpPr>
           <p:nvPr>
             <p:ph idx="1"/>
-          </p:nvPr>
-        </p:nvPicPr>
-        <p:blipFill>
-          <a:blip r:embed="rId3">
-            <a:extLst>
-              <a:ext uri="{28A0092B-C50C-407E-A947-70E740481C1C}">
-                <a14:useLocalDpi xmlns:a14="http://schemas.microsoft.com/office/drawing/2010/main" val="0"/>
-              </a:ext>
-            </a:extLst>
-          </a:blip>
-          <a:stretch>
-            <a:fillRect/>
-          </a:stretch>
-        </p:blipFill>
-        <p:spPr>
-          <a:xfrm>
-            <a:off x="2915816" y="2114550"/>
-            <a:ext cx="2667000" cy="1314450"/>
-          </a:xfrm>
-        </p:spPr>
-      </p:pic>
-      <p:pic>
-        <p:nvPicPr>
-          <p:cNvPr id="1027" name="Picture 3"/>
-          <p:cNvPicPr>
-            <a:picLocks noChangeAspect="1" noChangeArrowheads="1"/>
-          </p:cNvPicPr>
-          <p:nvPr/>
-        </p:nvPicPr>
-        <p:blipFill>
-          <a:blip r:embed="rId4">
-            <a:extLst>
-              <a:ext uri="{28A0092B-C50C-407E-A947-70E740481C1C}">
-                <a14:useLocalDpi xmlns:a14="http://schemas.microsoft.com/office/drawing/2010/main" val="0"/>
-              </a:ext>
-            </a:extLst>
-          </a:blip>
-          <a:srcRect/>
-          <a:stretch>
-            <a:fillRect/>
-          </a:stretch>
-        </p:blipFill>
-        <p:spPr bwMode="auto">
-          <a:xfrm>
-            <a:off x="2051720" y="4089251"/>
-            <a:ext cx="4495800" cy="923925"/>
-          </a:xfrm>
-          <a:prstGeom prst="rect">
-            <a:avLst/>
-          </a:prstGeom>
-          <a:noFill/>
-          <a:ln>
-            <a:noFill/>
-          </a:ln>
-          <a:extLst>
-            <a:ext uri="{909E8E84-426E-40DD-AFC4-6F175D3DCCD1}">
-              <a14:hiddenFill xmlns:a14="http://schemas.microsoft.com/office/drawing/2010/main">
-                <a:solidFill>
-                  <a:schemeClr val="accent1"/>
-                </a:solidFill>
-              </a14:hiddenFill>
-            </a:ext>
-            <a:ext uri="{91240B29-F687-4F45-9708-019B960494DF}">
-              <a14:hiddenLine xmlns:a14="http://schemas.microsoft.com/office/drawing/2010/main" w="9525">
-                <a:solidFill>
-                  <a:schemeClr val="tx1"/>
-                </a:solidFill>
-                <a:miter lim="800000"/>
-                <a:headEnd/>
-                <a:tailEnd/>
-              </a14:hiddenLine>
-            </a:ext>
-          </a:extLst>
-        </p:spPr>
-      </p:pic>
-    </p:spTree>
-    <p:extLst>
-      <p:ext uri="{BB962C8B-B14F-4D97-AF65-F5344CB8AC3E}">
-        <p14:creationId xmlns:p14="http://schemas.microsoft.com/office/powerpoint/2010/main" val="450763222"/>
-      </p:ext>
-    </p:extLst>
-  </p:cSld>
-  <p:clrMapOvr>
-    <a:masterClrMapping/>
-  </p:clrMapOvr>
-  <p:timing>
-    <p:tnLst>
-      <p:par>
-        <p:cTn id="1" dur="indefinite" restart="never" nodeType="tmRoot"/>
-      </p:par>
-    </p:tnLst>
-  </p:timing>
-</p:sld>
-</file>
-
-<file path=ppt/slides/slide50.xml><?xml version="1.0" encoding="utf-8"?>
-<p:sld xmlns:a="http://schemas.openxmlformats.org/drawingml/2006/main" xmlns:r="http://schemas.openxmlformats.org/officeDocument/2006/relationships" xmlns:p="http://schemas.openxmlformats.org/presentationml/2006/main">
-  <p:cSld>
-    <p:spTree>
-      <p:nvGrpSpPr>
-        <p:cNvPr id="1" name=""/>
-        <p:cNvGrpSpPr/>
-        <p:nvPr/>
-      </p:nvGrpSpPr>
-      <p:grpSpPr>
-        <a:xfrm>
-          <a:off x="0" y="0"/>
-          <a:ext cx="0" cy="0"/>
-          <a:chOff x="0" y="0"/>
-          <a:chExt cx="0" cy="0"/>
-        </a:xfrm>
-      </p:grpSpPr>
-      <p:sp>
-        <p:nvSpPr>
-          <p:cNvPr id="2" name="标题 1"/>
-          <p:cNvSpPr>
-            <a:spLocks noGrp="1"/>
-          </p:cNvSpPr>
-          <p:nvPr>
-            <p:ph type="title"/>
           </p:nvPr>
         </p:nvSpPr>
         <p:spPr/>
@@ -25003,34 +23560,6 @@
           <a:bodyPr/>
           <a:lstStyle/>
           <a:p>
-            <a:pPr algn="l"/>
-            <a:r>
-              <a:rPr lang="en-US" altLang="zh-CN" sz="4800" dirty="0" smtClean="0"/>
-              <a:t>3.6 </a:t>
-            </a:r>
-            <a:r>
-              <a:rPr lang="zh-CN" altLang="en-US" sz="4800" dirty="0" smtClean="0"/>
-              <a:t>四个基本方程的证明</a:t>
-            </a:r>
-            <a:endParaRPr lang="zh-CN" altLang="en-US" sz="4800" dirty="0"/>
-          </a:p>
-        </p:txBody>
-      </p:sp>
-      <p:sp>
-        <p:nvSpPr>
-          <p:cNvPr id="3" name="内容占位符 2"/>
-          <p:cNvSpPr>
-            <a:spLocks noGrp="1"/>
-          </p:cNvSpPr>
-          <p:nvPr>
-            <p:ph idx="1"/>
-          </p:nvPr>
-        </p:nvSpPr>
-        <p:spPr/>
-        <p:txBody>
-          <a:bodyPr/>
-          <a:lstStyle/>
-          <a:p>
             <a:r>
               <a:rPr lang="en-US" altLang="zh-CN" dirty="0" smtClean="0"/>
               <a:t>1. </a:t>
@@ -25065,15 +23594,7 @@
             </a:r>
             <a:r>
               <a:rPr lang="zh-CN" altLang="en-US" dirty="0" smtClean="0"/>
-              <a:t>链式法则（见高数</a:t>
-            </a:r>
-            <a:r>
-              <a:rPr lang="zh-CN" altLang="en-US" dirty="0" smtClean="0"/>
-              <a:t>教材下册第八</a:t>
-            </a:r>
-            <a:r>
-              <a:rPr lang="zh-CN" altLang="en-US" dirty="0" smtClean="0"/>
-              <a:t>章多元函数微分法，第四节多元复合函数的求导法则）得到</a:t>
+              <a:t>链式法则（见高数教材下册第八章多元函数微分法，第四节多元复合函数的求导法则）得到</a:t>
             </a:r>
             <a:r>
               <a:rPr lang="en-US" altLang="zh-CN" dirty="0" smtClean="0"/>
@@ -25301,7 +23822,7 @@
 </p:sld>
 </file>
 
-<file path=ppt/slides/slide51.xml><?xml version="1.0" encoding="utf-8"?>
+<file path=ppt/slides/slide5.xml><?xml version="1.0" encoding="utf-8"?>
 <p:sld xmlns:a="http://schemas.openxmlformats.org/drawingml/2006/main" xmlns:r="http://schemas.openxmlformats.org/officeDocument/2006/relationships" xmlns:p="http://schemas.openxmlformats.org/presentationml/2006/main">
   <p:cSld>
     <p:spTree>
@@ -25335,6 +23856,154 @@
           <a:p>
             <a:pPr algn="l"/>
             <a:r>
+              <a:rPr lang="en-US" altLang="zh-CN" dirty="0" smtClean="0"/>
+              <a:t>1.2 </a:t>
+            </a:r>
+            <a:r>
+              <a:rPr lang="zh-CN" altLang="en-US" dirty="0" smtClean="0"/>
+              <a:t>感知器</a:t>
+            </a:r>
+            <a:endParaRPr lang="zh-CN" altLang="en-US" dirty="0"/>
+          </a:p>
+        </p:txBody>
+      </p:sp>
+      <p:pic>
+        <p:nvPicPr>
+          <p:cNvPr id="5" name="内容占位符 4"/>
+          <p:cNvPicPr>
+            <a:picLocks noGrp="1" noChangeAspect="1"/>
+          </p:cNvPicPr>
+          <p:nvPr>
+            <p:ph idx="1"/>
+          </p:nvPr>
+        </p:nvPicPr>
+        <p:blipFill>
+          <a:blip r:embed="rId3">
+            <a:extLst>
+              <a:ext uri="{28A0092B-C50C-407E-A947-70E740481C1C}">
+                <a14:useLocalDpi xmlns:a14="http://schemas.microsoft.com/office/drawing/2010/main" val="0"/>
+              </a:ext>
+            </a:extLst>
+          </a:blip>
+          <a:stretch>
+            <a:fillRect/>
+          </a:stretch>
+        </p:blipFill>
+        <p:spPr>
+          <a:xfrm>
+            <a:off x="2915816" y="2114550"/>
+            <a:ext cx="2667000" cy="1314450"/>
+          </a:xfrm>
+        </p:spPr>
+      </p:pic>
+      <p:pic>
+        <p:nvPicPr>
+          <p:cNvPr id="1027" name="Picture 3"/>
+          <p:cNvPicPr>
+            <a:picLocks noChangeAspect="1" noChangeArrowheads="1"/>
+          </p:cNvPicPr>
+          <p:nvPr/>
+        </p:nvPicPr>
+        <p:blipFill>
+          <a:blip r:embed="rId4">
+            <a:extLst>
+              <a:ext uri="{28A0092B-C50C-407E-A947-70E740481C1C}">
+                <a14:useLocalDpi xmlns:a14="http://schemas.microsoft.com/office/drawing/2010/main" val="0"/>
+              </a:ext>
+            </a:extLst>
+          </a:blip>
+          <a:srcRect/>
+          <a:stretch>
+            <a:fillRect/>
+          </a:stretch>
+        </p:blipFill>
+        <p:spPr bwMode="auto">
+          <a:xfrm>
+            <a:off x="2051720" y="4089251"/>
+            <a:ext cx="4495800" cy="923925"/>
+          </a:xfrm>
+          <a:prstGeom prst="rect">
+            <a:avLst/>
+          </a:prstGeom>
+          <a:noFill/>
+          <a:ln>
+            <a:noFill/>
+          </a:ln>
+          <a:extLst>
+            <a:ext uri="{909E8E84-426E-40DD-AFC4-6F175D3DCCD1}">
+              <a14:hiddenFill xmlns:a14="http://schemas.microsoft.com/office/drawing/2010/main">
+                <a:solidFill>
+                  <a:schemeClr val="accent1"/>
+                </a:solidFill>
+              </a14:hiddenFill>
+            </a:ext>
+            <a:ext uri="{91240B29-F687-4F45-9708-019B960494DF}">
+              <a14:hiddenLine xmlns:a14="http://schemas.microsoft.com/office/drawing/2010/main" w="9525">
+                <a:solidFill>
+                  <a:schemeClr val="tx1"/>
+                </a:solidFill>
+                <a:miter lim="800000"/>
+                <a:headEnd/>
+                <a:tailEnd/>
+              </a14:hiddenLine>
+            </a:ext>
+          </a:extLst>
+        </p:spPr>
+      </p:pic>
+    </p:spTree>
+    <p:extLst>
+      <p:ext uri="{BB962C8B-B14F-4D97-AF65-F5344CB8AC3E}">
+        <p14:creationId xmlns:p14="http://schemas.microsoft.com/office/powerpoint/2010/main" val="450763222"/>
+      </p:ext>
+    </p:extLst>
+  </p:cSld>
+  <p:clrMapOvr>
+    <a:masterClrMapping/>
+  </p:clrMapOvr>
+  <p:timing>
+    <p:tnLst>
+      <p:par>
+        <p:cTn id="1" dur="indefinite" restart="never" nodeType="tmRoot"/>
+      </p:par>
+    </p:tnLst>
+  </p:timing>
+</p:sld>
+</file>
+
+<file path=ppt/slides/slide50.xml><?xml version="1.0" encoding="utf-8"?>
+<p:sld xmlns:a="http://schemas.openxmlformats.org/drawingml/2006/main" xmlns:r="http://schemas.openxmlformats.org/officeDocument/2006/relationships" xmlns:p="http://schemas.openxmlformats.org/presentationml/2006/main">
+  <p:cSld>
+    <p:spTree>
+      <p:nvGrpSpPr>
+        <p:cNvPr id="1" name=""/>
+        <p:cNvGrpSpPr/>
+        <p:nvPr/>
+      </p:nvGrpSpPr>
+      <p:grpSpPr>
+        <a:xfrm>
+          <a:off x="0" y="0"/>
+          <a:ext cx="0" cy="0"/>
+          <a:chOff x="0" y="0"/>
+          <a:chExt cx="0" cy="0"/>
+        </a:xfrm>
+      </p:grpSpPr>
+      <p:sp>
+        <p:nvSpPr>
+          <p:cNvPr id="2" name="标题 1"/>
+          <p:cNvSpPr>
+            <a:spLocks noGrp="1"/>
+          </p:cNvSpPr>
+          <p:nvPr>
+            <p:ph type="title"/>
+          </p:nvPr>
+        </p:nvSpPr>
+        <p:spPr/>
+        <p:txBody>
+          <a:bodyPr/>
+          <a:lstStyle/>
+          <a:p>
+            <a:pPr algn="l"/>
+            <a:r>
               <a:rPr lang="en-US" altLang="zh-CN" sz="4800" dirty="0" smtClean="0"/>
               <a:t>3.6 </a:t>
             </a:r>
@@ -25415,11 +24084,7 @@
             </a:r>
             <a:r>
               <a:rPr lang="zh-CN" altLang="en-US" dirty="0" smtClean="0"/>
-              <a:t>想要以                           </a:t>
-            </a:r>
-            <a:r>
-              <a:rPr lang="zh-CN" altLang="en-US" dirty="0" smtClean="0"/>
-              <a:t>重写                     </a:t>
+              <a:t>想要以                           重写                     </a:t>
             </a:r>
             <a:r>
               <a:rPr lang="en-US" altLang="zh-CN" dirty="0" smtClean="0"/>
@@ -25645,7 +24310,7 @@
 </p:sld>
 </file>
 
-<file path=ppt/slides/slide52.xml><?xml version="1.0" encoding="utf-8"?>
+<file path=ppt/slides/slide51.xml><?xml version="1.0" encoding="utf-8"?>
 <p:sld xmlns:a="http://schemas.openxmlformats.org/drawingml/2006/main" xmlns:r="http://schemas.openxmlformats.org/officeDocument/2006/relationships" xmlns:p="http://schemas.openxmlformats.org/presentationml/2006/main">
   <p:cSld>
     <p:spTree>
@@ -25749,7 +24414,7 @@
 </p:sld>
 </file>
 
-<file path=ppt/slides/slide53.xml><?xml version="1.0" encoding="utf-8"?>
+<file path=ppt/slides/slide52.xml><?xml version="1.0" encoding="utf-8"?>
 <p:sld xmlns:a="http://schemas.openxmlformats.org/drawingml/2006/main" xmlns:r="http://schemas.openxmlformats.org/officeDocument/2006/relationships" xmlns:p="http://schemas.openxmlformats.org/presentationml/2006/main">
   <p:cSld>
     <p:spTree>
@@ -26161,7 +24826,7 @@
 </p:sld>
 </file>
 
-<file path=ppt/slides/slide54.xml><?xml version="1.0" encoding="utf-8"?>
+<file path=ppt/slides/slide53.xml><?xml version="1.0" encoding="utf-8"?>
 <p:sld xmlns:a="http://schemas.openxmlformats.org/drawingml/2006/main" xmlns:r="http://schemas.openxmlformats.org/officeDocument/2006/relationships" xmlns:p="http://schemas.openxmlformats.org/presentationml/2006/main">
   <p:cSld>
     <p:spTree>
@@ -26584,7 +25249,7 @@
 </p:sld>
 </file>
 
-<file path=ppt/slides/slide55.xml><?xml version="1.0" encoding="utf-8"?>
+<file path=ppt/slides/slide54.xml><?xml version="1.0" encoding="utf-8"?>
 <p:sld xmlns:a="http://schemas.openxmlformats.org/drawingml/2006/main" xmlns:r="http://schemas.openxmlformats.org/officeDocument/2006/relationships" xmlns:p="http://schemas.openxmlformats.org/presentationml/2006/main">
   <p:cSld>
     <p:spTree>
@@ -26713,7 +25378,7 @@
 </p:sld>
 </file>
 
-<file path=ppt/slides/slide56.xml><?xml version="1.0" encoding="utf-8"?>
+<file path=ppt/slides/slide55.xml><?xml version="1.0" encoding="utf-8"?>
 <p:sld xmlns:a="http://schemas.openxmlformats.org/drawingml/2006/main" xmlns:r="http://schemas.openxmlformats.org/officeDocument/2006/relationships" xmlns:p="http://schemas.openxmlformats.org/presentationml/2006/main">
   <p:cSld>
     <p:spTree>
@@ -26828,7 +25493,7 @@
 </p:sld>
 </file>
 
-<file path=ppt/slides/slide57.xml><?xml version="1.0" encoding="utf-8"?>
+<file path=ppt/slides/slide56.xml><?xml version="1.0" encoding="utf-8"?>
 <p:sld xmlns:a="http://schemas.openxmlformats.org/drawingml/2006/main" xmlns:r="http://schemas.openxmlformats.org/officeDocument/2006/relationships" xmlns:p="http://schemas.openxmlformats.org/presentationml/2006/main">
   <p:cSld>
     <p:spTree>
@@ -26916,7 +25581,7 @@
 </p:sld>
 </file>
 
-<file path=ppt/slides/slide58.xml><?xml version="1.0" encoding="utf-8"?>
+<file path=ppt/slides/slide57.xml><?xml version="1.0" encoding="utf-8"?>
 <p:sld xmlns:a="http://schemas.openxmlformats.org/drawingml/2006/main" xmlns:r="http://schemas.openxmlformats.org/officeDocument/2006/relationships" xmlns:p="http://schemas.openxmlformats.org/presentationml/2006/main">
   <p:cSld>
     <p:spTree>
@@ -27406,6 +26071,175 @@
 </p:sld>
 </file>
 
+<file path=ppt/slides/slide58.xml><?xml version="1.0" encoding="utf-8"?>
+<p:sld xmlns:a="http://schemas.openxmlformats.org/drawingml/2006/main" xmlns:r="http://schemas.openxmlformats.org/officeDocument/2006/relationships" xmlns:p="http://schemas.openxmlformats.org/presentationml/2006/main">
+  <p:cSld>
+    <p:spTree>
+      <p:nvGrpSpPr>
+        <p:cNvPr id="1" name=""/>
+        <p:cNvGrpSpPr/>
+        <p:nvPr/>
+      </p:nvGrpSpPr>
+      <p:grpSpPr>
+        <a:xfrm>
+          <a:off x="0" y="0"/>
+          <a:ext cx="0" cy="0"/>
+          <a:chOff x="0" y="0"/>
+          <a:chExt cx="0" cy="0"/>
+        </a:xfrm>
+      </p:grpSpPr>
+      <p:sp>
+        <p:nvSpPr>
+          <p:cNvPr id="2" name="标题 1"/>
+          <p:cNvSpPr>
+            <a:spLocks noGrp="1"/>
+          </p:cNvSpPr>
+          <p:nvPr>
+            <p:ph type="title"/>
+          </p:nvPr>
+        </p:nvSpPr>
+        <p:spPr/>
+        <p:txBody>
+          <a:bodyPr/>
+          <a:lstStyle/>
+          <a:p>
+            <a:pPr algn="l"/>
+            <a:r>
+              <a:rPr lang="en-US" altLang="zh-CN" sz="4800" dirty="0" smtClean="0"/>
+              <a:t>4.2 </a:t>
+            </a:r>
+            <a:r>
+              <a:rPr lang="zh-CN" altLang="en-US" sz="4800" dirty="0" smtClean="0"/>
+              <a:t>使用</a:t>
+            </a:r>
+            <a:r>
+              <a:rPr lang="zh-CN" altLang="en-US" sz="4800" dirty="0"/>
+              <a:t>模型</a:t>
+            </a:r>
+            <a:r>
+              <a:rPr lang="zh-CN" altLang="en-US" sz="4800" dirty="0" smtClean="0"/>
+              <a:t>识别数字</a:t>
+            </a:r>
+            <a:endParaRPr lang="zh-CN" altLang="en-US" sz="4800" dirty="0"/>
+          </a:p>
+        </p:txBody>
+      </p:sp>
+      <p:sp>
+        <p:nvSpPr>
+          <p:cNvPr id="3" name="内容占位符 2"/>
+          <p:cNvSpPr>
+            <a:spLocks noGrp="1"/>
+          </p:cNvSpPr>
+          <p:nvPr>
+            <p:ph idx="1"/>
+          </p:nvPr>
+        </p:nvSpPr>
+        <p:spPr/>
+        <p:txBody>
+          <a:bodyPr/>
+          <a:lstStyle/>
+          <a:p>
+            <a:r>
+              <a:rPr lang="en-US" altLang="zh-CN" dirty="0" smtClean="0"/>
+              <a:t>1. </a:t>
+            </a:r>
+            <a:r>
+              <a:rPr lang="zh-CN" altLang="en-US" dirty="0" smtClean="0"/>
+              <a:t>从文件中加载上面训练出的模型（神经网络的权重和偏置）</a:t>
+            </a:r>
+            <a:endParaRPr lang="en-US" altLang="zh-CN" dirty="0" smtClean="0"/>
+          </a:p>
+          <a:p>
+            <a:r>
+              <a:rPr lang="en-US" altLang="zh-CN" dirty="0" smtClean="0"/>
+              <a:t>2. </a:t>
+            </a:r>
+            <a:r>
+              <a:rPr lang="zh-CN" altLang="en-US" dirty="0" smtClean="0"/>
+              <a:t>输入要识别的图片（转换至</a:t>
+            </a:r>
+            <a:r>
+              <a:rPr lang="en-US" altLang="zh-CN" dirty="0" smtClean="0"/>
+              <a:t>28x28</a:t>
+            </a:r>
+            <a:r>
+              <a:rPr lang="zh-CN" altLang="en-US" dirty="0" smtClean="0"/>
+              <a:t>灰度图，再转换为输入向量）</a:t>
+            </a:r>
+            <a:endParaRPr lang="en-US" altLang="zh-CN" dirty="0" smtClean="0"/>
+          </a:p>
+          <a:p>
+            <a:r>
+              <a:rPr lang="en-US" altLang="zh-CN" dirty="0" smtClean="0"/>
+              <a:t>3. </a:t>
+            </a:r>
+            <a:r>
+              <a:rPr lang="zh-CN" altLang="en-US" dirty="0"/>
+              <a:t>前</a:t>
+            </a:r>
+            <a:r>
+              <a:rPr lang="zh-CN" altLang="en-US" dirty="0" smtClean="0"/>
+              <a:t>向传播（</a:t>
+            </a:r>
+            <a:r>
+              <a:rPr lang="en-US" altLang="zh-CN" dirty="0"/>
+              <a:t> feedforward </a:t>
+            </a:r>
+            <a:r>
+              <a:rPr lang="zh-CN" altLang="en-US" dirty="0" smtClean="0"/>
+              <a:t>）即通过神经网络一层一层的计算下去</a:t>
+            </a:r>
+            <a:endParaRPr lang="en-US" altLang="zh-CN" dirty="0" smtClean="0"/>
+          </a:p>
+          <a:p>
+            <a:r>
+              <a:rPr lang="en-US" altLang="zh-CN" dirty="0" smtClean="0"/>
+              <a:t>4. </a:t>
+            </a:r>
+            <a:r>
+              <a:rPr lang="zh-CN" altLang="en-US" dirty="0" smtClean="0"/>
+              <a:t>得到输出向量（</a:t>
+            </a:r>
+            <a:r>
+              <a:rPr lang="en-US" altLang="zh-CN" dirty="0" smtClean="0"/>
+              <a:t>10</a:t>
+            </a:r>
+            <a:r>
+              <a:rPr lang="zh-CN" altLang="en-US" dirty="0" smtClean="0"/>
+              <a:t>个元素），遍历</a:t>
+            </a:r>
+            <a:r>
+              <a:rPr lang="en-US" altLang="zh-CN" dirty="0" smtClean="0"/>
+              <a:t>10</a:t>
+            </a:r>
+            <a:r>
+              <a:rPr lang="zh-CN" altLang="en-US" dirty="0" smtClean="0"/>
+              <a:t>个元素找出最大值（即是神经网络认为该图像最接近的结果）</a:t>
+            </a:r>
+            <a:endParaRPr lang="zh-CN" altLang="en-US" dirty="0"/>
+          </a:p>
+        </p:txBody>
+      </p:sp>
+    </p:spTree>
+    <p:extLst>
+      <p:ext uri="{BB962C8B-B14F-4D97-AF65-F5344CB8AC3E}">
+        <p14:creationId xmlns:p14="http://schemas.microsoft.com/office/powerpoint/2010/main" val="2568914671"/>
+      </p:ext>
+    </p:extLst>
+  </p:cSld>
+  <p:clrMapOvr>
+    <a:masterClrMapping/>
+  </p:clrMapOvr>
+  <p:timing>
+    <p:tnLst>
+      <p:par>
+        <p:cTn id="1" dur="indefinite" restart="never" nodeType="tmRoot"/>
+      </p:par>
+    </p:tnLst>
+  </p:timing>
+</p:sld>
+</file>
+
 <file path=ppt/slides/slide59.xml><?xml version="1.0" encoding="utf-8"?>
 <p:sld xmlns:a="http://schemas.openxmlformats.org/drawingml/2006/main" xmlns:r="http://schemas.openxmlformats.org/officeDocument/2006/relationships" xmlns:p="http://schemas.openxmlformats.org/presentationml/2006/main">
   <p:cSld>
@@ -27441,19 +26275,11 @@
             <a:pPr algn="l"/>
             <a:r>
               <a:rPr lang="en-US" altLang="zh-CN" sz="4800" dirty="0" smtClean="0"/>
-              <a:t>4.2 </a:t>
+              <a:t>4.3 </a:t>
             </a:r>
             <a:r>
               <a:rPr lang="zh-CN" altLang="en-US" sz="4800" dirty="0" smtClean="0"/>
-              <a:t>使用</a:t>
-            </a:r>
-            <a:r>
-              <a:rPr lang="zh-CN" altLang="en-US" sz="4800" dirty="0"/>
-              <a:t>模型</a:t>
-            </a:r>
-            <a:r>
-              <a:rPr lang="zh-CN" altLang="en-US" sz="4800" dirty="0" smtClean="0"/>
-              <a:t>识别数字</a:t>
+              <a:t>参考文献</a:t>
             </a:r>
             <a:endParaRPr lang="zh-CN" altLang="en-US" sz="4800" dirty="0"/>
           </a:p>
@@ -27475,90 +26301,161 @@
           <a:lstStyle/>
           <a:p>
             <a:r>
-              <a:rPr lang="en-US" altLang="zh-CN" dirty="0" smtClean="0"/>
-              <a:t>1. </a:t>
-            </a:r>
-            <a:r>
-              <a:rPr lang="zh-CN" altLang="en-US" dirty="0" smtClean="0"/>
-              <a:t>从文件中加载上面训练出的模型（神经网络的权重和偏置）</a:t>
+              <a:rPr lang="zh-CN" altLang="en-US" dirty="0" smtClean="0"/>
+              <a:t>原书地址：</a:t>
+            </a:r>
+            <a:endParaRPr lang="en-US" altLang="zh-CN" dirty="0" smtClean="0">
+              <a:hlinkClick r:id="rId3"/>
+            </a:endParaRPr>
+          </a:p>
+          <a:p>
+            <a:pPr lvl="1"/>
+            <a:r>
+              <a:rPr lang="en-US" altLang="zh-CN" dirty="0" smtClean="0">
+                <a:hlinkClick r:id="rId3"/>
+              </a:rPr>
+              <a:t>http</a:t>
+            </a:r>
+            <a:r>
+              <a:rPr lang="en-US" altLang="zh-CN" dirty="0">
+                <a:hlinkClick r:id="rId3"/>
+              </a:rPr>
+              <a:t>://</a:t>
+            </a:r>
+            <a:r>
+              <a:rPr lang="en-US" altLang="zh-CN" dirty="0" smtClean="0">
+                <a:hlinkClick r:id="rId3"/>
+              </a:rPr>
+              <a:t>neuralnetworksanddeeplearning.com/</a:t>
             </a:r>
             <a:endParaRPr lang="en-US" altLang="zh-CN" dirty="0" smtClean="0"/>
           </a:p>
           <a:p>
-            <a:r>
-              <a:rPr lang="en-US" altLang="zh-CN" dirty="0" smtClean="0"/>
-              <a:t>2. </a:t>
-            </a:r>
-            <a:r>
-              <a:rPr lang="zh-CN" altLang="en-US" dirty="0" smtClean="0"/>
-              <a:t>输入要识别的图片（转换至</a:t>
-            </a:r>
-            <a:r>
-              <a:rPr lang="en-US" altLang="zh-CN" dirty="0" smtClean="0"/>
-              <a:t>28x28</a:t>
-            </a:r>
-            <a:r>
-              <a:rPr lang="zh-CN" altLang="en-US" dirty="0" smtClean="0"/>
-              <a:t>灰度图，再转换为输入向量）</a:t>
+            <a:pPr lvl="0"/>
+            <a:r>
+              <a:rPr lang="zh-CN" altLang="en-US" dirty="0" smtClean="0"/>
+              <a:t>反向传播论文：</a:t>
             </a:r>
             <a:endParaRPr lang="en-US" altLang="zh-CN" dirty="0" smtClean="0"/>
           </a:p>
           <a:p>
-            <a:r>
-              <a:rPr lang="en-US" altLang="zh-CN" dirty="0" smtClean="0"/>
-              <a:t>3. </a:t>
-            </a:r>
+            <a:pPr lvl="1"/>
+            <a:r>
+              <a:rPr lang="en-US" altLang="zh-CN" dirty="0">
+                <a:hlinkClick r:id="rId4"/>
+              </a:rPr>
+              <a:t>http://www.nature.com/nature/journal/v323/n6088/pdf/323533a0.pdf</a:t>
+            </a:r>
+            <a:endParaRPr lang="en-US" altLang="zh-CN" dirty="0" smtClean="0"/>
+          </a:p>
+          <a:p>
+            <a:r>
+              <a:rPr lang="en-US" altLang="zh-CN" dirty="0" err="1" smtClean="0"/>
+              <a:t>Youtube</a:t>
+            </a:r>
+            <a:r>
+              <a:rPr lang="zh-CN" altLang="en-US" dirty="0" smtClean="0"/>
+              <a:t>视频：</a:t>
+            </a:r>
+            <a:endParaRPr lang="en-US" altLang="zh-CN" dirty="0" smtClean="0"/>
+          </a:p>
+          <a:p>
+            <a:pPr lvl="1"/>
+            <a:r>
+              <a:rPr lang="en-US" altLang="zh-CN" dirty="0">
+                <a:hlinkClick r:id="rId5"/>
+              </a:rPr>
+              <a:t>https://www.youtube.com/watch?v=aircAruvnKk&amp;t=609s</a:t>
+            </a:r>
+            <a:endParaRPr lang="en-US" altLang="zh-CN" dirty="0"/>
+          </a:p>
+          <a:p>
             <a:r>
               <a:rPr lang="zh-CN" altLang="en-US" dirty="0"/>
-              <a:t>前</a:t>
-            </a:r>
-            <a:r>
-              <a:rPr lang="zh-CN" altLang="en-US" dirty="0" smtClean="0"/>
-              <a:t>向传播（</a:t>
+              <a:t>源码：</a:t>
+            </a:r>
+            <a:endParaRPr lang="en-US" altLang="zh-CN" dirty="0"/>
+          </a:p>
+          <a:p>
+            <a:pPr lvl="1"/>
+            <a:r>
+              <a:rPr lang="en-US" altLang="zh-CN" dirty="0">
+                <a:hlinkClick r:id="rId6"/>
+              </a:rPr>
+              <a:t>https://github.com/mnielsen/neural-networks-and-deep-learning.git</a:t>
+            </a:r>
+            <a:endParaRPr lang="en-US" altLang="zh-CN" dirty="0"/>
+          </a:p>
+          <a:p>
+            <a:pPr lvl="0"/>
+            <a:r>
+              <a:rPr lang="zh-CN" altLang="en-US" dirty="0"/>
+              <a:t>通过</a:t>
             </a:r>
             <a:r>
               <a:rPr lang="en-US" altLang="zh-CN" dirty="0"/>
-              <a:t> feedforward </a:t>
-            </a:r>
-            <a:r>
-              <a:rPr lang="zh-CN" altLang="en-US" dirty="0" smtClean="0"/>
-              <a:t>）即通过神经网络一层一层的计算下去</a:t>
-            </a:r>
-            <a:endParaRPr lang="en-US" altLang="zh-CN" dirty="0" smtClean="0"/>
-          </a:p>
-          <a:p>
-            <a:r>
-              <a:rPr lang="en-US" altLang="zh-CN" dirty="0" smtClean="0"/>
-              <a:t>4. </a:t>
-            </a:r>
-            <a:r>
-              <a:rPr lang="zh-CN" altLang="en-US" dirty="0" smtClean="0"/>
-              <a:t>得到输出向量（</a:t>
-            </a:r>
-            <a:r>
-              <a:rPr lang="en-US" altLang="zh-CN" dirty="0" smtClean="0"/>
-              <a:t>10</a:t>
-            </a:r>
-            <a:r>
-              <a:rPr lang="zh-CN" altLang="en-US" dirty="0" smtClean="0"/>
-              <a:t>个元素），遍历</a:t>
-            </a:r>
-            <a:r>
-              <a:rPr lang="en-US" altLang="zh-CN" dirty="0" smtClean="0"/>
-              <a:t>10</a:t>
-            </a:r>
-            <a:r>
-              <a:rPr lang="zh-CN" altLang="en-US" dirty="0" smtClean="0"/>
-              <a:t>个元素找出最大值（即是神经网络认为该图像最接近的结果）</a:t>
-            </a:r>
-            <a:endParaRPr lang="zh-CN" altLang="en-US" dirty="0"/>
-          </a:p>
-        </p:txBody>
-      </p:sp>
+              <a:t>Django</a:t>
+            </a:r>
+            <a:r>
+              <a:rPr lang="zh-CN" altLang="en-US" dirty="0"/>
+              <a:t>部署到</a:t>
+            </a:r>
+            <a:r>
+              <a:rPr lang="en-US" altLang="zh-CN" dirty="0"/>
+              <a:t>Webserver</a:t>
+            </a:r>
+            <a:r>
+              <a:rPr lang="zh-CN" altLang="en-US" dirty="0"/>
+              <a:t>的源码：</a:t>
+            </a:r>
+            <a:endParaRPr lang="en-US" altLang="zh-CN" dirty="0"/>
+          </a:p>
+          <a:p>
+            <a:pPr lvl="1"/>
+            <a:r>
+              <a:rPr lang="en-US" altLang="zh-CN" dirty="0">
+                <a:hlinkClick r:id="rId7"/>
+              </a:rPr>
+              <a:t>https://</a:t>
+            </a:r>
+            <a:r>
+              <a:rPr lang="en-US" altLang="zh-CN" dirty="0" smtClean="0">
+                <a:hlinkClick r:id="rId7"/>
+              </a:rPr>
+              <a:t>github.com/yish0000/neuralnetwork.git</a:t>
+            </a:r>
+            <a:endParaRPr lang="en-US" altLang="zh-CN" dirty="0"/>
+          </a:p>
+        </p:txBody>
+      </p:sp>
+      <p:pic>
+        <p:nvPicPr>
+          <p:cNvPr id="5" name="图片 4"/>
+          <p:cNvPicPr>
+            <a:picLocks noChangeAspect="1"/>
+          </p:cNvPicPr>
+          <p:nvPr/>
+        </p:nvPicPr>
+        <p:blipFill>
+          <a:blip r:embed="rId8"/>
+          <a:stretch>
+            <a:fillRect/>
+          </a:stretch>
+        </p:blipFill>
+        <p:spPr>
+          <a:xfrm>
+            <a:off x="5833725" y="764704"/>
+            <a:ext cx="2266667" cy="2028571"/>
+          </a:xfrm>
+          <a:prstGeom prst="rect">
+            <a:avLst/>
+          </a:prstGeom>
+        </p:spPr>
+      </p:pic>
     </p:spTree>
     <p:extLst>
       <p:ext uri="{BB962C8B-B14F-4D97-AF65-F5344CB8AC3E}">
-        <p14:creationId xmlns:p14="http://schemas.microsoft.com/office/powerpoint/2010/main" val="2568914671"/>
+        <p14:creationId xmlns:p14="http://schemas.microsoft.com/office/powerpoint/2010/main" val="1983615869"/>
       </p:ext>
     </p:extLst>
   </p:cSld>
@@ -27882,244 +26779,6 @@
             <p:ph type="title"/>
           </p:nvPr>
         </p:nvSpPr>
-        <p:spPr/>
-        <p:txBody>
-          <a:bodyPr/>
-          <a:lstStyle/>
-          <a:p>
-            <a:pPr algn="l"/>
-            <a:r>
-              <a:rPr lang="en-US" altLang="zh-CN" sz="4800" dirty="0" smtClean="0"/>
-              <a:t>4.3 </a:t>
-            </a:r>
-            <a:r>
-              <a:rPr lang="zh-CN" altLang="en-US" sz="4800" dirty="0" smtClean="0"/>
-              <a:t>参考文献</a:t>
-            </a:r>
-            <a:endParaRPr lang="zh-CN" altLang="en-US" sz="4800" dirty="0"/>
-          </a:p>
-        </p:txBody>
-      </p:sp>
-      <p:sp>
-        <p:nvSpPr>
-          <p:cNvPr id="3" name="内容占位符 2"/>
-          <p:cNvSpPr>
-            <a:spLocks noGrp="1"/>
-          </p:cNvSpPr>
-          <p:nvPr>
-            <p:ph idx="1"/>
-          </p:nvPr>
-        </p:nvSpPr>
-        <p:spPr/>
-        <p:txBody>
-          <a:bodyPr/>
-          <a:lstStyle/>
-          <a:p>
-            <a:r>
-              <a:rPr lang="zh-CN" altLang="en-US" dirty="0" smtClean="0"/>
-              <a:t>原书地址：</a:t>
-            </a:r>
-            <a:endParaRPr lang="en-US" altLang="zh-CN" dirty="0" smtClean="0">
-              <a:hlinkClick r:id="rId3"/>
-            </a:endParaRPr>
-          </a:p>
-          <a:p>
-            <a:pPr lvl="1"/>
-            <a:r>
-              <a:rPr lang="en-US" altLang="zh-CN" dirty="0" smtClean="0">
-                <a:hlinkClick r:id="rId3"/>
-              </a:rPr>
-              <a:t>http</a:t>
-            </a:r>
-            <a:r>
-              <a:rPr lang="en-US" altLang="zh-CN" dirty="0">
-                <a:hlinkClick r:id="rId3"/>
-              </a:rPr>
-              <a:t>://</a:t>
-            </a:r>
-            <a:r>
-              <a:rPr lang="en-US" altLang="zh-CN" dirty="0" smtClean="0">
-                <a:hlinkClick r:id="rId3"/>
-              </a:rPr>
-              <a:t>neuralnetworksanddeeplearning.com</a:t>
-            </a:r>
-            <a:r>
-              <a:rPr lang="en-US" altLang="zh-CN" dirty="0" smtClean="0">
-                <a:hlinkClick r:id="rId3"/>
-              </a:rPr>
-              <a:t>/</a:t>
-            </a:r>
-            <a:endParaRPr lang="en-US" altLang="zh-CN" dirty="0" smtClean="0"/>
-          </a:p>
-          <a:p>
-            <a:pPr lvl="0"/>
-            <a:r>
-              <a:rPr lang="zh-CN" altLang="en-US" dirty="0" smtClean="0"/>
-              <a:t>反向传播论文：</a:t>
-            </a:r>
-            <a:endParaRPr lang="en-US" altLang="zh-CN" dirty="0" smtClean="0"/>
-          </a:p>
-          <a:p>
-            <a:pPr lvl="1"/>
-            <a:r>
-              <a:rPr lang="en-US" altLang="zh-CN" dirty="0">
-                <a:hlinkClick r:id="rId4"/>
-              </a:rPr>
-              <a:t>http://www.nature.com/nature/journal/v323/n6088/pdf/323533a0.pdf</a:t>
-            </a:r>
-            <a:endParaRPr lang="en-US" altLang="zh-CN" dirty="0" smtClean="0"/>
-          </a:p>
-          <a:p>
-            <a:r>
-              <a:rPr lang="en-US" altLang="zh-CN" dirty="0" err="1" smtClean="0"/>
-              <a:t>Youtube</a:t>
-            </a:r>
-            <a:r>
-              <a:rPr lang="zh-CN" altLang="en-US" dirty="0" smtClean="0"/>
-              <a:t>视频：</a:t>
-            </a:r>
-            <a:endParaRPr lang="en-US" altLang="zh-CN" dirty="0" smtClean="0"/>
-          </a:p>
-          <a:p>
-            <a:pPr lvl="1"/>
-            <a:r>
-              <a:rPr lang="en-US" altLang="zh-CN" dirty="0">
-                <a:hlinkClick r:id="rId5"/>
-              </a:rPr>
-              <a:t>https://www.youtube.com/watch?v=aircAruvnKk&amp;t=609s</a:t>
-            </a:r>
-            <a:endParaRPr lang="en-US" altLang="zh-CN" dirty="0"/>
-          </a:p>
-          <a:p>
-            <a:r>
-              <a:rPr lang="zh-CN" altLang="en-US" dirty="0"/>
-              <a:t>源码：</a:t>
-            </a:r>
-            <a:endParaRPr lang="en-US" altLang="zh-CN" dirty="0"/>
-          </a:p>
-          <a:p>
-            <a:pPr lvl="1"/>
-            <a:r>
-              <a:rPr lang="en-US" altLang="zh-CN" dirty="0">
-                <a:hlinkClick r:id="rId6"/>
-              </a:rPr>
-              <a:t>https://github.com/mnielsen/neural-networks-and-deep-learning.git</a:t>
-            </a:r>
-            <a:endParaRPr lang="en-US" altLang="zh-CN" dirty="0"/>
-          </a:p>
-          <a:p>
-            <a:pPr lvl="0"/>
-            <a:r>
-              <a:rPr lang="zh-CN" altLang="en-US" dirty="0"/>
-              <a:t>通过</a:t>
-            </a:r>
-            <a:r>
-              <a:rPr lang="en-US" altLang="zh-CN" dirty="0"/>
-              <a:t>Django</a:t>
-            </a:r>
-            <a:r>
-              <a:rPr lang="zh-CN" altLang="en-US" dirty="0"/>
-              <a:t>部署到</a:t>
-            </a:r>
-            <a:r>
-              <a:rPr lang="en-US" altLang="zh-CN" dirty="0"/>
-              <a:t>Webserver</a:t>
-            </a:r>
-            <a:r>
-              <a:rPr lang="zh-CN" altLang="en-US" dirty="0"/>
-              <a:t>的源码：</a:t>
-            </a:r>
-            <a:endParaRPr lang="en-US" altLang="zh-CN" dirty="0"/>
-          </a:p>
-          <a:p>
-            <a:pPr lvl="1"/>
-            <a:r>
-              <a:rPr lang="en-US" altLang="zh-CN" dirty="0">
-                <a:hlinkClick r:id="rId7"/>
-              </a:rPr>
-              <a:t>https://</a:t>
-            </a:r>
-            <a:r>
-              <a:rPr lang="en-US" altLang="zh-CN" dirty="0" smtClean="0">
-                <a:hlinkClick r:id="rId7"/>
-              </a:rPr>
-              <a:t>github.com/yish0000/neuralnetwork.git</a:t>
-            </a:r>
-            <a:endParaRPr lang="en-US" altLang="zh-CN" dirty="0"/>
-          </a:p>
-        </p:txBody>
-      </p:sp>
-      <p:pic>
-        <p:nvPicPr>
-          <p:cNvPr id="5" name="图片 4"/>
-          <p:cNvPicPr>
-            <a:picLocks noChangeAspect="1"/>
-          </p:cNvPicPr>
-          <p:nvPr/>
-        </p:nvPicPr>
-        <p:blipFill>
-          <a:blip r:embed="rId8"/>
-          <a:stretch>
-            <a:fillRect/>
-          </a:stretch>
-        </p:blipFill>
-        <p:spPr>
-          <a:xfrm>
-            <a:off x="5833725" y="764704"/>
-            <a:ext cx="2266667" cy="2028571"/>
-          </a:xfrm>
-          <a:prstGeom prst="rect">
-            <a:avLst/>
-          </a:prstGeom>
-        </p:spPr>
-      </p:pic>
-    </p:spTree>
-    <p:extLst>
-      <p:ext uri="{BB962C8B-B14F-4D97-AF65-F5344CB8AC3E}">
-        <p14:creationId xmlns:p14="http://schemas.microsoft.com/office/powerpoint/2010/main" val="1983615869"/>
-      </p:ext>
-    </p:extLst>
-  </p:cSld>
-  <p:clrMapOvr>
-    <a:masterClrMapping/>
-  </p:clrMapOvr>
-  <p:timing>
-    <p:tnLst>
-      <p:par>
-        <p:cTn id="1" dur="indefinite" restart="never" nodeType="tmRoot"/>
-      </p:par>
-    </p:tnLst>
-  </p:timing>
-</p:sld>
-</file>
-
-<file path=ppt/slides/slide61.xml><?xml version="1.0" encoding="utf-8"?>
-<p:sld xmlns:a="http://schemas.openxmlformats.org/drawingml/2006/main" xmlns:r="http://schemas.openxmlformats.org/officeDocument/2006/relationships" xmlns:p="http://schemas.openxmlformats.org/presentationml/2006/main">
-  <p:cSld>
-    <p:spTree>
-      <p:nvGrpSpPr>
-        <p:cNvPr id="1" name=""/>
-        <p:cNvGrpSpPr/>
-        <p:nvPr/>
-      </p:nvGrpSpPr>
-      <p:grpSpPr>
-        <a:xfrm>
-          <a:off x="0" y="0"/>
-          <a:ext cx="0" cy="0"/>
-          <a:chOff x="0" y="0"/>
-          <a:chExt cx="0" cy="0"/>
-        </a:xfrm>
-      </p:grpSpPr>
-      <p:sp>
-        <p:nvSpPr>
-          <p:cNvPr id="2" name="标题 1"/>
-          <p:cNvSpPr>
-            <a:spLocks noGrp="1"/>
-          </p:cNvSpPr>
-          <p:nvPr>
-            <p:ph type="title"/>
-          </p:nvPr>
-        </p:nvSpPr>
         <p:spPr>
           <a:xfrm>
             <a:off x="457200" y="2548880"/>
@@ -28158,7 +26817,7 @@
 </p:sld>
 </file>
 
-<file path=ppt/slides/slide62.xml><?xml version="1.0" encoding="utf-8"?>
+<file path=ppt/slides/slide61.xml><?xml version="1.0" encoding="utf-8"?>
 <p:sld xmlns:a="http://schemas.openxmlformats.org/drawingml/2006/main" xmlns:r="http://schemas.openxmlformats.org/officeDocument/2006/relationships" xmlns:p="http://schemas.openxmlformats.org/presentationml/2006/main">
   <p:cSld>
     <p:spTree>
